--- a/www/RI_GUIDE.pptx
+++ b/www/RI_GUIDE.pptx
@@ -5,11 +5,17 @@
     <p:sldMasterId id="2147483660" r:id="rId6"/>
   </p:sldMasterIdLst>
   <p:notesMasterIdLst>
-    <p:notesMasterId r:id="rId9"/>
+    <p:notesMasterId r:id="rId15"/>
   </p:notesMasterIdLst>
   <p:sldIdLst>
     <p:sldId id="256" r:id="rId7"/>
     <p:sldId id="257" r:id="rId8"/>
+    <p:sldId id="258" r:id="rId9"/>
+    <p:sldId id="259" r:id="rId10"/>
+    <p:sldId id="260" r:id="rId11"/>
+    <p:sldId id="261" r:id="rId12"/>
+    <p:sldId id="262" r:id="rId13"/>
+    <p:sldId id="263" r:id="rId14"/>
   </p:sldIdLst>
   <p:sldSz cx="9144000" cy="5143500" type="screen16x9"/>
   <p:notesSz cx="6858000" cy="9144000"/>
@@ -209,7 +215,7 @@
           <a:p>
             <a:fld id="{6DF04430-EB95-4461-BE68-2466FDCE3B9D}" type="datetimeFigureOut">
               <a:rPr lang="en-CA" smtClean="0"/>
-              <a:t>2023-08-01</a:t>
+              <a:t>2023-08-14</a:t>
             </a:fld>
             <a:endParaRPr lang="en-CA"/>
           </a:p>
@@ -649,6 +655,510 @@
 </p:notes>
 </file>
 
+<file path=ppt/notesSlides/notesSlide3.xml><?xml version="1.0" encoding="utf-8"?>
+<p:notes xmlns:a="http://schemas.openxmlformats.org/drawingml/2006/main" xmlns:r="http://schemas.openxmlformats.org/officeDocument/2006/relationships" xmlns:p="http://schemas.openxmlformats.org/presentationml/2006/main">
+  <p:cSld>
+    <p:spTree>
+      <p:nvGrpSpPr>
+        <p:cNvPr id="1" name=""/>
+        <p:cNvGrpSpPr/>
+        <p:nvPr/>
+      </p:nvGrpSpPr>
+      <p:grpSpPr>
+        <a:xfrm>
+          <a:off x="0" y="0"/>
+          <a:ext cx="0" cy="0"/>
+          <a:chOff x="0" y="0"/>
+          <a:chExt cx="0" cy="0"/>
+        </a:xfrm>
+      </p:grpSpPr>
+      <p:sp>
+        <p:nvSpPr>
+          <p:cNvPr id="2" name="Slide Image Placeholder 1"/>
+          <p:cNvSpPr>
+            <a:spLocks noGrp="1" noRot="1" noChangeAspect="1"/>
+          </p:cNvSpPr>
+          <p:nvPr>
+            <p:ph type="sldImg"/>
+          </p:nvPr>
+        </p:nvSpPr>
+        <p:spPr/>
+      </p:sp>
+      <p:sp>
+        <p:nvSpPr>
+          <p:cNvPr id="3" name="Notes Placeholder 2"/>
+          <p:cNvSpPr>
+            <a:spLocks noGrp="1"/>
+          </p:cNvSpPr>
+          <p:nvPr>
+            <p:ph type="body" idx="1"/>
+          </p:nvPr>
+        </p:nvSpPr>
+        <p:spPr/>
+        <p:txBody>
+          <a:bodyPr/>
+          <a:lstStyle/>
+          <a:p>
+            <a:endParaRPr lang="en-CA"/>
+          </a:p>
+        </p:txBody>
+      </p:sp>
+      <p:sp>
+        <p:nvSpPr>
+          <p:cNvPr id="4" name="Slide Number Placeholder 3"/>
+          <p:cNvSpPr>
+            <a:spLocks noGrp="1"/>
+          </p:cNvSpPr>
+          <p:nvPr>
+            <p:ph type="sldNum" sz="quarter" idx="5"/>
+          </p:nvPr>
+        </p:nvSpPr>
+        <p:spPr/>
+        <p:txBody>
+          <a:bodyPr/>
+          <a:lstStyle/>
+          <a:p>
+            <a:fld id="{707FE74B-307F-4064-955D-4424C3D9D715}" type="slidenum">
+              <a:rPr lang="en-CA" smtClean="0"/>
+              <a:t>3</a:t>
+            </a:fld>
+            <a:endParaRPr lang="en-CA"/>
+          </a:p>
+        </p:txBody>
+      </p:sp>
+    </p:spTree>
+    <p:extLst>
+      <p:ext uri="{BB962C8B-B14F-4D97-AF65-F5344CB8AC3E}">
+        <p14:creationId xmlns:p14="http://schemas.microsoft.com/office/powerpoint/2010/main" val="3310802949"/>
+      </p:ext>
+    </p:extLst>
+  </p:cSld>
+  <p:clrMapOvr>
+    <a:masterClrMapping/>
+  </p:clrMapOvr>
+</p:notes>
+</file>
+
+<file path=ppt/notesSlides/notesSlide4.xml><?xml version="1.0" encoding="utf-8"?>
+<p:notes xmlns:a="http://schemas.openxmlformats.org/drawingml/2006/main" xmlns:r="http://schemas.openxmlformats.org/officeDocument/2006/relationships" xmlns:p="http://schemas.openxmlformats.org/presentationml/2006/main">
+  <p:cSld>
+    <p:spTree>
+      <p:nvGrpSpPr>
+        <p:cNvPr id="1" name=""/>
+        <p:cNvGrpSpPr/>
+        <p:nvPr/>
+      </p:nvGrpSpPr>
+      <p:grpSpPr>
+        <a:xfrm>
+          <a:off x="0" y="0"/>
+          <a:ext cx="0" cy="0"/>
+          <a:chOff x="0" y="0"/>
+          <a:chExt cx="0" cy="0"/>
+        </a:xfrm>
+      </p:grpSpPr>
+      <p:sp>
+        <p:nvSpPr>
+          <p:cNvPr id="2" name="Slide Image Placeholder 1"/>
+          <p:cNvSpPr>
+            <a:spLocks noGrp="1" noRot="1" noChangeAspect="1"/>
+          </p:cNvSpPr>
+          <p:nvPr>
+            <p:ph type="sldImg"/>
+          </p:nvPr>
+        </p:nvSpPr>
+        <p:spPr/>
+      </p:sp>
+      <p:sp>
+        <p:nvSpPr>
+          <p:cNvPr id="3" name="Notes Placeholder 2"/>
+          <p:cNvSpPr>
+            <a:spLocks noGrp="1"/>
+          </p:cNvSpPr>
+          <p:nvPr>
+            <p:ph type="body" idx="1"/>
+          </p:nvPr>
+        </p:nvSpPr>
+        <p:spPr/>
+        <p:txBody>
+          <a:bodyPr/>
+          <a:lstStyle/>
+          <a:p>
+            <a:endParaRPr lang="en-CA"/>
+          </a:p>
+        </p:txBody>
+      </p:sp>
+      <p:sp>
+        <p:nvSpPr>
+          <p:cNvPr id="4" name="Slide Number Placeholder 3"/>
+          <p:cNvSpPr>
+            <a:spLocks noGrp="1"/>
+          </p:cNvSpPr>
+          <p:nvPr>
+            <p:ph type="sldNum" sz="quarter" idx="5"/>
+          </p:nvPr>
+        </p:nvSpPr>
+        <p:spPr/>
+        <p:txBody>
+          <a:bodyPr/>
+          <a:lstStyle/>
+          <a:p>
+            <a:fld id="{707FE74B-307F-4064-955D-4424C3D9D715}" type="slidenum">
+              <a:rPr lang="en-CA" smtClean="0"/>
+              <a:t>4</a:t>
+            </a:fld>
+            <a:endParaRPr lang="en-CA"/>
+          </a:p>
+        </p:txBody>
+      </p:sp>
+    </p:spTree>
+    <p:extLst>
+      <p:ext uri="{BB962C8B-B14F-4D97-AF65-F5344CB8AC3E}">
+        <p14:creationId xmlns:p14="http://schemas.microsoft.com/office/powerpoint/2010/main" val="1322817428"/>
+      </p:ext>
+    </p:extLst>
+  </p:cSld>
+  <p:clrMapOvr>
+    <a:masterClrMapping/>
+  </p:clrMapOvr>
+</p:notes>
+</file>
+
+<file path=ppt/notesSlides/notesSlide5.xml><?xml version="1.0" encoding="utf-8"?>
+<p:notes xmlns:a="http://schemas.openxmlformats.org/drawingml/2006/main" xmlns:r="http://schemas.openxmlformats.org/officeDocument/2006/relationships" xmlns:p="http://schemas.openxmlformats.org/presentationml/2006/main">
+  <p:cSld>
+    <p:spTree>
+      <p:nvGrpSpPr>
+        <p:cNvPr id="1" name=""/>
+        <p:cNvGrpSpPr/>
+        <p:nvPr/>
+      </p:nvGrpSpPr>
+      <p:grpSpPr>
+        <a:xfrm>
+          <a:off x="0" y="0"/>
+          <a:ext cx="0" cy="0"/>
+          <a:chOff x="0" y="0"/>
+          <a:chExt cx="0" cy="0"/>
+        </a:xfrm>
+      </p:grpSpPr>
+      <p:sp>
+        <p:nvSpPr>
+          <p:cNvPr id="2" name="Slide Image Placeholder 1"/>
+          <p:cNvSpPr>
+            <a:spLocks noGrp="1" noRot="1" noChangeAspect="1"/>
+          </p:cNvSpPr>
+          <p:nvPr>
+            <p:ph type="sldImg"/>
+          </p:nvPr>
+        </p:nvSpPr>
+        <p:spPr/>
+      </p:sp>
+      <p:sp>
+        <p:nvSpPr>
+          <p:cNvPr id="3" name="Notes Placeholder 2"/>
+          <p:cNvSpPr>
+            <a:spLocks noGrp="1"/>
+          </p:cNvSpPr>
+          <p:nvPr>
+            <p:ph type="body" idx="1"/>
+          </p:nvPr>
+        </p:nvSpPr>
+        <p:spPr/>
+        <p:txBody>
+          <a:bodyPr/>
+          <a:lstStyle/>
+          <a:p>
+            <a:endParaRPr lang="en-CA"/>
+          </a:p>
+        </p:txBody>
+      </p:sp>
+      <p:sp>
+        <p:nvSpPr>
+          <p:cNvPr id="4" name="Slide Number Placeholder 3"/>
+          <p:cNvSpPr>
+            <a:spLocks noGrp="1"/>
+          </p:cNvSpPr>
+          <p:nvPr>
+            <p:ph type="sldNum" sz="quarter" idx="5"/>
+          </p:nvPr>
+        </p:nvSpPr>
+        <p:spPr/>
+        <p:txBody>
+          <a:bodyPr/>
+          <a:lstStyle/>
+          <a:p>
+            <a:fld id="{707FE74B-307F-4064-955D-4424C3D9D715}" type="slidenum">
+              <a:rPr lang="en-CA" smtClean="0"/>
+              <a:t>5</a:t>
+            </a:fld>
+            <a:endParaRPr lang="en-CA"/>
+          </a:p>
+        </p:txBody>
+      </p:sp>
+    </p:spTree>
+    <p:extLst>
+      <p:ext uri="{BB962C8B-B14F-4D97-AF65-F5344CB8AC3E}">
+        <p14:creationId xmlns:p14="http://schemas.microsoft.com/office/powerpoint/2010/main" val="3257856828"/>
+      </p:ext>
+    </p:extLst>
+  </p:cSld>
+  <p:clrMapOvr>
+    <a:masterClrMapping/>
+  </p:clrMapOvr>
+</p:notes>
+</file>
+
+<file path=ppt/notesSlides/notesSlide6.xml><?xml version="1.0" encoding="utf-8"?>
+<p:notes xmlns:a="http://schemas.openxmlformats.org/drawingml/2006/main" xmlns:r="http://schemas.openxmlformats.org/officeDocument/2006/relationships" xmlns:p="http://schemas.openxmlformats.org/presentationml/2006/main">
+  <p:cSld>
+    <p:spTree>
+      <p:nvGrpSpPr>
+        <p:cNvPr id="1" name=""/>
+        <p:cNvGrpSpPr/>
+        <p:nvPr/>
+      </p:nvGrpSpPr>
+      <p:grpSpPr>
+        <a:xfrm>
+          <a:off x="0" y="0"/>
+          <a:ext cx="0" cy="0"/>
+          <a:chOff x="0" y="0"/>
+          <a:chExt cx="0" cy="0"/>
+        </a:xfrm>
+      </p:grpSpPr>
+      <p:sp>
+        <p:nvSpPr>
+          <p:cNvPr id="2" name="Slide Image Placeholder 1"/>
+          <p:cNvSpPr>
+            <a:spLocks noGrp="1" noRot="1" noChangeAspect="1"/>
+          </p:cNvSpPr>
+          <p:nvPr>
+            <p:ph type="sldImg"/>
+          </p:nvPr>
+        </p:nvSpPr>
+        <p:spPr/>
+      </p:sp>
+      <p:sp>
+        <p:nvSpPr>
+          <p:cNvPr id="3" name="Notes Placeholder 2"/>
+          <p:cNvSpPr>
+            <a:spLocks noGrp="1"/>
+          </p:cNvSpPr>
+          <p:nvPr>
+            <p:ph type="body" idx="1"/>
+          </p:nvPr>
+        </p:nvSpPr>
+        <p:spPr/>
+        <p:txBody>
+          <a:bodyPr/>
+          <a:lstStyle/>
+          <a:p>
+            <a:endParaRPr lang="en-CA"/>
+          </a:p>
+        </p:txBody>
+      </p:sp>
+      <p:sp>
+        <p:nvSpPr>
+          <p:cNvPr id="4" name="Slide Number Placeholder 3"/>
+          <p:cNvSpPr>
+            <a:spLocks noGrp="1"/>
+          </p:cNvSpPr>
+          <p:nvPr>
+            <p:ph type="sldNum" sz="quarter" idx="5"/>
+          </p:nvPr>
+        </p:nvSpPr>
+        <p:spPr/>
+        <p:txBody>
+          <a:bodyPr/>
+          <a:lstStyle/>
+          <a:p>
+            <a:fld id="{707FE74B-307F-4064-955D-4424C3D9D715}" type="slidenum">
+              <a:rPr lang="en-CA" smtClean="0"/>
+              <a:t>6</a:t>
+            </a:fld>
+            <a:endParaRPr lang="en-CA"/>
+          </a:p>
+        </p:txBody>
+      </p:sp>
+    </p:spTree>
+    <p:extLst>
+      <p:ext uri="{BB962C8B-B14F-4D97-AF65-F5344CB8AC3E}">
+        <p14:creationId xmlns:p14="http://schemas.microsoft.com/office/powerpoint/2010/main" val="3608958093"/>
+      </p:ext>
+    </p:extLst>
+  </p:cSld>
+  <p:clrMapOvr>
+    <a:masterClrMapping/>
+  </p:clrMapOvr>
+</p:notes>
+</file>
+
+<file path=ppt/notesSlides/notesSlide7.xml><?xml version="1.0" encoding="utf-8"?>
+<p:notes xmlns:a="http://schemas.openxmlformats.org/drawingml/2006/main" xmlns:r="http://schemas.openxmlformats.org/officeDocument/2006/relationships" xmlns:p="http://schemas.openxmlformats.org/presentationml/2006/main">
+  <p:cSld>
+    <p:spTree>
+      <p:nvGrpSpPr>
+        <p:cNvPr id="1" name=""/>
+        <p:cNvGrpSpPr/>
+        <p:nvPr/>
+      </p:nvGrpSpPr>
+      <p:grpSpPr>
+        <a:xfrm>
+          <a:off x="0" y="0"/>
+          <a:ext cx="0" cy="0"/>
+          <a:chOff x="0" y="0"/>
+          <a:chExt cx="0" cy="0"/>
+        </a:xfrm>
+      </p:grpSpPr>
+      <p:sp>
+        <p:nvSpPr>
+          <p:cNvPr id="2" name="Slide Image Placeholder 1"/>
+          <p:cNvSpPr>
+            <a:spLocks noGrp="1" noRot="1" noChangeAspect="1"/>
+          </p:cNvSpPr>
+          <p:nvPr>
+            <p:ph type="sldImg"/>
+          </p:nvPr>
+        </p:nvSpPr>
+        <p:spPr/>
+      </p:sp>
+      <p:sp>
+        <p:nvSpPr>
+          <p:cNvPr id="3" name="Notes Placeholder 2"/>
+          <p:cNvSpPr>
+            <a:spLocks noGrp="1"/>
+          </p:cNvSpPr>
+          <p:nvPr>
+            <p:ph type="body" idx="1"/>
+          </p:nvPr>
+        </p:nvSpPr>
+        <p:spPr/>
+        <p:txBody>
+          <a:bodyPr/>
+          <a:lstStyle/>
+          <a:p>
+            <a:endParaRPr lang="en-CA"/>
+          </a:p>
+        </p:txBody>
+      </p:sp>
+      <p:sp>
+        <p:nvSpPr>
+          <p:cNvPr id="4" name="Slide Number Placeholder 3"/>
+          <p:cNvSpPr>
+            <a:spLocks noGrp="1"/>
+          </p:cNvSpPr>
+          <p:nvPr>
+            <p:ph type="sldNum" sz="quarter" idx="5"/>
+          </p:nvPr>
+        </p:nvSpPr>
+        <p:spPr/>
+        <p:txBody>
+          <a:bodyPr/>
+          <a:lstStyle/>
+          <a:p>
+            <a:fld id="{707FE74B-307F-4064-955D-4424C3D9D715}" type="slidenum">
+              <a:rPr lang="en-CA" smtClean="0"/>
+              <a:t>7</a:t>
+            </a:fld>
+            <a:endParaRPr lang="en-CA"/>
+          </a:p>
+        </p:txBody>
+      </p:sp>
+    </p:spTree>
+    <p:extLst>
+      <p:ext uri="{BB962C8B-B14F-4D97-AF65-F5344CB8AC3E}">
+        <p14:creationId xmlns:p14="http://schemas.microsoft.com/office/powerpoint/2010/main" val="1832309189"/>
+      </p:ext>
+    </p:extLst>
+  </p:cSld>
+  <p:clrMapOvr>
+    <a:masterClrMapping/>
+  </p:clrMapOvr>
+</p:notes>
+</file>
+
+<file path=ppt/notesSlides/notesSlide8.xml><?xml version="1.0" encoding="utf-8"?>
+<p:notes xmlns:a="http://schemas.openxmlformats.org/drawingml/2006/main" xmlns:r="http://schemas.openxmlformats.org/officeDocument/2006/relationships" xmlns:p="http://schemas.openxmlformats.org/presentationml/2006/main">
+  <p:cSld>
+    <p:spTree>
+      <p:nvGrpSpPr>
+        <p:cNvPr id="1" name=""/>
+        <p:cNvGrpSpPr/>
+        <p:nvPr/>
+      </p:nvGrpSpPr>
+      <p:grpSpPr>
+        <a:xfrm>
+          <a:off x="0" y="0"/>
+          <a:ext cx="0" cy="0"/>
+          <a:chOff x="0" y="0"/>
+          <a:chExt cx="0" cy="0"/>
+        </a:xfrm>
+      </p:grpSpPr>
+      <p:sp>
+        <p:nvSpPr>
+          <p:cNvPr id="2" name="Slide Image Placeholder 1"/>
+          <p:cNvSpPr>
+            <a:spLocks noGrp="1" noRot="1" noChangeAspect="1"/>
+          </p:cNvSpPr>
+          <p:nvPr>
+            <p:ph type="sldImg"/>
+          </p:nvPr>
+        </p:nvSpPr>
+        <p:spPr/>
+      </p:sp>
+      <p:sp>
+        <p:nvSpPr>
+          <p:cNvPr id="3" name="Notes Placeholder 2"/>
+          <p:cNvSpPr>
+            <a:spLocks noGrp="1"/>
+          </p:cNvSpPr>
+          <p:nvPr>
+            <p:ph type="body" idx="1"/>
+          </p:nvPr>
+        </p:nvSpPr>
+        <p:spPr/>
+        <p:txBody>
+          <a:bodyPr/>
+          <a:lstStyle/>
+          <a:p>
+            <a:endParaRPr lang="en-CA"/>
+          </a:p>
+        </p:txBody>
+      </p:sp>
+      <p:sp>
+        <p:nvSpPr>
+          <p:cNvPr id="4" name="Slide Number Placeholder 3"/>
+          <p:cNvSpPr>
+            <a:spLocks noGrp="1"/>
+          </p:cNvSpPr>
+          <p:nvPr>
+            <p:ph type="sldNum" sz="quarter" idx="5"/>
+          </p:nvPr>
+        </p:nvSpPr>
+        <p:spPr/>
+        <p:txBody>
+          <a:bodyPr/>
+          <a:lstStyle/>
+          <a:p>
+            <a:fld id="{707FE74B-307F-4064-955D-4424C3D9D715}" type="slidenum">
+              <a:rPr lang="en-CA" smtClean="0"/>
+              <a:t>8</a:t>
+            </a:fld>
+            <a:endParaRPr lang="en-CA"/>
+          </a:p>
+        </p:txBody>
+      </p:sp>
+    </p:spTree>
+    <p:extLst>
+      <p:ext uri="{BB962C8B-B14F-4D97-AF65-F5344CB8AC3E}">
+        <p14:creationId xmlns:p14="http://schemas.microsoft.com/office/powerpoint/2010/main" val="4120884689"/>
+      </p:ext>
+    </p:extLst>
+  </p:cSld>
+  <p:clrMapOvr>
+    <a:masterClrMapping/>
+  </p:clrMapOvr>
+</p:notes>
+</file>
+
 <file path=ppt/slideLayouts/slideLayout1.xml><?xml version="1.0" encoding="utf-8"?>
 <p:sldLayout xmlns:a="http://schemas.openxmlformats.org/drawingml/2006/main" xmlns:r="http://schemas.openxmlformats.org/officeDocument/2006/relationships" xmlns:p="http://schemas.openxmlformats.org/presentationml/2006/main" type="title" preserve="1">
   <p:cSld name="Title Slide">
@@ -1061,7 +1571,7 @@
           <a:p>
             <a:fld id="{6F75FF30-D88A-4C26-A396-735F208F6573}" type="datetimeFigureOut">
               <a:rPr lang="en-US" smtClean="0"/>
-              <a:t>8/1/2023</a:t>
+              <a:t>8/14/2023</a:t>
             </a:fld>
             <a:endParaRPr lang="en-US"/>
           </a:p>
@@ -1261,7 +1771,7 @@
           <a:p>
             <a:fld id="{6F75FF30-D88A-4C26-A396-735F208F6573}" type="datetimeFigureOut">
               <a:rPr lang="en-US" smtClean="0"/>
-              <a:t>8/1/2023</a:t>
+              <a:t>8/14/2023</a:t>
             </a:fld>
             <a:endParaRPr lang="en-US"/>
           </a:p>
@@ -1471,7 +1981,7 @@
           <a:p>
             <a:fld id="{6F75FF30-D88A-4C26-A396-735F208F6573}" type="datetimeFigureOut">
               <a:rPr lang="en-US" smtClean="0"/>
-              <a:t>8/1/2023</a:t>
+              <a:t>8/14/2023</a:t>
             </a:fld>
             <a:endParaRPr lang="en-US"/>
           </a:p>
@@ -1612,7 +2122,7 @@
           <a:p>
             <a:fld id="{6F75FF30-D88A-4C26-A396-735F208F6573}" type="datetimeFigureOut">
               <a:rPr lang="en-US" smtClean="0"/>
-              <a:t>8/1/2023</a:t>
+              <a:t>8/14/2023</a:t>
             </a:fld>
             <a:endParaRPr lang="en-US"/>
           </a:p>
@@ -1812,7 +2322,7 @@
           <a:p>
             <a:fld id="{6F75FF30-D88A-4C26-A396-735F208F6573}" type="datetimeFigureOut">
               <a:rPr lang="en-US" smtClean="0"/>
-              <a:t>8/1/2023</a:t>
+              <a:t>8/14/2023</a:t>
             </a:fld>
             <a:endParaRPr lang="en-US"/>
           </a:p>
@@ -2094,7 +2604,7 @@
           <a:p>
             <a:fld id="{6F75FF30-D88A-4C26-A396-735F208F6573}" type="datetimeFigureOut">
               <a:rPr lang="en-US" smtClean="0"/>
-              <a:t>8/1/2023</a:t>
+              <a:t>8/14/2023</a:t>
             </a:fld>
             <a:endParaRPr lang="en-US"/>
           </a:p>
@@ -2362,7 +2872,7 @@
           <a:p>
             <a:fld id="{6F75FF30-D88A-4C26-A396-735F208F6573}" type="datetimeFigureOut">
               <a:rPr lang="en-US" smtClean="0"/>
-              <a:t>8/1/2023</a:t>
+              <a:t>8/14/2023</a:t>
             </a:fld>
             <a:endParaRPr lang="en-US"/>
           </a:p>
@@ -2777,7 +3287,7 @@
           <a:p>
             <a:fld id="{6F75FF30-D88A-4C26-A396-735F208F6573}" type="datetimeFigureOut">
               <a:rPr lang="en-US" smtClean="0"/>
-              <a:t>8/1/2023</a:t>
+              <a:t>8/14/2023</a:t>
             </a:fld>
             <a:endParaRPr lang="en-US"/>
           </a:p>
@@ -2919,7 +3429,7 @@
           <a:p>
             <a:fld id="{6F75FF30-D88A-4C26-A396-735F208F6573}" type="datetimeFigureOut">
               <a:rPr lang="en-US" smtClean="0"/>
-              <a:t>8/1/2023</a:t>
+              <a:t>8/14/2023</a:t>
             </a:fld>
             <a:endParaRPr lang="en-US"/>
           </a:p>
@@ -3032,7 +3542,7 @@
           <a:p>
             <a:fld id="{6F75FF30-D88A-4C26-A396-735F208F6573}" type="datetimeFigureOut">
               <a:rPr lang="en-US" smtClean="0"/>
-              <a:t>8/1/2023</a:t>
+              <a:t>8/14/2023</a:t>
             </a:fld>
             <a:endParaRPr lang="en-US"/>
           </a:p>
@@ -3345,7 +3855,7 @@
           <a:p>
             <a:fld id="{6F75FF30-D88A-4C26-A396-735F208F6573}" type="datetimeFigureOut">
               <a:rPr lang="en-US" smtClean="0"/>
-              <a:t>8/1/2023</a:t>
+              <a:t>8/14/2023</a:t>
             </a:fld>
             <a:endParaRPr lang="en-US"/>
           </a:p>
@@ -3624,7 +4134,7 @@
           <a:p>
             <a:fld id="{6F75FF30-D88A-4C26-A396-735F208F6573}" type="datetimeFigureOut">
               <a:rPr lang="en-US" smtClean="0"/>
-              <a:t>8/1/2023</a:t>
+              <a:t>8/14/2023</a:t>
             </a:fld>
             <a:endParaRPr lang="en-US"/>
           </a:p>
@@ -4075,7 +4585,7 @@
           <a:p>
             <a:r>
               <a:rPr lang="en-US" dirty="0"/>
-              <a:t>RESILEINCE INDEX GUIDE</a:t>
+              <a:t>RESILEINCE INDEX (RI)</a:t>
             </a:r>
             <a:br>
               <a:rPr lang="en-US" dirty="0"/>
@@ -4169,7 +4679,11 @@
           <a:bodyPr/>
           <a:lstStyle/>
           <a:p>
-            <a:endParaRPr lang="en-CA"/>
+            <a:r>
+              <a:rPr lang="en-US" dirty="0"/>
+              <a:t>RI OVERVIEW</a:t>
+            </a:r>
+            <a:endParaRPr lang="en-CA" dirty="0"/>
           </a:p>
         </p:txBody>
       </p:sp>
@@ -4189,11 +4703,115 @@
             <p:ph idx="1"/>
           </p:nvPr>
         </p:nvSpPr>
-        <p:spPr/>
-        <p:txBody>
-          <a:bodyPr/>
+        <p:spPr>
+          <a:xfrm>
+            <a:off x="628650" y="1097549"/>
+            <a:ext cx="8402707" cy="3263504"/>
+          </a:xfrm>
+        </p:spPr>
+        <p:txBody>
+          <a:bodyPr>
+            <a:normAutofit lnSpcReduction="10000"/>
+          </a:bodyPr>
           <a:lstStyle/>
           <a:p>
+            <a:pPr marL="0" indent="0">
+              <a:lnSpc>
+                <a:spcPct val="130000"/>
+              </a:lnSpc>
+              <a:buNone/>
+            </a:pPr>
+            <a:r>
+              <a:rPr lang="en-US" dirty="0"/>
+              <a:t>The </a:t>
+            </a:r>
+            <a:r>
+              <a:rPr lang="en-US" b="1" dirty="0"/>
+              <a:t>goal </a:t>
+            </a:r>
+            <a:r>
+              <a:rPr lang="en-US" dirty="0"/>
+              <a:t>of the RI is to:</a:t>
+            </a:r>
+          </a:p>
+          <a:p>
+            <a:pPr marL="457200" indent="-457200">
+              <a:lnSpc>
+                <a:spcPct val="130000"/>
+              </a:lnSpc>
+              <a:buFont typeface="+mj-lt"/>
+              <a:buAutoNum type="arabicPeriod"/>
+            </a:pPr>
+            <a:r>
+              <a:rPr lang="en-US" sz="1600" dirty="0"/>
+              <a:t>Capture National Conservation data into a single metric</a:t>
+            </a:r>
+          </a:p>
+          <a:p>
+            <a:pPr marL="457200" indent="-457200">
+              <a:lnSpc>
+                <a:spcPct val="130000"/>
+              </a:lnSpc>
+              <a:buFont typeface="+mj-lt"/>
+              <a:buAutoNum type="arabicPeriod"/>
+            </a:pPr>
+            <a:r>
+              <a:rPr lang="en-US" sz="1600" dirty="0"/>
+              <a:t>Enhance Where To Work site selection outputs</a:t>
+            </a:r>
+          </a:p>
+          <a:p>
+            <a:pPr marL="457200" indent="-457200">
+              <a:lnSpc>
+                <a:spcPct val="130000"/>
+              </a:lnSpc>
+              <a:buFont typeface="+mj-lt"/>
+              <a:buAutoNum type="arabicPeriod"/>
+            </a:pPr>
+            <a:r>
+              <a:rPr lang="en-US" sz="1600" dirty="0"/>
+              <a:t>Drive What To Do management action optimizations</a:t>
+            </a:r>
+          </a:p>
+          <a:p>
+            <a:pPr marL="457200" indent="-457200">
+              <a:lnSpc>
+                <a:spcPct val="130000"/>
+              </a:lnSpc>
+              <a:buFont typeface="+mj-lt"/>
+              <a:buAutoNum type="arabicPeriod"/>
+            </a:pPr>
+            <a:r>
+              <a:rPr lang="en-US" sz="1600" dirty="0"/>
+              <a:t>Guide Project Management Plans</a:t>
+            </a:r>
+            <a:endParaRPr lang="en-US" sz="1800" dirty="0"/>
+          </a:p>
+          <a:p>
+            <a:pPr marL="0" indent="0">
+              <a:buNone/>
+            </a:pPr>
+            <a:endParaRPr lang="en-US" dirty="0"/>
+          </a:p>
+          <a:p>
+            <a:pPr marL="0" indent="0">
+              <a:lnSpc>
+                <a:spcPct val="130000"/>
+              </a:lnSpc>
+              <a:buNone/>
+            </a:pPr>
+            <a:r>
+              <a:rPr lang="en-US" dirty="0"/>
+              <a:t>RI provides a “</a:t>
+            </a:r>
+            <a:r>
+              <a:rPr lang="en-US" b="1" dirty="0"/>
+              <a:t>catch-all</a:t>
+            </a:r>
+            <a:r>
+              <a:rPr lang="en-US" dirty="0"/>
+              <a:t>” metric that aids in comparing the relationship between location and conservation impact.</a:t>
+            </a:r>
             <a:endParaRPr lang="en-CA" dirty="0"/>
           </a:p>
         </p:txBody>
@@ -4202,6 +4820,3524 @@
     <p:extLst>
       <p:ext uri="{BB962C8B-B14F-4D97-AF65-F5344CB8AC3E}">
         <p14:creationId xmlns:p14="http://schemas.microsoft.com/office/powerpoint/2010/main" val="3423334653"/>
+      </p:ext>
+    </p:extLst>
+  </p:cSld>
+  <p:clrMapOvr>
+    <a:masterClrMapping/>
+  </p:clrMapOvr>
+</p:sld>
+</file>
+
+<file path=ppt/slides/slide3.xml><?xml version="1.0" encoding="utf-8"?>
+<p:sld xmlns:a="http://schemas.openxmlformats.org/drawingml/2006/main" xmlns:r="http://schemas.openxmlformats.org/officeDocument/2006/relationships" xmlns:p="http://schemas.openxmlformats.org/presentationml/2006/main">
+  <p:cSld>
+    <p:spTree>
+      <p:nvGrpSpPr>
+        <p:cNvPr id="1" name=""/>
+        <p:cNvGrpSpPr/>
+        <p:nvPr/>
+      </p:nvGrpSpPr>
+      <p:grpSpPr>
+        <a:xfrm>
+          <a:off x="0" y="0"/>
+          <a:ext cx="0" cy="0"/>
+          <a:chOff x="0" y="0"/>
+          <a:chExt cx="0" cy="0"/>
+        </a:xfrm>
+      </p:grpSpPr>
+      <p:sp>
+        <p:nvSpPr>
+          <p:cNvPr id="6" name="Title 5">
+            <a:extLst>
+              <a:ext uri="{FF2B5EF4-FFF2-40B4-BE49-F238E27FC236}">
+                <a16:creationId xmlns:a16="http://schemas.microsoft.com/office/drawing/2014/main" id="{EA1DA570-A070-3FC0-D489-3B7DA96EA1F3}"/>
+              </a:ext>
+            </a:extLst>
+          </p:cNvPr>
+          <p:cNvSpPr>
+            <a:spLocks noGrp="1"/>
+          </p:cNvSpPr>
+          <p:nvPr>
+            <p:ph type="title"/>
+          </p:nvPr>
+        </p:nvSpPr>
+        <p:spPr/>
+        <p:txBody>
+          <a:bodyPr/>
+          <a:lstStyle/>
+          <a:p>
+            <a:r>
+              <a:rPr lang="en-US" dirty="0"/>
+              <a:t>RI INPUT DATA</a:t>
+            </a:r>
+            <a:endParaRPr lang="en-CA" dirty="0"/>
+          </a:p>
+        </p:txBody>
+      </p:sp>
+      <p:sp>
+        <p:nvSpPr>
+          <p:cNvPr id="8" name="Content Placeholder 7">
+            <a:extLst>
+              <a:ext uri="{FF2B5EF4-FFF2-40B4-BE49-F238E27FC236}">
+                <a16:creationId xmlns:a16="http://schemas.microsoft.com/office/drawing/2014/main" id="{A5C65A31-31C6-888F-AF71-FAD7B2A5AEB9}"/>
+              </a:ext>
+            </a:extLst>
+          </p:cNvPr>
+          <p:cNvSpPr>
+            <a:spLocks noGrp="1"/>
+          </p:cNvSpPr>
+          <p:nvPr>
+            <p:ph idx="1"/>
+          </p:nvPr>
+        </p:nvSpPr>
+        <p:spPr>
+          <a:xfrm>
+            <a:off x="628650" y="1048464"/>
+            <a:ext cx="8402707" cy="824016"/>
+          </a:xfrm>
+        </p:spPr>
+        <p:txBody>
+          <a:bodyPr>
+            <a:normAutofit/>
+          </a:bodyPr>
+          <a:lstStyle/>
+          <a:p>
+            <a:pPr marL="0" indent="0">
+              <a:lnSpc>
+                <a:spcPct val="150000"/>
+              </a:lnSpc>
+              <a:buNone/>
+            </a:pPr>
+            <a:r>
+              <a:rPr lang="en-US" dirty="0"/>
+              <a:t>Conservation data has been captured into 8 broad </a:t>
+            </a:r>
+            <a:r>
+              <a:rPr lang="en-US" b="1" dirty="0"/>
+              <a:t>Themes</a:t>
+            </a:r>
+            <a:r>
+              <a:rPr lang="en-US" dirty="0"/>
+              <a:t>.</a:t>
+            </a:r>
+          </a:p>
+          <a:p>
+            <a:pPr marL="0" indent="0">
+              <a:buNone/>
+            </a:pPr>
+            <a:endParaRPr lang="en-US" dirty="0"/>
+          </a:p>
+          <a:p>
+            <a:pPr marL="0" indent="0">
+              <a:buNone/>
+            </a:pPr>
+            <a:endParaRPr lang="en-US" dirty="0"/>
+          </a:p>
+          <a:p>
+            <a:pPr marL="0" indent="0">
+              <a:buNone/>
+            </a:pPr>
+            <a:endParaRPr lang="en-US" dirty="0"/>
+          </a:p>
+          <a:p>
+            <a:pPr marL="0" indent="0">
+              <a:buNone/>
+            </a:pPr>
+            <a:endParaRPr lang="en-CA" dirty="0"/>
+          </a:p>
+        </p:txBody>
+      </p:sp>
+      <p:sp>
+        <p:nvSpPr>
+          <p:cNvPr id="2" name="TextBox 1">
+            <a:extLst>
+              <a:ext uri="{FF2B5EF4-FFF2-40B4-BE49-F238E27FC236}">
+                <a16:creationId xmlns:a16="http://schemas.microsoft.com/office/drawing/2014/main" id="{13EA82A7-BB64-0E41-8DEC-FAFAD827815C}"/>
+              </a:ext>
+            </a:extLst>
+          </p:cNvPr>
+          <p:cNvSpPr txBox="1"/>
+          <p:nvPr/>
+        </p:nvSpPr>
+        <p:spPr>
+          <a:xfrm>
+            <a:off x="1431236" y="1742862"/>
+            <a:ext cx="2339009" cy="1200329"/>
+          </a:xfrm>
+          <a:prstGeom prst="rect">
+            <a:avLst/>
+          </a:prstGeom>
+          <a:noFill/>
+        </p:spPr>
+        <p:txBody>
+          <a:bodyPr wrap="square" numCol="1" rtlCol="0">
+            <a:spAutoFit/>
+          </a:bodyPr>
+          <a:lstStyle/>
+          <a:p>
+            <a:pPr marL="457200" indent="-457200">
+              <a:buFont typeface="+mj-lt"/>
+              <a:buAutoNum type="alphaUcPeriod"/>
+            </a:pPr>
+            <a:r>
+              <a:rPr lang="en-US" sz="1800" dirty="0"/>
+              <a:t>Biodiversity</a:t>
+            </a:r>
+          </a:p>
+          <a:p>
+            <a:pPr marL="457200" indent="-457200">
+              <a:buFont typeface="+mj-lt"/>
+              <a:buAutoNum type="alphaUcPeriod"/>
+            </a:pPr>
+            <a:r>
+              <a:rPr lang="en-US" sz="1800" dirty="0"/>
+              <a:t>Carbon</a:t>
+            </a:r>
+          </a:p>
+          <a:p>
+            <a:pPr marL="457200" indent="-457200">
+              <a:buFont typeface="+mj-lt"/>
+              <a:buAutoNum type="alphaUcPeriod"/>
+            </a:pPr>
+            <a:r>
+              <a:rPr lang="en-US" sz="1800" dirty="0"/>
+              <a:t>Climate</a:t>
+            </a:r>
+          </a:p>
+          <a:p>
+            <a:pPr marL="457200" indent="-457200">
+              <a:buFont typeface="+mj-lt"/>
+              <a:buAutoNum type="alphaUcPeriod"/>
+            </a:pPr>
+            <a:r>
+              <a:rPr lang="en-US" sz="1800" dirty="0"/>
+              <a:t>Connectivity</a:t>
+            </a:r>
+          </a:p>
+        </p:txBody>
+      </p:sp>
+      <p:sp>
+        <p:nvSpPr>
+          <p:cNvPr id="3" name="TextBox 2">
+            <a:extLst>
+              <a:ext uri="{FF2B5EF4-FFF2-40B4-BE49-F238E27FC236}">
+                <a16:creationId xmlns:a16="http://schemas.microsoft.com/office/drawing/2014/main" id="{B8982E9E-819A-83B4-35AE-3D56EA7A0AA1}"/>
+              </a:ext>
+            </a:extLst>
+          </p:cNvPr>
+          <p:cNvSpPr txBox="1"/>
+          <p:nvPr/>
+        </p:nvSpPr>
+        <p:spPr>
+          <a:xfrm>
+            <a:off x="4234070" y="1742862"/>
+            <a:ext cx="3193772" cy="1200329"/>
+          </a:xfrm>
+          <a:prstGeom prst="rect">
+            <a:avLst/>
+          </a:prstGeom>
+          <a:noFill/>
+        </p:spPr>
+        <p:txBody>
+          <a:bodyPr wrap="square" numCol="1" rtlCol="0">
+            <a:spAutoFit/>
+          </a:bodyPr>
+          <a:lstStyle/>
+          <a:p>
+            <a:pPr marL="342900" indent="-342900">
+              <a:buFont typeface="+mj-lt"/>
+              <a:buAutoNum type="alphaUcPeriod" startAt="5"/>
+            </a:pPr>
+            <a:r>
+              <a:rPr lang="en-US" sz="1800" dirty="0"/>
+              <a:t>Environmental Services</a:t>
+            </a:r>
+          </a:p>
+          <a:p>
+            <a:pPr marL="342900" indent="-342900">
+              <a:buFont typeface="+mj-lt"/>
+              <a:buAutoNum type="alphaUcPeriod" startAt="5"/>
+            </a:pPr>
+            <a:r>
+              <a:rPr lang="en-US" sz="1800" dirty="0"/>
+              <a:t>Habitat</a:t>
+            </a:r>
+          </a:p>
+          <a:p>
+            <a:pPr marL="342900" indent="-342900">
+              <a:buFont typeface="+mj-lt"/>
+              <a:buAutoNum type="alphaUcPeriod" startAt="5"/>
+            </a:pPr>
+            <a:r>
+              <a:rPr lang="en-US" sz="1800" dirty="0"/>
+              <a:t>Protection</a:t>
+            </a:r>
+          </a:p>
+          <a:p>
+            <a:pPr marL="342900" indent="-342900">
+              <a:buFont typeface="+mj-lt"/>
+              <a:buAutoNum type="alphaUcPeriod" startAt="5"/>
+            </a:pPr>
+            <a:r>
+              <a:rPr lang="en-US" sz="1800" dirty="0"/>
+              <a:t>Threats</a:t>
+            </a:r>
+          </a:p>
+        </p:txBody>
+      </p:sp>
+      <p:sp>
+        <p:nvSpPr>
+          <p:cNvPr id="4" name="Content Placeholder 7">
+            <a:extLst>
+              <a:ext uri="{FF2B5EF4-FFF2-40B4-BE49-F238E27FC236}">
+                <a16:creationId xmlns:a16="http://schemas.microsoft.com/office/drawing/2014/main" id="{66C7D8DE-13B1-FB63-DBC4-BD613D347951}"/>
+              </a:ext>
+            </a:extLst>
+          </p:cNvPr>
+          <p:cNvSpPr txBox="1">
+            <a:spLocks/>
+          </p:cNvSpPr>
+          <p:nvPr/>
+        </p:nvSpPr>
+        <p:spPr>
+          <a:xfrm>
+            <a:off x="628650" y="3418038"/>
+            <a:ext cx="7886700" cy="1200328"/>
+          </a:xfrm>
+          <a:prstGeom prst="rect">
+            <a:avLst/>
+          </a:prstGeom>
+        </p:spPr>
+        <p:txBody>
+          <a:bodyPr vert="horz" lIns="68580" tIns="34290" rIns="68580" bIns="34290" rtlCol="0">
+            <a:normAutofit/>
+          </a:bodyPr>
+          <a:lstStyle>
+            <a:lvl1pPr marL="171450" indent="-171450" algn="l" defTabSz="685800" rtl="0" eaLnBrk="1" latinLnBrk="0" hangingPunct="1">
+              <a:lnSpc>
+                <a:spcPct val="90000"/>
+              </a:lnSpc>
+              <a:spcBef>
+                <a:spcPts val="750"/>
+              </a:spcBef>
+              <a:buFont typeface="Arial" panose="020B0604020202020204" pitchFamily="34" charset="0"/>
+              <a:buChar char="•"/>
+              <a:defRPr sz="2100" kern="1200">
+                <a:solidFill>
+                  <a:schemeClr val="bg2">
+                    <a:lumMod val="25000"/>
+                  </a:schemeClr>
+                </a:solidFill>
+                <a:latin typeface="Verdana"/>
+                <a:ea typeface="+mn-ea"/>
+                <a:cs typeface="Verdana"/>
+              </a:defRPr>
+            </a:lvl1pPr>
+            <a:lvl2pPr marL="514350" indent="-171450" algn="l" defTabSz="685800" rtl="0" eaLnBrk="1" latinLnBrk="0" hangingPunct="1">
+              <a:lnSpc>
+                <a:spcPct val="90000"/>
+              </a:lnSpc>
+              <a:spcBef>
+                <a:spcPts val="375"/>
+              </a:spcBef>
+              <a:buFont typeface="Arial" panose="020B0604020202020204" pitchFamily="34" charset="0"/>
+              <a:buChar char="•"/>
+              <a:defRPr sz="1800" kern="1200">
+                <a:solidFill>
+                  <a:schemeClr val="bg2">
+                    <a:lumMod val="25000"/>
+                  </a:schemeClr>
+                </a:solidFill>
+                <a:latin typeface="Verdana"/>
+                <a:ea typeface="+mn-ea"/>
+                <a:cs typeface="Verdana"/>
+              </a:defRPr>
+            </a:lvl2pPr>
+            <a:lvl3pPr marL="857250" indent="-171450" algn="l" defTabSz="685800" rtl="0" eaLnBrk="1" latinLnBrk="0" hangingPunct="1">
+              <a:lnSpc>
+                <a:spcPct val="90000"/>
+              </a:lnSpc>
+              <a:spcBef>
+                <a:spcPts val="375"/>
+              </a:spcBef>
+              <a:buFont typeface="Arial" panose="020B0604020202020204" pitchFamily="34" charset="0"/>
+              <a:buChar char="•"/>
+              <a:defRPr sz="1500" kern="1200">
+                <a:solidFill>
+                  <a:schemeClr val="bg2">
+                    <a:lumMod val="25000"/>
+                  </a:schemeClr>
+                </a:solidFill>
+                <a:latin typeface="Verdana"/>
+                <a:ea typeface="+mn-ea"/>
+                <a:cs typeface="Verdana"/>
+              </a:defRPr>
+            </a:lvl3pPr>
+            <a:lvl4pPr marL="1200150" indent="-171450" algn="l" defTabSz="685800" rtl="0" eaLnBrk="1" latinLnBrk="0" hangingPunct="1">
+              <a:lnSpc>
+                <a:spcPct val="90000"/>
+              </a:lnSpc>
+              <a:spcBef>
+                <a:spcPts val="375"/>
+              </a:spcBef>
+              <a:buFont typeface="Arial" panose="020B0604020202020204" pitchFamily="34" charset="0"/>
+              <a:buChar char="•"/>
+              <a:defRPr sz="1400" kern="1200">
+                <a:solidFill>
+                  <a:schemeClr val="bg2">
+                    <a:lumMod val="25000"/>
+                  </a:schemeClr>
+                </a:solidFill>
+                <a:latin typeface="Verdana"/>
+                <a:ea typeface="+mn-ea"/>
+                <a:cs typeface="Verdana"/>
+              </a:defRPr>
+            </a:lvl4pPr>
+            <a:lvl5pPr marL="1543050" indent="-171450" algn="l" defTabSz="685800" rtl="0" eaLnBrk="1" latinLnBrk="0" hangingPunct="1">
+              <a:lnSpc>
+                <a:spcPct val="90000"/>
+              </a:lnSpc>
+              <a:spcBef>
+                <a:spcPts val="375"/>
+              </a:spcBef>
+              <a:buFont typeface="Arial" panose="020B0604020202020204" pitchFamily="34" charset="0"/>
+              <a:buChar char="•"/>
+              <a:defRPr sz="1400" kern="1200">
+                <a:solidFill>
+                  <a:schemeClr val="bg2">
+                    <a:lumMod val="25000"/>
+                  </a:schemeClr>
+                </a:solidFill>
+                <a:latin typeface="Verdana"/>
+                <a:ea typeface="+mn-ea"/>
+                <a:cs typeface="Verdana"/>
+              </a:defRPr>
+            </a:lvl5pPr>
+            <a:lvl6pPr marL="1885950" indent="-171450" algn="l" defTabSz="685800" rtl="0" eaLnBrk="1" latinLnBrk="0" hangingPunct="1">
+              <a:lnSpc>
+                <a:spcPct val="90000"/>
+              </a:lnSpc>
+              <a:spcBef>
+                <a:spcPts val="375"/>
+              </a:spcBef>
+              <a:buFont typeface="Arial" panose="020B0604020202020204" pitchFamily="34" charset="0"/>
+              <a:buChar char="•"/>
+              <a:defRPr sz="1400" kern="1200">
+                <a:solidFill>
+                  <a:schemeClr val="tx1"/>
+                </a:solidFill>
+                <a:latin typeface="+mn-lt"/>
+                <a:ea typeface="+mn-ea"/>
+                <a:cs typeface="+mn-cs"/>
+              </a:defRPr>
+            </a:lvl6pPr>
+            <a:lvl7pPr marL="2228850" indent="-171450" algn="l" defTabSz="685800" rtl="0" eaLnBrk="1" latinLnBrk="0" hangingPunct="1">
+              <a:lnSpc>
+                <a:spcPct val="90000"/>
+              </a:lnSpc>
+              <a:spcBef>
+                <a:spcPts val="375"/>
+              </a:spcBef>
+              <a:buFont typeface="Arial" panose="020B0604020202020204" pitchFamily="34" charset="0"/>
+              <a:buChar char="•"/>
+              <a:defRPr sz="1400" kern="1200">
+                <a:solidFill>
+                  <a:schemeClr val="tx1"/>
+                </a:solidFill>
+                <a:latin typeface="+mn-lt"/>
+                <a:ea typeface="+mn-ea"/>
+                <a:cs typeface="+mn-cs"/>
+              </a:defRPr>
+            </a:lvl7pPr>
+            <a:lvl8pPr marL="2571750" indent="-171450" algn="l" defTabSz="685800" rtl="0" eaLnBrk="1" latinLnBrk="0" hangingPunct="1">
+              <a:lnSpc>
+                <a:spcPct val="90000"/>
+              </a:lnSpc>
+              <a:spcBef>
+                <a:spcPts val="375"/>
+              </a:spcBef>
+              <a:buFont typeface="Arial" panose="020B0604020202020204" pitchFamily="34" charset="0"/>
+              <a:buChar char="•"/>
+              <a:defRPr sz="1400" kern="1200">
+                <a:solidFill>
+                  <a:schemeClr val="tx1"/>
+                </a:solidFill>
+                <a:latin typeface="+mn-lt"/>
+                <a:ea typeface="+mn-ea"/>
+                <a:cs typeface="+mn-cs"/>
+              </a:defRPr>
+            </a:lvl8pPr>
+            <a:lvl9pPr marL="2914650" indent="-171450" algn="l" defTabSz="685800" rtl="0" eaLnBrk="1" latinLnBrk="0" hangingPunct="1">
+              <a:lnSpc>
+                <a:spcPct val="90000"/>
+              </a:lnSpc>
+              <a:spcBef>
+                <a:spcPts val="375"/>
+              </a:spcBef>
+              <a:buFont typeface="Arial" panose="020B0604020202020204" pitchFamily="34" charset="0"/>
+              <a:buChar char="•"/>
+              <a:defRPr sz="1400" kern="1200">
+                <a:solidFill>
+                  <a:schemeClr val="tx1"/>
+                </a:solidFill>
+                <a:latin typeface="+mn-lt"/>
+                <a:ea typeface="+mn-ea"/>
+                <a:cs typeface="+mn-cs"/>
+              </a:defRPr>
+            </a:lvl9pPr>
+          </a:lstStyle>
+          <a:p>
+            <a:pPr marL="0" indent="0">
+              <a:lnSpc>
+                <a:spcPct val="150000"/>
+              </a:lnSpc>
+              <a:buFont typeface="Arial" panose="020B0604020202020204" pitchFamily="34" charset="0"/>
+              <a:buNone/>
+            </a:pPr>
+            <a:r>
+              <a:rPr lang="en-US" b="1" dirty="0"/>
+              <a:t>Features</a:t>
+            </a:r>
+            <a:r>
+              <a:rPr lang="en-US" dirty="0"/>
+              <a:t> (layers) that make up each theme have been </a:t>
+            </a:r>
+            <a:r>
+              <a:rPr lang="en-US" b="1" dirty="0"/>
+              <a:t>weighted</a:t>
+            </a:r>
+            <a:r>
+              <a:rPr lang="en-US" dirty="0"/>
+              <a:t> by importance. </a:t>
+            </a:r>
+          </a:p>
+          <a:p>
+            <a:pPr marL="0" indent="0">
+              <a:buFont typeface="Arial" panose="020B0604020202020204" pitchFamily="34" charset="0"/>
+              <a:buNone/>
+            </a:pPr>
+            <a:endParaRPr lang="en-US" dirty="0"/>
+          </a:p>
+          <a:p>
+            <a:pPr marL="0" indent="0">
+              <a:buFont typeface="Arial" panose="020B0604020202020204" pitchFamily="34" charset="0"/>
+              <a:buNone/>
+            </a:pPr>
+            <a:endParaRPr lang="en-US" dirty="0"/>
+          </a:p>
+          <a:p>
+            <a:pPr marL="0" indent="0">
+              <a:buFont typeface="Arial" panose="020B0604020202020204" pitchFamily="34" charset="0"/>
+              <a:buNone/>
+            </a:pPr>
+            <a:endParaRPr lang="en-US" dirty="0"/>
+          </a:p>
+          <a:p>
+            <a:pPr marL="0" indent="0">
+              <a:buFont typeface="Arial" panose="020B0604020202020204" pitchFamily="34" charset="0"/>
+              <a:buNone/>
+            </a:pPr>
+            <a:endParaRPr lang="en-CA" dirty="0"/>
+          </a:p>
+        </p:txBody>
+      </p:sp>
+    </p:spTree>
+    <p:extLst>
+      <p:ext uri="{BB962C8B-B14F-4D97-AF65-F5344CB8AC3E}">
+        <p14:creationId xmlns:p14="http://schemas.microsoft.com/office/powerpoint/2010/main" val="1281968387"/>
+      </p:ext>
+    </p:extLst>
+  </p:cSld>
+  <p:clrMapOvr>
+    <a:masterClrMapping/>
+  </p:clrMapOvr>
+</p:sld>
+</file>
+
+<file path=ppt/slides/slide4.xml><?xml version="1.0" encoding="utf-8"?>
+<p:sld xmlns:a="http://schemas.openxmlformats.org/drawingml/2006/main" xmlns:r="http://schemas.openxmlformats.org/officeDocument/2006/relationships" xmlns:p="http://schemas.openxmlformats.org/presentationml/2006/main">
+  <p:cSld>
+    <p:spTree>
+      <p:nvGrpSpPr>
+        <p:cNvPr id="1" name=""/>
+        <p:cNvGrpSpPr/>
+        <p:nvPr/>
+      </p:nvGrpSpPr>
+      <p:grpSpPr>
+        <a:xfrm>
+          <a:off x="0" y="0"/>
+          <a:ext cx="0" cy="0"/>
+          <a:chOff x="0" y="0"/>
+          <a:chExt cx="0" cy="0"/>
+        </a:xfrm>
+      </p:grpSpPr>
+      <p:sp>
+        <p:nvSpPr>
+          <p:cNvPr id="6" name="Title 5">
+            <a:extLst>
+              <a:ext uri="{FF2B5EF4-FFF2-40B4-BE49-F238E27FC236}">
+                <a16:creationId xmlns:a16="http://schemas.microsoft.com/office/drawing/2014/main" id="{EA1DA570-A070-3FC0-D489-3B7DA96EA1F3}"/>
+              </a:ext>
+            </a:extLst>
+          </p:cNvPr>
+          <p:cNvSpPr>
+            <a:spLocks noGrp="1"/>
+          </p:cNvSpPr>
+          <p:nvPr>
+            <p:ph type="title"/>
+          </p:nvPr>
+        </p:nvSpPr>
+        <p:spPr/>
+        <p:txBody>
+          <a:bodyPr/>
+          <a:lstStyle/>
+          <a:p>
+            <a:r>
+              <a:rPr lang="en-US" dirty="0"/>
+              <a:t>RI FEATURES &amp; RANKS</a:t>
+            </a:r>
+            <a:endParaRPr lang="en-CA" dirty="0"/>
+          </a:p>
+        </p:txBody>
+      </p:sp>
+      <p:sp>
+        <p:nvSpPr>
+          <p:cNvPr id="3" name="TextBox 2">
+            <a:extLst>
+              <a:ext uri="{FF2B5EF4-FFF2-40B4-BE49-F238E27FC236}">
+                <a16:creationId xmlns:a16="http://schemas.microsoft.com/office/drawing/2014/main" id="{B8982E9E-819A-83B4-35AE-3D56EA7A0AA1}"/>
+              </a:ext>
+            </a:extLst>
+          </p:cNvPr>
+          <p:cNvSpPr txBox="1"/>
+          <p:nvPr/>
+        </p:nvSpPr>
+        <p:spPr>
+          <a:xfrm>
+            <a:off x="786840" y="1474875"/>
+            <a:ext cx="3539160" cy="4004173"/>
+          </a:xfrm>
+          <a:prstGeom prst="rect">
+            <a:avLst/>
+          </a:prstGeom>
+          <a:noFill/>
+        </p:spPr>
+        <p:txBody>
+          <a:bodyPr wrap="square" numCol="1" rtlCol="0">
+            <a:spAutoFit/>
+          </a:bodyPr>
+          <a:lstStyle/>
+          <a:p>
+            <a:pPr marL="342900" indent="-360000">
+              <a:lnSpc>
+                <a:spcPct val="130000"/>
+              </a:lnSpc>
+              <a:buFont typeface="+mj-lt"/>
+              <a:buAutoNum type="arabicPeriod"/>
+            </a:pPr>
+            <a:r>
+              <a:rPr lang="en-US" dirty="0"/>
+              <a:t>Key Biodiversity Areas</a:t>
+            </a:r>
+          </a:p>
+          <a:p>
+            <a:pPr marL="342900" indent="-360000">
+              <a:lnSpc>
+                <a:spcPct val="130000"/>
+              </a:lnSpc>
+              <a:buFont typeface="+mj-lt"/>
+              <a:buAutoNum type="arabicPeriod"/>
+            </a:pPr>
+            <a:r>
+              <a:rPr lang="en-US" dirty="0"/>
+              <a:t>Connectivity</a:t>
+            </a:r>
+          </a:p>
+          <a:p>
+            <a:pPr marL="342900" indent="-360000">
+              <a:lnSpc>
+                <a:spcPct val="130000"/>
+              </a:lnSpc>
+              <a:buFont typeface="+mj-lt"/>
+              <a:buAutoNum type="arabicPeriod"/>
+            </a:pPr>
+            <a:r>
+              <a:rPr lang="en-US" dirty="0"/>
+              <a:t>Climate Refugia, Climate Velocity</a:t>
+            </a:r>
+          </a:p>
+          <a:p>
+            <a:pPr marL="342900" indent="-360000">
+              <a:lnSpc>
+                <a:spcPct val="130000"/>
+              </a:lnSpc>
+              <a:buFont typeface="+mj-lt"/>
+              <a:buAutoNum type="arabicPeriod"/>
+            </a:pPr>
+            <a:r>
+              <a:rPr lang="en-US" dirty="0"/>
+              <a:t>Existing Conservation</a:t>
+            </a:r>
+          </a:p>
+          <a:p>
+            <a:pPr marL="342900" indent="-360000">
+              <a:lnSpc>
+                <a:spcPct val="130000"/>
+              </a:lnSpc>
+              <a:buFont typeface="+mj-lt"/>
+              <a:buAutoNum type="arabicPeriod"/>
+            </a:pPr>
+            <a:r>
+              <a:rPr lang="en-US" dirty="0"/>
+              <a:t>Critical Habitat Area</a:t>
+            </a:r>
+          </a:p>
+          <a:p>
+            <a:pPr marL="342900" indent="-360000">
+              <a:lnSpc>
+                <a:spcPct val="130000"/>
+              </a:lnSpc>
+              <a:buFont typeface="+mj-lt"/>
+              <a:buAutoNum type="arabicPeriod"/>
+            </a:pPr>
+            <a:r>
+              <a:rPr lang="en-US" dirty="0"/>
+              <a:t>Endangered Species Ranges</a:t>
+            </a:r>
+          </a:p>
+          <a:p>
+            <a:pPr marL="342900" indent="-360000">
+              <a:lnSpc>
+                <a:spcPct val="130000"/>
+              </a:lnSpc>
+              <a:buFont typeface="+mj-lt"/>
+              <a:buAutoNum type="arabicPeriod"/>
+            </a:pPr>
+            <a:r>
+              <a:rPr lang="en-US" dirty="0"/>
+              <a:t>Threatened Species Ranges</a:t>
+            </a:r>
+          </a:p>
+          <a:p>
+            <a:pPr marL="342900" indent="-360000">
+              <a:lnSpc>
+                <a:spcPct val="130000"/>
+              </a:lnSpc>
+              <a:buFont typeface="+mj-lt"/>
+              <a:buAutoNum type="arabicPeriod"/>
+            </a:pPr>
+            <a:r>
+              <a:rPr lang="en-US" dirty="0"/>
+              <a:t>Special Concern Species Ranges</a:t>
+            </a:r>
+          </a:p>
+          <a:p>
+            <a:pPr marL="342900" indent="-360000">
+              <a:lnSpc>
+                <a:spcPct val="130000"/>
+              </a:lnSpc>
+              <a:buFont typeface="+mj-lt"/>
+              <a:buAutoNum type="arabicPeriod"/>
+            </a:pPr>
+            <a:r>
+              <a:rPr lang="en-US" dirty="0"/>
+              <a:t>Carbon Potential, Carbon Storage</a:t>
+            </a:r>
+          </a:p>
+          <a:p>
+            <a:pPr marL="342900" indent="-360000">
+              <a:lnSpc>
+                <a:spcPct val="130000"/>
+              </a:lnSpc>
+              <a:buFont typeface="+mj-lt"/>
+              <a:buAutoNum type="arabicPeriod"/>
+            </a:pPr>
+            <a:r>
+              <a:rPr lang="en-US" dirty="0"/>
+              <a:t>Forest, Grassland, Wetland</a:t>
+            </a:r>
+          </a:p>
+          <a:p>
+            <a:pPr marL="342900" indent="-360000">
+              <a:lnSpc>
+                <a:spcPct val="130000"/>
+              </a:lnSpc>
+              <a:buFont typeface="+mj-lt"/>
+              <a:buAutoNum type="arabicPeriod"/>
+            </a:pPr>
+            <a:r>
+              <a:rPr lang="en-US" dirty="0"/>
+              <a:t>Freshwater provision, Recreation</a:t>
+            </a:r>
+          </a:p>
+          <a:p>
+            <a:endParaRPr lang="en-US" sz="1800" dirty="0"/>
+          </a:p>
+          <a:p>
+            <a:pPr marL="342900" indent="-342900">
+              <a:buFont typeface="+mj-lt"/>
+              <a:buAutoNum type="arabicPeriod"/>
+            </a:pPr>
+            <a:endParaRPr lang="en-US" sz="1800" dirty="0"/>
+          </a:p>
+          <a:p>
+            <a:pPr marL="342900" indent="-342900">
+              <a:buFont typeface="+mj-lt"/>
+              <a:buAutoNum type="arabicPeriod"/>
+            </a:pPr>
+            <a:endParaRPr lang="en-US" sz="1800" dirty="0"/>
+          </a:p>
+        </p:txBody>
+      </p:sp>
+      <p:sp>
+        <p:nvSpPr>
+          <p:cNvPr id="4" name="Content Placeholder 7">
+            <a:extLst>
+              <a:ext uri="{FF2B5EF4-FFF2-40B4-BE49-F238E27FC236}">
+                <a16:creationId xmlns:a16="http://schemas.microsoft.com/office/drawing/2014/main" id="{66C7D8DE-13B1-FB63-DBC4-BD613D347951}"/>
+              </a:ext>
+            </a:extLst>
+          </p:cNvPr>
+          <p:cNvSpPr txBox="1">
+            <a:spLocks/>
+          </p:cNvSpPr>
+          <p:nvPr/>
+        </p:nvSpPr>
+        <p:spPr>
+          <a:xfrm>
+            <a:off x="628650" y="3374234"/>
+            <a:ext cx="7886700" cy="824016"/>
+          </a:xfrm>
+          <a:prstGeom prst="rect">
+            <a:avLst/>
+          </a:prstGeom>
+        </p:spPr>
+        <p:txBody>
+          <a:bodyPr vert="horz" lIns="68580" tIns="34290" rIns="68580" bIns="34290" rtlCol="0">
+            <a:normAutofit/>
+          </a:bodyPr>
+          <a:lstStyle>
+            <a:lvl1pPr marL="171450" indent="-171450" algn="l" defTabSz="685800" rtl="0" eaLnBrk="1" latinLnBrk="0" hangingPunct="1">
+              <a:lnSpc>
+                <a:spcPct val="90000"/>
+              </a:lnSpc>
+              <a:spcBef>
+                <a:spcPts val="750"/>
+              </a:spcBef>
+              <a:buFont typeface="Arial" panose="020B0604020202020204" pitchFamily="34" charset="0"/>
+              <a:buChar char="•"/>
+              <a:defRPr sz="2100" kern="1200">
+                <a:solidFill>
+                  <a:schemeClr val="bg2">
+                    <a:lumMod val="25000"/>
+                  </a:schemeClr>
+                </a:solidFill>
+                <a:latin typeface="Verdana"/>
+                <a:ea typeface="+mn-ea"/>
+                <a:cs typeface="Verdana"/>
+              </a:defRPr>
+            </a:lvl1pPr>
+            <a:lvl2pPr marL="514350" indent="-171450" algn="l" defTabSz="685800" rtl="0" eaLnBrk="1" latinLnBrk="0" hangingPunct="1">
+              <a:lnSpc>
+                <a:spcPct val="90000"/>
+              </a:lnSpc>
+              <a:spcBef>
+                <a:spcPts val="375"/>
+              </a:spcBef>
+              <a:buFont typeface="Arial" panose="020B0604020202020204" pitchFamily="34" charset="0"/>
+              <a:buChar char="•"/>
+              <a:defRPr sz="1800" kern="1200">
+                <a:solidFill>
+                  <a:schemeClr val="bg2">
+                    <a:lumMod val="25000"/>
+                  </a:schemeClr>
+                </a:solidFill>
+                <a:latin typeface="Verdana"/>
+                <a:ea typeface="+mn-ea"/>
+                <a:cs typeface="Verdana"/>
+              </a:defRPr>
+            </a:lvl2pPr>
+            <a:lvl3pPr marL="857250" indent="-171450" algn="l" defTabSz="685800" rtl="0" eaLnBrk="1" latinLnBrk="0" hangingPunct="1">
+              <a:lnSpc>
+                <a:spcPct val="90000"/>
+              </a:lnSpc>
+              <a:spcBef>
+                <a:spcPts val="375"/>
+              </a:spcBef>
+              <a:buFont typeface="Arial" panose="020B0604020202020204" pitchFamily="34" charset="0"/>
+              <a:buChar char="•"/>
+              <a:defRPr sz="1500" kern="1200">
+                <a:solidFill>
+                  <a:schemeClr val="bg2">
+                    <a:lumMod val="25000"/>
+                  </a:schemeClr>
+                </a:solidFill>
+                <a:latin typeface="Verdana"/>
+                <a:ea typeface="+mn-ea"/>
+                <a:cs typeface="Verdana"/>
+              </a:defRPr>
+            </a:lvl3pPr>
+            <a:lvl4pPr marL="1200150" indent="-171450" algn="l" defTabSz="685800" rtl="0" eaLnBrk="1" latinLnBrk="0" hangingPunct="1">
+              <a:lnSpc>
+                <a:spcPct val="90000"/>
+              </a:lnSpc>
+              <a:spcBef>
+                <a:spcPts val="375"/>
+              </a:spcBef>
+              <a:buFont typeface="Arial" panose="020B0604020202020204" pitchFamily="34" charset="0"/>
+              <a:buChar char="•"/>
+              <a:defRPr sz="1400" kern="1200">
+                <a:solidFill>
+                  <a:schemeClr val="bg2">
+                    <a:lumMod val="25000"/>
+                  </a:schemeClr>
+                </a:solidFill>
+                <a:latin typeface="Verdana"/>
+                <a:ea typeface="+mn-ea"/>
+                <a:cs typeface="Verdana"/>
+              </a:defRPr>
+            </a:lvl4pPr>
+            <a:lvl5pPr marL="1543050" indent="-171450" algn="l" defTabSz="685800" rtl="0" eaLnBrk="1" latinLnBrk="0" hangingPunct="1">
+              <a:lnSpc>
+                <a:spcPct val="90000"/>
+              </a:lnSpc>
+              <a:spcBef>
+                <a:spcPts val="375"/>
+              </a:spcBef>
+              <a:buFont typeface="Arial" panose="020B0604020202020204" pitchFamily="34" charset="0"/>
+              <a:buChar char="•"/>
+              <a:defRPr sz="1400" kern="1200">
+                <a:solidFill>
+                  <a:schemeClr val="bg2">
+                    <a:lumMod val="25000"/>
+                  </a:schemeClr>
+                </a:solidFill>
+                <a:latin typeface="Verdana"/>
+                <a:ea typeface="+mn-ea"/>
+                <a:cs typeface="Verdana"/>
+              </a:defRPr>
+            </a:lvl5pPr>
+            <a:lvl6pPr marL="1885950" indent="-171450" algn="l" defTabSz="685800" rtl="0" eaLnBrk="1" latinLnBrk="0" hangingPunct="1">
+              <a:lnSpc>
+                <a:spcPct val="90000"/>
+              </a:lnSpc>
+              <a:spcBef>
+                <a:spcPts val="375"/>
+              </a:spcBef>
+              <a:buFont typeface="Arial" panose="020B0604020202020204" pitchFamily="34" charset="0"/>
+              <a:buChar char="•"/>
+              <a:defRPr sz="1400" kern="1200">
+                <a:solidFill>
+                  <a:schemeClr val="tx1"/>
+                </a:solidFill>
+                <a:latin typeface="+mn-lt"/>
+                <a:ea typeface="+mn-ea"/>
+                <a:cs typeface="+mn-cs"/>
+              </a:defRPr>
+            </a:lvl6pPr>
+            <a:lvl7pPr marL="2228850" indent="-171450" algn="l" defTabSz="685800" rtl="0" eaLnBrk="1" latinLnBrk="0" hangingPunct="1">
+              <a:lnSpc>
+                <a:spcPct val="90000"/>
+              </a:lnSpc>
+              <a:spcBef>
+                <a:spcPts val="375"/>
+              </a:spcBef>
+              <a:buFont typeface="Arial" panose="020B0604020202020204" pitchFamily="34" charset="0"/>
+              <a:buChar char="•"/>
+              <a:defRPr sz="1400" kern="1200">
+                <a:solidFill>
+                  <a:schemeClr val="tx1"/>
+                </a:solidFill>
+                <a:latin typeface="+mn-lt"/>
+                <a:ea typeface="+mn-ea"/>
+                <a:cs typeface="+mn-cs"/>
+              </a:defRPr>
+            </a:lvl7pPr>
+            <a:lvl8pPr marL="2571750" indent="-171450" algn="l" defTabSz="685800" rtl="0" eaLnBrk="1" latinLnBrk="0" hangingPunct="1">
+              <a:lnSpc>
+                <a:spcPct val="90000"/>
+              </a:lnSpc>
+              <a:spcBef>
+                <a:spcPts val="375"/>
+              </a:spcBef>
+              <a:buFont typeface="Arial" panose="020B0604020202020204" pitchFamily="34" charset="0"/>
+              <a:buChar char="•"/>
+              <a:defRPr sz="1400" kern="1200">
+                <a:solidFill>
+                  <a:schemeClr val="tx1"/>
+                </a:solidFill>
+                <a:latin typeface="+mn-lt"/>
+                <a:ea typeface="+mn-ea"/>
+                <a:cs typeface="+mn-cs"/>
+              </a:defRPr>
+            </a:lvl8pPr>
+            <a:lvl9pPr marL="2914650" indent="-171450" algn="l" defTabSz="685800" rtl="0" eaLnBrk="1" latinLnBrk="0" hangingPunct="1">
+              <a:lnSpc>
+                <a:spcPct val="90000"/>
+              </a:lnSpc>
+              <a:spcBef>
+                <a:spcPts val="375"/>
+              </a:spcBef>
+              <a:buFont typeface="Arial" panose="020B0604020202020204" pitchFamily="34" charset="0"/>
+              <a:buChar char="•"/>
+              <a:defRPr sz="1400" kern="1200">
+                <a:solidFill>
+                  <a:schemeClr val="tx1"/>
+                </a:solidFill>
+                <a:latin typeface="+mn-lt"/>
+                <a:ea typeface="+mn-ea"/>
+                <a:cs typeface="+mn-cs"/>
+              </a:defRPr>
+            </a:lvl9pPr>
+          </a:lstStyle>
+          <a:p>
+            <a:pPr marL="0" indent="0">
+              <a:lnSpc>
+                <a:spcPct val="150000"/>
+              </a:lnSpc>
+              <a:buFont typeface="Arial" panose="020B0604020202020204" pitchFamily="34" charset="0"/>
+              <a:buNone/>
+            </a:pPr>
+            <a:endParaRPr lang="en-US" dirty="0"/>
+          </a:p>
+          <a:p>
+            <a:pPr marL="0" indent="0">
+              <a:buFont typeface="Arial" panose="020B0604020202020204" pitchFamily="34" charset="0"/>
+              <a:buNone/>
+            </a:pPr>
+            <a:endParaRPr lang="en-US" dirty="0"/>
+          </a:p>
+          <a:p>
+            <a:pPr marL="0" indent="0">
+              <a:buFont typeface="Arial" panose="020B0604020202020204" pitchFamily="34" charset="0"/>
+              <a:buNone/>
+            </a:pPr>
+            <a:endParaRPr lang="en-US" dirty="0"/>
+          </a:p>
+          <a:p>
+            <a:pPr marL="0" indent="0">
+              <a:buFont typeface="Arial" panose="020B0604020202020204" pitchFamily="34" charset="0"/>
+              <a:buNone/>
+            </a:pPr>
+            <a:endParaRPr lang="en-CA" dirty="0"/>
+          </a:p>
+        </p:txBody>
+      </p:sp>
+      <p:sp>
+        <p:nvSpPr>
+          <p:cNvPr id="5" name="TextBox 4">
+            <a:extLst>
+              <a:ext uri="{FF2B5EF4-FFF2-40B4-BE49-F238E27FC236}">
+                <a16:creationId xmlns:a16="http://schemas.microsoft.com/office/drawing/2014/main" id="{50B988EE-CB74-AF40-646B-8F28D049B4DF}"/>
+              </a:ext>
+            </a:extLst>
+          </p:cNvPr>
+          <p:cNvSpPr txBox="1"/>
+          <p:nvPr/>
+        </p:nvSpPr>
+        <p:spPr>
+          <a:xfrm>
+            <a:off x="4969567" y="1490287"/>
+            <a:ext cx="3014870" cy="629852"/>
+          </a:xfrm>
+          <a:prstGeom prst="rect">
+            <a:avLst/>
+          </a:prstGeom>
+          <a:noFill/>
+        </p:spPr>
+        <p:txBody>
+          <a:bodyPr wrap="square" numCol="1" rtlCol="0">
+            <a:spAutoFit/>
+          </a:bodyPr>
+          <a:lstStyle/>
+          <a:p>
+            <a:pPr marL="457200" indent="-457200">
+              <a:lnSpc>
+                <a:spcPct val="130000"/>
+              </a:lnSpc>
+              <a:buFont typeface="+mj-lt"/>
+              <a:buAutoNum type="arabicPeriod"/>
+            </a:pPr>
+            <a:r>
+              <a:rPr lang="en-US" dirty="0"/>
+              <a:t>Climate Extremes</a:t>
+            </a:r>
+          </a:p>
+          <a:p>
+            <a:pPr marL="457200" indent="-457200">
+              <a:lnSpc>
+                <a:spcPct val="130000"/>
+              </a:lnSpc>
+              <a:buFont typeface="+mj-lt"/>
+              <a:buAutoNum type="arabicPeriod"/>
+            </a:pPr>
+            <a:r>
+              <a:rPr lang="en-US" dirty="0"/>
+              <a:t>Human Footprint Index</a:t>
+            </a:r>
+          </a:p>
+        </p:txBody>
+      </p:sp>
+      <p:sp>
+        <p:nvSpPr>
+          <p:cNvPr id="7" name="TextBox 6">
+            <a:extLst>
+              <a:ext uri="{FF2B5EF4-FFF2-40B4-BE49-F238E27FC236}">
+                <a16:creationId xmlns:a16="http://schemas.microsoft.com/office/drawing/2014/main" id="{5854B4D9-716A-1859-31B0-08D0E73E2CCF}"/>
+              </a:ext>
+            </a:extLst>
+          </p:cNvPr>
+          <p:cNvSpPr txBox="1"/>
+          <p:nvPr/>
+        </p:nvSpPr>
+        <p:spPr>
+          <a:xfrm>
+            <a:off x="1278005" y="1083349"/>
+            <a:ext cx="1895061" cy="369332"/>
+          </a:xfrm>
+          <a:prstGeom prst="rect">
+            <a:avLst/>
+          </a:prstGeom>
+          <a:noFill/>
+        </p:spPr>
+        <p:txBody>
+          <a:bodyPr wrap="square" numCol="1" rtlCol="0">
+            <a:spAutoFit/>
+          </a:bodyPr>
+          <a:lstStyle/>
+          <a:p>
+            <a:r>
+              <a:rPr lang="en-US" sz="1800" b="1" u="sng" dirty="0"/>
+              <a:t>ADDITOINS</a:t>
+            </a:r>
+          </a:p>
+        </p:txBody>
+      </p:sp>
+      <p:sp>
+        <p:nvSpPr>
+          <p:cNvPr id="10" name="TextBox 9">
+            <a:extLst>
+              <a:ext uri="{FF2B5EF4-FFF2-40B4-BE49-F238E27FC236}">
+                <a16:creationId xmlns:a16="http://schemas.microsoft.com/office/drawing/2014/main" id="{6AC7FF05-E1AB-10F3-09FB-D4241528E937}"/>
+              </a:ext>
+            </a:extLst>
+          </p:cNvPr>
+          <p:cNvSpPr txBox="1"/>
+          <p:nvPr/>
+        </p:nvSpPr>
+        <p:spPr>
+          <a:xfrm>
+            <a:off x="5207688" y="1108568"/>
+            <a:ext cx="1895061" cy="369332"/>
+          </a:xfrm>
+          <a:prstGeom prst="rect">
+            <a:avLst/>
+          </a:prstGeom>
+          <a:noFill/>
+        </p:spPr>
+        <p:txBody>
+          <a:bodyPr wrap="square" numCol="1" rtlCol="0">
+            <a:spAutoFit/>
+          </a:bodyPr>
+          <a:lstStyle/>
+          <a:p>
+            <a:r>
+              <a:rPr lang="en-US" sz="1800" b="1" u="sng" dirty="0"/>
+              <a:t>SUBTRACTIONS</a:t>
+            </a:r>
+          </a:p>
+        </p:txBody>
+      </p:sp>
+    </p:spTree>
+    <p:extLst>
+      <p:ext uri="{BB962C8B-B14F-4D97-AF65-F5344CB8AC3E}">
+        <p14:creationId xmlns:p14="http://schemas.microsoft.com/office/powerpoint/2010/main" val="3216796391"/>
+      </p:ext>
+    </p:extLst>
+  </p:cSld>
+  <p:clrMapOvr>
+    <a:masterClrMapping/>
+  </p:clrMapOvr>
+</p:sld>
+</file>
+
+<file path=ppt/slides/slide5.xml><?xml version="1.0" encoding="utf-8"?>
+<p:sld xmlns:a="http://schemas.openxmlformats.org/drawingml/2006/main" xmlns:r="http://schemas.openxmlformats.org/officeDocument/2006/relationships" xmlns:p="http://schemas.openxmlformats.org/presentationml/2006/main">
+  <p:cSld>
+    <p:spTree>
+      <p:nvGrpSpPr>
+        <p:cNvPr id="1" name=""/>
+        <p:cNvGrpSpPr/>
+        <p:nvPr/>
+      </p:nvGrpSpPr>
+      <p:grpSpPr>
+        <a:xfrm>
+          <a:off x="0" y="0"/>
+          <a:ext cx="0" cy="0"/>
+          <a:chOff x="0" y="0"/>
+          <a:chExt cx="0" cy="0"/>
+        </a:xfrm>
+      </p:grpSpPr>
+      <p:sp>
+        <p:nvSpPr>
+          <p:cNvPr id="6" name="Title 5">
+            <a:extLst>
+              <a:ext uri="{FF2B5EF4-FFF2-40B4-BE49-F238E27FC236}">
+                <a16:creationId xmlns:a16="http://schemas.microsoft.com/office/drawing/2014/main" id="{EA1DA570-A070-3FC0-D489-3B7DA96EA1F3}"/>
+              </a:ext>
+            </a:extLst>
+          </p:cNvPr>
+          <p:cNvSpPr>
+            <a:spLocks noGrp="1"/>
+          </p:cNvSpPr>
+          <p:nvPr>
+            <p:ph type="title"/>
+          </p:nvPr>
+        </p:nvSpPr>
+        <p:spPr/>
+        <p:txBody>
+          <a:bodyPr/>
+          <a:lstStyle/>
+          <a:p>
+            <a:r>
+              <a:rPr lang="en-US" dirty="0"/>
+              <a:t>RI PREP DETAILS</a:t>
+            </a:r>
+            <a:endParaRPr lang="en-CA" dirty="0"/>
+          </a:p>
+        </p:txBody>
+      </p:sp>
+      <p:sp>
+        <p:nvSpPr>
+          <p:cNvPr id="8" name="Content Placeholder 7">
+            <a:extLst>
+              <a:ext uri="{FF2B5EF4-FFF2-40B4-BE49-F238E27FC236}">
+                <a16:creationId xmlns:a16="http://schemas.microsoft.com/office/drawing/2014/main" id="{A5C65A31-31C6-888F-AF71-FAD7B2A5AEB9}"/>
+              </a:ext>
+            </a:extLst>
+          </p:cNvPr>
+          <p:cNvSpPr>
+            <a:spLocks noGrp="1"/>
+          </p:cNvSpPr>
+          <p:nvPr>
+            <p:ph idx="1"/>
+          </p:nvPr>
+        </p:nvSpPr>
+        <p:spPr>
+          <a:xfrm>
+            <a:off x="628650" y="759884"/>
+            <a:ext cx="8402707" cy="824016"/>
+          </a:xfrm>
+        </p:spPr>
+        <p:txBody>
+          <a:bodyPr>
+            <a:normAutofit/>
+          </a:bodyPr>
+          <a:lstStyle/>
+          <a:p>
+            <a:pPr marL="0" indent="0">
+              <a:buNone/>
+            </a:pPr>
+            <a:endParaRPr lang="en-US" dirty="0"/>
+          </a:p>
+          <a:p>
+            <a:pPr marL="0" indent="0">
+              <a:buNone/>
+            </a:pPr>
+            <a:endParaRPr lang="en-US" dirty="0"/>
+          </a:p>
+          <a:p>
+            <a:pPr marL="0" indent="0">
+              <a:buNone/>
+            </a:pPr>
+            <a:endParaRPr lang="en-CA" dirty="0"/>
+          </a:p>
+        </p:txBody>
+      </p:sp>
+      <p:sp>
+        <p:nvSpPr>
+          <p:cNvPr id="4" name="Content Placeholder 7">
+            <a:extLst>
+              <a:ext uri="{FF2B5EF4-FFF2-40B4-BE49-F238E27FC236}">
+                <a16:creationId xmlns:a16="http://schemas.microsoft.com/office/drawing/2014/main" id="{66C7D8DE-13B1-FB63-DBC4-BD613D347951}"/>
+              </a:ext>
+            </a:extLst>
+          </p:cNvPr>
+          <p:cNvSpPr txBox="1">
+            <a:spLocks/>
+          </p:cNvSpPr>
+          <p:nvPr/>
+        </p:nvSpPr>
+        <p:spPr>
+          <a:xfrm>
+            <a:off x="628650" y="3374234"/>
+            <a:ext cx="7886700" cy="824016"/>
+          </a:xfrm>
+          <a:prstGeom prst="rect">
+            <a:avLst/>
+          </a:prstGeom>
+        </p:spPr>
+        <p:txBody>
+          <a:bodyPr vert="horz" lIns="68580" tIns="34290" rIns="68580" bIns="34290" rtlCol="0">
+            <a:normAutofit/>
+          </a:bodyPr>
+          <a:lstStyle>
+            <a:lvl1pPr marL="171450" indent="-171450" algn="l" defTabSz="685800" rtl="0" eaLnBrk="1" latinLnBrk="0" hangingPunct="1">
+              <a:lnSpc>
+                <a:spcPct val="90000"/>
+              </a:lnSpc>
+              <a:spcBef>
+                <a:spcPts val="750"/>
+              </a:spcBef>
+              <a:buFont typeface="Arial" panose="020B0604020202020204" pitchFamily="34" charset="0"/>
+              <a:buChar char="•"/>
+              <a:defRPr sz="2100" kern="1200">
+                <a:solidFill>
+                  <a:schemeClr val="bg2">
+                    <a:lumMod val="25000"/>
+                  </a:schemeClr>
+                </a:solidFill>
+                <a:latin typeface="Verdana"/>
+                <a:ea typeface="+mn-ea"/>
+                <a:cs typeface="Verdana"/>
+              </a:defRPr>
+            </a:lvl1pPr>
+            <a:lvl2pPr marL="514350" indent="-171450" algn="l" defTabSz="685800" rtl="0" eaLnBrk="1" latinLnBrk="0" hangingPunct="1">
+              <a:lnSpc>
+                <a:spcPct val="90000"/>
+              </a:lnSpc>
+              <a:spcBef>
+                <a:spcPts val="375"/>
+              </a:spcBef>
+              <a:buFont typeface="Arial" panose="020B0604020202020204" pitchFamily="34" charset="0"/>
+              <a:buChar char="•"/>
+              <a:defRPr sz="1800" kern="1200">
+                <a:solidFill>
+                  <a:schemeClr val="bg2">
+                    <a:lumMod val="25000"/>
+                  </a:schemeClr>
+                </a:solidFill>
+                <a:latin typeface="Verdana"/>
+                <a:ea typeface="+mn-ea"/>
+                <a:cs typeface="Verdana"/>
+              </a:defRPr>
+            </a:lvl2pPr>
+            <a:lvl3pPr marL="857250" indent="-171450" algn="l" defTabSz="685800" rtl="0" eaLnBrk="1" latinLnBrk="0" hangingPunct="1">
+              <a:lnSpc>
+                <a:spcPct val="90000"/>
+              </a:lnSpc>
+              <a:spcBef>
+                <a:spcPts val="375"/>
+              </a:spcBef>
+              <a:buFont typeface="Arial" panose="020B0604020202020204" pitchFamily="34" charset="0"/>
+              <a:buChar char="•"/>
+              <a:defRPr sz="1500" kern="1200">
+                <a:solidFill>
+                  <a:schemeClr val="bg2">
+                    <a:lumMod val="25000"/>
+                  </a:schemeClr>
+                </a:solidFill>
+                <a:latin typeface="Verdana"/>
+                <a:ea typeface="+mn-ea"/>
+                <a:cs typeface="Verdana"/>
+              </a:defRPr>
+            </a:lvl3pPr>
+            <a:lvl4pPr marL="1200150" indent="-171450" algn="l" defTabSz="685800" rtl="0" eaLnBrk="1" latinLnBrk="0" hangingPunct="1">
+              <a:lnSpc>
+                <a:spcPct val="90000"/>
+              </a:lnSpc>
+              <a:spcBef>
+                <a:spcPts val="375"/>
+              </a:spcBef>
+              <a:buFont typeface="Arial" panose="020B0604020202020204" pitchFamily="34" charset="0"/>
+              <a:buChar char="•"/>
+              <a:defRPr sz="1400" kern="1200">
+                <a:solidFill>
+                  <a:schemeClr val="bg2">
+                    <a:lumMod val="25000"/>
+                  </a:schemeClr>
+                </a:solidFill>
+                <a:latin typeface="Verdana"/>
+                <a:ea typeface="+mn-ea"/>
+                <a:cs typeface="Verdana"/>
+              </a:defRPr>
+            </a:lvl4pPr>
+            <a:lvl5pPr marL="1543050" indent="-171450" algn="l" defTabSz="685800" rtl="0" eaLnBrk="1" latinLnBrk="0" hangingPunct="1">
+              <a:lnSpc>
+                <a:spcPct val="90000"/>
+              </a:lnSpc>
+              <a:spcBef>
+                <a:spcPts val="375"/>
+              </a:spcBef>
+              <a:buFont typeface="Arial" panose="020B0604020202020204" pitchFamily="34" charset="0"/>
+              <a:buChar char="•"/>
+              <a:defRPr sz="1400" kern="1200">
+                <a:solidFill>
+                  <a:schemeClr val="bg2">
+                    <a:lumMod val="25000"/>
+                  </a:schemeClr>
+                </a:solidFill>
+                <a:latin typeface="Verdana"/>
+                <a:ea typeface="+mn-ea"/>
+                <a:cs typeface="Verdana"/>
+              </a:defRPr>
+            </a:lvl5pPr>
+            <a:lvl6pPr marL="1885950" indent="-171450" algn="l" defTabSz="685800" rtl="0" eaLnBrk="1" latinLnBrk="0" hangingPunct="1">
+              <a:lnSpc>
+                <a:spcPct val="90000"/>
+              </a:lnSpc>
+              <a:spcBef>
+                <a:spcPts val="375"/>
+              </a:spcBef>
+              <a:buFont typeface="Arial" panose="020B0604020202020204" pitchFamily="34" charset="0"/>
+              <a:buChar char="•"/>
+              <a:defRPr sz="1400" kern="1200">
+                <a:solidFill>
+                  <a:schemeClr val="tx1"/>
+                </a:solidFill>
+                <a:latin typeface="+mn-lt"/>
+                <a:ea typeface="+mn-ea"/>
+                <a:cs typeface="+mn-cs"/>
+              </a:defRPr>
+            </a:lvl6pPr>
+            <a:lvl7pPr marL="2228850" indent="-171450" algn="l" defTabSz="685800" rtl="0" eaLnBrk="1" latinLnBrk="0" hangingPunct="1">
+              <a:lnSpc>
+                <a:spcPct val="90000"/>
+              </a:lnSpc>
+              <a:spcBef>
+                <a:spcPts val="375"/>
+              </a:spcBef>
+              <a:buFont typeface="Arial" panose="020B0604020202020204" pitchFamily="34" charset="0"/>
+              <a:buChar char="•"/>
+              <a:defRPr sz="1400" kern="1200">
+                <a:solidFill>
+                  <a:schemeClr val="tx1"/>
+                </a:solidFill>
+                <a:latin typeface="+mn-lt"/>
+                <a:ea typeface="+mn-ea"/>
+                <a:cs typeface="+mn-cs"/>
+              </a:defRPr>
+            </a:lvl7pPr>
+            <a:lvl8pPr marL="2571750" indent="-171450" algn="l" defTabSz="685800" rtl="0" eaLnBrk="1" latinLnBrk="0" hangingPunct="1">
+              <a:lnSpc>
+                <a:spcPct val="90000"/>
+              </a:lnSpc>
+              <a:spcBef>
+                <a:spcPts val="375"/>
+              </a:spcBef>
+              <a:buFont typeface="Arial" panose="020B0604020202020204" pitchFamily="34" charset="0"/>
+              <a:buChar char="•"/>
+              <a:defRPr sz="1400" kern="1200">
+                <a:solidFill>
+                  <a:schemeClr val="tx1"/>
+                </a:solidFill>
+                <a:latin typeface="+mn-lt"/>
+                <a:ea typeface="+mn-ea"/>
+                <a:cs typeface="+mn-cs"/>
+              </a:defRPr>
+            </a:lvl8pPr>
+            <a:lvl9pPr marL="2914650" indent="-171450" algn="l" defTabSz="685800" rtl="0" eaLnBrk="1" latinLnBrk="0" hangingPunct="1">
+              <a:lnSpc>
+                <a:spcPct val="90000"/>
+              </a:lnSpc>
+              <a:spcBef>
+                <a:spcPts val="375"/>
+              </a:spcBef>
+              <a:buFont typeface="Arial" panose="020B0604020202020204" pitchFamily="34" charset="0"/>
+              <a:buChar char="•"/>
+              <a:defRPr sz="1400" kern="1200">
+                <a:solidFill>
+                  <a:schemeClr val="tx1"/>
+                </a:solidFill>
+                <a:latin typeface="+mn-lt"/>
+                <a:ea typeface="+mn-ea"/>
+                <a:cs typeface="+mn-cs"/>
+              </a:defRPr>
+            </a:lvl9pPr>
+          </a:lstStyle>
+          <a:p>
+            <a:pPr marL="0" indent="0">
+              <a:lnSpc>
+                <a:spcPct val="150000"/>
+              </a:lnSpc>
+              <a:buFont typeface="Arial" panose="020B0604020202020204" pitchFamily="34" charset="0"/>
+              <a:buNone/>
+            </a:pPr>
+            <a:endParaRPr lang="en-US" dirty="0"/>
+          </a:p>
+          <a:p>
+            <a:pPr marL="0" indent="0">
+              <a:buFont typeface="Arial" panose="020B0604020202020204" pitchFamily="34" charset="0"/>
+              <a:buNone/>
+            </a:pPr>
+            <a:endParaRPr lang="en-US" dirty="0"/>
+          </a:p>
+          <a:p>
+            <a:pPr marL="0" indent="0">
+              <a:buFont typeface="Arial" panose="020B0604020202020204" pitchFamily="34" charset="0"/>
+              <a:buNone/>
+            </a:pPr>
+            <a:endParaRPr lang="en-US" dirty="0"/>
+          </a:p>
+          <a:p>
+            <a:pPr marL="0" indent="0">
+              <a:buFont typeface="Arial" panose="020B0604020202020204" pitchFamily="34" charset="0"/>
+              <a:buNone/>
+            </a:pPr>
+            <a:endParaRPr lang="en-CA" dirty="0"/>
+          </a:p>
+        </p:txBody>
+      </p:sp>
+      <p:sp>
+        <p:nvSpPr>
+          <p:cNvPr id="2" name="Content Placeholder 7">
+            <a:extLst>
+              <a:ext uri="{FF2B5EF4-FFF2-40B4-BE49-F238E27FC236}">
+                <a16:creationId xmlns:a16="http://schemas.microsoft.com/office/drawing/2014/main" id="{5DAE791B-F751-2BDC-D8A5-62ED5AE64703}"/>
+              </a:ext>
+            </a:extLst>
+          </p:cNvPr>
+          <p:cNvSpPr txBox="1">
+            <a:spLocks/>
+          </p:cNvSpPr>
+          <p:nvPr/>
+        </p:nvSpPr>
+        <p:spPr>
+          <a:xfrm>
+            <a:off x="628650" y="1062606"/>
+            <a:ext cx="7886700" cy="3250976"/>
+          </a:xfrm>
+          <a:prstGeom prst="rect">
+            <a:avLst/>
+          </a:prstGeom>
+        </p:spPr>
+        <p:txBody>
+          <a:bodyPr vert="horz" lIns="68580" tIns="34290" rIns="68580" bIns="34290" rtlCol="0">
+            <a:normAutofit/>
+          </a:bodyPr>
+          <a:lstStyle>
+            <a:lvl1pPr marL="171450" indent="-171450" algn="l" defTabSz="685800" rtl="0" eaLnBrk="1" latinLnBrk="0" hangingPunct="1">
+              <a:lnSpc>
+                <a:spcPct val="90000"/>
+              </a:lnSpc>
+              <a:spcBef>
+                <a:spcPts val="750"/>
+              </a:spcBef>
+              <a:buFont typeface="Arial" panose="020B0604020202020204" pitchFamily="34" charset="0"/>
+              <a:buChar char="•"/>
+              <a:defRPr sz="2100" kern="1200">
+                <a:solidFill>
+                  <a:schemeClr val="bg2">
+                    <a:lumMod val="25000"/>
+                  </a:schemeClr>
+                </a:solidFill>
+                <a:latin typeface="Verdana"/>
+                <a:ea typeface="+mn-ea"/>
+                <a:cs typeface="Verdana"/>
+              </a:defRPr>
+            </a:lvl1pPr>
+            <a:lvl2pPr marL="514350" indent="-171450" algn="l" defTabSz="685800" rtl="0" eaLnBrk="1" latinLnBrk="0" hangingPunct="1">
+              <a:lnSpc>
+                <a:spcPct val="90000"/>
+              </a:lnSpc>
+              <a:spcBef>
+                <a:spcPts val="375"/>
+              </a:spcBef>
+              <a:buFont typeface="Arial" panose="020B0604020202020204" pitchFamily="34" charset="0"/>
+              <a:buChar char="•"/>
+              <a:defRPr sz="1800" kern="1200">
+                <a:solidFill>
+                  <a:schemeClr val="bg2">
+                    <a:lumMod val="25000"/>
+                  </a:schemeClr>
+                </a:solidFill>
+                <a:latin typeface="Verdana"/>
+                <a:ea typeface="+mn-ea"/>
+                <a:cs typeface="Verdana"/>
+              </a:defRPr>
+            </a:lvl2pPr>
+            <a:lvl3pPr marL="857250" indent="-171450" algn="l" defTabSz="685800" rtl="0" eaLnBrk="1" latinLnBrk="0" hangingPunct="1">
+              <a:lnSpc>
+                <a:spcPct val="90000"/>
+              </a:lnSpc>
+              <a:spcBef>
+                <a:spcPts val="375"/>
+              </a:spcBef>
+              <a:buFont typeface="Arial" panose="020B0604020202020204" pitchFamily="34" charset="0"/>
+              <a:buChar char="•"/>
+              <a:defRPr sz="1500" kern="1200">
+                <a:solidFill>
+                  <a:schemeClr val="bg2">
+                    <a:lumMod val="25000"/>
+                  </a:schemeClr>
+                </a:solidFill>
+                <a:latin typeface="Verdana"/>
+                <a:ea typeface="+mn-ea"/>
+                <a:cs typeface="Verdana"/>
+              </a:defRPr>
+            </a:lvl3pPr>
+            <a:lvl4pPr marL="1200150" indent="-171450" algn="l" defTabSz="685800" rtl="0" eaLnBrk="1" latinLnBrk="0" hangingPunct="1">
+              <a:lnSpc>
+                <a:spcPct val="90000"/>
+              </a:lnSpc>
+              <a:spcBef>
+                <a:spcPts val="375"/>
+              </a:spcBef>
+              <a:buFont typeface="Arial" panose="020B0604020202020204" pitchFamily="34" charset="0"/>
+              <a:buChar char="•"/>
+              <a:defRPr sz="1400" kern="1200">
+                <a:solidFill>
+                  <a:schemeClr val="bg2">
+                    <a:lumMod val="25000"/>
+                  </a:schemeClr>
+                </a:solidFill>
+                <a:latin typeface="Verdana"/>
+                <a:ea typeface="+mn-ea"/>
+                <a:cs typeface="Verdana"/>
+              </a:defRPr>
+            </a:lvl4pPr>
+            <a:lvl5pPr marL="1543050" indent="-171450" algn="l" defTabSz="685800" rtl="0" eaLnBrk="1" latinLnBrk="0" hangingPunct="1">
+              <a:lnSpc>
+                <a:spcPct val="90000"/>
+              </a:lnSpc>
+              <a:spcBef>
+                <a:spcPts val="375"/>
+              </a:spcBef>
+              <a:buFont typeface="Arial" panose="020B0604020202020204" pitchFamily="34" charset="0"/>
+              <a:buChar char="•"/>
+              <a:defRPr sz="1400" kern="1200">
+                <a:solidFill>
+                  <a:schemeClr val="bg2">
+                    <a:lumMod val="25000"/>
+                  </a:schemeClr>
+                </a:solidFill>
+                <a:latin typeface="Verdana"/>
+                <a:ea typeface="+mn-ea"/>
+                <a:cs typeface="Verdana"/>
+              </a:defRPr>
+            </a:lvl5pPr>
+            <a:lvl6pPr marL="1885950" indent="-171450" algn="l" defTabSz="685800" rtl="0" eaLnBrk="1" latinLnBrk="0" hangingPunct="1">
+              <a:lnSpc>
+                <a:spcPct val="90000"/>
+              </a:lnSpc>
+              <a:spcBef>
+                <a:spcPts val="375"/>
+              </a:spcBef>
+              <a:buFont typeface="Arial" panose="020B0604020202020204" pitchFamily="34" charset="0"/>
+              <a:buChar char="•"/>
+              <a:defRPr sz="1400" kern="1200">
+                <a:solidFill>
+                  <a:schemeClr val="tx1"/>
+                </a:solidFill>
+                <a:latin typeface="+mn-lt"/>
+                <a:ea typeface="+mn-ea"/>
+                <a:cs typeface="+mn-cs"/>
+              </a:defRPr>
+            </a:lvl6pPr>
+            <a:lvl7pPr marL="2228850" indent="-171450" algn="l" defTabSz="685800" rtl="0" eaLnBrk="1" latinLnBrk="0" hangingPunct="1">
+              <a:lnSpc>
+                <a:spcPct val="90000"/>
+              </a:lnSpc>
+              <a:spcBef>
+                <a:spcPts val="375"/>
+              </a:spcBef>
+              <a:buFont typeface="Arial" panose="020B0604020202020204" pitchFamily="34" charset="0"/>
+              <a:buChar char="•"/>
+              <a:defRPr sz="1400" kern="1200">
+                <a:solidFill>
+                  <a:schemeClr val="tx1"/>
+                </a:solidFill>
+                <a:latin typeface="+mn-lt"/>
+                <a:ea typeface="+mn-ea"/>
+                <a:cs typeface="+mn-cs"/>
+              </a:defRPr>
+            </a:lvl7pPr>
+            <a:lvl8pPr marL="2571750" indent="-171450" algn="l" defTabSz="685800" rtl="0" eaLnBrk="1" latinLnBrk="0" hangingPunct="1">
+              <a:lnSpc>
+                <a:spcPct val="90000"/>
+              </a:lnSpc>
+              <a:spcBef>
+                <a:spcPts val="375"/>
+              </a:spcBef>
+              <a:buFont typeface="Arial" panose="020B0604020202020204" pitchFamily="34" charset="0"/>
+              <a:buChar char="•"/>
+              <a:defRPr sz="1400" kern="1200">
+                <a:solidFill>
+                  <a:schemeClr val="tx1"/>
+                </a:solidFill>
+                <a:latin typeface="+mn-lt"/>
+                <a:ea typeface="+mn-ea"/>
+                <a:cs typeface="+mn-cs"/>
+              </a:defRPr>
+            </a:lvl8pPr>
+            <a:lvl9pPr marL="2914650" indent="-171450" algn="l" defTabSz="685800" rtl="0" eaLnBrk="1" latinLnBrk="0" hangingPunct="1">
+              <a:lnSpc>
+                <a:spcPct val="90000"/>
+              </a:lnSpc>
+              <a:spcBef>
+                <a:spcPts val="375"/>
+              </a:spcBef>
+              <a:buFont typeface="Arial" panose="020B0604020202020204" pitchFamily="34" charset="0"/>
+              <a:buChar char="•"/>
+              <a:defRPr sz="1400" kern="1200">
+                <a:solidFill>
+                  <a:schemeClr val="tx1"/>
+                </a:solidFill>
+                <a:latin typeface="+mn-lt"/>
+                <a:ea typeface="+mn-ea"/>
+                <a:cs typeface="+mn-cs"/>
+              </a:defRPr>
+            </a:lvl9pPr>
+          </a:lstStyle>
+          <a:p>
+            <a:pPr marL="0" indent="0">
+              <a:lnSpc>
+                <a:spcPct val="130000"/>
+              </a:lnSpc>
+              <a:buFont typeface="Arial" panose="020B0604020202020204" pitchFamily="34" charset="0"/>
+              <a:buNone/>
+            </a:pPr>
+            <a:r>
+              <a:rPr lang="en-US" dirty="0"/>
+              <a:t>Each feature is </a:t>
+            </a:r>
+            <a:r>
+              <a:rPr lang="en-US" b="1" dirty="0"/>
+              <a:t>scaled</a:t>
+            </a:r>
+            <a:r>
+              <a:rPr lang="en-US" dirty="0"/>
+              <a:t> between </a:t>
+            </a:r>
+            <a:r>
+              <a:rPr lang="en-US" b="1" dirty="0"/>
+              <a:t>0</a:t>
+            </a:r>
+            <a:r>
+              <a:rPr lang="en-US" dirty="0"/>
+              <a:t> and </a:t>
+            </a:r>
+            <a:r>
+              <a:rPr lang="en-US" b="1" dirty="0"/>
+              <a:t>1</a:t>
+            </a:r>
+            <a:r>
+              <a:rPr lang="en-US" dirty="0"/>
+              <a:t> before the RI equation is executed. This step is required in order to combine features that have different units of measurement.</a:t>
+            </a:r>
+          </a:p>
+          <a:p>
+            <a:pPr marL="0" indent="0">
+              <a:buFont typeface="Arial" panose="020B0604020202020204" pitchFamily="34" charset="0"/>
+              <a:buNone/>
+            </a:pPr>
+            <a:endParaRPr lang="en-US" dirty="0"/>
+          </a:p>
+          <a:p>
+            <a:pPr marL="0" indent="0">
+              <a:lnSpc>
+                <a:spcPct val="130000"/>
+              </a:lnSpc>
+              <a:buNone/>
+            </a:pPr>
+            <a:r>
+              <a:rPr lang="en-US" sz="1800" b="1" dirty="0"/>
+              <a:t>Scaling equation:</a:t>
+            </a:r>
+          </a:p>
+          <a:p>
+            <a:pPr marL="0" indent="0">
+              <a:lnSpc>
+                <a:spcPct val="130000"/>
+              </a:lnSpc>
+              <a:buNone/>
+            </a:pPr>
+            <a:r>
+              <a:rPr lang="en-US" sz="1800" dirty="0">
+                <a:latin typeface="Cambria Math" panose="02040503050406030204" pitchFamily="18" charset="0"/>
+                <a:ea typeface="Cambria Math" panose="02040503050406030204" pitchFamily="18" charset="0"/>
+              </a:rPr>
+              <a:t>Normalized feature = (feature – min value) / ( max value – min value)</a:t>
+            </a:r>
+          </a:p>
+          <a:p>
+            <a:pPr marL="0" indent="0">
+              <a:lnSpc>
+                <a:spcPct val="130000"/>
+              </a:lnSpc>
+              <a:buFont typeface="Arial" panose="020B0604020202020204" pitchFamily="34" charset="0"/>
+              <a:buNone/>
+            </a:pPr>
+            <a:endParaRPr lang="en-US" sz="1800" dirty="0"/>
+          </a:p>
+          <a:p>
+            <a:pPr marL="0" indent="0">
+              <a:buFont typeface="Arial" panose="020B0604020202020204" pitchFamily="34" charset="0"/>
+              <a:buNone/>
+            </a:pPr>
+            <a:endParaRPr lang="en-US" dirty="0"/>
+          </a:p>
+          <a:p>
+            <a:pPr marL="0" indent="0">
+              <a:buFont typeface="Arial" panose="020B0604020202020204" pitchFamily="34" charset="0"/>
+              <a:buNone/>
+            </a:pPr>
+            <a:endParaRPr lang="en-US" dirty="0"/>
+          </a:p>
+          <a:p>
+            <a:pPr marL="0" indent="0">
+              <a:buFont typeface="Arial" panose="020B0604020202020204" pitchFamily="34" charset="0"/>
+              <a:buNone/>
+            </a:pPr>
+            <a:endParaRPr lang="en-US" dirty="0"/>
+          </a:p>
+          <a:p>
+            <a:pPr marL="0" indent="0">
+              <a:buFont typeface="Arial" panose="020B0604020202020204" pitchFamily="34" charset="0"/>
+              <a:buNone/>
+            </a:pPr>
+            <a:endParaRPr lang="en-US" dirty="0"/>
+          </a:p>
+          <a:p>
+            <a:pPr marL="0" indent="0">
+              <a:buFont typeface="Arial" panose="020B0604020202020204" pitchFamily="34" charset="0"/>
+              <a:buNone/>
+            </a:pPr>
+            <a:endParaRPr lang="en-US" dirty="0"/>
+          </a:p>
+          <a:p>
+            <a:pPr marL="0" indent="0">
+              <a:buFont typeface="Arial" panose="020B0604020202020204" pitchFamily="34" charset="0"/>
+              <a:buNone/>
+            </a:pPr>
+            <a:endParaRPr lang="en-US" dirty="0"/>
+          </a:p>
+          <a:p>
+            <a:pPr marL="0" indent="0">
+              <a:buFont typeface="Arial" panose="020B0604020202020204" pitchFamily="34" charset="0"/>
+              <a:buNone/>
+            </a:pPr>
+            <a:endParaRPr lang="en-CA" dirty="0"/>
+          </a:p>
+        </p:txBody>
+      </p:sp>
+    </p:spTree>
+    <p:extLst>
+      <p:ext uri="{BB962C8B-B14F-4D97-AF65-F5344CB8AC3E}">
+        <p14:creationId xmlns:p14="http://schemas.microsoft.com/office/powerpoint/2010/main" val="2664315338"/>
+      </p:ext>
+    </p:extLst>
+  </p:cSld>
+  <p:clrMapOvr>
+    <a:masterClrMapping/>
+  </p:clrMapOvr>
+</p:sld>
+</file>
+
+<file path=ppt/slides/slide6.xml><?xml version="1.0" encoding="utf-8"?>
+<p:sld xmlns:a="http://schemas.openxmlformats.org/drawingml/2006/main" xmlns:r="http://schemas.openxmlformats.org/officeDocument/2006/relationships" xmlns:p="http://schemas.openxmlformats.org/presentationml/2006/main">
+  <p:cSld>
+    <p:spTree>
+      <p:nvGrpSpPr>
+        <p:cNvPr id="1" name=""/>
+        <p:cNvGrpSpPr/>
+        <p:nvPr/>
+      </p:nvGrpSpPr>
+      <p:grpSpPr>
+        <a:xfrm>
+          <a:off x="0" y="0"/>
+          <a:ext cx="0" cy="0"/>
+          <a:chOff x="0" y="0"/>
+          <a:chExt cx="0" cy="0"/>
+        </a:xfrm>
+      </p:grpSpPr>
+      <p:sp>
+        <p:nvSpPr>
+          <p:cNvPr id="6" name="Title 5">
+            <a:extLst>
+              <a:ext uri="{FF2B5EF4-FFF2-40B4-BE49-F238E27FC236}">
+                <a16:creationId xmlns:a16="http://schemas.microsoft.com/office/drawing/2014/main" id="{EA1DA570-A070-3FC0-D489-3B7DA96EA1F3}"/>
+              </a:ext>
+            </a:extLst>
+          </p:cNvPr>
+          <p:cNvSpPr>
+            <a:spLocks noGrp="1"/>
+          </p:cNvSpPr>
+          <p:nvPr>
+            <p:ph type="title"/>
+          </p:nvPr>
+        </p:nvSpPr>
+        <p:spPr/>
+        <p:txBody>
+          <a:bodyPr/>
+          <a:lstStyle/>
+          <a:p>
+            <a:r>
+              <a:rPr lang="en-US" dirty="0"/>
+              <a:t>RI EQUATION</a:t>
+            </a:r>
+            <a:endParaRPr lang="en-CA" dirty="0"/>
+          </a:p>
+        </p:txBody>
+      </p:sp>
+      <p:sp>
+        <p:nvSpPr>
+          <p:cNvPr id="8" name="Content Placeholder 7">
+            <a:extLst>
+              <a:ext uri="{FF2B5EF4-FFF2-40B4-BE49-F238E27FC236}">
+                <a16:creationId xmlns:a16="http://schemas.microsoft.com/office/drawing/2014/main" id="{A5C65A31-31C6-888F-AF71-FAD7B2A5AEB9}"/>
+              </a:ext>
+            </a:extLst>
+          </p:cNvPr>
+          <p:cNvSpPr>
+            <a:spLocks noGrp="1"/>
+          </p:cNvSpPr>
+          <p:nvPr>
+            <p:ph idx="1"/>
+          </p:nvPr>
+        </p:nvSpPr>
+        <p:spPr>
+          <a:xfrm>
+            <a:off x="628650" y="759884"/>
+            <a:ext cx="8402707" cy="824016"/>
+          </a:xfrm>
+        </p:spPr>
+        <p:txBody>
+          <a:bodyPr>
+            <a:normAutofit/>
+          </a:bodyPr>
+          <a:lstStyle/>
+          <a:p>
+            <a:pPr marL="0" indent="0">
+              <a:buNone/>
+            </a:pPr>
+            <a:endParaRPr lang="en-US" dirty="0"/>
+          </a:p>
+          <a:p>
+            <a:pPr marL="0" indent="0">
+              <a:buNone/>
+            </a:pPr>
+            <a:endParaRPr lang="en-US" dirty="0"/>
+          </a:p>
+          <a:p>
+            <a:pPr marL="0" indent="0">
+              <a:buNone/>
+            </a:pPr>
+            <a:endParaRPr lang="en-CA" dirty="0"/>
+          </a:p>
+        </p:txBody>
+      </p:sp>
+      <p:sp>
+        <p:nvSpPr>
+          <p:cNvPr id="4" name="Content Placeholder 7">
+            <a:extLst>
+              <a:ext uri="{FF2B5EF4-FFF2-40B4-BE49-F238E27FC236}">
+                <a16:creationId xmlns:a16="http://schemas.microsoft.com/office/drawing/2014/main" id="{66C7D8DE-13B1-FB63-DBC4-BD613D347951}"/>
+              </a:ext>
+            </a:extLst>
+          </p:cNvPr>
+          <p:cNvSpPr txBox="1">
+            <a:spLocks/>
+          </p:cNvSpPr>
+          <p:nvPr/>
+        </p:nvSpPr>
+        <p:spPr>
+          <a:xfrm>
+            <a:off x="628650" y="3374234"/>
+            <a:ext cx="7886700" cy="824016"/>
+          </a:xfrm>
+          <a:prstGeom prst="rect">
+            <a:avLst/>
+          </a:prstGeom>
+        </p:spPr>
+        <p:txBody>
+          <a:bodyPr vert="horz" lIns="68580" tIns="34290" rIns="68580" bIns="34290" rtlCol="0">
+            <a:normAutofit/>
+          </a:bodyPr>
+          <a:lstStyle>
+            <a:lvl1pPr marL="171450" indent="-171450" algn="l" defTabSz="685800" rtl="0" eaLnBrk="1" latinLnBrk="0" hangingPunct="1">
+              <a:lnSpc>
+                <a:spcPct val="90000"/>
+              </a:lnSpc>
+              <a:spcBef>
+                <a:spcPts val="750"/>
+              </a:spcBef>
+              <a:buFont typeface="Arial" panose="020B0604020202020204" pitchFamily="34" charset="0"/>
+              <a:buChar char="•"/>
+              <a:defRPr sz="2100" kern="1200">
+                <a:solidFill>
+                  <a:schemeClr val="bg2">
+                    <a:lumMod val="25000"/>
+                  </a:schemeClr>
+                </a:solidFill>
+                <a:latin typeface="Verdana"/>
+                <a:ea typeface="+mn-ea"/>
+                <a:cs typeface="Verdana"/>
+              </a:defRPr>
+            </a:lvl1pPr>
+            <a:lvl2pPr marL="514350" indent="-171450" algn="l" defTabSz="685800" rtl="0" eaLnBrk="1" latinLnBrk="0" hangingPunct="1">
+              <a:lnSpc>
+                <a:spcPct val="90000"/>
+              </a:lnSpc>
+              <a:spcBef>
+                <a:spcPts val="375"/>
+              </a:spcBef>
+              <a:buFont typeface="Arial" panose="020B0604020202020204" pitchFamily="34" charset="0"/>
+              <a:buChar char="•"/>
+              <a:defRPr sz="1800" kern="1200">
+                <a:solidFill>
+                  <a:schemeClr val="bg2">
+                    <a:lumMod val="25000"/>
+                  </a:schemeClr>
+                </a:solidFill>
+                <a:latin typeface="Verdana"/>
+                <a:ea typeface="+mn-ea"/>
+                <a:cs typeface="Verdana"/>
+              </a:defRPr>
+            </a:lvl2pPr>
+            <a:lvl3pPr marL="857250" indent="-171450" algn="l" defTabSz="685800" rtl="0" eaLnBrk="1" latinLnBrk="0" hangingPunct="1">
+              <a:lnSpc>
+                <a:spcPct val="90000"/>
+              </a:lnSpc>
+              <a:spcBef>
+                <a:spcPts val="375"/>
+              </a:spcBef>
+              <a:buFont typeface="Arial" panose="020B0604020202020204" pitchFamily="34" charset="0"/>
+              <a:buChar char="•"/>
+              <a:defRPr sz="1500" kern="1200">
+                <a:solidFill>
+                  <a:schemeClr val="bg2">
+                    <a:lumMod val="25000"/>
+                  </a:schemeClr>
+                </a:solidFill>
+                <a:latin typeface="Verdana"/>
+                <a:ea typeface="+mn-ea"/>
+                <a:cs typeface="Verdana"/>
+              </a:defRPr>
+            </a:lvl3pPr>
+            <a:lvl4pPr marL="1200150" indent="-171450" algn="l" defTabSz="685800" rtl="0" eaLnBrk="1" latinLnBrk="0" hangingPunct="1">
+              <a:lnSpc>
+                <a:spcPct val="90000"/>
+              </a:lnSpc>
+              <a:spcBef>
+                <a:spcPts val="375"/>
+              </a:spcBef>
+              <a:buFont typeface="Arial" panose="020B0604020202020204" pitchFamily="34" charset="0"/>
+              <a:buChar char="•"/>
+              <a:defRPr sz="1400" kern="1200">
+                <a:solidFill>
+                  <a:schemeClr val="bg2">
+                    <a:lumMod val="25000"/>
+                  </a:schemeClr>
+                </a:solidFill>
+                <a:latin typeface="Verdana"/>
+                <a:ea typeface="+mn-ea"/>
+                <a:cs typeface="Verdana"/>
+              </a:defRPr>
+            </a:lvl4pPr>
+            <a:lvl5pPr marL="1543050" indent="-171450" algn="l" defTabSz="685800" rtl="0" eaLnBrk="1" latinLnBrk="0" hangingPunct="1">
+              <a:lnSpc>
+                <a:spcPct val="90000"/>
+              </a:lnSpc>
+              <a:spcBef>
+                <a:spcPts val="375"/>
+              </a:spcBef>
+              <a:buFont typeface="Arial" panose="020B0604020202020204" pitchFamily="34" charset="0"/>
+              <a:buChar char="•"/>
+              <a:defRPr sz="1400" kern="1200">
+                <a:solidFill>
+                  <a:schemeClr val="bg2">
+                    <a:lumMod val="25000"/>
+                  </a:schemeClr>
+                </a:solidFill>
+                <a:latin typeface="Verdana"/>
+                <a:ea typeface="+mn-ea"/>
+                <a:cs typeface="Verdana"/>
+              </a:defRPr>
+            </a:lvl5pPr>
+            <a:lvl6pPr marL="1885950" indent="-171450" algn="l" defTabSz="685800" rtl="0" eaLnBrk="1" latinLnBrk="0" hangingPunct="1">
+              <a:lnSpc>
+                <a:spcPct val="90000"/>
+              </a:lnSpc>
+              <a:spcBef>
+                <a:spcPts val="375"/>
+              </a:spcBef>
+              <a:buFont typeface="Arial" panose="020B0604020202020204" pitchFamily="34" charset="0"/>
+              <a:buChar char="•"/>
+              <a:defRPr sz="1400" kern="1200">
+                <a:solidFill>
+                  <a:schemeClr val="tx1"/>
+                </a:solidFill>
+                <a:latin typeface="+mn-lt"/>
+                <a:ea typeface="+mn-ea"/>
+                <a:cs typeface="+mn-cs"/>
+              </a:defRPr>
+            </a:lvl6pPr>
+            <a:lvl7pPr marL="2228850" indent="-171450" algn="l" defTabSz="685800" rtl="0" eaLnBrk="1" latinLnBrk="0" hangingPunct="1">
+              <a:lnSpc>
+                <a:spcPct val="90000"/>
+              </a:lnSpc>
+              <a:spcBef>
+                <a:spcPts val="375"/>
+              </a:spcBef>
+              <a:buFont typeface="Arial" panose="020B0604020202020204" pitchFamily="34" charset="0"/>
+              <a:buChar char="•"/>
+              <a:defRPr sz="1400" kern="1200">
+                <a:solidFill>
+                  <a:schemeClr val="tx1"/>
+                </a:solidFill>
+                <a:latin typeface="+mn-lt"/>
+                <a:ea typeface="+mn-ea"/>
+                <a:cs typeface="+mn-cs"/>
+              </a:defRPr>
+            </a:lvl7pPr>
+            <a:lvl8pPr marL="2571750" indent="-171450" algn="l" defTabSz="685800" rtl="0" eaLnBrk="1" latinLnBrk="0" hangingPunct="1">
+              <a:lnSpc>
+                <a:spcPct val="90000"/>
+              </a:lnSpc>
+              <a:spcBef>
+                <a:spcPts val="375"/>
+              </a:spcBef>
+              <a:buFont typeface="Arial" panose="020B0604020202020204" pitchFamily="34" charset="0"/>
+              <a:buChar char="•"/>
+              <a:defRPr sz="1400" kern="1200">
+                <a:solidFill>
+                  <a:schemeClr val="tx1"/>
+                </a:solidFill>
+                <a:latin typeface="+mn-lt"/>
+                <a:ea typeface="+mn-ea"/>
+                <a:cs typeface="+mn-cs"/>
+              </a:defRPr>
+            </a:lvl8pPr>
+            <a:lvl9pPr marL="2914650" indent="-171450" algn="l" defTabSz="685800" rtl="0" eaLnBrk="1" latinLnBrk="0" hangingPunct="1">
+              <a:lnSpc>
+                <a:spcPct val="90000"/>
+              </a:lnSpc>
+              <a:spcBef>
+                <a:spcPts val="375"/>
+              </a:spcBef>
+              <a:buFont typeface="Arial" panose="020B0604020202020204" pitchFamily="34" charset="0"/>
+              <a:buChar char="•"/>
+              <a:defRPr sz="1400" kern="1200">
+                <a:solidFill>
+                  <a:schemeClr val="tx1"/>
+                </a:solidFill>
+                <a:latin typeface="+mn-lt"/>
+                <a:ea typeface="+mn-ea"/>
+                <a:cs typeface="+mn-cs"/>
+              </a:defRPr>
+            </a:lvl9pPr>
+          </a:lstStyle>
+          <a:p>
+            <a:pPr marL="0" indent="0">
+              <a:lnSpc>
+                <a:spcPct val="150000"/>
+              </a:lnSpc>
+              <a:buFont typeface="Arial" panose="020B0604020202020204" pitchFamily="34" charset="0"/>
+              <a:buNone/>
+            </a:pPr>
+            <a:endParaRPr lang="en-US" dirty="0"/>
+          </a:p>
+          <a:p>
+            <a:pPr marL="0" indent="0">
+              <a:buFont typeface="Arial" panose="020B0604020202020204" pitchFamily="34" charset="0"/>
+              <a:buNone/>
+            </a:pPr>
+            <a:endParaRPr lang="en-US" dirty="0"/>
+          </a:p>
+          <a:p>
+            <a:pPr marL="0" indent="0">
+              <a:buFont typeface="Arial" panose="020B0604020202020204" pitchFamily="34" charset="0"/>
+              <a:buNone/>
+            </a:pPr>
+            <a:endParaRPr lang="en-US" dirty="0"/>
+          </a:p>
+          <a:p>
+            <a:pPr marL="0" indent="0">
+              <a:buFont typeface="Arial" panose="020B0604020202020204" pitchFamily="34" charset="0"/>
+              <a:buNone/>
+            </a:pPr>
+            <a:endParaRPr lang="en-CA" dirty="0"/>
+          </a:p>
+        </p:txBody>
+      </p:sp>
+      <p:sp>
+        <p:nvSpPr>
+          <p:cNvPr id="2" name="Content Placeholder 7">
+            <a:extLst>
+              <a:ext uri="{FF2B5EF4-FFF2-40B4-BE49-F238E27FC236}">
+                <a16:creationId xmlns:a16="http://schemas.microsoft.com/office/drawing/2014/main" id="{5DAE791B-F751-2BDC-D8A5-62ED5AE64703}"/>
+              </a:ext>
+            </a:extLst>
+          </p:cNvPr>
+          <p:cNvSpPr txBox="1">
+            <a:spLocks/>
+          </p:cNvSpPr>
+          <p:nvPr/>
+        </p:nvSpPr>
+        <p:spPr>
+          <a:xfrm>
+            <a:off x="628650" y="1062606"/>
+            <a:ext cx="7620828" cy="3250976"/>
+          </a:xfrm>
+          <a:prstGeom prst="rect">
+            <a:avLst/>
+          </a:prstGeom>
+        </p:spPr>
+        <p:txBody>
+          <a:bodyPr vert="horz" lIns="68580" tIns="34290" rIns="68580" bIns="34290" rtlCol="0">
+            <a:normAutofit/>
+          </a:bodyPr>
+          <a:lstStyle>
+            <a:lvl1pPr marL="171450" indent="-171450" algn="l" defTabSz="685800" rtl="0" eaLnBrk="1" latinLnBrk="0" hangingPunct="1">
+              <a:lnSpc>
+                <a:spcPct val="90000"/>
+              </a:lnSpc>
+              <a:spcBef>
+                <a:spcPts val="750"/>
+              </a:spcBef>
+              <a:buFont typeface="Arial" panose="020B0604020202020204" pitchFamily="34" charset="0"/>
+              <a:buChar char="•"/>
+              <a:defRPr sz="2100" kern="1200">
+                <a:solidFill>
+                  <a:schemeClr val="bg2">
+                    <a:lumMod val="25000"/>
+                  </a:schemeClr>
+                </a:solidFill>
+                <a:latin typeface="Verdana"/>
+                <a:ea typeface="+mn-ea"/>
+                <a:cs typeface="Verdana"/>
+              </a:defRPr>
+            </a:lvl1pPr>
+            <a:lvl2pPr marL="514350" indent="-171450" algn="l" defTabSz="685800" rtl="0" eaLnBrk="1" latinLnBrk="0" hangingPunct="1">
+              <a:lnSpc>
+                <a:spcPct val="90000"/>
+              </a:lnSpc>
+              <a:spcBef>
+                <a:spcPts val="375"/>
+              </a:spcBef>
+              <a:buFont typeface="Arial" panose="020B0604020202020204" pitchFamily="34" charset="0"/>
+              <a:buChar char="•"/>
+              <a:defRPr sz="1800" kern="1200">
+                <a:solidFill>
+                  <a:schemeClr val="bg2">
+                    <a:lumMod val="25000"/>
+                  </a:schemeClr>
+                </a:solidFill>
+                <a:latin typeface="Verdana"/>
+                <a:ea typeface="+mn-ea"/>
+                <a:cs typeface="Verdana"/>
+              </a:defRPr>
+            </a:lvl2pPr>
+            <a:lvl3pPr marL="857250" indent="-171450" algn="l" defTabSz="685800" rtl="0" eaLnBrk="1" latinLnBrk="0" hangingPunct="1">
+              <a:lnSpc>
+                <a:spcPct val="90000"/>
+              </a:lnSpc>
+              <a:spcBef>
+                <a:spcPts val="375"/>
+              </a:spcBef>
+              <a:buFont typeface="Arial" panose="020B0604020202020204" pitchFamily="34" charset="0"/>
+              <a:buChar char="•"/>
+              <a:defRPr sz="1500" kern="1200">
+                <a:solidFill>
+                  <a:schemeClr val="bg2">
+                    <a:lumMod val="25000"/>
+                  </a:schemeClr>
+                </a:solidFill>
+                <a:latin typeface="Verdana"/>
+                <a:ea typeface="+mn-ea"/>
+                <a:cs typeface="Verdana"/>
+              </a:defRPr>
+            </a:lvl3pPr>
+            <a:lvl4pPr marL="1200150" indent="-171450" algn="l" defTabSz="685800" rtl="0" eaLnBrk="1" latinLnBrk="0" hangingPunct="1">
+              <a:lnSpc>
+                <a:spcPct val="90000"/>
+              </a:lnSpc>
+              <a:spcBef>
+                <a:spcPts val="375"/>
+              </a:spcBef>
+              <a:buFont typeface="Arial" panose="020B0604020202020204" pitchFamily="34" charset="0"/>
+              <a:buChar char="•"/>
+              <a:defRPr sz="1400" kern="1200">
+                <a:solidFill>
+                  <a:schemeClr val="bg2">
+                    <a:lumMod val="25000"/>
+                  </a:schemeClr>
+                </a:solidFill>
+                <a:latin typeface="Verdana"/>
+                <a:ea typeface="+mn-ea"/>
+                <a:cs typeface="Verdana"/>
+              </a:defRPr>
+            </a:lvl4pPr>
+            <a:lvl5pPr marL="1543050" indent="-171450" algn="l" defTabSz="685800" rtl="0" eaLnBrk="1" latinLnBrk="0" hangingPunct="1">
+              <a:lnSpc>
+                <a:spcPct val="90000"/>
+              </a:lnSpc>
+              <a:spcBef>
+                <a:spcPts val="375"/>
+              </a:spcBef>
+              <a:buFont typeface="Arial" panose="020B0604020202020204" pitchFamily="34" charset="0"/>
+              <a:buChar char="•"/>
+              <a:defRPr sz="1400" kern="1200">
+                <a:solidFill>
+                  <a:schemeClr val="bg2">
+                    <a:lumMod val="25000"/>
+                  </a:schemeClr>
+                </a:solidFill>
+                <a:latin typeface="Verdana"/>
+                <a:ea typeface="+mn-ea"/>
+                <a:cs typeface="Verdana"/>
+              </a:defRPr>
+            </a:lvl5pPr>
+            <a:lvl6pPr marL="1885950" indent="-171450" algn="l" defTabSz="685800" rtl="0" eaLnBrk="1" latinLnBrk="0" hangingPunct="1">
+              <a:lnSpc>
+                <a:spcPct val="90000"/>
+              </a:lnSpc>
+              <a:spcBef>
+                <a:spcPts val="375"/>
+              </a:spcBef>
+              <a:buFont typeface="Arial" panose="020B0604020202020204" pitchFamily="34" charset="0"/>
+              <a:buChar char="•"/>
+              <a:defRPr sz="1400" kern="1200">
+                <a:solidFill>
+                  <a:schemeClr val="tx1"/>
+                </a:solidFill>
+                <a:latin typeface="+mn-lt"/>
+                <a:ea typeface="+mn-ea"/>
+                <a:cs typeface="+mn-cs"/>
+              </a:defRPr>
+            </a:lvl6pPr>
+            <a:lvl7pPr marL="2228850" indent="-171450" algn="l" defTabSz="685800" rtl="0" eaLnBrk="1" latinLnBrk="0" hangingPunct="1">
+              <a:lnSpc>
+                <a:spcPct val="90000"/>
+              </a:lnSpc>
+              <a:spcBef>
+                <a:spcPts val="375"/>
+              </a:spcBef>
+              <a:buFont typeface="Arial" panose="020B0604020202020204" pitchFamily="34" charset="0"/>
+              <a:buChar char="•"/>
+              <a:defRPr sz="1400" kern="1200">
+                <a:solidFill>
+                  <a:schemeClr val="tx1"/>
+                </a:solidFill>
+                <a:latin typeface="+mn-lt"/>
+                <a:ea typeface="+mn-ea"/>
+                <a:cs typeface="+mn-cs"/>
+              </a:defRPr>
+            </a:lvl7pPr>
+            <a:lvl8pPr marL="2571750" indent="-171450" algn="l" defTabSz="685800" rtl="0" eaLnBrk="1" latinLnBrk="0" hangingPunct="1">
+              <a:lnSpc>
+                <a:spcPct val="90000"/>
+              </a:lnSpc>
+              <a:spcBef>
+                <a:spcPts val="375"/>
+              </a:spcBef>
+              <a:buFont typeface="Arial" panose="020B0604020202020204" pitchFamily="34" charset="0"/>
+              <a:buChar char="•"/>
+              <a:defRPr sz="1400" kern="1200">
+                <a:solidFill>
+                  <a:schemeClr val="tx1"/>
+                </a:solidFill>
+                <a:latin typeface="+mn-lt"/>
+                <a:ea typeface="+mn-ea"/>
+                <a:cs typeface="+mn-cs"/>
+              </a:defRPr>
+            </a:lvl8pPr>
+            <a:lvl9pPr marL="2914650" indent="-171450" algn="l" defTabSz="685800" rtl="0" eaLnBrk="1" latinLnBrk="0" hangingPunct="1">
+              <a:lnSpc>
+                <a:spcPct val="90000"/>
+              </a:lnSpc>
+              <a:spcBef>
+                <a:spcPts val="375"/>
+              </a:spcBef>
+              <a:buFont typeface="Arial" panose="020B0604020202020204" pitchFamily="34" charset="0"/>
+              <a:buChar char="•"/>
+              <a:defRPr sz="1400" kern="1200">
+                <a:solidFill>
+                  <a:schemeClr val="tx1"/>
+                </a:solidFill>
+                <a:latin typeface="+mn-lt"/>
+                <a:ea typeface="+mn-ea"/>
+                <a:cs typeface="+mn-cs"/>
+              </a:defRPr>
+            </a:lvl9pPr>
+          </a:lstStyle>
+          <a:p>
+            <a:pPr marL="0" indent="0">
+              <a:buNone/>
+            </a:pPr>
+            <a:r>
+              <a:rPr lang="en-US" sz="2000" b="1" dirty="0">
+                <a:latin typeface="Cambria Math" panose="02040503050406030204" pitchFamily="18" charset="0"/>
+                <a:ea typeface="Cambria Math" panose="02040503050406030204" pitchFamily="18" charset="0"/>
+              </a:rPr>
+              <a:t>RI</a:t>
+            </a:r>
+            <a:r>
+              <a:rPr lang="en-US" sz="2000" dirty="0">
+                <a:latin typeface="Cambria Math" panose="02040503050406030204" pitchFamily="18" charset="0"/>
+                <a:ea typeface="Cambria Math" panose="02040503050406030204" pitchFamily="18" charset="0"/>
+              </a:rPr>
+              <a:t> = (feature * weight) + (feature * weight) - (feature * weight) etc.</a:t>
+            </a:r>
+          </a:p>
+          <a:p>
+            <a:pPr marL="0" indent="0">
+              <a:buFont typeface="Arial" panose="020B0604020202020204" pitchFamily="34" charset="0"/>
+              <a:buNone/>
+            </a:pPr>
+            <a:endParaRPr lang="en-US" dirty="0"/>
+          </a:p>
+          <a:p>
+            <a:pPr marL="0" indent="0">
+              <a:lnSpc>
+                <a:spcPct val="130000"/>
+              </a:lnSpc>
+              <a:buFont typeface="Arial" panose="020B0604020202020204" pitchFamily="34" charset="0"/>
+              <a:buNone/>
+            </a:pPr>
+            <a:r>
+              <a:rPr lang="en-US" sz="1800" dirty="0"/>
+              <a:t>CP&amp;P has provided an RI recommendation for review.  </a:t>
+            </a:r>
+          </a:p>
+          <a:p>
+            <a:pPr marL="0" indent="0">
+              <a:buFont typeface="Arial" panose="020B0604020202020204" pitchFamily="34" charset="0"/>
+              <a:buNone/>
+            </a:pPr>
+            <a:endParaRPr lang="en-US" dirty="0"/>
+          </a:p>
+          <a:p>
+            <a:pPr marL="0" indent="0">
+              <a:buFont typeface="Arial" panose="020B0604020202020204" pitchFamily="34" charset="0"/>
+              <a:buNone/>
+            </a:pPr>
+            <a:endParaRPr lang="en-US" dirty="0"/>
+          </a:p>
+          <a:p>
+            <a:pPr marL="0" indent="0">
+              <a:buFont typeface="Arial" panose="020B0604020202020204" pitchFamily="34" charset="0"/>
+              <a:buNone/>
+            </a:pPr>
+            <a:endParaRPr lang="en-US" dirty="0"/>
+          </a:p>
+          <a:p>
+            <a:pPr marL="0" indent="0">
+              <a:buFont typeface="Arial" panose="020B0604020202020204" pitchFamily="34" charset="0"/>
+              <a:buNone/>
+            </a:pPr>
+            <a:endParaRPr lang="en-US" dirty="0"/>
+          </a:p>
+          <a:p>
+            <a:pPr marL="0" indent="0">
+              <a:buFont typeface="Arial" panose="020B0604020202020204" pitchFamily="34" charset="0"/>
+              <a:buNone/>
+            </a:pPr>
+            <a:endParaRPr lang="en-US" dirty="0"/>
+          </a:p>
+          <a:p>
+            <a:pPr marL="0" indent="0">
+              <a:buFont typeface="Arial" panose="020B0604020202020204" pitchFamily="34" charset="0"/>
+              <a:buNone/>
+            </a:pPr>
+            <a:endParaRPr lang="en-US" dirty="0"/>
+          </a:p>
+          <a:p>
+            <a:pPr marL="0" indent="0">
+              <a:buFont typeface="Arial" panose="020B0604020202020204" pitchFamily="34" charset="0"/>
+              <a:buNone/>
+            </a:pPr>
+            <a:endParaRPr lang="en-CA" dirty="0"/>
+          </a:p>
+        </p:txBody>
+      </p:sp>
+      <p:pic>
+        <p:nvPicPr>
+          <p:cNvPr id="11" name="Picture 10" descr="A group of text boxes&#10;&#10;Description automatically generated with medium confidence">
+            <a:extLst>
+              <a:ext uri="{FF2B5EF4-FFF2-40B4-BE49-F238E27FC236}">
+                <a16:creationId xmlns:a16="http://schemas.microsoft.com/office/drawing/2014/main" id="{3E9627B5-54E8-0C76-17C9-60FAEE111450}"/>
+              </a:ext>
+            </a:extLst>
+          </p:cNvPr>
+          <p:cNvPicPr>
+            <a:picLocks noChangeAspect="1"/>
+          </p:cNvPicPr>
+          <p:nvPr/>
+        </p:nvPicPr>
+        <p:blipFill>
+          <a:blip r:embed="rId3">
+            <a:extLst>
+              <a:ext uri="{28A0092B-C50C-407E-A947-70E740481C1C}">
+                <a14:useLocalDpi xmlns:a14="http://schemas.microsoft.com/office/drawing/2010/main" val="0"/>
+              </a:ext>
+            </a:extLst>
+          </a:blip>
+          <a:stretch>
+            <a:fillRect/>
+          </a:stretch>
+        </p:blipFill>
+        <p:spPr>
+          <a:xfrm>
+            <a:off x="628650" y="2272536"/>
+            <a:ext cx="7553325" cy="1571625"/>
+          </a:xfrm>
+          <a:prstGeom prst="rect">
+            <a:avLst/>
+          </a:prstGeom>
+        </p:spPr>
+      </p:pic>
+    </p:spTree>
+    <p:extLst>
+      <p:ext uri="{BB962C8B-B14F-4D97-AF65-F5344CB8AC3E}">
+        <p14:creationId xmlns:p14="http://schemas.microsoft.com/office/powerpoint/2010/main" val="1053399362"/>
+      </p:ext>
+    </p:extLst>
+  </p:cSld>
+  <p:clrMapOvr>
+    <a:masterClrMapping/>
+  </p:clrMapOvr>
+</p:sld>
+</file>
+
+<file path=ppt/slides/slide7.xml><?xml version="1.0" encoding="utf-8"?>
+<p:sld xmlns:a="http://schemas.openxmlformats.org/drawingml/2006/main" xmlns:r="http://schemas.openxmlformats.org/officeDocument/2006/relationships" xmlns:p="http://schemas.openxmlformats.org/presentationml/2006/main">
+  <p:cSld>
+    <p:spTree>
+      <p:nvGrpSpPr>
+        <p:cNvPr id="1" name=""/>
+        <p:cNvGrpSpPr/>
+        <p:nvPr/>
+      </p:nvGrpSpPr>
+      <p:grpSpPr>
+        <a:xfrm>
+          <a:off x="0" y="0"/>
+          <a:ext cx="0" cy="0"/>
+          <a:chOff x="0" y="0"/>
+          <a:chExt cx="0" cy="0"/>
+        </a:xfrm>
+      </p:grpSpPr>
+      <p:sp>
+        <p:nvSpPr>
+          <p:cNvPr id="6" name="Title 5">
+            <a:extLst>
+              <a:ext uri="{FF2B5EF4-FFF2-40B4-BE49-F238E27FC236}">
+                <a16:creationId xmlns:a16="http://schemas.microsoft.com/office/drawing/2014/main" id="{EA1DA570-A070-3FC0-D489-3B7DA96EA1F3}"/>
+              </a:ext>
+            </a:extLst>
+          </p:cNvPr>
+          <p:cNvSpPr>
+            <a:spLocks noGrp="1"/>
+          </p:cNvSpPr>
+          <p:nvPr>
+            <p:ph type="title"/>
+          </p:nvPr>
+        </p:nvSpPr>
+        <p:spPr/>
+        <p:txBody>
+          <a:bodyPr/>
+          <a:lstStyle/>
+          <a:p>
+            <a:r>
+              <a:rPr lang="en-US" dirty="0"/>
+              <a:t>RI BUILDER</a:t>
+            </a:r>
+            <a:endParaRPr lang="en-CA" dirty="0"/>
+          </a:p>
+        </p:txBody>
+      </p:sp>
+      <p:sp>
+        <p:nvSpPr>
+          <p:cNvPr id="8" name="Content Placeholder 7">
+            <a:extLst>
+              <a:ext uri="{FF2B5EF4-FFF2-40B4-BE49-F238E27FC236}">
+                <a16:creationId xmlns:a16="http://schemas.microsoft.com/office/drawing/2014/main" id="{A5C65A31-31C6-888F-AF71-FAD7B2A5AEB9}"/>
+              </a:ext>
+            </a:extLst>
+          </p:cNvPr>
+          <p:cNvSpPr>
+            <a:spLocks noGrp="1"/>
+          </p:cNvSpPr>
+          <p:nvPr>
+            <p:ph idx="1"/>
+          </p:nvPr>
+        </p:nvSpPr>
+        <p:spPr>
+          <a:xfrm>
+            <a:off x="628650" y="759884"/>
+            <a:ext cx="8402707" cy="824016"/>
+          </a:xfrm>
+        </p:spPr>
+        <p:txBody>
+          <a:bodyPr>
+            <a:normAutofit/>
+          </a:bodyPr>
+          <a:lstStyle/>
+          <a:p>
+            <a:pPr marL="0" indent="0">
+              <a:buNone/>
+            </a:pPr>
+            <a:endParaRPr lang="en-US" dirty="0"/>
+          </a:p>
+          <a:p>
+            <a:endParaRPr lang="en-US" dirty="0"/>
+          </a:p>
+          <a:p>
+            <a:pPr marL="0" indent="0">
+              <a:buNone/>
+            </a:pPr>
+            <a:endParaRPr lang="en-CA" dirty="0"/>
+          </a:p>
+        </p:txBody>
+      </p:sp>
+      <p:sp>
+        <p:nvSpPr>
+          <p:cNvPr id="4" name="Content Placeholder 7">
+            <a:extLst>
+              <a:ext uri="{FF2B5EF4-FFF2-40B4-BE49-F238E27FC236}">
+                <a16:creationId xmlns:a16="http://schemas.microsoft.com/office/drawing/2014/main" id="{66C7D8DE-13B1-FB63-DBC4-BD613D347951}"/>
+              </a:ext>
+            </a:extLst>
+          </p:cNvPr>
+          <p:cNvSpPr txBox="1">
+            <a:spLocks/>
+          </p:cNvSpPr>
+          <p:nvPr/>
+        </p:nvSpPr>
+        <p:spPr>
+          <a:xfrm>
+            <a:off x="628650" y="3374234"/>
+            <a:ext cx="7886700" cy="824016"/>
+          </a:xfrm>
+          <a:prstGeom prst="rect">
+            <a:avLst/>
+          </a:prstGeom>
+        </p:spPr>
+        <p:txBody>
+          <a:bodyPr vert="horz" lIns="68580" tIns="34290" rIns="68580" bIns="34290" rtlCol="0">
+            <a:normAutofit/>
+          </a:bodyPr>
+          <a:lstStyle>
+            <a:lvl1pPr marL="171450" indent="-171450" algn="l" defTabSz="685800" rtl="0" eaLnBrk="1" latinLnBrk="0" hangingPunct="1">
+              <a:lnSpc>
+                <a:spcPct val="90000"/>
+              </a:lnSpc>
+              <a:spcBef>
+                <a:spcPts val="750"/>
+              </a:spcBef>
+              <a:buFont typeface="Arial" panose="020B0604020202020204" pitchFamily="34" charset="0"/>
+              <a:buChar char="•"/>
+              <a:defRPr sz="2100" kern="1200">
+                <a:solidFill>
+                  <a:schemeClr val="bg2">
+                    <a:lumMod val="25000"/>
+                  </a:schemeClr>
+                </a:solidFill>
+                <a:latin typeface="Verdana"/>
+                <a:ea typeface="+mn-ea"/>
+                <a:cs typeface="Verdana"/>
+              </a:defRPr>
+            </a:lvl1pPr>
+            <a:lvl2pPr marL="514350" indent="-171450" algn="l" defTabSz="685800" rtl="0" eaLnBrk="1" latinLnBrk="0" hangingPunct="1">
+              <a:lnSpc>
+                <a:spcPct val="90000"/>
+              </a:lnSpc>
+              <a:spcBef>
+                <a:spcPts val="375"/>
+              </a:spcBef>
+              <a:buFont typeface="Arial" panose="020B0604020202020204" pitchFamily="34" charset="0"/>
+              <a:buChar char="•"/>
+              <a:defRPr sz="1800" kern="1200">
+                <a:solidFill>
+                  <a:schemeClr val="bg2">
+                    <a:lumMod val="25000"/>
+                  </a:schemeClr>
+                </a:solidFill>
+                <a:latin typeface="Verdana"/>
+                <a:ea typeface="+mn-ea"/>
+                <a:cs typeface="Verdana"/>
+              </a:defRPr>
+            </a:lvl2pPr>
+            <a:lvl3pPr marL="857250" indent="-171450" algn="l" defTabSz="685800" rtl="0" eaLnBrk="1" latinLnBrk="0" hangingPunct="1">
+              <a:lnSpc>
+                <a:spcPct val="90000"/>
+              </a:lnSpc>
+              <a:spcBef>
+                <a:spcPts val="375"/>
+              </a:spcBef>
+              <a:buFont typeface="Arial" panose="020B0604020202020204" pitchFamily="34" charset="0"/>
+              <a:buChar char="•"/>
+              <a:defRPr sz="1500" kern="1200">
+                <a:solidFill>
+                  <a:schemeClr val="bg2">
+                    <a:lumMod val="25000"/>
+                  </a:schemeClr>
+                </a:solidFill>
+                <a:latin typeface="Verdana"/>
+                <a:ea typeface="+mn-ea"/>
+                <a:cs typeface="Verdana"/>
+              </a:defRPr>
+            </a:lvl3pPr>
+            <a:lvl4pPr marL="1200150" indent="-171450" algn="l" defTabSz="685800" rtl="0" eaLnBrk="1" latinLnBrk="0" hangingPunct="1">
+              <a:lnSpc>
+                <a:spcPct val="90000"/>
+              </a:lnSpc>
+              <a:spcBef>
+                <a:spcPts val="375"/>
+              </a:spcBef>
+              <a:buFont typeface="Arial" panose="020B0604020202020204" pitchFamily="34" charset="0"/>
+              <a:buChar char="•"/>
+              <a:defRPr sz="1400" kern="1200">
+                <a:solidFill>
+                  <a:schemeClr val="bg2">
+                    <a:lumMod val="25000"/>
+                  </a:schemeClr>
+                </a:solidFill>
+                <a:latin typeface="Verdana"/>
+                <a:ea typeface="+mn-ea"/>
+                <a:cs typeface="Verdana"/>
+              </a:defRPr>
+            </a:lvl4pPr>
+            <a:lvl5pPr marL="1543050" indent="-171450" algn="l" defTabSz="685800" rtl="0" eaLnBrk="1" latinLnBrk="0" hangingPunct="1">
+              <a:lnSpc>
+                <a:spcPct val="90000"/>
+              </a:lnSpc>
+              <a:spcBef>
+                <a:spcPts val="375"/>
+              </a:spcBef>
+              <a:buFont typeface="Arial" panose="020B0604020202020204" pitchFamily="34" charset="0"/>
+              <a:buChar char="•"/>
+              <a:defRPr sz="1400" kern="1200">
+                <a:solidFill>
+                  <a:schemeClr val="bg2">
+                    <a:lumMod val="25000"/>
+                  </a:schemeClr>
+                </a:solidFill>
+                <a:latin typeface="Verdana"/>
+                <a:ea typeface="+mn-ea"/>
+                <a:cs typeface="Verdana"/>
+              </a:defRPr>
+            </a:lvl5pPr>
+            <a:lvl6pPr marL="1885950" indent="-171450" algn="l" defTabSz="685800" rtl="0" eaLnBrk="1" latinLnBrk="0" hangingPunct="1">
+              <a:lnSpc>
+                <a:spcPct val="90000"/>
+              </a:lnSpc>
+              <a:spcBef>
+                <a:spcPts val="375"/>
+              </a:spcBef>
+              <a:buFont typeface="Arial" panose="020B0604020202020204" pitchFamily="34" charset="0"/>
+              <a:buChar char="•"/>
+              <a:defRPr sz="1400" kern="1200">
+                <a:solidFill>
+                  <a:schemeClr val="tx1"/>
+                </a:solidFill>
+                <a:latin typeface="+mn-lt"/>
+                <a:ea typeface="+mn-ea"/>
+                <a:cs typeface="+mn-cs"/>
+              </a:defRPr>
+            </a:lvl6pPr>
+            <a:lvl7pPr marL="2228850" indent="-171450" algn="l" defTabSz="685800" rtl="0" eaLnBrk="1" latinLnBrk="0" hangingPunct="1">
+              <a:lnSpc>
+                <a:spcPct val="90000"/>
+              </a:lnSpc>
+              <a:spcBef>
+                <a:spcPts val="375"/>
+              </a:spcBef>
+              <a:buFont typeface="Arial" panose="020B0604020202020204" pitchFamily="34" charset="0"/>
+              <a:buChar char="•"/>
+              <a:defRPr sz="1400" kern="1200">
+                <a:solidFill>
+                  <a:schemeClr val="tx1"/>
+                </a:solidFill>
+                <a:latin typeface="+mn-lt"/>
+                <a:ea typeface="+mn-ea"/>
+                <a:cs typeface="+mn-cs"/>
+              </a:defRPr>
+            </a:lvl7pPr>
+            <a:lvl8pPr marL="2571750" indent="-171450" algn="l" defTabSz="685800" rtl="0" eaLnBrk="1" latinLnBrk="0" hangingPunct="1">
+              <a:lnSpc>
+                <a:spcPct val="90000"/>
+              </a:lnSpc>
+              <a:spcBef>
+                <a:spcPts val="375"/>
+              </a:spcBef>
+              <a:buFont typeface="Arial" panose="020B0604020202020204" pitchFamily="34" charset="0"/>
+              <a:buChar char="•"/>
+              <a:defRPr sz="1400" kern="1200">
+                <a:solidFill>
+                  <a:schemeClr val="tx1"/>
+                </a:solidFill>
+                <a:latin typeface="+mn-lt"/>
+                <a:ea typeface="+mn-ea"/>
+                <a:cs typeface="+mn-cs"/>
+              </a:defRPr>
+            </a:lvl8pPr>
+            <a:lvl9pPr marL="2914650" indent="-171450" algn="l" defTabSz="685800" rtl="0" eaLnBrk="1" latinLnBrk="0" hangingPunct="1">
+              <a:lnSpc>
+                <a:spcPct val="90000"/>
+              </a:lnSpc>
+              <a:spcBef>
+                <a:spcPts val="375"/>
+              </a:spcBef>
+              <a:buFont typeface="Arial" panose="020B0604020202020204" pitchFamily="34" charset="0"/>
+              <a:buChar char="•"/>
+              <a:defRPr sz="1400" kern="1200">
+                <a:solidFill>
+                  <a:schemeClr val="tx1"/>
+                </a:solidFill>
+                <a:latin typeface="+mn-lt"/>
+                <a:ea typeface="+mn-ea"/>
+                <a:cs typeface="+mn-cs"/>
+              </a:defRPr>
+            </a:lvl9pPr>
+          </a:lstStyle>
+          <a:p>
+            <a:pPr marL="0" indent="0">
+              <a:lnSpc>
+                <a:spcPct val="150000"/>
+              </a:lnSpc>
+              <a:buFont typeface="Arial" panose="020B0604020202020204" pitchFamily="34" charset="0"/>
+              <a:buNone/>
+            </a:pPr>
+            <a:endParaRPr lang="en-US" dirty="0"/>
+          </a:p>
+          <a:p>
+            <a:pPr marL="0" indent="0">
+              <a:buFont typeface="Arial" panose="020B0604020202020204" pitchFamily="34" charset="0"/>
+              <a:buNone/>
+            </a:pPr>
+            <a:endParaRPr lang="en-US" dirty="0"/>
+          </a:p>
+          <a:p>
+            <a:pPr marL="0" indent="0">
+              <a:buFont typeface="Arial" panose="020B0604020202020204" pitchFamily="34" charset="0"/>
+              <a:buNone/>
+            </a:pPr>
+            <a:endParaRPr lang="en-US" dirty="0"/>
+          </a:p>
+          <a:p>
+            <a:pPr marL="0" indent="0">
+              <a:buFont typeface="Arial" panose="020B0604020202020204" pitchFamily="34" charset="0"/>
+              <a:buNone/>
+            </a:pPr>
+            <a:endParaRPr lang="en-CA" dirty="0"/>
+          </a:p>
+        </p:txBody>
+      </p:sp>
+      <p:sp>
+        <p:nvSpPr>
+          <p:cNvPr id="2" name="Content Placeholder 7">
+            <a:extLst>
+              <a:ext uri="{FF2B5EF4-FFF2-40B4-BE49-F238E27FC236}">
+                <a16:creationId xmlns:a16="http://schemas.microsoft.com/office/drawing/2014/main" id="{5DAE791B-F751-2BDC-D8A5-62ED5AE64703}"/>
+              </a:ext>
+            </a:extLst>
+          </p:cNvPr>
+          <p:cNvSpPr txBox="1">
+            <a:spLocks/>
+          </p:cNvSpPr>
+          <p:nvPr/>
+        </p:nvSpPr>
+        <p:spPr>
+          <a:xfrm>
+            <a:off x="628650" y="1118462"/>
+            <a:ext cx="7620828" cy="3250976"/>
+          </a:xfrm>
+          <a:prstGeom prst="rect">
+            <a:avLst/>
+          </a:prstGeom>
+        </p:spPr>
+        <p:txBody>
+          <a:bodyPr vert="horz" lIns="68580" tIns="34290" rIns="68580" bIns="34290" rtlCol="0">
+            <a:normAutofit fontScale="92500" lnSpcReduction="20000"/>
+          </a:bodyPr>
+          <a:lstStyle>
+            <a:lvl1pPr marL="171450" indent="-171450" algn="l" defTabSz="685800" rtl="0" eaLnBrk="1" latinLnBrk="0" hangingPunct="1">
+              <a:lnSpc>
+                <a:spcPct val="90000"/>
+              </a:lnSpc>
+              <a:spcBef>
+                <a:spcPts val="750"/>
+              </a:spcBef>
+              <a:buFont typeface="Arial" panose="020B0604020202020204" pitchFamily="34" charset="0"/>
+              <a:buChar char="•"/>
+              <a:defRPr sz="2100" kern="1200">
+                <a:solidFill>
+                  <a:schemeClr val="bg2">
+                    <a:lumMod val="25000"/>
+                  </a:schemeClr>
+                </a:solidFill>
+                <a:latin typeface="Verdana"/>
+                <a:ea typeface="+mn-ea"/>
+                <a:cs typeface="Verdana"/>
+              </a:defRPr>
+            </a:lvl1pPr>
+            <a:lvl2pPr marL="514350" indent="-171450" algn="l" defTabSz="685800" rtl="0" eaLnBrk="1" latinLnBrk="0" hangingPunct="1">
+              <a:lnSpc>
+                <a:spcPct val="90000"/>
+              </a:lnSpc>
+              <a:spcBef>
+                <a:spcPts val="375"/>
+              </a:spcBef>
+              <a:buFont typeface="Arial" panose="020B0604020202020204" pitchFamily="34" charset="0"/>
+              <a:buChar char="•"/>
+              <a:defRPr sz="1800" kern="1200">
+                <a:solidFill>
+                  <a:schemeClr val="bg2">
+                    <a:lumMod val="25000"/>
+                  </a:schemeClr>
+                </a:solidFill>
+                <a:latin typeface="Verdana"/>
+                <a:ea typeface="+mn-ea"/>
+                <a:cs typeface="Verdana"/>
+              </a:defRPr>
+            </a:lvl2pPr>
+            <a:lvl3pPr marL="857250" indent="-171450" algn="l" defTabSz="685800" rtl="0" eaLnBrk="1" latinLnBrk="0" hangingPunct="1">
+              <a:lnSpc>
+                <a:spcPct val="90000"/>
+              </a:lnSpc>
+              <a:spcBef>
+                <a:spcPts val="375"/>
+              </a:spcBef>
+              <a:buFont typeface="Arial" panose="020B0604020202020204" pitchFamily="34" charset="0"/>
+              <a:buChar char="•"/>
+              <a:defRPr sz="1500" kern="1200">
+                <a:solidFill>
+                  <a:schemeClr val="bg2">
+                    <a:lumMod val="25000"/>
+                  </a:schemeClr>
+                </a:solidFill>
+                <a:latin typeface="Verdana"/>
+                <a:ea typeface="+mn-ea"/>
+                <a:cs typeface="Verdana"/>
+              </a:defRPr>
+            </a:lvl3pPr>
+            <a:lvl4pPr marL="1200150" indent="-171450" algn="l" defTabSz="685800" rtl="0" eaLnBrk="1" latinLnBrk="0" hangingPunct="1">
+              <a:lnSpc>
+                <a:spcPct val="90000"/>
+              </a:lnSpc>
+              <a:spcBef>
+                <a:spcPts val="375"/>
+              </a:spcBef>
+              <a:buFont typeface="Arial" panose="020B0604020202020204" pitchFamily="34" charset="0"/>
+              <a:buChar char="•"/>
+              <a:defRPr sz="1400" kern="1200">
+                <a:solidFill>
+                  <a:schemeClr val="bg2">
+                    <a:lumMod val="25000"/>
+                  </a:schemeClr>
+                </a:solidFill>
+                <a:latin typeface="Verdana"/>
+                <a:ea typeface="+mn-ea"/>
+                <a:cs typeface="Verdana"/>
+              </a:defRPr>
+            </a:lvl4pPr>
+            <a:lvl5pPr marL="1543050" indent="-171450" algn="l" defTabSz="685800" rtl="0" eaLnBrk="1" latinLnBrk="0" hangingPunct="1">
+              <a:lnSpc>
+                <a:spcPct val="90000"/>
+              </a:lnSpc>
+              <a:spcBef>
+                <a:spcPts val="375"/>
+              </a:spcBef>
+              <a:buFont typeface="Arial" panose="020B0604020202020204" pitchFamily="34" charset="0"/>
+              <a:buChar char="•"/>
+              <a:defRPr sz="1400" kern="1200">
+                <a:solidFill>
+                  <a:schemeClr val="bg2">
+                    <a:lumMod val="25000"/>
+                  </a:schemeClr>
+                </a:solidFill>
+                <a:latin typeface="Verdana"/>
+                <a:ea typeface="+mn-ea"/>
+                <a:cs typeface="Verdana"/>
+              </a:defRPr>
+            </a:lvl5pPr>
+            <a:lvl6pPr marL="1885950" indent="-171450" algn="l" defTabSz="685800" rtl="0" eaLnBrk="1" latinLnBrk="0" hangingPunct="1">
+              <a:lnSpc>
+                <a:spcPct val="90000"/>
+              </a:lnSpc>
+              <a:spcBef>
+                <a:spcPts val="375"/>
+              </a:spcBef>
+              <a:buFont typeface="Arial" panose="020B0604020202020204" pitchFamily="34" charset="0"/>
+              <a:buChar char="•"/>
+              <a:defRPr sz="1400" kern="1200">
+                <a:solidFill>
+                  <a:schemeClr val="tx1"/>
+                </a:solidFill>
+                <a:latin typeface="+mn-lt"/>
+                <a:ea typeface="+mn-ea"/>
+                <a:cs typeface="+mn-cs"/>
+              </a:defRPr>
+            </a:lvl6pPr>
+            <a:lvl7pPr marL="2228850" indent="-171450" algn="l" defTabSz="685800" rtl="0" eaLnBrk="1" latinLnBrk="0" hangingPunct="1">
+              <a:lnSpc>
+                <a:spcPct val="90000"/>
+              </a:lnSpc>
+              <a:spcBef>
+                <a:spcPts val="375"/>
+              </a:spcBef>
+              <a:buFont typeface="Arial" panose="020B0604020202020204" pitchFamily="34" charset="0"/>
+              <a:buChar char="•"/>
+              <a:defRPr sz="1400" kern="1200">
+                <a:solidFill>
+                  <a:schemeClr val="tx1"/>
+                </a:solidFill>
+                <a:latin typeface="+mn-lt"/>
+                <a:ea typeface="+mn-ea"/>
+                <a:cs typeface="+mn-cs"/>
+              </a:defRPr>
+            </a:lvl7pPr>
+            <a:lvl8pPr marL="2571750" indent="-171450" algn="l" defTabSz="685800" rtl="0" eaLnBrk="1" latinLnBrk="0" hangingPunct="1">
+              <a:lnSpc>
+                <a:spcPct val="90000"/>
+              </a:lnSpc>
+              <a:spcBef>
+                <a:spcPts val="375"/>
+              </a:spcBef>
+              <a:buFont typeface="Arial" panose="020B0604020202020204" pitchFamily="34" charset="0"/>
+              <a:buChar char="•"/>
+              <a:defRPr sz="1400" kern="1200">
+                <a:solidFill>
+                  <a:schemeClr val="tx1"/>
+                </a:solidFill>
+                <a:latin typeface="+mn-lt"/>
+                <a:ea typeface="+mn-ea"/>
+                <a:cs typeface="+mn-cs"/>
+              </a:defRPr>
+            </a:lvl8pPr>
+            <a:lvl9pPr marL="2914650" indent="-171450" algn="l" defTabSz="685800" rtl="0" eaLnBrk="1" latinLnBrk="0" hangingPunct="1">
+              <a:lnSpc>
+                <a:spcPct val="90000"/>
+              </a:lnSpc>
+              <a:spcBef>
+                <a:spcPts val="375"/>
+              </a:spcBef>
+              <a:buFont typeface="Arial" panose="020B0604020202020204" pitchFamily="34" charset="0"/>
+              <a:buChar char="•"/>
+              <a:defRPr sz="1400" kern="1200">
+                <a:solidFill>
+                  <a:schemeClr val="tx1"/>
+                </a:solidFill>
+                <a:latin typeface="+mn-lt"/>
+                <a:ea typeface="+mn-ea"/>
+                <a:cs typeface="+mn-cs"/>
+              </a:defRPr>
+            </a:lvl9pPr>
+          </a:lstStyle>
+          <a:p>
+            <a:pPr>
+              <a:lnSpc>
+                <a:spcPct val="130000"/>
+              </a:lnSpc>
+            </a:pPr>
+            <a:r>
+              <a:rPr lang="en-US" sz="2000" dirty="0"/>
+              <a:t>Designed as an </a:t>
+            </a:r>
+            <a:r>
+              <a:rPr lang="en-US" sz="2000" b="1" dirty="0"/>
+              <a:t>engagement</a:t>
+            </a:r>
+            <a:r>
+              <a:rPr lang="en-US" sz="2000" dirty="0"/>
+              <a:t> tool that shows transparency in the make-up of the index.</a:t>
+            </a:r>
+          </a:p>
+          <a:p>
+            <a:pPr>
+              <a:lnSpc>
+                <a:spcPct val="130000"/>
+              </a:lnSpc>
+            </a:pPr>
+            <a:r>
+              <a:rPr lang="en-US" sz="2000" dirty="0"/>
+              <a:t>Users can </a:t>
+            </a:r>
+            <a:r>
+              <a:rPr lang="en-US" sz="2000" b="1" dirty="0"/>
+              <a:t>change</a:t>
+            </a:r>
+            <a:r>
+              <a:rPr lang="en-US" sz="2000" dirty="0"/>
+              <a:t> weights and update the RI in real time. This provides a means to reason with the relative importance of layers the comprise the index</a:t>
+            </a:r>
+          </a:p>
+          <a:p>
+            <a:pPr marL="0" indent="0">
+              <a:buFont typeface="Arial" panose="020B0604020202020204" pitchFamily="34" charset="0"/>
+              <a:buNone/>
+            </a:pPr>
+            <a:endParaRPr lang="en-US" dirty="0"/>
+          </a:p>
+          <a:p>
+            <a:pPr marL="0" indent="0">
+              <a:buFont typeface="Arial" panose="020B0604020202020204" pitchFamily="34" charset="0"/>
+              <a:buNone/>
+            </a:pPr>
+            <a:r>
+              <a:rPr lang="en-US" sz="1500" b="1" dirty="0"/>
+              <a:t>Main App Features:</a:t>
+            </a:r>
+          </a:p>
+          <a:p>
+            <a:r>
+              <a:rPr lang="en-US" sz="1300" dirty="0"/>
+              <a:t>Display</a:t>
+            </a:r>
+          </a:p>
+          <a:p>
+            <a:r>
+              <a:rPr lang="en-US" sz="1300" dirty="0"/>
+              <a:t>RI point extractions and pop-up</a:t>
+            </a:r>
+          </a:p>
+          <a:p>
+            <a:r>
+              <a:rPr lang="en-US" sz="1300" dirty="0"/>
+              <a:t>RI Download</a:t>
+            </a:r>
+          </a:p>
+          <a:p>
+            <a:pPr marL="0" indent="0">
+              <a:buFont typeface="Arial" panose="020B0604020202020204" pitchFamily="34" charset="0"/>
+              <a:buNone/>
+            </a:pPr>
+            <a:endParaRPr lang="en-US" dirty="0"/>
+          </a:p>
+          <a:p>
+            <a:pPr marL="0" indent="0">
+              <a:buFont typeface="Arial" panose="020B0604020202020204" pitchFamily="34" charset="0"/>
+              <a:buNone/>
+            </a:pPr>
+            <a:endParaRPr lang="en-US" dirty="0"/>
+          </a:p>
+          <a:p>
+            <a:pPr marL="0" indent="0">
+              <a:buFont typeface="Arial" panose="020B0604020202020204" pitchFamily="34" charset="0"/>
+              <a:buNone/>
+            </a:pPr>
+            <a:endParaRPr lang="en-US" dirty="0"/>
+          </a:p>
+          <a:p>
+            <a:pPr marL="0" indent="0">
+              <a:buFont typeface="Arial" panose="020B0604020202020204" pitchFamily="34" charset="0"/>
+              <a:buNone/>
+            </a:pPr>
+            <a:endParaRPr lang="en-US" dirty="0"/>
+          </a:p>
+          <a:p>
+            <a:pPr marL="0" indent="0">
+              <a:buFont typeface="Arial" panose="020B0604020202020204" pitchFamily="34" charset="0"/>
+              <a:buNone/>
+            </a:pPr>
+            <a:endParaRPr lang="en-US" dirty="0"/>
+          </a:p>
+          <a:p>
+            <a:pPr marL="0" indent="0">
+              <a:buFont typeface="Arial" panose="020B0604020202020204" pitchFamily="34" charset="0"/>
+              <a:buNone/>
+            </a:pPr>
+            <a:endParaRPr lang="en-US" dirty="0"/>
+          </a:p>
+          <a:p>
+            <a:pPr marL="0" indent="0">
+              <a:buFont typeface="Arial" panose="020B0604020202020204" pitchFamily="34" charset="0"/>
+              <a:buNone/>
+            </a:pPr>
+            <a:endParaRPr lang="en-CA" dirty="0"/>
+          </a:p>
+        </p:txBody>
+      </p:sp>
+    </p:spTree>
+    <p:extLst>
+      <p:ext uri="{BB962C8B-B14F-4D97-AF65-F5344CB8AC3E}">
+        <p14:creationId xmlns:p14="http://schemas.microsoft.com/office/powerpoint/2010/main" val="3640613719"/>
+      </p:ext>
+    </p:extLst>
+  </p:cSld>
+  <p:clrMapOvr>
+    <a:masterClrMapping/>
+  </p:clrMapOvr>
+</p:sld>
+</file>
+
+<file path=ppt/slides/slide8.xml><?xml version="1.0" encoding="utf-8"?>
+<p:sld xmlns:a="http://schemas.openxmlformats.org/drawingml/2006/main" xmlns:r="http://schemas.openxmlformats.org/officeDocument/2006/relationships" xmlns:p="http://schemas.openxmlformats.org/presentationml/2006/main">
+  <p:cSld>
+    <p:spTree>
+      <p:nvGrpSpPr>
+        <p:cNvPr id="1" name=""/>
+        <p:cNvGrpSpPr/>
+        <p:nvPr/>
+      </p:nvGrpSpPr>
+      <p:grpSpPr>
+        <a:xfrm>
+          <a:off x="0" y="0"/>
+          <a:ext cx="0" cy="0"/>
+          <a:chOff x="0" y="0"/>
+          <a:chExt cx="0" cy="0"/>
+        </a:xfrm>
+      </p:grpSpPr>
+      <p:sp>
+        <p:nvSpPr>
+          <p:cNvPr id="8" name="Content Placeholder 7">
+            <a:extLst>
+              <a:ext uri="{FF2B5EF4-FFF2-40B4-BE49-F238E27FC236}">
+                <a16:creationId xmlns:a16="http://schemas.microsoft.com/office/drawing/2014/main" id="{A5C65A31-31C6-888F-AF71-FAD7B2A5AEB9}"/>
+              </a:ext>
+            </a:extLst>
+          </p:cNvPr>
+          <p:cNvSpPr>
+            <a:spLocks noGrp="1"/>
+          </p:cNvSpPr>
+          <p:nvPr>
+            <p:ph idx="1"/>
+          </p:nvPr>
+        </p:nvSpPr>
+        <p:spPr>
+          <a:xfrm>
+            <a:off x="628650" y="759884"/>
+            <a:ext cx="8402707" cy="824016"/>
+          </a:xfrm>
+        </p:spPr>
+        <p:txBody>
+          <a:bodyPr>
+            <a:normAutofit/>
+          </a:bodyPr>
+          <a:lstStyle/>
+          <a:p>
+            <a:pPr marL="0" indent="0">
+              <a:buNone/>
+            </a:pPr>
+            <a:endParaRPr lang="en-US" dirty="0"/>
+          </a:p>
+          <a:p>
+            <a:endParaRPr lang="en-US" dirty="0"/>
+          </a:p>
+          <a:p>
+            <a:pPr marL="0" indent="0">
+              <a:buNone/>
+            </a:pPr>
+            <a:endParaRPr lang="en-CA" dirty="0"/>
+          </a:p>
+        </p:txBody>
+      </p:sp>
+      <p:sp>
+        <p:nvSpPr>
+          <p:cNvPr id="4" name="Content Placeholder 7">
+            <a:extLst>
+              <a:ext uri="{FF2B5EF4-FFF2-40B4-BE49-F238E27FC236}">
+                <a16:creationId xmlns:a16="http://schemas.microsoft.com/office/drawing/2014/main" id="{66C7D8DE-13B1-FB63-DBC4-BD613D347951}"/>
+              </a:ext>
+            </a:extLst>
+          </p:cNvPr>
+          <p:cNvSpPr txBox="1">
+            <a:spLocks/>
+          </p:cNvSpPr>
+          <p:nvPr/>
+        </p:nvSpPr>
+        <p:spPr>
+          <a:xfrm>
+            <a:off x="628650" y="3374234"/>
+            <a:ext cx="7886700" cy="824016"/>
+          </a:xfrm>
+          <a:prstGeom prst="rect">
+            <a:avLst/>
+          </a:prstGeom>
+        </p:spPr>
+        <p:txBody>
+          <a:bodyPr vert="horz" lIns="68580" tIns="34290" rIns="68580" bIns="34290" rtlCol="0">
+            <a:normAutofit/>
+          </a:bodyPr>
+          <a:lstStyle>
+            <a:lvl1pPr marL="171450" indent="-171450" algn="l" defTabSz="685800" rtl="0" eaLnBrk="1" latinLnBrk="0" hangingPunct="1">
+              <a:lnSpc>
+                <a:spcPct val="90000"/>
+              </a:lnSpc>
+              <a:spcBef>
+                <a:spcPts val="750"/>
+              </a:spcBef>
+              <a:buFont typeface="Arial" panose="020B0604020202020204" pitchFamily="34" charset="0"/>
+              <a:buChar char="•"/>
+              <a:defRPr sz="2100" kern="1200">
+                <a:solidFill>
+                  <a:schemeClr val="bg2">
+                    <a:lumMod val="25000"/>
+                  </a:schemeClr>
+                </a:solidFill>
+                <a:latin typeface="Verdana"/>
+                <a:ea typeface="+mn-ea"/>
+                <a:cs typeface="Verdana"/>
+              </a:defRPr>
+            </a:lvl1pPr>
+            <a:lvl2pPr marL="514350" indent="-171450" algn="l" defTabSz="685800" rtl="0" eaLnBrk="1" latinLnBrk="0" hangingPunct="1">
+              <a:lnSpc>
+                <a:spcPct val="90000"/>
+              </a:lnSpc>
+              <a:spcBef>
+                <a:spcPts val="375"/>
+              </a:spcBef>
+              <a:buFont typeface="Arial" panose="020B0604020202020204" pitchFamily="34" charset="0"/>
+              <a:buChar char="•"/>
+              <a:defRPr sz="1800" kern="1200">
+                <a:solidFill>
+                  <a:schemeClr val="bg2">
+                    <a:lumMod val="25000"/>
+                  </a:schemeClr>
+                </a:solidFill>
+                <a:latin typeface="Verdana"/>
+                <a:ea typeface="+mn-ea"/>
+                <a:cs typeface="Verdana"/>
+              </a:defRPr>
+            </a:lvl2pPr>
+            <a:lvl3pPr marL="857250" indent="-171450" algn="l" defTabSz="685800" rtl="0" eaLnBrk="1" latinLnBrk="0" hangingPunct="1">
+              <a:lnSpc>
+                <a:spcPct val="90000"/>
+              </a:lnSpc>
+              <a:spcBef>
+                <a:spcPts val="375"/>
+              </a:spcBef>
+              <a:buFont typeface="Arial" panose="020B0604020202020204" pitchFamily="34" charset="0"/>
+              <a:buChar char="•"/>
+              <a:defRPr sz="1500" kern="1200">
+                <a:solidFill>
+                  <a:schemeClr val="bg2">
+                    <a:lumMod val="25000"/>
+                  </a:schemeClr>
+                </a:solidFill>
+                <a:latin typeface="Verdana"/>
+                <a:ea typeface="+mn-ea"/>
+                <a:cs typeface="Verdana"/>
+              </a:defRPr>
+            </a:lvl3pPr>
+            <a:lvl4pPr marL="1200150" indent="-171450" algn="l" defTabSz="685800" rtl="0" eaLnBrk="1" latinLnBrk="0" hangingPunct="1">
+              <a:lnSpc>
+                <a:spcPct val="90000"/>
+              </a:lnSpc>
+              <a:spcBef>
+                <a:spcPts val="375"/>
+              </a:spcBef>
+              <a:buFont typeface="Arial" panose="020B0604020202020204" pitchFamily="34" charset="0"/>
+              <a:buChar char="•"/>
+              <a:defRPr sz="1400" kern="1200">
+                <a:solidFill>
+                  <a:schemeClr val="bg2">
+                    <a:lumMod val="25000"/>
+                  </a:schemeClr>
+                </a:solidFill>
+                <a:latin typeface="Verdana"/>
+                <a:ea typeface="+mn-ea"/>
+                <a:cs typeface="Verdana"/>
+              </a:defRPr>
+            </a:lvl4pPr>
+            <a:lvl5pPr marL="1543050" indent="-171450" algn="l" defTabSz="685800" rtl="0" eaLnBrk="1" latinLnBrk="0" hangingPunct="1">
+              <a:lnSpc>
+                <a:spcPct val="90000"/>
+              </a:lnSpc>
+              <a:spcBef>
+                <a:spcPts val="375"/>
+              </a:spcBef>
+              <a:buFont typeface="Arial" panose="020B0604020202020204" pitchFamily="34" charset="0"/>
+              <a:buChar char="•"/>
+              <a:defRPr sz="1400" kern="1200">
+                <a:solidFill>
+                  <a:schemeClr val="bg2">
+                    <a:lumMod val="25000"/>
+                  </a:schemeClr>
+                </a:solidFill>
+                <a:latin typeface="Verdana"/>
+                <a:ea typeface="+mn-ea"/>
+                <a:cs typeface="Verdana"/>
+              </a:defRPr>
+            </a:lvl5pPr>
+            <a:lvl6pPr marL="1885950" indent="-171450" algn="l" defTabSz="685800" rtl="0" eaLnBrk="1" latinLnBrk="0" hangingPunct="1">
+              <a:lnSpc>
+                <a:spcPct val="90000"/>
+              </a:lnSpc>
+              <a:spcBef>
+                <a:spcPts val="375"/>
+              </a:spcBef>
+              <a:buFont typeface="Arial" panose="020B0604020202020204" pitchFamily="34" charset="0"/>
+              <a:buChar char="•"/>
+              <a:defRPr sz="1400" kern="1200">
+                <a:solidFill>
+                  <a:schemeClr val="tx1"/>
+                </a:solidFill>
+                <a:latin typeface="+mn-lt"/>
+                <a:ea typeface="+mn-ea"/>
+                <a:cs typeface="+mn-cs"/>
+              </a:defRPr>
+            </a:lvl6pPr>
+            <a:lvl7pPr marL="2228850" indent="-171450" algn="l" defTabSz="685800" rtl="0" eaLnBrk="1" latinLnBrk="0" hangingPunct="1">
+              <a:lnSpc>
+                <a:spcPct val="90000"/>
+              </a:lnSpc>
+              <a:spcBef>
+                <a:spcPts val="375"/>
+              </a:spcBef>
+              <a:buFont typeface="Arial" panose="020B0604020202020204" pitchFamily="34" charset="0"/>
+              <a:buChar char="•"/>
+              <a:defRPr sz="1400" kern="1200">
+                <a:solidFill>
+                  <a:schemeClr val="tx1"/>
+                </a:solidFill>
+                <a:latin typeface="+mn-lt"/>
+                <a:ea typeface="+mn-ea"/>
+                <a:cs typeface="+mn-cs"/>
+              </a:defRPr>
+            </a:lvl7pPr>
+            <a:lvl8pPr marL="2571750" indent="-171450" algn="l" defTabSz="685800" rtl="0" eaLnBrk="1" latinLnBrk="0" hangingPunct="1">
+              <a:lnSpc>
+                <a:spcPct val="90000"/>
+              </a:lnSpc>
+              <a:spcBef>
+                <a:spcPts val="375"/>
+              </a:spcBef>
+              <a:buFont typeface="Arial" panose="020B0604020202020204" pitchFamily="34" charset="0"/>
+              <a:buChar char="•"/>
+              <a:defRPr sz="1400" kern="1200">
+                <a:solidFill>
+                  <a:schemeClr val="tx1"/>
+                </a:solidFill>
+                <a:latin typeface="+mn-lt"/>
+                <a:ea typeface="+mn-ea"/>
+                <a:cs typeface="+mn-cs"/>
+              </a:defRPr>
+            </a:lvl8pPr>
+            <a:lvl9pPr marL="2914650" indent="-171450" algn="l" defTabSz="685800" rtl="0" eaLnBrk="1" latinLnBrk="0" hangingPunct="1">
+              <a:lnSpc>
+                <a:spcPct val="90000"/>
+              </a:lnSpc>
+              <a:spcBef>
+                <a:spcPts val="375"/>
+              </a:spcBef>
+              <a:buFont typeface="Arial" panose="020B0604020202020204" pitchFamily="34" charset="0"/>
+              <a:buChar char="•"/>
+              <a:defRPr sz="1400" kern="1200">
+                <a:solidFill>
+                  <a:schemeClr val="tx1"/>
+                </a:solidFill>
+                <a:latin typeface="+mn-lt"/>
+                <a:ea typeface="+mn-ea"/>
+                <a:cs typeface="+mn-cs"/>
+              </a:defRPr>
+            </a:lvl9pPr>
+          </a:lstStyle>
+          <a:p>
+            <a:pPr marL="0" indent="0">
+              <a:lnSpc>
+                <a:spcPct val="150000"/>
+              </a:lnSpc>
+              <a:buFont typeface="Arial" panose="020B0604020202020204" pitchFamily="34" charset="0"/>
+              <a:buNone/>
+            </a:pPr>
+            <a:endParaRPr lang="en-US" dirty="0"/>
+          </a:p>
+          <a:p>
+            <a:pPr marL="0" indent="0">
+              <a:buFont typeface="Arial" panose="020B0604020202020204" pitchFamily="34" charset="0"/>
+              <a:buNone/>
+            </a:pPr>
+            <a:endParaRPr lang="en-US" dirty="0"/>
+          </a:p>
+          <a:p>
+            <a:pPr marL="0" indent="0">
+              <a:buFont typeface="Arial" panose="020B0604020202020204" pitchFamily="34" charset="0"/>
+              <a:buNone/>
+            </a:pPr>
+            <a:endParaRPr lang="en-US" dirty="0"/>
+          </a:p>
+          <a:p>
+            <a:pPr marL="0" indent="0">
+              <a:buFont typeface="Arial" panose="020B0604020202020204" pitchFamily="34" charset="0"/>
+              <a:buNone/>
+            </a:pPr>
+            <a:endParaRPr lang="en-CA" dirty="0"/>
+          </a:p>
+        </p:txBody>
+      </p:sp>
+      <p:pic>
+        <p:nvPicPr>
+          <p:cNvPr id="9" name="Picture 8" descr="A screenshot of a map&#10;&#10;Description automatically generated">
+            <a:extLst>
+              <a:ext uri="{FF2B5EF4-FFF2-40B4-BE49-F238E27FC236}">
+                <a16:creationId xmlns:a16="http://schemas.microsoft.com/office/drawing/2014/main" id="{43665751-4034-693A-361A-5012028368CE}"/>
+              </a:ext>
+            </a:extLst>
+          </p:cNvPr>
+          <p:cNvPicPr>
+            <a:picLocks noChangeAspect="1"/>
+          </p:cNvPicPr>
+          <p:nvPr/>
+        </p:nvPicPr>
+        <p:blipFill>
+          <a:blip r:embed="rId3">
+            <a:extLst>
+              <a:ext uri="{28A0092B-C50C-407E-A947-70E740481C1C}">
+                <a14:useLocalDpi xmlns:a14="http://schemas.microsoft.com/office/drawing/2010/main" val="0"/>
+              </a:ext>
+            </a:extLst>
+          </a:blip>
+          <a:stretch>
+            <a:fillRect/>
+          </a:stretch>
+        </p:blipFill>
+        <p:spPr>
+          <a:xfrm>
+            <a:off x="628650" y="945250"/>
+            <a:ext cx="7279715" cy="3746020"/>
+          </a:xfrm>
+          <a:prstGeom prst="rect">
+            <a:avLst/>
+          </a:prstGeom>
+          <a:ln>
+            <a:solidFill>
+              <a:schemeClr val="tx1"/>
+            </a:solidFill>
+          </a:ln>
+        </p:spPr>
+      </p:pic>
+      <p:sp>
+        <p:nvSpPr>
+          <p:cNvPr id="10" name="Title 5">
+            <a:extLst>
+              <a:ext uri="{FF2B5EF4-FFF2-40B4-BE49-F238E27FC236}">
+                <a16:creationId xmlns:a16="http://schemas.microsoft.com/office/drawing/2014/main" id="{582A8BA4-EAF1-D98F-AA56-3FC58E5A838C}"/>
+              </a:ext>
+            </a:extLst>
+          </p:cNvPr>
+          <p:cNvSpPr>
+            <a:spLocks noGrp="1"/>
+          </p:cNvSpPr>
+          <p:nvPr>
+            <p:ph type="title"/>
+          </p:nvPr>
+        </p:nvSpPr>
+        <p:spPr>
+          <a:xfrm>
+            <a:off x="628650" y="371231"/>
+            <a:ext cx="7886700" cy="874909"/>
+          </a:xfrm>
+        </p:spPr>
+        <p:txBody>
+          <a:bodyPr/>
+          <a:lstStyle/>
+          <a:p>
+            <a:r>
+              <a:rPr lang="en-US" dirty="0"/>
+              <a:t>RI BUILDER</a:t>
+            </a:r>
+            <a:endParaRPr lang="en-CA" dirty="0"/>
+          </a:p>
+        </p:txBody>
+      </p:sp>
+    </p:spTree>
+    <p:extLst>
+      <p:ext uri="{BB962C8B-B14F-4D97-AF65-F5344CB8AC3E}">
+        <p14:creationId xmlns:p14="http://schemas.microsoft.com/office/powerpoint/2010/main" val="1177813972"/>
       </p:ext>
     </p:extLst>
   </p:cSld>
@@ -4853,14 +8989,79 @@
 
 <file path=customXml/item2.xml><?xml version="1.0" encoding="utf-8"?>
 <?mso-contentType ?>
-<FormTemplates xmlns="http://schemas.microsoft.com/sharepoint/v3/contenttype/forms">
-  <Display>DocumentLibraryForm</Display>
-  <Edit>DocumentLibraryForm</Edit>
-  <New>DocumentLibraryForm</New>
-</FormTemplates>
+<SharedContentType xmlns="Microsoft.SharePoint.Taxonomy.ContentTypeSync" SourceId="3dae2bc9-964c-4bb7-94bc-c5dd0815213b" ContentTypeId="0x01010070FD3A26C879A74592BE4DD1CF6C17C51002" PreviousValue="false" LastSyncTimeStamp="2022-04-19T15:49:25.177Z"/>
 </file>
 
 <file path=customXml/item3.xml><?xml version="1.0" encoding="utf-8"?>
+<p:properties xmlns:p="http://schemas.microsoft.com/office/2006/metadata/properties" xmlns:xsi="http://www.w3.org/2001/XMLSchema-instance" xmlns:pc="http://schemas.microsoft.com/office/infopath/2007/PartnerControls">
+  <documentManagement>
+    <TaxCatchAll xmlns="b73fb41d-4db5-49df-b889-ce373c40e3ec">
+      <Value>2</Value>
+      <Value>224</Value>
+      <Value>1585</Value>
+      <Value>3</Value>
+      <Value>1022</Value>
+      <Value>1598</Value>
+    </TaxCatchAll>
+    <Year xmlns="b73fb41d-4db5-49df-b889-ce373c40e3ec">2021</Year>
+    <TaxKeywordTaxHTField xmlns="b73fb41d-4db5-49df-b889-ce373c40e3ec">
+      <Terms xmlns="http://schemas.microsoft.com/office/infopath/2007/PartnerControls">
+        <TermInfo xmlns="http://schemas.microsoft.com/office/infopath/2007/PartnerControls">
+          <TermName xmlns="http://schemas.microsoft.com/office/infopath/2007/PartnerControls">16:9</TermName>
+          <TermId xmlns="http://schemas.microsoft.com/office/infopath/2007/PartnerControls">df0a0d5b-ae80-4841-b2fe-8ddcb8e3222c</TermId>
+        </TermInfo>
+        <TermInfo xmlns="http://schemas.microsoft.com/office/infopath/2007/PartnerControls">
+          <TermName xmlns="http://schemas.microsoft.com/office/infopath/2007/PartnerControls">Presentation</TermName>
+          <TermId xmlns="http://schemas.microsoft.com/office/infopath/2007/PartnerControls">59fc26f9-1c9d-40bc-8a58-d66d91dcc0d5</TermId>
+        </TermInfo>
+      </Terms>
+    </TaxKeywordTaxHTField>
+    <_dlc_DocId xmlns="9daf4fce-efdb-4f08-985f-94c0458ac4da">COLL-1941601530-77</_dlc_DocId>
+    <_dlc_DocIdUrl xmlns="9daf4fce-efdb-4f08-985f-94c0458ac4da">
+      <Url>https://itncc.sharepoint.com/sites/MarketingCollaboration/_layouts/DocIdRedir.aspx?ID=COLL-1941601530-77</Url>
+      <Description>COLL-1941601530-77</Description>
+    </_dlc_DocIdUrl>
+    <hf62e2b7c9654133b3ca7da47c388bce xmlns="b73fb41d-4db5-49df-b889-ce373c40e3ec">
+      <Terms xmlns="http://schemas.microsoft.com/office/infopath/2007/PartnerControls">
+        <TermInfo xmlns="http://schemas.microsoft.com/office/infopath/2007/PartnerControls">
+          <TermName xmlns="http://schemas.microsoft.com/office/infopath/2007/PartnerControls">Marketing and Development</TermName>
+          <TermId xmlns="http://schemas.microsoft.com/office/infopath/2007/PartnerControls">cb043f34-81be-43cd-aebf-735cc7c51d79</TermId>
+        </TermInfo>
+      </Terms>
+    </hf62e2b7c9654133b3ca7da47c388bce>
+    <e5445ced404845ff8a2b3be9c8f7c65c xmlns="b73fb41d-4db5-49df-b889-ce373c40e3ec">
+      <Terms xmlns="http://schemas.microsoft.com/office/infopath/2007/PartnerControls">
+        <TermInfo xmlns="http://schemas.microsoft.com/office/infopath/2007/PartnerControls">
+          <TermName xmlns="http://schemas.microsoft.com/office/infopath/2007/PartnerControls">National</TermName>
+          <TermId xmlns="http://schemas.microsoft.com/office/infopath/2007/PartnerControls">60e160cc-5b62-440e-88bf-c8c5292327f4</TermId>
+        </TermInfo>
+      </Terms>
+    </e5445ced404845ff8a2b3be9c8f7c65c>
+    <Topic xmlns="b73fb41d-4db5-49df-b889-ce373c40e3ec">Presentation</Topic>
+    <j851f0c75970476ca044f56c831142c9 xmlns="b73fb41d-4db5-49df-b889-ce373c40e3ec">
+      <Terms xmlns="http://schemas.microsoft.com/office/infopath/2007/PartnerControls">
+        <TermInfo xmlns="http://schemas.microsoft.com/office/infopath/2007/PartnerControls">
+          <TermName xmlns="http://schemas.microsoft.com/office/infopath/2007/PartnerControls">Editable Creative</TermName>
+          <TermId xmlns="http://schemas.microsoft.com/office/infopath/2007/PartnerControls">29fc3b9e-2d01-4eeb-9c55-b9ac82cf2c15</TermId>
+        </TermInfo>
+      </Terms>
+    </j851f0c75970476ca044f56c831142c9>
+    <h5d00e838cac4a36b66416c1ac0f08f4 xmlns="b73fb41d-4db5-49df-b889-ce373c40e3ec">
+      <Terms xmlns="http://schemas.microsoft.com/office/infopath/2007/PartnerControls"/>
+    </h5d00e838cac4a36b66416c1ac0f08f4>
+    <pde0b5a6bb7242599ac30d59622b742d xmlns="b73fb41d-4db5-49df-b889-ce373c40e3ec">
+      <Terms xmlns="http://schemas.microsoft.com/office/infopath/2007/PartnerControls">
+        <TermInfo xmlns="http://schemas.microsoft.com/office/infopath/2007/PartnerControls">
+          <TermName xmlns="http://schemas.microsoft.com/office/infopath/2007/PartnerControls">Administration</TermName>
+          <TermId xmlns="http://schemas.microsoft.com/office/infopath/2007/PartnerControls">15579f7e-1289-4124-875f-fbfdd1ce1e19</TermId>
+        </TermInfo>
+      </Terms>
+    </pde0b5a6bb7242599ac30d59622b742d>
+  </documentManagement>
+</p:properties>
+</file>
+
+<file path=customXml/item4.xml><?xml version="1.0" encoding="utf-8"?>
 <ct:contentTypeSchema xmlns:ct="http://schemas.microsoft.com/office/2006/metadata/contentType" xmlns:ma="http://schemas.microsoft.com/office/2006/metadata/properties/metaAttributes" ct:_="" ma:_="" ma:contentTypeName="Brand Development Document" ma:contentTypeID="0x01010070FD3A26C879A74592BE4DD1CF6C17C510020067E13304C532104281EC8A3037A9164A" ma:contentTypeVersion="11" ma:contentTypeDescription="" ma:contentTypeScope="" ma:versionID="a43c5f1fd3e888c7e6fddeb0e88e3abc">
   <xsd:schema xmlns:xsd="http://www.w3.org/2001/XMLSchema" xmlns:xs="http://www.w3.org/2001/XMLSchema" xmlns:p="http://schemas.microsoft.com/office/2006/metadata/properties" xmlns:ns2="b73fb41d-4db5-49df-b889-ce373c40e3ec" xmlns:ns3="9daf4fce-efdb-4f08-985f-94c0458ac4da" targetNamespace="http://schemas.microsoft.com/office/2006/metadata/properties" ma:root="true" ma:fieldsID="ac958db3d5748ff17de2fdf13965b786" ns2:_="" ns3:_="">
     <xsd:import namespace="b73fb41d-4db5-49df-b889-ce373c40e3ec"/>
@@ -5121,78 +9322,13 @@
 </ct:contentTypeSchema>
 </file>
 
-<file path=customXml/item4.xml><?xml version="1.0" encoding="utf-8"?>
-<p:properties xmlns:p="http://schemas.microsoft.com/office/2006/metadata/properties" xmlns:xsi="http://www.w3.org/2001/XMLSchema-instance" xmlns:pc="http://schemas.microsoft.com/office/infopath/2007/PartnerControls">
-  <documentManagement>
-    <TaxCatchAll xmlns="b73fb41d-4db5-49df-b889-ce373c40e3ec">
-      <Value>2</Value>
-      <Value>224</Value>
-      <Value>1585</Value>
-      <Value>3</Value>
-      <Value>1022</Value>
-      <Value>1598</Value>
-    </TaxCatchAll>
-    <Year xmlns="b73fb41d-4db5-49df-b889-ce373c40e3ec">2021</Year>
-    <TaxKeywordTaxHTField xmlns="b73fb41d-4db5-49df-b889-ce373c40e3ec">
-      <Terms xmlns="http://schemas.microsoft.com/office/infopath/2007/PartnerControls">
-        <TermInfo xmlns="http://schemas.microsoft.com/office/infopath/2007/PartnerControls">
-          <TermName xmlns="http://schemas.microsoft.com/office/infopath/2007/PartnerControls">16:9</TermName>
-          <TermId xmlns="http://schemas.microsoft.com/office/infopath/2007/PartnerControls">df0a0d5b-ae80-4841-b2fe-8ddcb8e3222c</TermId>
-        </TermInfo>
-        <TermInfo xmlns="http://schemas.microsoft.com/office/infopath/2007/PartnerControls">
-          <TermName xmlns="http://schemas.microsoft.com/office/infopath/2007/PartnerControls">Presentation</TermName>
-          <TermId xmlns="http://schemas.microsoft.com/office/infopath/2007/PartnerControls">59fc26f9-1c9d-40bc-8a58-d66d91dcc0d5</TermId>
-        </TermInfo>
-      </Terms>
-    </TaxKeywordTaxHTField>
-    <_dlc_DocId xmlns="9daf4fce-efdb-4f08-985f-94c0458ac4da">COLL-1941601530-77</_dlc_DocId>
-    <_dlc_DocIdUrl xmlns="9daf4fce-efdb-4f08-985f-94c0458ac4da">
-      <Url>https://itncc.sharepoint.com/sites/MarketingCollaboration/_layouts/DocIdRedir.aspx?ID=COLL-1941601530-77</Url>
-      <Description>COLL-1941601530-77</Description>
-    </_dlc_DocIdUrl>
-    <hf62e2b7c9654133b3ca7da47c388bce xmlns="b73fb41d-4db5-49df-b889-ce373c40e3ec">
-      <Terms xmlns="http://schemas.microsoft.com/office/infopath/2007/PartnerControls">
-        <TermInfo xmlns="http://schemas.microsoft.com/office/infopath/2007/PartnerControls">
-          <TermName xmlns="http://schemas.microsoft.com/office/infopath/2007/PartnerControls">Marketing and Development</TermName>
-          <TermId xmlns="http://schemas.microsoft.com/office/infopath/2007/PartnerControls">cb043f34-81be-43cd-aebf-735cc7c51d79</TermId>
-        </TermInfo>
-      </Terms>
-    </hf62e2b7c9654133b3ca7da47c388bce>
-    <e5445ced404845ff8a2b3be9c8f7c65c xmlns="b73fb41d-4db5-49df-b889-ce373c40e3ec">
-      <Terms xmlns="http://schemas.microsoft.com/office/infopath/2007/PartnerControls">
-        <TermInfo xmlns="http://schemas.microsoft.com/office/infopath/2007/PartnerControls">
-          <TermName xmlns="http://schemas.microsoft.com/office/infopath/2007/PartnerControls">National</TermName>
-          <TermId xmlns="http://schemas.microsoft.com/office/infopath/2007/PartnerControls">60e160cc-5b62-440e-88bf-c8c5292327f4</TermId>
-        </TermInfo>
-      </Terms>
-    </e5445ced404845ff8a2b3be9c8f7c65c>
-    <Topic xmlns="b73fb41d-4db5-49df-b889-ce373c40e3ec">Presentation</Topic>
-    <j851f0c75970476ca044f56c831142c9 xmlns="b73fb41d-4db5-49df-b889-ce373c40e3ec">
-      <Terms xmlns="http://schemas.microsoft.com/office/infopath/2007/PartnerControls">
-        <TermInfo xmlns="http://schemas.microsoft.com/office/infopath/2007/PartnerControls">
-          <TermName xmlns="http://schemas.microsoft.com/office/infopath/2007/PartnerControls">Editable Creative</TermName>
-          <TermId xmlns="http://schemas.microsoft.com/office/infopath/2007/PartnerControls">29fc3b9e-2d01-4eeb-9c55-b9ac82cf2c15</TermId>
-        </TermInfo>
-      </Terms>
-    </j851f0c75970476ca044f56c831142c9>
-    <h5d00e838cac4a36b66416c1ac0f08f4 xmlns="b73fb41d-4db5-49df-b889-ce373c40e3ec">
-      <Terms xmlns="http://schemas.microsoft.com/office/infopath/2007/PartnerControls"/>
-    </h5d00e838cac4a36b66416c1ac0f08f4>
-    <pde0b5a6bb7242599ac30d59622b742d xmlns="b73fb41d-4db5-49df-b889-ce373c40e3ec">
-      <Terms xmlns="http://schemas.microsoft.com/office/infopath/2007/PartnerControls">
-        <TermInfo xmlns="http://schemas.microsoft.com/office/infopath/2007/PartnerControls">
-          <TermName xmlns="http://schemas.microsoft.com/office/infopath/2007/PartnerControls">Administration</TermName>
-          <TermId xmlns="http://schemas.microsoft.com/office/infopath/2007/PartnerControls">15579f7e-1289-4124-875f-fbfdd1ce1e19</TermId>
-        </TermInfo>
-      </Terms>
-    </pde0b5a6bb7242599ac30d59622b742d>
-  </documentManagement>
-</p:properties>
-</file>
-
 <file path=customXml/item5.xml><?xml version="1.0" encoding="utf-8"?>
 <?mso-contentType ?>
-<SharedContentType xmlns="Microsoft.SharePoint.Taxonomy.ContentTypeSync" SourceId="3dae2bc9-964c-4bb7-94bc-c5dd0815213b" ContentTypeId="0x01010070FD3A26C879A74592BE4DD1CF6C17C51002" PreviousValue="false" LastSyncTimeStamp="2022-04-19T15:49:25.177Z"/>
+<FormTemplates xmlns="http://schemas.microsoft.com/sharepoint/v3/contenttype/forms">
+  <Display>DocumentLibraryForm</Display>
+  <Edit>DocumentLibraryForm</Edit>
+  <New>DocumentLibraryForm</New>
+</FormTemplates>
 </file>
 
 <file path=customXml/itemProps1.xml><?xml version="1.0" encoding="utf-8"?>
@@ -5204,14 +9340,28 @@
 </file>
 
 <file path=customXml/itemProps2.xml><?xml version="1.0" encoding="utf-8"?>
-<ds:datastoreItem xmlns:ds="http://schemas.openxmlformats.org/officeDocument/2006/customXml" ds:itemID="{E3070A85-BE5F-4ECE-B1F6-8D04067ED971}">
+<ds:datastoreItem xmlns:ds="http://schemas.openxmlformats.org/officeDocument/2006/customXml" ds:itemID="{C04A9EA0-F30C-4FDA-9437-BDAB378662C2}">
   <ds:schemaRefs>
-    <ds:schemaRef ds:uri="http://schemas.microsoft.com/sharepoint/v3/contenttype/forms"/>
+    <ds:schemaRef ds:uri="Microsoft.SharePoint.Taxonomy.ContentTypeSync"/>
   </ds:schemaRefs>
 </ds:datastoreItem>
 </file>
 
 <file path=customXml/itemProps3.xml><?xml version="1.0" encoding="utf-8"?>
+<ds:datastoreItem xmlns:ds="http://schemas.openxmlformats.org/officeDocument/2006/customXml" ds:itemID="{9C876B4E-9239-4840-BF5E-B55D728E076B}">
+  <ds:schemaRefs>
+    <ds:schemaRef ds:uri="2bec4a9b-cc25-42db-811b-8c1541308260"/>
+    <ds:schemaRef ds:uri="9daf4fce-efdb-4f08-985f-94c0458ac4da"/>
+    <ds:schemaRef ds:uri="b73fb41d-4db5-49df-b889-ce373c40e3ec"/>
+    <ds:schemaRef ds:uri="http://schemas.microsoft.com/office/2006/metadata/properties"/>
+    <ds:schemaRef ds:uri="http://schemas.microsoft.com/office/infopath/2007/PartnerControls"/>
+    <ds:schemaRef ds:uri="http://schemas.microsoft.com/sharepoint/v3"/>
+    <ds:schemaRef ds:uri="http://schemas.microsoft.com/sharepoint/v4"/>
+  </ds:schemaRefs>
+</ds:datastoreItem>
+</file>
+
+<file path=customXml/itemProps4.xml><?xml version="1.0" encoding="utf-8"?>
 <ds:datastoreItem xmlns:ds="http://schemas.openxmlformats.org/officeDocument/2006/customXml" ds:itemID="{C95DB8DD-2968-45AB-A0E1-F330D10D018A}">
   <ds:schemaRefs>
     <ds:schemaRef ds:uri="9daf4fce-efdb-4f08-985f-94c0458ac4da"/>
@@ -5230,24 +9380,10 @@
 </ds:datastoreItem>
 </file>
 
-<file path=customXml/itemProps4.xml><?xml version="1.0" encoding="utf-8"?>
-<ds:datastoreItem xmlns:ds="http://schemas.openxmlformats.org/officeDocument/2006/customXml" ds:itemID="{9C876B4E-9239-4840-BF5E-B55D728E076B}">
+<file path=customXml/itemProps5.xml><?xml version="1.0" encoding="utf-8"?>
+<ds:datastoreItem xmlns:ds="http://schemas.openxmlformats.org/officeDocument/2006/customXml" ds:itemID="{E3070A85-BE5F-4ECE-B1F6-8D04067ED971}">
   <ds:schemaRefs>
-    <ds:schemaRef ds:uri="2bec4a9b-cc25-42db-811b-8c1541308260"/>
-    <ds:schemaRef ds:uri="9daf4fce-efdb-4f08-985f-94c0458ac4da"/>
-    <ds:schemaRef ds:uri="b73fb41d-4db5-49df-b889-ce373c40e3ec"/>
-    <ds:schemaRef ds:uri="http://schemas.microsoft.com/office/2006/metadata/properties"/>
-    <ds:schemaRef ds:uri="http://schemas.microsoft.com/office/infopath/2007/PartnerControls"/>
-    <ds:schemaRef ds:uri="http://schemas.microsoft.com/sharepoint/v3"/>
-    <ds:schemaRef ds:uri="http://schemas.microsoft.com/sharepoint/v4"/>
-  </ds:schemaRefs>
-</ds:datastoreItem>
-</file>
-
-<file path=customXml/itemProps5.xml><?xml version="1.0" encoding="utf-8"?>
-<ds:datastoreItem xmlns:ds="http://schemas.openxmlformats.org/officeDocument/2006/customXml" ds:itemID="{C04A9EA0-F30C-4FDA-9437-BDAB378662C2}">
-  <ds:schemaRefs>
-    <ds:schemaRef ds:uri="Microsoft.SharePoint.Taxonomy.ContentTypeSync"/>
+    <ds:schemaRef ds:uri="http://schemas.microsoft.com/sharepoint/v3/contenttype/forms"/>
   </ds:schemaRefs>
 </ds:datastoreItem>
 </file>
--- a/www/RI_GUIDE.pptx
+++ b/www/RI_GUIDE.pptx
@@ -4783,7 +4783,7 @@
             </a:pPr>
             <a:r>
               <a:rPr lang="en-US" sz="1600" dirty="0"/>
-              <a:t>Guide Project Management Plans</a:t>
+              <a:t>Guide Project Management Plans and Securement </a:t>
             </a:r>
             <a:endParaRPr lang="en-US" sz="1800" dirty="0"/>
           </a:p>
@@ -4981,7 +4981,11 @@
               <a:buAutoNum type="alphaUcPeriod"/>
             </a:pPr>
             <a:r>
-              <a:rPr lang="en-US" sz="1800" dirty="0"/>
+              <a:rPr lang="en-US" sz="1800" dirty="0">
+                <a:highlight>
+                  <a:srgbClr val="8DD3C7"/>
+                </a:highlight>
+              </a:rPr>
               <a:t>Biodiversity</a:t>
             </a:r>
           </a:p>
@@ -4991,7 +4995,11 @@
               <a:buAutoNum type="alphaUcPeriod"/>
             </a:pPr>
             <a:r>
-              <a:rPr lang="en-US" sz="1800" dirty="0"/>
+              <a:rPr lang="en-US" sz="1800" dirty="0">
+                <a:highlight>
+                  <a:srgbClr val="D9D9D9"/>
+                </a:highlight>
+              </a:rPr>
               <a:t>Carbon</a:t>
             </a:r>
           </a:p>
@@ -5001,7 +5009,11 @@
               <a:buAutoNum type="alphaUcPeriod"/>
             </a:pPr>
             <a:r>
-              <a:rPr lang="en-US" sz="1800" dirty="0"/>
+              <a:rPr lang="en-US" sz="1800" dirty="0">
+                <a:highlight>
+                  <a:srgbClr val="FCCDE5"/>
+                </a:highlight>
+              </a:rPr>
               <a:t>Climate</a:t>
             </a:r>
           </a:p>
@@ -5011,7 +5023,11 @@
               <a:buAutoNum type="alphaUcPeriod"/>
             </a:pPr>
             <a:r>
-              <a:rPr lang="en-US" sz="1800" dirty="0"/>
+              <a:rPr lang="en-US" sz="1800" dirty="0">
+                <a:highlight>
+                  <a:srgbClr val="FDB462"/>
+                </a:highlight>
+              </a:rPr>
               <a:t>Connectivity</a:t>
             </a:r>
           </a:p>
@@ -5050,7 +5066,11 @@
               <a:buAutoNum type="alphaUcPeriod" startAt="5"/>
             </a:pPr>
             <a:r>
-              <a:rPr lang="en-US" sz="1800" dirty="0"/>
+              <a:rPr lang="en-US" sz="1800" dirty="0">
+                <a:highlight>
+                  <a:srgbClr val="80B1D3"/>
+                </a:highlight>
+              </a:rPr>
               <a:t>Environmental Services</a:t>
             </a:r>
           </a:p>
@@ -5060,7 +5080,11 @@
               <a:buAutoNum type="alphaUcPeriod" startAt="5"/>
             </a:pPr>
             <a:r>
-              <a:rPr lang="en-US" sz="1800" dirty="0"/>
+              <a:rPr lang="en-US" sz="1800" dirty="0">
+                <a:highlight>
+                  <a:srgbClr val="FFED6F"/>
+                </a:highlight>
+              </a:rPr>
               <a:t>Habitat</a:t>
             </a:r>
           </a:p>
@@ -5070,7 +5094,11 @@
               <a:buAutoNum type="alphaUcPeriod" startAt="5"/>
             </a:pPr>
             <a:r>
-              <a:rPr lang="en-US" sz="1800" dirty="0"/>
+              <a:rPr lang="en-US" sz="1800" dirty="0">
+                <a:highlight>
+                  <a:srgbClr val="B3DE69"/>
+                </a:highlight>
+              </a:rPr>
               <a:t>Protection</a:t>
             </a:r>
           </a:p>
@@ -5080,7 +5108,11 @@
               <a:buAutoNum type="alphaUcPeriod" startAt="5"/>
             </a:pPr>
             <a:r>
-              <a:rPr lang="en-US" sz="1800" dirty="0"/>
+              <a:rPr lang="en-US" sz="1800" dirty="0">
+                <a:highlight>
+                  <a:srgbClr val="FB8072"/>
+                </a:highlight>
+              </a:rPr>
               <a:t>Threats</a:t>
             </a:r>
           </a:p>
@@ -5394,199 +5426,10 @@
           <a:lstStyle/>
           <a:p>
             <a:r>
-              <a:rPr lang="en-US" dirty="0"/>
-              <a:t>RI FEATURES &amp; RANKS</a:t>
+              <a:rPr lang="en-US"/>
+              <a:t>RI FEATURES &amp; RELATIVE WEIGHTS</a:t>
             </a:r>
             <a:endParaRPr lang="en-CA" dirty="0"/>
-          </a:p>
-        </p:txBody>
-      </p:sp>
-      <p:sp>
-        <p:nvSpPr>
-          <p:cNvPr id="3" name="TextBox 2">
-            <a:extLst>
-              <a:ext uri="{FF2B5EF4-FFF2-40B4-BE49-F238E27FC236}">
-                <a16:creationId xmlns:a16="http://schemas.microsoft.com/office/drawing/2014/main" id="{B8982E9E-819A-83B4-35AE-3D56EA7A0AA1}"/>
-              </a:ext>
-            </a:extLst>
-          </p:cNvPr>
-          <p:cNvSpPr txBox="1"/>
-          <p:nvPr/>
-        </p:nvSpPr>
-        <p:spPr>
-          <a:xfrm>
-            <a:off x="786840" y="1474875"/>
-            <a:ext cx="3539160" cy="4004173"/>
-          </a:xfrm>
-          <a:prstGeom prst="rect">
-            <a:avLst/>
-          </a:prstGeom>
-          <a:noFill/>
-        </p:spPr>
-        <p:txBody>
-          <a:bodyPr wrap="square" numCol="1" rtlCol="0">
-            <a:spAutoFit/>
-          </a:bodyPr>
-          <a:lstStyle/>
-          <a:p>
-            <a:pPr marL="342900" indent="-360000">
-              <a:lnSpc>
-                <a:spcPct val="130000"/>
-              </a:lnSpc>
-              <a:buFont typeface="+mj-lt"/>
-              <a:buAutoNum type="arabicPeriod"/>
-            </a:pPr>
-            <a:r>
-              <a:rPr lang="en-US" dirty="0"/>
-              <a:t>Key Biodiversity Areas</a:t>
-            </a:r>
-          </a:p>
-          <a:p>
-            <a:pPr marL="342900" indent="-360000">
-              <a:lnSpc>
-                <a:spcPct val="130000"/>
-              </a:lnSpc>
-              <a:buFont typeface="+mj-lt"/>
-              <a:buAutoNum type="arabicPeriod"/>
-            </a:pPr>
-            <a:r>
-              <a:rPr lang="en-US" dirty="0"/>
-              <a:t>Connectivity</a:t>
-            </a:r>
-          </a:p>
-          <a:p>
-            <a:pPr marL="342900" indent="-360000">
-              <a:lnSpc>
-                <a:spcPct val="130000"/>
-              </a:lnSpc>
-              <a:buFont typeface="+mj-lt"/>
-              <a:buAutoNum type="arabicPeriod"/>
-            </a:pPr>
-            <a:r>
-              <a:rPr lang="en-US" dirty="0"/>
-              <a:t>Climate Refugia, Climate Velocity</a:t>
-            </a:r>
-          </a:p>
-          <a:p>
-            <a:pPr marL="342900" indent="-360000">
-              <a:lnSpc>
-                <a:spcPct val="130000"/>
-              </a:lnSpc>
-              <a:buFont typeface="+mj-lt"/>
-              <a:buAutoNum type="arabicPeriod"/>
-            </a:pPr>
-            <a:r>
-              <a:rPr lang="en-US" dirty="0"/>
-              <a:t>Existing Conservation</a:t>
-            </a:r>
-          </a:p>
-          <a:p>
-            <a:pPr marL="342900" indent="-360000">
-              <a:lnSpc>
-                <a:spcPct val="130000"/>
-              </a:lnSpc>
-              <a:buFont typeface="+mj-lt"/>
-              <a:buAutoNum type="arabicPeriod"/>
-            </a:pPr>
-            <a:r>
-              <a:rPr lang="en-US" dirty="0"/>
-              <a:t>Critical Habitat Area</a:t>
-            </a:r>
-          </a:p>
-          <a:p>
-            <a:pPr marL="342900" indent="-360000">
-              <a:lnSpc>
-                <a:spcPct val="130000"/>
-              </a:lnSpc>
-              <a:buFont typeface="+mj-lt"/>
-              <a:buAutoNum type="arabicPeriod"/>
-            </a:pPr>
-            <a:r>
-              <a:rPr lang="en-US" dirty="0"/>
-              <a:t>Endangered Species Ranges</a:t>
-            </a:r>
-          </a:p>
-          <a:p>
-            <a:pPr marL="342900" indent="-360000">
-              <a:lnSpc>
-                <a:spcPct val="130000"/>
-              </a:lnSpc>
-              <a:buFont typeface="+mj-lt"/>
-              <a:buAutoNum type="arabicPeriod"/>
-            </a:pPr>
-            <a:r>
-              <a:rPr lang="en-US" dirty="0"/>
-              <a:t>Threatened Species Ranges</a:t>
-            </a:r>
-          </a:p>
-          <a:p>
-            <a:pPr marL="342900" indent="-360000">
-              <a:lnSpc>
-                <a:spcPct val="130000"/>
-              </a:lnSpc>
-              <a:buFont typeface="+mj-lt"/>
-              <a:buAutoNum type="arabicPeriod"/>
-            </a:pPr>
-            <a:r>
-              <a:rPr lang="en-US" dirty="0"/>
-              <a:t>Special Concern Species Ranges</a:t>
-            </a:r>
-          </a:p>
-          <a:p>
-            <a:pPr marL="342900" indent="-360000">
-              <a:lnSpc>
-                <a:spcPct val="130000"/>
-              </a:lnSpc>
-              <a:buFont typeface="+mj-lt"/>
-              <a:buAutoNum type="arabicPeriod"/>
-            </a:pPr>
-            <a:r>
-              <a:rPr lang="en-US" dirty="0"/>
-              <a:t>Carbon Potential, Carbon Storage</a:t>
-            </a:r>
-          </a:p>
-          <a:p>
-            <a:pPr marL="342900" indent="-360000">
-              <a:lnSpc>
-                <a:spcPct val="130000"/>
-              </a:lnSpc>
-              <a:buFont typeface="+mj-lt"/>
-              <a:buAutoNum type="arabicPeriod"/>
-            </a:pPr>
-            <a:r>
-              <a:rPr lang="en-US" dirty="0"/>
-              <a:t>Forest, Grassland, Wetland</a:t>
-            </a:r>
-          </a:p>
-          <a:p>
-            <a:pPr marL="342900" indent="-360000">
-              <a:lnSpc>
-                <a:spcPct val="130000"/>
-              </a:lnSpc>
-              <a:buFont typeface="+mj-lt"/>
-              <a:buAutoNum type="arabicPeriod"/>
-            </a:pPr>
-            <a:r>
-              <a:rPr lang="en-US" dirty="0"/>
-              <a:t>Freshwater provision, Recreation</a:t>
-            </a:r>
-          </a:p>
-          <a:p>
-            <a:endParaRPr lang="en-US" sz="1800" dirty="0"/>
-          </a:p>
-          <a:p>
-            <a:pPr marL="342900" indent="-342900">
-              <a:buFont typeface="+mj-lt"/>
-              <a:buAutoNum type="arabicPeriod"/>
-            </a:pPr>
-            <a:endParaRPr lang="en-US" sz="1800" dirty="0"/>
-          </a:p>
-          <a:p>
-            <a:pPr marL="342900" indent="-342900">
-              <a:buFont typeface="+mj-lt"/>
-              <a:buAutoNum type="arabicPeriod"/>
-            </a:pPr>
-            <a:endParaRPr lang="en-US" sz="1800" dirty="0"/>
           </a:p>
         </p:txBody>
       </p:sp>
@@ -5824,12 +5667,2852 @@
           </a:p>
         </p:txBody>
       </p:sp>
+      <p:graphicFrame>
+        <p:nvGraphicFramePr>
+          <p:cNvPr id="12" name="Table 11">
+            <a:extLst>
+              <a:ext uri="{FF2B5EF4-FFF2-40B4-BE49-F238E27FC236}">
+                <a16:creationId xmlns:a16="http://schemas.microsoft.com/office/drawing/2014/main" id="{5A63B3EB-CF46-D578-E205-1803F7E60E96}"/>
+              </a:ext>
+            </a:extLst>
+          </p:cNvPr>
+          <p:cNvGraphicFramePr>
+            <a:graphicFrameLocks noGrp="1"/>
+          </p:cNvGraphicFramePr>
+          <p:nvPr>
+            <p:extLst>
+              <p:ext uri="{D42A27DB-BD31-4B8C-83A1-F6EECF244321}">
+                <p14:modId xmlns:p14="http://schemas.microsoft.com/office/powerpoint/2010/main" val="3234048060"/>
+              </p:ext>
+            </p:extLst>
+          </p:nvPr>
+        </p:nvGraphicFramePr>
+        <p:xfrm>
+          <a:off x="485251" y="1020419"/>
+          <a:ext cx="4165434" cy="3876256"/>
+        </p:xfrm>
+        <a:graphic>
+          <a:graphicData uri="http://schemas.openxmlformats.org/drawingml/2006/table">
+            <a:tbl>
+              <a:tblPr>
+                <a:effectLst>
+                  <a:outerShdw blurRad="50800" dist="38100" dir="2700000" algn="tl" rotWithShape="0">
+                    <a:prstClr val="black">
+                      <a:alpha val="40000"/>
+                    </a:prstClr>
+                  </a:outerShdw>
+                </a:effectLst>
+                <a:tableStyleId>{5C22544A-7EE6-4342-B048-85BDC9FD1C3A}</a:tableStyleId>
+              </a:tblPr>
+              <a:tblGrid>
+                <a:gridCol w="887373">
+                  <a:extLst>
+                    <a:ext uri="{9D8B030D-6E8A-4147-A177-3AD203B41FA5}">
+                      <a16:colId xmlns:a16="http://schemas.microsoft.com/office/drawing/2014/main" val="1471919770"/>
+                    </a:ext>
+                  </a:extLst>
+                </a:gridCol>
+                <a:gridCol w="1534634">
+                  <a:extLst>
+                    <a:ext uri="{9D8B030D-6E8A-4147-A177-3AD203B41FA5}">
+                      <a16:colId xmlns:a16="http://schemas.microsoft.com/office/drawing/2014/main" val="3434318196"/>
+                    </a:ext>
+                  </a:extLst>
+                </a:gridCol>
+                <a:gridCol w="396708">
+                  <a:extLst>
+                    <a:ext uri="{9D8B030D-6E8A-4147-A177-3AD203B41FA5}">
+                      <a16:colId xmlns:a16="http://schemas.microsoft.com/office/drawing/2014/main" val="4085942496"/>
+                    </a:ext>
+                  </a:extLst>
+                </a:gridCol>
+                <a:gridCol w="678578">
+                  <a:extLst>
+                    <a:ext uri="{9D8B030D-6E8A-4147-A177-3AD203B41FA5}">
+                      <a16:colId xmlns:a16="http://schemas.microsoft.com/office/drawing/2014/main" val="383425934"/>
+                    </a:ext>
+                  </a:extLst>
+                </a:gridCol>
+                <a:gridCol w="668141">
+                  <a:extLst>
+                    <a:ext uri="{9D8B030D-6E8A-4147-A177-3AD203B41FA5}">
+                      <a16:colId xmlns:a16="http://schemas.microsoft.com/office/drawing/2014/main" val="1228615487"/>
+                    </a:ext>
+                  </a:extLst>
+                </a:gridCol>
+              </a:tblGrid>
+              <a:tr h="225489">
+                <a:tc gridSpan="5">
+                  <a:txBody>
+                    <a:bodyPr/>
+                    <a:lstStyle/>
+                    <a:p>
+                      <a:pPr algn="ctr" fontAlgn="b"/>
+                      <a:r>
+                        <a:rPr lang="en-CA" sz="1200" b="1" u="none" strike="noStrike" dirty="0">
+                          <a:effectLst/>
+                        </a:rPr>
+                        <a:t>POSITIVE FEATURES</a:t>
+                      </a:r>
+                      <a:endParaRPr lang="en-CA" sz="1200" b="1" i="0" u="none" strike="noStrike" dirty="0">
+                        <a:solidFill>
+                          <a:srgbClr val="000000"/>
+                        </a:solidFill>
+                        <a:effectLst/>
+                        <a:latin typeface="Calibri" panose="020F0502020204030204" pitchFamily="34" charset="0"/>
+                      </a:endParaRPr>
+                    </a:p>
+                  </a:txBody>
+                  <a:tcPr marL="9037" marR="9037" marT="9037" marB="0" anchor="b"/>
+                </a:tc>
+                <a:tc hMerge="1">
+                  <a:txBody>
+                    <a:bodyPr/>
+                    <a:lstStyle/>
+                    <a:p>
+                      <a:endParaRPr lang="en-CA"/>
+                    </a:p>
+                  </a:txBody>
+                  <a:tcPr/>
+                </a:tc>
+                <a:tc hMerge="1">
+                  <a:txBody>
+                    <a:bodyPr/>
+                    <a:lstStyle/>
+                    <a:p>
+                      <a:endParaRPr lang="en-CA"/>
+                    </a:p>
+                  </a:txBody>
+                  <a:tcPr/>
+                </a:tc>
+                <a:tc hMerge="1">
+                  <a:txBody>
+                    <a:bodyPr/>
+                    <a:lstStyle/>
+                    <a:p>
+                      <a:endParaRPr lang="en-CA"/>
+                    </a:p>
+                  </a:txBody>
+                  <a:tcPr/>
+                </a:tc>
+                <a:tc hMerge="1">
+                  <a:txBody>
+                    <a:bodyPr/>
+                    <a:lstStyle/>
+                    <a:p>
+                      <a:endParaRPr lang="en-CA"/>
+                    </a:p>
+                  </a:txBody>
+                  <a:tcPr/>
+                </a:tc>
+                <a:extLst>
+                  <a:ext uri="{0D108BD9-81ED-4DB2-BD59-A6C34878D82A}">
+                    <a16:rowId xmlns:a16="http://schemas.microsoft.com/office/drawing/2014/main" val="1559531287"/>
+                  </a:ext>
+                </a:extLst>
+              </a:tr>
+              <a:tr h="214751">
+                <a:tc>
+                  <a:txBody>
+                    <a:bodyPr/>
+                    <a:lstStyle/>
+                    <a:p>
+                      <a:pPr algn="l" fontAlgn="b"/>
+                      <a:r>
+                        <a:rPr lang="en-CA" sz="1000" b="1" u="none" strike="noStrike" dirty="0">
+                          <a:effectLst/>
+                        </a:rPr>
+                        <a:t>THEMES</a:t>
+                      </a:r>
+                      <a:endParaRPr lang="en-CA" sz="1000" b="1" i="0" u="none" strike="noStrike" dirty="0">
+                        <a:solidFill>
+                          <a:srgbClr val="000000"/>
+                        </a:solidFill>
+                        <a:effectLst/>
+                        <a:latin typeface="Calibri" panose="020F0502020204030204" pitchFamily="34" charset="0"/>
+                      </a:endParaRPr>
+                    </a:p>
+                  </a:txBody>
+                  <a:tcPr marL="9037" marR="9037" marT="9037" marB="0" anchor="b"/>
+                </a:tc>
+                <a:tc>
+                  <a:txBody>
+                    <a:bodyPr/>
+                    <a:lstStyle/>
+                    <a:p>
+                      <a:pPr algn="l" fontAlgn="b"/>
+                      <a:r>
+                        <a:rPr lang="en-CA" sz="1000" b="1" u="none" strike="noStrike" dirty="0">
+                          <a:effectLst/>
+                        </a:rPr>
+                        <a:t>FEATURES</a:t>
+                      </a:r>
+                      <a:endParaRPr lang="en-CA" sz="1000" b="1" i="0" u="none" strike="noStrike" dirty="0">
+                        <a:solidFill>
+                          <a:srgbClr val="000000"/>
+                        </a:solidFill>
+                        <a:effectLst/>
+                        <a:latin typeface="Calibri" panose="020F0502020204030204" pitchFamily="34" charset="0"/>
+                      </a:endParaRPr>
+                    </a:p>
+                  </a:txBody>
+                  <a:tcPr marL="9037" marR="9037" marT="9037" marB="0" anchor="b"/>
+                </a:tc>
+                <a:tc>
+                  <a:txBody>
+                    <a:bodyPr/>
+                    <a:lstStyle/>
+                    <a:p>
+                      <a:pPr algn="l" fontAlgn="b"/>
+                      <a:r>
+                        <a:rPr lang="en-CA" sz="1000" b="1" u="none" strike="noStrike" dirty="0">
+                          <a:effectLst/>
+                        </a:rPr>
+                        <a:t>SIGN</a:t>
+                      </a:r>
+                      <a:endParaRPr lang="en-CA" sz="1000" b="1" i="0" u="none" strike="noStrike" dirty="0">
+                        <a:solidFill>
+                          <a:srgbClr val="000000"/>
+                        </a:solidFill>
+                        <a:effectLst/>
+                        <a:latin typeface="Calibri" panose="020F0502020204030204" pitchFamily="34" charset="0"/>
+                      </a:endParaRPr>
+                    </a:p>
+                  </a:txBody>
+                  <a:tcPr marL="9037" marR="9037" marT="9037" marB="0" anchor="b"/>
+                </a:tc>
+                <a:tc>
+                  <a:txBody>
+                    <a:bodyPr/>
+                    <a:lstStyle/>
+                    <a:p>
+                      <a:pPr algn="l" fontAlgn="b"/>
+                      <a:r>
+                        <a:rPr lang="en-CA" sz="1000" b="1" u="none" strike="noStrike" dirty="0">
+                          <a:effectLst/>
+                        </a:rPr>
+                        <a:t>WEIGHTS</a:t>
+                      </a:r>
+                      <a:endParaRPr lang="en-CA" sz="1000" b="1" i="0" u="none" strike="noStrike" dirty="0">
+                        <a:solidFill>
+                          <a:srgbClr val="000000"/>
+                        </a:solidFill>
+                        <a:effectLst/>
+                        <a:latin typeface="Calibri" panose="020F0502020204030204" pitchFamily="34" charset="0"/>
+                      </a:endParaRPr>
+                    </a:p>
+                  </a:txBody>
+                  <a:tcPr marL="9037" marR="9037" marT="9037" marB="0" anchor="b"/>
+                </a:tc>
+                <a:tc>
+                  <a:txBody>
+                    <a:bodyPr/>
+                    <a:lstStyle/>
+                    <a:p>
+                      <a:pPr algn="l" fontAlgn="b"/>
+                      <a:r>
+                        <a:rPr lang="en-CA" sz="1000" b="1" u="none" strike="noStrike" dirty="0">
+                          <a:effectLst/>
+                        </a:rPr>
+                        <a:t>RANKS</a:t>
+                      </a:r>
+                      <a:endParaRPr lang="en-CA" sz="1000" b="1" i="0" u="none" strike="noStrike" dirty="0">
+                        <a:solidFill>
+                          <a:srgbClr val="000000"/>
+                        </a:solidFill>
+                        <a:effectLst/>
+                        <a:latin typeface="Calibri" panose="020F0502020204030204" pitchFamily="34" charset="0"/>
+                      </a:endParaRPr>
+                    </a:p>
+                  </a:txBody>
+                  <a:tcPr marL="9037" marR="9037" marT="9037" marB="0" anchor="b"/>
+                </a:tc>
+                <a:extLst>
+                  <a:ext uri="{0D108BD9-81ED-4DB2-BD59-A6C34878D82A}">
+                    <a16:rowId xmlns:a16="http://schemas.microsoft.com/office/drawing/2014/main" val="2906262471"/>
+                  </a:ext>
+                </a:extLst>
+              </a:tr>
+              <a:tr h="214751">
+                <a:tc>
+                  <a:txBody>
+                    <a:bodyPr/>
+                    <a:lstStyle/>
+                    <a:p>
+                      <a:pPr algn="l" fontAlgn="b"/>
+                      <a:r>
+                        <a:rPr lang="en-CA" sz="1000" u="none" strike="noStrike" dirty="0">
+                          <a:effectLst/>
+                          <a:highlight>
+                            <a:srgbClr val="8DD3C7"/>
+                          </a:highlight>
+                        </a:rPr>
+                        <a:t>Biodiversity</a:t>
+                      </a:r>
+                      <a:endParaRPr lang="en-CA" sz="1000" b="0" i="0" u="none" strike="noStrike" dirty="0">
+                        <a:solidFill>
+                          <a:srgbClr val="000000"/>
+                        </a:solidFill>
+                        <a:effectLst/>
+                        <a:highlight>
+                          <a:srgbClr val="8DD3C7"/>
+                        </a:highlight>
+                        <a:latin typeface="Calibri" panose="020F0502020204030204" pitchFamily="34" charset="0"/>
+                      </a:endParaRPr>
+                    </a:p>
+                  </a:txBody>
+                  <a:tcPr marL="9037" marR="9037" marT="9037" marB="0" anchor="b"/>
+                </a:tc>
+                <a:tc>
+                  <a:txBody>
+                    <a:bodyPr/>
+                    <a:lstStyle/>
+                    <a:p>
+                      <a:pPr algn="l" fontAlgn="b"/>
+                      <a:r>
+                        <a:rPr lang="en-CA" sz="1000" u="none" strike="noStrike" dirty="0">
+                          <a:effectLst/>
+                        </a:rPr>
+                        <a:t>Key Biodiversity Areas</a:t>
+                      </a:r>
+                      <a:endParaRPr lang="en-CA" sz="1000" b="0" i="0" u="none" strike="noStrike" dirty="0">
+                        <a:solidFill>
+                          <a:srgbClr val="000000"/>
+                        </a:solidFill>
+                        <a:effectLst/>
+                        <a:latin typeface="Calibri" panose="020F0502020204030204" pitchFamily="34" charset="0"/>
+                      </a:endParaRPr>
+                    </a:p>
+                  </a:txBody>
+                  <a:tcPr marL="9037" marR="9037" marT="9037" marB="0" anchor="b"/>
+                </a:tc>
+                <a:tc>
+                  <a:txBody>
+                    <a:bodyPr/>
+                    <a:lstStyle/>
+                    <a:p>
+                      <a:pPr algn="l" fontAlgn="b"/>
+                      <a:r>
+                        <a:rPr lang="en-CA" sz="1000" u="none" strike="noStrike" dirty="0">
+                          <a:effectLst/>
+                        </a:rPr>
+                        <a:t>+</a:t>
+                      </a:r>
+                      <a:endParaRPr lang="en-CA" sz="1000" b="0" i="0" u="none" strike="noStrike" dirty="0">
+                        <a:solidFill>
+                          <a:srgbClr val="000000"/>
+                        </a:solidFill>
+                        <a:effectLst/>
+                        <a:latin typeface="Calibri" panose="020F0502020204030204" pitchFamily="34" charset="0"/>
+                      </a:endParaRPr>
+                    </a:p>
+                  </a:txBody>
+                  <a:tcPr marL="9037" marR="9037" marT="9037" marB="0" anchor="b"/>
+                </a:tc>
+                <a:tc>
+                  <a:txBody>
+                    <a:bodyPr/>
+                    <a:lstStyle/>
+                    <a:p>
+                      <a:pPr algn="r" fontAlgn="b"/>
+                      <a:r>
+                        <a:rPr lang="en-CA" sz="1000" u="none" strike="noStrike" dirty="0">
+                          <a:effectLst/>
+                        </a:rPr>
+                        <a:t>15</a:t>
+                      </a:r>
+                      <a:endParaRPr lang="en-CA" sz="1000" b="0" i="0" u="none" strike="noStrike" dirty="0">
+                        <a:solidFill>
+                          <a:srgbClr val="000000"/>
+                        </a:solidFill>
+                        <a:effectLst/>
+                        <a:latin typeface="Calibri" panose="020F0502020204030204" pitchFamily="34" charset="0"/>
+                      </a:endParaRPr>
+                    </a:p>
+                  </a:txBody>
+                  <a:tcPr marL="9037" marR="9037" marT="9037" marB="0" anchor="b"/>
+                </a:tc>
+                <a:tc>
+                  <a:txBody>
+                    <a:bodyPr/>
+                    <a:lstStyle/>
+                    <a:p>
+                      <a:pPr algn="r" fontAlgn="b"/>
+                      <a:r>
+                        <a:rPr lang="en-CA" sz="1000" u="none" strike="noStrike" dirty="0">
+                          <a:effectLst/>
+                        </a:rPr>
+                        <a:t>1</a:t>
+                      </a:r>
+                      <a:endParaRPr lang="en-CA" sz="1000" b="0" i="0" u="none" strike="noStrike" dirty="0">
+                        <a:solidFill>
+                          <a:srgbClr val="000000"/>
+                        </a:solidFill>
+                        <a:effectLst/>
+                        <a:latin typeface="Calibri" panose="020F0502020204030204" pitchFamily="34" charset="0"/>
+                      </a:endParaRPr>
+                    </a:p>
+                  </a:txBody>
+                  <a:tcPr marL="9037" marR="9037" marT="9037" marB="0" anchor="b"/>
+                </a:tc>
+                <a:extLst>
+                  <a:ext uri="{0D108BD9-81ED-4DB2-BD59-A6C34878D82A}">
+                    <a16:rowId xmlns:a16="http://schemas.microsoft.com/office/drawing/2014/main" val="2949794679"/>
+                  </a:ext>
+                </a:extLst>
+              </a:tr>
+              <a:tr h="214751">
+                <a:tc>
+                  <a:txBody>
+                    <a:bodyPr/>
+                    <a:lstStyle/>
+                    <a:p>
+                      <a:pPr algn="l" fontAlgn="b"/>
+                      <a:r>
+                        <a:rPr lang="en-CA" sz="1000" u="none" strike="noStrike" kern="1200" dirty="0">
+                          <a:solidFill>
+                            <a:schemeClr val="dk1"/>
+                          </a:solidFill>
+                          <a:effectLst/>
+                          <a:highlight>
+                            <a:srgbClr val="FDB462"/>
+                          </a:highlight>
+                          <a:latin typeface="+mn-lt"/>
+                          <a:ea typeface="+mn-ea"/>
+                          <a:cs typeface="+mn-cs"/>
+                        </a:rPr>
+                        <a:t>Connectivity</a:t>
+                      </a:r>
+                    </a:p>
+                  </a:txBody>
+                  <a:tcPr marL="9037" marR="9037" marT="9037" marB="0" anchor="b"/>
+                </a:tc>
+                <a:tc>
+                  <a:txBody>
+                    <a:bodyPr/>
+                    <a:lstStyle/>
+                    <a:p>
+                      <a:pPr algn="l" fontAlgn="b"/>
+                      <a:r>
+                        <a:rPr lang="en-CA" sz="1000" u="none" strike="noStrike" dirty="0">
+                          <a:effectLst/>
+                        </a:rPr>
+                        <a:t>Connectivity</a:t>
+                      </a:r>
+                      <a:endParaRPr lang="en-CA" sz="1000" b="0" i="0" u="none" strike="noStrike" dirty="0">
+                        <a:solidFill>
+                          <a:srgbClr val="000000"/>
+                        </a:solidFill>
+                        <a:effectLst/>
+                        <a:latin typeface="Calibri" panose="020F0502020204030204" pitchFamily="34" charset="0"/>
+                      </a:endParaRPr>
+                    </a:p>
+                  </a:txBody>
+                  <a:tcPr marL="9037" marR="9037" marT="9037" marB="0" anchor="b"/>
+                </a:tc>
+                <a:tc>
+                  <a:txBody>
+                    <a:bodyPr/>
+                    <a:lstStyle/>
+                    <a:p>
+                      <a:pPr algn="l" fontAlgn="b"/>
+                      <a:r>
+                        <a:rPr lang="en-CA" sz="1000" u="none" strike="noStrike">
+                          <a:effectLst/>
+                        </a:rPr>
+                        <a:t>+</a:t>
+                      </a:r>
+                      <a:endParaRPr lang="en-CA" sz="1000" b="0" i="0" u="none" strike="noStrike">
+                        <a:solidFill>
+                          <a:srgbClr val="000000"/>
+                        </a:solidFill>
+                        <a:effectLst/>
+                        <a:latin typeface="Calibri" panose="020F0502020204030204" pitchFamily="34" charset="0"/>
+                      </a:endParaRPr>
+                    </a:p>
+                  </a:txBody>
+                  <a:tcPr marL="9037" marR="9037" marT="9037" marB="0" anchor="b"/>
+                </a:tc>
+                <a:tc>
+                  <a:txBody>
+                    <a:bodyPr/>
+                    <a:lstStyle/>
+                    <a:p>
+                      <a:pPr algn="r" fontAlgn="b"/>
+                      <a:r>
+                        <a:rPr lang="en-CA" sz="1000" u="none" strike="noStrike" dirty="0">
+                          <a:effectLst/>
+                        </a:rPr>
+                        <a:t>13</a:t>
+                      </a:r>
+                      <a:endParaRPr lang="en-CA" sz="1000" b="0" i="0" u="none" strike="noStrike" dirty="0">
+                        <a:solidFill>
+                          <a:srgbClr val="000000"/>
+                        </a:solidFill>
+                        <a:effectLst/>
+                        <a:latin typeface="Calibri" panose="020F0502020204030204" pitchFamily="34" charset="0"/>
+                      </a:endParaRPr>
+                    </a:p>
+                  </a:txBody>
+                  <a:tcPr marL="9037" marR="9037" marT="9037" marB="0" anchor="b"/>
+                </a:tc>
+                <a:tc>
+                  <a:txBody>
+                    <a:bodyPr/>
+                    <a:lstStyle/>
+                    <a:p>
+                      <a:pPr algn="r" fontAlgn="b"/>
+                      <a:r>
+                        <a:rPr lang="en-CA" sz="1000" u="none" strike="noStrike">
+                          <a:effectLst/>
+                        </a:rPr>
+                        <a:t>2</a:t>
+                      </a:r>
+                      <a:endParaRPr lang="en-CA" sz="1000" b="0" i="0" u="none" strike="noStrike">
+                        <a:solidFill>
+                          <a:srgbClr val="000000"/>
+                        </a:solidFill>
+                        <a:effectLst/>
+                        <a:latin typeface="Calibri" panose="020F0502020204030204" pitchFamily="34" charset="0"/>
+                      </a:endParaRPr>
+                    </a:p>
+                  </a:txBody>
+                  <a:tcPr marL="9037" marR="9037" marT="9037" marB="0" anchor="b"/>
+                </a:tc>
+                <a:extLst>
+                  <a:ext uri="{0D108BD9-81ED-4DB2-BD59-A6C34878D82A}">
+                    <a16:rowId xmlns:a16="http://schemas.microsoft.com/office/drawing/2014/main" val="1396032717"/>
+                  </a:ext>
+                </a:extLst>
+              </a:tr>
+              <a:tr h="214751">
+                <a:tc>
+                  <a:txBody>
+                    <a:bodyPr/>
+                    <a:lstStyle/>
+                    <a:p>
+                      <a:pPr algn="l" fontAlgn="b"/>
+                      <a:r>
+                        <a:rPr lang="en-CA" sz="1000" u="none" strike="noStrike" dirty="0">
+                          <a:effectLst/>
+                          <a:highlight>
+                            <a:srgbClr val="B3DE69"/>
+                          </a:highlight>
+                        </a:rPr>
+                        <a:t>Protection</a:t>
+                      </a:r>
+                      <a:endParaRPr lang="en-CA" sz="1000" b="0" i="0" u="none" strike="noStrike" dirty="0">
+                        <a:solidFill>
+                          <a:srgbClr val="000000"/>
+                        </a:solidFill>
+                        <a:effectLst/>
+                        <a:highlight>
+                          <a:srgbClr val="B3DE69"/>
+                        </a:highlight>
+                        <a:latin typeface="Calibri" panose="020F0502020204030204" pitchFamily="34" charset="0"/>
+                      </a:endParaRPr>
+                    </a:p>
+                  </a:txBody>
+                  <a:tcPr marL="9037" marR="9037" marT="9037" marB="0" anchor="b"/>
+                </a:tc>
+                <a:tc>
+                  <a:txBody>
+                    <a:bodyPr/>
+                    <a:lstStyle/>
+                    <a:p>
+                      <a:pPr algn="l" fontAlgn="b"/>
+                      <a:r>
+                        <a:rPr lang="en-CA" sz="1000" u="none" strike="noStrike">
+                          <a:effectLst/>
+                        </a:rPr>
+                        <a:t>Existing Conservation</a:t>
+                      </a:r>
+                      <a:endParaRPr lang="en-CA" sz="1000" b="0" i="0" u="none" strike="noStrike">
+                        <a:solidFill>
+                          <a:srgbClr val="000000"/>
+                        </a:solidFill>
+                        <a:effectLst/>
+                        <a:latin typeface="Calibri" panose="020F0502020204030204" pitchFamily="34" charset="0"/>
+                      </a:endParaRPr>
+                    </a:p>
+                  </a:txBody>
+                  <a:tcPr marL="9037" marR="9037" marT="9037" marB="0" anchor="b"/>
+                </a:tc>
+                <a:tc>
+                  <a:txBody>
+                    <a:bodyPr/>
+                    <a:lstStyle/>
+                    <a:p>
+                      <a:pPr algn="l" fontAlgn="b"/>
+                      <a:r>
+                        <a:rPr lang="en-CA" sz="1000" u="none" strike="noStrike" dirty="0">
+                          <a:effectLst/>
+                        </a:rPr>
+                        <a:t>+</a:t>
+                      </a:r>
+                      <a:endParaRPr lang="en-CA" sz="1000" b="0" i="0" u="none" strike="noStrike" dirty="0">
+                        <a:solidFill>
+                          <a:srgbClr val="000000"/>
+                        </a:solidFill>
+                        <a:effectLst/>
+                        <a:latin typeface="Calibri" panose="020F0502020204030204" pitchFamily="34" charset="0"/>
+                      </a:endParaRPr>
+                    </a:p>
+                  </a:txBody>
+                  <a:tcPr marL="9037" marR="9037" marT="9037" marB="0" anchor="b"/>
+                </a:tc>
+                <a:tc>
+                  <a:txBody>
+                    <a:bodyPr/>
+                    <a:lstStyle/>
+                    <a:p>
+                      <a:pPr algn="r" fontAlgn="b"/>
+                      <a:r>
+                        <a:rPr lang="en-CA" sz="1000" u="none" strike="noStrike" dirty="0">
+                          <a:effectLst/>
+                        </a:rPr>
+                        <a:t>12</a:t>
+                      </a:r>
+                      <a:endParaRPr lang="en-CA" sz="1000" b="0" i="0" u="none" strike="noStrike" dirty="0">
+                        <a:solidFill>
+                          <a:srgbClr val="000000"/>
+                        </a:solidFill>
+                        <a:effectLst/>
+                        <a:latin typeface="Calibri" panose="020F0502020204030204" pitchFamily="34" charset="0"/>
+                      </a:endParaRPr>
+                    </a:p>
+                  </a:txBody>
+                  <a:tcPr marL="9037" marR="9037" marT="9037" marB="0" anchor="b"/>
+                </a:tc>
+                <a:tc>
+                  <a:txBody>
+                    <a:bodyPr/>
+                    <a:lstStyle/>
+                    <a:p>
+                      <a:pPr algn="r" fontAlgn="b"/>
+                      <a:r>
+                        <a:rPr lang="en-CA" sz="1000" u="none" strike="noStrike" dirty="0">
+                          <a:effectLst/>
+                        </a:rPr>
+                        <a:t>3</a:t>
+                      </a:r>
+                      <a:endParaRPr lang="en-CA" sz="1000" b="0" i="0" u="none" strike="noStrike" dirty="0">
+                        <a:solidFill>
+                          <a:srgbClr val="000000"/>
+                        </a:solidFill>
+                        <a:effectLst/>
+                        <a:latin typeface="Calibri" panose="020F0502020204030204" pitchFamily="34" charset="0"/>
+                      </a:endParaRPr>
+                    </a:p>
+                  </a:txBody>
+                  <a:tcPr marL="9037" marR="9037" marT="9037" marB="0" anchor="b"/>
+                </a:tc>
+                <a:extLst>
+                  <a:ext uri="{0D108BD9-81ED-4DB2-BD59-A6C34878D82A}">
+                    <a16:rowId xmlns:a16="http://schemas.microsoft.com/office/drawing/2014/main" val="2338687505"/>
+                  </a:ext>
+                </a:extLst>
+              </a:tr>
+              <a:tr h="214751">
+                <a:tc>
+                  <a:txBody>
+                    <a:bodyPr/>
+                    <a:lstStyle/>
+                    <a:p>
+                      <a:pPr algn="l" fontAlgn="b"/>
+                      <a:r>
+                        <a:rPr lang="en-CA" sz="1000" u="none" strike="noStrike" dirty="0">
+                          <a:effectLst/>
+                          <a:highlight>
+                            <a:srgbClr val="8DD3C7"/>
+                          </a:highlight>
+                        </a:rPr>
+                        <a:t>Biodiversity</a:t>
+                      </a:r>
+                      <a:endParaRPr lang="en-CA" sz="1000" b="0" i="0" u="none" strike="noStrike" dirty="0">
+                        <a:solidFill>
+                          <a:srgbClr val="000000"/>
+                        </a:solidFill>
+                        <a:effectLst/>
+                        <a:highlight>
+                          <a:srgbClr val="8DD3C7"/>
+                        </a:highlight>
+                        <a:latin typeface="Calibri" panose="020F0502020204030204" pitchFamily="34" charset="0"/>
+                      </a:endParaRPr>
+                    </a:p>
+                  </a:txBody>
+                  <a:tcPr marL="9037" marR="9037" marT="9037" marB="0" anchor="b"/>
+                </a:tc>
+                <a:tc>
+                  <a:txBody>
+                    <a:bodyPr/>
+                    <a:lstStyle/>
+                    <a:p>
+                      <a:pPr algn="l" fontAlgn="b"/>
+                      <a:r>
+                        <a:rPr lang="en-CA" sz="1000" u="none" strike="noStrike">
+                          <a:effectLst/>
+                        </a:rPr>
+                        <a:t>Critical Habitat</a:t>
+                      </a:r>
+                      <a:endParaRPr lang="en-CA" sz="1000" b="0" i="0" u="none" strike="noStrike">
+                        <a:solidFill>
+                          <a:srgbClr val="000000"/>
+                        </a:solidFill>
+                        <a:effectLst/>
+                        <a:latin typeface="Calibri" panose="020F0502020204030204" pitchFamily="34" charset="0"/>
+                      </a:endParaRPr>
+                    </a:p>
+                  </a:txBody>
+                  <a:tcPr marL="9037" marR="9037" marT="9037" marB="0" anchor="b"/>
+                </a:tc>
+                <a:tc>
+                  <a:txBody>
+                    <a:bodyPr/>
+                    <a:lstStyle/>
+                    <a:p>
+                      <a:pPr algn="l" fontAlgn="b"/>
+                      <a:r>
+                        <a:rPr lang="en-CA" sz="1000" u="none" strike="noStrike">
+                          <a:effectLst/>
+                        </a:rPr>
+                        <a:t>+</a:t>
+                      </a:r>
+                      <a:endParaRPr lang="en-CA" sz="1000" b="0" i="0" u="none" strike="noStrike">
+                        <a:solidFill>
+                          <a:srgbClr val="000000"/>
+                        </a:solidFill>
+                        <a:effectLst/>
+                        <a:latin typeface="Calibri" panose="020F0502020204030204" pitchFamily="34" charset="0"/>
+                      </a:endParaRPr>
+                    </a:p>
+                  </a:txBody>
+                  <a:tcPr marL="9037" marR="9037" marT="9037" marB="0" anchor="b"/>
+                </a:tc>
+                <a:tc>
+                  <a:txBody>
+                    <a:bodyPr/>
+                    <a:lstStyle/>
+                    <a:p>
+                      <a:pPr algn="r" fontAlgn="b"/>
+                      <a:r>
+                        <a:rPr lang="en-CA" sz="1000" u="none" strike="noStrike">
+                          <a:effectLst/>
+                        </a:rPr>
+                        <a:t>9</a:t>
+                      </a:r>
+                      <a:endParaRPr lang="en-CA" sz="1000" b="0" i="0" u="none" strike="noStrike">
+                        <a:solidFill>
+                          <a:srgbClr val="000000"/>
+                        </a:solidFill>
+                        <a:effectLst/>
+                        <a:latin typeface="Calibri" panose="020F0502020204030204" pitchFamily="34" charset="0"/>
+                      </a:endParaRPr>
+                    </a:p>
+                  </a:txBody>
+                  <a:tcPr marL="9037" marR="9037" marT="9037" marB="0" anchor="b"/>
+                </a:tc>
+                <a:tc>
+                  <a:txBody>
+                    <a:bodyPr/>
+                    <a:lstStyle/>
+                    <a:p>
+                      <a:pPr algn="r" fontAlgn="b"/>
+                      <a:r>
+                        <a:rPr lang="en-CA" sz="1000" u="none" strike="noStrike">
+                          <a:effectLst/>
+                        </a:rPr>
+                        <a:t>4</a:t>
+                      </a:r>
+                      <a:endParaRPr lang="en-CA" sz="1000" b="0" i="0" u="none" strike="noStrike">
+                        <a:solidFill>
+                          <a:srgbClr val="000000"/>
+                        </a:solidFill>
+                        <a:effectLst/>
+                        <a:latin typeface="Calibri" panose="020F0502020204030204" pitchFamily="34" charset="0"/>
+                      </a:endParaRPr>
+                    </a:p>
+                  </a:txBody>
+                  <a:tcPr marL="9037" marR="9037" marT="9037" marB="0" anchor="b"/>
+                </a:tc>
+                <a:extLst>
+                  <a:ext uri="{0D108BD9-81ED-4DB2-BD59-A6C34878D82A}">
+                    <a16:rowId xmlns:a16="http://schemas.microsoft.com/office/drawing/2014/main" val="1504141382"/>
+                  </a:ext>
+                </a:extLst>
+              </a:tr>
+              <a:tr h="214751">
+                <a:tc>
+                  <a:txBody>
+                    <a:bodyPr/>
+                    <a:lstStyle/>
+                    <a:p>
+                      <a:pPr algn="l" fontAlgn="b"/>
+                      <a:r>
+                        <a:rPr lang="en-CA" sz="1000" u="none" strike="noStrike" dirty="0">
+                          <a:effectLst/>
+                          <a:highlight>
+                            <a:srgbClr val="8DD3C7"/>
+                          </a:highlight>
+                        </a:rPr>
+                        <a:t>Biodiversity</a:t>
+                      </a:r>
+                      <a:endParaRPr lang="en-CA" sz="1000" b="0" i="0" u="none" strike="noStrike" dirty="0">
+                        <a:solidFill>
+                          <a:srgbClr val="000000"/>
+                        </a:solidFill>
+                        <a:effectLst/>
+                        <a:highlight>
+                          <a:srgbClr val="8DD3C7"/>
+                        </a:highlight>
+                        <a:latin typeface="Calibri" panose="020F0502020204030204" pitchFamily="34" charset="0"/>
+                      </a:endParaRPr>
+                    </a:p>
+                  </a:txBody>
+                  <a:tcPr marL="9037" marR="9037" marT="9037" marB="0" anchor="b"/>
+                </a:tc>
+                <a:tc>
+                  <a:txBody>
+                    <a:bodyPr/>
+                    <a:lstStyle/>
+                    <a:p>
+                      <a:pPr algn="l" fontAlgn="b"/>
+                      <a:r>
+                        <a:rPr lang="en-CA" sz="1000" u="none" strike="noStrike">
+                          <a:effectLst/>
+                        </a:rPr>
+                        <a:t>Endangered</a:t>
+                      </a:r>
+                      <a:endParaRPr lang="en-CA" sz="1000" b="0" i="0" u="none" strike="noStrike">
+                        <a:solidFill>
+                          <a:srgbClr val="000000"/>
+                        </a:solidFill>
+                        <a:effectLst/>
+                        <a:latin typeface="Calibri" panose="020F0502020204030204" pitchFamily="34" charset="0"/>
+                      </a:endParaRPr>
+                    </a:p>
+                  </a:txBody>
+                  <a:tcPr marL="9037" marR="9037" marT="9037" marB="0" anchor="b"/>
+                </a:tc>
+                <a:tc>
+                  <a:txBody>
+                    <a:bodyPr/>
+                    <a:lstStyle/>
+                    <a:p>
+                      <a:pPr algn="l" fontAlgn="b"/>
+                      <a:r>
+                        <a:rPr lang="en-CA" sz="1000" u="none" strike="noStrike">
+                          <a:effectLst/>
+                        </a:rPr>
+                        <a:t>+</a:t>
+                      </a:r>
+                      <a:endParaRPr lang="en-CA" sz="1000" b="0" i="0" u="none" strike="noStrike">
+                        <a:solidFill>
+                          <a:srgbClr val="000000"/>
+                        </a:solidFill>
+                        <a:effectLst/>
+                        <a:latin typeface="Calibri" panose="020F0502020204030204" pitchFamily="34" charset="0"/>
+                      </a:endParaRPr>
+                    </a:p>
+                  </a:txBody>
+                  <a:tcPr marL="9037" marR="9037" marT="9037" marB="0" anchor="b"/>
+                </a:tc>
+                <a:tc>
+                  <a:txBody>
+                    <a:bodyPr/>
+                    <a:lstStyle/>
+                    <a:p>
+                      <a:pPr algn="r" fontAlgn="b"/>
+                      <a:r>
+                        <a:rPr lang="en-CA" sz="1000" u="none" strike="noStrike">
+                          <a:effectLst/>
+                        </a:rPr>
+                        <a:t>8</a:t>
+                      </a:r>
+                      <a:endParaRPr lang="en-CA" sz="1000" b="0" i="0" u="none" strike="noStrike">
+                        <a:solidFill>
+                          <a:srgbClr val="000000"/>
+                        </a:solidFill>
+                        <a:effectLst/>
+                        <a:latin typeface="Calibri" panose="020F0502020204030204" pitchFamily="34" charset="0"/>
+                      </a:endParaRPr>
+                    </a:p>
+                  </a:txBody>
+                  <a:tcPr marL="9037" marR="9037" marT="9037" marB="0" anchor="b"/>
+                </a:tc>
+                <a:tc>
+                  <a:txBody>
+                    <a:bodyPr/>
+                    <a:lstStyle/>
+                    <a:p>
+                      <a:pPr algn="r" fontAlgn="b"/>
+                      <a:r>
+                        <a:rPr lang="en-CA" sz="1000" u="none" strike="noStrike">
+                          <a:effectLst/>
+                        </a:rPr>
+                        <a:t>5</a:t>
+                      </a:r>
+                      <a:endParaRPr lang="en-CA" sz="1000" b="0" i="0" u="none" strike="noStrike">
+                        <a:solidFill>
+                          <a:srgbClr val="000000"/>
+                        </a:solidFill>
+                        <a:effectLst/>
+                        <a:latin typeface="Calibri" panose="020F0502020204030204" pitchFamily="34" charset="0"/>
+                      </a:endParaRPr>
+                    </a:p>
+                  </a:txBody>
+                  <a:tcPr marL="9037" marR="9037" marT="9037" marB="0" anchor="b"/>
+                </a:tc>
+                <a:extLst>
+                  <a:ext uri="{0D108BD9-81ED-4DB2-BD59-A6C34878D82A}">
+                    <a16:rowId xmlns:a16="http://schemas.microsoft.com/office/drawing/2014/main" val="1050567233"/>
+                  </a:ext>
+                </a:extLst>
+              </a:tr>
+              <a:tr h="214751">
+                <a:tc>
+                  <a:txBody>
+                    <a:bodyPr/>
+                    <a:lstStyle/>
+                    <a:p>
+                      <a:pPr algn="l" fontAlgn="b"/>
+                      <a:r>
+                        <a:rPr lang="en-CA" sz="1000" u="none" strike="noStrike" dirty="0">
+                          <a:effectLst/>
+                          <a:highlight>
+                            <a:srgbClr val="8DD3C7"/>
+                          </a:highlight>
+                        </a:rPr>
+                        <a:t>Biodiversity</a:t>
+                      </a:r>
+                      <a:endParaRPr lang="en-CA" sz="1000" b="0" i="0" u="none" strike="noStrike" dirty="0">
+                        <a:solidFill>
+                          <a:srgbClr val="000000"/>
+                        </a:solidFill>
+                        <a:effectLst/>
+                        <a:highlight>
+                          <a:srgbClr val="8DD3C7"/>
+                        </a:highlight>
+                        <a:latin typeface="Calibri" panose="020F0502020204030204" pitchFamily="34" charset="0"/>
+                      </a:endParaRPr>
+                    </a:p>
+                  </a:txBody>
+                  <a:tcPr marL="9037" marR="9037" marT="9037" marB="0" anchor="b"/>
+                </a:tc>
+                <a:tc>
+                  <a:txBody>
+                    <a:bodyPr/>
+                    <a:lstStyle/>
+                    <a:p>
+                      <a:pPr algn="l" fontAlgn="b"/>
+                      <a:r>
+                        <a:rPr lang="en-CA" sz="1000" u="none" strike="noStrike">
+                          <a:effectLst/>
+                        </a:rPr>
+                        <a:t>Threatened</a:t>
+                      </a:r>
+                      <a:endParaRPr lang="en-CA" sz="1000" b="0" i="0" u="none" strike="noStrike">
+                        <a:solidFill>
+                          <a:srgbClr val="000000"/>
+                        </a:solidFill>
+                        <a:effectLst/>
+                        <a:latin typeface="Calibri" panose="020F0502020204030204" pitchFamily="34" charset="0"/>
+                      </a:endParaRPr>
+                    </a:p>
+                  </a:txBody>
+                  <a:tcPr marL="9037" marR="9037" marT="9037" marB="0" anchor="b"/>
+                </a:tc>
+                <a:tc>
+                  <a:txBody>
+                    <a:bodyPr/>
+                    <a:lstStyle/>
+                    <a:p>
+                      <a:pPr algn="l" fontAlgn="b"/>
+                      <a:r>
+                        <a:rPr lang="en-CA" sz="1000" u="none" strike="noStrike">
+                          <a:effectLst/>
+                        </a:rPr>
+                        <a:t>+</a:t>
+                      </a:r>
+                      <a:endParaRPr lang="en-CA" sz="1000" b="0" i="0" u="none" strike="noStrike">
+                        <a:solidFill>
+                          <a:srgbClr val="000000"/>
+                        </a:solidFill>
+                        <a:effectLst/>
+                        <a:latin typeface="Calibri" panose="020F0502020204030204" pitchFamily="34" charset="0"/>
+                      </a:endParaRPr>
+                    </a:p>
+                  </a:txBody>
+                  <a:tcPr marL="9037" marR="9037" marT="9037" marB="0" anchor="b"/>
+                </a:tc>
+                <a:tc>
+                  <a:txBody>
+                    <a:bodyPr/>
+                    <a:lstStyle/>
+                    <a:p>
+                      <a:pPr algn="r" fontAlgn="b"/>
+                      <a:r>
+                        <a:rPr lang="en-CA" sz="1000" u="none" strike="noStrike" dirty="0">
+                          <a:effectLst/>
+                        </a:rPr>
+                        <a:t>7</a:t>
+                      </a:r>
+                      <a:endParaRPr lang="en-CA" sz="1000" b="0" i="0" u="none" strike="noStrike" dirty="0">
+                        <a:solidFill>
+                          <a:srgbClr val="000000"/>
+                        </a:solidFill>
+                        <a:effectLst/>
+                        <a:latin typeface="Calibri" panose="020F0502020204030204" pitchFamily="34" charset="0"/>
+                      </a:endParaRPr>
+                    </a:p>
+                  </a:txBody>
+                  <a:tcPr marL="9037" marR="9037" marT="9037" marB="0" anchor="b"/>
+                </a:tc>
+                <a:tc>
+                  <a:txBody>
+                    <a:bodyPr/>
+                    <a:lstStyle/>
+                    <a:p>
+                      <a:pPr algn="r" fontAlgn="b"/>
+                      <a:r>
+                        <a:rPr lang="en-CA" sz="1000" u="none" strike="noStrike">
+                          <a:effectLst/>
+                        </a:rPr>
+                        <a:t>6</a:t>
+                      </a:r>
+                      <a:endParaRPr lang="en-CA" sz="1000" b="0" i="0" u="none" strike="noStrike">
+                        <a:solidFill>
+                          <a:srgbClr val="000000"/>
+                        </a:solidFill>
+                        <a:effectLst/>
+                        <a:latin typeface="Calibri" panose="020F0502020204030204" pitchFamily="34" charset="0"/>
+                      </a:endParaRPr>
+                    </a:p>
+                  </a:txBody>
+                  <a:tcPr marL="9037" marR="9037" marT="9037" marB="0" anchor="b"/>
+                </a:tc>
+                <a:extLst>
+                  <a:ext uri="{0D108BD9-81ED-4DB2-BD59-A6C34878D82A}">
+                    <a16:rowId xmlns:a16="http://schemas.microsoft.com/office/drawing/2014/main" val="3655131394"/>
+                  </a:ext>
+                </a:extLst>
+              </a:tr>
+              <a:tr h="214751">
+                <a:tc>
+                  <a:txBody>
+                    <a:bodyPr/>
+                    <a:lstStyle/>
+                    <a:p>
+                      <a:pPr algn="l" fontAlgn="b"/>
+                      <a:r>
+                        <a:rPr lang="en-CA" sz="1000" u="none" strike="noStrike" dirty="0">
+                          <a:effectLst/>
+                          <a:highlight>
+                            <a:srgbClr val="8DD3C7"/>
+                          </a:highlight>
+                        </a:rPr>
+                        <a:t>Biodiversity</a:t>
+                      </a:r>
+                      <a:endParaRPr lang="en-CA" sz="1000" b="0" i="0" u="none" strike="noStrike" dirty="0">
+                        <a:solidFill>
+                          <a:srgbClr val="000000"/>
+                        </a:solidFill>
+                        <a:effectLst/>
+                        <a:highlight>
+                          <a:srgbClr val="8DD3C7"/>
+                        </a:highlight>
+                        <a:latin typeface="Calibri" panose="020F0502020204030204" pitchFamily="34" charset="0"/>
+                      </a:endParaRPr>
+                    </a:p>
+                  </a:txBody>
+                  <a:tcPr marL="9037" marR="9037" marT="9037" marB="0" anchor="b"/>
+                </a:tc>
+                <a:tc>
+                  <a:txBody>
+                    <a:bodyPr/>
+                    <a:lstStyle/>
+                    <a:p>
+                      <a:pPr algn="l" fontAlgn="b"/>
+                      <a:r>
+                        <a:rPr lang="en-CA" sz="1000" u="none" strike="noStrike">
+                          <a:effectLst/>
+                        </a:rPr>
+                        <a:t>Special Concern</a:t>
+                      </a:r>
+                      <a:endParaRPr lang="en-CA" sz="1000" b="0" i="0" u="none" strike="noStrike">
+                        <a:solidFill>
+                          <a:srgbClr val="000000"/>
+                        </a:solidFill>
+                        <a:effectLst/>
+                        <a:latin typeface="Calibri" panose="020F0502020204030204" pitchFamily="34" charset="0"/>
+                      </a:endParaRPr>
+                    </a:p>
+                  </a:txBody>
+                  <a:tcPr marL="9037" marR="9037" marT="9037" marB="0" anchor="b"/>
+                </a:tc>
+                <a:tc>
+                  <a:txBody>
+                    <a:bodyPr/>
+                    <a:lstStyle/>
+                    <a:p>
+                      <a:pPr algn="l" fontAlgn="b"/>
+                      <a:r>
+                        <a:rPr lang="en-CA" sz="1000" u="none" strike="noStrike">
+                          <a:effectLst/>
+                        </a:rPr>
+                        <a:t>+</a:t>
+                      </a:r>
+                      <a:endParaRPr lang="en-CA" sz="1000" b="0" i="0" u="none" strike="noStrike">
+                        <a:solidFill>
+                          <a:srgbClr val="000000"/>
+                        </a:solidFill>
+                        <a:effectLst/>
+                        <a:latin typeface="Calibri" panose="020F0502020204030204" pitchFamily="34" charset="0"/>
+                      </a:endParaRPr>
+                    </a:p>
+                  </a:txBody>
+                  <a:tcPr marL="9037" marR="9037" marT="9037" marB="0" anchor="b"/>
+                </a:tc>
+                <a:tc>
+                  <a:txBody>
+                    <a:bodyPr/>
+                    <a:lstStyle/>
+                    <a:p>
+                      <a:pPr algn="r" fontAlgn="b"/>
+                      <a:r>
+                        <a:rPr lang="en-CA" sz="1000" u="none" strike="noStrike">
+                          <a:effectLst/>
+                        </a:rPr>
+                        <a:t>6</a:t>
+                      </a:r>
+                      <a:endParaRPr lang="en-CA" sz="1000" b="0" i="0" u="none" strike="noStrike">
+                        <a:solidFill>
+                          <a:srgbClr val="000000"/>
+                        </a:solidFill>
+                        <a:effectLst/>
+                        <a:latin typeface="Calibri" panose="020F0502020204030204" pitchFamily="34" charset="0"/>
+                      </a:endParaRPr>
+                    </a:p>
+                  </a:txBody>
+                  <a:tcPr marL="9037" marR="9037" marT="9037" marB="0" anchor="b"/>
+                </a:tc>
+                <a:tc>
+                  <a:txBody>
+                    <a:bodyPr/>
+                    <a:lstStyle/>
+                    <a:p>
+                      <a:pPr algn="r" fontAlgn="b"/>
+                      <a:r>
+                        <a:rPr lang="en-CA" sz="1000" u="none" strike="noStrike">
+                          <a:effectLst/>
+                        </a:rPr>
+                        <a:t>7</a:t>
+                      </a:r>
+                      <a:endParaRPr lang="en-CA" sz="1000" b="0" i="0" u="none" strike="noStrike">
+                        <a:solidFill>
+                          <a:srgbClr val="000000"/>
+                        </a:solidFill>
+                        <a:effectLst/>
+                        <a:latin typeface="Calibri" panose="020F0502020204030204" pitchFamily="34" charset="0"/>
+                      </a:endParaRPr>
+                    </a:p>
+                  </a:txBody>
+                  <a:tcPr marL="9037" marR="9037" marT="9037" marB="0" anchor="b"/>
+                </a:tc>
+                <a:extLst>
+                  <a:ext uri="{0D108BD9-81ED-4DB2-BD59-A6C34878D82A}">
+                    <a16:rowId xmlns:a16="http://schemas.microsoft.com/office/drawing/2014/main" val="1968914111"/>
+                  </a:ext>
+                </a:extLst>
+              </a:tr>
+              <a:tr h="214751">
+                <a:tc>
+                  <a:txBody>
+                    <a:bodyPr/>
+                    <a:lstStyle/>
+                    <a:p>
+                      <a:pPr algn="l" fontAlgn="b"/>
+                      <a:r>
+                        <a:rPr lang="en-CA" sz="1000" u="none" strike="noStrike" dirty="0">
+                          <a:effectLst/>
+                          <a:highlight>
+                            <a:srgbClr val="FCCDE5"/>
+                          </a:highlight>
+                        </a:rPr>
+                        <a:t>Climate</a:t>
+                      </a:r>
+                      <a:endParaRPr lang="en-CA" sz="1000" b="0" i="0" u="none" strike="noStrike" dirty="0">
+                        <a:solidFill>
+                          <a:srgbClr val="000000"/>
+                        </a:solidFill>
+                        <a:effectLst/>
+                        <a:highlight>
+                          <a:srgbClr val="FCCDE5"/>
+                        </a:highlight>
+                        <a:latin typeface="Calibri" panose="020F0502020204030204" pitchFamily="34" charset="0"/>
+                      </a:endParaRPr>
+                    </a:p>
+                  </a:txBody>
+                  <a:tcPr marL="9037" marR="9037" marT="9037" marB="0" anchor="b"/>
+                </a:tc>
+                <a:tc>
+                  <a:txBody>
+                    <a:bodyPr/>
+                    <a:lstStyle/>
+                    <a:p>
+                      <a:pPr algn="l" fontAlgn="b"/>
+                      <a:r>
+                        <a:rPr lang="en-CA" sz="1000" u="none" strike="noStrike">
+                          <a:effectLst/>
+                        </a:rPr>
+                        <a:t>Refugia</a:t>
+                      </a:r>
+                      <a:endParaRPr lang="en-CA" sz="1000" b="0" i="0" u="none" strike="noStrike">
+                        <a:solidFill>
+                          <a:srgbClr val="000000"/>
+                        </a:solidFill>
+                        <a:effectLst/>
+                        <a:latin typeface="Calibri" panose="020F0502020204030204" pitchFamily="34" charset="0"/>
+                      </a:endParaRPr>
+                    </a:p>
+                  </a:txBody>
+                  <a:tcPr marL="9037" marR="9037" marT="9037" marB="0" anchor="b"/>
+                </a:tc>
+                <a:tc>
+                  <a:txBody>
+                    <a:bodyPr/>
+                    <a:lstStyle/>
+                    <a:p>
+                      <a:pPr algn="l" fontAlgn="b"/>
+                      <a:r>
+                        <a:rPr lang="en-CA" sz="1000" u="none" strike="noStrike">
+                          <a:effectLst/>
+                        </a:rPr>
+                        <a:t>+</a:t>
+                      </a:r>
+                      <a:endParaRPr lang="en-CA" sz="1000" b="0" i="0" u="none" strike="noStrike">
+                        <a:solidFill>
+                          <a:srgbClr val="000000"/>
+                        </a:solidFill>
+                        <a:effectLst/>
+                        <a:latin typeface="Calibri" panose="020F0502020204030204" pitchFamily="34" charset="0"/>
+                      </a:endParaRPr>
+                    </a:p>
+                  </a:txBody>
+                  <a:tcPr marL="9037" marR="9037" marT="9037" marB="0" anchor="b"/>
+                </a:tc>
+                <a:tc>
+                  <a:txBody>
+                    <a:bodyPr/>
+                    <a:lstStyle/>
+                    <a:p>
+                      <a:pPr algn="r" fontAlgn="b"/>
+                      <a:r>
+                        <a:rPr lang="en-CA" sz="1000" u="none" strike="noStrike">
+                          <a:effectLst/>
+                        </a:rPr>
+                        <a:t>6</a:t>
+                      </a:r>
+                      <a:endParaRPr lang="en-CA" sz="1000" b="0" i="0" u="none" strike="noStrike">
+                        <a:solidFill>
+                          <a:srgbClr val="000000"/>
+                        </a:solidFill>
+                        <a:effectLst/>
+                        <a:latin typeface="Calibri" panose="020F0502020204030204" pitchFamily="34" charset="0"/>
+                      </a:endParaRPr>
+                    </a:p>
+                  </a:txBody>
+                  <a:tcPr marL="9037" marR="9037" marT="9037" marB="0" anchor="b"/>
+                </a:tc>
+                <a:tc>
+                  <a:txBody>
+                    <a:bodyPr/>
+                    <a:lstStyle/>
+                    <a:p>
+                      <a:pPr algn="r" fontAlgn="b"/>
+                      <a:r>
+                        <a:rPr lang="en-CA" sz="1000" u="none" strike="noStrike">
+                          <a:effectLst/>
+                        </a:rPr>
+                        <a:t>7</a:t>
+                      </a:r>
+                      <a:endParaRPr lang="en-CA" sz="1000" b="0" i="0" u="none" strike="noStrike">
+                        <a:solidFill>
+                          <a:srgbClr val="000000"/>
+                        </a:solidFill>
+                        <a:effectLst/>
+                        <a:latin typeface="Calibri" panose="020F0502020204030204" pitchFamily="34" charset="0"/>
+                      </a:endParaRPr>
+                    </a:p>
+                  </a:txBody>
+                  <a:tcPr marL="9037" marR="9037" marT="9037" marB="0" anchor="b"/>
+                </a:tc>
+                <a:extLst>
+                  <a:ext uri="{0D108BD9-81ED-4DB2-BD59-A6C34878D82A}">
+                    <a16:rowId xmlns:a16="http://schemas.microsoft.com/office/drawing/2014/main" val="1544973713"/>
+                  </a:ext>
+                </a:extLst>
+              </a:tr>
+              <a:tr h="214751">
+                <a:tc>
+                  <a:txBody>
+                    <a:bodyPr/>
+                    <a:lstStyle/>
+                    <a:p>
+                      <a:pPr algn="l" fontAlgn="b"/>
+                      <a:r>
+                        <a:rPr lang="en-CA" sz="1000" u="none" strike="noStrike" dirty="0">
+                          <a:effectLst/>
+                          <a:highlight>
+                            <a:srgbClr val="FCCDE5"/>
+                          </a:highlight>
+                        </a:rPr>
+                        <a:t>Climate</a:t>
+                      </a:r>
+                      <a:endParaRPr lang="en-CA" sz="1000" b="0" i="0" u="none" strike="noStrike" dirty="0">
+                        <a:solidFill>
+                          <a:srgbClr val="000000"/>
+                        </a:solidFill>
+                        <a:effectLst/>
+                        <a:highlight>
+                          <a:srgbClr val="FCCDE5"/>
+                        </a:highlight>
+                        <a:latin typeface="Calibri" panose="020F0502020204030204" pitchFamily="34" charset="0"/>
+                      </a:endParaRPr>
+                    </a:p>
+                  </a:txBody>
+                  <a:tcPr marL="9037" marR="9037" marT="9037" marB="0" anchor="b"/>
+                </a:tc>
+                <a:tc>
+                  <a:txBody>
+                    <a:bodyPr/>
+                    <a:lstStyle/>
+                    <a:p>
+                      <a:pPr algn="l" fontAlgn="b"/>
+                      <a:r>
+                        <a:rPr lang="en-CA" sz="1000" u="none" strike="noStrike">
+                          <a:effectLst/>
+                        </a:rPr>
+                        <a:t>Velocity</a:t>
+                      </a:r>
+                      <a:endParaRPr lang="en-CA" sz="1000" b="0" i="0" u="none" strike="noStrike">
+                        <a:solidFill>
+                          <a:srgbClr val="000000"/>
+                        </a:solidFill>
+                        <a:effectLst/>
+                        <a:latin typeface="Calibri" panose="020F0502020204030204" pitchFamily="34" charset="0"/>
+                      </a:endParaRPr>
+                    </a:p>
+                  </a:txBody>
+                  <a:tcPr marL="9037" marR="9037" marT="9037" marB="0" anchor="b"/>
+                </a:tc>
+                <a:tc>
+                  <a:txBody>
+                    <a:bodyPr/>
+                    <a:lstStyle/>
+                    <a:p>
+                      <a:pPr algn="l" fontAlgn="b"/>
+                      <a:r>
+                        <a:rPr lang="en-CA" sz="1000" u="none" strike="noStrike">
+                          <a:effectLst/>
+                        </a:rPr>
+                        <a:t>+</a:t>
+                      </a:r>
+                      <a:endParaRPr lang="en-CA" sz="1000" b="0" i="0" u="none" strike="noStrike">
+                        <a:solidFill>
+                          <a:srgbClr val="000000"/>
+                        </a:solidFill>
+                        <a:effectLst/>
+                        <a:latin typeface="Calibri" panose="020F0502020204030204" pitchFamily="34" charset="0"/>
+                      </a:endParaRPr>
+                    </a:p>
+                  </a:txBody>
+                  <a:tcPr marL="9037" marR="9037" marT="9037" marB="0" anchor="b"/>
+                </a:tc>
+                <a:tc>
+                  <a:txBody>
+                    <a:bodyPr/>
+                    <a:lstStyle/>
+                    <a:p>
+                      <a:pPr algn="r" fontAlgn="b"/>
+                      <a:r>
+                        <a:rPr lang="en-CA" sz="1000" u="none" strike="noStrike">
+                          <a:effectLst/>
+                        </a:rPr>
+                        <a:t>6</a:t>
+                      </a:r>
+                      <a:endParaRPr lang="en-CA" sz="1000" b="0" i="0" u="none" strike="noStrike">
+                        <a:solidFill>
+                          <a:srgbClr val="000000"/>
+                        </a:solidFill>
+                        <a:effectLst/>
+                        <a:latin typeface="Calibri" panose="020F0502020204030204" pitchFamily="34" charset="0"/>
+                      </a:endParaRPr>
+                    </a:p>
+                  </a:txBody>
+                  <a:tcPr marL="9037" marR="9037" marT="9037" marB="0" anchor="b"/>
+                </a:tc>
+                <a:tc>
+                  <a:txBody>
+                    <a:bodyPr/>
+                    <a:lstStyle/>
+                    <a:p>
+                      <a:pPr algn="r" fontAlgn="b"/>
+                      <a:r>
+                        <a:rPr lang="en-CA" sz="1000" u="none" strike="noStrike">
+                          <a:effectLst/>
+                        </a:rPr>
+                        <a:t>7</a:t>
+                      </a:r>
+                      <a:endParaRPr lang="en-CA" sz="1000" b="0" i="0" u="none" strike="noStrike">
+                        <a:solidFill>
+                          <a:srgbClr val="000000"/>
+                        </a:solidFill>
+                        <a:effectLst/>
+                        <a:latin typeface="Calibri" panose="020F0502020204030204" pitchFamily="34" charset="0"/>
+                      </a:endParaRPr>
+                    </a:p>
+                  </a:txBody>
+                  <a:tcPr marL="9037" marR="9037" marT="9037" marB="0" anchor="b"/>
+                </a:tc>
+                <a:extLst>
+                  <a:ext uri="{0D108BD9-81ED-4DB2-BD59-A6C34878D82A}">
+                    <a16:rowId xmlns:a16="http://schemas.microsoft.com/office/drawing/2014/main" val="441258962"/>
+                  </a:ext>
+                </a:extLst>
+              </a:tr>
+              <a:tr h="214751">
+                <a:tc>
+                  <a:txBody>
+                    <a:bodyPr/>
+                    <a:lstStyle/>
+                    <a:p>
+                      <a:pPr algn="l" fontAlgn="b"/>
+                      <a:r>
+                        <a:rPr lang="en-CA" sz="1000" u="none" strike="noStrike" dirty="0">
+                          <a:effectLst/>
+                          <a:highlight>
+                            <a:srgbClr val="D9D9D9"/>
+                          </a:highlight>
+                        </a:rPr>
+                        <a:t>Carbon</a:t>
+                      </a:r>
+                      <a:endParaRPr lang="en-CA" sz="1000" b="0" i="0" u="none" strike="noStrike" dirty="0">
+                        <a:solidFill>
+                          <a:srgbClr val="000000"/>
+                        </a:solidFill>
+                        <a:effectLst/>
+                        <a:highlight>
+                          <a:srgbClr val="D9D9D9"/>
+                        </a:highlight>
+                        <a:latin typeface="Calibri" panose="020F0502020204030204" pitchFamily="34" charset="0"/>
+                      </a:endParaRPr>
+                    </a:p>
+                  </a:txBody>
+                  <a:tcPr marL="9037" marR="9037" marT="9037" marB="0" anchor="b"/>
+                </a:tc>
+                <a:tc>
+                  <a:txBody>
+                    <a:bodyPr/>
+                    <a:lstStyle/>
+                    <a:p>
+                      <a:pPr algn="l" fontAlgn="b"/>
+                      <a:r>
+                        <a:rPr lang="en-CA" sz="1000" u="none" strike="noStrike">
+                          <a:effectLst/>
+                        </a:rPr>
+                        <a:t>Potential</a:t>
+                      </a:r>
+                      <a:endParaRPr lang="en-CA" sz="1000" b="0" i="0" u="none" strike="noStrike">
+                        <a:solidFill>
+                          <a:srgbClr val="000000"/>
+                        </a:solidFill>
+                        <a:effectLst/>
+                        <a:latin typeface="Calibri" panose="020F0502020204030204" pitchFamily="34" charset="0"/>
+                      </a:endParaRPr>
+                    </a:p>
+                  </a:txBody>
+                  <a:tcPr marL="9037" marR="9037" marT="9037" marB="0" anchor="b"/>
+                </a:tc>
+                <a:tc>
+                  <a:txBody>
+                    <a:bodyPr/>
+                    <a:lstStyle/>
+                    <a:p>
+                      <a:pPr algn="l" fontAlgn="b"/>
+                      <a:r>
+                        <a:rPr lang="en-CA" sz="1000" u="none" strike="noStrike">
+                          <a:effectLst/>
+                        </a:rPr>
+                        <a:t>+</a:t>
+                      </a:r>
+                      <a:endParaRPr lang="en-CA" sz="1000" b="0" i="0" u="none" strike="noStrike">
+                        <a:solidFill>
+                          <a:srgbClr val="000000"/>
+                        </a:solidFill>
+                        <a:effectLst/>
+                        <a:latin typeface="Calibri" panose="020F0502020204030204" pitchFamily="34" charset="0"/>
+                      </a:endParaRPr>
+                    </a:p>
+                  </a:txBody>
+                  <a:tcPr marL="9037" marR="9037" marT="9037" marB="0" anchor="b"/>
+                </a:tc>
+                <a:tc>
+                  <a:txBody>
+                    <a:bodyPr/>
+                    <a:lstStyle/>
+                    <a:p>
+                      <a:pPr algn="r" fontAlgn="b"/>
+                      <a:r>
+                        <a:rPr lang="en-CA" sz="1000" u="none" strike="noStrike">
+                          <a:effectLst/>
+                        </a:rPr>
+                        <a:t>5</a:t>
+                      </a:r>
+                      <a:endParaRPr lang="en-CA" sz="1000" b="0" i="0" u="none" strike="noStrike">
+                        <a:solidFill>
+                          <a:srgbClr val="000000"/>
+                        </a:solidFill>
+                        <a:effectLst/>
+                        <a:latin typeface="Calibri" panose="020F0502020204030204" pitchFamily="34" charset="0"/>
+                      </a:endParaRPr>
+                    </a:p>
+                  </a:txBody>
+                  <a:tcPr marL="9037" marR="9037" marT="9037" marB="0" anchor="b"/>
+                </a:tc>
+                <a:tc>
+                  <a:txBody>
+                    <a:bodyPr/>
+                    <a:lstStyle/>
+                    <a:p>
+                      <a:pPr algn="r" fontAlgn="b"/>
+                      <a:r>
+                        <a:rPr lang="en-CA" sz="1000" u="none" strike="noStrike">
+                          <a:effectLst/>
+                        </a:rPr>
+                        <a:t>8</a:t>
+                      </a:r>
+                      <a:endParaRPr lang="en-CA" sz="1000" b="0" i="0" u="none" strike="noStrike">
+                        <a:solidFill>
+                          <a:srgbClr val="000000"/>
+                        </a:solidFill>
+                        <a:effectLst/>
+                        <a:latin typeface="Calibri" panose="020F0502020204030204" pitchFamily="34" charset="0"/>
+                      </a:endParaRPr>
+                    </a:p>
+                  </a:txBody>
+                  <a:tcPr marL="9037" marR="9037" marT="9037" marB="0" anchor="b"/>
+                </a:tc>
+                <a:extLst>
+                  <a:ext uri="{0D108BD9-81ED-4DB2-BD59-A6C34878D82A}">
+                    <a16:rowId xmlns:a16="http://schemas.microsoft.com/office/drawing/2014/main" val="3747050201"/>
+                  </a:ext>
+                </a:extLst>
+              </a:tr>
+              <a:tr h="214751">
+                <a:tc>
+                  <a:txBody>
+                    <a:bodyPr/>
+                    <a:lstStyle/>
+                    <a:p>
+                      <a:pPr algn="l" fontAlgn="b"/>
+                      <a:r>
+                        <a:rPr lang="en-CA" sz="1000" u="none" strike="noStrike" dirty="0">
+                          <a:effectLst/>
+                          <a:highlight>
+                            <a:srgbClr val="D9D9D9"/>
+                          </a:highlight>
+                        </a:rPr>
+                        <a:t>Carbon</a:t>
+                      </a:r>
+                      <a:endParaRPr lang="en-CA" sz="1000" b="0" i="0" u="none" strike="noStrike" dirty="0">
+                        <a:solidFill>
+                          <a:srgbClr val="000000"/>
+                        </a:solidFill>
+                        <a:effectLst/>
+                        <a:highlight>
+                          <a:srgbClr val="D9D9D9"/>
+                        </a:highlight>
+                        <a:latin typeface="Calibri" panose="020F0502020204030204" pitchFamily="34" charset="0"/>
+                      </a:endParaRPr>
+                    </a:p>
+                  </a:txBody>
+                  <a:tcPr marL="9037" marR="9037" marT="9037" marB="0" anchor="b"/>
+                </a:tc>
+                <a:tc>
+                  <a:txBody>
+                    <a:bodyPr/>
+                    <a:lstStyle/>
+                    <a:p>
+                      <a:pPr algn="l" fontAlgn="b"/>
+                      <a:r>
+                        <a:rPr lang="en-CA" sz="1000" u="none" strike="noStrike">
+                          <a:effectLst/>
+                        </a:rPr>
+                        <a:t>Storage</a:t>
+                      </a:r>
+                      <a:endParaRPr lang="en-CA" sz="1000" b="0" i="0" u="none" strike="noStrike">
+                        <a:solidFill>
+                          <a:srgbClr val="000000"/>
+                        </a:solidFill>
+                        <a:effectLst/>
+                        <a:latin typeface="Calibri" panose="020F0502020204030204" pitchFamily="34" charset="0"/>
+                      </a:endParaRPr>
+                    </a:p>
+                  </a:txBody>
+                  <a:tcPr marL="9037" marR="9037" marT="9037" marB="0" anchor="b"/>
+                </a:tc>
+                <a:tc>
+                  <a:txBody>
+                    <a:bodyPr/>
+                    <a:lstStyle/>
+                    <a:p>
+                      <a:pPr algn="l" fontAlgn="b"/>
+                      <a:r>
+                        <a:rPr lang="en-CA" sz="1000" u="none" strike="noStrike">
+                          <a:effectLst/>
+                        </a:rPr>
+                        <a:t>+</a:t>
+                      </a:r>
+                      <a:endParaRPr lang="en-CA" sz="1000" b="0" i="0" u="none" strike="noStrike">
+                        <a:solidFill>
+                          <a:srgbClr val="000000"/>
+                        </a:solidFill>
+                        <a:effectLst/>
+                        <a:latin typeface="Calibri" panose="020F0502020204030204" pitchFamily="34" charset="0"/>
+                      </a:endParaRPr>
+                    </a:p>
+                  </a:txBody>
+                  <a:tcPr marL="9037" marR="9037" marT="9037" marB="0" anchor="b"/>
+                </a:tc>
+                <a:tc>
+                  <a:txBody>
+                    <a:bodyPr/>
+                    <a:lstStyle/>
+                    <a:p>
+                      <a:pPr algn="r" fontAlgn="b"/>
+                      <a:r>
+                        <a:rPr lang="en-CA" sz="1000" u="none" strike="noStrike">
+                          <a:effectLst/>
+                        </a:rPr>
+                        <a:t>5</a:t>
+                      </a:r>
+                      <a:endParaRPr lang="en-CA" sz="1000" b="0" i="0" u="none" strike="noStrike">
+                        <a:solidFill>
+                          <a:srgbClr val="000000"/>
+                        </a:solidFill>
+                        <a:effectLst/>
+                        <a:latin typeface="Calibri" panose="020F0502020204030204" pitchFamily="34" charset="0"/>
+                      </a:endParaRPr>
+                    </a:p>
+                  </a:txBody>
+                  <a:tcPr marL="9037" marR="9037" marT="9037" marB="0" anchor="b"/>
+                </a:tc>
+                <a:tc>
+                  <a:txBody>
+                    <a:bodyPr/>
+                    <a:lstStyle/>
+                    <a:p>
+                      <a:pPr algn="r" fontAlgn="b"/>
+                      <a:r>
+                        <a:rPr lang="en-CA" sz="1000" u="none" strike="noStrike">
+                          <a:effectLst/>
+                        </a:rPr>
+                        <a:t>8</a:t>
+                      </a:r>
+                      <a:endParaRPr lang="en-CA" sz="1000" b="0" i="0" u="none" strike="noStrike">
+                        <a:solidFill>
+                          <a:srgbClr val="000000"/>
+                        </a:solidFill>
+                        <a:effectLst/>
+                        <a:latin typeface="Calibri" panose="020F0502020204030204" pitchFamily="34" charset="0"/>
+                      </a:endParaRPr>
+                    </a:p>
+                  </a:txBody>
+                  <a:tcPr marL="9037" marR="9037" marT="9037" marB="0" anchor="b"/>
+                </a:tc>
+                <a:extLst>
+                  <a:ext uri="{0D108BD9-81ED-4DB2-BD59-A6C34878D82A}">
+                    <a16:rowId xmlns:a16="http://schemas.microsoft.com/office/drawing/2014/main" val="2372699170"/>
+                  </a:ext>
+                </a:extLst>
+              </a:tr>
+              <a:tr h="214751">
+                <a:tc>
+                  <a:txBody>
+                    <a:bodyPr/>
+                    <a:lstStyle/>
+                    <a:p>
+                      <a:pPr algn="l" fontAlgn="b"/>
+                      <a:r>
+                        <a:rPr lang="en-CA" sz="1000" u="none" strike="noStrike" dirty="0">
+                          <a:effectLst/>
+                          <a:highlight>
+                            <a:srgbClr val="FFED6F"/>
+                          </a:highlight>
+                        </a:rPr>
+                        <a:t>Habitat</a:t>
+                      </a:r>
+                      <a:endParaRPr lang="en-CA" sz="1000" b="0" i="0" u="none" strike="noStrike" dirty="0">
+                        <a:solidFill>
+                          <a:srgbClr val="000000"/>
+                        </a:solidFill>
+                        <a:effectLst/>
+                        <a:highlight>
+                          <a:srgbClr val="FFED6F"/>
+                        </a:highlight>
+                        <a:latin typeface="Calibri" panose="020F0502020204030204" pitchFamily="34" charset="0"/>
+                      </a:endParaRPr>
+                    </a:p>
+                  </a:txBody>
+                  <a:tcPr marL="9037" marR="9037" marT="9037" marB="0" anchor="b"/>
+                </a:tc>
+                <a:tc>
+                  <a:txBody>
+                    <a:bodyPr/>
+                    <a:lstStyle/>
+                    <a:p>
+                      <a:pPr algn="l" fontAlgn="b"/>
+                      <a:r>
+                        <a:rPr lang="en-CA" sz="1000" u="none" strike="noStrike">
+                          <a:effectLst/>
+                        </a:rPr>
+                        <a:t>Forest Landcover</a:t>
+                      </a:r>
+                      <a:endParaRPr lang="en-CA" sz="1000" b="0" i="0" u="none" strike="noStrike">
+                        <a:solidFill>
+                          <a:srgbClr val="000000"/>
+                        </a:solidFill>
+                        <a:effectLst/>
+                        <a:latin typeface="Calibri" panose="020F0502020204030204" pitchFamily="34" charset="0"/>
+                      </a:endParaRPr>
+                    </a:p>
+                  </a:txBody>
+                  <a:tcPr marL="9037" marR="9037" marT="9037" marB="0" anchor="b"/>
+                </a:tc>
+                <a:tc>
+                  <a:txBody>
+                    <a:bodyPr/>
+                    <a:lstStyle/>
+                    <a:p>
+                      <a:pPr algn="l" fontAlgn="b"/>
+                      <a:r>
+                        <a:rPr lang="en-CA" sz="1000" u="none" strike="noStrike">
+                          <a:effectLst/>
+                        </a:rPr>
+                        <a:t>+</a:t>
+                      </a:r>
+                      <a:endParaRPr lang="en-CA" sz="1000" b="0" i="0" u="none" strike="noStrike">
+                        <a:solidFill>
+                          <a:srgbClr val="000000"/>
+                        </a:solidFill>
+                        <a:effectLst/>
+                        <a:latin typeface="Calibri" panose="020F0502020204030204" pitchFamily="34" charset="0"/>
+                      </a:endParaRPr>
+                    </a:p>
+                  </a:txBody>
+                  <a:tcPr marL="9037" marR="9037" marT="9037" marB="0" anchor="b"/>
+                </a:tc>
+                <a:tc>
+                  <a:txBody>
+                    <a:bodyPr/>
+                    <a:lstStyle/>
+                    <a:p>
+                      <a:pPr algn="r" fontAlgn="b"/>
+                      <a:r>
+                        <a:rPr lang="en-CA" sz="1000" u="none" strike="noStrike">
+                          <a:effectLst/>
+                        </a:rPr>
+                        <a:t>2</a:t>
+                      </a:r>
+                      <a:endParaRPr lang="en-CA" sz="1000" b="0" i="0" u="none" strike="noStrike">
+                        <a:solidFill>
+                          <a:srgbClr val="000000"/>
+                        </a:solidFill>
+                        <a:effectLst/>
+                        <a:latin typeface="Calibri" panose="020F0502020204030204" pitchFamily="34" charset="0"/>
+                      </a:endParaRPr>
+                    </a:p>
+                  </a:txBody>
+                  <a:tcPr marL="9037" marR="9037" marT="9037" marB="0" anchor="b"/>
+                </a:tc>
+                <a:tc>
+                  <a:txBody>
+                    <a:bodyPr/>
+                    <a:lstStyle/>
+                    <a:p>
+                      <a:pPr algn="r" fontAlgn="b"/>
+                      <a:r>
+                        <a:rPr lang="en-CA" sz="1000" u="none" strike="noStrike">
+                          <a:effectLst/>
+                        </a:rPr>
+                        <a:t>9</a:t>
+                      </a:r>
+                      <a:endParaRPr lang="en-CA" sz="1000" b="0" i="0" u="none" strike="noStrike">
+                        <a:solidFill>
+                          <a:srgbClr val="000000"/>
+                        </a:solidFill>
+                        <a:effectLst/>
+                        <a:latin typeface="Calibri" panose="020F0502020204030204" pitchFamily="34" charset="0"/>
+                      </a:endParaRPr>
+                    </a:p>
+                  </a:txBody>
+                  <a:tcPr marL="9037" marR="9037" marT="9037" marB="0" anchor="b"/>
+                </a:tc>
+                <a:extLst>
+                  <a:ext uri="{0D108BD9-81ED-4DB2-BD59-A6C34878D82A}">
+                    <a16:rowId xmlns:a16="http://schemas.microsoft.com/office/drawing/2014/main" val="1442699799"/>
+                  </a:ext>
+                </a:extLst>
+              </a:tr>
+              <a:tr h="214751">
+                <a:tc>
+                  <a:txBody>
+                    <a:bodyPr/>
+                    <a:lstStyle/>
+                    <a:p>
+                      <a:pPr algn="l" fontAlgn="b"/>
+                      <a:r>
+                        <a:rPr lang="en-CA" sz="1000" u="none" strike="noStrike" dirty="0">
+                          <a:effectLst/>
+                          <a:highlight>
+                            <a:srgbClr val="FFED6F"/>
+                          </a:highlight>
+                        </a:rPr>
+                        <a:t>Habitat</a:t>
+                      </a:r>
+                      <a:endParaRPr lang="en-CA" sz="1000" b="0" i="0" u="none" strike="noStrike" dirty="0">
+                        <a:solidFill>
+                          <a:srgbClr val="000000"/>
+                        </a:solidFill>
+                        <a:effectLst/>
+                        <a:highlight>
+                          <a:srgbClr val="FFED6F"/>
+                        </a:highlight>
+                        <a:latin typeface="Calibri" panose="020F0502020204030204" pitchFamily="34" charset="0"/>
+                      </a:endParaRPr>
+                    </a:p>
+                  </a:txBody>
+                  <a:tcPr marL="9037" marR="9037" marT="9037" marB="0" anchor="b"/>
+                </a:tc>
+                <a:tc>
+                  <a:txBody>
+                    <a:bodyPr/>
+                    <a:lstStyle/>
+                    <a:p>
+                      <a:pPr algn="l" fontAlgn="b"/>
+                      <a:r>
+                        <a:rPr lang="en-CA" sz="1000" u="none" strike="noStrike">
+                          <a:effectLst/>
+                        </a:rPr>
+                        <a:t>Grassland</a:t>
+                      </a:r>
+                      <a:endParaRPr lang="en-CA" sz="1000" b="0" i="0" u="none" strike="noStrike">
+                        <a:solidFill>
+                          <a:srgbClr val="000000"/>
+                        </a:solidFill>
+                        <a:effectLst/>
+                        <a:latin typeface="Calibri" panose="020F0502020204030204" pitchFamily="34" charset="0"/>
+                      </a:endParaRPr>
+                    </a:p>
+                  </a:txBody>
+                  <a:tcPr marL="9037" marR="9037" marT="9037" marB="0" anchor="b"/>
+                </a:tc>
+                <a:tc>
+                  <a:txBody>
+                    <a:bodyPr/>
+                    <a:lstStyle/>
+                    <a:p>
+                      <a:pPr algn="l" fontAlgn="b"/>
+                      <a:r>
+                        <a:rPr lang="en-CA" sz="1000" u="none" strike="noStrike">
+                          <a:effectLst/>
+                        </a:rPr>
+                        <a:t>+</a:t>
+                      </a:r>
+                      <a:endParaRPr lang="en-CA" sz="1000" b="0" i="0" u="none" strike="noStrike">
+                        <a:solidFill>
+                          <a:srgbClr val="000000"/>
+                        </a:solidFill>
+                        <a:effectLst/>
+                        <a:latin typeface="Calibri" panose="020F0502020204030204" pitchFamily="34" charset="0"/>
+                      </a:endParaRPr>
+                    </a:p>
+                  </a:txBody>
+                  <a:tcPr marL="9037" marR="9037" marT="9037" marB="0" anchor="b"/>
+                </a:tc>
+                <a:tc>
+                  <a:txBody>
+                    <a:bodyPr/>
+                    <a:lstStyle/>
+                    <a:p>
+                      <a:pPr algn="r" fontAlgn="b"/>
+                      <a:r>
+                        <a:rPr lang="en-CA" sz="1000" u="none" strike="noStrike">
+                          <a:effectLst/>
+                        </a:rPr>
+                        <a:t>2</a:t>
+                      </a:r>
+                      <a:endParaRPr lang="en-CA" sz="1000" b="0" i="0" u="none" strike="noStrike">
+                        <a:solidFill>
+                          <a:srgbClr val="000000"/>
+                        </a:solidFill>
+                        <a:effectLst/>
+                        <a:latin typeface="Calibri" panose="020F0502020204030204" pitchFamily="34" charset="0"/>
+                      </a:endParaRPr>
+                    </a:p>
+                  </a:txBody>
+                  <a:tcPr marL="9037" marR="9037" marT="9037" marB="0" anchor="b"/>
+                </a:tc>
+                <a:tc>
+                  <a:txBody>
+                    <a:bodyPr/>
+                    <a:lstStyle/>
+                    <a:p>
+                      <a:pPr algn="r" fontAlgn="b"/>
+                      <a:r>
+                        <a:rPr lang="en-CA" sz="1000" u="none" strike="noStrike">
+                          <a:effectLst/>
+                        </a:rPr>
+                        <a:t>9</a:t>
+                      </a:r>
+                      <a:endParaRPr lang="en-CA" sz="1000" b="0" i="0" u="none" strike="noStrike">
+                        <a:solidFill>
+                          <a:srgbClr val="000000"/>
+                        </a:solidFill>
+                        <a:effectLst/>
+                        <a:latin typeface="Calibri" panose="020F0502020204030204" pitchFamily="34" charset="0"/>
+                      </a:endParaRPr>
+                    </a:p>
+                  </a:txBody>
+                  <a:tcPr marL="9037" marR="9037" marT="9037" marB="0" anchor="b"/>
+                </a:tc>
+                <a:extLst>
+                  <a:ext uri="{0D108BD9-81ED-4DB2-BD59-A6C34878D82A}">
+                    <a16:rowId xmlns:a16="http://schemas.microsoft.com/office/drawing/2014/main" val="1926032515"/>
+                  </a:ext>
+                </a:extLst>
+              </a:tr>
+              <a:tr h="214751">
+                <a:tc>
+                  <a:txBody>
+                    <a:bodyPr/>
+                    <a:lstStyle/>
+                    <a:p>
+                      <a:pPr algn="l" fontAlgn="b"/>
+                      <a:r>
+                        <a:rPr lang="en-CA" sz="1000" u="none" strike="noStrike" dirty="0">
+                          <a:effectLst/>
+                          <a:highlight>
+                            <a:srgbClr val="FFED6F"/>
+                          </a:highlight>
+                        </a:rPr>
+                        <a:t>Habitat</a:t>
+                      </a:r>
+                      <a:endParaRPr lang="en-CA" sz="1000" b="0" i="0" u="none" strike="noStrike" dirty="0">
+                        <a:solidFill>
+                          <a:srgbClr val="000000"/>
+                        </a:solidFill>
+                        <a:effectLst/>
+                        <a:highlight>
+                          <a:srgbClr val="FFED6F"/>
+                        </a:highlight>
+                        <a:latin typeface="Calibri" panose="020F0502020204030204" pitchFamily="34" charset="0"/>
+                      </a:endParaRPr>
+                    </a:p>
+                  </a:txBody>
+                  <a:tcPr marL="9037" marR="9037" marT="9037" marB="0" anchor="b"/>
+                </a:tc>
+                <a:tc>
+                  <a:txBody>
+                    <a:bodyPr/>
+                    <a:lstStyle/>
+                    <a:p>
+                      <a:pPr algn="l" fontAlgn="b"/>
+                      <a:r>
+                        <a:rPr lang="en-CA" sz="1000" u="none" strike="noStrike">
+                          <a:effectLst/>
+                        </a:rPr>
+                        <a:t>Wetland</a:t>
+                      </a:r>
+                      <a:endParaRPr lang="en-CA" sz="1000" b="0" i="0" u="none" strike="noStrike">
+                        <a:solidFill>
+                          <a:srgbClr val="000000"/>
+                        </a:solidFill>
+                        <a:effectLst/>
+                        <a:latin typeface="Calibri" panose="020F0502020204030204" pitchFamily="34" charset="0"/>
+                      </a:endParaRPr>
+                    </a:p>
+                  </a:txBody>
+                  <a:tcPr marL="9037" marR="9037" marT="9037" marB="0" anchor="b"/>
+                </a:tc>
+                <a:tc>
+                  <a:txBody>
+                    <a:bodyPr/>
+                    <a:lstStyle/>
+                    <a:p>
+                      <a:pPr algn="l" fontAlgn="b"/>
+                      <a:r>
+                        <a:rPr lang="en-CA" sz="1000" u="none" strike="noStrike">
+                          <a:effectLst/>
+                        </a:rPr>
+                        <a:t>+</a:t>
+                      </a:r>
+                      <a:endParaRPr lang="en-CA" sz="1000" b="0" i="0" u="none" strike="noStrike">
+                        <a:solidFill>
+                          <a:srgbClr val="000000"/>
+                        </a:solidFill>
+                        <a:effectLst/>
+                        <a:latin typeface="Calibri" panose="020F0502020204030204" pitchFamily="34" charset="0"/>
+                      </a:endParaRPr>
+                    </a:p>
+                  </a:txBody>
+                  <a:tcPr marL="9037" marR="9037" marT="9037" marB="0" anchor="b"/>
+                </a:tc>
+                <a:tc>
+                  <a:txBody>
+                    <a:bodyPr/>
+                    <a:lstStyle/>
+                    <a:p>
+                      <a:pPr algn="r" fontAlgn="b"/>
+                      <a:r>
+                        <a:rPr lang="en-CA" sz="1000" u="none" strike="noStrike">
+                          <a:effectLst/>
+                        </a:rPr>
+                        <a:t>2</a:t>
+                      </a:r>
+                      <a:endParaRPr lang="en-CA" sz="1000" b="0" i="0" u="none" strike="noStrike">
+                        <a:solidFill>
+                          <a:srgbClr val="000000"/>
+                        </a:solidFill>
+                        <a:effectLst/>
+                        <a:latin typeface="Calibri" panose="020F0502020204030204" pitchFamily="34" charset="0"/>
+                      </a:endParaRPr>
+                    </a:p>
+                  </a:txBody>
+                  <a:tcPr marL="9037" marR="9037" marT="9037" marB="0" anchor="b"/>
+                </a:tc>
+                <a:tc>
+                  <a:txBody>
+                    <a:bodyPr/>
+                    <a:lstStyle/>
+                    <a:p>
+                      <a:pPr algn="r" fontAlgn="b"/>
+                      <a:r>
+                        <a:rPr lang="en-CA" sz="1000" u="none" strike="noStrike">
+                          <a:effectLst/>
+                        </a:rPr>
+                        <a:t>9</a:t>
+                      </a:r>
+                      <a:endParaRPr lang="en-CA" sz="1000" b="0" i="0" u="none" strike="noStrike">
+                        <a:solidFill>
+                          <a:srgbClr val="000000"/>
+                        </a:solidFill>
+                        <a:effectLst/>
+                        <a:latin typeface="Calibri" panose="020F0502020204030204" pitchFamily="34" charset="0"/>
+                      </a:endParaRPr>
+                    </a:p>
+                  </a:txBody>
+                  <a:tcPr marL="9037" marR="9037" marT="9037" marB="0" anchor="b"/>
+                </a:tc>
+                <a:extLst>
+                  <a:ext uri="{0D108BD9-81ED-4DB2-BD59-A6C34878D82A}">
+                    <a16:rowId xmlns:a16="http://schemas.microsoft.com/office/drawing/2014/main" val="1108422133"/>
+                  </a:ext>
+                </a:extLst>
+              </a:tr>
+              <a:tr h="214751">
+                <a:tc>
+                  <a:txBody>
+                    <a:bodyPr/>
+                    <a:lstStyle/>
+                    <a:p>
+                      <a:pPr algn="l" fontAlgn="b"/>
+                      <a:r>
+                        <a:rPr lang="en-CA" sz="1000" u="none" strike="noStrike" dirty="0" err="1">
+                          <a:effectLst/>
+                          <a:highlight>
+                            <a:srgbClr val="80B1D3"/>
+                          </a:highlight>
+                        </a:rPr>
+                        <a:t>eServices</a:t>
+                      </a:r>
+                      <a:endParaRPr lang="en-CA" sz="1000" b="0" i="0" u="none" strike="noStrike" dirty="0">
+                        <a:solidFill>
+                          <a:srgbClr val="000000"/>
+                        </a:solidFill>
+                        <a:effectLst/>
+                        <a:highlight>
+                          <a:srgbClr val="80B1D3"/>
+                        </a:highlight>
+                        <a:latin typeface="Calibri" panose="020F0502020204030204" pitchFamily="34" charset="0"/>
+                      </a:endParaRPr>
+                    </a:p>
+                  </a:txBody>
+                  <a:tcPr marL="9037" marR="9037" marT="9037" marB="0" anchor="b"/>
+                </a:tc>
+                <a:tc>
+                  <a:txBody>
+                    <a:bodyPr/>
+                    <a:lstStyle/>
+                    <a:p>
+                      <a:pPr algn="l" fontAlgn="b"/>
+                      <a:r>
+                        <a:rPr lang="en-CA" sz="1000" u="none" strike="noStrike">
+                          <a:effectLst/>
+                        </a:rPr>
+                        <a:t>Freshwater Provision</a:t>
+                      </a:r>
+                      <a:endParaRPr lang="en-CA" sz="1000" b="0" i="0" u="none" strike="noStrike">
+                        <a:solidFill>
+                          <a:srgbClr val="000000"/>
+                        </a:solidFill>
+                        <a:effectLst/>
+                        <a:latin typeface="Calibri" panose="020F0502020204030204" pitchFamily="34" charset="0"/>
+                      </a:endParaRPr>
+                    </a:p>
+                  </a:txBody>
+                  <a:tcPr marL="9037" marR="9037" marT="9037" marB="0" anchor="b"/>
+                </a:tc>
+                <a:tc>
+                  <a:txBody>
+                    <a:bodyPr/>
+                    <a:lstStyle/>
+                    <a:p>
+                      <a:pPr algn="l" fontAlgn="b"/>
+                      <a:r>
+                        <a:rPr lang="en-CA" sz="1000" u="none" strike="noStrike">
+                          <a:effectLst/>
+                        </a:rPr>
+                        <a:t>+</a:t>
+                      </a:r>
+                      <a:endParaRPr lang="en-CA" sz="1000" b="0" i="0" u="none" strike="noStrike">
+                        <a:solidFill>
+                          <a:srgbClr val="000000"/>
+                        </a:solidFill>
+                        <a:effectLst/>
+                        <a:latin typeface="Calibri" panose="020F0502020204030204" pitchFamily="34" charset="0"/>
+                      </a:endParaRPr>
+                    </a:p>
+                  </a:txBody>
+                  <a:tcPr marL="9037" marR="9037" marT="9037" marB="0" anchor="b"/>
+                </a:tc>
+                <a:tc>
+                  <a:txBody>
+                    <a:bodyPr/>
+                    <a:lstStyle/>
+                    <a:p>
+                      <a:pPr algn="r" fontAlgn="b"/>
+                      <a:r>
+                        <a:rPr lang="en-CA" sz="1000" u="none" strike="noStrike">
+                          <a:effectLst/>
+                        </a:rPr>
+                        <a:t>1</a:t>
+                      </a:r>
+                      <a:endParaRPr lang="en-CA" sz="1000" b="0" i="0" u="none" strike="noStrike">
+                        <a:solidFill>
+                          <a:srgbClr val="000000"/>
+                        </a:solidFill>
+                        <a:effectLst/>
+                        <a:latin typeface="Calibri" panose="020F0502020204030204" pitchFamily="34" charset="0"/>
+                      </a:endParaRPr>
+                    </a:p>
+                  </a:txBody>
+                  <a:tcPr marL="9037" marR="9037" marT="9037" marB="0" anchor="b"/>
+                </a:tc>
+                <a:tc>
+                  <a:txBody>
+                    <a:bodyPr/>
+                    <a:lstStyle/>
+                    <a:p>
+                      <a:pPr algn="r" fontAlgn="b"/>
+                      <a:r>
+                        <a:rPr lang="en-CA" sz="1000" u="none" strike="noStrike" dirty="0">
+                          <a:effectLst/>
+                        </a:rPr>
+                        <a:t>10</a:t>
+                      </a:r>
+                      <a:endParaRPr lang="en-CA" sz="1000" b="0" i="0" u="none" strike="noStrike" dirty="0">
+                        <a:solidFill>
+                          <a:srgbClr val="000000"/>
+                        </a:solidFill>
+                        <a:effectLst/>
+                        <a:latin typeface="Calibri" panose="020F0502020204030204" pitchFamily="34" charset="0"/>
+                      </a:endParaRPr>
+                    </a:p>
+                  </a:txBody>
+                  <a:tcPr marL="9037" marR="9037" marT="9037" marB="0" anchor="b"/>
+                </a:tc>
+                <a:extLst>
+                  <a:ext uri="{0D108BD9-81ED-4DB2-BD59-A6C34878D82A}">
+                    <a16:rowId xmlns:a16="http://schemas.microsoft.com/office/drawing/2014/main" val="896008701"/>
+                  </a:ext>
+                </a:extLst>
+              </a:tr>
+              <a:tr h="214751">
+                <a:tc>
+                  <a:txBody>
+                    <a:bodyPr/>
+                    <a:lstStyle/>
+                    <a:p>
+                      <a:pPr algn="l" fontAlgn="b"/>
+                      <a:r>
+                        <a:rPr lang="en-CA" sz="1000" u="none" strike="noStrike" dirty="0" err="1">
+                          <a:effectLst/>
+                          <a:highlight>
+                            <a:srgbClr val="80B1D3"/>
+                          </a:highlight>
+                        </a:rPr>
+                        <a:t>eServices</a:t>
+                      </a:r>
+                      <a:endParaRPr lang="en-CA" sz="1000" b="0" i="0" u="none" strike="noStrike" dirty="0">
+                        <a:solidFill>
+                          <a:srgbClr val="000000"/>
+                        </a:solidFill>
+                        <a:effectLst/>
+                        <a:highlight>
+                          <a:srgbClr val="80B1D3"/>
+                        </a:highlight>
+                        <a:latin typeface="Calibri" panose="020F0502020204030204" pitchFamily="34" charset="0"/>
+                      </a:endParaRPr>
+                    </a:p>
+                  </a:txBody>
+                  <a:tcPr marL="9037" marR="9037" marT="9037" marB="0" anchor="b"/>
+                </a:tc>
+                <a:tc>
+                  <a:txBody>
+                    <a:bodyPr/>
+                    <a:lstStyle/>
+                    <a:p>
+                      <a:pPr algn="l" fontAlgn="b"/>
+                      <a:r>
+                        <a:rPr lang="en-CA" sz="1000" u="none" strike="noStrike" dirty="0">
+                          <a:effectLst/>
+                        </a:rPr>
+                        <a:t>Recreation</a:t>
+                      </a:r>
+                      <a:endParaRPr lang="en-CA" sz="1000" b="0" i="0" u="none" strike="noStrike" dirty="0">
+                        <a:solidFill>
+                          <a:srgbClr val="000000"/>
+                        </a:solidFill>
+                        <a:effectLst/>
+                        <a:latin typeface="Calibri" panose="020F0502020204030204" pitchFamily="34" charset="0"/>
+                      </a:endParaRPr>
+                    </a:p>
+                  </a:txBody>
+                  <a:tcPr marL="9037" marR="9037" marT="9037" marB="0" anchor="b"/>
+                </a:tc>
+                <a:tc>
+                  <a:txBody>
+                    <a:bodyPr/>
+                    <a:lstStyle/>
+                    <a:p>
+                      <a:pPr algn="l" fontAlgn="b"/>
+                      <a:r>
+                        <a:rPr lang="en-CA" sz="1000" u="none" strike="noStrike">
+                          <a:effectLst/>
+                        </a:rPr>
+                        <a:t>+</a:t>
+                      </a:r>
+                      <a:endParaRPr lang="en-CA" sz="1000" b="0" i="0" u="none" strike="noStrike">
+                        <a:solidFill>
+                          <a:srgbClr val="000000"/>
+                        </a:solidFill>
+                        <a:effectLst/>
+                        <a:latin typeface="Calibri" panose="020F0502020204030204" pitchFamily="34" charset="0"/>
+                      </a:endParaRPr>
+                    </a:p>
+                  </a:txBody>
+                  <a:tcPr marL="9037" marR="9037" marT="9037" marB="0" anchor="b"/>
+                </a:tc>
+                <a:tc>
+                  <a:txBody>
+                    <a:bodyPr/>
+                    <a:lstStyle/>
+                    <a:p>
+                      <a:pPr algn="r" fontAlgn="b"/>
+                      <a:r>
+                        <a:rPr lang="en-CA" sz="1000" u="none" strike="noStrike">
+                          <a:effectLst/>
+                        </a:rPr>
+                        <a:t>1</a:t>
+                      </a:r>
+                      <a:endParaRPr lang="en-CA" sz="1000" b="0" i="0" u="none" strike="noStrike">
+                        <a:solidFill>
+                          <a:srgbClr val="000000"/>
+                        </a:solidFill>
+                        <a:effectLst/>
+                        <a:latin typeface="Calibri" panose="020F0502020204030204" pitchFamily="34" charset="0"/>
+                      </a:endParaRPr>
+                    </a:p>
+                  </a:txBody>
+                  <a:tcPr marL="9037" marR="9037" marT="9037" marB="0" anchor="b"/>
+                </a:tc>
+                <a:tc>
+                  <a:txBody>
+                    <a:bodyPr/>
+                    <a:lstStyle/>
+                    <a:p>
+                      <a:pPr algn="r" fontAlgn="b"/>
+                      <a:r>
+                        <a:rPr lang="en-CA" sz="1000" u="none" strike="noStrike" dirty="0">
+                          <a:effectLst/>
+                        </a:rPr>
+                        <a:t>10</a:t>
+                      </a:r>
+                      <a:endParaRPr lang="en-CA" sz="1000" b="0" i="0" u="none" strike="noStrike" dirty="0">
+                        <a:solidFill>
+                          <a:srgbClr val="000000"/>
+                        </a:solidFill>
+                        <a:effectLst/>
+                        <a:latin typeface="Calibri" panose="020F0502020204030204" pitchFamily="34" charset="0"/>
+                      </a:endParaRPr>
+                    </a:p>
+                  </a:txBody>
+                  <a:tcPr marL="9037" marR="9037" marT="9037" marB="0" anchor="b"/>
+                </a:tc>
+                <a:extLst>
+                  <a:ext uri="{0D108BD9-81ED-4DB2-BD59-A6C34878D82A}">
+                    <a16:rowId xmlns:a16="http://schemas.microsoft.com/office/drawing/2014/main" val="947470866"/>
+                  </a:ext>
+                </a:extLst>
+              </a:tr>
+            </a:tbl>
+          </a:graphicData>
+        </a:graphic>
+      </p:graphicFrame>
+      <p:graphicFrame>
+        <p:nvGraphicFramePr>
+          <p:cNvPr id="13" name="Table 12">
+            <a:extLst>
+              <a:ext uri="{FF2B5EF4-FFF2-40B4-BE49-F238E27FC236}">
+                <a16:creationId xmlns:a16="http://schemas.microsoft.com/office/drawing/2014/main" id="{5A2C825F-4003-CA6D-ED5F-91F135548286}"/>
+              </a:ext>
+            </a:extLst>
+          </p:cNvPr>
+          <p:cNvGraphicFramePr>
+            <a:graphicFrameLocks noGrp="1"/>
+          </p:cNvGraphicFramePr>
+          <p:nvPr>
+            <p:extLst>
+              <p:ext uri="{D42A27DB-BD31-4B8C-83A1-F6EECF244321}">
+                <p14:modId xmlns:p14="http://schemas.microsoft.com/office/powerpoint/2010/main" val="4133916476"/>
+              </p:ext>
+            </p:extLst>
+          </p:nvPr>
+        </p:nvGraphicFramePr>
+        <p:xfrm>
+          <a:off x="4895850" y="1020419"/>
+          <a:ext cx="3619500" cy="771525"/>
+        </p:xfrm>
+        <a:graphic>
+          <a:graphicData uri="http://schemas.openxmlformats.org/drawingml/2006/table">
+            <a:tbl>
+              <a:tblPr>
+                <a:effectLst>
+                  <a:outerShdw blurRad="50800" dist="38100" dir="2700000" algn="tl" rotWithShape="0">
+                    <a:prstClr val="black">
+                      <a:alpha val="40000"/>
+                    </a:prstClr>
+                  </a:outerShdw>
+                </a:effectLst>
+                <a:tableStyleId>{5C22544A-7EE6-4342-B048-85BDC9FD1C3A}</a:tableStyleId>
+              </a:tblPr>
+              <a:tblGrid>
+                <a:gridCol w="544358">
+                  <a:extLst>
+                    <a:ext uri="{9D8B030D-6E8A-4147-A177-3AD203B41FA5}">
+                      <a16:colId xmlns:a16="http://schemas.microsoft.com/office/drawing/2014/main" val="3726940338"/>
+                    </a:ext>
+                  </a:extLst>
+                </a:gridCol>
+                <a:gridCol w="1480270">
+                  <a:extLst>
+                    <a:ext uri="{9D8B030D-6E8A-4147-A177-3AD203B41FA5}">
+                      <a16:colId xmlns:a16="http://schemas.microsoft.com/office/drawing/2014/main" val="2445518703"/>
+                    </a:ext>
+                  </a:extLst>
+                </a:gridCol>
+                <a:gridCol w="362905">
+                  <a:extLst>
+                    <a:ext uri="{9D8B030D-6E8A-4147-A177-3AD203B41FA5}">
+                      <a16:colId xmlns:a16="http://schemas.microsoft.com/office/drawing/2014/main" val="1608706576"/>
+                    </a:ext>
+                  </a:extLst>
+                </a:gridCol>
+                <a:gridCol w="620759">
+                  <a:extLst>
+                    <a:ext uri="{9D8B030D-6E8A-4147-A177-3AD203B41FA5}">
+                      <a16:colId xmlns:a16="http://schemas.microsoft.com/office/drawing/2014/main" val="947823489"/>
+                    </a:ext>
+                  </a:extLst>
+                </a:gridCol>
+                <a:gridCol w="611208">
+                  <a:extLst>
+                    <a:ext uri="{9D8B030D-6E8A-4147-A177-3AD203B41FA5}">
+                      <a16:colId xmlns:a16="http://schemas.microsoft.com/office/drawing/2014/main" val="2499768361"/>
+                    </a:ext>
+                  </a:extLst>
+                </a:gridCol>
+              </a:tblGrid>
+              <a:tr h="200025">
+                <a:tc gridSpan="5">
+                  <a:txBody>
+                    <a:bodyPr/>
+                    <a:lstStyle/>
+                    <a:p>
+                      <a:pPr algn="ctr" fontAlgn="b"/>
+                      <a:r>
+                        <a:rPr lang="en-CA" sz="1200" b="1" u="none" strike="noStrike" dirty="0">
+                          <a:effectLst/>
+                        </a:rPr>
+                        <a:t>NEGATIVE FEATURES</a:t>
+                      </a:r>
+                      <a:endParaRPr lang="en-CA" sz="1200" b="1" i="0" u="none" strike="noStrike" dirty="0">
+                        <a:solidFill>
+                          <a:srgbClr val="000000"/>
+                        </a:solidFill>
+                        <a:effectLst/>
+                        <a:latin typeface="Calibri" panose="020F0502020204030204" pitchFamily="34" charset="0"/>
+                      </a:endParaRPr>
+                    </a:p>
+                  </a:txBody>
+                  <a:tcPr marL="9525" marR="9525" marT="9525" marB="0" anchor="b"/>
+                </a:tc>
+                <a:tc hMerge="1">
+                  <a:txBody>
+                    <a:bodyPr/>
+                    <a:lstStyle/>
+                    <a:p>
+                      <a:endParaRPr lang="en-CA"/>
+                    </a:p>
+                  </a:txBody>
+                  <a:tcPr/>
+                </a:tc>
+                <a:tc hMerge="1">
+                  <a:txBody>
+                    <a:bodyPr/>
+                    <a:lstStyle/>
+                    <a:p>
+                      <a:endParaRPr lang="en-CA"/>
+                    </a:p>
+                  </a:txBody>
+                  <a:tcPr/>
+                </a:tc>
+                <a:tc hMerge="1">
+                  <a:txBody>
+                    <a:bodyPr/>
+                    <a:lstStyle/>
+                    <a:p>
+                      <a:endParaRPr lang="en-CA"/>
+                    </a:p>
+                  </a:txBody>
+                  <a:tcPr/>
+                </a:tc>
+                <a:tc hMerge="1">
+                  <a:txBody>
+                    <a:bodyPr/>
+                    <a:lstStyle/>
+                    <a:p>
+                      <a:endParaRPr lang="en-CA"/>
+                    </a:p>
+                  </a:txBody>
+                  <a:tcPr/>
+                </a:tc>
+                <a:extLst>
+                  <a:ext uri="{0D108BD9-81ED-4DB2-BD59-A6C34878D82A}">
+                    <a16:rowId xmlns:a16="http://schemas.microsoft.com/office/drawing/2014/main" val="2407956328"/>
+                  </a:ext>
+                </a:extLst>
+              </a:tr>
+              <a:tr h="190500">
+                <a:tc>
+                  <a:txBody>
+                    <a:bodyPr/>
+                    <a:lstStyle/>
+                    <a:p>
+                      <a:pPr algn="l" fontAlgn="b"/>
+                      <a:r>
+                        <a:rPr lang="en-CA" sz="1000" b="1" u="none" strike="noStrike" dirty="0">
+                          <a:effectLst/>
+                        </a:rPr>
+                        <a:t>THEMES</a:t>
+                      </a:r>
+                      <a:endParaRPr lang="en-CA" sz="1000" b="1" i="0" u="none" strike="noStrike" dirty="0">
+                        <a:solidFill>
+                          <a:srgbClr val="000000"/>
+                        </a:solidFill>
+                        <a:effectLst/>
+                        <a:latin typeface="Calibri" panose="020F0502020204030204" pitchFamily="34" charset="0"/>
+                      </a:endParaRPr>
+                    </a:p>
+                  </a:txBody>
+                  <a:tcPr marL="9525" marR="9525" marT="9525" marB="0" anchor="b"/>
+                </a:tc>
+                <a:tc>
+                  <a:txBody>
+                    <a:bodyPr/>
+                    <a:lstStyle/>
+                    <a:p>
+                      <a:pPr algn="l" fontAlgn="b"/>
+                      <a:r>
+                        <a:rPr lang="en-CA" sz="1000" b="1" u="none" strike="noStrike" dirty="0">
+                          <a:effectLst/>
+                        </a:rPr>
+                        <a:t>FEATURES</a:t>
+                      </a:r>
+                      <a:endParaRPr lang="en-CA" sz="1000" b="1" i="0" u="none" strike="noStrike" dirty="0">
+                        <a:solidFill>
+                          <a:srgbClr val="000000"/>
+                        </a:solidFill>
+                        <a:effectLst/>
+                        <a:latin typeface="Calibri" panose="020F0502020204030204" pitchFamily="34" charset="0"/>
+                      </a:endParaRPr>
+                    </a:p>
+                  </a:txBody>
+                  <a:tcPr marL="9525" marR="9525" marT="9525" marB="0" anchor="b"/>
+                </a:tc>
+                <a:tc>
+                  <a:txBody>
+                    <a:bodyPr/>
+                    <a:lstStyle/>
+                    <a:p>
+                      <a:pPr algn="l" fontAlgn="b"/>
+                      <a:r>
+                        <a:rPr lang="en-CA" sz="1000" b="1" u="none" strike="noStrike" dirty="0">
+                          <a:effectLst/>
+                        </a:rPr>
+                        <a:t>SIGN</a:t>
+                      </a:r>
+                      <a:endParaRPr lang="en-CA" sz="1000" b="1" i="0" u="none" strike="noStrike" dirty="0">
+                        <a:solidFill>
+                          <a:srgbClr val="000000"/>
+                        </a:solidFill>
+                        <a:effectLst/>
+                        <a:latin typeface="Calibri" panose="020F0502020204030204" pitchFamily="34" charset="0"/>
+                      </a:endParaRPr>
+                    </a:p>
+                  </a:txBody>
+                  <a:tcPr marL="9525" marR="9525" marT="9525" marB="0" anchor="b"/>
+                </a:tc>
+                <a:tc>
+                  <a:txBody>
+                    <a:bodyPr/>
+                    <a:lstStyle/>
+                    <a:p>
+                      <a:pPr algn="l" fontAlgn="b"/>
+                      <a:r>
+                        <a:rPr lang="en-CA" sz="1000" b="1" u="none" strike="noStrike" dirty="0">
+                          <a:effectLst/>
+                        </a:rPr>
+                        <a:t>WEIGHTS</a:t>
+                      </a:r>
+                      <a:endParaRPr lang="en-CA" sz="1000" b="1" i="0" u="none" strike="noStrike" dirty="0">
+                        <a:solidFill>
+                          <a:srgbClr val="000000"/>
+                        </a:solidFill>
+                        <a:effectLst/>
+                        <a:latin typeface="Calibri" panose="020F0502020204030204" pitchFamily="34" charset="0"/>
+                      </a:endParaRPr>
+                    </a:p>
+                  </a:txBody>
+                  <a:tcPr marL="9525" marR="9525" marT="9525" marB="0" anchor="b"/>
+                </a:tc>
+                <a:tc>
+                  <a:txBody>
+                    <a:bodyPr/>
+                    <a:lstStyle/>
+                    <a:p>
+                      <a:pPr algn="l" fontAlgn="b"/>
+                      <a:r>
+                        <a:rPr lang="en-CA" sz="1000" b="1" u="none" strike="noStrike" dirty="0">
+                          <a:effectLst/>
+                        </a:rPr>
+                        <a:t>RANKS</a:t>
+                      </a:r>
+                      <a:endParaRPr lang="en-CA" sz="1000" b="1" i="0" u="none" strike="noStrike" dirty="0">
+                        <a:solidFill>
+                          <a:srgbClr val="000000"/>
+                        </a:solidFill>
+                        <a:effectLst/>
+                        <a:latin typeface="Calibri" panose="020F0502020204030204" pitchFamily="34" charset="0"/>
+                      </a:endParaRPr>
+                    </a:p>
+                  </a:txBody>
+                  <a:tcPr marL="9525" marR="9525" marT="9525" marB="0" anchor="b"/>
+                </a:tc>
+                <a:extLst>
+                  <a:ext uri="{0D108BD9-81ED-4DB2-BD59-A6C34878D82A}">
+                    <a16:rowId xmlns:a16="http://schemas.microsoft.com/office/drawing/2014/main" val="2991597453"/>
+                  </a:ext>
+                </a:extLst>
+              </a:tr>
+              <a:tr h="190500">
+                <a:tc>
+                  <a:txBody>
+                    <a:bodyPr/>
+                    <a:lstStyle/>
+                    <a:p>
+                      <a:pPr algn="l" fontAlgn="b"/>
+                      <a:r>
+                        <a:rPr lang="en-CA" sz="1000" u="none" strike="noStrike" dirty="0">
+                          <a:effectLst/>
+                          <a:highlight>
+                            <a:srgbClr val="FB8072"/>
+                          </a:highlight>
+                        </a:rPr>
+                        <a:t>Threats</a:t>
+                      </a:r>
+                      <a:endParaRPr lang="en-CA" sz="1000" b="0" i="0" u="none" strike="noStrike" dirty="0">
+                        <a:solidFill>
+                          <a:srgbClr val="000000"/>
+                        </a:solidFill>
+                        <a:effectLst/>
+                        <a:highlight>
+                          <a:srgbClr val="FB8072"/>
+                        </a:highlight>
+                        <a:latin typeface="Calibri" panose="020F0502020204030204" pitchFamily="34" charset="0"/>
+                      </a:endParaRPr>
+                    </a:p>
+                  </a:txBody>
+                  <a:tcPr marL="9525" marR="9525" marT="9525" marB="0" anchor="b"/>
+                </a:tc>
+                <a:tc>
+                  <a:txBody>
+                    <a:bodyPr/>
+                    <a:lstStyle/>
+                    <a:p>
+                      <a:pPr algn="l" fontAlgn="b"/>
+                      <a:r>
+                        <a:rPr lang="en-CA" sz="1000" u="none" strike="noStrike" dirty="0">
+                          <a:effectLst/>
+                        </a:rPr>
+                        <a:t>Human Footprint Index</a:t>
+                      </a:r>
+                      <a:endParaRPr lang="en-CA" sz="1000" b="0" i="0" u="none" strike="noStrike" dirty="0">
+                        <a:solidFill>
+                          <a:srgbClr val="000000"/>
+                        </a:solidFill>
+                        <a:effectLst/>
+                        <a:latin typeface="Calibri" panose="020F0502020204030204" pitchFamily="34" charset="0"/>
+                      </a:endParaRPr>
+                    </a:p>
+                  </a:txBody>
+                  <a:tcPr marL="9525" marR="9525" marT="9525" marB="0" anchor="b"/>
+                </a:tc>
+                <a:tc>
+                  <a:txBody>
+                    <a:bodyPr/>
+                    <a:lstStyle/>
+                    <a:p>
+                      <a:pPr algn="l" fontAlgn="b"/>
+                      <a:r>
+                        <a:rPr lang="en-CA" sz="1000" u="none" strike="noStrike">
+                          <a:effectLst/>
+                        </a:rPr>
+                        <a:t>-</a:t>
+                      </a:r>
+                      <a:endParaRPr lang="en-CA" sz="1000" b="0" i="0" u="none" strike="noStrike">
+                        <a:solidFill>
+                          <a:srgbClr val="000000"/>
+                        </a:solidFill>
+                        <a:effectLst/>
+                        <a:latin typeface="Calibri" panose="020F0502020204030204" pitchFamily="34" charset="0"/>
+                      </a:endParaRPr>
+                    </a:p>
+                  </a:txBody>
+                  <a:tcPr marL="9525" marR="9525" marT="9525" marB="0" anchor="b"/>
+                </a:tc>
+                <a:tc>
+                  <a:txBody>
+                    <a:bodyPr/>
+                    <a:lstStyle/>
+                    <a:p>
+                      <a:pPr algn="r" fontAlgn="b"/>
+                      <a:r>
+                        <a:rPr lang="en-CA" sz="1000" u="none" strike="noStrike">
+                          <a:effectLst/>
+                        </a:rPr>
+                        <a:t>38</a:t>
+                      </a:r>
+                      <a:endParaRPr lang="en-CA" sz="1000" b="0" i="0" u="none" strike="noStrike">
+                        <a:solidFill>
+                          <a:srgbClr val="000000"/>
+                        </a:solidFill>
+                        <a:effectLst/>
+                        <a:latin typeface="Calibri" panose="020F0502020204030204" pitchFamily="34" charset="0"/>
+                      </a:endParaRPr>
+                    </a:p>
+                  </a:txBody>
+                  <a:tcPr marL="9525" marR="9525" marT="9525" marB="0" anchor="b"/>
+                </a:tc>
+                <a:tc>
+                  <a:txBody>
+                    <a:bodyPr/>
+                    <a:lstStyle/>
+                    <a:p>
+                      <a:pPr algn="r" fontAlgn="b"/>
+                      <a:r>
+                        <a:rPr lang="en-CA" sz="1000" u="none" strike="noStrike">
+                          <a:effectLst/>
+                        </a:rPr>
+                        <a:t>1</a:t>
+                      </a:r>
+                      <a:endParaRPr lang="en-CA" sz="1000" b="0" i="0" u="none" strike="noStrike">
+                        <a:solidFill>
+                          <a:srgbClr val="000000"/>
+                        </a:solidFill>
+                        <a:effectLst/>
+                        <a:latin typeface="Calibri" panose="020F0502020204030204" pitchFamily="34" charset="0"/>
+                      </a:endParaRPr>
+                    </a:p>
+                  </a:txBody>
+                  <a:tcPr marL="9525" marR="9525" marT="9525" marB="0" anchor="b"/>
+                </a:tc>
+                <a:extLst>
+                  <a:ext uri="{0D108BD9-81ED-4DB2-BD59-A6C34878D82A}">
+                    <a16:rowId xmlns:a16="http://schemas.microsoft.com/office/drawing/2014/main" val="3073263613"/>
+                  </a:ext>
+                </a:extLst>
+              </a:tr>
+              <a:tr h="190500">
+                <a:tc>
+                  <a:txBody>
+                    <a:bodyPr/>
+                    <a:lstStyle/>
+                    <a:p>
+                      <a:pPr algn="l" fontAlgn="b"/>
+                      <a:r>
+                        <a:rPr lang="en-CA" sz="1000" u="none" strike="noStrike" dirty="0">
+                          <a:effectLst/>
+                          <a:highlight>
+                            <a:srgbClr val="FCCDE5"/>
+                          </a:highlight>
+                        </a:rPr>
+                        <a:t>Climate</a:t>
+                      </a:r>
+                      <a:endParaRPr lang="en-CA" sz="1000" b="0" i="0" u="none" strike="noStrike" dirty="0">
+                        <a:solidFill>
+                          <a:srgbClr val="000000"/>
+                        </a:solidFill>
+                        <a:effectLst/>
+                        <a:highlight>
+                          <a:srgbClr val="FCCDE5"/>
+                        </a:highlight>
+                        <a:latin typeface="Calibri" panose="020F0502020204030204" pitchFamily="34" charset="0"/>
+                      </a:endParaRPr>
+                    </a:p>
+                  </a:txBody>
+                  <a:tcPr marL="9525" marR="9525" marT="9525" marB="0" anchor="b"/>
+                </a:tc>
+                <a:tc>
+                  <a:txBody>
+                    <a:bodyPr/>
+                    <a:lstStyle/>
+                    <a:p>
+                      <a:pPr algn="l" fontAlgn="b"/>
+                      <a:r>
+                        <a:rPr lang="en-CA" sz="1000" u="none" strike="noStrike" dirty="0">
+                          <a:effectLst/>
+                        </a:rPr>
+                        <a:t>Extremes</a:t>
+                      </a:r>
+                      <a:endParaRPr lang="en-CA" sz="1000" b="0" i="0" u="none" strike="noStrike" dirty="0">
+                        <a:solidFill>
+                          <a:srgbClr val="000000"/>
+                        </a:solidFill>
+                        <a:effectLst/>
+                        <a:latin typeface="Calibri" panose="020F0502020204030204" pitchFamily="34" charset="0"/>
+                      </a:endParaRPr>
+                    </a:p>
+                  </a:txBody>
+                  <a:tcPr marL="9525" marR="9525" marT="9525" marB="0" anchor="b"/>
+                </a:tc>
+                <a:tc>
+                  <a:txBody>
+                    <a:bodyPr/>
+                    <a:lstStyle/>
+                    <a:p>
+                      <a:pPr algn="l" fontAlgn="b"/>
+                      <a:r>
+                        <a:rPr lang="en-CA" sz="1000" u="none" strike="noStrike" dirty="0">
+                          <a:effectLst/>
+                        </a:rPr>
+                        <a:t>-</a:t>
+                      </a:r>
+                      <a:endParaRPr lang="en-CA" sz="1000" b="0" i="0" u="none" strike="noStrike" dirty="0">
+                        <a:solidFill>
+                          <a:srgbClr val="000000"/>
+                        </a:solidFill>
+                        <a:effectLst/>
+                        <a:latin typeface="Calibri" panose="020F0502020204030204" pitchFamily="34" charset="0"/>
+                      </a:endParaRPr>
+                    </a:p>
+                  </a:txBody>
+                  <a:tcPr marL="9525" marR="9525" marT="9525" marB="0" anchor="b"/>
+                </a:tc>
+                <a:tc>
+                  <a:txBody>
+                    <a:bodyPr/>
+                    <a:lstStyle/>
+                    <a:p>
+                      <a:pPr algn="r" fontAlgn="b"/>
+                      <a:r>
+                        <a:rPr lang="en-CA" sz="1000" u="none" strike="noStrike" dirty="0">
+                          <a:effectLst/>
+                        </a:rPr>
+                        <a:t>12</a:t>
+                      </a:r>
+                      <a:endParaRPr lang="en-CA" sz="1000" b="0" i="0" u="none" strike="noStrike" dirty="0">
+                        <a:solidFill>
+                          <a:srgbClr val="000000"/>
+                        </a:solidFill>
+                        <a:effectLst/>
+                        <a:latin typeface="Calibri" panose="020F0502020204030204" pitchFamily="34" charset="0"/>
+                      </a:endParaRPr>
+                    </a:p>
+                  </a:txBody>
+                  <a:tcPr marL="9525" marR="9525" marT="9525" marB="0" anchor="b"/>
+                </a:tc>
+                <a:tc>
+                  <a:txBody>
+                    <a:bodyPr/>
+                    <a:lstStyle/>
+                    <a:p>
+                      <a:pPr algn="r" fontAlgn="b"/>
+                      <a:r>
+                        <a:rPr lang="en-CA" sz="1000" u="none" strike="noStrike" dirty="0">
+                          <a:effectLst/>
+                        </a:rPr>
+                        <a:t>2</a:t>
+                      </a:r>
+                      <a:endParaRPr lang="en-CA" sz="1000" b="0" i="0" u="none" strike="noStrike" dirty="0">
+                        <a:solidFill>
+                          <a:srgbClr val="000000"/>
+                        </a:solidFill>
+                        <a:effectLst/>
+                        <a:latin typeface="Calibri" panose="020F0502020204030204" pitchFamily="34" charset="0"/>
+                      </a:endParaRPr>
+                    </a:p>
+                  </a:txBody>
+                  <a:tcPr marL="9525" marR="9525" marT="9525" marB="0" anchor="b"/>
+                </a:tc>
+                <a:extLst>
+                  <a:ext uri="{0D108BD9-81ED-4DB2-BD59-A6C34878D82A}">
+                    <a16:rowId xmlns:a16="http://schemas.microsoft.com/office/drawing/2014/main" val="1899806712"/>
+                  </a:ext>
+                </a:extLst>
+              </a:tr>
+            </a:tbl>
+          </a:graphicData>
+        </a:graphic>
+      </p:graphicFrame>
       <p:sp>
         <p:nvSpPr>
-          <p:cNvPr id="5" name="TextBox 4">
+          <p:cNvPr id="14" name="TextBox 13">
             <a:extLst>
               <a:ext uri="{FF2B5EF4-FFF2-40B4-BE49-F238E27FC236}">
-                <a16:creationId xmlns:a16="http://schemas.microsoft.com/office/drawing/2014/main" id="{50B988EE-CB74-AF40-646B-8F28D049B4DF}"/>
+                <a16:creationId xmlns:a16="http://schemas.microsoft.com/office/drawing/2014/main" id="{DC041065-C140-5661-4C80-DECE1A12CB9E}"/>
               </a:ext>
             </a:extLst>
           </p:cNvPr>
@@ -5838,8 +8521,8 @@
         </p:nvSpPr>
         <p:spPr>
           <a:xfrm>
-            <a:off x="4969567" y="1490287"/>
-            <a:ext cx="3014870" cy="629852"/>
+            <a:off x="5129962" y="2444512"/>
+            <a:ext cx="3285997" cy="1415772"/>
           </a:xfrm>
           <a:prstGeom prst="rect">
             <a:avLst/>
@@ -5847,105 +8530,39 @@
           <a:noFill/>
         </p:spPr>
         <p:txBody>
-          <a:bodyPr wrap="square" numCol="1" rtlCol="0">
+          <a:bodyPr wrap="square" rtlCol="0">
             <a:spAutoFit/>
           </a:bodyPr>
           <a:lstStyle/>
           <a:p>
-            <a:pPr marL="457200" indent="-457200">
-              <a:lnSpc>
-                <a:spcPct val="130000"/>
-              </a:lnSpc>
-              <a:buFont typeface="+mj-lt"/>
-              <a:buAutoNum type="arabicPeriod"/>
-            </a:pPr>
-            <a:r>
-              <a:rPr lang="en-US" dirty="0"/>
-              <a:t>Climate Extremes</a:t>
-            </a:r>
-          </a:p>
-          <a:p>
-            <a:pPr marL="457200" indent="-457200">
-              <a:lnSpc>
-                <a:spcPct val="130000"/>
-              </a:lnSpc>
-              <a:buFont typeface="+mj-lt"/>
-              <a:buAutoNum type="arabicPeriod"/>
-            </a:pPr>
-            <a:r>
-              <a:rPr lang="en-US" dirty="0"/>
-              <a:t>Human Footprint Index</a:t>
-            </a:r>
-          </a:p>
-        </p:txBody>
-      </p:sp>
-      <p:sp>
-        <p:nvSpPr>
-          <p:cNvPr id="7" name="TextBox 6">
-            <a:extLst>
-              <a:ext uri="{FF2B5EF4-FFF2-40B4-BE49-F238E27FC236}">
-                <a16:creationId xmlns:a16="http://schemas.microsoft.com/office/drawing/2014/main" id="{5854B4D9-716A-1859-31B0-08D0E73E2CCF}"/>
-              </a:ext>
-            </a:extLst>
-          </p:cNvPr>
-          <p:cNvSpPr txBox="1"/>
-          <p:nvPr/>
-        </p:nvSpPr>
-        <p:spPr>
-          <a:xfrm>
-            <a:off x="1278005" y="1083349"/>
-            <a:ext cx="1895061" cy="369332"/>
-          </a:xfrm>
-          <a:prstGeom prst="rect">
-            <a:avLst/>
-          </a:prstGeom>
-          <a:noFill/>
-        </p:spPr>
-        <p:txBody>
-          <a:bodyPr wrap="square" numCol="1" rtlCol="0">
-            <a:spAutoFit/>
-          </a:bodyPr>
-          <a:lstStyle/>
-          <a:p>
-            <a:r>
-              <a:rPr lang="en-US" sz="1800" b="1" u="sng" dirty="0"/>
-              <a:t>ADDITOINS</a:t>
-            </a:r>
-          </a:p>
-        </p:txBody>
-      </p:sp>
-      <p:sp>
-        <p:nvSpPr>
-          <p:cNvPr id="10" name="TextBox 9">
-            <a:extLst>
-              <a:ext uri="{FF2B5EF4-FFF2-40B4-BE49-F238E27FC236}">
-                <a16:creationId xmlns:a16="http://schemas.microsoft.com/office/drawing/2014/main" id="{6AC7FF05-E1AB-10F3-09FB-D4241528E937}"/>
-              </a:ext>
-            </a:extLst>
-          </p:cNvPr>
-          <p:cNvSpPr txBox="1"/>
-          <p:nvPr/>
-        </p:nvSpPr>
-        <p:spPr>
-          <a:xfrm>
-            <a:off x="5207688" y="1108568"/>
-            <a:ext cx="1895061" cy="369332"/>
-          </a:xfrm>
-          <a:prstGeom prst="rect">
-            <a:avLst/>
-          </a:prstGeom>
-          <a:noFill/>
-        </p:spPr>
-        <p:txBody>
-          <a:bodyPr wrap="square" numCol="1" rtlCol="0">
-            <a:spAutoFit/>
-          </a:bodyPr>
-          <a:lstStyle/>
-          <a:p>
-            <a:r>
-              <a:rPr lang="en-US" sz="1800" b="1" u="sng" dirty="0"/>
-              <a:t>SUBTRACTIONS</a:t>
-            </a:r>
+            <a:r>
+              <a:rPr lang="en-US" sz="1800" dirty="0"/>
+              <a:t>Positive weights tally up to </a:t>
+            </a:r>
+            <a:r>
+              <a:rPr lang="en-US" sz="1800" b="1" dirty="0"/>
+              <a:t>100</a:t>
+            </a:r>
+          </a:p>
+          <a:p>
+            <a:endParaRPr lang="en-US" sz="1800" b="1" dirty="0"/>
+          </a:p>
+          <a:p>
+            <a:r>
+              <a:rPr lang="en-US" sz="1800" dirty="0"/>
+              <a:t>Negative weights tally up to </a:t>
+            </a:r>
+            <a:r>
+              <a:rPr lang="en-US" sz="1800" b="1" dirty="0"/>
+              <a:t>-50</a:t>
+            </a:r>
+            <a:endParaRPr lang="en-CA" sz="1800" b="1" dirty="0"/>
+          </a:p>
+          <a:p>
+            <a:endParaRPr lang="en-US" sz="1600" b="1" dirty="0"/>
+          </a:p>
+          <a:p>
+            <a:endParaRPr lang="en-CA" sz="1600" b="1" dirty="0"/>
           </a:p>
         </p:txBody>
       </p:sp>
@@ -7255,7 +9872,7 @@
       </p:sp>
       <p:pic>
         <p:nvPicPr>
-          <p:cNvPr id="11" name="Picture 10" descr="A group of text boxes&#10;&#10;Description automatically generated with medium confidence">
+          <p:cNvPr id="11" name="Picture 10">
             <a:extLst>
               <a:ext uri="{FF2B5EF4-FFF2-40B4-BE49-F238E27FC236}">
                 <a16:creationId xmlns:a16="http://schemas.microsoft.com/office/drawing/2014/main" id="{3E9627B5-54E8-0C76-17C9-60FAEE111450}"/>
@@ -7275,18 +9892,22 @@
               </a:ext>
             </a:extLst>
           </a:blip>
-          <a:stretch>
-            <a:fillRect/>
-          </a:stretch>
+          <a:srcRect/>
+          <a:stretch/>
         </p:blipFill>
         <p:spPr>
           <a:xfrm>
-            <a:off x="628650" y="2272536"/>
-            <a:ext cx="7553325" cy="1571625"/>
+            <a:off x="628650" y="2356022"/>
+            <a:ext cx="7553325" cy="1404653"/>
           </a:xfrm>
           <a:prstGeom prst="rect">
             <a:avLst/>
           </a:prstGeom>
+          <a:ln>
+            <a:solidFill>
+              <a:schemeClr val="tx1"/>
+            </a:solidFill>
+          </a:ln>
         </p:spPr>
       </p:pic>
     </p:spTree>
@@ -7862,7 +10483,7 @@
             </a:r>
             <a:r>
               <a:rPr lang="en-US" sz="2000" dirty="0"/>
-              <a:t> weights and update the RI in real time. This provides a means to reason with the relative importance of layers the comprise the index</a:t>
+              <a:t> weights and update the RI in real time. This provides a means to reason with the relative importance of layers that comprise the index</a:t>
             </a:r>
           </a:p>
           <a:p>
@@ -8261,7 +10882,7 @@
       </p:sp>
       <p:pic>
         <p:nvPicPr>
-          <p:cNvPr id="9" name="Picture 8" descr="A screenshot of a map&#10;&#10;Description automatically generated">
+          <p:cNvPr id="9" name="Picture 8">
             <a:extLst>
               <a:ext uri="{FF2B5EF4-FFF2-40B4-BE49-F238E27FC236}">
                 <a16:creationId xmlns:a16="http://schemas.microsoft.com/office/drawing/2014/main" id="{43665751-4034-693A-361A-5012028368CE}"/>
@@ -8281,14 +10902,13 @@
               </a:ext>
             </a:extLst>
           </a:blip>
-          <a:stretch>
-            <a:fillRect/>
-          </a:stretch>
+          <a:srcRect/>
+          <a:stretch/>
         </p:blipFill>
         <p:spPr>
           <a:xfrm>
-            <a:off x="628650" y="945250"/>
-            <a:ext cx="7279715" cy="3746020"/>
+            <a:off x="628650" y="808685"/>
+            <a:ext cx="8157541" cy="4197735"/>
           </a:xfrm>
           <a:prstGeom prst="rect">
             <a:avLst/>
@@ -8939,6 +11559,11 @@
 
 <file path=customXml/item1.xml><?xml version="1.0" encoding="utf-8"?>
 <?mso-contentType ?>
+<SharedContentType xmlns="Microsoft.SharePoint.Taxonomy.ContentTypeSync" SourceId="3dae2bc9-964c-4bb7-94bc-c5dd0815213b" ContentTypeId="0x01010070FD3A26C879A74592BE4DD1CF6C17C51002" PreviousValue="false" LastSyncTimeStamp="2022-04-19T15:49:25.177Z"/>
+</file>
+
+<file path=customXml/item2.xml><?xml version="1.0" encoding="utf-8"?>
+<?mso-contentType ?>
 <spe:Receivers xmlns:spe="http://schemas.microsoft.com/sharepoint/events">
   <Receiver>
     <Name>Document ID Generator</Name>
@@ -8987,78 +11612,13 @@
 </spe:Receivers>
 </file>
 
-<file path=customXml/item2.xml><?xml version="1.0" encoding="utf-8"?>
+<file path=customXml/item3.xml><?xml version="1.0" encoding="utf-8"?>
 <?mso-contentType ?>
-<SharedContentType xmlns="Microsoft.SharePoint.Taxonomy.ContentTypeSync" SourceId="3dae2bc9-964c-4bb7-94bc-c5dd0815213b" ContentTypeId="0x01010070FD3A26C879A74592BE4DD1CF6C17C51002" PreviousValue="false" LastSyncTimeStamp="2022-04-19T15:49:25.177Z"/>
-</file>
-
-<file path=customXml/item3.xml><?xml version="1.0" encoding="utf-8"?>
-<p:properties xmlns:p="http://schemas.microsoft.com/office/2006/metadata/properties" xmlns:xsi="http://www.w3.org/2001/XMLSchema-instance" xmlns:pc="http://schemas.microsoft.com/office/infopath/2007/PartnerControls">
-  <documentManagement>
-    <TaxCatchAll xmlns="b73fb41d-4db5-49df-b889-ce373c40e3ec">
-      <Value>2</Value>
-      <Value>224</Value>
-      <Value>1585</Value>
-      <Value>3</Value>
-      <Value>1022</Value>
-      <Value>1598</Value>
-    </TaxCatchAll>
-    <Year xmlns="b73fb41d-4db5-49df-b889-ce373c40e3ec">2021</Year>
-    <TaxKeywordTaxHTField xmlns="b73fb41d-4db5-49df-b889-ce373c40e3ec">
-      <Terms xmlns="http://schemas.microsoft.com/office/infopath/2007/PartnerControls">
-        <TermInfo xmlns="http://schemas.microsoft.com/office/infopath/2007/PartnerControls">
-          <TermName xmlns="http://schemas.microsoft.com/office/infopath/2007/PartnerControls">16:9</TermName>
-          <TermId xmlns="http://schemas.microsoft.com/office/infopath/2007/PartnerControls">df0a0d5b-ae80-4841-b2fe-8ddcb8e3222c</TermId>
-        </TermInfo>
-        <TermInfo xmlns="http://schemas.microsoft.com/office/infopath/2007/PartnerControls">
-          <TermName xmlns="http://schemas.microsoft.com/office/infopath/2007/PartnerControls">Presentation</TermName>
-          <TermId xmlns="http://schemas.microsoft.com/office/infopath/2007/PartnerControls">59fc26f9-1c9d-40bc-8a58-d66d91dcc0d5</TermId>
-        </TermInfo>
-      </Terms>
-    </TaxKeywordTaxHTField>
-    <_dlc_DocId xmlns="9daf4fce-efdb-4f08-985f-94c0458ac4da">COLL-1941601530-77</_dlc_DocId>
-    <_dlc_DocIdUrl xmlns="9daf4fce-efdb-4f08-985f-94c0458ac4da">
-      <Url>https://itncc.sharepoint.com/sites/MarketingCollaboration/_layouts/DocIdRedir.aspx?ID=COLL-1941601530-77</Url>
-      <Description>COLL-1941601530-77</Description>
-    </_dlc_DocIdUrl>
-    <hf62e2b7c9654133b3ca7da47c388bce xmlns="b73fb41d-4db5-49df-b889-ce373c40e3ec">
-      <Terms xmlns="http://schemas.microsoft.com/office/infopath/2007/PartnerControls">
-        <TermInfo xmlns="http://schemas.microsoft.com/office/infopath/2007/PartnerControls">
-          <TermName xmlns="http://schemas.microsoft.com/office/infopath/2007/PartnerControls">Marketing and Development</TermName>
-          <TermId xmlns="http://schemas.microsoft.com/office/infopath/2007/PartnerControls">cb043f34-81be-43cd-aebf-735cc7c51d79</TermId>
-        </TermInfo>
-      </Terms>
-    </hf62e2b7c9654133b3ca7da47c388bce>
-    <e5445ced404845ff8a2b3be9c8f7c65c xmlns="b73fb41d-4db5-49df-b889-ce373c40e3ec">
-      <Terms xmlns="http://schemas.microsoft.com/office/infopath/2007/PartnerControls">
-        <TermInfo xmlns="http://schemas.microsoft.com/office/infopath/2007/PartnerControls">
-          <TermName xmlns="http://schemas.microsoft.com/office/infopath/2007/PartnerControls">National</TermName>
-          <TermId xmlns="http://schemas.microsoft.com/office/infopath/2007/PartnerControls">60e160cc-5b62-440e-88bf-c8c5292327f4</TermId>
-        </TermInfo>
-      </Terms>
-    </e5445ced404845ff8a2b3be9c8f7c65c>
-    <Topic xmlns="b73fb41d-4db5-49df-b889-ce373c40e3ec">Presentation</Topic>
-    <j851f0c75970476ca044f56c831142c9 xmlns="b73fb41d-4db5-49df-b889-ce373c40e3ec">
-      <Terms xmlns="http://schemas.microsoft.com/office/infopath/2007/PartnerControls">
-        <TermInfo xmlns="http://schemas.microsoft.com/office/infopath/2007/PartnerControls">
-          <TermName xmlns="http://schemas.microsoft.com/office/infopath/2007/PartnerControls">Editable Creative</TermName>
-          <TermId xmlns="http://schemas.microsoft.com/office/infopath/2007/PartnerControls">29fc3b9e-2d01-4eeb-9c55-b9ac82cf2c15</TermId>
-        </TermInfo>
-      </Terms>
-    </j851f0c75970476ca044f56c831142c9>
-    <h5d00e838cac4a36b66416c1ac0f08f4 xmlns="b73fb41d-4db5-49df-b889-ce373c40e3ec">
-      <Terms xmlns="http://schemas.microsoft.com/office/infopath/2007/PartnerControls"/>
-    </h5d00e838cac4a36b66416c1ac0f08f4>
-    <pde0b5a6bb7242599ac30d59622b742d xmlns="b73fb41d-4db5-49df-b889-ce373c40e3ec">
-      <Terms xmlns="http://schemas.microsoft.com/office/infopath/2007/PartnerControls">
-        <TermInfo xmlns="http://schemas.microsoft.com/office/infopath/2007/PartnerControls">
-          <TermName xmlns="http://schemas.microsoft.com/office/infopath/2007/PartnerControls">Administration</TermName>
-          <TermId xmlns="http://schemas.microsoft.com/office/infopath/2007/PartnerControls">15579f7e-1289-4124-875f-fbfdd1ce1e19</TermId>
-        </TermInfo>
-      </Terms>
-    </pde0b5a6bb7242599ac30d59622b742d>
-  </documentManagement>
-</p:properties>
+<FormTemplates xmlns="http://schemas.microsoft.com/sharepoint/v3/contenttype/forms">
+  <Display>DocumentLibraryForm</Display>
+  <Edit>DocumentLibraryForm</Edit>
+  <New>DocumentLibraryForm</New>
+</FormTemplates>
 </file>
 
 <file path=customXml/item4.xml><?xml version="1.0" encoding="utf-8"?>
@@ -9323,15 +11883,83 @@
 </file>
 
 <file path=customXml/item5.xml><?xml version="1.0" encoding="utf-8"?>
-<?mso-contentType ?>
-<FormTemplates xmlns="http://schemas.microsoft.com/sharepoint/v3/contenttype/forms">
-  <Display>DocumentLibraryForm</Display>
-  <Edit>DocumentLibraryForm</Edit>
-  <New>DocumentLibraryForm</New>
-</FormTemplates>
+<p:properties xmlns:p="http://schemas.microsoft.com/office/2006/metadata/properties" xmlns:xsi="http://www.w3.org/2001/XMLSchema-instance" xmlns:pc="http://schemas.microsoft.com/office/infopath/2007/PartnerControls">
+  <documentManagement>
+    <TaxCatchAll xmlns="b73fb41d-4db5-49df-b889-ce373c40e3ec">
+      <Value>2</Value>
+      <Value>224</Value>
+      <Value>1585</Value>
+      <Value>3</Value>
+      <Value>1022</Value>
+      <Value>1598</Value>
+    </TaxCatchAll>
+    <Year xmlns="b73fb41d-4db5-49df-b889-ce373c40e3ec">2021</Year>
+    <TaxKeywordTaxHTField xmlns="b73fb41d-4db5-49df-b889-ce373c40e3ec">
+      <Terms xmlns="http://schemas.microsoft.com/office/infopath/2007/PartnerControls">
+        <TermInfo xmlns="http://schemas.microsoft.com/office/infopath/2007/PartnerControls">
+          <TermName xmlns="http://schemas.microsoft.com/office/infopath/2007/PartnerControls">16:9</TermName>
+          <TermId xmlns="http://schemas.microsoft.com/office/infopath/2007/PartnerControls">df0a0d5b-ae80-4841-b2fe-8ddcb8e3222c</TermId>
+        </TermInfo>
+        <TermInfo xmlns="http://schemas.microsoft.com/office/infopath/2007/PartnerControls">
+          <TermName xmlns="http://schemas.microsoft.com/office/infopath/2007/PartnerControls">Presentation</TermName>
+          <TermId xmlns="http://schemas.microsoft.com/office/infopath/2007/PartnerControls">59fc26f9-1c9d-40bc-8a58-d66d91dcc0d5</TermId>
+        </TermInfo>
+      </Terms>
+    </TaxKeywordTaxHTField>
+    <_dlc_DocId xmlns="9daf4fce-efdb-4f08-985f-94c0458ac4da">COLL-1941601530-77</_dlc_DocId>
+    <_dlc_DocIdUrl xmlns="9daf4fce-efdb-4f08-985f-94c0458ac4da">
+      <Url>https://itncc.sharepoint.com/sites/MarketingCollaboration/_layouts/DocIdRedir.aspx?ID=COLL-1941601530-77</Url>
+      <Description>COLL-1941601530-77</Description>
+    </_dlc_DocIdUrl>
+    <hf62e2b7c9654133b3ca7da47c388bce xmlns="b73fb41d-4db5-49df-b889-ce373c40e3ec">
+      <Terms xmlns="http://schemas.microsoft.com/office/infopath/2007/PartnerControls">
+        <TermInfo xmlns="http://schemas.microsoft.com/office/infopath/2007/PartnerControls">
+          <TermName xmlns="http://schemas.microsoft.com/office/infopath/2007/PartnerControls">Marketing and Development</TermName>
+          <TermId xmlns="http://schemas.microsoft.com/office/infopath/2007/PartnerControls">cb043f34-81be-43cd-aebf-735cc7c51d79</TermId>
+        </TermInfo>
+      </Terms>
+    </hf62e2b7c9654133b3ca7da47c388bce>
+    <e5445ced404845ff8a2b3be9c8f7c65c xmlns="b73fb41d-4db5-49df-b889-ce373c40e3ec">
+      <Terms xmlns="http://schemas.microsoft.com/office/infopath/2007/PartnerControls">
+        <TermInfo xmlns="http://schemas.microsoft.com/office/infopath/2007/PartnerControls">
+          <TermName xmlns="http://schemas.microsoft.com/office/infopath/2007/PartnerControls">National</TermName>
+          <TermId xmlns="http://schemas.microsoft.com/office/infopath/2007/PartnerControls">60e160cc-5b62-440e-88bf-c8c5292327f4</TermId>
+        </TermInfo>
+      </Terms>
+    </e5445ced404845ff8a2b3be9c8f7c65c>
+    <Topic xmlns="b73fb41d-4db5-49df-b889-ce373c40e3ec">Presentation</Topic>
+    <j851f0c75970476ca044f56c831142c9 xmlns="b73fb41d-4db5-49df-b889-ce373c40e3ec">
+      <Terms xmlns="http://schemas.microsoft.com/office/infopath/2007/PartnerControls">
+        <TermInfo xmlns="http://schemas.microsoft.com/office/infopath/2007/PartnerControls">
+          <TermName xmlns="http://schemas.microsoft.com/office/infopath/2007/PartnerControls">Editable Creative</TermName>
+          <TermId xmlns="http://schemas.microsoft.com/office/infopath/2007/PartnerControls">29fc3b9e-2d01-4eeb-9c55-b9ac82cf2c15</TermId>
+        </TermInfo>
+      </Terms>
+    </j851f0c75970476ca044f56c831142c9>
+    <h5d00e838cac4a36b66416c1ac0f08f4 xmlns="b73fb41d-4db5-49df-b889-ce373c40e3ec">
+      <Terms xmlns="http://schemas.microsoft.com/office/infopath/2007/PartnerControls"/>
+    </h5d00e838cac4a36b66416c1ac0f08f4>
+    <pde0b5a6bb7242599ac30d59622b742d xmlns="b73fb41d-4db5-49df-b889-ce373c40e3ec">
+      <Terms xmlns="http://schemas.microsoft.com/office/infopath/2007/PartnerControls">
+        <TermInfo xmlns="http://schemas.microsoft.com/office/infopath/2007/PartnerControls">
+          <TermName xmlns="http://schemas.microsoft.com/office/infopath/2007/PartnerControls">Administration</TermName>
+          <TermId xmlns="http://schemas.microsoft.com/office/infopath/2007/PartnerControls">15579f7e-1289-4124-875f-fbfdd1ce1e19</TermId>
+        </TermInfo>
+      </Terms>
+    </pde0b5a6bb7242599ac30d59622b742d>
+  </documentManagement>
+</p:properties>
 </file>
 
 <file path=customXml/itemProps1.xml><?xml version="1.0" encoding="utf-8"?>
+<ds:datastoreItem xmlns:ds="http://schemas.openxmlformats.org/officeDocument/2006/customXml" ds:itemID="{C04A9EA0-F30C-4FDA-9437-BDAB378662C2}">
+  <ds:schemaRefs>
+    <ds:schemaRef ds:uri="Microsoft.SharePoint.Taxonomy.ContentTypeSync"/>
+  </ds:schemaRefs>
+</ds:datastoreItem>
+</file>
+
+<file path=customXml/itemProps2.xml><?xml version="1.0" encoding="utf-8"?>
 <ds:datastoreItem xmlns:ds="http://schemas.openxmlformats.org/officeDocument/2006/customXml" ds:itemID="{75F25848-81A4-4056-9048-FD884C8DD719}">
   <ds:schemaRefs>
     <ds:schemaRef ds:uri="http://schemas.microsoft.com/sharepoint/events"/>
@@ -9339,24 +11967,10 @@
 </ds:datastoreItem>
 </file>
 
-<file path=customXml/itemProps2.xml><?xml version="1.0" encoding="utf-8"?>
-<ds:datastoreItem xmlns:ds="http://schemas.openxmlformats.org/officeDocument/2006/customXml" ds:itemID="{C04A9EA0-F30C-4FDA-9437-BDAB378662C2}">
+<file path=customXml/itemProps3.xml><?xml version="1.0" encoding="utf-8"?>
+<ds:datastoreItem xmlns:ds="http://schemas.openxmlformats.org/officeDocument/2006/customXml" ds:itemID="{E3070A85-BE5F-4ECE-B1F6-8D04067ED971}">
   <ds:schemaRefs>
-    <ds:schemaRef ds:uri="Microsoft.SharePoint.Taxonomy.ContentTypeSync"/>
-  </ds:schemaRefs>
-</ds:datastoreItem>
-</file>
-
-<file path=customXml/itemProps3.xml><?xml version="1.0" encoding="utf-8"?>
-<ds:datastoreItem xmlns:ds="http://schemas.openxmlformats.org/officeDocument/2006/customXml" ds:itemID="{9C876B4E-9239-4840-BF5E-B55D728E076B}">
-  <ds:schemaRefs>
-    <ds:schemaRef ds:uri="2bec4a9b-cc25-42db-811b-8c1541308260"/>
-    <ds:schemaRef ds:uri="9daf4fce-efdb-4f08-985f-94c0458ac4da"/>
-    <ds:schemaRef ds:uri="b73fb41d-4db5-49df-b889-ce373c40e3ec"/>
-    <ds:schemaRef ds:uri="http://schemas.microsoft.com/office/2006/metadata/properties"/>
-    <ds:schemaRef ds:uri="http://schemas.microsoft.com/office/infopath/2007/PartnerControls"/>
-    <ds:schemaRef ds:uri="http://schemas.microsoft.com/sharepoint/v3"/>
-    <ds:schemaRef ds:uri="http://schemas.microsoft.com/sharepoint/v4"/>
+    <ds:schemaRef ds:uri="http://schemas.microsoft.com/sharepoint/v3/contenttype/forms"/>
   </ds:schemaRefs>
 </ds:datastoreItem>
 </file>
@@ -9381,9 +11995,15 @@
 </file>
 
 <file path=customXml/itemProps5.xml><?xml version="1.0" encoding="utf-8"?>
-<ds:datastoreItem xmlns:ds="http://schemas.openxmlformats.org/officeDocument/2006/customXml" ds:itemID="{E3070A85-BE5F-4ECE-B1F6-8D04067ED971}">
+<ds:datastoreItem xmlns:ds="http://schemas.openxmlformats.org/officeDocument/2006/customXml" ds:itemID="{9C876B4E-9239-4840-BF5E-B55D728E076B}">
   <ds:schemaRefs>
-    <ds:schemaRef ds:uri="http://schemas.microsoft.com/sharepoint/v3/contenttype/forms"/>
+    <ds:schemaRef ds:uri="2bec4a9b-cc25-42db-811b-8c1541308260"/>
+    <ds:schemaRef ds:uri="9daf4fce-efdb-4f08-985f-94c0458ac4da"/>
+    <ds:schemaRef ds:uri="b73fb41d-4db5-49df-b889-ce373c40e3ec"/>
+    <ds:schemaRef ds:uri="http://schemas.microsoft.com/office/2006/metadata/properties"/>
+    <ds:schemaRef ds:uri="http://schemas.microsoft.com/office/infopath/2007/PartnerControls"/>
+    <ds:schemaRef ds:uri="http://schemas.microsoft.com/sharepoint/v3"/>
+    <ds:schemaRef ds:uri="http://schemas.microsoft.com/sharepoint/v4"/>
   </ds:schemaRefs>
 </ds:datastoreItem>
 </file>
--- a/www/RI_GUIDE.pptx
+++ b/www/RI_GUIDE.pptx
@@ -10954,6 +10954,671 @@
           </a:p>
         </p:txBody>
       </p:sp>
+      <p:cxnSp>
+        <p:nvCxnSpPr>
+          <p:cNvPr id="3" name="Straight Arrow Connector 2">
+            <a:extLst>
+              <a:ext uri="{FF2B5EF4-FFF2-40B4-BE49-F238E27FC236}">
+                <a16:creationId xmlns:a16="http://schemas.microsoft.com/office/drawing/2014/main" id="{7F946D40-4876-5633-9353-1FDDBAB80C15}"/>
+              </a:ext>
+            </a:extLst>
+          </p:cNvPr>
+          <p:cNvCxnSpPr>
+            <a:cxnSpLocks/>
+          </p:cNvCxnSpPr>
+          <p:nvPr/>
+        </p:nvCxnSpPr>
+        <p:spPr>
+          <a:xfrm flipH="1" flipV="1">
+            <a:off x="2120348" y="2304041"/>
+            <a:ext cx="1769165" cy="12736"/>
+          </a:xfrm>
+          <a:prstGeom prst="straightConnector1">
+            <a:avLst/>
+          </a:prstGeom>
+          <a:ln>
+            <a:tailEnd type="triangle"/>
+          </a:ln>
+        </p:spPr>
+        <p:style>
+          <a:lnRef idx="1">
+            <a:schemeClr val="dk1"/>
+          </a:lnRef>
+          <a:fillRef idx="0">
+            <a:schemeClr val="dk1"/>
+          </a:fillRef>
+          <a:effectRef idx="0">
+            <a:schemeClr val="dk1"/>
+          </a:effectRef>
+          <a:fontRef idx="minor">
+            <a:schemeClr val="tx1"/>
+          </a:fontRef>
+        </p:style>
+      </p:cxnSp>
+      <p:cxnSp>
+        <p:nvCxnSpPr>
+          <p:cNvPr id="11" name="Straight Arrow Connector 10">
+            <a:extLst>
+              <a:ext uri="{FF2B5EF4-FFF2-40B4-BE49-F238E27FC236}">
+                <a16:creationId xmlns:a16="http://schemas.microsoft.com/office/drawing/2014/main" id="{A1CFC0C8-79FC-B8B9-E215-7DB4DFAB1E90}"/>
+              </a:ext>
+            </a:extLst>
+          </p:cNvPr>
+          <p:cNvCxnSpPr>
+            <a:cxnSpLocks/>
+          </p:cNvCxnSpPr>
+          <p:nvPr/>
+        </p:nvCxnSpPr>
+        <p:spPr>
+          <a:xfrm flipH="1">
+            <a:off x="4174435" y="1013792"/>
+            <a:ext cx="596348" cy="0"/>
+          </a:xfrm>
+          <a:prstGeom prst="straightConnector1">
+            <a:avLst/>
+          </a:prstGeom>
+          <a:ln>
+            <a:tailEnd type="triangle"/>
+          </a:ln>
+        </p:spPr>
+        <p:style>
+          <a:lnRef idx="1">
+            <a:schemeClr val="dk1"/>
+          </a:lnRef>
+          <a:fillRef idx="0">
+            <a:schemeClr val="dk1"/>
+          </a:fillRef>
+          <a:effectRef idx="0">
+            <a:schemeClr val="dk1"/>
+          </a:effectRef>
+          <a:fontRef idx="minor">
+            <a:schemeClr val="tx1"/>
+          </a:fontRef>
+        </p:style>
+      </p:cxnSp>
+      <p:cxnSp>
+        <p:nvCxnSpPr>
+          <p:cNvPr id="13" name="Straight Arrow Connector 12">
+            <a:extLst>
+              <a:ext uri="{FF2B5EF4-FFF2-40B4-BE49-F238E27FC236}">
+                <a16:creationId xmlns:a16="http://schemas.microsoft.com/office/drawing/2014/main" id="{95E59FFD-7EE8-D193-7B5B-61E31BD55009}"/>
+              </a:ext>
+            </a:extLst>
+          </p:cNvPr>
+          <p:cNvCxnSpPr>
+            <a:cxnSpLocks/>
+          </p:cNvCxnSpPr>
+          <p:nvPr/>
+        </p:nvCxnSpPr>
+        <p:spPr>
+          <a:xfrm flipH="1" flipV="1">
+            <a:off x="3054626" y="1106557"/>
+            <a:ext cx="602974" cy="188384"/>
+          </a:xfrm>
+          <a:prstGeom prst="straightConnector1">
+            <a:avLst/>
+          </a:prstGeom>
+          <a:ln>
+            <a:tailEnd type="triangle"/>
+          </a:ln>
+        </p:spPr>
+        <p:style>
+          <a:lnRef idx="1">
+            <a:schemeClr val="dk1"/>
+          </a:lnRef>
+          <a:fillRef idx="0">
+            <a:schemeClr val="dk1"/>
+          </a:fillRef>
+          <a:effectRef idx="0">
+            <a:schemeClr val="dk1"/>
+          </a:effectRef>
+          <a:fontRef idx="minor">
+            <a:schemeClr val="tx1"/>
+          </a:fontRef>
+        </p:style>
+      </p:cxnSp>
+      <p:cxnSp>
+        <p:nvCxnSpPr>
+          <p:cNvPr id="17" name="Straight Arrow Connector 16">
+            <a:extLst>
+              <a:ext uri="{FF2B5EF4-FFF2-40B4-BE49-F238E27FC236}">
+                <a16:creationId xmlns:a16="http://schemas.microsoft.com/office/drawing/2014/main" id="{B8D458DA-8D1D-E3AF-CBC3-1B948A7719D1}"/>
+              </a:ext>
+            </a:extLst>
+          </p:cNvPr>
+          <p:cNvCxnSpPr>
+            <a:cxnSpLocks/>
+          </p:cNvCxnSpPr>
+          <p:nvPr/>
+        </p:nvCxnSpPr>
+        <p:spPr>
+          <a:xfrm>
+            <a:off x="7116417" y="1818402"/>
+            <a:ext cx="616226" cy="6627"/>
+          </a:xfrm>
+          <a:prstGeom prst="straightConnector1">
+            <a:avLst/>
+          </a:prstGeom>
+          <a:ln>
+            <a:tailEnd type="triangle"/>
+          </a:ln>
+        </p:spPr>
+        <p:style>
+          <a:lnRef idx="1">
+            <a:schemeClr val="dk1"/>
+          </a:lnRef>
+          <a:fillRef idx="0">
+            <a:schemeClr val="dk1"/>
+          </a:fillRef>
+          <a:effectRef idx="0">
+            <a:schemeClr val="dk1"/>
+          </a:effectRef>
+          <a:fontRef idx="minor">
+            <a:schemeClr val="tx1"/>
+          </a:fontRef>
+        </p:style>
+      </p:cxnSp>
+      <p:cxnSp>
+        <p:nvCxnSpPr>
+          <p:cNvPr id="19" name="Straight Arrow Connector 18">
+            <a:extLst>
+              <a:ext uri="{FF2B5EF4-FFF2-40B4-BE49-F238E27FC236}">
+                <a16:creationId xmlns:a16="http://schemas.microsoft.com/office/drawing/2014/main" id="{FEDFE380-AFB5-EAEE-B6D7-6997B16D2651}"/>
+              </a:ext>
+            </a:extLst>
+          </p:cNvPr>
+          <p:cNvCxnSpPr>
+            <a:cxnSpLocks/>
+          </p:cNvCxnSpPr>
+          <p:nvPr/>
+        </p:nvCxnSpPr>
+        <p:spPr>
+          <a:xfrm>
+            <a:off x="6614491" y="3933682"/>
+            <a:ext cx="0" cy="475578"/>
+          </a:xfrm>
+          <a:prstGeom prst="straightConnector1">
+            <a:avLst/>
+          </a:prstGeom>
+          <a:ln>
+            <a:tailEnd type="triangle"/>
+          </a:ln>
+        </p:spPr>
+        <p:style>
+          <a:lnRef idx="1">
+            <a:schemeClr val="dk1"/>
+          </a:lnRef>
+          <a:fillRef idx="0">
+            <a:schemeClr val="dk1"/>
+          </a:fillRef>
+          <a:effectRef idx="0">
+            <a:schemeClr val="dk1"/>
+          </a:effectRef>
+          <a:fontRef idx="minor">
+            <a:schemeClr val="tx1"/>
+          </a:fontRef>
+        </p:style>
+      </p:cxnSp>
+      <p:cxnSp>
+        <p:nvCxnSpPr>
+          <p:cNvPr id="22" name="Straight Arrow Connector 21">
+            <a:extLst>
+              <a:ext uri="{FF2B5EF4-FFF2-40B4-BE49-F238E27FC236}">
+                <a16:creationId xmlns:a16="http://schemas.microsoft.com/office/drawing/2014/main" id="{31BFAB9D-D798-4A6B-F625-F34A3D3C1EBE}"/>
+              </a:ext>
+            </a:extLst>
+          </p:cNvPr>
+          <p:cNvCxnSpPr>
+            <a:cxnSpLocks/>
+            <a:stCxn id="39" idx="2"/>
+          </p:cNvCxnSpPr>
+          <p:nvPr/>
+        </p:nvCxnSpPr>
+        <p:spPr>
+          <a:xfrm flipH="1">
+            <a:off x="2759764" y="3675361"/>
+            <a:ext cx="1675576" cy="756123"/>
+          </a:xfrm>
+          <a:prstGeom prst="straightConnector1">
+            <a:avLst/>
+          </a:prstGeom>
+          <a:ln>
+            <a:tailEnd type="triangle"/>
+          </a:ln>
+        </p:spPr>
+        <p:style>
+          <a:lnRef idx="1">
+            <a:schemeClr val="dk1"/>
+          </a:lnRef>
+          <a:fillRef idx="0">
+            <a:schemeClr val="dk1"/>
+          </a:fillRef>
+          <a:effectRef idx="0">
+            <a:schemeClr val="dk1"/>
+          </a:effectRef>
+          <a:fontRef idx="minor">
+            <a:schemeClr val="tx1"/>
+          </a:fontRef>
+        </p:style>
+      </p:cxnSp>
+      <p:cxnSp>
+        <p:nvCxnSpPr>
+          <p:cNvPr id="26" name="Straight Arrow Connector 25">
+            <a:extLst>
+              <a:ext uri="{FF2B5EF4-FFF2-40B4-BE49-F238E27FC236}">
+                <a16:creationId xmlns:a16="http://schemas.microsoft.com/office/drawing/2014/main" id="{F06230CA-8963-C6DB-8F4D-43874DE0A409}"/>
+              </a:ext>
+            </a:extLst>
+          </p:cNvPr>
+          <p:cNvCxnSpPr>
+            <a:cxnSpLocks/>
+          </p:cNvCxnSpPr>
+          <p:nvPr/>
+        </p:nvCxnSpPr>
+        <p:spPr>
+          <a:xfrm flipH="1">
+            <a:off x="1371600" y="3273055"/>
+            <a:ext cx="2232991" cy="1454189"/>
+          </a:xfrm>
+          <a:prstGeom prst="straightConnector1">
+            <a:avLst/>
+          </a:prstGeom>
+          <a:ln>
+            <a:tailEnd type="triangle"/>
+          </a:ln>
+        </p:spPr>
+        <p:style>
+          <a:lnRef idx="1">
+            <a:schemeClr val="dk1"/>
+          </a:lnRef>
+          <a:fillRef idx="0">
+            <a:schemeClr val="dk1"/>
+          </a:fillRef>
+          <a:effectRef idx="0">
+            <a:schemeClr val="dk1"/>
+          </a:effectRef>
+          <a:fontRef idx="minor">
+            <a:schemeClr val="tx1"/>
+          </a:fontRef>
+        </p:style>
+      </p:cxnSp>
+      <p:cxnSp>
+        <p:nvCxnSpPr>
+          <p:cNvPr id="31" name="Straight Arrow Connector 30">
+            <a:extLst>
+              <a:ext uri="{FF2B5EF4-FFF2-40B4-BE49-F238E27FC236}">
+                <a16:creationId xmlns:a16="http://schemas.microsoft.com/office/drawing/2014/main" id="{C0844D0F-A902-575B-B544-2CB0BB3BA794}"/>
+              </a:ext>
+            </a:extLst>
+          </p:cNvPr>
+          <p:cNvCxnSpPr>
+            <a:cxnSpLocks/>
+          </p:cNvCxnSpPr>
+          <p:nvPr/>
+        </p:nvCxnSpPr>
+        <p:spPr>
+          <a:xfrm flipH="1">
+            <a:off x="3004930" y="3181516"/>
+            <a:ext cx="3364395" cy="1511832"/>
+          </a:xfrm>
+          <a:prstGeom prst="straightConnector1">
+            <a:avLst/>
+          </a:prstGeom>
+          <a:ln>
+            <a:tailEnd type="triangle"/>
+          </a:ln>
+        </p:spPr>
+        <p:style>
+          <a:lnRef idx="1">
+            <a:schemeClr val="dk1"/>
+          </a:lnRef>
+          <a:fillRef idx="0">
+            <a:schemeClr val="dk1"/>
+          </a:fillRef>
+          <a:effectRef idx="0">
+            <a:schemeClr val="dk1"/>
+          </a:effectRef>
+          <a:fontRef idx="minor">
+            <a:schemeClr val="tx1"/>
+          </a:fontRef>
+        </p:style>
+      </p:cxnSp>
+      <p:sp>
+        <p:nvSpPr>
+          <p:cNvPr id="33" name="TextBox 32">
+            <a:extLst>
+              <a:ext uri="{FF2B5EF4-FFF2-40B4-BE49-F238E27FC236}">
+                <a16:creationId xmlns:a16="http://schemas.microsoft.com/office/drawing/2014/main" id="{1415128F-7085-7A72-7DFA-9385C38E5F8D}"/>
+              </a:ext>
+            </a:extLst>
+          </p:cNvPr>
+          <p:cNvSpPr txBox="1"/>
+          <p:nvPr/>
+        </p:nvSpPr>
+        <p:spPr>
+          <a:xfrm>
+            <a:off x="4770783" y="894831"/>
+            <a:ext cx="2888974" cy="246221"/>
+          </a:xfrm>
+          <a:prstGeom prst="rect">
+            <a:avLst/>
+          </a:prstGeom>
+          <a:noFill/>
+          <a:ln>
+            <a:solidFill>
+              <a:schemeClr val="tx1"/>
+            </a:solidFill>
+          </a:ln>
+        </p:spPr>
+        <p:txBody>
+          <a:bodyPr wrap="square" rtlCol="0">
+            <a:spAutoFit/>
+          </a:bodyPr>
+          <a:lstStyle/>
+          <a:p>
+            <a:r>
+              <a:rPr lang="en-US" sz="1000" dirty="0"/>
+              <a:t>Download updated RI raster (.</a:t>
+            </a:r>
+            <a:r>
+              <a:rPr lang="en-US" sz="1000" dirty="0" err="1"/>
+              <a:t>tif</a:t>
+            </a:r>
+            <a:r>
+              <a:rPr lang="en-US" sz="1000" dirty="0"/>
+              <a:t>) and weights (.xlsx)</a:t>
+            </a:r>
+            <a:endParaRPr lang="en-CA" sz="1000" dirty="0"/>
+          </a:p>
+        </p:txBody>
+      </p:sp>
+      <p:sp>
+        <p:nvSpPr>
+          <p:cNvPr id="34" name="TextBox 33">
+            <a:extLst>
+              <a:ext uri="{FF2B5EF4-FFF2-40B4-BE49-F238E27FC236}">
+                <a16:creationId xmlns:a16="http://schemas.microsoft.com/office/drawing/2014/main" id="{1E4E0254-65E9-4CC0-9EFE-8CFFFE27683C}"/>
+              </a:ext>
+            </a:extLst>
+          </p:cNvPr>
+          <p:cNvSpPr txBox="1"/>
+          <p:nvPr/>
+        </p:nvSpPr>
+        <p:spPr>
+          <a:xfrm>
+            <a:off x="6334127" y="1701918"/>
+            <a:ext cx="782290" cy="246221"/>
+          </a:xfrm>
+          <a:prstGeom prst="rect">
+            <a:avLst/>
+          </a:prstGeom>
+          <a:noFill/>
+          <a:ln>
+            <a:solidFill>
+              <a:schemeClr val="tx1"/>
+            </a:solidFill>
+          </a:ln>
+        </p:spPr>
+        <p:txBody>
+          <a:bodyPr wrap="square" rtlCol="0">
+            <a:spAutoFit/>
+          </a:bodyPr>
+          <a:lstStyle/>
+          <a:p>
+            <a:r>
+              <a:rPr lang="en-US" sz="1000" dirty="0"/>
+              <a:t>View layers</a:t>
+            </a:r>
+            <a:endParaRPr lang="en-CA" sz="1000" dirty="0"/>
+          </a:p>
+        </p:txBody>
+      </p:sp>
+      <p:sp>
+        <p:nvSpPr>
+          <p:cNvPr id="35" name="TextBox 34">
+            <a:extLst>
+              <a:ext uri="{FF2B5EF4-FFF2-40B4-BE49-F238E27FC236}">
+                <a16:creationId xmlns:a16="http://schemas.microsoft.com/office/drawing/2014/main" id="{F1756EB0-DFDE-45B3-547E-9D7F7968A984}"/>
+              </a:ext>
+            </a:extLst>
+          </p:cNvPr>
+          <p:cNvSpPr txBox="1"/>
+          <p:nvPr/>
+        </p:nvSpPr>
+        <p:spPr>
+          <a:xfrm>
+            <a:off x="3889513" y="2193667"/>
+            <a:ext cx="1000540" cy="246221"/>
+          </a:xfrm>
+          <a:prstGeom prst="rect">
+            <a:avLst/>
+          </a:prstGeom>
+          <a:noFill/>
+          <a:ln>
+            <a:solidFill>
+              <a:schemeClr val="tx1"/>
+            </a:solidFill>
+          </a:ln>
+        </p:spPr>
+        <p:txBody>
+          <a:bodyPr wrap="square" rtlCol="0">
+            <a:spAutoFit/>
+          </a:bodyPr>
+          <a:lstStyle/>
+          <a:p>
+            <a:r>
+              <a:rPr lang="en-US" sz="1000" dirty="0"/>
+              <a:t>Update weights</a:t>
+            </a:r>
+            <a:endParaRPr lang="en-CA" sz="1000" dirty="0"/>
+          </a:p>
+        </p:txBody>
+      </p:sp>
+      <p:sp>
+        <p:nvSpPr>
+          <p:cNvPr id="38" name="TextBox 37">
+            <a:extLst>
+              <a:ext uri="{FF2B5EF4-FFF2-40B4-BE49-F238E27FC236}">
+                <a16:creationId xmlns:a16="http://schemas.microsoft.com/office/drawing/2014/main" id="{F47D3899-CBFC-512B-2C4D-461D339A121A}"/>
+              </a:ext>
+            </a:extLst>
+          </p:cNvPr>
+          <p:cNvSpPr txBox="1"/>
+          <p:nvPr/>
+        </p:nvSpPr>
+        <p:spPr>
+          <a:xfrm>
+            <a:off x="3654287" y="1246140"/>
+            <a:ext cx="1116496" cy="246221"/>
+          </a:xfrm>
+          <a:prstGeom prst="rect">
+            <a:avLst/>
+          </a:prstGeom>
+          <a:noFill/>
+          <a:ln>
+            <a:solidFill>
+              <a:schemeClr val="tx1"/>
+            </a:solidFill>
+          </a:ln>
+        </p:spPr>
+        <p:txBody>
+          <a:bodyPr wrap="square" rtlCol="0">
+            <a:spAutoFit/>
+          </a:bodyPr>
+          <a:lstStyle/>
+          <a:p>
+            <a:r>
+              <a:rPr lang="en-US" sz="1000" dirty="0"/>
+              <a:t>View PowerPoint</a:t>
+            </a:r>
+            <a:endParaRPr lang="en-CA" sz="1000" dirty="0"/>
+          </a:p>
+        </p:txBody>
+      </p:sp>
+      <p:sp>
+        <p:nvSpPr>
+          <p:cNvPr id="39" name="TextBox 38">
+            <a:extLst>
+              <a:ext uri="{FF2B5EF4-FFF2-40B4-BE49-F238E27FC236}">
+                <a16:creationId xmlns:a16="http://schemas.microsoft.com/office/drawing/2014/main" id="{482025D1-25EB-F4EC-D28C-1322055D9B02}"/>
+              </a:ext>
+            </a:extLst>
+          </p:cNvPr>
+          <p:cNvSpPr txBox="1"/>
+          <p:nvPr/>
+        </p:nvSpPr>
+        <p:spPr>
+          <a:xfrm>
+            <a:off x="3797579" y="3429140"/>
+            <a:ext cx="1275522" cy="246221"/>
+          </a:xfrm>
+          <a:prstGeom prst="rect">
+            <a:avLst/>
+          </a:prstGeom>
+          <a:noFill/>
+          <a:ln>
+            <a:solidFill>
+              <a:schemeClr val="tx1"/>
+            </a:solidFill>
+          </a:ln>
+        </p:spPr>
+        <p:txBody>
+          <a:bodyPr wrap="square" rtlCol="0">
+            <a:spAutoFit/>
+          </a:bodyPr>
+          <a:lstStyle/>
+          <a:p>
+            <a:r>
+              <a:rPr lang="en-US" sz="1000" dirty="0"/>
+              <a:t>Tally of total weights</a:t>
+            </a:r>
+            <a:endParaRPr lang="en-CA" sz="1000" dirty="0"/>
+          </a:p>
+        </p:txBody>
+      </p:sp>
+      <p:sp>
+        <p:nvSpPr>
+          <p:cNvPr id="41" name="TextBox 40">
+            <a:extLst>
+              <a:ext uri="{FF2B5EF4-FFF2-40B4-BE49-F238E27FC236}">
+                <a16:creationId xmlns:a16="http://schemas.microsoft.com/office/drawing/2014/main" id="{A0A94220-16BB-4636-DAFB-15C118883A0A}"/>
+              </a:ext>
+            </a:extLst>
+          </p:cNvPr>
+          <p:cNvSpPr txBox="1"/>
+          <p:nvPr/>
+        </p:nvSpPr>
+        <p:spPr>
+          <a:xfrm>
+            <a:off x="6212369" y="3647752"/>
+            <a:ext cx="804244" cy="246221"/>
+          </a:xfrm>
+          <a:prstGeom prst="rect">
+            <a:avLst/>
+          </a:prstGeom>
+          <a:noFill/>
+          <a:ln>
+            <a:solidFill>
+              <a:schemeClr val="tx1"/>
+            </a:solidFill>
+          </a:ln>
+        </p:spPr>
+        <p:txBody>
+          <a:bodyPr wrap="square" rtlCol="0">
+            <a:spAutoFit/>
+          </a:bodyPr>
+          <a:lstStyle/>
+          <a:p>
+            <a:r>
+              <a:rPr lang="en-US" sz="1000" dirty="0"/>
+              <a:t>RI Equation</a:t>
+            </a:r>
+            <a:endParaRPr lang="en-CA" sz="1000" dirty="0"/>
+          </a:p>
+        </p:txBody>
+      </p:sp>
+      <p:sp>
+        <p:nvSpPr>
+          <p:cNvPr id="42" name="TextBox 41">
+            <a:extLst>
+              <a:ext uri="{FF2B5EF4-FFF2-40B4-BE49-F238E27FC236}">
+                <a16:creationId xmlns:a16="http://schemas.microsoft.com/office/drawing/2014/main" id="{EFC92FBE-09BB-1C6C-590E-7044A686F432}"/>
+              </a:ext>
+            </a:extLst>
+          </p:cNvPr>
+          <p:cNvSpPr txBox="1"/>
+          <p:nvPr/>
+        </p:nvSpPr>
+        <p:spPr>
+          <a:xfrm>
+            <a:off x="3459644" y="2872945"/>
+            <a:ext cx="1403490" cy="400110"/>
+          </a:xfrm>
+          <a:prstGeom prst="rect">
+            <a:avLst/>
+          </a:prstGeom>
+          <a:noFill/>
+          <a:ln>
+            <a:solidFill>
+              <a:schemeClr val="tx1"/>
+            </a:solidFill>
+          </a:ln>
+        </p:spPr>
+        <p:txBody>
+          <a:bodyPr wrap="square" rtlCol="0">
+            <a:spAutoFit/>
+          </a:bodyPr>
+          <a:lstStyle/>
+          <a:p>
+            <a:r>
+              <a:rPr lang="en-US" sz="1000" dirty="0"/>
+              <a:t>Reset weights to CP&amp;P Recommendation</a:t>
+            </a:r>
+            <a:endParaRPr lang="en-CA" sz="1000" dirty="0"/>
+          </a:p>
+        </p:txBody>
+      </p:sp>
+      <p:sp>
+        <p:nvSpPr>
+          <p:cNvPr id="45" name="TextBox 44">
+            <a:extLst>
+              <a:ext uri="{FF2B5EF4-FFF2-40B4-BE49-F238E27FC236}">
+                <a16:creationId xmlns:a16="http://schemas.microsoft.com/office/drawing/2014/main" id="{2E464E93-20BA-7220-D686-C87339E83F98}"/>
+              </a:ext>
+            </a:extLst>
+          </p:cNvPr>
+          <p:cNvSpPr txBox="1"/>
+          <p:nvPr/>
+        </p:nvSpPr>
+        <p:spPr>
+          <a:xfrm>
+            <a:off x="5831574" y="2937555"/>
+            <a:ext cx="1290846" cy="246221"/>
+          </a:xfrm>
+          <a:prstGeom prst="rect">
+            <a:avLst/>
+          </a:prstGeom>
+          <a:noFill/>
+          <a:ln>
+            <a:solidFill>
+              <a:schemeClr val="tx1"/>
+            </a:solidFill>
+          </a:ln>
+        </p:spPr>
+        <p:txBody>
+          <a:bodyPr wrap="square" rtlCol="0">
+            <a:spAutoFit/>
+          </a:bodyPr>
+          <a:lstStyle/>
+          <a:p>
+            <a:r>
+              <a:rPr lang="en-US" sz="1000" dirty="0"/>
+              <a:t>Update RI on map</a:t>
+            </a:r>
+            <a:endParaRPr lang="en-CA" sz="1000" dirty="0"/>
+          </a:p>
+        </p:txBody>
+      </p:sp>
     </p:spTree>
     <p:extLst>
       <p:ext uri="{BB962C8B-B14F-4D97-AF65-F5344CB8AC3E}">
@@ -11997,13 +12662,16 @@
 <file path=customXml/itemProps5.xml><?xml version="1.0" encoding="utf-8"?>
 <ds:datastoreItem xmlns:ds="http://schemas.openxmlformats.org/officeDocument/2006/customXml" ds:itemID="{9C876B4E-9239-4840-BF5E-B55D728E076B}">
   <ds:schemaRefs>
-    <ds:schemaRef ds:uri="2bec4a9b-cc25-42db-811b-8c1541308260"/>
+    <ds:schemaRef ds:uri="http://purl.org/dc/elements/1.1/"/>
+    <ds:schemaRef ds:uri="http://schemas.openxmlformats.org/package/2006/metadata/core-properties"/>
+    <ds:schemaRef ds:uri="http://www.w3.org/XML/1998/namespace"/>
+    <ds:schemaRef ds:uri="http://schemas.microsoft.com/office/2006/documentManagement/types"/>
+    <ds:schemaRef ds:uri="http://purl.org/dc/dcmitype/"/>
+    <ds:schemaRef ds:uri="http://schemas.microsoft.com/office/infopath/2007/PartnerControls"/>
+    <ds:schemaRef ds:uri="b73fb41d-4db5-49df-b889-ce373c40e3ec"/>
     <ds:schemaRef ds:uri="9daf4fce-efdb-4f08-985f-94c0458ac4da"/>
-    <ds:schemaRef ds:uri="b73fb41d-4db5-49df-b889-ce373c40e3ec"/>
     <ds:schemaRef ds:uri="http://schemas.microsoft.com/office/2006/metadata/properties"/>
-    <ds:schemaRef ds:uri="http://schemas.microsoft.com/office/infopath/2007/PartnerControls"/>
-    <ds:schemaRef ds:uri="http://schemas.microsoft.com/sharepoint/v3"/>
-    <ds:schemaRef ds:uri="http://schemas.microsoft.com/sharepoint/v4"/>
+    <ds:schemaRef ds:uri="http://purl.org/dc/terms/"/>
   </ds:schemaRefs>
 </ds:datastoreItem>
 </file>
--- a/www/RI_GUIDE.pptx
+++ b/www/RI_GUIDE.pptx
@@ -4711,7 +4711,7 @@
         </p:spPr>
         <p:txBody>
           <a:bodyPr>
-            <a:normAutofit lnSpcReduction="10000"/>
+            <a:normAutofit fontScale="92500" lnSpcReduction="20000"/>
           </a:bodyPr>
           <a:lstStyle/>
           <a:p>
@@ -4744,7 +4744,15 @@
             </a:pPr>
             <a:r>
               <a:rPr lang="en-US" sz="1600" dirty="0"/>
-              <a:t>Capture National Conservation data into a single metric</a:t>
+              <a:t>Capture National Conservation data into a </a:t>
+            </a:r>
+            <a:r>
+              <a:rPr lang="en-US" sz="1600" b="1" dirty="0"/>
+              <a:t>single</a:t>
+            </a:r>
+            <a:r>
+              <a:rPr lang="en-US" sz="1600" dirty="0"/>
+              <a:t> metric</a:t>
             </a:r>
           </a:p>
           <a:p>
@@ -4802,15 +4810,15 @@
             </a:pPr>
             <a:r>
               <a:rPr lang="en-US" dirty="0"/>
-              <a:t>RI provides a “</a:t>
+              <a:t>RI provides a “catch-all” </a:t>
             </a:r>
             <a:r>
               <a:rPr lang="en-US" b="1" dirty="0"/>
-              <a:t>catch-all</a:t>
+              <a:t>Landscape Level </a:t>
             </a:r>
             <a:r>
               <a:rPr lang="en-US" dirty="0"/>
-              <a:t>” metric that aids in comparing the relationship between location and conservation impact.</a:t>
+              <a:t>metric that aids in comparing the relationship between location and conservation impact.</a:t>
             </a:r>
             <a:endParaRPr lang="en-CA" dirty="0"/>
           </a:p>
@@ -8521,8 +8529,8 @@
         </p:nvSpPr>
         <p:spPr>
           <a:xfrm>
-            <a:off x="5129962" y="2444512"/>
-            <a:ext cx="3285997" cy="1415772"/>
+            <a:off x="4985716" y="2073450"/>
+            <a:ext cx="3439768" cy="2246769"/>
           </a:xfrm>
           <a:prstGeom prst="rect">
             <a:avLst/>
@@ -8537,29 +8545,74 @@
           <a:p>
             <a:r>
               <a:rPr lang="en-US" sz="1800" dirty="0"/>
+              <a:t>Ranks are rationalized using the </a:t>
+            </a:r>
+          </a:p>
+          <a:p>
+            <a:r>
+              <a:rPr lang="en-US" sz="2000" b="1" dirty="0"/>
+              <a:t>C</a:t>
+            </a:r>
+            <a:r>
+              <a:rPr lang="en-US" sz="1800" dirty="0"/>
+              <a:t>onnectivity. </a:t>
+            </a:r>
+            <a:r>
+              <a:rPr lang="en-US" sz="2000" b="1" dirty="0"/>
+              <a:t>A</a:t>
+            </a:r>
+            <a:r>
+              <a:rPr lang="en-US" sz="1800" dirty="0"/>
+              <a:t>dequacy. </a:t>
+            </a:r>
+            <a:r>
+              <a:rPr lang="en-US" sz="2000" b="1" dirty="0"/>
+              <a:t>R</a:t>
+            </a:r>
+            <a:r>
+              <a:rPr lang="en-US" sz="1800" dirty="0"/>
+              <a:t>epresentativeness. </a:t>
+            </a:r>
+            <a:r>
+              <a:rPr lang="en-US" sz="2000" b="1" dirty="0"/>
+              <a:t>E</a:t>
+            </a:r>
+            <a:r>
+              <a:rPr lang="en-US" sz="1800" dirty="0"/>
+              <a:t>fficiency principle.</a:t>
+            </a:r>
+            <a:endParaRPr lang="en-CA" sz="1800" dirty="0"/>
+          </a:p>
+          <a:p>
+            <a:endParaRPr lang="en-US" sz="1600" b="1" dirty="0"/>
+          </a:p>
+          <a:p>
+            <a:pPr marL="285750" indent="-285750">
+              <a:buFont typeface="Arial" panose="020B0604020202020204" pitchFamily="34" charset="0"/>
+              <a:buChar char="•"/>
+            </a:pPr>
+            <a:r>
+              <a:rPr lang="en-US" sz="1600" dirty="0"/>
               <a:t>Positive weights tally up to </a:t>
             </a:r>
             <a:r>
-              <a:rPr lang="en-US" sz="1800" b="1" dirty="0"/>
+              <a:rPr lang="en-US" sz="1600" b="1" dirty="0"/>
               <a:t>100</a:t>
             </a:r>
           </a:p>
           <a:p>
-            <a:endParaRPr lang="en-US" sz="1800" b="1" dirty="0"/>
-          </a:p>
-          <a:p>
-            <a:r>
-              <a:rPr lang="en-US" sz="1800" dirty="0"/>
+            <a:pPr marL="285750" indent="-285750">
+              <a:buFont typeface="Arial" panose="020B0604020202020204" pitchFamily="34" charset="0"/>
+              <a:buChar char="•"/>
+            </a:pPr>
+            <a:r>
+              <a:rPr lang="en-US" sz="1600" dirty="0"/>
               <a:t>Negative weights tally up to </a:t>
             </a:r>
             <a:r>
-              <a:rPr lang="en-US" sz="1800" b="1" dirty="0"/>
+              <a:rPr lang="en-US" sz="1600" b="1" dirty="0"/>
               <a:t>-50</a:t>
             </a:r>
-            <a:endParaRPr lang="en-CA" sz="1800" b="1" dirty="0"/>
-          </a:p>
-          <a:p>
-            <a:endParaRPr lang="en-US" sz="1600" b="1" dirty="0"/>
           </a:p>
           <a:p>
             <a:endParaRPr lang="en-CA" sz="1600" b="1" dirty="0"/>
@@ -9815,8 +9868,20 @@
               <a:buNone/>
             </a:pPr>
             <a:r>
+              <a:rPr lang="en-US" sz="1800" b="1" dirty="0"/>
+              <a:t>CP&amp;P </a:t>
+            </a:r>
+            <a:r>
               <a:rPr lang="en-US" sz="1800" dirty="0"/>
-              <a:t>CP&amp;P has provided an RI recommendation for review.  </a:t>
+              <a:t>has provided an RI </a:t>
+            </a:r>
+            <a:r>
+              <a:rPr lang="en-US" sz="1800" b="1" dirty="0"/>
+              <a:t>recommendation </a:t>
+            </a:r>
+            <a:r>
+              <a:rPr lang="en-US" sz="1800" dirty="0"/>
+              <a:t>for review.  </a:t>
             </a:r>
           </a:p>
           <a:p>

--- a/www/RI_GUIDE.pptx
+++ b/www/RI_GUIDE.pptx
@@ -215,7 +215,7 @@
           <a:p>
             <a:fld id="{6DF04430-EB95-4461-BE68-2466FDCE3B9D}" type="datetimeFigureOut">
               <a:rPr lang="en-CA" smtClean="0"/>
-              <a:t>2023-08-14</a:t>
+              <a:t>2023-08-15</a:t>
             </a:fld>
             <a:endParaRPr lang="en-CA"/>
           </a:p>
@@ -1571,7 +1571,7 @@
           <a:p>
             <a:fld id="{6F75FF30-D88A-4C26-A396-735F208F6573}" type="datetimeFigureOut">
               <a:rPr lang="en-US" smtClean="0"/>
-              <a:t>8/14/2023</a:t>
+              <a:t>8/15/2023</a:t>
             </a:fld>
             <a:endParaRPr lang="en-US"/>
           </a:p>
@@ -1771,7 +1771,7 @@
           <a:p>
             <a:fld id="{6F75FF30-D88A-4C26-A396-735F208F6573}" type="datetimeFigureOut">
               <a:rPr lang="en-US" smtClean="0"/>
-              <a:t>8/14/2023</a:t>
+              <a:t>8/15/2023</a:t>
             </a:fld>
             <a:endParaRPr lang="en-US"/>
           </a:p>
@@ -1981,7 +1981,7 @@
           <a:p>
             <a:fld id="{6F75FF30-D88A-4C26-A396-735F208F6573}" type="datetimeFigureOut">
               <a:rPr lang="en-US" smtClean="0"/>
-              <a:t>8/14/2023</a:t>
+              <a:t>8/15/2023</a:t>
             </a:fld>
             <a:endParaRPr lang="en-US"/>
           </a:p>
@@ -2122,7 +2122,7 @@
           <a:p>
             <a:fld id="{6F75FF30-D88A-4C26-A396-735F208F6573}" type="datetimeFigureOut">
               <a:rPr lang="en-US" smtClean="0"/>
-              <a:t>8/14/2023</a:t>
+              <a:t>8/15/2023</a:t>
             </a:fld>
             <a:endParaRPr lang="en-US"/>
           </a:p>
@@ -2322,7 +2322,7 @@
           <a:p>
             <a:fld id="{6F75FF30-D88A-4C26-A396-735F208F6573}" type="datetimeFigureOut">
               <a:rPr lang="en-US" smtClean="0"/>
-              <a:t>8/14/2023</a:t>
+              <a:t>8/15/2023</a:t>
             </a:fld>
             <a:endParaRPr lang="en-US"/>
           </a:p>
@@ -2604,7 +2604,7 @@
           <a:p>
             <a:fld id="{6F75FF30-D88A-4C26-A396-735F208F6573}" type="datetimeFigureOut">
               <a:rPr lang="en-US" smtClean="0"/>
-              <a:t>8/14/2023</a:t>
+              <a:t>8/15/2023</a:t>
             </a:fld>
             <a:endParaRPr lang="en-US"/>
           </a:p>
@@ -2872,7 +2872,7 @@
           <a:p>
             <a:fld id="{6F75FF30-D88A-4C26-A396-735F208F6573}" type="datetimeFigureOut">
               <a:rPr lang="en-US" smtClean="0"/>
-              <a:t>8/14/2023</a:t>
+              <a:t>8/15/2023</a:t>
             </a:fld>
             <a:endParaRPr lang="en-US"/>
           </a:p>
@@ -3287,7 +3287,7 @@
           <a:p>
             <a:fld id="{6F75FF30-D88A-4C26-A396-735F208F6573}" type="datetimeFigureOut">
               <a:rPr lang="en-US" smtClean="0"/>
-              <a:t>8/14/2023</a:t>
+              <a:t>8/15/2023</a:t>
             </a:fld>
             <a:endParaRPr lang="en-US"/>
           </a:p>
@@ -3429,7 +3429,7 @@
           <a:p>
             <a:fld id="{6F75FF30-D88A-4C26-A396-735F208F6573}" type="datetimeFigureOut">
               <a:rPr lang="en-US" smtClean="0"/>
-              <a:t>8/14/2023</a:t>
+              <a:t>8/15/2023</a:t>
             </a:fld>
             <a:endParaRPr lang="en-US"/>
           </a:p>
@@ -3542,7 +3542,7 @@
           <a:p>
             <a:fld id="{6F75FF30-D88A-4C26-A396-735F208F6573}" type="datetimeFigureOut">
               <a:rPr lang="en-US" smtClean="0"/>
-              <a:t>8/14/2023</a:t>
+              <a:t>8/15/2023</a:t>
             </a:fld>
             <a:endParaRPr lang="en-US"/>
           </a:p>
@@ -3855,7 +3855,7 @@
           <a:p>
             <a:fld id="{6F75FF30-D88A-4C26-A396-735F208F6573}" type="datetimeFigureOut">
               <a:rPr lang="en-US" smtClean="0"/>
-              <a:t>8/14/2023</a:t>
+              <a:t>8/15/2023</a:t>
             </a:fld>
             <a:endParaRPr lang="en-US"/>
           </a:p>
@@ -4134,7 +4134,7 @@
           <a:p>
             <a:fld id="{6F75FF30-D88A-4C26-A396-735F208F6573}" type="datetimeFigureOut">
               <a:rPr lang="en-US" smtClean="0"/>
-              <a:t>8/14/2023</a:t>
+              <a:t>8/15/2023</a:t>
             </a:fld>
             <a:endParaRPr lang="en-US"/>
           </a:p>
@@ -9868,7 +9868,7 @@
               <a:buNone/>
             </a:pPr>
             <a:r>
-              <a:rPr lang="en-US" sz="1800" b="1" dirty="0"/>
+              <a:rPr lang="en-US" dirty="0"/>
               <a:t>CP&amp;P </a:t>
             </a:r>
             <a:r>
@@ -9962,8 +9962,8 @@
         </p:blipFill>
         <p:spPr>
           <a:xfrm>
-            <a:off x="628650" y="2356022"/>
-            <a:ext cx="7553325" cy="1404653"/>
+            <a:off x="628650" y="2426271"/>
+            <a:ext cx="7553325" cy="1264154"/>
           </a:xfrm>
           <a:prstGeom prst="rect">
             <a:avLst/>
@@ -10571,7 +10571,13 @@
           <a:p>
             <a:r>
               <a:rPr lang="en-US" sz="1300" dirty="0"/>
-              <a:t>Display</a:t>
+              <a:t>RI map display</a:t>
+            </a:r>
+          </a:p>
+          <a:p>
+            <a:r>
+              <a:rPr lang="en-US" sz="1300" dirty="0"/>
+              <a:t>RI equation display</a:t>
             </a:r>
           </a:p>
           <a:p>
@@ -10583,7 +10589,7 @@
           <a:p>
             <a:r>
               <a:rPr lang="en-US" sz="1300" dirty="0"/>
-              <a:t>RI Download</a:t>
+              <a:t>RI download</a:t>
             </a:r>
           </a:p>
           <a:p>
@@ -10973,7 +10979,7 @@
         <p:spPr>
           <a:xfrm>
             <a:off x="628650" y="808685"/>
-            <a:ext cx="8157541" cy="4197735"/>
+            <a:ext cx="8157541" cy="4197734"/>
           </a:xfrm>
           <a:prstGeom prst="rect">
             <a:avLst/>
@@ -12289,11 +12295,6 @@
 
 <file path=customXml/item1.xml><?xml version="1.0" encoding="utf-8"?>
 <?mso-contentType ?>
-<SharedContentType xmlns="Microsoft.SharePoint.Taxonomy.ContentTypeSync" SourceId="3dae2bc9-964c-4bb7-94bc-c5dd0815213b" ContentTypeId="0x01010070FD3A26C879A74592BE4DD1CF6C17C51002" PreviousValue="false" LastSyncTimeStamp="2022-04-19T15:49:25.177Z"/>
-</file>
-
-<file path=customXml/item2.xml><?xml version="1.0" encoding="utf-8"?>
-<?mso-contentType ?>
 <spe:Receivers xmlns:spe="http://schemas.microsoft.com/sharepoint/events">
   <Receiver>
     <Name>Document ID Generator</Name>
@@ -12342,13 +12343,78 @@
 </spe:Receivers>
 </file>
 
+<file path=customXml/item2.xml><?xml version="1.0" encoding="utf-8"?>
+<?mso-contentType ?>
+<SharedContentType xmlns="Microsoft.SharePoint.Taxonomy.ContentTypeSync" SourceId="3dae2bc9-964c-4bb7-94bc-c5dd0815213b" ContentTypeId="0x01010070FD3A26C879A74592BE4DD1CF6C17C51002" PreviousValue="false" LastSyncTimeStamp="2022-04-19T15:49:25.177Z"/>
+</file>
+
 <file path=customXml/item3.xml><?xml version="1.0" encoding="utf-8"?>
-<?mso-contentType ?>
-<FormTemplates xmlns="http://schemas.microsoft.com/sharepoint/v3/contenttype/forms">
-  <Display>DocumentLibraryForm</Display>
-  <Edit>DocumentLibraryForm</Edit>
-  <New>DocumentLibraryForm</New>
-</FormTemplates>
+<p:properties xmlns:p="http://schemas.microsoft.com/office/2006/metadata/properties" xmlns:xsi="http://www.w3.org/2001/XMLSchema-instance" xmlns:pc="http://schemas.microsoft.com/office/infopath/2007/PartnerControls">
+  <documentManagement>
+    <TaxCatchAll xmlns="b73fb41d-4db5-49df-b889-ce373c40e3ec">
+      <Value>2</Value>
+      <Value>224</Value>
+      <Value>1585</Value>
+      <Value>3</Value>
+      <Value>1022</Value>
+      <Value>1598</Value>
+    </TaxCatchAll>
+    <Year xmlns="b73fb41d-4db5-49df-b889-ce373c40e3ec">2021</Year>
+    <TaxKeywordTaxHTField xmlns="b73fb41d-4db5-49df-b889-ce373c40e3ec">
+      <Terms xmlns="http://schemas.microsoft.com/office/infopath/2007/PartnerControls">
+        <TermInfo xmlns="http://schemas.microsoft.com/office/infopath/2007/PartnerControls">
+          <TermName xmlns="http://schemas.microsoft.com/office/infopath/2007/PartnerControls">16:9</TermName>
+          <TermId xmlns="http://schemas.microsoft.com/office/infopath/2007/PartnerControls">df0a0d5b-ae80-4841-b2fe-8ddcb8e3222c</TermId>
+        </TermInfo>
+        <TermInfo xmlns="http://schemas.microsoft.com/office/infopath/2007/PartnerControls">
+          <TermName xmlns="http://schemas.microsoft.com/office/infopath/2007/PartnerControls">Presentation</TermName>
+          <TermId xmlns="http://schemas.microsoft.com/office/infopath/2007/PartnerControls">59fc26f9-1c9d-40bc-8a58-d66d91dcc0d5</TermId>
+        </TermInfo>
+      </Terms>
+    </TaxKeywordTaxHTField>
+    <_dlc_DocId xmlns="9daf4fce-efdb-4f08-985f-94c0458ac4da">COLL-1941601530-77</_dlc_DocId>
+    <_dlc_DocIdUrl xmlns="9daf4fce-efdb-4f08-985f-94c0458ac4da">
+      <Url>https://itncc.sharepoint.com/sites/MarketingCollaboration/_layouts/DocIdRedir.aspx?ID=COLL-1941601530-77</Url>
+      <Description>COLL-1941601530-77</Description>
+    </_dlc_DocIdUrl>
+    <hf62e2b7c9654133b3ca7da47c388bce xmlns="b73fb41d-4db5-49df-b889-ce373c40e3ec">
+      <Terms xmlns="http://schemas.microsoft.com/office/infopath/2007/PartnerControls">
+        <TermInfo xmlns="http://schemas.microsoft.com/office/infopath/2007/PartnerControls">
+          <TermName xmlns="http://schemas.microsoft.com/office/infopath/2007/PartnerControls">Marketing and Development</TermName>
+          <TermId xmlns="http://schemas.microsoft.com/office/infopath/2007/PartnerControls">cb043f34-81be-43cd-aebf-735cc7c51d79</TermId>
+        </TermInfo>
+      </Terms>
+    </hf62e2b7c9654133b3ca7da47c388bce>
+    <e5445ced404845ff8a2b3be9c8f7c65c xmlns="b73fb41d-4db5-49df-b889-ce373c40e3ec">
+      <Terms xmlns="http://schemas.microsoft.com/office/infopath/2007/PartnerControls">
+        <TermInfo xmlns="http://schemas.microsoft.com/office/infopath/2007/PartnerControls">
+          <TermName xmlns="http://schemas.microsoft.com/office/infopath/2007/PartnerControls">National</TermName>
+          <TermId xmlns="http://schemas.microsoft.com/office/infopath/2007/PartnerControls">60e160cc-5b62-440e-88bf-c8c5292327f4</TermId>
+        </TermInfo>
+      </Terms>
+    </e5445ced404845ff8a2b3be9c8f7c65c>
+    <Topic xmlns="b73fb41d-4db5-49df-b889-ce373c40e3ec">Presentation</Topic>
+    <j851f0c75970476ca044f56c831142c9 xmlns="b73fb41d-4db5-49df-b889-ce373c40e3ec">
+      <Terms xmlns="http://schemas.microsoft.com/office/infopath/2007/PartnerControls">
+        <TermInfo xmlns="http://schemas.microsoft.com/office/infopath/2007/PartnerControls">
+          <TermName xmlns="http://schemas.microsoft.com/office/infopath/2007/PartnerControls">Editable Creative</TermName>
+          <TermId xmlns="http://schemas.microsoft.com/office/infopath/2007/PartnerControls">29fc3b9e-2d01-4eeb-9c55-b9ac82cf2c15</TermId>
+        </TermInfo>
+      </Terms>
+    </j851f0c75970476ca044f56c831142c9>
+    <h5d00e838cac4a36b66416c1ac0f08f4 xmlns="b73fb41d-4db5-49df-b889-ce373c40e3ec">
+      <Terms xmlns="http://schemas.microsoft.com/office/infopath/2007/PartnerControls"/>
+    </h5d00e838cac4a36b66416c1ac0f08f4>
+    <pde0b5a6bb7242599ac30d59622b742d xmlns="b73fb41d-4db5-49df-b889-ce373c40e3ec">
+      <Terms xmlns="http://schemas.microsoft.com/office/infopath/2007/PartnerControls">
+        <TermInfo xmlns="http://schemas.microsoft.com/office/infopath/2007/PartnerControls">
+          <TermName xmlns="http://schemas.microsoft.com/office/infopath/2007/PartnerControls">Administration</TermName>
+          <TermId xmlns="http://schemas.microsoft.com/office/infopath/2007/PartnerControls">15579f7e-1289-4124-875f-fbfdd1ce1e19</TermId>
+        </TermInfo>
+      </Terms>
+    </pde0b5a6bb7242599ac30d59622b742d>
+  </documentManagement>
+</p:properties>
 </file>
 
 <file path=customXml/item4.xml><?xml version="1.0" encoding="utf-8"?>
@@ -12613,75 +12679,23 @@
 </file>
 
 <file path=customXml/item5.xml><?xml version="1.0" encoding="utf-8"?>
-<p:properties xmlns:p="http://schemas.microsoft.com/office/2006/metadata/properties" xmlns:xsi="http://www.w3.org/2001/XMLSchema-instance" xmlns:pc="http://schemas.microsoft.com/office/infopath/2007/PartnerControls">
-  <documentManagement>
-    <TaxCatchAll xmlns="b73fb41d-4db5-49df-b889-ce373c40e3ec">
-      <Value>2</Value>
-      <Value>224</Value>
-      <Value>1585</Value>
-      <Value>3</Value>
-      <Value>1022</Value>
-      <Value>1598</Value>
-    </TaxCatchAll>
-    <Year xmlns="b73fb41d-4db5-49df-b889-ce373c40e3ec">2021</Year>
-    <TaxKeywordTaxHTField xmlns="b73fb41d-4db5-49df-b889-ce373c40e3ec">
-      <Terms xmlns="http://schemas.microsoft.com/office/infopath/2007/PartnerControls">
-        <TermInfo xmlns="http://schemas.microsoft.com/office/infopath/2007/PartnerControls">
-          <TermName xmlns="http://schemas.microsoft.com/office/infopath/2007/PartnerControls">16:9</TermName>
-          <TermId xmlns="http://schemas.microsoft.com/office/infopath/2007/PartnerControls">df0a0d5b-ae80-4841-b2fe-8ddcb8e3222c</TermId>
-        </TermInfo>
-        <TermInfo xmlns="http://schemas.microsoft.com/office/infopath/2007/PartnerControls">
-          <TermName xmlns="http://schemas.microsoft.com/office/infopath/2007/PartnerControls">Presentation</TermName>
-          <TermId xmlns="http://schemas.microsoft.com/office/infopath/2007/PartnerControls">59fc26f9-1c9d-40bc-8a58-d66d91dcc0d5</TermId>
-        </TermInfo>
-      </Terms>
-    </TaxKeywordTaxHTField>
-    <_dlc_DocId xmlns="9daf4fce-efdb-4f08-985f-94c0458ac4da">COLL-1941601530-77</_dlc_DocId>
-    <_dlc_DocIdUrl xmlns="9daf4fce-efdb-4f08-985f-94c0458ac4da">
-      <Url>https://itncc.sharepoint.com/sites/MarketingCollaboration/_layouts/DocIdRedir.aspx?ID=COLL-1941601530-77</Url>
-      <Description>COLL-1941601530-77</Description>
-    </_dlc_DocIdUrl>
-    <hf62e2b7c9654133b3ca7da47c388bce xmlns="b73fb41d-4db5-49df-b889-ce373c40e3ec">
-      <Terms xmlns="http://schemas.microsoft.com/office/infopath/2007/PartnerControls">
-        <TermInfo xmlns="http://schemas.microsoft.com/office/infopath/2007/PartnerControls">
-          <TermName xmlns="http://schemas.microsoft.com/office/infopath/2007/PartnerControls">Marketing and Development</TermName>
-          <TermId xmlns="http://schemas.microsoft.com/office/infopath/2007/PartnerControls">cb043f34-81be-43cd-aebf-735cc7c51d79</TermId>
-        </TermInfo>
-      </Terms>
-    </hf62e2b7c9654133b3ca7da47c388bce>
-    <e5445ced404845ff8a2b3be9c8f7c65c xmlns="b73fb41d-4db5-49df-b889-ce373c40e3ec">
-      <Terms xmlns="http://schemas.microsoft.com/office/infopath/2007/PartnerControls">
-        <TermInfo xmlns="http://schemas.microsoft.com/office/infopath/2007/PartnerControls">
-          <TermName xmlns="http://schemas.microsoft.com/office/infopath/2007/PartnerControls">National</TermName>
-          <TermId xmlns="http://schemas.microsoft.com/office/infopath/2007/PartnerControls">60e160cc-5b62-440e-88bf-c8c5292327f4</TermId>
-        </TermInfo>
-      </Terms>
-    </e5445ced404845ff8a2b3be9c8f7c65c>
-    <Topic xmlns="b73fb41d-4db5-49df-b889-ce373c40e3ec">Presentation</Topic>
-    <j851f0c75970476ca044f56c831142c9 xmlns="b73fb41d-4db5-49df-b889-ce373c40e3ec">
-      <Terms xmlns="http://schemas.microsoft.com/office/infopath/2007/PartnerControls">
-        <TermInfo xmlns="http://schemas.microsoft.com/office/infopath/2007/PartnerControls">
-          <TermName xmlns="http://schemas.microsoft.com/office/infopath/2007/PartnerControls">Editable Creative</TermName>
-          <TermId xmlns="http://schemas.microsoft.com/office/infopath/2007/PartnerControls">29fc3b9e-2d01-4eeb-9c55-b9ac82cf2c15</TermId>
-        </TermInfo>
-      </Terms>
-    </j851f0c75970476ca044f56c831142c9>
-    <h5d00e838cac4a36b66416c1ac0f08f4 xmlns="b73fb41d-4db5-49df-b889-ce373c40e3ec">
-      <Terms xmlns="http://schemas.microsoft.com/office/infopath/2007/PartnerControls"/>
-    </h5d00e838cac4a36b66416c1ac0f08f4>
-    <pde0b5a6bb7242599ac30d59622b742d xmlns="b73fb41d-4db5-49df-b889-ce373c40e3ec">
-      <Terms xmlns="http://schemas.microsoft.com/office/infopath/2007/PartnerControls">
-        <TermInfo xmlns="http://schemas.microsoft.com/office/infopath/2007/PartnerControls">
-          <TermName xmlns="http://schemas.microsoft.com/office/infopath/2007/PartnerControls">Administration</TermName>
-          <TermId xmlns="http://schemas.microsoft.com/office/infopath/2007/PartnerControls">15579f7e-1289-4124-875f-fbfdd1ce1e19</TermId>
-        </TermInfo>
-      </Terms>
-    </pde0b5a6bb7242599ac30d59622b742d>
-  </documentManagement>
-</p:properties>
+<?mso-contentType ?>
+<FormTemplates xmlns="http://schemas.microsoft.com/sharepoint/v3/contenttype/forms">
+  <Display>DocumentLibraryForm</Display>
+  <Edit>DocumentLibraryForm</Edit>
+  <New>DocumentLibraryForm</New>
+</FormTemplates>
 </file>
 
 <file path=customXml/itemProps1.xml><?xml version="1.0" encoding="utf-8"?>
+<ds:datastoreItem xmlns:ds="http://schemas.openxmlformats.org/officeDocument/2006/customXml" ds:itemID="{75F25848-81A4-4056-9048-FD884C8DD719}">
+  <ds:schemaRefs>
+    <ds:schemaRef ds:uri="http://schemas.microsoft.com/sharepoint/events"/>
+  </ds:schemaRefs>
+</ds:datastoreItem>
+</file>
+
+<file path=customXml/itemProps2.xml><?xml version="1.0" encoding="utf-8"?>
 <ds:datastoreItem xmlns:ds="http://schemas.openxmlformats.org/officeDocument/2006/customXml" ds:itemID="{C04A9EA0-F30C-4FDA-9437-BDAB378662C2}">
   <ds:schemaRefs>
     <ds:schemaRef ds:uri="Microsoft.SharePoint.Taxonomy.ContentTypeSync"/>
@@ -12689,18 +12703,19 @@
 </ds:datastoreItem>
 </file>
 
-<file path=customXml/itemProps2.xml><?xml version="1.0" encoding="utf-8"?>
-<ds:datastoreItem xmlns:ds="http://schemas.openxmlformats.org/officeDocument/2006/customXml" ds:itemID="{75F25848-81A4-4056-9048-FD884C8DD719}">
+<file path=customXml/itemProps3.xml><?xml version="1.0" encoding="utf-8"?>
+<ds:datastoreItem xmlns:ds="http://schemas.openxmlformats.org/officeDocument/2006/customXml" ds:itemID="{9C876B4E-9239-4840-BF5E-B55D728E076B}">
   <ds:schemaRefs>
-    <ds:schemaRef ds:uri="http://schemas.microsoft.com/sharepoint/events"/>
-  </ds:schemaRefs>
-</ds:datastoreItem>
-</file>
-
-<file path=customXml/itemProps3.xml><?xml version="1.0" encoding="utf-8"?>
-<ds:datastoreItem xmlns:ds="http://schemas.openxmlformats.org/officeDocument/2006/customXml" ds:itemID="{E3070A85-BE5F-4ECE-B1F6-8D04067ED971}">
-  <ds:schemaRefs>
-    <ds:schemaRef ds:uri="http://schemas.microsoft.com/sharepoint/v3/contenttype/forms"/>
+    <ds:schemaRef ds:uri="http://purl.org/dc/elements/1.1/"/>
+    <ds:schemaRef ds:uri="http://schemas.openxmlformats.org/package/2006/metadata/core-properties"/>
+    <ds:schemaRef ds:uri="http://www.w3.org/XML/1998/namespace"/>
+    <ds:schemaRef ds:uri="http://schemas.microsoft.com/office/2006/documentManagement/types"/>
+    <ds:schemaRef ds:uri="http://purl.org/dc/dcmitype/"/>
+    <ds:schemaRef ds:uri="http://schemas.microsoft.com/office/infopath/2007/PartnerControls"/>
+    <ds:schemaRef ds:uri="b73fb41d-4db5-49df-b889-ce373c40e3ec"/>
+    <ds:schemaRef ds:uri="9daf4fce-efdb-4f08-985f-94c0458ac4da"/>
+    <ds:schemaRef ds:uri="http://schemas.microsoft.com/office/2006/metadata/properties"/>
+    <ds:schemaRef ds:uri="http://purl.org/dc/terms/"/>
   </ds:schemaRefs>
 </ds:datastoreItem>
 </file>
@@ -12725,18 +12740,9 @@
 </file>
 
 <file path=customXml/itemProps5.xml><?xml version="1.0" encoding="utf-8"?>
-<ds:datastoreItem xmlns:ds="http://schemas.openxmlformats.org/officeDocument/2006/customXml" ds:itemID="{9C876B4E-9239-4840-BF5E-B55D728E076B}">
+<ds:datastoreItem xmlns:ds="http://schemas.openxmlformats.org/officeDocument/2006/customXml" ds:itemID="{E3070A85-BE5F-4ECE-B1F6-8D04067ED971}">
   <ds:schemaRefs>
-    <ds:schemaRef ds:uri="http://purl.org/dc/elements/1.1/"/>
-    <ds:schemaRef ds:uri="http://schemas.openxmlformats.org/package/2006/metadata/core-properties"/>
-    <ds:schemaRef ds:uri="http://www.w3.org/XML/1998/namespace"/>
-    <ds:schemaRef ds:uri="http://schemas.microsoft.com/office/2006/documentManagement/types"/>
-    <ds:schemaRef ds:uri="http://purl.org/dc/dcmitype/"/>
-    <ds:schemaRef ds:uri="http://schemas.microsoft.com/office/infopath/2007/PartnerControls"/>
-    <ds:schemaRef ds:uri="b73fb41d-4db5-49df-b889-ce373c40e3ec"/>
-    <ds:schemaRef ds:uri="9daf4fce-efdb-4f08-985f-94c0458ac4da"/>
-    <ds:schemaRef ds:uri="http://schemas.microsoft.com/office/2006/metadata/properties"/>
-    <ds:schemaRef ds:uri="http://purl.org/dc/terms/"/>
+    <ds:schemaRef ds:uri="http://schemas.microsoft.com/sharepoint/v3/contenttype/forms"/>
   </ds:schemaRefs>
 </ds:datastoreItem>
 </file>
--- a/www/RI_GUIDE.pptx
+++ b/www/RI_GUIDE.pptx
@@ -215,7 +215,7 @@
           <a:p>
             <a:fld id="{6DF04430-EB95-4461-BE68-2466FDCE3B9D}" type="datetimeFigureOut">
               <a:rPr lang="en-CA" smtClean="0"/>
-              <a:t>2023-08-15</a:t>
+              <a:t>2023-08-14</a:t>
             </a:fld>
             <a:endParaRPr lang="en-CA"/>
           </a:p>
@@ -1571,7 +1571,7 @@
           <a:p>
             <a:fld id="{6F75FF30-D88A-4C26-A396-735F208F6573}" type="datetimeFigureOut">
               <a:rPr lang="en-US" smtClean="0"/>
-              <a:t>8/15/2023</a:t>
+              <a:t>8/14/2023</a:t>
             </a:fld>
             <a:endParaRPr lang="en-US"/>
           </a:p>
@@ -1771,7 +1771,7 @@
           <a:p>
             <a:fld id="{6F75FF30-D88A-4C26-A396-735F208F6573}" type="datetimeFigureOut">
               <a:rPr lang="en-US" smtClean="0"/>
-              <a:t>8/15/2023</a:t>
+              <a:t>8/14/2023</a:t>
             </a:fld>
             <a:endParaRPr lang="en-US"/>
           </a:p>
@@ -1981,7 +1981,7 @@
           <a:p>
             <a:fld id="{6F75FF30-D88A-4C26-A396-735F208F6573}" type="datetimeFigureOut">
               <a:rPr lang="en-US" smtClean="0"/>
-              <a:t>8/15/2023</a:t>
+              <a:t>8/14/2023</a:t>
             </a:fld>
             <a:endParaRPr lang="en-US"/>
           </a:p>
@@ -2122,7 +2122,7 @@
           <a:p>
             <a:fld id="{6F75FF30-D88A-4C26-A396-735F208F6573}" type="datetimeFigureOut">
               <a:rPr lang="en-US" smtClean="0"/>
-              <a:t>8/15/2023</a:t>
+              <a:t>8/14/2023</a:t>
             </a:fld>
             <a:endParaRPr lang="en-US"/>
           </a:p>
@@ -2322,7 +2322,7 @@
           <a:p>
             <a:fld id="{6F75FF30-D88A-4C26-A396-735F208F6573}" type="datetimeFigureOut">
               <a:rPr lang="en-US" smtClean="0"/>
-              <a:t>8/15/2023</a:t>
+              <a:t>8/14/2023</a:t>
             </a:fld>
             <a:endParaRPr lang="en-US"/>
           </a:p>
@@ -2604,7 +2604,7 @@
           <a:p>
             <a:fld id="{6F75FF30-D88A-4C26-A396-735F208F6573}" type="datetimeFigureOut">
               <a:rPr lang="en-US" smtClean="0"/>
-              <a:t>8/15/2023</a:t>
+              <a:t>8/14/2023</a:t>
             </a:fld>
             <a:endParaRPr lang="en-US"/>
           </a:p>
@@ -2872,7 +2872,7 @@
           <a:p>
             <a:fld id="{6F75FF30-D88A-4C26-A396-735F208F6573}" type="datetimeFigureOut">
               <a:rPr lang="en-US" smtClean="0"/>
-              <a:t>8/15/2023</a:t>
+              <a:t>8/14/2023</a:t>
             </a:fld>
             <a:endParaRPr lang="en-US"/>
           </a:p>
@@ -3287,7 +3287,7 @@
           <a:p>
             <a:fld id="{6F75FF30-D88A-4C26-A396-735F208F6573}" type="datetimeFigureOut">
               <a:rPr lang="en-US" smtClean="0"/>
-              <a:t>8/15/2023</a:t>
+              <a:t>8/14/2023</a:t>
             </a:fld>
             <a:endParaRPr lang="en-US"/>
           </a:p>
@@ -3429,7 +3429,7 @@
           <a:p>
             <a:fld id="{6F75FF30-D88A-4C26-A396-735F208F6573}" type="datetimeFigureOut">
               <a:rPr lang="en-US" smtClean="0"/>
-              <a:t>8/15/2023</a:t>
+              <a:t>8/14/2023</a:t>
             </a:fld>
             <a:endParaRPr lang="en-US"/>
           </a:p>
@@ -3542,7 +3542,7 @@
           <a:p>
             <a:fld id="{6F75FF30-D88A-4C26-A396-735F208F6573}" type="datetimeFigureOut">
               <a:rPr lang="en-US" smtClean="0"/>
-              <a:t>8/15/2023</a:t>
+              <a:t>8/14/2023</a:t>
             </a:fld>
             <a:endParaRPr lang="en-US"/>
           </a:p>
@@ -3855,7 +3855,7 @@
           <a:p>
             <a:fld id="{6F75FF30-D88A-4C26-A396-735F208F6573}" type="datetimeFigureOut">
               <a:rPr lang="en-US" smtClean="0"/>
-              <a:t>8/15/2023</a:t>
+              <a:t>8/14/2023</a:t>
             </a:fld>
             <a:endParaRPr lang="en-US"/>
           </a:p>
@@ -4134,7 +4134,7 @@
           <a:p>
             <a:fld id="{6F75FF30-D88A-4C26-A396-735F208F6573}" type="datetimeFigureOut">
               <a:rPr lang="en-US" smtClean="0"/>
-              <a:t>8/15/2023</a:t>
+              <a:t>8/14/2023</a:t>
             </a:fld>
             <a:endParaRPr lang="en-US"/>
           </a:p>
@@ -9868,7 +9868,7 @@
               <a:buNone/>
             </a:pPr>
             <a:r>
-              <a:rPr lang="en-US" dirty="0"/>
+              <a:rPr lang="en-US" sz="1800" b="1" dirty="0"/>
               <a:t>CP&amp;P </a:t>
             </a:r>
             <a:r>
@@ -9962,8 +9962,8 @@
         </p:blipFill>
         <p:spPr>
           <a:xfrm>
-            <a:off x="628650" y="2426271"/>
-            <a:ext cx="7553325" cy="1264154"/>
+            <a:off x="628650" y="2356022"/>
+            <a:ext cx="7553325" cy="1404653"/>
           </a:xfrm>
           <a:prstGeom prst="rect">
             <a:avLst/>
@@ -10571,13 +10571,7 @@
           <a:p>
             <a:r>
               <a:rPr lang="en-US" sz="1300" dirty="0"/>
-              <a:t>RI map display</a:t>
-            </a:r>
-          </a:p>
-          <a:p>
-            <a:r>
-              <a:rPr lang="en-US" sz="1300" dirty="0"/>
-              <a:t>RI equation display</a:t>
+              <a:t>Display</a:t>
             </a:r>
           </a:p>
           <a:p>
@@ -10589,7 +10583,7 @@
           <a:p>
             <a:r>
               <a:rPr lang="en-US" sz="1300" dirty="0"/>
-              <a:t>RI download</a:t>
+              <a:t>RI Download</a:t>
             </a:r>
           </a:p>
           <a:p>
@@ -10979,7 +10973,7 @@
         <p:spPr>
           <a:xfrm>
             <a:off x="628650" y="808685"/>
-            <a:ext cx="8157541" cy="4197734"/>
+            <a:ext cx="8157541" cy="4197735"/>
           </a:xfrm>
           <a:prstGeom prst="rect">
             <a:avLst/>
@@ -12295,6 +12289,11 @@
 
 <file path=customXml/item1.xml><?xml version="1.0" encoding="utf-8"?>
 <?mso-contentType ?>
+<SharedContentType xmlns="Microsoft.SharePoint.Taxonomy.ContentTypeSync" SourceId="3dae2bc9-964c-4bb7-94bc-c5dd0815213b" ContentTypeId="0x01010070FD3A26C879A74592BE4DD1CF6C17C51002" PreviousValue="false" LastSyncTimeStamp="2022-04-19T15:49:25.177Z"/>
+</file>
+
+<file path=customXml/item2.xml><?xml version="1.0" encoding="utf-8"?>
+<?mso-contentType ?>
 <spe:Receivers xmlns:spe="http://schemas.microsoft.com/sharepoint/events">
   <Receiver>
     <Name>Document ID Generator</Name>
@@ -12343,78 +12342,13 @@
 </spe:Receivers>
 </file>
 
-<file path=customXml/item2.xml><?xml version="1.0" encoding="utf-8"?>
+<file path=customXml/item3.xml><?xml version="1.0" encoding="utf-8"?>
 <?mso-contentType ?>
-<SharedContentType xmlns="Microsoft.SharePoint.Taxonomy.ContentTypeSync" SourceId="3dae2bc9-964c-4bb7-94bc-c5dd0815213b" ContentTypeId="0x01010070FD3A26C879A74592BE4DD1CF6C17C51002" PreviousValue="false" LastSyncTimeStamp="2022-04-19T15:49:25.177Z"/>
-</file>
-
-<file path=customXml/item3.xml><?xml version="1.0" encoding="utf-8"?>
-<p:properties xmlns:p="http://schemas.microsoft.com/office/2006/metadata/properties" xmlns:xsi="http://www.w3.org/2001/XMLSchema-instance" xmlns:pc="http://schemas.microsoft.com/office/infopath/2007/PartnerControls">
-  <documentManagement>
-    <TaxCatchAll xmlns="b73fb41d-4db5-49df-b889-ce373c40e3ec">
-      <Value>2</Value>
-      <Value>224</Value>
-      <Value>1585</Value>
-      <Value>3</Value>
-      <Value>1022</Value>
-      <Value>1598</Value>
-    </TaxCatchAll>
-    <Year xmlns="b73fb41d-4db5-49df-b889-ce373c40e3ec">2021</Year>
-    <TaxKeywordTaxHTField xmlns="b73fb41d-4db5-49df-b889-ce373c40e3ec">
-      <Terms xmlns="http://schemas.microsoft.com/office/infopath/2007/PartnerControls">
-        <TermInfo xmlns="http://schemas.microsoft.com/office/infopath/2007/PartnerControls">
-          <TermName xmlns="http://schemas.microsoft.com/office/infopath/2007/PartnerControls">16:9</TermName>
-          <TermId xmlns="http://schemas.microsoft.com/office/infopath/2007/PartnerControls">df0a0d5b-ae80-4841-b2fe-8ddcb8e3222c</TermId>
-        </TermInfo>
-        <TermInfo xmlns="http://schemas.microsoft.com/office/infopath/2007/PartnerControls">
-          <TermName xmlns="http://schemas.microsoft.com/office/infopath/2007/PartnerControls">Presentation</TermName>
-          <TermId xmlns="http://schemas.microsoft.com/office/infopath/2007/PartnerControls">59fc26f9-1c9d-40bc-8a58-d66d91dcc0d5</TermId>
-        </TermInfo>
-      </Terms>
-    </TaxKeywordTaxHTField>
-    <_dlc_DocId xmlns="9daf4fce-efdb-4f08-985f-94c0458ac4da">COLL-1941601530-77</_dlc_DocId>
-    <_dlc_DocIdUrl xmlns="9daf4fce-efdb-4f08-985f-94c0458ac4da">
-      <Url>https://itncc.sharepoint.com/sites/MarketingCollaboration/_layouts/DocIdRedir.aspx?ID=COLL-1941601530-77</Url>
-      <Description>COLL-1941601530-77</Description>
-    </_dlc_DocIdUrl>
-    <hf62e2b7c9654133b3ca7da47c388bce xmlns="b73fb41d-4db5-49df-b889-ce373c40e3ec">
-      <Terms xmlns="http://schemas.microsoft.com/office/infopath/2007/PartnerControls">
-        <TermInfo xmlns="http://schemas.microsoft.com/office/infopath/2007/PartnerControls">
-          <TermName xmlns="http://schemas.microsoft.com/office/infopath/2007/PartnerControls">Marketing and Development</TermName>
-          <TermId xmlns="http://schemas.microsoft.com/office/infopath/2007/PartnerControls">cb043f34-81be-43cd-aebf-735cc7c51d79</TermId>
-        </TermInfo>
-      </Terms>
-    </hf62e2b7c9654133b3ca7da47c388bce>
-    <e5445ced404845ff8a2b3be9c8f7c65c xmlns="b73fb41d-4db5-49df-b889-ce373c40e3ec">
-      <Terms xmlns="http://schemas.microsoft.com/office/infopath/2007/PartnerControls">
-        <TermInfo xmlns="http://schemas.microsoft.com/office/infopath/2007/PartnerControls">
-          <TermName xmlns="http://schemas.microsoft.com/office/infopath/2007/PartnerControls">National</TermName>
-          <TermId xmlns="http://schemas.microsoft.com/office/infopath/2007/PartnerControls">60e160cc-5b62-440e-88bf-c8c5292327f4</TermId>
-        </TermInfo>
-      </Terms>
-    </e5445ced404845ff8a2b3be9c8f7c65c>
-    <Topic xmlns="b73fb41d-4db5-49df-b889-ce373c40e3ec">Presentation</Topic>
-    <j851f0c75970476ca044f56c831142c9 xmlns="b73fb41d-4db5-49df-b889-ce373c40e3ec">
-      <Terms xmlns="http://schemas.microsoft.com/office/infopath/2007/PartnerControls">
-        <TermInfo xmlns="http://schemas.microsoft.com/office/infopath/2007/PartnerControls">
-          <TermName xmlns="http://schemas.microsoft.com/office/infopath/2007/PartnerControls">Editable Creative</TermName>
-          <TermId xmlns="http://schemas.microsoft.com/office/infopath/2007/PartnerControls">29fc3b9e-2d01-4eeb-9c55-b9ac82cf2c15</TermId>
-        </TermInfo>
-      </Terms>
-    </j851f0c75970476ca044f56c831142c9>
-    <h5d00e838cac4a36b66416c1ac0f08f4 xmlns="b73fb41d-4db5-49df-b889-ce373c40e3ec">
-      <Terms xmlns="http://schemas.microsoft.com/office/infopath/2007/PartnerControls"/>
-    </h5d00e838cac4a36b66416c1ac0f08f4>
-    <pde0b5a6bb7242599ac30d59622b742d xmlns="b73fb41d-4db5-49df-b889-ce373c40e3ec">
-      <Terms xmlns="http://schemas.microsoft.com/office/infopath/2007/PartnerControls">
-        <TermInfo xmlns="http://schemas.microsoft.com/office/infopath/2007/PartnerControls">
-          <TermName xmlns="http://schemas.microsoft.com/office/infopath/2007/PartnerControls">Administration</TermName>
-          <TermId xmlns="http://schemas.microsoft.com/office/infopath/2007/PartnerControls">15579f7e-1289-4124-875f-fbfdd1ce1e19</TermId>
-        </TermInfo>
-      </Terms>
-    </pde0b5a6bb7242599ac30d59622b742d>
-  </documentManagement>
-</p:properties>
+<FormTemplates xmlns="http://schemas.microsoft.com/sharepoint/v3/contenttype/forms">
+  <Display>DocumentLibraryForm</Display>
+  <Edit>DocumentLibraryForm</Edit>
+  <New>DocumentLibraryForm</New>
+</FormTemplates>
 </file>
 
 <file path=customXml/item4.xml><?xml version="1.0" encoding="utf-8"?>
@@ -12679,15 +12613,83 @@
 </file>
 
 <file path=customXml/item5.xml><?xml version="1.0" encoding="utf-8"?>
-<?mso-contentType ?>
-<FormTemplates xmlns="http://schemas.microsoft.com/sharepoint/v3/contenttype/forms">
-  <Display>DocumentLibraryForm</Display>
-  <Edit>DocumentLibraryForm</Edit>
-  <New>DocumentLibraryForm</New>
-</FormTemplates>
+<p:properties xmlns:p="http://schemas.microsoft.com/office/2006/metadata/properties" xmlns:xsi="http://www.w3.org/2001/XMLSchema-instance" xmlns:pc="http://schemas.microsoft.com/office/infopath/2007/PartnerControls">
+  <documentManagement>
+    <TaxCatchAll xmlns="b73fb41d-4db5-49df-b889-ce373c40e3ec">
+      <Value>2</Value>
+      <Value>224</Value>
+      <Value>1585</Value>
+      <Value>3</Value>
+      <Value>1022</Value>
+      <Value>1598</Value>
+    </TaxCatchAll>
+    <Year xmlns="b73fb41d-4db5-49df-b889-ce373c40e3ec">2021</Year>
+    <TaxKeywordTaxHTField xmlns="b73fb41d-4db5-49df-b889-ce373c40e3ec">
+      <Terms xmlns="http://schemas.microsoft.com/office/infopath/2007/PartnerControls">
+        <TermInfo xmlns="http://schemas.microsoft.com/office/infopath/2007/PartnerControls">
+          <TermName xmlns="http://schemas.microsoft.com/office/infopath/2007/PartnerControls">16:9</TermName>
+          <TermId xmlns="http://schemas.microsoft.com/office/infopath/2007/PartnerControls">df0a0d5b-ae80-4841-b2fe-8ddcb8e3222c</TermId>
+        </TermInfo>
+        <TermInfo xmlns="http://schemas.microsoft.com/office/infopath/2007/PartnerControls">
+          <TermName xmlns="http://schemas.microsoft.com/office/infopath/2007/PartnerControls">Presentation</TermName>
+          <TermId xmlns="http://schemas.microsoft.com/office/infopath/2007/PartnerControls">59fc26f9-1c9d-40bc-8a58-d66d91dcc0d5</TermId>
+        </TermInfo>
+      </Terms>
+    </TaxKeywordTaxHTField>
+    <_dlc_DocId xmlns="9daf4fce-efdb-4f08-985f-94c0458ac4da">COLL-1941601530-77</_dlc_DocId>
+    <_dlc_DocIdUrl xmlns="9daf4fce-efdb-4f08-985f-94c0458ac4da">
+      <Url>https://itncc.sharepoint.com/sites/MarketingCollaboration/_layouts/DocIdRedir.aspx?ID=COLL-1941601530-77</Url>
+      <Description>COLL-1941601530-77</Description>
+    </_dlc_DocIdUrl>
+    <hf62e2b7c9654133b3ca7da47c388bce xmlns="b73fb41d-4db5-49df-b889-ce373c40e3ec">
+      <Terms xmlns="http://schemas.microsoft.com/office/infopath/2007/PartnerControls">
+        <TermInfo xmlns="http://schemas.microsoft.com/office/infopath/2007/PartnerControls">
+          <TermName xmlns="http://schemas.microsoft.com/office/infopath/2007/PartnerControls">Marketing and Development</TermName>
+          <TermId xmlns="http://schemas.microsoft.com/office/infopath/2007/PartnerControls">cb043f34-81be-43cd-aebf-735cc7c51d79</TermId>
+        </TermInfo>
+      </Terms>
+    </hf62e2b7c9654133b3ca7da47c388bce>
+    <e5445ced404845ff8a2b3be9c8f7c65c xmlns="b73fb41d-4db5-49df-b889-ce373c40e3ec">
+      <Terms xmlns="http://schemas.microsoft.com/office/infopath/2007/PartnerControls">
+        <TermInfo xmlns="http://schemas.microsoft.com/office/infopath/2007/PartnerControls">
+          <TermName xmlns="http://schemas.microsoft.com/office/infopath/2007/PartnerControls">National</TermName>
+          <TermId xmlns="http://schemas.microsoft.com/office/infopath/2007/PartnerControls">60e160cc-5b62-440e-88bf-c8c5292327f4</TermId>
+        </TermInfo>
+      </Terms>
+    </e5445ced404845ff8a2b3be9c8f7c65c>
+    <Topic xmlns="b73fb41d-4db5-49df-b889-ce373c40e3ec">Presentation</Topic>
+    <j851f0c75970476ca044f56c831142c9 xmlns="b73fb41d-4db5-49df-b889-ce373c40e3ec">
+      <Terms xmlns="http://schemas.microsoft.com/office/infopath/2007/PartnerControls">
+        <TermInfo xmlns="http://schemas.microsoft.com/office/infopath/2007/PartnerControls">
+          <TermName xmlns="http://schemas.microsoft.com/office/infopath/2007/PartnerControls">Editable Creative</TermName>
+          <TermId xmlns="http://schemas.microsoft.com/office/infopath/2007/PartnerControls">29fc3b9e-2d01-4eeb-9c55-b9ac82cf2c15</TermId>
+        </TermInfo>
+      </Terms>
+    </j851f0c75970476ca044f56c831142c9>
+    <h5d00e838cac4a36b66416c1ac0f08f4 xmlns="b73fb41d-4db5-49df-b889-ce373c40e3ec">
+      <Terms xmlns="http://schemas.microsoft.com/office/infopath/2007/PartnerControls"/>
+    </h5d00e838cac4a36b66416c1ac0f08f4>
+    <pde0b5a6bb7242599ac30d59622b742d xmlns="b73fb41d-4db5-49df-b889-ce373c40e3ec">
+      <Terms xmlns="http://schemas.microsoft.com/office/infopath/2007/PartnerControls">
+        <TermInfo xmlns="http://schemas.microsoft.com/office/infopath/2007/PartnerControls">
+          <TermName xmlns="http://schemas.microsoft.com/office/infopath/2007/PartnerControls">Administration</TermName>
+          <TermId xmlns="http://schemas.microsoft.com/office/infopath/2007/PartnerControls">15579f7e-1289-4124-875f-fbfdd1ce1e19</TermId>
+        </TermInfo>
+      </Terms>
+    </pde0b5a6bb7242599ac30d59622b742d>
+  </documentManagement>
+</p:properties>
 </file>
 
 <file path=customXml/itemProps1.xml><?xml version="1.0" encoding="utf-8"?>
+<ds:datastoreItem xmlns:ds="http://schemas.openxmlformats.org/officeDocument/2006/customXml" ds:itemID="{C04A9EA0-F30C-4FDA-9437-BDAB378662C2}">
+  <ds:schemaRefs>
+    <ds:schemaRef ds:uri="Microsoft.SharePoint.Taxonomy.ContentTypeSync"/>
+  </ds:schemaRefs>
+</ds:datastoreItem>
+</file>
+
+<file path=customXml/itemProps2.xml><?xml version="1.0" encoding="utf-8"?>
 <ds:datastoreItem xmlns:ds="http://schemas.openxmlformats.org/officeDocument/2006/customXml" ds:itemID="{75F25848-81A4-4056-9048-FD884C8DD719}">
   <ds:schemaRefs>
     <ds:schemaRef ds:uri="http://schemas.microsoft.com/sharepoint/events"/>
@@ -12695,27 +12697,10 @@
 </ds:datastoreItem>
 </file>
 
-<file path=customXml/itemProps2.xml><?xml version="1.0" encoding="utf-8"?>
-<ds:datastoreItem xmlns:ds="http://schemas.openxmlformats.org/officeDocument/2006/customXml" ds:itemID="{C04A9EA0-F30C-4FDA-9437-BDAB378662C2}">
+<file path=customXml/itemProps3.xml><?xml version="1.0" encoding="utf-8"?>
+<ds:datastoreItem xmlns:ds="http://schemas.openxmlformats.org/officeDocument/2006/customXml" ds:itemID="{E3070A85-BE5F-4ECE-B1F6-8D04067ED971}">
   <ds:schemaRefs>
-    <ds:schemaRef ds:uri="Microsoft.SharePoint.Taxonomy.ContentTypeSync"/>
-  </ds:schemaRefs>
-</ds:datastoreItem>
-</file>
-
-<file path=customXml/itemProps3.xml><?xml version="1.0" encoding="utf-8"?>
-<ds:datastoreItem xmlns:ds="http://schemas.openxmlformats.org/officeDocument/2006/customXml" ds:itemID="{9C876B4E-9239-4840-BF5E-B55D728E076B}">
-  <ds:schemaRefs>
-    <ds:schemaRef ds:uri="http://purl.org/dc/elements/1.1/"/>
-    <ds:schemaRef ds:uri="http://schemas.openxmlformats.org/package/2006/metadata/core-properties"/>
-    <ds:schemaRef ds:uri="http://www.w3.org/XML/1998/namespace"/>
-    <ds:schemaRef ds:uri="http://schemas.microsoft.com/office/2006/documentManagement/types"/>
-    <ds:schemaRef ds:uri="http://purl.org/dc/dcmitype/"/>
-    <ds:schemaRef ds:uri="http://schemas.microsoft.com/office/infopath/2007/PartnerControls"/>
-    <ds:schemaRef ds:uri="b73fb41d-4db5-49df-b889-ce373c40e3ec"/>
-    <ds:schemaRef ds:uri="9daf4fce-efdb-4f08-985f-94c0458ac4da"/>
-    <ds:schemaRef ds:uri="http://schemas.microsoft.com/office/2006/metadata/properties"/>
-    <ds:schemaRef ds:uri="http://purl.org/dc/terms/"/>
+    <ds:schemaRef ds:uri="http://schemas.microsoft.com/sharepoint/v3/contenttype/forms"/>
   </ds:schemaRefs>
 </ds:datastoreItem>
 </file>
@@ -12740,9 +12725,18 @@
 </file>
 
 <file path=customXml/itemProps5.xml><?xml version="1.0" encoding="utf-8"?>
-<ds:datastoreItem xmlns:ds="http://schemas.openxmlformats.org/officeDocument/2006/customXml" ds:itemID="{E3070A85-BE5F-4ECE-B1F6-8D04067ED971}">
+<ds:datastoreItem xmlns:ds="http://schemas.openxmlformats.org/officeDocument/2006/customXml" ds:itemID="{9C876B4E-9239-4840-BF5E-B55D728E076B}">
   <ds:schemaRefs>
-    <ds:schemaRef ds:uri="http://schemas.microsoft.com/sharepoint/v3/contenttype/forms"/>
+    <ds:schemaRef ds:uri="http://purl.org/dc/elements/1.1/"/>
+    <ds:schemaRef ds:uri="http://schemas.openxmlformats.org/package/2006/metadata/core-properties"/>
+    <ds:schemaRef ds:uri="http://www.w3.org/XML/1998/namespace"/>
+    <ds:schemaRef ds:uri="http://schemas.microsoft.com/office/2006/documentManagement/types"/>
+    <ds:schemaRef ds:uri="http://purl.org/dc/dcmitype/"/>
+    <ds:schemaRef ds:uri="http://schemas.microsoft.com/office/infopath/2007/PartnerControls"/>
+    <ds:schemaRef ds:uri="b73fb41d-4db5-49df-b889-ce373c40e3ec"/>
+    <ds:schemaRef ds:uri="9daf4fce-efdb-4f08-985f-94c0458ac4da"/>
+    <ds:schemaRef ds:uri="http://schemas.microsoft.com/office/2006/metadata/properties"/>
+    <ds:schemaRef ds:uri="http://purl.org/dc/terms/"/>
   </ds:schemaRefs>
 </ds:datastoreItem>
 </file>
--- a/www/RI_GUIDE.pptx
+++ b/www/RI_GUIDE.pptx
@@ -215,7 +215,7 @@
           <a:p>
             <a:fld id="{6DF04430-EB95-4461-BE68-2466FDCE3B9D}" type="datetimeFigureOut">
               <a:rPr lang="en-CA" smtClean="0"/>
-              <a:t>2023-08-14</a:t>
+              <a:t>2023-08-16</a:t>
             </a:fld>
             <a:endParaRPr lang="en-CA"/>
           </a:p>
@@ -1571,7 +1571,7 @@
           <a:p>
             <a:fld id="{6F75FF30-D88A-4C26-A396-735F208F6573}" type="datetimeFigureOut">
               <a:rPr lang="en-US" smtClean="0"/>
-              <a:t>8/14/2023</a:t>
+              <a:t>8/16/2023</a:t>
             </a:fld>
             <a:endParaRPr lang="en-US"/>
           </a:p>
@@ -1771,7 +1771,7 @@
           <a:p>
             <a:fld id="{6F75FF30-D88A-4C26-A396-735F208F6573}" type="datetimeFigureOut">
               <a:rPr lang="en-US" smtClean="0"/>
-              <a:t>8/14/2023</a:t>
+              <a:t>8/16/2023</a:t>
             </a:fld>
             <a:endParaRPr lang="en-US"/>
           </a:p>
@@ -1981,7 +1981,7 @@
           <a:p>
             <a:fld id="{6F75FF30-D88A-4C26-A396-735F208F6573}" type="datetimeFigureOut">
               <a:rPr lang="en-US" smtClean="0"/>
-              <a:t>8/14/2023</a:t>
+              <a:t>8/16/2023</a:t>
             </a:fld>
             <a:endParaRPr lang="en-US"/>
           </a:p>
@@ -2122,7 +2122,7 @@
           <a:p>
             <a:fld id="{6F75FF30-D88A-4C26-A396-735F208F6573}" type="datetimeFigureOut">
               <a:rPr lang="en-US" smtClean="0"/>
-              <a:t>8/14/2023</a:t>
+              <a:t>8/16/2023</a:t>
             </a:fld>
             <a:endParaRPr lang="en-US"/>
           </a:p>
@@ -2322,7 +2322,7 @@
           <a:p>
             <a:fld id="{6F75FF30-D88A-4C26-A396-735F208F6573}" type="datetimeFigureOut">
               <a:rPr lang="en-US" smtClean="0"/>
-              <a:t>8/14/2023</a:t>
+              <a:t>8/16/2023</a:t>
             </a:fld>
             <a:endParaRPr lang="en-US"/>
           </a:p>
@@ -2604,7 +2604,7 @@
           <a:p>
             <a:fld id="{6F75FF30-D88A-4C26-A396-735F208F6573}" type="datetimeFigureOut">
               <a:rPr lang="en-US" smtClean="0"/>
-              <a:t>8/14/2023</a:t>
+              <a:t>8/16/2023</a:t>
             </a:fld>
             <a:endParaRPr lang="en-US"/>
           </a:p>
@@ -2872,7 +2872,7 @@
           <a:p>
             <a:fld id="{6F75FF30-D88A-4C26-A396-735F208F6573}" type="datetimeFigureOut">
               <a:rPr lang="en-US" smtClean="0"/>
-              <a:t>8/14/2023</a:t>
+              <a:t>8/16/2023</a:t>
             </a:fld>
             <a:endParaRPr lang="en-US"/>
           </a:p>
@@ -3287,7 +3287,7 @@
           <a:p>
             <a:fld id="{6F75FF30-D88A-4C26-A396-735F208F6573}" type="datetimeFigureOut">
               <a:rPr lang="en-US" smtClean="0"/>
-              <a:t>8/14/2023</a:t>
+              <a:t>8/16/2023</a:t>
             </a:fld>
             <a:endParaRPr lang="en-US"/>
           </a:p>
@@ -3429,7 +3429,7 @@
           <a:p>
             <a:fld id="{6F75FF30-D88A-4C26-A396-735F208F6573}" type="datetimeFigureOut">
               <a:rPr lang="en-US" smtClean="0"/>
-              <a:t>8/14/2023</a:t>
+              <a:t>8/16/2023</a:t>
             </a:fld>
             <a:endParaRPr lang="en-US"/>
           </a:p>
@@ -3542,7 +3542,7 @@
           <a:p>
             <a:fld id="{6F75FF30-D88A-4C26-A396-735F208F6573}" type="datetimeFigureOut">
               <a:rPr lang="en-US" smtClean="0"/>
-              <a:t>8/14/2023</a:t>
+              <a:t>8/16/2023</a:t>
             </a:fld>
             <a:endParaRPr lang="en-US"/>
           </a:p>
@@ -3855,7 +3855,7 @@
           <a:p>
             <a:fld id="{6F75FF30-D88A-4C26-A396-735F208F6573}" type="datetimeFigureOut">
               <a:rPr lang="en-US" smtClean="0"/>
-              <a:t>8/14/2023</a:t>
+              <a:t>8/16/2023</a:t>
             </a:fld>
             <a:endParaRPr lang="en-US"/>
           </a:p>
@@ -4134,7 +4134,7 @@
           <a:p>
             <a:fld id="{6F75FF30-D88A-4C26-A396-735F208F6573}" type="datetimeFigureOut">
               <a:rPr lang="en-US" smtClean="0"/>
-              <a:t>8/14/2023</a:t>
+              <a:t>8/16/2023</a:t>
             </a:fld>
             <a:endParaRPr lang="en-US"/>
           </a:p>
@@ -4610,7 +4610,12 @@
             <p:ph type="subTitle" idx="1"/>
           </p:nvPr>
         </p:nvSpPr>
-        <p:spPr/>
+        <p:spPr>
+          <a:xfrm>
+            <a:off x="349624" y="3092824"/>
+            <a:ext cx="7651376" cy="1916498"/>
+          </a:xfrm>
+        </p:spPr>
         <p:txBody>
           <a:bodyPr/>
           <a:lstStyle/>
@@ -4624,6 +4629,32 @@
             <a:r>
               <a:rPr lang="en-US" sz="1200" dirty="0"/>
               <a:t>Conservation Data Specialist</a:t>
+            </a:r>
+          </a:p>
+          <a:p>
+            <a:endParaRPr lang="en-US" sz="1200" dirty="0"/>
+          </a:p>
+          <a:p>
+            <a:endParaRPr lang="en-US" sz="1200" dirty="0"/>
+          </a:p>
+          <a:p>
+            <a:endParaRPr lang="en-US" sz="1200" dirty="0"/>
+          </a:p>
+          <a:p>
+            <a:endParaRPr lang="en-US" sz="1200" dirty="0"/>
+          </a:p>
+          <a:p>
+            <a:r>
+              <a:rPr lang="en-US" sz="800" dirty="0"/>
+              <a:t>Last major edit: Aug 16</a:t>
+            </a:r>
+            <a:r>
+              <a:rPr lang="en-US" sz="800" baseline="30000" dirty="0"/>
+              <a:t>th</a:t>
+            </a:r>
+            <a:r>
+              <a:rPr lang="en-US" sz="800" dirty="0"/>
+              <a:t>, 2023</a:t>
             </a:r>
           </a:p>
         </p:txBody>
@@ -9868,7 +9899,7 @@
               <a:buNone/>
             </a:pPr>
             <a:r>
-              <a:rPr lang="en-US" sz="1800" b="1" dirty="0"/>
+              <a:rPr lang="en-US" dirty="0"/>
               <a:t>CP&amp;P </a:t>
             </a:r>
             <a:r>
@@ -9962,8 +9993,8 @@
         </p:blipFill>
         <p:spPr>
           <a:xfrm>
-            <a:off x="628650" y="2356022"/>
-            <a:ext cx="7553325" cy="1404653"/>
+            <a:off x="628650" y="2426271"/>
+            <a:ext cx="7553325" cy="1264154"/>
           </a:xfrm>
           <a:prstGeom prst="rect">
             <a:avLst/>
@@ -10571,7 +10602,13 @@
           <a:p>
             <a:r>
               <a:rPr lang="en-US" sz="1300" dirty="0"/>
-              <a:t>Display</a:t>
+              <a:t>RI map display</a:t>
+            </a:r>
+          </a:p>
+          <a:p>
+            <a:r>
+              <a:rPr lang="en-US" sz="1300" dirty="0"/>
+              <a:t>RI equation display</a:t>
             </a:r>
           </a:p>
           <a:p>
@@ -10583,7 +10620,7 @@
           <a:p>
             <a:r>
               <a:rPr lang="en-US" sz="1300" dirty="0"/>
-              <a:t>RI Download</a:t>
+              <a:t>RI download</a:t>
             </a:r>
           </a:p>
           <a:p>
@@ -10973,7 +11010,7 @@
         <p:spPr>
           <a:xfrm>
             <a:off x="628650" y="808685"/>
-            <a:ext cx="8157541" cy="4197735"/>
+            <a:ext cx="8157541" cy="4197734"/>
           </a:xfrm>
           <a:prstGeom prst="rect">
             <a:avLst/>

--- a/www/RI_GUIDE.pptx
+++ b/www/RI_GUIDE.pptx
@@ -11190,13 +11190,14 @@
           </p:cNvPr>
           <p:cNvCxnSpPr>
             <a:cxnSpLocks/>
+            <a:stCxn id="34" idx="3"/>
           </p:cNvCxnSpPr>
           <p:nvPr/>
         </p:nvCxnSpPr>
         <p:spPr>
           <a:xfrm>
-            <a:off x="7116417" y="1818402"/>
-            <a:ext cx="616226" cy="6627"/>
+            <a:off x="7388087" y="1745517"/>
+            <a:ext cx="399634" cy="0"/>
           </a:xfrm>
           <a:prstGeom prst="straightConnector1">
             <a:avLst/>
@@ -11231,13 +11232,14 @@
           </p:cNvPr>
           <p:cNvCxnSpPr>
             <a:cxnSpLocks/>
+            <a:stCxn id="41" idx="2"/>
           </p:cNvCxnSpPr>
           <p:nvPr/>
         </p:nvCxnSpPr>
         <p:spPr>
           <a:xfrm>
-            <a:off x="6614491" y="3933682"/>
-            <a:ext cx="0" cy="475578"/>
+            <a:off x="6289817" y="3893973"/>
+            <a:ext cx="6626" cy="515287"/>
           </a:xfrm>
           <a:prstGeom prst="straightConnector1">
             <a:avLst/>
@@ -11278,8 +11280,8 @@
         </p:nvCxnSpPr>
         <p:spPr>
           <a:xfrm flipH="1">
-            <a:off x="2759764" y="3675361"/>
-            <a:ext cx="1675576" cy="756123"/>
+            <a:off x="3054626" y="3675361"/>
+            <a:ext cx="1380714" cy="766850"/>
           </a:xfrm>
           <a:prstGeom prst="straightConnector1">
             <a:avLst/>
@@ -11448,8 +11450,8 @@
         </p:nvSpPr>
         <p:spPr>
           <a:xfrm>
-            <a:off x="6334127" y="1701918"/>
-            <a:ext cx="782290" cy="246221"/>
+            <a:off x="6493153" y="1545462"/>
+            <a:ext cx="894934" cy="400110"/>
           </a:xfrm>
           <a:prstGeom prst="rect">
             <a:avLst/>
@@ -11469,7 +11471,7 @@
           <a:p>
             <a:r>
               <a:rPr lang="en-US" sz="1000" dirty="0"/>
-              <a:t>View layers</a:t>
+              <a:t>View layers one at a time</a:t>
             </a:r>
             <a:endParaRPr lang="en-CA" sz="1000" dirty="0"/>
           </a:p>
@@ -11612,7 +11614,7 @@
         </p:nvSpPr>
         <p:spPr>
           <a:xfrm>
-            <a:off x="6212369" y="3647752"/>
+            <a:off x="5887695" y="3647752"/>
             <a:ext cx="804244" cy="246221"/>
           </a:xfrm>
           <a:prstGeom prst="rect">
@@ -11721,6 +11723,170 @@
           </a:p>
         </p:txBody>
       </p:sp>
+      <p:cxnSp>
+        <p:nvCxnSpPr>
+          <p:cNvPr id="2" name="Straight Arrow Connector 1">
+            <a:extLst>
+              <a:ext uri="{FF2B5EF4-FFF2-40B4-BE49-F238E27FC236}">
+                <a16:creationId xmlns:a16="http://schemas.microsoft.com/office/drawing/2014/main" id="{992F9629-9CDD-4C3F-8379-ED086709FFE1}"/>
+              </a:ext>
+            </a:extLst>
+          </p:cNvPr>
+          <p:cNvCxnSpPr>
+            <a:cxnSpLocks/>
+          </p:cNvCxnSpPr>
+          <p:nvPr/>
+        </p:nvCxnSpPr>
+        <p:spPr>
+          <a:xfrm flipV="1">
+            <a:off x="7887115" y="3346246"/>
+            <a:ext cx="0" cy="301506"/>
+          </a:xfrm>
+          <a:prstGeom prst="straightConnector1">
+            <a:avLst/>
+          </a:prstGeom>
+          <a:ln>
+            <a:tailEnd type="triangle"/>
+          </a:ln>
+        </p:spPr>
+        <p:style>
+          <a:lnRef idx="1">
+            <a:schemeClr val="dk1"/>
+          </a:lnRef>
+          <a:fillRef idx="0">
+            <a:schemeClr val="dk1"/>
+          </a:fillRef>
+          <a:effectRef idx="0">
+            <a:schemeClr val="dk1"/>
+          </a:effectRef>
+          <a:fontRef idx="minor">
+            <a:schemeClr val="tx1"/>
+          </a:fontRef>
+        </p:style>
+      </p:cxnSp>
+      <p:sp>
+        <p:nvSpPr>
+          <p:cNvPr id="15" name="TextBox 14">
+            <a:extLst>
+              <a:ext uri="{FF2B5EF4-FFF2-40B4-BE49-F238E27FC236}">
+                <a16:creationId xmlns:a16="http://schemas.microsoft.com/office/drawing/2014/main" id="{A77912EE-E3EB-4FD9-AFE4-9FBBB16A4ACF}"/>
+              </a:ext>
+            </a:extLst>
+          </p:cNvPr>
+          <p:cNvSpPr txBox="1"/>
+          <p:nvPr/>
+        </p:nvSpPr>
+        <p:spPr>
+          <a:xfrm>
+            <a:off x="7177710" y="3653312"/>
+            <a:ext cx="1418809" cy="400110"/>
+          </a:xfrm>
+          <a:prstGeom prst="rect">
+            <a:avLst/>
+          </a:prstGeom>
+          <a:noFill/>
+          <a:ln>
+            <a:solidFill>
+              <a:schemeClr val="tx1"/>
+            </a:solidFill>
+          </a:ln>
+        </p:spPr>
+        <p:txBody>
+          <a:bodyPr wrap="square" rtlCol="0">
+            <a:spAutoFit/>
+          </a:bodyPr>
+          <a:lstStyle/>
+          <a:p>
+            <a:r>
+              <a:rPr lang="en-US" sz="1000" dirty="0"/>
+              <a:t>Click on mapped points to view RI cell value </a:t>
+            </a:r>
+            <a:endParaRPr lang="en-CA" sz="1000" dirty="0"/>
+          </a:p>
+        </p:txBody>
+      </p:sp>
+      <p:sp>
+        <p:nvSpPr>
+          <p:cNvPr id="20" name="TextBox 19">
+            <a:extLst>
+              <a:ext uri="{FF2B5EF4-FFF2-40B4-BE49-F238E27FC236}">
+                <a16:creationId xmlns:a16="http://schemas.microsoft.com/office/drawing/2014/main" id="{1F905E07-814C-6A9C-FAC9-655A4A9F5EDC}"/>
+              </a:ext>
+            </a:extLst>
+          </p:cNvPr>
+          <p:cNvSpPr txBox="1"/>
+          <p:nvPr/>
+        </p:nvSpPr>
+        <p:spPr>
+          <a:xfrm>
+            <a:off x="6787181" y="2490202"/>
+            <a:ext cx="1000540" cy="246221"/>
+          </a:xfrm>
+          <a:prstGeom prst="rect">
+            <a:avLst/>
+          </a:prstGeom>
+          <a:noFill/>
+          <a:ln>
+            <a:solidFill>
+              <a:schemeClr val="tx1"/>
+            </a:solidFill>
+          </a:ln>
+        </p:spPr>
+        <p:txBody>
+          <a:bodyPr wrap="square" rtlCol="0">
+            <a:spAutoFit/>
+          </a:bodyPr>
+          <a:lstStyle/>
+          <a:p>
+            <a:r>
+              <a:rPr lang="en-US" sz="1000" dirty="0"/>
+              <a:t>Toggle overlays</a:t>
+            </a:r>
+            <a:endParaRPr lang="en-CA" sz="1000" dirty="0"/>
+          </a:p>
+        </p:txBody>
+      </p:sp>
+      <p:cxnSp>
+        <p:nvCxnSpPr>
+          <p:cNvPr id="21" name="Straight Arrow Connector 20">
+            <a:extLst>
+              <a:ext uri="{FF2B5EF4-FFF2-40B4-BE49-F238E27FC236}">
+                <a16:creationId xmlns:a16="http://schemas.microsoft.com/office/drawing/2014/main" id="{CEF8C428-8A3E-48FB-E219-7579D958B263}"/>
+              </a:ext>
+            </a:extLst>
+          </p:cNvPr>
+          <p:cNvCxnSpPr>
+            <a:cxnSpLocks/>
+          </p:cNvCxnSpPr>
+          <p:nvPr/>
+        </p:nvCxnSpPr>
+        <p:spPr>
+          <a:xfrm>
+            <a:off x="7388087" y="2741983"/>
+            <a:ext cx="399634" cy="404001"/>
+          </a:xfrm>
+          <a:prstGeom prst="straightConnector1">
+            <a:avLst/>
+          </a:prstGeom>
+          <a:ln>
+            <a:tailEnd type="triangle"/>
+          </a:ln>
+        </p:spPr>
+        <p:style>
+          <a:lnRef idx="1">
+            <a:schemeClr val="dk1"/>
+          </a:lnRef>
+          <a:fillRef idx="0">
+            <a:schemeClr val="dk1"/>
+          </a:fillRef>
+          <a:effectRef idx="0">
+            <a:schemeClr val="dk1"/>
+          </a:effectRef>
+          <a:fontRef idx="minor">
+            <a:schemeClr val="tx1"/>
+          </a:fontRef>
+        </p:style>
+      </p:cxnSp>
     </p:spTree>
     <p:extLst>
       <p:ext uri="{BB962C8B-B14F-4D97-AF65-F5344CB8AC3E}">
@@ -12764,16 +12930,16 @@
 <file path=customXml/itemProps5.xml><?xml version="1.0" encoding="utf-8"?>
 <ds:datastoreItem xmlns:ds="http://schemas.openxmlformats.org/officeDocument/2006/customXml" ds:itemID="{9C876B4E-9239-4840-BF5E-B55D728E076B}">
   <ds:schemaRefs>
-    <ds:schemaRef ds:uri="http://purl.org/dc/elements/1.1/"/>
-    <ds:schemaRef ds:uri="http://schemas.openxmlformats.org/package/2006/metadata/core-properties"/>
+    <ds:schemaRef ds:uri="http://purl.org/dc/dcmitype/"/>
+    <ds:schemaRef ds:uri="http://purl.org/dc/terms/"/>
+    <ds:schemaRef ds:uri="9daf4fce-efdb-4f08-985f-94c0458ac4da"/>
     <ds:schemaRef ds:uri="http://www.w3.org/XML/1998/namespace"/>
     <ds:schemaRef ds:uri="http://schemas.microsoft.com/office/2006/documentManagement/types"/>
-    <ds:schemaRef ds:uri="http://purl.org/dc/dcmitype/"/>
+    <ds:schemaRef ds:uri="http://purl.org/dc/elements/1.1/"/>
+    <ds:schemaRef ds:uri="http://schemas.microsoft.com/office/2006/metadata/properties"/>
+    <ds:schemaRef ds:uri="http://schemas.openxmlformats.org/package/2006/metadata/core-properties"/>
     <ds:schemaRef ds:uri="http://schemas.microsoft.com/office/infopath/2007/PartnerControls"/>
     <ds:schemaRef ds:uri="b73fb41d-4db5-49df-b889-ce373c40e3ec"/>
-    <ds:schemaRef ds:uri="9daf4fce-efdb-4f08-985f-94c0458ac4da"/>
-    <ds:schemaRef ds:uri="http://schemas.microsoft.com/office/2006/metadata/properties"/>
-    <ds:schemaRef ds:uri="http://purl.org/dc/terms/"/>
   </ds:schemaRefs>
 </ds:datastoreItem>
 </file>
--- a/www/RI_GUIDE.pptx
+++ b/www/RI_GUIDE.pptx
@@ -11190,14 +11190,13 @@
           </p:cNvPr>
           <p:cNvCxnSpPr>
             <a:cxnSpLocks/>
-            <a:stCxn id="34" idx="3"/>
           </p:cNvCxnSpPr>
           <p:nvPr/>
         </p:nvCxnSpPr>
         <p:spPr>
           <a:xfrm>
-            <a:off x="7388087" y="1745517"/>
-            <a:ext cx="399634" cy="0"/>
+            <a:off x="7116417" y="1818402"/>
+            <a:ext cx="616226" cy="6627"/>
           </a:xfrm>
           <a:prstGeom prst="straightConnector1">
             <a:avLst/>
@@ -11232,14 +11231,13 @@
           </p:cNvPr>
           <p:cNvCxnSpPr>
             <a:cxnSpLocks/>
-            <a:stCxn id="41" idx="2"/>
           </p:cNvCxnSpPr>
           <p:nvPr/>
         </p:nvCxnSpPr>
         <p:spPr>
           <a:xfrm>
-            <a:off x="6289817" y="3893973"/>
-            <a:ext cx="6626" cy="515287"/>
+            <a:off x="6614491" y="3933682"/>
+            <a:ext cx="0" cy="475578"/>
           </a:xfrm>
           <a:prstGeom prst="straightConnector1">
             <a:avLst/>
@@ -11280,8 +11278,8 @@
         </p:nvCxnSpPr>
         <p:spPr>
           <a:xfrm flipH="1">
-            <a:off x="3054626" y="3675361"/>
-            <a:ext cx="1380714" cy="766850"/>
+            <a:off x="2759764" y="3675361"/>
+            <a:ext cx="1675576" cy="756123"/>
           </a:xfrm>
           <a:prstGeom prst="straightConnector1">
             <a:avLst/>
@@ -11450,8 +11448,8 @@
         </p:nvSpPr>
         <p:spPr>
           <a:xfrm>
-            <a:off x="6493153" y="1545462"/>
-            <a:ext cx="894934" cy="400110"/>
+            <a:off x="6334127" y="1701918"/>
+            <a:ext cx="782290" cy="246221"/>
           </a:xfrm>
           <a:prstGeom prst="rect">
             <a:avLst/>
@@ -11471,7 +11469,7 @@
           <a:p>
             <a:r>
               <a:rPr lang="en-US" sz="1000" dirty="0"/>
-              <a:t>View layers one at a time</a:t>
+              <a:t>View layers</a:t>
             </a:r>
             <a:endParaRPr lang="en-CA" sz="1000" dirty="0"/>
           </a:p>
@@ -11614,7 +11612,7 @@
         </p:nvSpPr>
         <p:spPr>
           <a:xfrm>
-            <a:off x="5887695" y="3647752"/>
+            <a:off x="6212369" y="3647752"/>
             <a:ext cx="804244" cy="246221"/>
           </a:xfrm>
           <a:prstGeom prst="rect">
@@ -11723,170 +11721,6 @@
           </a:p>
         </p:txBody>
       </p:sp>
-      <p:cxnSp>
-        <p:nvCxnSpPr>
-          <p:cNvPr id="2" name="Straight Arrow Connector 1">
-            <a:extLst>
-              <a:ext uri="{FF2B5EF4-FFF2-40B4-BE49-F238E27FC236}">
-                <a16:creationId xmlns:a16="http://schemas.microsoft.com/office/drawing/2014/main" id="{992F9629-9CDD-4C3F-8379-ED086709FFE1}"/>
-              </a:ext>
-            </a:extLst>
-          </p:cNvPr>
-          <p:cNvCxnSpPr>
-            <a:cxnSpLocks/>
-          </p:cNvCxnSpPr>
-          <p:nvPr/>
-        </p:nvCxnSpPr>
-        <p:spPr>
-          <a:xfrm flipV="1">
-            <a:off x="7887115" y="3346246"/>
-            <a:ext cx="0" cy="301506"/>
-          </a:xfrm>
-          <a:prstGeom prst="straightConnector1">
-            <a:avLst/>
-          </a:prstGeom>
-          <a:ln>
-            <a:tailEnd type="triangle"/>
-          </a:ln>
-        </p:spPr>
-        <p:style>
-          <a:lnRef idx="1">
-            <a:schemeClr val="dk1"/>
-          </a:lnRef>
-          <a:fillRef idx="0">
-            <a:schemeClr val="dk1"/>
-          </a:fillRef>
-          <a:effectRef idx="0">
-            <a:schemeClr val="dk1"/>
-          </a:effectRef>
-          <a:fontRef idx="minor">
-            <a:schemeClr val="tx1"/>
-          </a:fontRef>
-        </p:style>
-      </p:cxnSp>
-      <p:sp>
-        <p:nvSpPr>
-          <p:cNvPr id="15" name="TextBox 14">
-            <a:extLst>
-              <a:ext uri="{FF2B5EF4-FFF2-40B4-BE49-F238E27FC236}">
-                <a16:creationId xmlns:a16="http://schemas.microsoft.com/office/drawing/2014/main" id="{A77912EE-E3EB-4FD9-AFE4-9FBBB16A4ACF}"/>
-              </a:ext>
-            </a:extLst>
-          </p:cNvPr>
-          <p:cNvSpPr txBox="1"/>
-          <p:nvPr/>
-        </p:nvSpPr>
-        <p:spPr>
-          <a:xfrm>
-            <a:off x="7177710" y="3653312"/>
-            <a:ext cx="1418809" cy="400110"/>
-          </a:xfrm>
-          <a:prstGeom prst="rect">
-            <a:avLst/>
-          </a:prstGeom>
-          <a:noFill/>
-          <a:ln>
-            <a:solidFill>
-              <a:schemeClr val="tx1"/>
-            </a:solidFill>
-          </a:ln>
-        </p:spPr>
-        <p:txBody>
-          <a:bodyPr wrap="square" rtlCol="0">
-            <a:spAutoFit/>
-          </a:bodyPr>
-          <a:lstStyle/>
-          <a:p>
-            <a:r>
-              <a:rPr lang="en-US" sz="1000" dirty="0"/>
-              <a:t>Click on mapped points to view RI cell value </a:t>
-            </a:r>
-            <a:endParaRPr lang="en-CA" sz="1000" dirty="0"/>
-          </a:p>
-        </p:txBody>
-      </p:sp>
-      <p:sp>
-        <p:nvSpPr>
-          <p:cNvPr id="20" name="TextBox 19">
-            <a:extLst>
-              <a:ext uri="{FF2B5EF4-FFF2-40B4-BE49-F238E27FC236}">
-                <a16:creationId xmlns:a16="http://schemas.microsoft.com/office/drawing/2014/main" id="{1F905E07-814C-6A9C-FAC9-655A4A9F5EDC}"/>
-              </a:ext>
-            </a:extLst>
-          </p:cNvPr>
-          <p:cNvSpPr txBox="1"/>
-          <p:nvPr/>
-        </p:nvSpPr>
-        <p:spPr>
-          <a:xfrm>
-            <a:off x="6787181" y="2490202"/>
-            <a:ext cx="1000540" cy="246221"/>
-          </a:xfrm>
-          <a:prstGeom prst="rect">
-            <a:avLst/>
-          </a:prstGeom>
-          <a:noFill/>
-          <a:ln>
-            <a:solidFill>
-              <a:schemeClr val="tx1"/>
-            </a:solidFill>
-          </a:ln>
-        </p:spPr>
-        <p:txBody>
-          <a:bodyPr wrap="square" rtlCol="0">
-            <a:spAutoFit/>
-          </a:bodyPr>
-          <a:lstStyle/>
-          <a:p>
-            <a:r>
-              <a:rPr lang="en-US" sz="1000" dirty="0"/>
-              <a:t>Toggle overlays</a:t>
-            </a:r>
-            <a:endParaRPr lang="en-CA" sz="1000" dirty="0"/>
-          </a:p>
-        </p:txBody>
-      </p:sp>
-      <p:cxnSp>
-        <p:nvCxnSpPr>
-          <p:cNvPr id="21" name="Straight Arrow Connector 20">
-            <a:extLst>
-              <a:ext uri="{FF2B5EF4-FFF2-40B4-BE49-F238E27FC236}">
-                <a16:creationId xmlns:a16="http://schemas.microsoft.com/office/drawing/2014/main" id="{CEF8C428-8A3E-48FB-E219-7579D958B263}"/>
-              </a:ext>
-            </a:extLst>
-          </p:cNvPr>
-          <p:cNvCxnSpPr>
-            <a:cxnSpLocks/>
-          </p:cNvCxnSpPr>
-          <p:nvPr/>
-        </p:nvCxnSpPr>
-        <p:spPr>
-          <a:xfrm>
-            <a:off x="7388087" y="2741983"/>
-            <a:ext cx="399634" cy="404001"/>
-          </a:xfrm>
-          <a:prstGeom prst="straightConnector1">
-            <a:avLst/>
-          </a:prstGeom>
-          <a:ln>
-            <a:tailEnd type="triangle"/>
-          </a:ln>
-        </p:spPr>
-        <p:style>
-          <a:lnRef idx="1">
-            <a:schemeClr val="dk1"/>
-          </a:lnRef>
-          <a:fillRef idx="0">
-            <a:schemeClr val="dk1"/>
-          </a:fillRef>
-          <a:effectRef idx="0">
-            <a:schemeClr val="dk1"/>
-          </a:effectRef>
-          <a:fontRef idx="minor">
-            <a:schemeClr val="tx1"/>
-          </a:fontRef>
-        </p:style>
-      </p:cxnSp>
     </p:spTree>
     <p:extLst>
       <p:ext uri="{BB962C8B-B14F-4D97-AF65-F5344CB8AC3E}">
@@ -12930,16 +12764,16 @@
 <file path=customXml/itemProps5.xml><?xml version="1.0" encoding="utf-8"?>
 <ds:datastoreItem xmlns:ds="http://schemas.openxmlformats.org/officeDocument/2006/customXml" ds:itemID="{9C876B4E-9239-4840-BF5E-B55D728E076B}">
   <ds:schemaRefs>
-    <ds:schemaRef ds:uri="http://purl.org/dc/dcmitype/"/>
-    <ds:schemaRef ds:uri="http://purl.org/dc/terms/"/>
-    <ds:schemaRef ds:uri="9daf4fce-efdb-4f08-985f-94c0458ac4da"/>
+    <ds:schemaRef ds:uri="http://purl.org/dc/elements/1.1/"/>
+    <ds:schemaRef ds:uri="http://schemas.openxmlformats.org/package/2006/metadata/core-properties"/>
     <ds:schemaRef ds:uri="http://www.w3.org/XML/1998/namespace"/>
     <ds:schemaRef ds:uri="http://schemas.microsoft.com/office/2006/documentManagement/types"/>
-    <ds:schemaRef ds:uri="http://purl.org/dc/elements/1.1/"/>
-    <ds:schemaRef ds:uri="http://schemas.microsoft.com/office/2006/metadata/properties"/>
-    <ds:schemaRef ds:uri="http://schemas.openxmlformats.org/package/2006/metadata/core-properties"/>
+    <ds:schemaRef ds:uri="http://purl.org/dc/dcmitype/"/>
     <ds:schemaRef ds:uri="http://schemas.microsoft.com/office/infopath/2007/PartnerControls"/>
     <ds:schemaRef ds:uri="b73fb41d-4db5-49df-b889-ce373c40e3ec"/>
+    <ds:schemaRef ds:uri="9daf4fce-efdb-4f08-985f-94c0458ac4da"/>
+    <ds:schemaRef ds:uri="http://schemas.microsoft.com/office/2006/metadata/properties"/>
+    <ds:schemaRef ds:uri="http://purl.org/dc/terms/"/>
   </ds:schemaRefs>
 </ds:datastoreItem>
 </file>
--- a/www/RI_GUIDE.pptx
+++ b/www/RI_GUIDE.pptx
@@ -5,7 +5,7 @@
     <p:sldMasterId id="2147483660" r:id="rId6"/>
   </p:sldMasterIdLst>
   <p:notesMasterIdLst>
-    <p:notesMasterId r:id="rId15"/>
+    <p:notesMasterId r:id="rId16"/>
   </p:notesMasterIdLst>
   <p:sldIdLst>
     <p:sldId id="256" r:id="rId7"/>
@@ -16,6 +16,7 @@
     <p:sldId id="261" r:id="rId12"/>
     <p:sldId id="262" r:id="rId13"/>
     <p:sldId id="263" r:id="rId14"/>
+    <p:sldId id="264" r:id="rId15"/>
   </p:sldIdLst>
   <p:sldSz cx="9144000" cy="5143500" type="screen16x9"/>
   <p:notesSz cx="6858000" cy="9144000"/>
@@ -1150,6 +1151,90 @@
     <p:extLst>
       <p:ext uri="{BB962C8B-B14F-4D97-AF65-F5344CB8AC3E}">
         <p14:creationId xmlns:p14="http://schemas.microsoft.com/office/powerpoint/2010/main" val="4120884689"/>
+      </p:ext>
+    </p:extLst>
+  </p:cSld>
+  <p:clrMapOvr>
+    <a:masterClrMapping/>
+  </p:clrMapOvr>
+</p:notes>
+</file>
+
+<file path=ppt/notesSlides/notesSlide9.xml><?xml version="1.0" encoding="utf-8"?>
+<p:notes xmlns:a="http://schemas.openxmlformats.org/drawingml/2006/main" xmlns:r="http://schemas.openxmlformats.org/officeDocument/2006/relationships" xmlns:p="http://schemas.openxmlformats.org/presentationml/2006/main">
+  <p:cSld>
+    <p:spTree>
+      <p:nvGrpSpPr>
+        <p:cNvPr id="1" name=""/>
+        <p:cNvGrpSpPr/>
+        <p:nvPr/>
+      </p:nvGrpSpPr>
+      <p:grpSpPr>
+        <a:xfrm>
+          <a:off x="0" y="0"/>
+          <a:ext cx="0" cy="0"/>
+          <a:chOff x="0" y="0"/>
+          <a:chExt cx="0" cy="0"/>
+        </a:xfrm>
+      </p:grpSpPr>
+      <p:sp>
+        <p:nvSpPr>
+          <p:cNvPr id="2" name="Slide Image Placeholder 1"/>
+          <p:cNvSpPr>
+            <a:spLocks noGrp="1" noRot="1" noChangeAspect="1"/>
+          </p:cNvSpPr>
+          <p:nvPr>
+            <p:ph type="sldImg"/>
+          </p:nvPr>
+        </p:nvSpPr>
+        <p:spPr/>
+      </p:sp>
+      <p:sp>
+        <p:nvSpPr>
+          <p:cNvPr id="3" name="Notes Placeholder 2"/>
+          <p:cNvSpPr>
+            <a:spLocks noGrp="1"/>
+          </p:cNvSpPr>
+          <p:nvPr>
+            <p:ph type="body" idx="1"/>
+          </p:nvPr>
+        </p:nvSpPr>
+        <p:spPr/>
+        <p:txBody>
+          <a:bodyPr/>
+          <a:lstStyle/>
+          <a:p>
+            <a:endParaRPr lang="en-CA"/>
+          </a:p>
+        </p:txBody>
+      </p:sp>
+      <p:sp>
+        <p:nvSpPr>
+          <p:cNvPr id="4" name="Slide Number Placeholder 3"/>
+          <p:cNvSpPr>
+            <a:spLocks noGrp="1"/>
+          </p:cNvSpPr>
+          <p:nvPr>
+            <p:ph type="sldNum" sz="quarter" idx="5"/>
+          </p:nvPr>
+        </p:nvSpPr>
+        <p:spPr/>
+        <p:txBody>
+          <a:bodyPr/>
+          <a:lstStyle/>
+          <a:p>
+            <a:fld id="{707FE74B-307F-4064-955D-4424C3D9D715}" type="slidenum">
+              <a:rPr lang="en-CA" smtClean="0"/>
+              <a:t>9</a:t>
+            </a:fld>
+            <a:endParaRPr lang="en-CA"/>
+          </a:p>
+        </p:txBody>
+      </p:sp>
+    </p:spTree>
+    <p:extLst>
+      <p:ext uri="{BB962C8B-B14F-4D97-AF65-F5344CB8AC3E}">
+        <p14:creationId xmlns:p14="http://schemas.microsoft.com/office/powerpoint/2010/main" val="4118420621"/>
       </p:ext>
     </p:extLst>
   </p:cSld>
@@ -11050,7 +11135,7 @@
           <a:p>
             <a:r>
               <a:rPr lang="en-US" dirty="0"/>
-              <a:t>RI BUILDER</a:t>
+              <a:t>RI BUILDER UI</a:t>
             </a:r>
             <a:endParaRPr lang="en-CA" dirty="0"/>
           </a:p>
@@ -11190,13 +11275,14 @@
           </p:cNvPr>
           <p:cNvCxnSpPr>
             <a:cxnSpLocks/>
+            <a:stCxn id="34" idx="3"/>
           </p:cNvCxnSpPr>
           <p:nvPr/>
         </p:nvCxnSpPr>
         <p:spPr>
           <a:xfrm>
-            <a:off x="7116417" y="1818402"/>
-            <a:ext cx="616226" cy="6627"/>
+            <a:off x="7388087" y="1745517"/>
+            <a:ext cx="399634" cy="0"/>
           </a:xfrm>
           <a:prstGeom prst="straightConnector1">
             <a:avLst/>
@@ -11231,13 +11317,14 @@
           </p:cNvPr>
           <p:cNvCxnSpPr>
             <a:cxnSpLocks/>
+            <a:stCxn id="41" idx="2"/>
           </p:cNvCxnSpPr>
           <p:nvPr/>
         </p:nvCxnSpPr>
         <p:spPr>
           <a:xfrm>
-            <a:off x="6614491" y="3933682"/>
-            <a:ext cx="0" cy="475578"/>
+            <a:off x="6289817" y="3893973"/>
+            <a:ext cx="6626" cy="515287"/>
           </a:xfrm>
           <a:prstGeom prst="straightConnector1">
             <a:avLst/>
@@ -11278,8 +11365,8 @@
         </p:nvCxnSpPr>
         <p:spPr>
           <a:xfrm flipH="1">
-            <a:off x="2759764" y="3675361"/>
-            <a:ext cx="1675576" cy="756123"/>
+            <a:off x="3054626" y="3675361"/>
+            <a:ext cx="1380714" cy="766850"/>
           </a:xfrm>
           <a:prstGeom prst="straightConnector1">
             <a:avLst/>
@@ -11448,8 +11535,8 @@
         </p:nvSpPr>
         <p:spPr>
           <a:xfrm>
-            <a:off x="6334127" y="1701918"/>
-            <a:ext cx="782290" cy="246221"/>
+            <a:off x="6493153" y="1545462"/>
+            <a:ext cx="894934" cy="400110"/>
           </a:xfrm>
           <a:prstGeom prst="rect">
             <a:avLst/>
@@ -11469,7 +11556,7 @@
           <a:p>
             <a:r>
               <a:rPr lang="en-US" sz="1000" dirty="0"/>
-              <a:t>View layers</a:t>
+              <a:t>View layers one at a time</a:t>
             </a:r>
             <a:endParaRPr lang="en-CA" sz="1000" dirty="0"/>
           </a:p>
@@ -11612,7 +11699,7 @@
         </p:nvSpPr>
         <p:spPr>
           <a:xfrm>
-            <a:off x="6212369" y="3647752"/>
+            <a:off x="5887695" y="3647752"/>
             <a:ext cx="804244" cy="246221"/>
           </a:xfrm>
           <a:prstGeom prst="rect">
@@ -11721,10 +11808,1069 @@
           </a:p>
         </p:txBody>
       </p:sp>
+      <p:cxnSp>
+        <p:nvCxnSpPr>
+          <p:cNvPr id="2" name="Straight Arrow Connector 1">
+            <a:extLst>
+              <a:ext uri="{FF2B5EF4-FFF2-40B4-BE49-F238E27FC236}">
+                <a16:creationId xmlns:a16="http://schemas.microsoft.com/office/drawing/2014/main" id="{992F9629-9CDD-4C3F-8379-ED086709FFE1}"/>
+              </a:ext>
+            </a:extLst>
+          </p:cNvPr>
+          <p:cNvCxnSpPr>
+            <a:cxnSpLocks/>
+          </p:cNvCxnSpPr>
+          <p:nvPr/>
+        </p:nvCxnSpPr>
+        <p:spPr>
+          <a:xfrm flipV="1">
+            <a:off x="7887115" y="3346246"/>
+            <a:ext cx="0" cy="301506"/>
+          </a:xfrm>
+          <a:prstGeom prst="straightConnector1">
+            <a:avLst/>
+          </a:prstGeom>
+          <a:ln>
+            <a:tailEnd type="triangle"/>
+          </a:ln>
+        </p:spPr>
+        <p:style>
+          <a:lnRef idx="1">
+            <a:schemeClr val="dk1"/>
+          </a:lnRef>
+          <a:fillRef idx="0">
+            <a:schemeClr val="dk1"/>
+          </a:fillRef>
+          <a:effectRef idx="0">
+            <a:schemeClr val="dk1"/>
+          </a:effectRef>
+          <a:fontRef idx="minor">
+            <a:schemeClr val="tx1"/>
+          </a:fontRef>
+        </p:style>
+      </p:cxnSp>
+      <p:sp>
+        <p:nvSpPr>
+          <p:cNvPr id="15" name="TextBox 14">
+            <a:extLst>
+              <a:ext uri="{FF2B5EF4-FFF2-40B4-BE49-F238E27FC236}">
+                <a16:creationId xmlns:a16="http://schemas.microsoft.com/office/drawing/2014/main" id="{A77912EE-E3EB-4FD9-AFE4-9FBBB16A4ACF}"/>
+              </a:ext>
+            </a:extLst>
+          </p:cNvPr>
+          <p:cNvSpPr txBox="1"/>
+          <p:nvPr/>
+        </p:nvSpPr>
+        <p:spPr>
+          <a:xfrm>
+            <a:off x="7177710" y="3653312"/>
+            <a:ext cx="1418809" cy="400110"/>
+          </a:xfrm>
+          <a:prstGeom prst="rect">
+            <a:avLst/>
+          </a:prstGeom>
+          <a:noFill/>
+          <a:ln>
+            <a:solidFill>
+              <a:schemeClr val="tx1"/>
+            </a:solidFill>
+          </a:ln>
+        </p:spPr>
+        <p:txBody>
+          <a:bodyPr wrap="square" rtlCol="0">
+            <a:spAutoFit/>
+          </a:bodyPr>
+          <a:lstStyle/>
+          <a:p>
+            <a:r>
+              <a:rPr lang="en-US" sz="1000" dirty="0"/>
+              <a:t>Click on mapped points to view RI cell value </a:t>
+            </a:r>
+            <a:endParaRPr lang="en-CA" sz="1000" dirty="0"/>
+          </a:p>
+        </p:txBody>
+      </p:sp>
+      <p:sp>
+        <p:nvSpPr>
+          <p:cNvPr id="20" name="TextBox 19">
+            <a:extLst>
+              <a:ext uri="{FF2B5EF4-FFF2-40B4-BE49-F238E27FC236}">
+                <a16:creationId xmlns:a16="http://schemas.microsoft.com/office/drawing/2014/main" id="{1F905E07-814C-6A9C-FAC9-655A4A9F5EDC}"/>
+              </a:ext>
+            </a:extLst>
+          </p:cNvPr>
+          <p:cNvSpPr txBox="1"/>
+          <p:nvPr/>
+        </p:nvSpPr>
+        <p:spPr>
+          <a:xfrm>
+            <a:off x="6787181" y="2490202"/>
+            <a:ext cx="1000540" cy="246221"/>
+          </a:xfrm>
+          <a:prstGeom prst="rect">
+            <a:avLst/>
+          </a:prstGeom>
+          <a:noFill/>
+          <a:ln>
+            <a:solidFill>
+              <a:schemeClr val="tx1"/>
+            </a:solidFill>
+          </a:ln>
+        </p:spPr>
+        <p:txBody>
+          <a:bodyPr wrap="square" rtlCol="0">
+            <a:spAutoFit/>
+          </a:bodyPr>
+          <a:lstStyle/>
+          <a:p>
+            <a:r>
+              <a:rPr lang="en-US" sz="1000" dirty="0"/>
+              <a:t>Toggle overlays</a:t>
+            </a:r>
+            <a:endParaRPr lang="en-CA" sz="1000" dirty="0"/>
+          </a:p>
+        </p:txBody>
+      </p:sp>
+      <p:cxnSp>
+        <p:nvCxnSpPr>
+          <p:cNvPr id="21" name="Straight Arrow Connector 20">
+            <a:extLst>
+              <a:ext uri="{FF2B5EF4-FFF2-40B4-BE49-F238E27FC236}">
+                <a16:creationId xmlns:a16="http://schemas.microsoft.com/office/drawing/2014/main" id="{CEF8C428-8A3E-48FB-E219-7579D958B263}"/>
+              </a:ext>
+            </a:extLst>
+          </p:cNvPr>
+          <p:cNvCxnSpPr>
+            <a:cxnSpLocks/>
+          </p:cNvCxnSpPr>
+          <p:nvPr/>
+        </p:nvCxnSpPr>
+        <p:spPr>
+          <a:xfrm>
+            <a:off x="7388087" y="2741983"/>
+            <a:ext cx="399634" cy="404001"/>
+          </a:xfrm>
+          <a:prstGeom prst="straightConnector1">
+            <a:avLst/>
+          </a:prstGeom>
+          <a:ln>
+            <a:tailEnd type="triangle"/>
+          </a:ln>
+        </p:spPr>
+        <p:style>
+          <a:lnRef idx="1">
+            <a:schemeClr val="dk1"/>
+          </a:lnRef>
+          <a:fillRef idx="0">
+            <a:schemeClr val="dk1"/>
+          </a:fillRef>
+          <a:effectRef idx="0">
+            <a:schemeClr val="dk1"/>
+          </a:effectRef>
+          <a:fontRef idx="minor">
+            <a:schemeClr val="tx1"/>
+          </a:fontRef>
+        </p:style>
+      </p:cxnSp>
     </p:spTree>
     <p:extLst>
       <p:ext uri="{BB962C8B-B14F-4D97-AF65-F5344CB8AC3E}">
         <p14:creationId xmlns:p14="http://schemas.microsoft.com/office/powerpoint/2010/main" val="1177813972"/>
+      </p:ext>
+    </p:extLst>
+  </p:cSld>
+  <p:clrMapOvr>
+    <a:masterClrMapping/>
+  </p:clrMapOvr>
+</p:sld>
+</file>
+
+<file path=ppt/slides/slide9.xml><?xml version="1.0" encoding="utf-8"?>
+<p:sld xmlns:a="http://schemas.openxmlformats.org/drawingml/2006/main" xmlns:r="http://schemas.openxmlformats.org/officeDocument/2006/relationships" xmlns:p="http://schemas.openxmlformats.org/presentationml/2006/main">
+  <p:cSld>
+    <p:spTree>
+      <p:nvGrpSpPr>
+        <p:cNvPr id="1" name=""/>
+        <p:cNvGrpSpPr/>
+        <p:nvPr/>
+      </p:nvGrpSpPr>
+      <p:grpSpPr>
+        <a:xfrm>
+          <a:off x="0" y="0"/>
+          <a:ext cx="0" cy="0"/>
+          <a:chOff x="0" y="0"/>
+          <a:chExt cx="0" cy="0"/>
+        </a:xfrm>
+      </p:grpSpPr>
+      <p:pic>
+        <p:nvPicPr>
+          <p:cNvPr id="5" name="Picture 4">
+            <a:extLst>
+              <a:ext uri="{FF2B5EF4-FFF2-40B4-BE49-F238E27FC236}">
+                <a16:creationId xmlns:a16="http://schemas.microsoft.com/office/drawing/2014/main" id="{A5BD1FFB-C6C9-B9CC-9710-4314A5417040}"/>
+              </a:ext>
+            </a:extLst>
+          </p:cNvPr>
+          <p:cNvPicPr>
+            <a:picLocks noChangeAspect="1"/>
+          </p:cNvPicPr>
+          <p:nvPr/>
+        </p:nvPicPr>
+        <p:blipFill>
+          <a:blip r:embed="rId3">
+            <a:alphaModFix/>
+            <a:extLst>
+              <a:ext uri="{BEBA8EAE-BF5A-486C-A8C5-ECC9F3942E4B}">
+                <a14:imgProps xmlns:a14="http://schemas.microsoft.com/office/drawing/2010/main">
+                  <a14:imgLayer r:embed="rId4">
+                    <a14:imgEffect>
+                      <a14:backgroundRemoval t="10000" b="90000" l="10000" r="90000"/>
+                    </a14:imgEffect>
+                  </a14:imgLayer>
+                </a14:imgProps>
+              </a:ext>
+              <a:ext uri="{28A0092B-C50C-407E-A947-70E740481C1C}">
+                <a14:useLocalDpi xmlns:a14="http://schemas.microsoft.com/office/drawing/2010/main" val="0"/>
+              </a:ext>
+            </a:extLst>
+          </a:blip>
+          <a:srcRect/>
+          <a:stretch/>
+        </p:blipFill>
+        <p:spPr>
+          <a:xfrm>
+            <a:off x="4592782" y="393106"/>
+            <a:ext cx="3377537" cy="4370936"/>
+          </a:xfrm>
+          <a:prstGeom prst="rect">
+            <a:avLst/>
+          </a:prstGeom>
+        </p:spPr>
+      </p:pic>
+      <p:sp>
+        <p:nvSpPr>
+          <p:cNvPr id="6" name="Title 5">
+            <a:extLst>
+              <a:ext uri="{FF2B5EF4-FFF2-40B4-BE49-F238E27FC236}">
+                <a16:creationId xmlns:a16="http://schemas.microsoft.com/office/drawing/2014/main" id="{EA1DA570-A070-3FC0-D489-3B7DA96EA1F3}"/>
+              </a:ext>
+            </a:extLst>
+          </p:cNvPr>
+          <p:cNvSpPr>
+            <a:spLocks noGrp="1"/>
+          </p:cNvSpPr>
+          <p:nvPr>
+            <p:ph type="title"/>
+          </p:nvPr>
+        </p:nvSpPr>
+        <p:spPr/>
+        <p:txBody>
+          <a:bodyPr/>
+          <a:lstStyle/>
+          <a:p>
+            <a:r>
+              <a:rPr lang="en-US" dirty="0"/>
+              <a:t>NEXT STEPS</a:t>
+            </a:r>
+            <a:endParaRPr lang="en-CA" dirty="0"/>
+          </a:p>
+        </p:txBody>
+      </p:sp>
+      <p:sp>
+        <p:nvSpPr>
+          <p:cNvPr id="8" name="Content Placeholder 7">
+            <a:extLst>
+              <a:ext uri="{FF2B5EF4-FFF2-40B4-BE49-F238E27FC236}">
+                <a16:creationId xmlns:a16="http://schemas.microsoft.com/office/drawing/2014/main" id="{A5C65A31-31C6-888F-AF71-FAD7B2A5AEB9}"/>
+              </a:ext>
+            </a:extLst>
+          </p:cNvPr>
+          <p:cNvSpPr>
+            <a:spLocks noGrp="1"/>
+          </p:cNvSpPr>
+          <p:nvPr>
+            <p:ph idx="1"/>
+          </p:nvPr>
+        </p:nvSpPr>
+        <p:spPr>
+          <a:xfrm>
+            <a:off x="628650" y="759884"/>
+            <a:ext cx="8402707" cy="824016"/>
+          </a:xfrm>
+        </p:spPr>
+        <p:txBody>
+          <a:bodyPr>
+            <a:normAutofit/>
+          </a:bodyPr>
+          <a:lstStyle/>
+          <a:p>
+            <a:pPr marL="0" indent="0">
+              <a:buNone/>
+            </a:pPr>
+            <a:endParaRPr lang="en-US" dirty="0"/>
+          </a:p>
+          <a:p>
+            <a:endParaRPr lang="en-US" dirty="0"/>
+          </a:p>
+          <a:p>
+            <a:pPr marL="0" indent="0">
+              <a:buNone/>
+            </a:pPr>
+            <a:endParaRPr lang="en-CA" dirty="0"/>
+          </a:p>
+        </p:txBody>
+      </p:sp>
+      <p:sp>
+        <p:nvSpPr>
+          <p:cNvPr id="4" name="Content Placeholder 7">
+            <a:extLst>
+              <a:ext uri="{FF2B5EF4-FFF2-40B4-BE49-F238E27FC236}">
+                <a16:creationId xmlns:a16="http://schemas.microsoft.com/office/drawing/2014/main" id="{66C7D8DE-13B1-FB63-DBC4-BD613D347951}"/>
+              </a:ext>
+            </a:extLst>
+          </p:cNvPr>
+          <p:cNvSpPr txBox="1">
+            <a:spLocks/>
+          </p:cNvSpPr>
+          <p:nvPr/>
+        </p:nvSpPr>
+        <p:spPr>
+          <a:xfrm>
+            <a:off x="628650" y="3374234"/>
+            <a:ext cx="7886700" cy="824016"/>
+          </a:xfrm>
+          <a:prstGeom prst="rect">
+            <a:avLst/>
+          </a:prstGeom>
+        </p:spPr>
+        <p:txBody>
+          <a:bodyPr vert="horz" lIns="68580" tIns="34290" rIns="68580" bIns="34290" rtlCol="0">
+            <a:normAutofit/>
+          </a:bodyPr>
+          <a:lstStyle>
+            <a:lvl1pPr marL="171450" indent="-171450" algn="l" defTabSz="685800" rtl="0" eaLnBrk="1" latinLnBrk="0" hangingPunct="1">
+              <a:lnSpc>
+                <a:spcPct val="90000"/>
+              </a:lnSpc>
+              <a:spcBef>
+                <a:spcPts val="750"/>
+              </a:spcBef>
+              <a:buFont typeface="Arial" panose="020B0604020202020204" pitchFamily="34" charset="0"/>
+              <a:buChar char="•"/>
+              <a:defRPr sz="2100" kern="1200">
+                <a:solidFill>
+                  <a:schemeClr val="bg2">
+                    <a:lumMod val="25000"/>
+                  </a:schemeClr>
+                </a:solidFill>
+                <a:latin typeface="Verdana"/>
+                <a:ea typeface="+mn-ea"/>
+                <a:cs typeface="Verdana"/>
+              </a:defRPr>
+            </a:lvl1pPr>
+            <a:lvl2pPr marL="514350" indent="-171450" algn="l" defTabSz="685800" rtl="0" eaLnBrk="1" latinLnBrk="0" hangingPunct="1">
+              <a:lnSpc>
+                <a:spcPct val="90000"/>
+              </a:lnSpc>
+              <a:spcBef>
+                <a:spcPts val="375"/>
+              </a:spcBef>
+              <a:buFont typeface="Arial" panose="020B0604020202020204" pitchFamily="34" charset="0"/>
+              <a:buChar char="•"/>
+              <a:defRPr sz="1800" kern="1200">
+                <a:solidFill>
+                  <a:schemeClr val="bg2">
+                    <a:lumMod val="25000"/>
+                  </a:schemeClr>
+                </a:solidFill>
+                <a:latin typeface="Verdana"/>
+                <a:ea typeface="+mn-ea"/>
+                <a:cs typeface="Verdana"/>
+              </a:defRPr>
+            </a:lvl2pPr>
+            <a:lvl3pPr marL="857250" indent="-171450" algn="l" defTabSz="685800" rtl="0" eaLnBrk="1" latinLnBrk="0" hangingPunct="1">
+              <a:lnSpc>
+                <a:spcPct val="90000"/>
+              </a:lnSpc>
+              <a:spcBef>
+                <a:spcPts val="375"/>
+              </a:spcBef>
+              <a:buFont typeface="Arial" panose="020B0604020202020204" pitchFamily="34" charset="0"/>
+              <a:buChar char="•"/>
+              <a:defRPr sz="1500" kern="1200">
+                <a:solidFill>
+                  <a:schemeClr val="bg2">
+                    <a:lumMod val="25000"/>
+                  </a:schemeClr>
+                </a:solidFill>
+                <a:latin typeface="Verdana"/>
+                <a:ea typeface="+mn-ea"/>
+                <a:cs typeface="Verdana"/>
+              </a:defRPr>
+            </a:lvl3pPr>
+            <a:lvl4pPr marL="1200150" indent="-171450" algn="l" defTabSz="685800" rtl="0" eaLnBrk="1" latinLnBrk="0" hangingPunct="1">
+              <a:lnSpc>
+                <a:spcPct val="90000"/>
+              </a:lnSpc>
+              <a:spcBef>
+                <a:spcPts val="375"/>
+              </a:spcBef>
+              <a:buFont typeface="Arial" panose="020B0604020202020204" pitchFamily="34" charset="0"/>
+              <a:buChar char="•"/>
+              <a:defRPr sz="1400" kern="1200">
+                <a:solidFill>
+                  <a:schemeClr val="bg2">
+                    <a:lumMod val="25000"/>
+                  </a:schemeClr>
+                </a:solidFill>
+                <a:latin typeface="Verdana"/>
+                <a:ea typeface="+mn-ea"/>
+                <a:cs typeface="Verdana"/>
+              </a:defRPr>
+            </a:lvl4pPr>
+            <a:lvl5pPr marL="1543050" indent="-171450" algn="l" defTabSz="685800" rtl="0" eaLnBrk="1" latinLnBrk="0" hangingPunct="1">
+              <a:lnSpc>
+                <a:spcPct val="90000"/>
+              </a:lnSpc>
+              <a:spcBef>
+                <a:spcPts val="375"/>
+              </a:spcBef>
+              <a:buFont typeface="Arial" panose="020B0604020202020204" pitchFamily="34" charset="0"/>
+              <a:buChar char="•"/>
+              <a:defRPr sz="1400" kern="1200">
+                <a:solidFill>
+                  <a:schemeClr val="bg2">
+                    <a:lumMod val="25000"/>
+                  </a:schemeClr>
+                </a:solidFill>
+                <a:latin typeface="Verdana"/>
+                <a:ea typeface="+mn-ea"/>
+                <a:cs typeface="Verdana"/>
+              </a:defRPr>
+            </a:lvl5pPr>
+            <a:lvl6pPr marL="1885950" indent="-171450" algn="l" defTabSz="685800" rtl="0" eaLnBrk="1" latinLnBrk="0" hangingPunct="1">
+              <a:lnSpc>
+                <a:spcPct val="90000"/>
+              </a:lnSpc>
+              <a:spcBef>
+                <a:spcPts val="375"/>
+              </a:spcBef>
+              <a:buFont typeface="Arial" panose="020B0604020202020204" pitchFamily="34" charset="0"/>
+              <a:buChar char="•"/>
+              <a:defRPr sz="1400" kern="1200">
+                <a:solidFill>
+                  <a:schemeClr val="tx1"/>
+                </a:solidFill>
+                <a:latin typeface="+mn-lt"/>
+                <a:ea typeface="+mn-ea"/>
+                <a:cs typeface="+mn-cs"/>
+              </a:defRPr>
+            </a:lvl6pPr>
+            <a:lvl7pPr marL="2228850" indent="-171450" algn="l" defTabSz="685800" rtl="0" eaLnBrk="1" latinLnBrk="0" hangingPunct="1">
+              <a:lnSpc>
+                <a:spcPct val="90000"/>
+              </a:lnSpc>
+              <a:spcBef>
+                <a:spcPts val="375"/>
+              </a:spcBef>
+              <a:buFont typeface="Arial" panose="020B0604020202020204" pitchFamily="34" charset="0"/>
+              <a:buChar char="•"/>
+              <a:defRPr sz="1400" kern="1200">
+                <a:solidFill>
+                  <a:schemeClr val="tx1"/>
+                </a:solidFill>
+                <a:latin typeface="+mn-lt"/>
+                <a:ea typeface="+mn-ea"/>
+                <a:cs typeface="+mn-cs"/>
+              </a:defRPr>
+            </a:lvl7pPr>
+            <a:lvl8pPr marL="2571750" indent="-171450" algn="l" defTabSz="685800" rtl="0" eaLnBrk="1" latinLnBrk="0" hangingPunct="1">
+              <a:lnSpc>
+                <a:spcPct val="90000"/>
+              </a:lnSpc>
+              <a:spcBef>
+                <a:spcPts val="375"/>
+              </a:spcBef>
+              <a:buFont typeface="Arial" panose="020B0604020202020204" pitchFamily="34" charset="0"/>
+              <a:buChar char="•"/>
+              <a:defRPr sz="1400" kern="1200">
+                <a:solidFill>
+                  <a:schemeClr val="tx1"/>
+                </a:solidFill>
+                <a:latin typeface="+mn-lt"/>
+                <a:ea typeface="+mn-ea"/>
+                <a:cs typeface="+mn-cs"/>
+              </a:defRPr>
+            </a:lvl8pPr>
+            <a:lvl9pPr marL="2914650" indent="-171450" algn="l" defTabSz="685800" rtl="0" eaLnBrk="1" latinLnBrk="0" hangingPunct="1">
+              <a:lnSpc>
+                <a:spcPct val="90000"/>
+              </a:lnSpc>
+              <a:spcBef>
+                <a:spcPts val="375"/>
+              </a:spcBef>
+              <a:buFont typeface="Arial" panose="020B0604020202020204" pitchFamily="34" charset="0"/>
+              <a:buChar char="•"/>
+              <a:defRPr sz="1400" kern="1200">
+                <a:solidFill>
+                  <a:schemeClr val="tx1"/>
+                </a:solidFill>
+                <a:latin typeface="+mn-lt"/>
+                <a:ea typeface="+mn-ea"/>
+                <a:cs typeface="+mn-cs"/>
+              </a:defRPr>
+            </a:lvl9pPr>
+          </a:lstStyle>
+          <a:p>
+            <a:pPr marL="0" indent="0">
+              <a:lnSpc>
+                <a:spcPct val="150000"/>
+              </a:lnSpc>
+              <a:buFont typeface="Arial" panose="020B0604020202020204" pitchFamily="34" charset="0"/>
+              <a:buNone/>
+            </a:pPr>
+            <a:endParaRPr lang="en-US" dirty="0"/>
+          </a:p>
+          <a:p>
+            <a:pPr marL="0" indent="0">
+              <a:buFont typeface="Arial" panose="020B0604020202020204" pitchFamily="34" charset="0"/>
+              <a:buNone/>
+            </a:pPr>
+            <a:endParaRPr lang="en-US" dirty="0"/>
+          </a:p>
+          <a:p>
+            <a:pPr marL="0" indent="0">
+              <a:buFont typeface="Arial" panose="020B0604020202020204" pitchFamily="34" charset="0"/>
+              <a:buNone/>
+            </a:pPr>
+            <a:endParaRPr lang="en-US" dirty="0"/>
+          </a:p>
+          <a:p>
+            <a:pPr marL="0" indent="0">
+              <a:buFont typeface="Arial" panose="020B0604020202020204" pitchFamily="34" charset="0"/>
+              <a:buNone/>
+            </a:pPr>
+            <a:endParaRPr lang="en-CA" dirty="0"/>
+          </a:p>
+        </p:txBody>
+      </p:sp>
+      <p:sp>
+        <p:nvSpPr>
+          <p:cNvPr id="2" name="Content Placeholder 7">
+            <a:extLst>
+              <a:ext uri="{FF2B5EF4-FFF2-40B4-BE49-F238E27FC236}">
+                <a16:creationId xmlns:a16="http://schemas.microsoft.com/office/drawing/2014/main" id="{5DAE791B-F751-2BDC-D8A5-62ED5AE64703}"/>
+              </a:ext>
+            </a:extLst>
+          </p:cNvPr>
+          <p:cNvSpPr txBox="1">
+            <a:spLocks/>
+          </p:cNvSpPr>
+          <p:nvPr/>
+        </p:nvSpPr>
+        <p:spPr>
+          <a:xfrm>
+            <a:off x="628649" y="1118462"/>
+            <a:ext cx="3988711" cy="3885114"/>
+          </a:xfrm>
+          <a:prstGeom prst="rect">
+            <a:avLst/>
+          </a:prstGeom>
+        </p:spPr>
+        <p:txBody>
+          <a:bodyPr vert="horz" lIns="68580" tIns="34290" rIns="68580" bIns="34290" rtlCol="0">
+            <a:normAutofit fontScale="92500"/>
+          </a:bodyPr>
+          <a:lstStyle>
+            <a:lvl1pPr marL="171450" indent="-171450" algn="l" defTabSz="685800" rtl="0" eaLnBrk="1" latinLnBrk="0" hangingPunct="1">
+              <a:lnSpc>
+                <a:spcPct val="90000"/>
+              </a:lnSpc>
+              <a:spcBef>
+                <a:spcPts val="750"/>
+              </a:spcBef>
+              <a:buFont typeface="Arial" panose="020B0604020202020204" pitchFamily="34" charset="0"/>
+              <a:buChar char="•"/>
+              <a:defRPr sz="2100" kern="1200">
+                <a:solidFill>
+                  <a:schemeClr val="bg2">
+                    <a:lumMod val="25000"/>
+                  </a:schemeClr>
+                </a:solidFill>
+                <a:latin typeface="Verdana"/>
+                <a:ea typeface="+mn-ea"/>
+                <a:cs typeface="Verdana"/>
+              </a:defRPr>
+            </a:lvl1pPr>
+            <a:lvl2pPr marL="514350" indent="-171450" algn="l" defTabSz="685800" rtl="0" eaLnBrk="1" latinLnBrk="0" hangingPunct="1">
+              <a:lnSpc>
+                <a:spcPct val="90000"/>
+              </a:lnSpc>
+              <a:spcBef>
+                <a:spcPts val="375"/>
+              </a:spcBef>
+              <a:buFont typeface="Arial" panose="020B0604020202020204" pitchFamily="34" charset="0"/>
+              <a:buChar char="•"/>
+              <a:defRPr sz="1800" kern="1200">
+                <a:solidFill>
+                  <a:schemeClr val="bg2">
+                    <a:lumMod val="25000"/>
+                  </a:schemeClr>
+                </a:solidFill>
+                <a:latin typeface="Verdana"/>
+                <a:ea typeface="+mn-ea"/>
+                <a:cs typeface="Verdana"/>
+              </a:defRPr>
+            </a:lvl2pPr>
+            <a:lvl3pPr marL="857250" indent="-171450" algn="l" defTabSz="685800" rtl="0" eaLnBrk="1" latinLnBrk="0" hangingPunct="1">
+              <a:lnSpc>
+                <a:spcPct val="90000"/>
+              </a:lnSpc>
+              <a:spcBef>
+                <a:spcPts val="375"/>
+              </a:spcBef>
+              <a:buFont typeface="Arial" panose="020B0604020202020204" pitchFamily="34" charset="0"/>
+              <a:buChar char="•"/>
+              <a:defRPr sz="1500" kern="1200">
+                <a:solidFill>
+                  <a:schemeClr val="bg2">
+                    <a:lumMod val="25000"/>
+                  </a:schemeClr>
+                </a:solidFill>
+                <a:latin typeface="Verdana"/>
+                <a:ea typeface="+mn-ea"/>
+                <a:cs typeface="Verdana"/>
+              </a:defRPr>
+            </a:lvl3pPr>
+            <a:lvl4pPr marL="1200150" indent="-171450" algn="l" defTabSz="685800" rtl="0" eaLnBrk="1" latinLnBrk="0" hangingPunct="1">
+              <a:lnSpc>
+                <a:spcPct val="90000"/>
+              </a:lnSpc>
+              <a:spcBef>
+                <a:spcPts val="375"/>
+              </a:spcBef>
+              <a:buFont typeface="Arial" panose="020B0604020202020204" pitchFamily="34" charset="0"/>
+              <a:buChar char="•"/>
+              <a:defRPr sz="1400" kern="1200">
+                <a:solidFill>
+                  <a:schemeClr val="bg2">
+                    <a:lumMod val="25000"/>
+                  </a:schemeClr>
+                </a:solidFill>
+                <a:latin typeface="Verdana"/>
+                <a:ea typeface="+mn-ea"/>
+                <a:cs typeface="Verdana"/>
+              </a:defRPr>
+            </a:lvl4pPr>
+            <a:lvl5pPr marL="1543050" indent="-171450" algn="l" defTabSz="685800" rtl="0" eaLnBrk="1" latinLnBrk="0" hangingPunct="1">
+              <a:lnSpc>
+                <a:spcPct val="90000"/>
+              </a:lnSpc>
+              <a:spcBef>
+                <a:spcPts val="375"/>
+              </a:spcBef>
+              <a:buFont typeface="Arial" panose="020B0604020202020204" pitchFamily="34" charset="0"/>
+              <a:buChar char="•"/>
+              <a:defRPr sz="1400" kern="1200">
+                <a:solidFill>
+                  <a:schemeClr val="bg2">
+                    <a:lumMod val="25000"/>
+                  </a:schemeClr>
+                </a:solidFill>
+                <a:latin typeface="Verdana"/>
+                <a:ea typeface="+mn-ea"/>
+                <a:cs typeface="Verdana"/>
+              </a:defRPr>
+            </a:lvl5pPr>
+            <a:lvl6pPr marL="1885950" indent="-171450" algn="l" defTabSz="685800" rtl="0" eaLnBrk="1" latinLnBrk="0" hangingPunct="1">
+              <a:lnSpc>
+                <a:spcPct val="90000"/>
+              </a:lnSpc>
+              <a:spcBef>
+                <a:spcPts val="375"/>
+              </a:spcBef>
+              <a:buFont typeface="Arial" panose="020B0604020202020204" pitchFamily="34" charset="0"/>
+              <a:buChar char="•"/>
+              <a:defRPr sz="1400" kern="1200">
+                <a:solidFill>
+                  <a:schemeClr val="tx1"/>
+                </a:solidFill>
+                <a:latin typeface="+mn-lt"/>
+                <a:ea typeface="+mn-ea"/>
+                <a:cs typeface="+mn-cs"/>
+              </a:defRPr>
+            </a:lvl6pPr>
+            <a:lvl7pPr marL="2228850" indent="-171450" algn="l" defTabSz="685800" rtl="0" eaLnBrk="1" latinLnBrk="0" hangingPunct="1">
+              <a:lnSpc>
+                <a:spcPct val="90000"/>
+              </a:lnSpc>
+              <a:spcBef>
+                <a:spcPts val="375"/>
+              </a:spcBef>
+              <a:buFont typeface="Arial" panose="020B0604020202020204" pitchFamily="34" charset="0"/>
+              <a:buChar char="•"/>
+              <a:defRPr sz="1400" kern="1200">
+                <a:solidFill>
+                  <a:schemeClr val="tx1"/>
+                </a:solidFill>
+                <a:latin typeface="+mn-lt"/>
+                <a:ea typeface="+mn-ea"/>
+                <a:cs typeface="+mn-cs"/>
+              </a:defRPr>
+            </a:lvl7pPr>
+            <a:lvl8pPr marL="2571750" indent="-171450" algn="l" defTabSz="685800" rtl="0" eaLnBrk="1" latinLnBrk="0" hangingPunct="1">
+              <a:lnSpc>
+                <a:spcPct val="90000"/>
+              </a:lnSpc>
+              <a:spcBef>
+                <a:spcPts val="375"/>
+              </a:spcBef>
+              <a:buFont typeface="Arial" panose="020B0604020202020204" pitchFamily="34" charset="0"/>
+              <a:buChar char="•"/>
+              <a:defRPr sz="1400" kern="1200">
+                <a:solidFill>
+                  <a:schemeClr val="tx1"/>
+                </a:solidFill>
+                <a:latin typeface="+mn-lt"/>
+                <a:ea typeface="+mn-ea"/>
+                <a:cs typeface="+mn-cs"/>
+              </a:defRPr>
+            </a:lvl8pPr>
+            <a:lvl9pPr marL="2914650" indent="-171450" algn="l" defTabSz="685800" rtl="0" eaLnBrk="1" latinLnBrk="0" hangingPunct="1">
+              <a:lnSpc>
+                <a:spcPct val="90000"/>
+              </a:lnSpc>
+              <a:spcBef>
+                <a:spcPts val="375"/>
+              </a:spcBef>
+              <a:buFont typeface="Arial" panose="020B0604020202020204" pitchFamily="34" charset="0"/>
+              <a:buChar char="•"/>
+              <a:defRPr sz="1400" kern="1200">
+                <a:solidFill>
+                  <a:schemeClr val="tx1"/>
+                </a:solidFill>
+                <a:latin typeface="+mn-lt"/>
+                <a:ea typeface="+mn-ea"/>
+                <a:cs typeface="+mn-cs"/>
+              </a:defRPr>
+            </a:lvl9pPr>
+          </a:lstStyle>
+          <a:p>
+            <a:pPr>
+              <a:lnSpc>
+                <a:spcPct val="130000"/>
+              </a:lnSpc>
+            </a:pPr>
+            <a:r>
+              <a:rPr lang="en-US" sz="2000" dirty="0"/>
+              <a:t>Finding agreement on RI </a:t>
+            </a:r>
+            <a:r>
+              <a:rPr lang="en-US" sz="2000" b="1" dirty="0"/>
+              <a:t>definition</a:t>
+            </a:r>
+          </a:p>
+          <a:p>
+            <a:pPr>
+              <a:lnSpc>
+                <a:spcPct val="130000"/>
+              </a:lnSpc>
+            </a:pPr>
+            <a:r>
+              <a:rPr lang="en-US" sz="2000" dirty="0"/>
+              <a:t>Finding agreement on the RI</a:t>
+            </a:r>
+            <a:r>
+              <a:rPr lang="en-US" sz="2000" b="1" dirty="0"/>
+              <a:t> inputs</a:t>
+            </a:r>
+          </a:p>
+          <a:p>
+            <a:pPr>
+              <a:lnSpc>
+                <a:spcPct val="130000"/>
+              </a:lnSpc>
+            </a:pPr>
+            <a:r>
+              <a:rPr lang="en-US" sz="2000" dirty="0"/>
+              <a:t>Finding agreement on RI </a:t>
+            </a:r>
+            <a:r>
+              <a:rPr lang="en-US" sz="2000" b="1" dirty="0"/>
+              <a:t>weights</a:t>
+            </a:r>
+            <a:endParaRPr lang="en-US" sz="2000" dirty="0"/>
+          </a:p>
+          <a:p>
+            <a:pPr>
+              <a:lnSpc>
+                <a:spcPct val="130000"/>
+              </a:lnSpc>
+            </a:pPr>
+            <a:r>
+              <a:rPr lang="en-US" sz="2000" dirty="0"/>
+              <a:t>Communicating what RI is good at explaining and where it falls short (</a:t>
+            </a:r>
+            <a:r>
+              <a:rPr lang="en-US" sz="2000" b="1" dirty="0"/>
+              <a:t>limitations</a:t>
+            </a:r>
+            <a:r>
+              <a:rPr lang="en-US" sz="2000" dirty="0"/>
+              <a:t>)</a:t>
+            </a:r>
+          </a:p>
+          <a:p>
+            <a:pPr marL="0" indent="0">
+              <a:buFont typeface="Arial" panose="020B0604020202020204" pitchFamily="34" charset="0"/>
+              <a:buNone/>
+            </a:pPr>
+            <a:endParaRPr lang="en-US" dirty="0"/>
+          </a:p>
+          <a:p>
+            <a:pPr marL="0" indent="0">
+              <a:buFont typeface="Arial" panose="020B0604020202020204" pitchFamily="34" charset="0"/>
+              <a:buNone/>
+            </a:pPr>
+            <a:endParaRPr lang="en-US" dirty="0"/>
+          </a:p>
+          <a:p>
+            <a:pPr marL="0" indent="0">
+              <a:buFont typeface="Arial" panose="020B0604020202020204" pitchFamily="34" charset="0"/>
+              <a:buNone/>
+            </a:pPr>
+            <a:endParaRPr lang="en-US" dirty="0"/>
+          </a:p>
+          <a:p>
+            <a:pPr marL="0" indent="0">
+              <a:buFont typeface="Arial" panose="020B0604020202020204" pitchFamily="34" charset="0"/>
+              <a:buNone/>
+            </a:pPr>
+            <a:endParaRPr lang="en-US" dirty="0"/>
+          </a:p>
+          <a:p>
+            <a:pPr marL="0" indent="0">
+              <a:buFont typeface="Arial" panose="020B0604020202020204" pitchFamily="34" charset="0"/>
+              <a:buNone/>
+            </a:pPr>
+            <a:endParaRPr lang="en-US" dirty="0"/>
+          </a:p>
+          <a:p>
+            <a:pPr marL="0" indent="0">
+              <a:buFont typeface="Arial" panose="020B0604020202020204" pitchFamily="34" charset="0"/>
+              <a:buNone/>
+            </a:pPr>
+            <a:endParaRPr lang="en-US" dirty="0"/>
+          </a:p>
+          <a:p>
+            <a:pPr marL="0" indent="0">
+              <a:buFont typeface="Arial" panose="020B0604020202020204" pitchFamily="34" charset="0"/>
+              <a:buNone/>
+            </a:pPr>
+            <a:endParaRPr lang="en-CA" dirty="0"/>
+          </a:p>
+        </p:txBody>
+      </p:sp>
+      <p:sp>
+        <p:nvSpPr>
+          <p:cNvPr id="10" name="TextBox 9">
+            <a:extLst>
+              <a:ext uri="{FF2B5EF4-FFF2-40B4-BE49-F238E27FC236}">
+                <a16:creationId xmlns:a16="http://schemas.microsoft.com/office/drawing/2014/main" id="{9F54CBE6-2368-27E2-3B35-AF3A3B4C71B4}"/>
+              </a:ext>
+            </a:extLst>
+          </p:cNvPr>
+          <p:cNvSpPr txBox="1"/>
+          <p:nvPr/>
+        </p:nvSpPr>
+        <p:spPr>
+          <a:xfrm>
+            <a:off x="6532830" y="4707268"/>
+            <a:ext cx="1032165" cy="246221"/>
+          </a:xfrm>
+          <a:prstGeom prst="rect">
+            <a:avLst/>
+          </a:prstGeom>
+          <a:noFill/>
+          <a:ln>
+            <a:solidFill>
+              <a:schemeClr val="tx1"/>
+            </a:solidFill>
+          </a:ln>
+        </p:spPr>
+        <p:txBody>
+          <a:bodyPr wrap="square" rtlCol="0">
+            <a:spAutoFit/>
+          </a:bodyPr>
+          <a:lstStyle/>
+          <a:p>
+            <a:r>
+              <a:rPr lang="en-US" sz="1000" b="1" dirty="0">
+                <a:latin typeface="Tahoma" panose="020B0604030504040204" pitchFamily="34" charset="0"/>
+                <a:ea typeface="Tahoma" panose="020B0604030504040204" pitchFamily="34" charset="0"/>
+                <a:cs typeface="Tahoma" panose="020B0604030504040204" pitchFamily="34" charset="0"/>
+              </a:rPr>
+              <a:t>High</a:t>
+            </a:r>
+            <a:r>
+              <a:rPr lang="en-US" sz="1000" dirty="0">
+                <a:latin typeface="Tahoma" panose="020B0604030504040204" pitchFamily="34" charset="0"/>
+                <a:ea typeface="Tahoma" panose="020B0604030504040204" pitchFamily="34" charset="0"/>
+                <a:cs typeface="Tahoma" panose="020B0604030504040204" pitchFamily="34" charset="0"/>
+              </a:rPr>
+              <a:t> RI Value</a:t>
+            </a:r>
+            <a:endParaRPr lang="en-CA" sz="1000" dirty="0">
+              <a:latin typeface="Tahoma" panose="020B0604030504040204" pitchFamily="34" charset="0"/>
+              <a:ea typeface="Tahoma" panose="020B0604030504040204" pitchFamily="34" charset="0"/>
+              <a:cs typeface="Tahoma" panose="020B0604030504040204" pitchFamily="34" charset="0"/>
+            </a:endParaRPr>
+          </a:p>
+        </p:txBody>
+      </p:sp>
+      <p:sp>
+        <p:nvSpPr>
+          <p:cNvPr id="11" name="TextBox 10">
+            <a:extLst>
+              <a:ext uri="{FF2B5EF4-FFF2-40B4-BE49-F238E27FC236}">
+                <a16:creationId xmlns:a16="http://schemas.microsoft.com/office/drawing/2014/main" id="{84B47D9C-FE6A-4006-7116-FA3E65AA68CC}"/>
+              </a:ext>
+            </a:extLst>
+          </p:cNvPr>
+          <p:cNvSpPr txBox="1"/>
+          <p:nvPr/>
+        </p:nvSpPr>
+        <p:spPr>
+          <a:xfrm>
+            <a:off x="6795681" y="916015"/>
+            <a:ext cx="964003" cy="246221"/>
+          </a:xfrm>
+          <a:prstGeom prst="rect">
+            <a:avLst/>
+          </a:prstGeom>
+          <a:noFill/>
+          <a:ln>
+            <a:solidFill>
+              <a:schemeClr val="tx1"/>
+            </a:solidFill>
+          </a:ln>
+        </p:spPr>
+        <p:txBody>
+          <a:bodyPr wrap="square" rtlCol="0">
+            <a:spAutoFit/>
+          </a:bodyPr>
+          <a:lstStyle/>
+          <a:p>
+            <a:r>
+              <a:rPr lang="en-US" sz="1000" b="1" dirty="0">
+                <a:latin typeface="Tahoma" panose="020B0604030504040204" pitchFamily="34" charset="0"/>
+                <a:ea typeface="Tahoma" panose="020B0604030504040204" pitchFamily="34" charset="0"/>
+                <a:cs typeface="Tahoma" panose="020B0604030504040204" pitchFamily="34" charset="0"/>
+              </a:rPr>
+              <a:t>Low</a:t>
+            </a:r>
+            <a:r>
+              <a:rPr lang="en-US" sz="1000" dirty="0">
+                <a:latin typeface="Tahoma" panose="020B0604030504040204" pitchFamily="34" charset="0"/>
+                <a:ea typeface="Tahoma" panose="020B0604030504040204" pitchFamily="34" charset="0"/>
+                <a:cs typeface="Tahoma" panose="020B0604030504040204" pitchFamily="34" charset="0"/>
+              </a:rPr>
+              <a:t> RI Value</a:t>
+            </a:r>
+            <a:endParaRPr lang="en-CA" sz="1000" dirty="0">
+              <a:latin typeface="Tahoma" panose="020B0604030504040204" pitchFamily="34" charset="0"/>
+              <a:ea typeface="Tahoma" panose="020B0604030504040204" pitchFamily="34" charset="0"/>
+              <a:cs typeface="Tahoma" panose="020B0604030504040204" pitchFamily="34" charset="0"/>
+            </a:endParaRPr>
+          </a:p>
+        </p:txBody>
+      </p:sp>
+      <p:cxnSp>
+        <p:nvCxnSpPr>
+          <p:cNvPr id="13" name="Straight Arrow Connector 12">
+            <a:extLst>
+              <a:ext uri="{FF2B5EF4-FFF2-40B4-BE49-F238E27FC236}">
+                <a16:creationId xmlns:a16="http://schemas.microsoft.com/office/drawing/2014/main" id="{953B2240-44CC-384A-5E8B-0A7604709AF6}"/>
+              </a:ext>
+            </a:extLst>
+          </p:cNvPr>
+          <p:cNvCxnSpPr>
+            <a:cxnSpLocks/>
+          </p:cNvCxnSpPr>
+          <p:nvPr/>
+        </p:nvCxnSpPr>
+        <p:spPr>
+          <a:xfrm flipH="1" flipV="1">
+            <a:off x="6532830" y="4294909"/>
+            <a:ext cx="380588" cy="406697"/>
+          </a:xfrm>
+          <a:prstGeom prst="straightConnector1">
+            <a:avLst/>
+          </a:prstGeom>
+          <a:ln>
+            <a:tailEnd type="triangle"/>
+          </a:ln>
+        </p:spPr>
+        <p:style>
+          <a:lnRef idx="1">
+            <a:schemeClr val="dk1"/>
+          </a:lnRef>
+          <a:fillRef idx="0">
+            <a:schemeClr val="dk1"/>
+          </a:fillRef>
+          <a:effectRef idx="0">
+            <a:schemeClr val="dk1"/>
+          </a:effectRef>
+          <a:fontRef idx="minor">
+            <a:schemeClr val="tx1"/>
+          </a:fontRef>
+        </p:style>
+      </p:cxnSp>
+      <p:cxnSp>
+        <p:nvCxnSpPr>
+          <p:cNvPr id="18" name="Straight Arrow Connector 17">
+            <a:extLst>
+              <a:ext uri="{FF2B5EF4-FFF2-40B4-BE49-F238E27FC236}">
+                <a16:creationId xmlns:a16="http://schemas.microsoft.com/office/drawing/2014/main" id="{1BA1A699-EE5C-7772-4C2F-1C559F35DFC7}"/>
+              </a:ext>
+            </a:extLst>
+          </p:cNvPr>
+          <p:cNvCxnSpPr>
+            <a:cxnSpLocks/>
+          </p:cNvCxnSpPr>
+          <p:nvPr/>
+        </p:nvCxnSpPr>
+        <p:spPr>
+          <a:xfrm flipH="1">
+            <a:off x="6248400" y="1165716"/>
+            <a:ext cx="665018" cy="469077"/>
+          </a:xfrm>
+          <a:prstGeom prst="straightConnector1">
+            <a:avLst/>
+          </a:prstGeom>
+          <a:ln>
+            <a:tailEnd type="triangle"/>
+          </a:ln>
+        </p:spPr>
+        <p:style>
+          <a:lnRef idx="1">
+            <a:schemeClr val="dk1"/>
+          </a:lnRef>
+          <a:fillRef idx="0">
+            <a:schemeClr val="dk1"/>
+          </a:fillRef>
+          <a:effectRef idx="0">
+            <a:schemeClr val="dk1"/>
+          </a:effectRef>
+          <a:fontRef idx="minor">
+            <a:schemeClr val="tx1"/>
+          </a:fontRef>
+        </p:style>
+      </p:cxnSp>
+    </p:spTree>
+    <p:extLst>
+      <p:ext uri="{BB962C8B-B14F-4D97-AF65-F5344CB8AC3E}">
+        <p14:creationId xmlns:p14="http://schemas.microsoft.com/office/powerpoint/2010/main" val="484331973"/>
       </p:ext>
     </p:extLst>
   </p:cSld>
@@ -12326,11 +13472,6 @@
 
 <file path=customXml/item1.xml><?xml version="1.0" encoding="utf-8"?>
 <?mso-contentType ?>
-<SharedContentType xmlns="Microsoft.SharePoint.Taxonomy.ContentTypeSync" SourceId="3dae2bc9-964c-4bb7-94bc-c5dd0815213b" ContentTypeId="0x01010070FD3A26C879A74592BE4DD1CF6C17C51002" PreviousValue="false" LastSyncTimeStamp="2022-04-19T15:49:25.177Z"/>
-</file>
-
-<file path=customXml/item2.xml><?xml version="1.0" encoding="utf-8"?>
-<?mso-contentType ?>
 <spe:Receivers xmlns:spe="http://schemas.microsoft.com/sharepoint/events">
   <Receiver>
     <Name>Document ID Generator</Name>
@@ -12379,13 +13520,78 @@
 </spe:Receivers>
 </file>
 
+<file path=customXml/item2.xml><?xml version="1.0" encoding="utf-8"?>
+<?mso-contentType ?>
+<SharedContentType xmlns="Microsoft.SharePoint.Taxonomy.ContentTypeSync" SourceId="3dae2bc9-964c-4bb7-94bc-c5dd0815213b" ContentTypeId="0x01010070FD3A26C879A74592BE4DD1CF6C17C51002" PreviousValue="false" LastSyncTimeStamp="2022-04-19T15:49:25.177Z"/>
+</file>
+
 <file path=customXml/item3.xml><?xml version="1.0" encoding="utf-8"?>
-<?mso-contentType ?>
-<FormTemplates xmlns="http://schemas.microsoft.com/sharepoint/v3/contenttype/forms">
-  <Display>DocumentLibraryForm</Display>
-  <Edit>DocumentLibraryForm</Edit>
-  <New>DocumentLibraryForm</New>
-</FormTemplates>
+<p:properties xmlns:p="http://schemas.microsoft.com/office/2006/metadata/properties" xmlns:xsi="http://www.w3.org/2001/XMLSchema-instance" xmlns:pc="http://schemas.microsoft.com/office/infopath/2007/PartnerControls">
+  <documentManagement>
+    <TaxCatchAll xmlns="b73fb41d-4db5-49df-b889-ce373c40e3ec">
+      <Value>2</Value>
+      <Value>224</Value>
+      <Value>1585</Value>
+      <Value>3</Value>
+      <Value>1022</Value>
+      <Value>1598</Value>
+    </TaxCatchAll>
+    <Year xmlns="b73fb41d-4db5-49df-b889-ce373c40e3ec">2021</Year>
+    <TaxKeywordTaxHTField xmlns="b73fb41d-4db5-49df-b889-ce373c40e3ec">
+      <Terms xmlns="http://schemas.microsoft.com/office/infopath/2007/PartnerControls">
+        <TermInfo xmlns="http://schemas.microsoft.com/office/infopath/2007/PartnerControls">
+          <TermName xmlns="http://schemas.microsoft.com/office/infopath/2007/PartnerControls">16:9</TermName>
+          <TermId xmlns="http://schemas.microsoft.com/office/infopath/2007/PartnerControls">df0a0d5b-ae80-4841-b2fe-8ddcb8e3222c</TermId>
+        </TermInfo>
+        <TermInfo xmlns="http://schemas.microsoft.com/office/infopath/2007/PartnerControls">
+          <TermName xmlns="http://schemas.microsoft.com/office/infopath/2007/PartnerControls">Presentation</TermName>
+          <TermId xmlns="http://schemas.microsoft.com/office/infopath/2007/PartnerControls">59fc26f9-1c9d-40bc-8a58-d66d91dcc0d5</TermId>
+        </TermInfo>
+      </Terms>
+    </TaxKeywordTaxHTField>
+    <_dlc_DocId xmlns="9daf4fce-efdb-4f08-985f-94c0458ac4da">COLL-1941601530-77</_dlc_DocId>
+    <_dlc_DocIdUrl xmlns="9daf4fce-efdb-4f08-985f-94c0458ac4da">
+      <Url>https://itncc.sharepoint.com/sites/MarketingCollaboration/_layouts/DocIdRedir.aspx?ID=COLL-1941601530-77</Url>
+      <Description>COLL-1941601530-77</Description>
+    </_dlc_DocIdUrl>
+    <hf62e2b7c9654133b3ca7da47c388bce xmlns="b73fb41d-4db5-49df-b889-ce373c40e3ec">
+      <Terms xmlns="http://schemas.microsoft.com/office/infopath/2007/PartnerControls">
+        <TermInfo xmlns="http://schemas.microsoft.com/office/infopath/2007/PartnerControls">
+          <TermName xmlns="http://schemas.microsoft.com/office/infopath/2007/PartnerControls">Marketing and Development</TermName>
+          <TermId xmlns="http://schemas.microsoft.com/office/infopath/2007/PartnerControls">cb043f34-81be-43cd-aebf-735cc7c51d79</TermId>
+        </TermInfo>
+      </Terms>
+    </hf62e2b7c9654133b3ca7da47c388bce>
+    <e5445ced404845ff8a2b3be9c8f7c65c xmlns="b73fb41d-4db5-49df-b889-ce373c40e3ec">
+      <Terms xmlns="http://schemas.microsoft.com/office/infopath/2007/PartnerControls">
+        <TermInfo xmlns="http://schemas.microsoft.com/office/infopath/2007/PartnerControls">
+          <TermName xmlns="http://schemas.microsoft.com/office/infopath/2007/PartnerControls">National</TermName>
+          <TermId xmlns="http://schemas.microsoft.com/office/infopath/2007/PartnerControls">60e160cc-5b62-440e-88bf-c8c5292327f4</TermId>
+        </TermInfo>
+      </Terms>
+    </e5445ced404845ff8a2b3be9c8f7c65c>
+    <Topic xmlns="b73fb41d-4db5-49df-b889-ce373c40e3ec">Presentation</Topic>
+    <j851f0c75970476ca044f56c831142c9 xmlns="b73fb41d-4db5-49df-b889-ce373c40e3ec">
+      <Terms xmlns="http://schemas.microsoft.com/office/infopath/2007/PartnerControls">
+        <TermInfo xmlns="http://schemas.microsoft.com/office/infopath/2007/PartnerControls">
+          <TermName xmlns="http://schemas.microsoft.com/office/infopath/2007/PartnerControls">Editable Creative</TermName>
+          <TermId xmlns="http://schemas.microsoft.com/office/infopath/2007/PartnerControls">29fc3b9e-2d01-4eeb-9c55-b9ac82cf2c15</TermId>
+        </TermInfo>
+      </Terms>
+    </j851f0c75970476ca044f56c831142c9>
+    <h5d00e838cac4a36b66416c1ac0f08f4 xmlns="b73fb41d-4db5-49df-b889-ce373c40e3ec">
+      <Terms xmlns="http://schemas.microsoft.com/office/infopath/2007/PartnerControls"/>
+    </h5d00e838cac4a36b66416c1ac0f08f4>
+    <pde0b5a6bb7242599ac30d59622b742d xmlns="b73fb41d-4db5-49df-b889-ce373c40e3ec">
+      <Terms xmlns="http://schemas.microsoft.com/office/infopath/2007/PartnerControls">
+        <TermInfo xmlns="http://schemas.microsoft.com/office/infopath/2007/PartnerControls">
+          <TermName xmlns="http://schemas.microsoft.com/office/infopath/2007/PartnerControls">Administration</TermName>
+          <TermId xmlns="http://schemas.microsoft.com/office/infopath/2007/PartnerControls">15579f7e-1289-4124-875f-fbfdd1ce1e19</TermId>
+        </TermInfo>
+      </Terms>
+    </pde0b5a6bb7242599ac30d59622b742d>
+  </documentManagement>
+</p:properties>
 </file>
 
 <file path=customXml/item4.xml><?xml version="1.0" encoding="utf-8"?>
@@ -12650,75 +13856,23 @@
 </file>
 
 <file path=customXml/item5.xml><?xml version="1.0" encoding="utf-8"?>
-<p:properties xmlns:p="http://schemas.microsoft.com/office/2006/metadata/properties" xmlns:xsi="http://www.w3.org/2001/XMLSchema-instance" xmlns:pc="http://schemas.microsoft.com/office/infopath/2007/PartnerControls">
-  <documentManagement>
-    <TaxCatchAll xmlns="b73fb41d-4db5-49df-b889-ce373c40e3ec">
-      <Value>2</Value>
-      <Value>224</Value>
-      <Value>1585</Value>
-      <Value>3</Value>
-      <Value>1022</Value>
-      <Value>1598</Value>
-    </TaxCatchAll>
-    <Year xmlns="b73fb41d-4db5-49df-b889-ce373c40e3ec">2021</Year>
-    <TaxKeywordTaxHTField xmlns="b73fb41d-4db5-49df-b889-ce373c40e3ec">
-      <Terms xmlns="http://schemas.microsoft.com/office/infopath/2007/PartnerControls">
-        <TermInfo xmlns="http://schemas.microsoft.com/office/infopath/2007/PartnerControls">
-          <TermName xmlns="http://schemas.microsoft.com/office/infopath/2007/PartnerControls">16:9</TermName>
-          <TermId xmlns="http://schemas.microsoft.com/office/infopath/2007/PartnerControls">df0a0d5b-ae80-4841-b2fe-8ddcb8e3222c</TermId>
-        </TermInfo>
-        <TermInfo xmlns="http://schemas.microsoft.com/office/infopath/2007/PartnerControls">
-          <TermName xmlns="http://schemas.microsoft.com/office/infopath/2007/PartnerControls">Presentation</TermName>
-          <TermId xmlns="http://schemas.microsoft.com/office/infopath/2007/PartnerControls">59fc26f9-1c9d-40bc-8a58-d66d91dcc0d5</TermId>
-        </TermInfo>
-      </Terms>
-    </TaxKeywordTaxHTField>
-    <_dlc_DocId xmlns="9daf4fce-efdb-4f08-985f-94c0458ac4da">COLL-1941601530-77</_dlc_DocId>
-    <_dlc_DocIdUrl xmlns="9daf4fce-efdb-4f08-985f-94c0458ac4da">
-      <Url>https://itncc.sharepoint.com/sites/MarketingCollaboration/_layouts/DocIdRedir.aspx?ID=COLL-1941601530-77</Url>
-      <Description>COLL-1941601530-77</Description>
-    </_dlc_DocIdUrl>
-    <hf62e2b7c9654133b3ca7da47c388bce xmlns="b73fb41d-4db5-49df-b889-ce373c40e3ec">
-      <Terms xmlns="http://schemas.microsoft.com/office/infopath/2007/PartnerControls">
-        <TermInfo xmlns="http://schemas.microsoft.com/office/infopath/2007/PartnerControls">
-          <TermName xmlns="http://schemas.microsoft.com/office/infopath/2007/PartnerControls">Marketing and Development</TermName>
-          <TermId xmlns="http://schemas.microsoft.com/office/infopath/2007/PartnerControls">cb043f34-81be-43cd-aebf-735cc7c51d79</TermId>
-        </TermInfo>
-      </Terms>
-    </hf62e2b7c9654133b3ca7da47c388bce>
-    <e5445ced404845ff8a2b3be9c8f7c65c xmlns="b73fb41d-4db5-49df-b889-ce373c40e3ec">
-      <Terms xmlns="http://schemas.microsoft.com/office/infopath/2007/PartnerControls">
-        <TermInfo xmlns="http://schemas.microsoft.com/office/infopath/2007/PartnerControls">
-          <TermName xmlns="http://schemas.microsoft.com/office/infopath/2007/PartnerControls">National</TermName>
-          <TermId xmlns="http://schemas.microsoft.com/office/infopath/2007/PartnerControls">60e160cc-5b62-440e-88bf-c8c5292327f4</TermId>
-        </TermInfo>
-      </Terms>
-    </e5445ced404845ff8a2b3be9c8f7c65c>
-    <Topic xmlns="b73fb41d-4db5-49df-b889-ce373c40e3ec">Presentation</Topic>
-    <j851f0c75970476ca044f56c831142c9 xmlns="b73fb41d-4db5-49df-b889-ce373c40e3ec">
-      <Terms xmlns="http://schemas.microsoft.com/office/infopath/2007/PartnerControls">
-        <TermInfo xmlns="http://schemas.microsoft.com/office/infopath/2007/PartnerControls">
-          <TermName xmlns="http://schemas.microsoft.com/office/infopath/2007/PartnerControls">Editable Creative</TermName>
-          <TermId xmlns="http://schemas.microsoft.com/office/infopath/2007/PartnerControls">29fc3b9e-2d01-4eeb-9c55-b9ac82cf2c15</TermId>
-        </TermInfo>
-      </Terms>
-    </j851f0c75970476ca044f56c831142c9>
-    <h5d00e838cac4a36b66416c1ac0f08f4 xmlns="b73fb41d-4db5-49df-b889-ce373c40e3ec">
-      <Terms xmlns="http://schemas.microsoft.com/office/infopath/2007/PartnerControls"/>
-    </h5d00e838cac4a36b66416c1ac0f08f4>
-    <pde0b5a6bb7242599ac30d59622b742d xmlns="b73fb41d-4db5-49df-b889-ce373c40e3ec">
-      <Terms xmlns="http://schemas.microsoft.com/office/infopath/2007/PartnerControls">
-        <TermInfo xmlns="http://schemas.microsoft.com/office/infopath/2007/PartnerControls">
-          <TermName xmlns="http://schemas.microsoft.com/office/infopath/2007/PartnerControls">Administration</TermName>
-          <TermId xmlns="http://schemas.microsoft.com/office/infopath/2007/PartnerControls">15579f7e-1289-4124-875f-fbfdd1ce1e19</TermId>
-        </TermInfo>
-      </Terms>
-    </pde0b5a6bb7242599ac30d59622b742d>
-  </documentManagement>
-</p:properties>
+<?mso-contentType ?>
+<FormTemplates xmlns="http://schemas.microsoft.com/sharepoint/v3/contenttype/forms">
+  <Display>DocumentLibraryForm</Display>
+  <Edit>DocumentLibraryForm</Edit>
+  <New>DocumentLibraryForm</New>
+</FormTemplates>
 </file>
 
 <file path=customXml/itemProps1.xml><?xml version="1.0" encoding="utf-8"?>
+<ds:datastoreItem xmlns:ds="http://schemas.openxmlformats.org/officeDocument/2006/customXml" ds:itemID="{75F25848-81A4-4056-9048-FD884C8DD719}">
+  <ds:schemaRefs>
+    <ds:schemaRef ds:uri="http://schemas.microsoft.com/sharepoint/events"/>
+  </ds:schemaRefs>
+</ds:datastoreItem>
+</file>
+
+<file path=customXml/itemProps2.xml><?xml version="1.0" encoding="utf-8"?>
 <ds:datastoreItem xmlns:ds="http://schemas.openxmlformats.org/officeDocument/2006/customXml" ds:itemID="{C04A9EA0-F30C-4FDA-9437-BDAB378662C2}">
   <ds:schemaRefs>
     <ds:schemaRef ds:uri="Microsoft.SharePoint.Taxonomy.ContentTypeSync"/>
@@ -12726,18 +13880,19 @@
 </ds:datastoreItem>
 </file>
 
-<file path=customXml/itemProps2.xml><?xml version="1.0" encoding="utf-8"?>
-<ds:datastoreItem xmlns:ds="http://schemas.openxmlformats.org/officeDocument/2006/customXml" ds:itemID="{75F25848-81A4-4056-9048-FD884C8DD719}">
+<file path=customXml/itemProps3.xml><?xml version="1.0" encoding="utf-8"?>
+<ds:datastoreItem xmlns:ds="http://schemas.openxmlformats.org/officeDocument/2006/customXml" ds:itemID="{9C876B4E-9239-4840-BF5E-B55D728E076B}">
   <ds:schemaRefs>
-    <ds:schemaRef ds:uri="http://schemas.microsoft.com/sharepoint/events"/>
-  </ds:schemaRefs>
-</ds:datastoreItem>
-</file>
-
-<file path=customXml/itemProps3.xml><?xml version="1.0" encoding="utf-8"?>
-<ds:datastoreItem xmlns:ds="http://schemas.openxmlformats.org/officeDocument/2006/customXml" ds:itemID="{E3070A85-BE5F-4ECE-B1F6-8D04067ED971}">
-  <ds:schemaRefs>
-    <ds:schemaRef ds:uri="http://schemas.microsoft.com/sharepoint/v3/contenttype/forms"/>
+    <ds:schemaRef ds:uri="http://purl.org/dc/dcmitype/"/>
+    <ds:schemaRef ds:uri="http://purl.org/dc/terms/"/>
+    <ds:schemaRef ds:uri="9daf4fce-efdb-4f08-985f-94c0458ac4da"/>
+    <ds:schemaRef ds:uri="http://www.w3.org/XML/1998/namespace"/>
+    <ds:schemaRef ds:uri="http://schemas.microsoft.com/office/2006/documentManagement/types"/>
+    <ds:schemaRef ds:uri="http://purl.org/dc/elements/1.1/"/>
+    <ds:schemaRef ds:uri="http://schemas.microsoft.com/office/2006/metadata/properties"/>
+    <ds:schemaRef ds:uri="http://schemas.openxmlformats.org/package/2006/metadata/core-properties"/>
+    <ds:schemaRef ds:uri="http://schemas.microsoft.com/office/infopath/2007/PartnerControls"/>
+    <ds:schemaRef ds:uri="b73fb41d-4db5-49df-b889-ce373c40e3ec"/>
   </ds:schemaRefs>
 </ds:datastoreItem>
 </file>
@@ -12762,18 +13917,9 @@
 </file>
 
 <file path=customXml/itemProps5.xml><?xml version="1.0" encoding="utf-8"?>
-<ds:datastoreItem xmlns:ds="http://schemas.openxmlformats.org/officeDocument/2006/customXml" ds:itemID="{9C876B4E-9239-4840-BF5E-B55D728E076B}">
+<ds:datastoreItem xmlns:ds="http://schemas.openxmlformats.org/officeDocument/2006/customXml" ds:itemID="{E3070A85-BE5F-4ECE-B1F6-8D04067ED971}">
   <ds:schemaRefs>
-    <ds:schemaRef ds:uri="http://purl.org/dc/elements/1.1/"/>
-    <ds:schemaRef ds:uri="http://schemas.openxmlformats.org/package/2006/metadata/core-properties"/>
-    <ds:schemaRef ds:uri="http://www.w3.org/XML/1998/namespace"/>
-    <ds:schemaRef ds:uri="http://schemas.microsoft.com/office/2006/documentManagement/types"/>
-    <ds:schemaRef ds:uri="http://purl.org/dc/dcmitype/"/>
-    <ds:schemaRef ds:uri="http://schemas.microsoft.com/office/infopath/2007/PartnerControls"/>
-    <ds:schemaRef ds:uri="b73fb41d-4db5-49df-b889-ce373c40e3ec"/>
-    <ds:schemaRef ds:uri="9daf4fce-efdb-4f08-985f-94c0458ac4da"/>
-    <ds:schemaRef ds:uri="http://schemas.microsoft.com/office/2006/metadata/properties"/>
-    <ds:schemaRef ds:uri="http://purl.org/dc/terms/"/>
+    <ds:schemaRef ds:uri="http://schemas.microsoft.com/sharepoint/v3/contenttype/forms"/>
   </ds:schemaRefs>
 </ds:datastoreItem>
 </file>
--- a/www/RI_GUIDE.pptx
+++ b/www/RI_GUIDE.pptx
@@ -5,7 +5,7 @@
     <p:sldMasterId id="2147483660" r:id="rId6"/>
   </p:sldMasterIdLst>
   <p:notesMasterIdLst>
-    <p:notesMasterId r:id="rId16"/>
+    <p:notesMasterId r:id="rId15"/>
   </p:notesMasterIdLst>
   <p:sldIdLst>
     <p:sldId id="256" r:id="rId7"/>
@@ -16,7 +16,6 @@
     <p:sldId id="261" r:id="rId12"/>
     <p:sldId id="262" r:id="rId13"/>
     <p:sldId id="263" r:id="rId14"/>
-    <p:sldId id="264" r:id="rId15"/>
   </p:sldIdLst>
   <p:sldSz cx="9144000" cy="5143500" type="screen16x9"/>
   <p:notesSz cx="6858000" cy="9144000"/>
@@ -1151,90 +1150,6 @@
     <p:extLst>
       <p:ext uri="{BB962C8B-B14F-4D97-AF65-F5344CB8AC3E}">
         <p14:creationId xmlns:p14="http://schemas.microsoft.com/office/powerpoint/2010/main" val="4120884689"/>
-      </p:ext>
-    </p:extLst>
-  </p:cSld>
-  <p:clrMapOvr>
-    <a:masterClrMapping/>
-  </p:clrMapOvr>
-</p:notes>
-</file>
-
-<file path=ppt/notesSlides/notesSlide9.xml><?xml version="1.0" encoding="utf-8"?>
-<p:notes xmlns:a="http://schemas.openxmlformats.org/drawingml/2006/main" xmlns:r="http://schemas.openxmlformats.org/officeDocument/2006/relationships" xmlns:p="http://schemas.openxmlformats.org/presentationml/2006/main">
-  <p:cSld>
-    <p:spTree>
-      <p:nvGrpSpPr>
-        <p:cNvPr id="1" name=""/>
-        <p:cNvGrpSpPr/>
-        <p:nvPr/>
-      </p:nvGrpSpPr>
-      <p:grpSpPr>
-        <a:xfrm>
-          <a:off x="0" y="0"/>
-          <a:ext cx="0" cy="0"/>
-          <a:chOff x="0" y="0"/>
-          <a:chExt cx="0" cy="0"/>
-        </a:xfrm>
-      </p:grpSpPr>
-      <p:sp>
-        <p:nvSpPr>
-          <p:cNvPr id="2" name="Slide Image Placeholder 1"/>
-          <p:cNvSpPr>
-            <a:spLocks noGrp="1" noRot="1" noChangeAspect="1"/>
-          </p:cNvSpPr>
-          <p:nvPr>
-            <p:ph type="sldImg"/>
-          </p:nvPr>
-        </p:nvSpPr>
-        <p:spPr/>
-      </p:sp>
-      <p:sp>
-        <p:nvSpPr>
-          <p:cNvPr id="3" name="Notes Placeholder 2"/>
-          <p:cNvSpPr>
-            <a:spLocks noGrp="1"/>
-          </p:cNvSpPr>
-          <p:nvPr>
-            <p:ph type="body" idx="1"/>
-          </p:nvPr>
-        </p:nvSpPr>
-        <p:spPr/>
-        <p:txBody>
-          <a:bodyPr/>
-          <a:lstStyle/>
-          <a:p>
-            <a:endParaRPr lang="en-CA"/>
-          </a:p>
-        </p:txBody>
-      </p:sp>
-      <p:sp>
-        <p:nvSpPr>
-          <p:cNvPr id="4" name="Slide Number Placeholder 3"/>
-          <p:cNvSpPr>
-            <a:spLocks noGrp="1"/>
-          </p:cNvSpPr>
-          <p:nvPr>
-            <p:ph type="sldNum" sz="quarter" idx="5"/>
-          </p:nvPr>
-        </p:nvSpPr>
-        <p:spPr/>
-        <p:txBody>
-          <a:bodyPr/>
-          <a:lstStyle/>
-          <a:p>
-            <a:fld id="{707FE74B-307F-4064-955D-4424C3D9D715}" type="slidenum">
-              <a:rPr lang="en-CA" smtClean="0"/>
-              <a:t>9</a:t>
-            </a:fld>
-            <a:endParaRPr lang="en-CA"/>
-          </a:p>
-        </p:txBody>
-      </p:sp>
-    </p:spTree>
-    <p:extLst>
-      <p:ext uri="{BB962C8B-B14F-4D97-AF65-F5344CB8AC3E}">
-        <p14:creationId xmlns:p14="http://schemas.microsoft.com/office/powerpoint/2010/main" val="4118420621"/>
       </p:ext>
     </p:extLst>
   </p:cSld>
@@ -11135,7 +11050,7 @@
           <a:p>
             <a:r>
               <a:rPr lang="en-US" dirty="0"/>
-              <a:t>RI BUILDER UI</a:t>
+              <a:t>RI BUILDER</a:t>
             </a:r>
             <a:endParaRPr lang="en-CA" dirty="0"/>
           </a:p>
@@ -11275,14 +11190,13 @@
           </p:cNvPr>
           <p:cNvCxnSpPr>
             <a:cxnSpLocks/>
-            <a:stCxn id="34" idx="3"/>
           </p:cNvCxnSpPr>
           <p:nvPr/>
         </p:nvCxnSpPr>
         <p:spPr>
           <a:xfrm>
-            <a:off x="7388087" y="1745517"/>
-            <a:ext cx="399634" cy="0"/>
+            <a:off x="7116417" y="1818402"/>
+            <a:ext cx="616226" cy="6627"/>
           </a:xfrm>
           <a:prstGeom prst="straightConnector1">
             <a:avLst/>
@@ -11317,14 +11231,13 @@
           </p:cNvPr>
           <p:cNvCxnSpPr>
             <a:cxnSpLocks/>
-            <a:stCxn id="41" idx="2"/>
           </p:cNvCxnSpPr>
           <p:nvPr/>
         </p:nvCxnSpPr>
         <p:spPr>
           <a:xfrm>
-            <a:off x="6289817" y="3893973"/>
-            <a:ext cx="6626" cy="515287"/>
+            <a:off x="6614491" y="3933682"/>
+            <a:ext cx="0" cy="475578"/>
           </a:xfrm>
           <a:prstGeom prst="straightConnector1">
             <a:avLst/>
@@ -11365,8 +11278,8 @@
         </p:nvCxnSpPr>
         <p:spPr>
           <a:xfrm flipH="1">
-            <a:off x="3054626" y="3675361"/>
-            <a:ext cx="1380714" cy="766850"/>
+            <a:off x="2759764" y="3675361"/>
+            <a:ext cx="1675576" cy="756123"/>
           </a:xfrm>
           <a:prstGeom prst="straightConnector1">
             <a:avLst/>
@@ -11535,8 +11448,8 @@
         </p:nvSpPr>
         <p:spPr>
           <a:xfrm>
-            <a:off x="6493153" y="1545462"/>
-            <a:ext cx="894934" cy="400110"/>
+            <a:off x="6334127" y="1701918"/>
+            <a:ext cx="782290" cy="246221"/>
           </a:xfrm>
           <a:prstGeom prst="rect">
             <a:avLst/>
@@ -11556,7 +11469,7 @@
           <a:p>
             <a:r>
               <a:rPr lang="en-US" sz="1000" dirty="0"/>
-              <a:t>View layers one at a time</a:t>
+              <a:t>View layers</a:t>
             </a:r>
             <a:endParaRPr lang="en-CA" sz="1000" dirty="0"/>
           </a:p>
@@ -11699,7 +11612,7 @@
         </p:nvSpPr>
         <p:spPr>
           <a:xfrm>
-            <a:off x="5887695" y="3647752"/>
+            <a:off x="6212369" y="3647752"/>
             <a:ext cx="804244" cy="246221"/>
           </a:xfrm>
           <a:prstGeom prst="rect">
@@ -11808,1069 +11721,10 @@
           </a:p>
         </p:txBody>
       </p:sp>
-      <p:cxnSp>
-        <p:nvCxnSpPr>
-          <p:cNvPr id="2" name="Straight Arrow Connector 1">
-            <a:extLst>
-              <a:ext uri="{FF2B5EF4-FFF2-40B4-BE49-F238E27FC236}">
-                <a16:creationId xmlns:a16="http://schemas.microsoft.com/office/drawing/2014/main" id="{992F9629-9CDD-4C3F-8379-ED086709FFE1}"/>
-              </a:ext>
-            </a:extLst>
-          </p:cNvPr>
-          <p:cNvCxnSpPr>
-            <a:cxnSpLocks/>
-          </p:cNvCxnSpPr>
-          <p:nvPr/>
-        </p:nvCxnSpPr>
-        <p:spPr>
-          <a:xfrm flipV="1">
-            <a:off x="7887115" y="3346246"/>
-            <a:ext cx="0" cy="301506"/>
-          </a:xfrm>
-          <a:prstGeom prst="straightConnector1">
-            <a:avLst/>
-          </a:prstGeom>
-          <a:ln>
-            <a:tailEnd type="triangle"/>
-          </a:ln>
-        </p:spPr>
-        <p:style>
-          <a:lnRef idx="1">
-            <a:schemeClr val="dk1"/>
-          </a:lnRef>
-          <a:fillRef idx="0">
-            <a:schemeClr val="dk1"/>
-          </a:fillRef>
-          <a:effectRef idx="0">
-            <a:schemeClr val="dk1"/>
-          </a:effectRef>
-          <a:fontRef idx="minor">
-            <a:schemeClr val="tx1"/>
-          </a:fontRef>
-        </p:style>
-      </p:cxnSp>
-      <p:sp>
-        <p:nvSpPr>
-          <p:cNvPr id="15" name="TextBox 14">
-            <a:extLst>
-              <a:ext uri="{FF2B5EF4-FFF2-40B4-BE49-F238E27FC236}">
-                <a16:creationId xmlns:a16="http://schemas.microsoft.com/office/drawing/2014/main" id="{A77912EE-E3EB-4FD9-AFE4-9FBBB16A4ACF}"/>
-              </a:ext>
-            </a:extLst>
-          </p:cNvPr>
-          <p:cNvSpPr txBox="1"/>
-          <p:nvPr/>
-        </p:nvSpPr>
-        <p:spPr>
-          <a:xfrm>
-            <a:off x="7177710" y="3653312"/>
-            <a:ext cx="1418809" cy="400110"/>
-          </a:xfrm>
-          <a:prstGeom prst="rect">
-            <a:avLst/>
-          </a:prstGeom>
-          <a:noFill/>
-          <a:ln>
-            <a:solidFill>
-              <a:schemeClr val="tx1"/>
-            </a:solidFill>
-          </a:ln>
-        </p:spPr>
-        <p:txBody>
-          <a:bodyPr wrap="square" rtlCol="0">
-            <a:spAutoFit/>
-          </a:bodyPr>
-          <a:lstStyle/>
-          <a:p>
-            <a:r>
-              <a:rPr lang="en-US" sz="1000" dirty="0"/>
-              <a:t>Click on mapped points to view RI cell value </a:t>
-            </a:r>
-            <a:endParaRPr lang="en-CA" sz="1000" dirty="0"/>
-          </a:p>
-        </p:txBody>
-      </p:sp>
-      <p:sp>
-        <p:nvSpPr>
-          <p:cNvPr id="20" name="TextBox 19">
-            <a:extLst>
-              <a:ext uri="{FF2B5EF4-FFF2-40B4-BE49-F238E27FC236}">
-                <a16:creationId xmlns:a16="http://schemas.microsoft.com/office/drawing/2014/main" id="{1F905E07-814C-6A9C-FAC9-655A4A9F5EDC}"/>
-              </a:ext>
-            </a:extLst>
-          </p:cNvPr>
-          <p:cNvSpPr txBox="1"/>
-          <p:nvPr/>
-        </p:nvSpPr>
-        <p:spPr>
-          <a:xfrm>
-            <a:off x="6787181" y="2490202"/>
-            <a:ext cx="1000540" cy="246221"/>
-          </a:xfrm>
-          <a:prstGeom prst="rect">
-            <a:avLst/>
-          </a:prstGeom>
-          <a:noFill/>
-          <a:ln>
-            <a:solidFill>
-              <a:schemeClr val="tx1"/>
-            </a:solidFill>
-          </a:ln>
-        </p:spPr>
-        <p:txBody>
-          <a:bodyPr wrap="square" rtlCol="0">
-            <a:spAutoFit/>
-          </a:bodyPr>
-          <a:lstStyle/>
-          <a:p>
-            <a:r>
-              <a:rPr lang="en-US" sz="1000" dirty="0"/>
-              <a:t>Toggle overlays</a:t>
-            </a:r>
-            <a:endParaRPr lang="en-CA" sz="1000" dirty="0"/>
-          </a:p>
-        </p:txBody>
-      </p:sp>
-      <p:cxnSp>
-        <p:nvCxnSpPr>
-          <p:cNvPr id="21" name="Straight Arrow Connector 20">
-            <a:extLst>
-              <a:ext uri="{FF2B5EF4-FFF2-40B4-BE49-F238E27FC236}">
-                <a16:creationId xmlns:a16="http://schemas.microsoft.com/office/drawing/2014/main" id="{CEF8C428-8A3E-48FB-E219-7579D958B263}"/>
-              </a:ext>
-            </a:extLst>
-          </p:cNvPr>
-          <p:cNvCxnSpPr>
-            <a:cxnSpLocks/>
-          </p:cNvCxnSpPr>
-          <p:nvPr/>
-        </p:nvCxnSpPr>
-        <p:spPr>
-          <a:xfrm>
-            <a:off x="7388087" y="2741983"/>
-            <a:ext cx="399634" cy="404001"/>
-          </a:xfrm>
-          <a:prstGeom prst="straightConnector1">
-            <a:avLst/>
-          </a:prstGeom>
-          <a:ln>
-            <a:tailEnd type="triangle"/>
-          </a:ln>
-        </p:spPr>
-        <p:style>
-          <a:lnRef idx="1">
-            <a:schemeClr val="dk1"/>
-          </a:lnRef>
-          <a:fillRef idx="0">
-            <a:schemeClr val="dk1"/>
-          </a:fillRef>
-          <a:effectRef idx="0">
-            <a:schemeClr val="dk1"/>
-          </a:effectRef>
-          <a:fontRef idx="minor">
-            <a:schemeClr val="tx1"/>
-          </a:fontRef>
-        </p:style>
-      </p:cxnSp>
     </p:spTree>
     <p:extLst>
       <p:ext uri="{BB962C8B-B14F-4D97-AF65-F5344CB8AC3E}">
         <p14:creationId xmlns:p14="http://schemas.microsoft.com/office/powerpoint/2010/main" val="1177813972"/>
-      </p:ext>
-    </p:extLst>
-  </p:cSld>
-  <p:clrMapOvr>
-    <a:masterClrMapping/>
-  </p:clrMapOvr>
-</p:sld>
-</file>
-
-<file path=ppt/slides/slide9.xml><?xml version="1.0" encoding="utf-8"?>
-<p:sld xmlns:a="http://schemas.openxmlformats.org/drawingml/2006/main" xmlns:r="http://schemas.openxmlformats.org/officeDocument/2006/relationships" xmlns:p="http://schemas.openxmlformats.org/presentationml/2006/main">
-  <p:cSld>
-    <p:spTree>
-      <p:nvGrpSpPr>
-        <p:cNvPr id="1" name=""/>
-        <p:cNvGrpSpPr/>
-        <p:nvPr/>
-      </p:nvGrpSpPr>
-      <p:grpSpPr>
-        <a:xfrm>
-          <a:off x="0" y="0"/>
-          <a:ext cx="0" cy="0"/>
-          <a:chOff x="0" y="0"/>
-          <a:chExt cx="0" cy="0"/>
-        </a:xfrm>
-      </p:grpSpPr>
-      <p:pic>
-        <p:nvPicPr>
-          <p:cNvPr id="5" name="Picture 4">
-            <a:extLst>
-              <a:ext uri="{FF2B5EF4-FFF2-40B4-BE49-F238E27FC236}">
-                <a16:creationId xmlns:a16="http://schemas.microsoft.com/office/drawing/2014/main" id="{A5BD1FFB-C6C9-B9CC-9710-4314A5417040}"/>
-              </a:ext>
-            </a:extLst>
-          </p:cNvPr>
-          <p:cNvPicPr>
-            <a:picLocks noChangeAspect="1"/>
-          </p:cNvPicPr>
-          <p:nvPr/>
-        </p:nvPicPr>
-        <p:blipFill>
-          <a:blip r:embed="rId3">
-            <a:alphaModFix/>
-            <a:extLst>
-              <a:ext uri="{BEBA8EAE-BF5A-486C-A8C5-ECC9F3942E4B}">
-                <a14:imgProps xmlns:a14="http://schemas.microsoft.com/office/drawing/2010/main">
-                  <a14:imgLayer r:embed="rId4">
-                    <a14:imgEffect>
-                      <a14:backgroundRemoval t="10000" b="90000" l="10000" r="90000"/>
-                    </a14:imgEffect>
-                  </a14:imgLayer>
-                </a14:imgProps>
-              </a:ext>
-              <a:ext uri="{28A0092B-C50C-407E-A947-70E740481C1C}">
-                <a14:useLocalDpi xmlns:a14="http://schemas.microsoft.com/office/drawing/2010/main" val="0"/>
-              </a:ext>
-            </a:extLst>
-          </a:blip>
-          <a:srcRect/>
-          <a:stretch/>
-        </p:blipFill>
-        <p:spPr>
-          <a:xfrm>
-            <a:off x="4592782" y="393106"/>
-            <a:ext cx="3377537" cy="4370936"/>
-          </a:xfrm>
-          <a:prstGeom prst="rect">
-            <a:avLst/>
-          </a:prstGeom>
-        </p:spPr>
-      </p:pic>
-      <p:sp>
-        <p:nvSpPr>
-          <p:cNvPr id="6" name="Title 5">
-            <a:extLst>
-              <a:ext uri="{FF2B5EF4-FFF2-40B4-BE49-F238E27FC236}">
-                <a16:creationId xmlns:a16="http://schemas.microsoft.com/office/drawing/2014/main" id="{EA1DA570-A070-3FC0-D489-3B7DA96EA1F3}"/>
-              </a:ext>
-            </a:extLst>
-          </p:cNvPr>
-          <p:cNvSpPr>
-            <a:spLocks noGrp="1"/>
-          </p:cNvSpPr>
-          <p:nvPr>
-            <p:ph type="title"/>
-          </p:nvPr>
-        </p:nvSpPr>
-        <p:spPr/>
-        <p:txBody>
-          <a:bodyPr/>
-          <a:lstStyle/>
-          <a:p>
-            <a:r>
-              <a:rPr lang="en-US" dirty="0"/>
-              <a:t>NEXT STEPS</a:t>
-            </a:r>
-            <a:endParaRPr lang="en-CA" dirty="0"/>
-          </a:p>
-        </p:txBody>
-      </p:sp>
-      <p:sp>
-        <p:nvSpPr>
-          <p:cNvPr id="8" name="Content Placeholder 7">
-            <a:extLst>
-              <a:ext uri="{FF2B5EF4-FFF2-40B4-BE49-F238E27FC236}">
-                <a16:creationId xmlns:a16="http://schemas.microsoft.com/office/drawing/2014/main" id="{A5C65A31-31C6-888F-AF71-FAD7B2A5AEB9}"/>
-              </a:ext>
-            </a:extLst>
-          </p:cNvPr>
-          <p:cNvSpPr>
-            <a:spLocks noGrp="1"/>
-          </p:cNvSpPr>
-          <p:nvPr>
-            <p:ph idx="1"/>
-          </p:nvPr>
-        </p:nvSpPr>
-        <p:spPr>
-          <a:xfrm>
-            <a:off x="628650" y="759884"/>
-            <a:ext cx="8402707" cy="824016"/>
-          </a:xfrm>
-        </p:spPr>
-        <p:txBody>
-          <a:bodyPr>
-            <a:normAutofit/>
-          </a:bodyPr>
-          <a:lstStyle/>
-          <a:p>
-            <a:pPr marL="0" indent="0">
-              <a:buNone/>
-            </a:pPr>
-            <a:endParaRPr lang="en-US" dirty="0"/>
-          </a:p>
-          <a:p>
-            <a:endParaRPr lang="en-US" dirty="0"/>
-          </a:p>
-          <a:p>
-            <a:pPr marL="0" indent="0">
-              <a:buNone/>
-            </a:pPr>
-            <a:endParaRPr lang="en-CA" dirty="0"/>
-          </a:p>
-        </p:txBody>
-      </p:sp>
-      <p:sp>
-        <p:nvSpPr>
-          <p:cNvPr id="4" name="Content Placeholder 7">
-            <a:extLst>
-              <a:ext uri="{FF2B5EF4-FFF2-40B4-BE49-F238E27FC236}">
-                <a16:creationId xmlns:a16="http://schemas.microsoft.com/office/drawing/2014/main" id="{66C7D8DE-13B1-FB63-DBC4-BD613D347951}"/>
-              </a:ext>
-            </a:extLst>
-          </p:cNvPr>
-          <p:cNvSpPr txBox="1">
-            <a:spLocks/>
-          </p:cNvSpPr>
-          <p:nvPr/>
-        </p:nvSpPr>
-        <p:spPr>
-          <a:xfrm>
-            <a:off x="628650" y="3374234"/>
-            <a:ext cx="7886700" cy="824016"/>
-          </a:xfrm>
-          <a:prstGeom prst="rect">
-            <a:avLst/>
-          </a:prstGeom>
-        </p:spPr>
-        <p:txBody>
-          <a:bodyPr vert="horz" lIns="68580" tIns="34290" rIns="68580" bIns="34290" rtlCol="0">
-            <a:normAutofit/>
-          </a:bodyPr>
-          <a:lstStyle>
-            <a:lvl1pPr marL="171450" indent="-171450" algn="l" defTabSz="685800" rtl="0" eaLnBrk="1" latinLnBrk="0" hangingPunct="1">
-              <a:lnSpc>
-                <a:spcPct val="90000"/>
-              </a:lnSpc>
-              <a:spcBef>
-                <a:spcPts val="750"/>
-              </a:spcBef>
-              <a:buFont typeface="Arial" panose="020B0604020202020204" pitchFamily="34" charset="0"/>
-              <a:buChar char="•"/>
-              <a:defRPr sz="2100" kern="1200">
-                <a:solidFill>
-                  <a:schemeClr val="bg2">
-                    <a:lumMod val="25000"/>
-                  </a:schemeClr>
-                </a:solidFill>
-                <a:latin typeface="Verdana"/>
-                <a:ea typeface="+mn-ea"/>
-                <a:cs typeface="Verdana"/>
-              </a:defRPr>
-            </a:lvl1pPr>
-            <a:lvl2pPr marL="514350" indent="-171450" algn="l" defTabSz="685800" rtl="0" eaLnBrk="1" latinLnBrk="0" hangingPunct="1">
-              <a:lnSpc>
-                <a:spcPct val="90000"/>
-              </a:lnSpc>
-              <a:spcBef>
-                <a:spcPts val="375"/>
-              </a:spcBef>
-              <a:buFont typeface="Arial" panose="020B0604020202020204" pitchFamily="34" charset="0"/>
-              <a:buChar char="•"/>
-              <a:defRPr sz="1800" kern="1200">
-                <a:solidFill>
-                  <a:schemeClr val="bg2">
-                    <a:lumMod val="25000"/>
-                  </a:schemeClr>
-                </a:solidFill>
-                <a:latin typeface="Verdana"/>
-                <a:ea typeface="+mn-ea"/>
-                <a:cs typeface="Verdana"/>
-              </a:defRPr>
-            </a:lvl2pPr>
-            <a:lvl3pPr marL="857250" indent="-171450" algn="l" defTabSz="685800" rtl="0" eaLnBrk="1" latinLnBrk="0" hangingPunct="1">
-              <a:lnSpc>
-                <a:spcPct val="90000"/>
-              </a:lnSpc>
-              <a:spcBef>
-                <a:spcPts val="375"/>
-              </a:spcBef>
-              <a:buFont typeface="Arial" panose="020B0604020202020204" pitchFamily="34" charset="0"/>
-              <a:buChar char="•"/>
-              <a:defRPr sz="1500" kern="1200">
-                <a:solidFill>
-                  <a:schemeClr val="bg2">
-                    <a:lumMod val="25000"/>
-                  </a:schemeClr>
-                </a:solidFill>
-                <a:latin typeface="Verdana"/>
-                <a:ea typeface="+mn-ea"/>
-                <a:cs typeface="Verdana"/>
-              </a:defRPr>
-            </a:lvl3pPr>
-            <a:lvl4pPr marL="1200150" indent="-171450" algn="l" defTabSz="685800" rtl="0" eaLnBrk="1" latinLnBrk="0" hangingPunct="1">
-              <a:lnSpc>
-                <a:spcPct val="90000"/>
-              </a:lnSpc>
-              <a:spcBef>
-                <a:spcPts val="375"/>
-              </a:spcBef>
-              <a:buFont typeface="Arial" panose="020B0604020202020204" pitchFamily="34" charset="0"/>
-              <a:buChar char="•"/>
-              <a:defRPr sz="1400" kern="1200">
-                <a:solidFill>
-                  <a:schemeClr val="bg2">
-                    <a:lumMod val="25000"/>
-                  </a:schemeClr>
-                </a:solidFill>
-                <a:latin typeface="Verdana"/>
-                <a:ea typeface="+mn-ea"/>
-                <a:cs typeface="Verdana"/>
-              </a:defRPr>
-            </a:lvl4pPr>
-            <a:lvl5pPr marL="1543050" indent="-171450" algn="l" defTabSz="685800" rtl="0" eaLnBrk="1" latinLnBrk="0" hangingPunct="1">
-              <a:lnSpc>
-                <a:spcPct val="90000"/>
-              </a:lnSpc>
-              <a:spcBef>
-                <a:spcPts val="375"/>
-              </a:spcBef>
-              <a:buFont typeface="Arial" panose="020B0604020202020204" pitchFamily="34" charset="0"/>
-              <a:buChar char="•"/>
-              <a:defRPr sz="1400" kern="1200">
-                <a:solidFill>
-                  <a:schemeClr val="bg2">
-                    <a:lumMod val="25000"/>
-                  </a:schemeClr>
-                </a:solidFill>
-                <a:latin typeface="Verdana"/>
-                <a:ea typeface="+mn-ea"/>
-                <a:cs typeface="Verdana"/>
-              </a:defRPr>
-            </a:lvl5pPr>
-            <a:lvl6pPr marL="1885950" indent="-171450" algn="l" defTabSz="685800" rtl="0" eaLnBrk="1" latinLnBrk="0" hangingPunct="1">
-              <a:lnSpc>
-                <a:spcPct val="90000"/>
-              </a:lnSpc>
-              <a:spcBef>
-                <a:spcPts val="375"/>
-              </a:spcBef>
-              <a:buFont typeface="Arial" panose="020B0604020202020204" pitchFamily="34" charset="0"/>
-              <a:buChar char="•"/>
-              <a:defRPr sz="1400" kern="1200">
-                <a:solidFill>
-                  <a:schemeClr val="tx1"/>
-                </a:solidFill>
-                <a:latin typeface="+mn-lt"/>
-                <a:ea typeface="+mn-ea"/>
-                <a:cs typeface="+mn-cs"/>
-              </a:defRPr>
-            </a:lvl6pPr>
-            <a:lvl7pPr marL="2228850" indent="-171450" algn="l" defTabSz="685800" rtl="0" eaLnBrk="1" latinLnBrk="0" hangingPunct="1">
-              <a:lnSpc>
-                <a:spcPct val="90000"/>
-              </a:lnSpc>
-              <a:spcBef>
-                <a:spcPts val="375"/>
-              </a:spcBef>
-              <a:buFont typeface="Arial" panose="020B0604020202020204" pitchFamily="34" charset="0"/>
-              <a:buChar char="•"/>
-              <a:defRPr sz="1400" kern="1200">
-                <a:solidFill>
-                  <a:schemeClr val="tx1"/>
-                </a:solidFill>
-                <a:latin typeface="+mn-lt"/>
-                <a:ea typeface="+mn-ea"/>
-                <a:cs typeface="+mn-cs"/>
-              </a:defRPr>
-            </a:lvl7pPr>
-            <a:lvl8pPr marL="2571750" indent="-171450" algn="l" defTabSz="685800" rtl="0" eaLnBrk="1" latinLnBrk="0" hangingPunct="1">
-              <a:lnSpc>
-                <a:spcPct val="90000"/>
-              </a:lnSpc>
-              <a:spcBef>
-                <a:spcPts val="375"/>
-              </a:spcBef>
-              <a:buFont typeface="Arial" panose="020B0604020202020204" pitchFamily="34" charset="0"/>
-              <a:buChar char="•"/>
-              <a:defRPr sz="1400" kern="1200">
-                <a:solidFill>
-                  <a:schemeClr val="tx1"/>
-                </a:solidFill>
-                <a:latin typeface="+mn-lt"/>
-                <a:ea typeface="+mn-ea"/>
-                <a:cs typeface="+mn-cs"/>
-              </a:defRPr>
-            </a:lvl8pPr>
-            <a:lvl9pPr marL="2914650" indent="-171450" algn="l" defTabSz="685800" rtl="0" eaLnBrk="1" latinLnBrk="0" hangingPunct="1">
-              <a:lnSpc>
-                <a:spcPct val="90000"/>
-              </a:lnSpc>
-              <a:spcBef>
-                <a:spcPts val="375"/>
-              </a:spcBef>
-              <a:buFont typeface="Arial" panose="020B0604020202020204" pitchFamily="34" charset="0"/>
-              <a:buChar char="•"/>
-              <a:defRPr sz="1400" kern="1200">
-                <a:solidFill>
-                  <a:schemeClr val="tx1"/>
-                </a:solidFill>
-                <a:latin typeface="+mn-lt"/>
-                <a:ea typeface="+mn-ea"/>
-                <a:cs typeface="+mn-cs"/>
-              </a:defRPr>
-            </a:lvl9pPr>
-          </a:lstStyle>
-          <a:p>
-            <a:pPr marL="0" indent="0">
-              <a:lnSpc>
-                <a:spcPct val="150000"/>
-              </a:lnSpc>
-              <a:buFont typeface="Arial" panose="020B0604020202020204" pitchFamily="34" charset="0"/>
-              <a:buNone/>
-            </a:pPr>
-            <a:endParaRPr lang="en-US" dirty="0"/>
-          </a:p>
-          <a:p>
-            <a:pPr marL="0" indent="0">
-              <a:buFont typeface="Arial" panose="020B0604020202020204" pitchFamily="34" charset="0"/>
-              <a:buNone/>
-            </a:pPr>
-            <a:endParaRPr lang="en-US" dirty="0"/>
-          </a:p>
-          <a:p>
-            <a:pPr marL="0" indent="0">
-              <a:buFont typeface="Arial" panose="020B0604020202020204" pitchFamily="34" charset="0"/>
-              <a:buNone/>
-            </a:pPr>
-            <a:endParaRPr lang="en-US" dirty="0"/>
-          </a:p>
-          <a:p>
-            <a:pPr marL="0" indent="0">
-              <a:buFont typeface="Arial" panose="020B0604020202020204" pitchFamily="34" charset="0"/>
-              <a:buNone/>
-            </a:pPr>
-            <a:endParaRPr lang="en-CA" dirty="0"/>
-          </a:p>
-        </p:txBody>
-      </p:sp>
-      <p:sp>
-        <p:nvSpPr>
-          <p:cNvPr id="2" name="Content Placeholder 7">
-            <a:extLst>
-              <a:ext uri="{FF2B5EF4-FFF2-40B4-BE49-F238E27FC236}">
-                <a16:creationId xmlns:a16="http://schemas.microsoft.com/office/drawing/2014/main" id="{5DAE791B-F751-2BDC-D8A5-62ED5AE64703}"/>
-              </a:ext>
-            </a:extLst>
-          </p:cNvPr>
-          <p:cNvSpPr txBox="1">
-            <a:spLocks/>
-          </p:cNvSpPr>
-          <p:nvPr/>
-        </p:nvSpPr>
-        <p:spPr>
-          <a:xfrm>
-            <a:off x="628649" y="1118462"/>
-            <a:ext cx="3988711" cy="3885114"/>
-          </a:xfrm>
-          <a:prstGeom prst="rect">
-            <a:avLst/>
-          </a:prstGeom>
-        </p:spPr>
-        <p:txBody>
-          <a:bodyPr vert="horz" lIns="68580" tIns="34290" rIns="68580" bIns="34290" rtlCol="0">
-            <a:normAutofit fontScale="92500"/>
-          </a:bodyPr>
-          <a:lstStyle>
-            <a:lvl1pPr marL="171450" indent="-171450" algn="l" defTabSz="685800" rtl="0" eaLnBrk="1" latinLnBrk="0" hangingPunct="1">
-              <a:lnSpc>
-                <a:spcPct val="90000"/>
-              </a:lnSpc>
-              <a:spcBef>
-                <a:spcPts val="750"/>
-              </a:spcBef>
-              <a:buFont typeface="Arial" panose="020B0604020202020204" pitchFamily="34" charset="0"/>
-              <a:buChar char="•"/>
-              <a:defRPr sz="2100" kern="1200">
-                <a:solidFill>
-                  <a:schemeClr val="bg2">
-                    <a:lumMod val="25000"/>
-                  </a:schemeClr>
-                </a:solidFill>
-                <a:latin typeface="Verdana"/>
-                <a:ea typeface="+mn-ea"/>
-                <a:cs typeface="Verdana"/>
-              </a:defRPr>
-            </a:lvl1pPr>
-            <a:lvl2pPr marL="514350" indent="-171450" algn="l" defTabSz="685800" rtl="0" eaLnBrk="1" latinLnBrk="0" hangingPunct="1">
-              <a:lnSpc>
-                <a:spcPct val="90000"/>
-              </a:lnSpc>
-              <a:spcBef>
-                <a:spcPts val="375"/>
-              </a:spcBef>
-              <a:buFont typeface="Arial" panose="020B0604020202020204" pitchFamily="34" charset="0"/>
-              <a:buChar char="•"/>
-              <a:defRPr sz="1800" kern="1200">
-                <a:solidFill>
-                  <a:schemeClr val="bg2">
-                    <a:lumMod val="25000"/>
-                  </a:schemeClr>
-                </a:solidFill>
-                <a:latin typeface="Verdana"/>
-                <a:ea typeface="+mn-ea"/>
-                <a:cs typeface="Verdana"/>
-              </a:defRPr>
-            </a:lvl2pPr>
-            <a:lvl3pPr marL="857250" indent="-171450" algn="l" defTabSz="685800" rtl="0" eaLnBrk="1" latinLnBrk="0" hangingPunct="1">
-              <a:lnSpc>
-                <a:spcPct val="90000"/>
-              </a:lnSpc>
-              <a:spcBef>
-                <a:spcPts val="375"/>
-              </a:spcBef>
-              <a:buFont typeface="Arial" panose="020B0604020202020204" pitchFamily="34" charset="0"/>
-              <a:buChar char="•"/>
-              <a:defRPr sz="1500" kern="1200">
-                <a:solidFill>
-                  <a:schemeClr val="bg2">
-                    <a:lumMod val="25000"/>
-                  </a:schemeClr>
-                </a:solidFill>
-                <a:latin typeface="Verdana"/>
-                <a:ea typeface="+mn-ea"/>
-                <a:cs typeface="Verdana"/>
-              </a:defRPr>
-            </a:lvl3pPr>
-            <a:lvl4pPr marL="1200150" indent="-171450" algn="l" defTabSz="685800" rtl="0" eaLnBrk="1" latinLnBrk="0" hangingPunct="1">
-              <a:lnSpc>
-                <a:spcPct val="90000"/>
-              </a:lnSpc>
-              <a:spcBef>
-                <a:spcPts val="375"/>
-              </a:spcBef>
-              <a:buFont typeface="Arial" panose="020B0604020202020204" pitchFamily="34" charset="0"/>
-              <a:buChar char="•"/>
-              <a:defRPr sz="1400" kern="1200">
-                <a:solidFill>
-                  <a:schemeClr val="bg2">
-                    <a:lumMod val="25000"/>
-                  </a:schemeClr>
-                </a:solidFill>
-                <a:latin typeface="Verdana"/>
-                <a:ea typeface="+mn-ea"/>
-                <a:cs typeface="Verdana"/>
-              </a:defRPr>
-            </a:lvl4pPr>
-            <a:lvl5pPr marL="1543050" indent="-171450" algn="l" defTabSz="685800" rtl="0" eaLnBrk="1" latinLnBrk="0" hangingPunct="1">
-              <a:lnSpc>
-                <a:spcPct val="90000"/>
-              </a:lnSpc>
-              <a:spcBef>
-                <a:spcPts val="375"/>
-              </a:spcBef>
-              <a:buFont typeface="Arial" panose="020B0604020202020204" pitchFamily="34" charset="0"/>
-              <a:buChar char="•"/>
-              <a:defRPr sz="1400" kern="1200">
-                <a:solidFill>
-                  <a:schemeClr val="bg2">
-                    <a:lumMod val="25000"/>
-                  </a:schemeClr>
-                </a:solidFill>
-                <a:latin typeface="Verdana"/>
-                <a:ea typeface="+mn-ea"/>
-                <a:cs typeface="Verdana"/>
-              </a:defRPr>
-            </a:lvl5pPr>
-            <a:lvl6pPr marL="1885950" indent="-171450" algn="l" defTabSz="685800" rtl="0" eaLnBrk="1" latinLnBrk="0" hangingPunct="1">
-              <a:lnSpc>
-                <a:spcPct val="90000"/>
-              </a:lnSpc>
-              <a:spcBef>
-                <a:spcPts val="375"/>
-              </a:spcBef>
-              <a:buFont typeface="Arial" panose="020B0604020202020204" pitchFamily="34" charset="0"/>
-              <a:buChar char="•"/>
-              <a:defRPr sz="1400" kern="1200">
-                <a:solidFill>
-                  <a:schemeClr val="tx1"/>
-                </a:solidFill>
-                <a:latin typeface="+mn-lt"/>
-                <a:ea typeface="+mn-ea"/>
-                <a:cs typeface="+mn-cs"/>
-              </a:defRPr>
-            </a:lvl6pPr>
-            <a:lvl7pPr marL="2228850" indent="-171450" algn="l" defTabSz="685800" rtl="0" eaLnBrk="1" latinLnBrk="0" hangingPunct="1">
-              <a:lnSpc>
-                <a:spcPct val="90000"/>
-              </a:lnSpc>
-              <a:spcBef>
-                <a:spcPts val="375"/>
-              </a:spcBef>
-              <a:buFont typeface="Arial" panose="020B0604020202020204" pitchFamily="34" charset="0"/>
-              <a:buChar char="•"/>
-              <a:defRPr sz="1400" kern="1200">
-                <a:solidFill>
-                  <a:schemeClr val="tx1"/>
-                </a:solidFill>
-                <a:latin typeface="+mn-lt"/>
-                <a:ea typeface="+mn-ea"/>
-                <a:cs typeface="+mn-cs"/>
-              </a:defRPr>
-            </a:lvl7pPr>
-            <a:lvl8pPr marL="2571750" indent="-171450" algn="l" defTabSz="685800" rtl="0" eaLnBrk="1" latinLnBrk="0" hangingPunct="1">
-              <a:lnSpc>
-                <a:spcPct val="90000"/>
-              </a:lnSpc>
-              <a:spcBef>
-                <a:spcPts val="375"/>
-              </a:spcBef>
-              <a:buFont typeface="Arial" panose="020B0604020202020204" pitchFamily="34" charset="0"/>
-              <a:buChar char="•"/>
-              <a:defRPr sz="1400" kern="1200">
-                <a:solidFill>
-                  <a:schemeClr val="tx1"/>
-                </a:solidFill>
-                <a:latin typeface="+mn-lt"/>
-                <a:ea typeface="+mn-ea"/>
-                <a:cs typeface="+mn-cs"/>
-              </a:defRPr>
-            </a:lvl8pPr>
-            <a:lvl9pPr marL="2914650" indent="-171450" algn="l" defTabSz="685800" rtl="0" eaLnBrk="1" latinLnBrk="0" hangingPunct="1">
-              <a:lnSpc>
-                <a:spcPct val="90000"/>
-              </a:lnSpc>
-              <a:spcBef>
-                <a:spcPts val="375"/>
-              </a:spcBef>
-              <a:buFont typeface="Arial" panose="020B0604020202020204" pitchFamily="34" charset="0"/>
-              <a:buChar char="•"/>
-              <a:defRPr sz="1400" kern="1200">
-                <a:solidFill>
-                  <a:schemeClr val="tx1"/>
-                </a:solidFill>
-                <a:latin typeface="+mn-lt"/>
-                <a:ea typeface="+mn-ea"/>
-                <a:cs typeface="+mn-cs"/>
-              </a:defRPr>
-            </a:lvl9pPr>
-          </a:lstStyle>
-          <a:p>
-            <a:pPr>
-              <a:lnSpc>
-                <a:spcPct val="130000"/>
-              </a:lnSpc>
-            </a:pPr>
-            <a:r>
-              <a:rPr lang="en-US" sz="2000" dirty="0"/>
-              <a:t>Finding agreement on RI </a:t>
-            </a:r>
-            <a:r>
-              <a:rPr lang="en-US" sz="2000" b="1" dirty="0"/>
-              <a:t>definition</a:t>
-            </a:r>
-          </a:p>
-          <a:p>
-            <a:pPr>
-              <a:lnSpc>
-                <a:spcPct val="130000"/>
-              </a:lnSpc>
-            </a:pPr>
-            <a:r>
-              <a:rPr lang="en-US" sz="2000" dirty="0"/>
-              <a:t>Finding agreement on the RI</a:t>
-            </a:r>
-            <a:r>
-              <a:rPr lang="en-US" sz="2000" b="1" dirty="0"/>
-              <a:t> inputs</a:t>
-            </a:r>
-          </a:p>
-          <a:p>
-            <a:pPr>
-              <a:lnSpc>
-                <a:spcPct val="130000"/>
-              </a:lnSpc>
-            </a:pPr>
-            <a:r>
-              <a:rPr lang="en-US" sz="2000" dirty="0"/>
-              <a:t>Finding agreement on RI </a:t>
-            </a:r>
-            <a:r>
-              <a:rPr lang="en-US" sz="2000" b="1" dirty="0"/>
-              <a:t>weights</a:t>
-            </a:r>
-            <a:endParaRPr lang="en-US" sz="2000" dirty="0"/>
-          </a:p>
-          <a:p>
-            <a:pPr>
-              <a:lnSpc>
-                <a:spcPct val="130000"/>
-              </a:lnSpc>
-            </a:pPr>
-            <a:r>
-              <a:rPr lang="en-US" sz="2000" dirty="0"/>
-              <a:t>Communicating what RI is good at explaining and where it falls short (</a:t>
-            </a:r>
-            <a:r>
-              <a:rPr lang="en-US" sz="2000" b="1" dirty="0"/>
-              <a:t>limitations</a:t>
-            </a:r>
-            <a:r>
-              <a:rPr lang="en-US" sz="2000" dirty="0"/>
-              <a:t>)</a:t>
-            </a:r>
-          </a:p>
-          <a:p>
-            <a:pPr marL="0" indent="0">
-              <a:buFont typeface="Arial" panose="020B0604020202020204" pitchFamily="34" charset="0"/>
-              <a:buNone/>
-            </a:pPr>
-            <a:endParaRPr lang="en-US" dirty="0"/>
-          </a:p>
-          <a:p>
-            <a:pPr marL="0" indent="0">
-              <a:buFont typeface="Arial" panose="020B0604020202020204" pitchFamily="34" charset="0"/>
-              <a:buNone/>
-            </a:pPr>
-            <a:endParaRPr lang="en-US" dirty="0"/>
-          </a:p>
-          <a:p>
-            <a:pPr marL="0" indent="0">
-              <a:buFont typeface="Arial" panose="020B0604020202020204" pitchFamily="34" charset="0"/>
-              <a:buNone/>
-            </a:pPr>
-            <a:endParaRPr lang="en-US" dirty="0"/>
-          </a:p>
-          <a:p>
-            <a:pPr marL="0" indent="0">
-              <a:buFont typeface="Arial" panose="020B0604020202020204" pitchFamily="34" charset="0"/>
-              <a:buNone/>
-            </a:pPr>
-            <a:endParaRPr lang="en-US" dirty="0"/>
-          </a:p>
-          <a:p>
-            <a:pPr marL="0" indent="0">
-              <a:buFont typeface="Arial" panose="020B0604020202020204" pitchFamily="34" charset="0"/>
-              <a:buNone/>
-            </a:pPr>
-            <a:endParaRPr lang="en-US" dirty="0"/>
-          </a:p>
-          <a:p>
-            <a:pPr marL="0" indent="0">
-              <a:buFont typeface="Arial" panose="020B0604020202020204" pitchFamily="34" charset="0"/>
-              <a:buNone/>
-            </a:pPr>
-            <a:endParaRPr lang="en-US" dirty="0"/>
-          </a:p>
-          <a:p>
-            <a:pPr marL="0" indent="0">
-              <a:buFont typeface="Arial" panose="020B0604020202020204" pitchFamily="34" charset="0"/>
-              <a:buNone/>
-            </a:pPr>
-            <a:endParaRPr lang="en-CA" dirty="0"/>
-          </a:p>
-        </p:txBody>
-      </p:sp>
-      <p:sp>
-        <p:nvSpPr>
-          <p:cNvPr id="10" name="TextBox 9">
-            <a:extLst>
-              <a:ext uri="{FF2B5EF4-FFF2-40B4-BE49-F238E27FC236}">
-                <a16:creationId xmlns:a16="http://schemas.microsoft.com/office/drawing/2014/main" id="{9F54CBE6-2368-27E2-3B35-AF3A3B4C71B4}"/>
-              </a:ext>
-            </a:extLst>
-          </p:cNvPr>
-          <p:cNvSpPr txBox="1"/>
-          <p:nvPr/>
-        </p:nvSpPr>
-        <p:spPr>
-          <a:xfrm>
-            <a:off x="6532830" y="4707268"/>
-            <a:ext cx="1032165" cy="246221"/>
-          </a:xfrm>
-          <a:prstGeom prst="rect">
-            <a:avLst/>
-          </a:prstGeom>
-          <a:noFill/>
-          <a:ln>
-            <a:solidFill>
-              <a:schemeClr val="tx1"/>
-            </a:solidFill>
-          </a:ln>
-        </p:spPr>
-        <p:txBody>
-          <a:bodyPr wrap="square" rtlCol="0">
-            <a:spAutoFit/>
-          </a:bodyPr>
-          <a:lstStyle/>
-          <a:p>
-            <a:r>
-              <a:rPr lang="en-US" sz="1000" b="1" dirty="0">
-                <a:latin typeface="Tahoma" panose="020B0604030504040204" pitchFamily="34" charset="0"/>
-                <a:ea typeface="Tahoma" panose="020B0604030504040204" pitchFamily="34" charset="0"/>
-                <a:cs typeface="Tahoma" panose="020B0604030504040204" pitchFamily="34" charset="0"/>
-              </a:rPr>
-              <a:t>High</a:t>
-            </a:r>
-            <a:r>
-              <a:rPr lang="en-US" sz="1000" dirty="0">
-                <a:latin typeface="Tahoma" panose="020B0604030504040204" pitchFamily="34" charset="0"/>
-                <a:ea typeface="Tahoma" panose="020B0604030504040204" pitchFamily="34" charset="0"/>
-                <a:cs typeface="Tahoma" panose="020B0604030504040204" pitchFamily="34" charset="0"/>
-              </a:rPr>
-              <a:t> RI Value</a:t>
-            </a:r>
-            <a:endParaRPr lang="en-CA" sz="1000" dirty="0">
-              <a:latin typeface="Tahoma" panose="020B0604030504040204" pitchFamily="34" charset="0"/>
-              <a:ea typeface="Tahoma" panose="020B0604030504040204" pitchFamily="34" charset="0"/>
-              <a:cs typeface="Tahoma" panose="020B0604030504040204" pitchFamily="34" charset="0"/>
-            </a:endParaRPr>
-          </a:p>
-        </p:txBody>
-      </p:sp>
-      <p:sp>
-        <p:nvSpPr>
-          <p:cNvPr id="11" name="TextBox 10">
-            <a:extLst>
-              <a:ext uri="{FF2B5EF4-FFF2-40B4-BE49-F238E27FC236}">
-                <a16:creationId xmlns:a16="http://schemas.microsoft.com/office/drawing/2014/main" id="{84B47D9C-FE6A-4006-7116-FA3E65AA68CC}"/>
-              </a:ext>
-            </a:extLst>
-          </p:cNvPr>
-          <p:cNvSpPr txBox="1"/>
-          <p:nvPr/>
-        </p:nvSpPr>
-        <p:spPr>
-          <a:xfrm>
-            <a:off x="6795681" y="916015"/>
-            <a:ext cx="964003" cy="246221"/>
-          </a:xfrm>
-          <a:prstGeom prst="rect">
-            <a:avLst/>
-          </a:prstGeom>
-          <a:noFill/>
-          <a:ln>
-            <a:solidFill>
-              <a:schemeClr val="tx1"/>
-            </a:solidFill>
-          </a:ln>
-        </p:spPr>
-        <p:txBody>
-          <a:bodyPr wrap="square" rtlCol="0">
-            <a:spAutoFit/>
-          </a:bodyPr>
-          <a:lstStyle/>
-          <a:p>
-            <a:r>
-              <a:rPr lang="en-US" sz="1000" b="1" dirty="0">
-                <a:latin typeface="Tahoma" panose="020B0604030504040204" pitchFamily="34" charset="0"/>
-                <a:ea typeface="Tahoma" panose="020B0604030504040204" pitchFamily="34" charset="0"/>
-                <a:cs typeface="Tahoma" panose="020B0604030504040204" pitchFamily="34" charset="0"/>
-              </a:rPr>
-              <a:t>Low</a:t>
-            </a:r>
-            <a:r>
-              <a:rPr lang="en-US" sz="1000" dirty="0">
-                <a:latin typeface="Tahoma" panose="020B0604030504040204" pitchFamily="34" charset="0"/>
-                <a:ea typeface="Tahoma" panose="020B0604030504040204" pitchFamily="34" charset="0"/>
-                <a:cs typeface="Tahoma" panose="020B0604030504040204" pitchFamily="34" charset="0"/>
-              </a:rPr>
-              <a:t> RI Value</a:t>
-            </a:r>
-            <a:endParaRPr lang="en-CA" sz="1000" dirty="0">
-              <a:latin typeface="Tahoma" panose="020B0604030504040204" pitchFamily="34" charset="0"/>
-              <a:ea typeface="Tahoma" panose="020B0604030504040204" pitchFamily="34" charset="0"/>
-              <a:cs typeface="Tahoma" panose="020B0604030504040204" pitchFamily="34" charset="0"/>
-            </a:endParaRPr>
-          </a:p>
-        </p:txBody>
-      </p:sp>
-      <p:cxnSp>
-        <p:nvCxnSpPr>
-          <p:cNvPr id="13" name="Straight Arrow Connector 12">
-            <a:extLst>
-              <a:ext uri="{FF2B5EF4-FFF2-40B4-BE49-F238E27FC236}">
-                <a16:creationId xmlns:a16="http://schemas.microsoft.com/office/drawing/2014/main" id="{953B2240-44CC-384A-5E8B-0A7604709AF6}"/>
-              </a:ext>
-            </a:extLst>
-          </p:cNvPr>
-          <p:cNvCxnSpPr>
-            <a:cxnSpLocks/>
-          </p:cNvCxnSpPr>
-          <p:nvPr/>
-        </p:nvCxnSpPr>
-        <p:spPr>
-          <a:xfrm flipH="1" flipV="1">
-            <a:off x="6532830" y="4294909"/>
-            <a:ext cx="380588" cy="406697"/>
-          </a:xfrm>
-          <a:prstGeom prst="straightConnector1">
-            <a:avLst/>
-          </a:prstGeom>
-          <a:ln>
-            <a:tailEnd type="triangle"/>
-          </a:ln>
-        </p:spPr>
-        <p:style>
-          <a:lnRef idx="1">
-            <a:schemeClr val="dk1"/>
-          </a:lnRef>
-          <a:fillRef idx="0">
-            <a:schemeClr val="dk1"/>
-          </a:fillRef>
-          <a:effectRef idx="0">
-            <a:schemeClr val="dk1"/>
-          </a:effectRef>
-          <a:fontRef idx="minor">
-            <a:schemeClr val="tx1"/>
-          </a:fontRef>
-        </p:style>
-      </p:cxnSp>
-      <p:cxnSp>
-        <p:nvCxnSpPr>
-          <p:cNvPr id="18" name="Straight Arrow Connector 17">
-            <a:extLst>
-              <a:ext uri="{FF2B5EF4-FFF2-40B4-BE49-F238E27FC236}">
-                <a16:creationId xmlns:a16="http://schemas.microsoft.com/office/drawing/2014/main" id="{1BA1A699-EE5C-7772-4C2F-1C559F35DFC7}"/>
-              </a:ext>
-            </a:extLst>
-          </p:cNvPr>
-          <p:cNvCxnSpPr>
-            <a:cxnSpLocks/>
-          </p:cNvCxnSpPr>
-          <p:nvPr/>
-        </p:nvCxnSpPr>
-        <p:spPr>
-          <a:xfrm flipH="1">
-            <a:off x="6248400" y="1165716"/>
-            <a:ext cx="665018" cy="469077"/>
-          </a:xfrm>
-          <a:prstGeom prst="straightConnector1">
-            <a:avLst/>
-          </a:prstGeom>
-          <a:ln>
-            <a:tailEnd type="triangle"/>
-          </a:ln>
-        </p:spPr>
-        <p:style>
-          <a:lnRef idx="1">
-            <a:schemeClr val="dk1"/>
-          </a:lnRef>
-          <a:fillRef idx="0">
-            <a:schemeClr val="dk1"/>
-          </a:fillRef>
-          <a:effectRef idx="0">
-            <a:schemeClr val="dk1"/>
-          </a:effectRef>
-          <a:fontRef idx="minor">
-            <a:schemeClr val="tx1"/>
-          </a:fontRef>
-        </p:style>
-      </p:cxnSp>
-    </p:spTree>
-    <p:extLst>
-      <p:ext uri="{BB962C8B-B14F-4D97-AF65-F5344CB8AC3E}">
-        <p14:creationId xmlns:p14="http://schemas.microsoft.com/office/powerpoint/2010/main" val="484331973"/>
       </p:ext>
     </p:extLst>
   </p:cSld>
@@ -13472,6 +12326,11 @@
 
 <file path=customXml/item1.xml><?xml version="1.0" encoding="utf-8"?>
 <?mso-contentType ?>
+<SharedContentType xmlns="Microsoft.SharePoint.Taxonomy.ContentTypeSync" SourceId="3dae2bc9-964c-4bb7-94bc-c5dd0815213b" ContentTypeId="0x01010070FD3A26C879A74592BE4DD1CF6C17C51002" PreviousValue="false" LastSyncTimeStamp="2022-04-19T15:49:25.177Z"/>
+</file>
+
+<file path=customXml/item2.xml><?xml version="1.0" encoding="utf-8"?>
+<?mso-contentType ?>
 <spe:Receivers xmlns:spe="http://schemas.microsoft.com/sharepoint/events">
   <Receiver>
     <Name>Document ID Generator</Name>
@@ -13520,78 +12379,13 @@
 </spe:Receivers>
 </file>
 
-<file path=customXml/item2.xml><?xml version="1.0" encoding="utf-8"?>
+<file path=customXml/item3.xml><?xml version="1.0" encoding="utf-8"?>
 <?mso-contentType ?>
-<SharedContentType xmlns="Microsoft.SharePoint.Taxonomy.ContentTypeSync" SourceId="3dae2bc9-964c-4bb7-94bc-c5dd0815213b" ContentTypeId="0x01010070FD3A26C879A74592BE4DD1CF6C17C51002" PreviousValue="false" LastSyncTimeStamp="2022-04-19T15:49:25.177Z"/>
-</file>
-
-<file path=customXml/item3.xml><?xml version="1.0" encoding="utf-8"?>
-<p:properties xmlns:p="http://schemas.microsoft.com/office/2006/metadata/properties" xmlns:xsi="http://www.w3.org/2001/XMLSchema-instance" xmlns:pc="http://schemas.microsoft.com/office/infopath/2007/PartnerControls">
-  <documentManagement>
-    <TaxCatchAll xmlns="b73fb41d-4db5-49df-b889-ce373c40e3ec">
-      <Value>2</Value>
-      <Value>224</Value>
-      <Value>1585</Value>
-      <Value>3</Value>
-      <Value>1022</Value>
-      <Value>1598</Value>
-    </TaxCatchAll>
-    <Year xmlns="b73fb41d-4db5-49df-b889-ce373c40e3ec">2021</Year>
-    <TaxKeywordTaxHTField xmlns="b73fb41d-4db5-49df-b889-ce373c40e3ec">
-      <Terms xmlns="http://schemas.microsoft.com/office/infopath/2007/PartnerControls">
-        <TermInfo xmlns="http://schemas.microsoft.com/office/infopath/2007/PartnerControls">
-          <TermName xmlns="http://schemas.microsoft.com/office/infopath/2007/PartnerControls">16:9</TermName>
-          <TermId xmlns="http://schemas.microsoft.com/office/infopath/2007/PartnerControls">df0a0d5b-ae80-4841-b2fe-8ddcb8e3222c</TermId>
-        </TermInfo>
-        <TermInfo xmlns="http://schemas.microsoft.com/office/infopath/2007/PartnerControls">
-          <TermName xmlns="http://schemas.microsoft.com/office/infopath/2007/PartnerControls">Presentation</TermName>
-          <TermId xmlns="http://schemas.microsoft.com/office/infopath/2007/PartnerControls">59fc26f9-1c9d-40bc-8a58-d66d91dcc0d5</TermId>
-        </TermInfo>
-      </Terms>
-    </TaxKeywordTaxHTField>
-    <_dlc_DocId xmlns="9daf4fce-efdb-4f08-985f-94c0458ac4da">COLL-1941601530-77</_dlc_DocId>
-    <_dlc_DocIdUrl xmlns="9daf4fce-efdb-4f08-985f-94c0458ac4da">
-      <Url>https://itncc.sharepoint.com/sites/MarketingCollaboration/_layouts/DocIdRedir.aspx?ID=COLL-1941601530-77</Url>
-      <Description>COLL-1941601530-77</Description>
-    </_dlc_DocIdUrl>
-    <hf62e2b7c9654133b3ca7da47c388bce xmlns="b73fb41d-4db5-49df-b889-ce373c40e3ec">
-      <Terms xmlns="http://schemas.microsoft.com/office/infopath/2007/PartnerControls">
-        <TermInfo xmlns="http://schemas.microsoft.com/office/infopath/2007/PartnerControls">
-          <TermName xmlns="http://schemas.microsoft.com/office/infopath/2007/PartnerControls">Marketing and Development</TermName>
-          <TermId xmlns="http://schemas.microsoft.com/office/infopath/2007/PartnerControls">cb043f34-81be-43cd-aebf-735cc7c51d79</TermId>
-        </TermInfo>
-      </Terms>
-    </hf62e2b7c9654133b3ca7da47c388bce>
-    <e5445ced404845ff8a2b3be9c8f7c65c xmlns="b73fb41d-4db5-49df-b889-ce373c40e3ec">
-      <Terms xmlns="http://schemas.microsoft.com/office/infopath/2007/PartnerControls">
-        <TermInfo xmlns="http://schemas.microsoft.com/office/infopath/2007/PartnerControls">
-          <TermName xmlns="http://schemas.microsoft.com/office/infopath/2007/PartnerControls">National</TermName>
-          <TermId xmlns="http://schemas.microsoft.com/office/infopath/2007/PartnerControls">60e160cc-5b62-440e-88bf-c8c5292327f4</TermId>
-        </TermInfo>
-      </Terms>
-    </e5445ced404845ff8a2b3be9c8f7c65c>
-    <Topic xmlns="b73fb41d-4db5-49df-b889-ce373c40e3ec">Presentation</Topic>
-    <j851f0c75970476ca044f56c831142c9 xmlns="b73fb41d-4db5-49df-b889-ce373c40e3ec">
-      <Terms xmlns="http://schemas.microsoft.com/office/infopath/2007/PartnerControls">
-        <TermInfo xmlns="http://schemas.microsoft.com/office/infopath/2007/PartnerControls">
-          <TermName xmlns="http://schemas.microsoft.com/office/infopath/2007/PartnerControls">Editable Creative</TermName>
-          <TermId xmlns="http://schemas.microsoft.com/office/infopath/2007/PartnerControls">29fc3b9e-2d01-4eeb-9c55-b9ac82cf2c15</TermId>
-        </TermInfo>
-      </Terms>
-    </j851f0c75970476ca044f56c831142c9>
-    <h5d00e838cac4a36b66416c1ac0f08f4 xmlns="b73fb41d-4db5-49df-b889-ce373c40e3ec">
-      <Terms xmlns="http://schemas.microsoft.com/office/infopath/2007/PartnerControls"/>
-    </h5d00e838cac4a36b66416c1ac0f08f4>
-    <pde0b5a6bb7242599ac30d59622b742d xmlns="b73fb41d-4db5-49df-b889-ce373c40e3ec">
-      <Terms xmlns="http://schemas.microsoft.com/office/infopath/2007/PartnerControls">
-        <TermInfo xmlns="http://schemas.microsoft.com/office/infopath/2007/PartnerControls">
-          <TermName xmlns="http://schemas.microsoft.com/office/infopath/2007/PartnerControls">Administration</TermName>
-          <TermId xmlns="http://schemas.microsoft.com/office/infopath/2007/PartnerControls">15579f7e-1289-4124-875f-fbfdd1ce1e19</TermId>
-        </TermInfo>
-      </Terms>
-    </pde0b5a6bb7242599ac30d59622b742d>
-  </documentManagement>
-</p:properties>
+<FormTemplates xmlns="http://schemas.microsoft.com/sharepoint/v3/contenttype/forms">
+  <Display>DocumentLibraryForm</Display>
+  <Edit>DocumentLibraryForm</Edit>
+  <New>DocumentLibraryForm</New>
+</FormTemplates>
 </file>
 
 <file path=customXml/item4.xml><?xml version="1.0" encoding="utf-8"?>
@@ -13856,15 +12650,83 @@
 </file>
 
 <file path=customXml/item5.xml><?xml version="1.0" encoding="utf-8"?>
-<?mso-contentType ?>
-<FormTemplates xmlns="http://schemas.microsoft.com/sharepoint/v3/contenttype/forms">
-  <Display>DocumentLibraryForm</Display>
-  <Edit>DocumentLibraryForm</Edit>
-  <New>DocumentLibraryForm</New>
-</FormTemplates>
+<p:properties xmlns:p="http://schemas.microsoft.com/office/2006/metadata/properties" xmlns:xsi="http://www.w3.org/2001/XMLSchema-instance" xmlns:pc="http://schemas.microsoft.com/office/infopath/2007/PartnerControls">
+  <documentManagement>
+    <TaxCatchAll xmlns="b73fb41d-4db5-49df-b889-ce373c40e3ec">
+      <Value>2</Value>
+      <Value>224</Value>
+      <Value>1585</Value>
+      <Value>3</Value>
+      <Value>1022</Value>
+      <Value>1598</Value>
+    </TaxCatchAll>
+    <Year xmlns="b73fb41d-4db5-49df-b889-ce373c40e3ec">2021</Year>
+    <TaxKeywordTaxHTField xmlns="b73fb41d-4db5-49df-b889-ce373c40e3ec">
+      <Terms xmlns="http://schemas.microsoft.com/office/infopath/2007/PartnerControls">
+        <TermInfo xmlns="http://schemas.microsoft.com/office/infopath/2007/PartnerControls">
+          <TermName xmlns="http://schemas.microsoft.com/office/infopath/2007/PartnerControls">16:9</TermName>
+          <TermId xmlns="http://schemas.microsoft.com/office/infopath/2007/PartnerControls">df0a0d5b-ae80-4841-b2fe-8ddcb8e3222c</TermId>
+        </TermInfo>
+        <TermInfo xmlns="http://schemas.microsoft.com/office/infopath/2007/PartnerControls">
+          <TermName xmlns="http://schemas.microsoft.com/office/infopath/2007/PartnerControls">Presentation</TermName>
+          <TermId xmlns="http://schemas.microsoft.com/office/infopath/2007/PartnerControls">59fc26f9-1c9d-40bc-8a58-d66d91dcc0d5</TermId>
+        </TermInfo>
+      </Terms>
+    </TaxKeywordTaxHTField>
+    <_dlc_DocId xmlns="9daf4fce-efdb-4f08-985f-94c0458ac4da">COLL-1941601530-77</_dlc_DocId>
+    <_dlc_DocIdUrl xmlns="9daf4fce-efdb-4f08-985f-94c0458ac4da">
+      <Url>https://itncc.sharepoint.com/sites/MarketingCollaboration/_layouts/DocIdRedir.aspx?ID=COLL-1941601530-77</Url>
+      <Description>COLL-1941601530-77</Description>
+    </_dlc_DocIdUrl>
+    <hf62e2b7c9654133b3ca7da47c388bce xmlns="b73fb41d-4db5-49df-b889-ce373c40e3ec">
+      <Terms xmlns="http://schemas.microsoft.com/office/infopath/2007/PartnerControls">
+        <TermInfo xmlns="http://schemas.microsoft.com/office/infopath/2007/PartnerControls">
+          <TermName xmlns="http://schemas.microsoft.com/office/infopath/2007/PartnerControls">Marketing and Development</TermName>
+          <TermId xmlns="http://schemas.microsoft.com/office/infopath/2007/PartnerControls">cb043f34-81be-43cd-aebf-735cc7c51d79</TermId>
+        </TermInfo>
+      </Terms>
+    </hf62e2b7c9654133b3ca7da47c388bce>
+    <e5445ced404845ff8a2b3be9c8f7c65c xmlns="b73fb41d-4db5-49df-b889-ce373c40e3ec">
+      <Terms xmlns="http://schemas.microsoft.com/office/infopath/2007/PartnerControls">
+        <TermInfo xmlns="http://schemas.microsoft.com/office/infopath/2007/PartnerControls">
+          <TermName xmlns="http://schemas.microsoft.com/office/infopath/2007/PartnerControls">National</TermName>
+          <TermId xmlns="http://schemas.microsoft.com/office/infopath/2007/PartnerControls">60e160cc-5b62-440e-88bf-c8c5292327f4</TermId>
+        </TermInfo>
+      </Terms>
+    </e5445ced404845ff8a2b3be9c8f7c65c>
+    <Topic xmlns="b73fb41d-4db5-49df-b889-ce373c40e3ec">Presentation</Topic>
+    <j851f0c75970476ca044f56c831142c9 xmlns="b73fb41d-4db5-49df-b889-ce373c40e3ec">
+      <Terms xmlns="http://schemas.microsoft.com/office/infopath/2007/PartnerControls">
+        <TermInfo xmlns="http://schemas.microsoft.com/office/infopath/2007/PartnerControls">
+          <TermName xmlns="http://schemas.microsoft.com/office/infopath/2007/PartnerControls">Editable Creative</TermName>
+          <TermId xmlns="http://schemas.microsoft.com/office/infopath/2007/PartnerControls">29fc3b9e-2d01-4eeb-9c55-b9ac82cf2c15</TermId>
+        </TermInfo>
+      </Terms>
+    </j851f0c75970476ca044f56c831142c9>
+    <h5d00e838cac4a36b66416c1ac0f08f4 xmlns="b73fb41d-4db5-49df-b889-ce373c40e3ec">
+      <Terms xmlns="http://schemas.microsoft.com/office/infopath/2007/PartnerControls"/>
+    </h5d00e838cac4a36b66416c1ac0f08f4>
+    <pde0b5a6bb7242599ac30d59622b742d xmlns="b73fb41d-4db5-49df-b889-ce373c40e3ec">
+      <Terms xmlns="http://schemas.microsoft.com/office/infopath/2007/PartnerControls">
+        <TermInfo xmlns="http://schemas.microsoft.com/office/infopath/2007/PartnerControls">
+          <TermName xmlns="http://schemas.microsoft.com/office/infopath/2007/PartnerControls">Administration</TermName>
+          <TermId xmlns="http://schemas.microsoft.com/office/infopath/2007/PartnerControls">15579f7e-1289-4124-875f-fbfdd1ce1e19</TermId>
+        </TermInfo>
+      </Terms>
+    </pde0b5a6bb7242599ac30d59622b742d>
+  </documentManagement>
+</p:properties>
 </file>
 
 <file path=customXml/itemProps1.xml><?xml version="1.0" encoding="utf-8"?>
+<ds:datastoreItem xmlns:ds="http://schemas.openxmlformats.org/officeDocument/2006/customXml" ds:itemID="{C04A9EA0-F30C-4FDA-9437-BDAB378662C2}">
+  <ds:schemaRefs>
+    <ds:schemaRef ds:uri="Microsoft.SharePoint.Taxonomy.ContentTypeSync"/>
+  </ds:schemaRefs>
+</ds:datastoreItem>
+</file>
+
+<file path=customXml/itemProps2.xml><?xml version="1.0" encoding="utf-8"?>
 <ds:datastoreItem xmlns:ds="http://schemas.openxmlformats.org/officeDocument/2006/customXml" ds:itemID="{75F25848-81A4-4056-9048-FD884C8DD719}">
   <ds:schemaRefs>
     <ds:schemaRef ds:uri="http://schemas.microsoft.com/sharepoint/events"/>
@@ -13872,27 +12734,10 @@
 </ds:datastoreItem>
 </file>
 
-<file path=customXml/itemProps2.xml><?xml version="1.0" encoding="utf-8"?>
-<ds:datastoreItem xmlns:ds="http://schemas.openxmlformats.org/officeDocument/2006/customXml" ds:itemID="{C04A9EA0-F30C-4FDA-9437-BDAB378662C2}">
+<file path=customXml/itemProps3.xml><?xml version="1.0" encoding="utf-8"?>
+<ds:datastoreItem xmlns:ds="http://schemas.openxmlformats.org/officeDocument/2006/customXml" ds:itemID="{E3070A85-BE5F-4ECE-B1F6-8D04067ED971}">
   <ds:schemaRefs>
-    <ds:schemaRef ds:uri="Microsoft.SharePoint.Taxonomy.ContentTypeSync"/>
-  </ds:schemaRefs>
-</ds:datastoreItem>
-</file>
-
-<file path=customXml/itemProps3.xml><?xml version="1.0" encoding="utf-8"?>
-<ds:datastoreItem xmlns:ds="http://schemas.openxmlformats.org/officeDocument/2006/customXml" ds:itemID="{9C876B4E-9239-4840-BF5E-B55D728E076B}">
-  <ds:schemaRefs>
-    <ds:schemaRef ds:uri="http://purl.org/dc/dcmitype/"/>
-    <ds:schemaRef ds:uri="http://purl.org/dc/terms/"/>
-    <ds:schemaRef ds:uri="9daf4fce-efdb-4f08-985f-94c0458ac4da"/>
-    <ds:schemaRef ds:uri="http://www.w3.org/XML/1998/namespace"/>
-    <ds:schemaRef ds:uri="http://schemas.microsoft.com/office/2006/documentManagement/types"/>
-    <ds:schemaRef ds:uri="http://purl.org/dc/elements/1.1/"/>
-    <ds:schemaRef ds:uri="http://schemas.microsoft.com/office/2006/metadata/properties"/>
-    <ds:schemaRef ds:uri="http://schemas.openxmlformats.org/package/2006/metadata/core-properties"/>
-    <ds:schemaRef ds:uri="http://schemas.microsoft.com/office/infopath/2007/PartnerControls"/>
-    <ds:schemaRef ds:uri="b73fb41d-4db5-49df-b889-ce373c40e3ec"/>
+    <ds:schemaRef ds:uri="http://schemas.microsoft.com/sharepoint/v3/contenttype/forms"/>
   </ds:schemaRefs>
 </ds:datastoreItem>
 </file>
@@ -13917,9 +12762,18 @@
 </file>
 
 <file path=customXml/itemProps5.xml><?xml version="1.0" encoding="utf-8"?>
-<ds:datastoreItem xmlns:ds="http://schemas.openxmlformats.org/officeDocument/2006/customXml" ds:itemID="{E3070A85-BE5F-4ECE-B1F6-8D04067ED971}">
+<ds:datastoreItem xmlns:ds="http://schemas.openxmlformats.org/officeDocument/2006/customXml" ds:itemID="{9C876B4E-9239-4840-BF5E-B55D728E076B}">
   <ds:schemaRefs>
-    <ds:schemaRef ds:uri="http://schemas.microsoft.com/sharepoint/v3/contenttype/forms"/>
+    <ds:schemaRef ds:uri="http://purl.org/dc/elements/1.1/"/>
+    <ds:schemaRef ds:uri="http://schemas.openxmlformats.org/package/2006/metadata/core-properties"/>
+    <ds:schemaRef ds:uri="http://www.w3.org/XML/1998/namespace"/>
+    <ds:schemaRef ds:uri="http://schemas.microsoft.com/office/2006/documentManagement/types"/>
+    <ds:schemaRef ds:uri="http://purl.org/dc/dcmitype/"/>
+    <ds:schemaRef ds:uri="http://schemas.microsoft.com/office/infopath/2007/PartnerControls"/>
+    <ds:schemaRef ds:uri="b73fb41d-4db5-49df-b889-ce373c40e3ec"/>
+    <ds:schemaRef ds:uri="9daf4fce-efdb-4f08-985f-94c0458ac4da"/>
+    <ds:schemaRef ds:uri="http://schemas.microsoft.com/office/2006/metadata/properties"/>
+    <ds:schemaRef ds:uri="http://purl.org/dc/terms/"/>
   </ds:schemaRefs>
 </ds:datastoreItem>
 </file>
--- a/www/RI_GUIDE.pptx
+++ b/www/RI_GUIDE.pptx
@@ -5,7 +5,7 @@
     <p:sldMasterId id="2147483660" r:id="rId6"/>
   </p:sldMasterIdLst>
   <p:notesMasterIdLst>
-    <p:notesMasterId r:id="rId15"/>
+    <p:notesMasterId r:id="rId17"/>
   </p:notesMasterIdLst>
   <p:sldIdLst>
     <p:sldId id="256" r:id="rId7"/>
@@ -16,6 +16,8 @@
     <p:sldId id="261" r:id="rId12"/>
     <p:sldId id="262" r:id="rId13"/>
     <p:sldId id="263" r:id="rId14"/>
+    <p:sldId id="265" r:id="rId15"/>
+    <p:sldId id="264" r:id="rId16"/>
   </p:sldIdLst>
   <p:sldSz cx="9144000" cy="5143500" type="screen16x9"/>
   <p:notesSz cx="6858000" cy="9144000"/>
@@ -215,7 +217,7 @@
           <a:p>
             <a:fld id="{6DF04430-EB95-4461-BE68-2466FDCE3B9D}" type="datetimeFigureOut">
               <a:rPr lang="en-CA" smtClean="0"/>
-              <a:t>2023-08-16</a:t>
+              <a:t>2023-08-17</a:t>
             </a:fld>
             <a:endParaRPr lang="en-CA"/>
           </a:p>
@@ -571,6 +573,90 @@
 </p:notes>
 </file>
 
+<file path=ppt/notesSlides/notesSlide10.xml><?xml version="1.0" encoding="utf-8"?>
+<p:notes xmlns:a="http://schemas.openxmlformats.org/drawingml/2006/main" xmlns:r="http://schemas.openxmlformats.org/officeDocument/2006/relationships" xmlns:p="http://schemas.openxmlformats.org/presentationml/2006/main">
+  <p:cSld>
+    <p:spTree>
+      <p:nvGrpSpPr>
+        <p:cNvPr id="1" name=""/>
+        <p:cNvGrpSpPr/>
+        <p:nvPr/>
+      </p:nvGrpSpPr>
+      <p:grpSpPr>
+        <a:xfrm>
+          <a:off x="0" y="0"/>
+          <a:ext cx="0" cy="0"/>
+          <a:chOff x="0" y="0"/>
+          <a:chExt cx="0" cy="0"/>
+        </a:xfrm>
+      </p:grpSpPr>
+      <p:sp>
+        <p:nvSpPr>
+          <p:cNvPr id="2" name="Slide Image Placeholder 1"/>
+          <p:cNvSpPr>
+            <a:spLocks noGrp="1" noRot="1" noChangeAspect="1"/>
+          </p:cNvSpPr>
+          <p:nvPr>
+            <p:ph type="sldImg"/>
+          </p:nvPr>
+        </p:nvSpPr>
+        <p:spPr/>
+      </p:sp>
+      <p:sp>
+        <p:nvSpPr>
+          <p:cNvPr id="3" name="Notes Placeholder 2"/>
+          <p:cNvSpPr>
+            <a:spLocks noGrp="1"/>
+          </p:cNvSpPr>
+          <p:nvPr>
+            <p:ph type="body" idx="1"/>
+          </p:nvPr>
+        </p:nvSpPr>
+        <p:spPr/>
+        <p:txBody>
+          <a:bodyPr/>
+          <a:lstStyle/>
+          <a:p>
+            <a:endParaRPr lang="en-CA"/>
+          </a:p>
+        </p:txBody>
+      </p:sp>
+      <p:sp>
+        <p:nvSpPr>
+          <p:cNvPr id="4" name="Slide Number Placeholder 3"/>
+          <p:cNvSpPr>
+            <a:spLocks noGrp="1"/>
+          </p:cNvSpPr>
+          <p:nvPr>
+            <p:ph type="sldNum" sz="quarter" idx="5"/>
+          </p:nvPr>
+        </p:nvSpPr>
+        <p:spPr/>
+        <p:txBody>
+          <a:bodyPr/>
+          <a:lstStyle/>
+          <a:p>
+            <a:fld id="{707FE74B-307F-4064-955D-4424C3D9D715}" type="slidenum">
+              <a:rPr lang="en-CA" smtClean="0"/>
+              <a:t>10</a:t>
+            </a:fld>
+            <a:endParaRPr lang="en-CA"/>
+          </a:p>
+        </p:txBody>
+      </p:sp>
+    </p:spTree>
+    <p:extLst>
+      <p:ext uri="{BB962C8B-B14F-4D97-AF65-F5344CB8AC3E}">
+        <p14:creationId xmlns:p14="http://schemas.microsoft.com/office/powerpoint/2010/main" val="4118420621"/>
+      </p:ext>
+    </p:extLst>
+  </p:cSld>
+  <p:clrMapOvr>
+    <a:masterClrMapping/>
+  </p:clrMapOvr>
+</p:notes>
+</file>
+
 <file path=ppt/notesSlides/notesSlide2.xml><?xml version="1.0" encoding="utf-8"?>
 <p:notes xmlns:a="http://schemas.openxmlformats.org/drawingml/2006/main" xmlns:r="http://schemas.openxmlformats.org/officeDocument/2006/relationships" xmlns:p="http://schemas.openxmlformats.org/presentationml/2006/main">
   <p:cSld>
@@ -1150,6 +1236,90 @@
     <p:extLst>
       <p:ext uri="{BB962C8B-B14F-4D97-AF65-F5344CB8AC3E}">
         <p14:creationId xmlns:p14="http://schemas.microsoft.com/office/powerpoint/2010/main" val="4120884689"/>
+      </p:ext>
+    </p:extLst>
+  </p:cSld>
+  <p:clrMapOvr>
+    <a:masterClrMapping/>
+  </p:clrMapOvr>
+</p:notes>
+</file>
+
+<file path=ppt/notesSlides/notesSlide9.xml><?xml version="1.0" encoding="utf-8"?>
+<p:notes xmlns:a="http://schemas.openxmlformats.org/drawingml/2006/main" xmlns:r="http://schemas.openxmlformats.org/officeDocument/2006/relationships" xmlns:p="http://schemas.openxmlformats.org/presentationml/2006/main">
+  <p:cSld>
+    <p:spTree>
+      <p:nvGrpSpPr>
+        <p:cNvPr id="1" name=""/>
+        <p:cNvGrpSpPr/>
+        <p:nvPr/>
+      </p:nvGrpSpPr>
+      <p:grpSpPr>
+        <a:xfrm>
+          <a:off x="0" y="0"/>
+          <a:ext cx="0" cy="0"/>
+          <a:chOff x="0" y="0"/>
+          <a:chExt cx="0" cy="0"/>
+        </a:xfrm>
+      </p:grpSpPr>
+      <p:sp>
+        <p:nvSpPr>
+          <p:cNvPr id="2" name="Slide Image Placeholder 1"/>
+          <p:cNvSpPr>
+            <a:spLocks noGrp="1" noRot="1" noChangeAspect="1"/>
+          </p:cNvSpPr>
+          <p:nvPr>
+            <p:ph type="sldImg"/>
+          </p:nvPr>
+        </p:nvSpPr>
+        <p:spPr/>
+      </p:sp>
+      <p:sp>
+        <p:nvSpPr>
+          <p:cNvPr id="3" name="Notes Placeholder 2"/>
+          <p:cNvSpPr>
+            <a:spLocks noGrp="1"/>
+          </p:cNvSpPr>
+          <p:nvPr>
+            <p:ph type="body" idx="1"/>
+          </p:nvPr>
+        </p:nvSpPr>
+        <p:spPr/>
+        <p:txBody>
+          <a:bodyPr/>
+          <a:lstStyle/>
+          <a:p>
+            <a:endParaRPr lang="en-CA"/>
+          </a:p>
+        </p:txBody>
+      </p:sp>
+      <p:sp>
+        <p:nvSpPr>
+          <p:cNvPr id="4" name="Slide Number Placeholder 3"/>
+          <p:cNvSpPr>
+            <a:spLocks noGrp="1"/>
+          </p:cNvSpPr>
+          <p:nvPr>
+            <p:ph type="sldNum" sz="quarter" idx="5"/>
+          </p:nvPr>
+        </p:nvSpPr>
+        <p:spPr/>
+        <p:txBody>
+          <a:bodyPr/>
+          <a:lstStyle/>
+          <a:p>
+            <a:fld id="{707FE74B-307F-4064-955D-4424C3D9D715}" type="slidenum">
+              <a:rPr lang="en-CA" smtClean="0"/>
+              <a:t>9</a:t>
+            </a:fld>
+            <a:endParaRPr lang="en-CA"/>
+          </a:p>
+        </p:txBody>
+      </p:sp>
+    </p:spTree>
+    <p:extLst>
+      <p:ext uri="{BB962C8B-B14F-4D97-AF65-F5344CB8AC3E}">
+        <p14:creationId xmlns:p14="http://schemas.microsoft.com/office/powerpoint/2010/main" val="3452327436"/>
       </p:ext>
     </p:extLst>
   </p:cSld>
@@ -1571,7 +1741,7 @@
           <a:p>
             <a:fld id="{6F75FF30-D88A-4C26-A396-735F208F6573}" type="datetimeFigureOut">
               <a:rPr lang="en-US" smtClean="0"/>
-              <a:t>8/16/2023</a:t>
+              <a:t>8/17/2023</a:t>
             </a:fld>
             <a:endParaRPr lang="en-US"/>
           </a:p>
@@ -1771,7 +1941,7 @@
           <a:p>
             <a:fld id="{6F75FF30-D88A-4C26-A396-735F208F6573}" type="datetimeFigureOut">
               <a:rPr lang="en-US" smtClean="0"/>
-              <a:t>8/16/2023</a:t>
+              <a:t>8/17/2023</a:t>
             </a:fld>
             <a:endParaRPr lang="en-US"/>
           </a:p>
@@ -1981,7 +2151,7 @@
           <a:p>
             <a:fld id="{6F75FF30-D88A-4C26-A396-735F208F6573}" type="datetimeFigureOut">
               <a:rPr lang="en-US" smtClean="0"/>
-              <a:t>8/16/2023</a:t>
+              <a:t>8/17/2023</a:t>
             </a:fld>
             <a:endParaRPr lang="en-US"/>
           </a:p>
@@ -2122,7 +2292,7 @@
           <a:p>
             <a:fld id="{6F75FF30-D88A-4C26-A396-735F208F6573}" type="datetimeFigureOut">
               <a:rPr lang="en-US" smtClean="0"/>
-              <a:t>8/16/2023</a:t>
+              <a:t>8/17/2023</a:t>
             </a:fld>
             <a:endParaRPr lang="en-US"/>
           </a:p>
@@ -2322,7 +2492,7 @@
           <a:p>
             <a:fld id="{6F75FF30-D88A-4C26-A396-735F208F6573}" type="datetimeFigureOut">
               <a:rPr lang="en-US" smtClean="0"/>
-              <a:t>8/16/2023</a:t>
+              <a:t>8/17/2023</a:t>
             </a:fld>
             <a:endParaRPr lang="en-US"/>
           </a:p>
@@ -2604,7 +2774,7 @@
           <a:p>
             <a:fld id="{6F75FF30-D88A-4C26-A396-735F208F6573}" type="datetimeFigureOut">
               <a:rPr lang="en-US" smtClean="0"/>
-              <a:t>8/16/2023</a:t>
+              <a:t>8/17/2023</a:t>
             </a:fld>
             <a:endParaRPr lang="en-US"/>
           </a:p>
@@ -2872,7 +3042,7 @@
           <a:p>
             <a:fld id="{6F75FF30-D88A-4C26-A396-735F208F6573}" type="datetimeFigureOut">
               <a:rPr lang="en-US" smtClean="0"/>
-              <a:t>8/16/2023</a:t>
+              <a:t>8/17/2023</a:t>
             </a:fld>
             <a:endParaRPr lang="en-US"/>
           </a:p>
@@ -3287,7 +3457,7 @@
           <a:p>
             <a:fld id="{6F75FF30-D88A-4C26-A396-735F208F6573}" type="datetimeFigureOut">
               <a:rPr lang="en-US" smtClean="0"/>
-              <a:t>8/16/2023</a:t>
+              <a:t>8/17/2023</a:t>
             </a:fld>
             <a:endParaRPr lang="en-US"/>
           </a:p>
@@ -3429,7 +3599,7 @@
           <a:p>
             <a:fld id="{6F75FF30-D88A-4C26-A396-735F208F6573}" type="datetimeFigureOut">
               <a:rPr lang="en-US" smtClean="0"/>
-              <a:t>8/16/2023</a:t>
+              <a:t>8/17/2023</a:t>
             </a:fld>
             <a:endParaRPr lang="en-US"/>
           </a:p>
@@ -3542,7 +3712,7 @@
           <a:p>
             <a:fld id="{6F75FF30-D88A-4C26-A396-735F208F6573}" type="datetimeFigureOut">
               <a:rPr lang="en-US" smtClean="0"/>
-              <a:t>8/16/2023</a:t>
+              <a:t>8/17/2023</a:t>
             </a:fld>
             <a:endParaRPr lang="en-US"/>
           </a:p>
@@ -3855,7 +4025,7 @@
           <a:p>
             <a:fld id="{6F75FF30-D88A-4C26-A396-735F208F6573}" type="datetimeFigureOut">
               <a:rPr lang="en-US" smtClean="0"/>
-              <a:t>8/16/2023</a:t>
+              <a:t>8/17/2023</a:t>
             </a:fld>
             <a:endParaRPr lang="en-US"/>
           </a:p>
@@ -4134,7 +4304,7 @@
           <a:p>
             <a:fld id="{6F75FF30-D88A-4C26-A396-735F208F6573}" type="datetimeFigureOut">
               <a:rPr lang="en-US" smtClean="0"/>
-              <a:t>8/16/2023</a:t>
+              <a:t>8/17/2023</a:t>
             </a:fld>
             <a:endParaRPr lang="en-US"/>
           </a:p>
@@ -4585,7 +4755,7 @@
           <a:p>
             <a:r>
               <a:rPr lang="en-US" dirty="0"/>
-              <a:t>RESILEINCE INDEX (RI)</a:t>
+              <a:t>RESILIENCE INDEX (RI)</a:t>
             </a:r>
             <a:br>
               <a:rPr lang="en-US" dirty="0"/>
@@ -4663,6 +4833,901 @@
     <p:extLst>
       <p:ext uri="{BB962C8B-B14F-4D97-AF65-F5344CB8AC3E}">
         <p14:creationId xmlns:p14="http://schemas.microsoft.com/office/powerpoint/2010/main" val="2926866095"/>
+      </p:ext>
+    </p:extLst>
+  </p:cSld>
+  <p:clrMapOvr>
+    <a:masterClrMapping/>
+  </p:clrMapOvr>
+</p:sld>
+</file>
+
+<file path=ppt/slides/slide10.xml><?xml version="1.0" encoding="utf-8"?>
+<p:sld xmlns:a="http://schemas.openxmlformats.org/drawingml/2006/main" xmlns:r="http://schemas.openxmlformats.org/officeDocument/2006/relationships" xmlns:p="http://schemas.openxmlformats.org/presentationml/2006/main">
+  <p:cSld>
+    <p:spTree>
+      <p:nvGrpSpPr>
+        <p:cNvPr id="1" name=""/>
+        <p:cNvGrpSpPr/>
+        <p:nvPr/>
+      </p:nvGrpSpPr>
+      <p:grpSpPr>
+        <a:xfrm>
+          <a:off x="0" y="0"/>
+          <a:ext cx="0" cy="0"/>
+          <a:chOff x="0" y="0"/>
+          <a:chExt cx="0" cy="0"/>
+        </a:xfrm>
+      </p:grpSpPr>
+      <p:pic>
+        <p:nvPicPr>
+          <p:cNvPr id="5" name="Picture 4">
+            <a:extLst>
+              <a:ext uri="{FF2B5EF4-FFF2-40B4-BE49-F238E27FC236}">
+                <a16:creationId xmlns:a16="http://schemas.microsoft.com/office/drawing/2014/main" id="{A5BD1FFB-C6C9-B9CC-9710-4314A5417040}"/>
+              </a:ext>
+            </a:extLst>
+          </p:cNvPr>
+          <p:cNvPicPr>
+            <a:picLocks noChangeAspect="1"/>
+          </p:cNvPicPr>
+          <p:nvPr/>
+        </p:nvPicPr>
+        <p:blipFill>
+          <a:blip r:embed="rId3">
+            <a:alphaModFix/>
+            <a:extLst>
+              <a:ext uri="{BEBA8EAE-BF5A-486C-A8C5-ECC9F3942E4B}">
+                <a14:imgProps xmlns:a14="http://schemas.microsoft.com/office/drawing/2010/main">
+                  <a14:imgLayer r:embed="rId4">
+                    <a14:imgEffect>
+                      <a14:backgroundRemoval t="10000" b="90000" l="10000" r="90000"/>
+                    </a14:imgEffect>
+                  </a14:imgLayer>
+                </a14:imgProps>
+              </a:ext>
+              <a:ext uri="{28A0092B-C50C-407E-A947-70E740481C1C}">
+                <a14:useLocalDpi xmlns:a14="http://schemas.microsoft.com/office/drawing/2010/main" val="0"/>
+              </a:ext>
+            </a:extLst>
+          </a:blip>
+          <a:srcRect/>
+          <a:stretch/>
+        </p:blipFill>
+        <p:spPr>
+          <a:xfrm>
+            <a:off x="4592782" y="393106"/>
+            <a:ext cx="3377537" cy="4370936"/>
+          </a:xfrm>
+          <a:prstGeom prst="rect">
+            <a:avLst/>
+          </a:prstGeom>
+        </p:spPr>
+      </p:pic>
+      <p:sp>
+        <p:nvSpPr>
+          <p:cNvPr id="6" name="Title 5">
+            <a:extLst>
+              <a:ext uri="{FF2B5EF4-FFF2-40B4-BE49-F238E27FC236}">
+                <a16:creationId xmlns:a16="http://schemas.microsoft.com/office/drawing/2014/main" id="{EA1DA570-A070-3FC0-D489-3B7DA96EA1F3}"/>
+              </a:ext>
+            </a:extLst>
+          </p:cNvPr>
+          <p:cNvSpPr>
+            <a:spLocks noGrp="1"/>
+          </p:cNvSpPr>
+          <p:nvPr>
+            <p:ph type="title"/>
+          </p:nvPr>
+        </p:nvSpPr>
+        <p:spPr/>
+        <p:txBody>
+          <a:bodyPr/>
+          <a:lstStyle/>
+          <a:p>
+            <a:r>
+              <a:rPr lang="en-US" dirty="0"/>
+              <a:t>NEXT STEPS</a:t>
+            </a:r>
+            <a:endParaRPr lang="en-CA" dirty="0"/>
+          </a:p>
+        </p:txBody>
+      </p:sp>
+      <p:sp>
+        <p:nvSpPr>
+          <p:cNvPr id="8" name="Content Placeholder 7">
+            <a:extLst>
+              <a:ext uri="{FF2B5EF4-FFF2-40B4-BE49-F238E27FC236}">
+                <a16:creationId xmlns:a16="http://schemas.microsoft.com/office/drawing/2014/main" id="{A5C65A31-31C6-888F-AF71-FAD7B2A5AEB9}"/>
+              </a:ext>
+            </a:extLst>
+          </p:cNvPr>
+          <p:cNvSpPr>
+            <a:spLocks noGrp="1"/>
+          </p:cNvSpPr>
+          <p:nvPr>
+            <p:ph idx="1"/>
+          </p:nvPr>
+        </p:nvSpPr>
+        <p:spPr>
+          <a:xfrm>
+            <a:off x="628650" y="759884"/>
+            <a:ext cx="8402707" cy="824016"/>
+          </a:xfrm>
+        </p:spPr>
+        <p:txBody>
+          <a:bodyPr>
+            <a:normAutofit/>
+          </a:bodyPr>
+          <a:lstStyle/>
+          <a:p>
+            <a:pPr marL="0" indent="0">
+              <a:buNone/>
+            </a:pPr>
+            <a:endParaRPr lang="en-US" dirty="0"/>
+          </a:p>
+          <a:p>
+            <a:endParaRPr lang="en-US" dirty="0"/>
+          </a:p>
+          <a:p>
+            <a:pPr marL="0" indent="0">
+              <a:buNone/>
+            </a:pPr>
+            <a:endParaRPr lang="en-CA" dirty="0"/>
+          </a:p>
+        </p:txBody>
+      </p:sp>
+      <p:sp>
+        <p:nvSpPr>
+          <p:cNvPr id="4" name="Content Placeholder 7">
+            <a:extLst>
+              <a:ext uri="{FF2B5EF4-FFF2-40B4-BE49-F238E27FC236}">
+                <a16:creationId xmlns:a16="http://schemas.microsoft.com/office/drawing/2014/main" id="{66C7D8DE-13B1-FB63-DBC4-BD613D347951}"/>
+              </a:ext>
+            </a:extLst>
+          </p:cNvPr>
+          <p:cNvSpPr txBox="1">
+            <a:spLocks/>
+          </p:cNvSpPr>
+          <p:nvPr/>
+        </p:nvSpPr>
+        <p:spPr>
+          <a:xfrm>
+            <a:off x="628650" y="3374234"/>
+            <a:ext cx="7886700" cy="824016"/>
+          </a:xfrm>
+          <a:prstGeom prst="rect">
+            <a:avLst/>
+          </a:prstGeom>
+        </p:spPr>
+        <p:txBody>
+          <a:bodyPr vert="horz" lIns="68580" tIns="34290" rIns="68580" bIns="34290" rtlCol="0">
+            <a:normAutofit/>
+          </a:bodyPr>
+          <a:lstStyle>
+            <a:lvl1pPr marL="171450" indent="-171450" algn="l" defTabSz="685800" rtl="0" eaLnBrk="1" latinLnBrk="0" hangingPunct="1">
+              <a:lnSpc>
+                <a:spcPct val="90000"/>
+              </a:lnSpc>
+              <a:spcBef>
+                <a:spcPts val="750"/>
+              </a:spcBef>
+              <a:buFont typeface="Arial" panose="020B0604020202020204" pitchFamily="34" charset="0"/>
+              <a:buChar char="•"/>
+              <a:defRPr sz="2100" kern="1200">
+                <a:solidFill>
+                  <a:schemeClr val="bg2">
+                    <a:lumMod val="25000"/>
+                  </a:schemeClr>
+                </a:solidFill>
+                <a:latin typeface="Verdana"/>
+                <a:ea typeface="+mn-ea"/>
+                <a:cs typeface="Verdana"/>
+              </a:defRPr>
+            </a:lvl1pPr>
+            <a:lvl2pPr marL="514350" indent="-171450" algn="l" defTabSz="685800" rtl="0" eaLnBrk="1" latinLnBrk="0" hangingPunct="1">
+              <a:lnSpc>
+                <a:spcPct val="90000"/>
+              </a:lnSpc>
+              <a:spcBef>
+                <a:spcPts val="375"/>
+              </a:spcBef>
+              <a:buFont typeface="Arial" panose="020B0604020202020204" pitchFamily="34" charset="0"/>
+              <a:buChar char="•"/>
+              <a:defRPr sz="1800" kern="1200">
+                <a:solidFill>
+                  <a:schemeClr val="bg2">
+                    <a:lumMod val="25000"/>
+                  </a:schemeClr>
+                </a:solidFill>
+                <a:latin typeface="Verdana"/>
+                <a:ea typeface="+mn-ea"/>
+                <a:cs typeface="Verdana"/>
+              </a:defRPr>
+            </a:lvl2pPr>
+            <a:lvl3pPr marL="857250" indent="-171450" algn="l" defTabSz="685800" rtl="0" eaLnBrk="1" latinLnBrk="0" hangingPunct="1">
+              <a:lnSpc>
+                <a:spcPct val="90000"/>
+              </a:lnSpc>
+              <a:spcBef>
+                <a:spcPts val="375"/>
+              </a:spcBef>
+              <a:buFont typeface="Arial" panose="020B0604020202020204" pitchFamily="34" charset="0"/>
+              <a:buChar char="•"/>
+              <a:defRPr sz="1500" kern="1200">
+                <a:solidFill>
+                  <a:schemeClr val="bg2">
+                    <a:lumMod val="25000"/>
+                  </a:schemeClr>
+                </a:solidFill>
+                <a:latin typeface="Verdana"/>
+                <a:ea typeface="+mn-ea"/>
+                <a:cs typeface="Verdana"/>
+              </a:defRPr>
+            </a:lvl3pPr>
+            <a:lvl4pPr marL="1200150" indent="-171450" algn="l" defTabSz="685800" rtl="0" eaLnBrk="1" latinLnBrk="0" hangingPunct="1">
+              <a:lnSpc>
+                <a:spcPct val="90000"/>
+              </a:lnSpc>
+              <a:spcBef>
+                <a:spcPts val="375"/>
+              </a:spcBef>
+              <a:buFont typeface="Arial" panose="020B0604020202020204" pitchFamily="34" charset="0"/>
+              <a:buChar char="•"/>
+              <a:defRPr sz="1400" kern="1200">
+                <a:solidFill>
+                  <a:schemeClr val="bg2">
+                    <a:lumMod val="25000"/>
+                  </a:schemeClr>
+                </a:solidFill>
+                <a:latin typeface="Verdana"/>
+                <a:ea typeface="+mn-ea"/>
+                <a:cs typeface="Verdana"/>
+              </a:defRPr>
+            </a:lvl4pPr>
+            <a:lvl5pPr marL="1543050" indent="-171450" algn="l" defTabSz="685800" rtl="0" eaLnBrk="1" latinLnBrk="0" hangingPunct="1">
+              <a:lnSpc>
+                <a:spcPct val="90000"/>
+              </a:lnSpc>
+              <a:spcBef>
+                <a:spcPts val="375"/>
+              </a:spcBef>
+              <a:buFont typeface="Arial" panose="020B0604020202020204" pitchFamily="34" charset="0"/>
+              <a:buChar char="•"/>
+              <a:defRPr sz="1400" kern="1200">
+                <a:solidFill>
+                  <a:schemeClr val="bg2">
+                    <a:lumMod val="25000"/>
+                  </a:schemeClr>
+                </a:solidFill>
+                <a:latin typeface="Verdana"/>
+                <a:ea typeface="+mn-ea"/>
+                <a:cs typeface="Verdana"/>
+              </a:defRPr>
+            </a:lvl5pPr>
+            <a:lvl6pPr marL="1885950" indent="-171450" algn="l" defTabSz="685800" rtl="0" eaLnBrk="1" latinLnBrk="0" hangingPunct="1">
+              <a:lnSpc>
+                <a:spcPct val="90000"/>
+              </a:lnSpc>
+              <a:spcBef>
+                <a:spcPts val="375"/>
+              </a:spcBef>
+              <a:buFont typeface="Arial" panose="020B0604020202020204" pitchFamily="34" charset="0"/>
+              <a:buChar char="•"/>
+              <a:defRPr sz="1400" kern="1200">
+                <a:solidFill>
+                  <a:schemeClr val="tx1"/>
+                </a:solidFill>
+                <a:latin typeface="+mn-lt"/>
+                <a:ea typeface="+mn-ea"/>
+                <a:cs typeface="+mn-cs"/>
+              </a:defRPr>
+            </a:lvl6pPr>
+            <a:lvl7pPr marL="2228850" indent="-171450" algn="l" defTabSz="685800" rtl="0" eaLnBrk="1" latinLnBrk="0" hangingPunct="1">
+              <a:lnSpc>
+                <a:spcPct val="90000"/>
+              </a:lnSpc>
+              <a:spcBef>
+                <a:spcPts val="375"/>
+              </a:spcBef>
+              <a:buFont typeface="Arial" panose="020B0604020202020204" pitchFamily="34" charset="0"/>
+              <a:buChar char="•"/>
+              <a:defRPr sz="1400" kern="1200">
+                <a:solidFill>
+                  <a:schemeClr val="tx1"/>
+                </a:solidFill>
+                <a:latin typeface="+mn-lt"/>
+                <a:ea typeface="+mn-ea"/>
+                <a:cs typeface="+mn-cs"/>
+              </a:defRPr>
+            </a:lvl7pPr>
+            <a:lvl8pPr marL="2571750" indent="-171450" algn="l" defTabSz="685800" rtl="0" eaLnBrk="1" latinLnBrk="0" hangingPunct="1">
+              <a:lnSpc>
+                <a:spcPct val="90000"/>
+              </a:lnSpc>
+              <a:spcBef>
+                <a:spcPts val="375"/>
+              </a:spcBef>
+              <a:buFont typeface="Arial" panose="020B0604020202020204" pitchFamily="34" charset="0"/>
+              <a:buChar char="•"/>
+              <a:defRPr sz="1400" kern="1200">
+                <a:solidFill>
+                  <a:schemeClr val="tx1"/>
+                </a:solidFill>
+                <a:latin typeface="+mn-lt"/>
+                <a:ea typeface="+mn-ea"/>
+                <a:cs typeface="+mn-cs"/>
+              </a:defRPr>
+            </a:lvl8pPr>
+            <a:lvl9pPr marL="2914650" indent="-171450" algn="l" defTabSz="685800" rtl="0" eaLnBrk="1" latinLnBrk="0" hangingPunct="1">
+              <a:lnSpc>
+                <a:spcPct val="90000"/>
+              </a:lnSpc>
+              <a:spcBef>
+                <a:spcPts val="375"/>
+              </a:spcBef>
+              <a:buFont typeface="Arial" panose="020B0604020202020204" pitchFamily="34" charset="0"/>
+              <a:buChar char="•"/>
+              <a:defRPr sz="1400" kern="1200">
+                <a:solidFill>
+                  <a:schemeClr val="tx1"/>
+                </a:solidFill>
+                <a:latin typeface="+mn-lt"/>
+                <a:ea typeface="+mn-ea"/>
+                <a:cs typeface="+mn-cs"/>
+              </a:defRPr>
+            </a:lvl9pPr>
+          </a:lstStyle>
+          <a:p>
+            <a:pPr marL="0" indent="0">
+              <a:lnSpc>
+                <a:spcPct val="150000"/>
+              </a:lnSpc>
+              <a:buFont typeface="Arial" panose="020B0604020202020204" pitchFamily="34" charset="0"/>
+              <a:buNone/>
+            </a:pPr>
+            <a:endParaRPr lang="en-US" dirty="0"/>
+          </a:p>
+          <a:p>
+            <a:pPr marL="0" indent="0">
+              <a:buFont typeface="Arial" panose="020B0604020202020204" pitchFamily="34" charset="0"/>
+              <a:buNone/>
+            </a:pPr>
+            <a:endParaRPr lang="en-US" dirty="0"/>
+          </a:p>
+          <a:p>
+            <a:pPr marL="0" indent="0">
+              <a:buFont typeface="Arial" panose="020B0604020202020204" pitchFamily="34" charset="0"/>
+              <a:buNone/>
+            </a:pPr>
+            <a:endParaRPr lang="en-US" dirty="0"/>
+          </a:p>
+          <a:p>
+            <a:pPr marL="0" indent="0">
+              <a:buFont typeface="Arial" panose="020B0604020202020204" pitchFamily="34" charset="0"/>
+              <a:buNone/>
+            </a:pPr>
+            <a:endParaRPr lang="en-CA" dirty="0"/>
+          </a:p>
+        </p:txBody>
+      </p:sp>
+      <p:sp>
+        <p:nvSpPr>
+          <p:cNvPr id="2" name="Content Placeholder 7">
+            <a:extLst>
+              <a:ext uri="{FF2B5EF4-FFF2-40B4-BE49-F238E27FC236}">
+                <a16:creationId xmlns:a16="http://schemas.microsoft.com/office/drawing/2014/main" id="{5DAE791B-F751-2BDC-D8A5-62ED5AE64703}"/>
+              </a:ext>
+            </a:extLst>
+          </p:cNvPr>
+          <p:cNvSpPr txBox="1">
+            <a:spLocks/>
+          </p:cNvSpPr>
+          <p:nvPr/>
+        </p:nvSpPr>
+        <p:spPr>
+          <a:xfrm>
+            <a:off x="628649" y="1118462"/>
+            <a:ext cx="3988711" cy="3885114"/>
+          </a:xfrm>
+          <a:prstGeom prst="rect">
+            <a:avLst/>
+          </a:prstGeom>
+        </p:spPr>
+        <p:txBody>
+          <a:bodyPr vert="horz" lIns="68580" tIns="34290" rIns="68580" bIns="34290" rtlCol="0">
+            <a:normAutofit fontScale="92500"/>
+          </a:bodyPr>
+          <a:lstStyle>
+            <a:lvl1pPr marL="171450" indent="-171450" algn="l" defTabSz="685800" rtl="0" eaLnBrk="1" latinLnBrk="0" hangingPunct="1">
+              <a:lnSpc>
+                <a:spcPct val="90000"/>
+              </a:lnSpc>
+              <a:spcBef>
+                <a:spcPts val="750"/>
+              </a:spcBef>
+              <a:buFont typeface="Arial" panose="020B0604020202020204" pitchFamily="34" charset="0"/>
+              <a:buChar char="•"/>
+              <a:defRPr sz="2100" kern="1200">
+                <a:solidFill>
+                  <a:schemeClr val="bg2">
+                    <a:lumMod val="25000"/>
+                  </a:schemeClr>
+                </a:solidFill>
+                <a:latin typeface="Verdana"/>
+                <a:ea typeface="+mn-ea"/>
+                <a:cs typeface="Verdana"/>
+              </a:defRPr>
+            </a:lvl1pPr>
+            <a:lvl2pPr marL="514350" indent="-171450" algn="l" defTabSz="685800" rtl="0" eaLnBrk="1" latinLnBrk="0" hangingPunct="1">
+              <a:lnSpc>
+                <a:spcPct val="90000"/>
+              </a:lnSpc>
+              <a:spcBef>
+                <a:spcPts val="375"/>
+              </a:spcBef>
+              <a:buFont typeface="Arial" panose="020B0604020202020204" pitchFamily="34" charset="0"/>
+              <a:buChar char="•"/>
+              <a:defRPr sz="1800" kern="1200">
+                <a:solidFill>
+                  <a:schemeClr val="bg2">
+                    <a:lumMod val="25000"/>
+                  </a:schemeClr>
+                </a:solidFill>
+                <a:latin typeface="Verdana"/>
+                <a:ea typeface="+mn-ea"/>
+                <a:cs typeface="Verdana"/>
+              </a:defRPr>
+            </a:lvl2pPr>
+            <a:lvl3pPr marL="857250" indent="-171450" algn="l" defTabSz="685800" rtl="0" eaLnBrk="1" latinLnBrk="0" hangingPunct="1">
+              <a:lnSpc>
+                <a:spcPct val="90000"/>
+              </a:lnSpc>
+              <a:spcBef>
+                <a:spcPts val="375"/>
+              </a:spcBef>
+              <a:buFont typeface="Arial" panose="020B0604020202020204" pitchFamily="34" charset="0"/>
+              <a:buChar char="•"/>
+              <a:defRPr sz="1500" kern="1200">
+                <a:solidFill>
+                  <a:schemeClr val="bg2">
+                    <a:lumMod val="25000"/>
+                  </a:schemeClr>
+                </a:solidFill>
+                <a:latin typeface="Verdana"/>
+                <a:ea typeface="+mn-ea"/>
+                <a:cs typeface="Verdana"/>
+              </a:defRPr>
+            </a:lvl3pPr>
+            <a:lvl4pPr marL="1200150" indent="-171450" algn="l" defTabSz="685800" rtl="0" eaLnBrk="1" latinLnBrk="0" hangingPunct="1">
+              <a:lnSpc>
+                <a:spcPct val="90000"/>
+              </a:lnSpc>
+              <a:spcBef>
+                <a:spcPts val="375"/>
+              </a:spcBef>
+              <a:buFont typeface="Arial" panose="020B0604020202020204" pitchFamily="34" charset="0"/>
+              <a:buChar char="•"/>
+              <a:defRPr sz="1400" kern="1200">
+                <a:solidFill>
+                  <a:schemeClr val="bg2">
+                    <a:lumMod val="25000"/>
+                  </a:schemeClr>
+                </a:solidFill>
+                <a:latin typeface="Verdana"/>
+                <a:ea typeface="+mn-ea"/>
+                <a:cs typeface="Verdana"/>
+              </a:defRPr>
+            </a:lvl4pPr>
+            <a:lvl5pPr marL="1543050" indent="-171450" algn="l" defTabSz="685800" rtl="0" eaLnBrk="1" latinLnBrk="0" hangingPunct="1">
+              <a:lnSpc>
+                <a:spcPct val="90000"/>
+              </a:lnSpc>
+              <a:spcBef>
+                <a:spcPts val="375"/>
+              </a:spcBef>
+              <a:buFont typeface="Arial" panose="020B0604020202020204" pitchFamily="34" charset="0"/>
+              <a:buChar char="•"/>
+              <a:defRPr sz="1400" kern="1200">
+                <a:solidFill>
+                  <a:schemeClr val="bg2">
+                    <a:lumMod val="25000"/>
+                  </a:schemeClr>
+                </a:solidFill>
+                <a:latin typeface="Verdana"/>
+                <a:ea typeface="+mn-ea"/>
+                <a:cs typeface="Verdana"/>
+              </a:defRPr>
+            </a:lvl5pPr>
+            <a:lvl6pPr marL="1885950" indent="-171450" algn="l" defTabSz="685800" rtl="0" eaLnBrk="1" latinLnBrk="0" hangingPunct="1">
+              <a:lnSpc>
+                <a:spcPct val="90000"/>
+              </a:lnSpc>
+              <a:spcBef>
+                <a:spcPts val="375"/>
+              </a:spcBef>
+              <a:buFont typeface="Arial" panose="020B0604020202020204" pitchFamily="34" charset="0"/>
+              <a:buChar char="•"/>
+              <a:defRPr sz="1400" kern="1200">
+                <a:solidFill>
+                  <a:schemeClr val="tx1"/>
+                </a:solidFill>
+                <a:latin typeface="+mn-lt"/>
+                <a:ea typeface="+mn-ea"/>
+                <a:cs typeface="+mn-cs"/>
+              </a:defRPr>
+            </a:lvl6pPr>
+            <a:lvl7pPr marL="2228850" indent="-171450" algn="l" defTabSz="685800" rtl="0" eaLnBrk="1" latinLnBrk="0" hangingPunct="1">
+              <a:lnSpc>
+                <a:spcPct val="90000"/>
+              </a:lnSpc>
+              <a:spcBef>
+                <a:spcPts val="375"/>
+              </a:spcBef>
+              <a:buFont typeface="Arial" panose="020B0604020202020204" pitchFamily="34" charset="0"/>
+              <a:buChar char="•"/>
+              <a:defRPr sz="1400" kern="1200">
+                <a:solidFill>
+                  <a:schemeClr val="tx1"/>
+                </a:solidFill>
+                <a:latin typeface="+mn-lt"/>
+                <a:ea typeface="+mn-ea"/>
+                <a:cs typeface="+mn-cs"/>
+              </a:defRPr>
+            </a:lvl7pPr>
+            <a:lvl8pPr marL="2571750" indent="-171450" algn="l" defTabSz="685800" rtl="0" eaLnBrk="1" latinLnBrk="0" hangingPunct="1">
+              <a:lnSpc>
+                <a:spcPct val="90000"/>
+              </a:lnSpc>
+              <a:spcBef>
+                <a:spcPts val="375"/>
+              </a:spcBef>
+              <a:buFont typeface="Arial" panose="020B0604020202020204" pitchFamily="34" charset="0"/>
+              <a:buChar char="•"/>
+              <a:defRPr sz="1400" kern="1200">
+                <a:solidFill>
+                  <a:schemeClr val="tx1"/>
+                </a:solidFill>
+                <a:latin typeface="+mn-lt"/>
+                <a:ea typeface="+mn-ea"/>
+                <a:cs typeface="+mn-cs"/>
+              </a:defRPr>
+            </a:lvl8pPr>
+            <a:lvl9pPr marL="2914650" indent="-171450" algn="l" defTabSz="685800" rtl="0" eaLnBrk="1" latinLnBrk="0" hangingPunct="1">
+              <a:lnSpc>
+                <a:spcPct val="90000"/>
+              </a:lnSpc>
+              <a:spcBef>
+                <a:spcPts val="375"/>
+              </a:spcBef>
+              <a:buFont typeface="Arial" panose="020B0604020202020204" pitchFamily="34" charset="0"/>
+              <a:buChar char="•"/>
+              <a:defRPr sz="1400" kern="1200">
+                <a:solidFill>
+                  <a:schemeClr val="tx1"/>
+                </a:solidFill>
+                <a:latin typeface="+mn-lt"/>
+                <a:ea typeface="+mn-ea"/>
+                <a:cs typeface="+mn-cs"/>
+              </a:defRPr>
+            </a:lvl9pPr>
+          </a:lstStyle>
+          <a:p>
+            <a:pPr>
+              <a:lnSpc>
+                <a:spcPct val="130000"/>
+              </a:lnSpc>
+            </a:pPr>
+            <a:r>
+              <a:rPr lang="en-US" sz="2000" dirty="0"/>
+              <a:t>Finding agreement on RI </a:t>
+            </a:r>
+            <a:r>
+              <a:rPr lang="en-US" sz="2000" b="1" dirty="0"/>
+              <a:t>definition</a:t>
+            </a:r>
+          </a:p>
+          <a:p>
+            <a:pPr>
+              <a:lnSpc>
+                <a:spcPct val="130000"/>
+              </a:lnSpc>
+            </a:pPr>
+            <a:r>
+              <a:rPr lang="en-US" sz="2000" dirty="0"/>
+              <a:t>Finding agreement on the RI</a:t>
+            </a:r>
+            <a:r>
+              <a:rPr lang="en-US" sz="2000" b="1" dirty="0"/>
+              <a:t> inputs</a:t>
+            </a:r>
+          </a:p>
+          <a:p>
+            <a:pPr>
+              <a:lnSpc>
+                <a:spcPct val="130000"/>
+              </a:lnSpc>
+            </a:pPr>
+            <a:r>
+              <a:rPr lang="en-US" sz="2000" dirty="0"/>
+              <a:t>Finding agreement on RI </a:t>
+            </a:r>
+            <a:r>
+              <a:rPr lang="en-US" sz="2000" b="1" dirty="0"/>
+              <a:t>weights</a:t>
+            </a:r>
+            <a:endParaRPr lang="en-US" sz="2000" dirty="0"/>
+          </a:p>
+          <a:p>
+            <a:pPr>
+              <a:lnSpc>
+                <a:spcPct val="130000"/>
+              </a:lnSpc>
+            </a:pPr>
+            <a:r>
+              <a:rPr lang="en-US" sz="2000" dirty="0"/>
+              <a:t>Communicating what RI is good at explaining and where it falls short (</a:t>
+            </a:r>
+            <a:r>
+              <a:rPr lang="en-US" sz="2000" b="1" dirty="0"/>
+              <a:t>limitations</a:t>
+            </a:r>
+            <a:r>
+              <a:rPr lang="en-US" sz="2000" dirty="0"/>
+              <a:t>)</a:t>
+            </a:r>
+          </a:p>
+          <a:p>
+            <a:pPr marL="0" indent="0">
+              <a:buFont typeface="Arial" panose="020B0604020202020204" pitchFamily="34" charset="0"/>
+              <a:buNone/>
+            </a:pPr>
+            <a:endParaRPr lang="en-US" dirty="0"/>
+          </a:p>
+          <a:p>
+            <a:pPr marL="0" indent="0">
+              <a:buFont typeface="Arial" panose="020B0604020202020204" pitchFamily="34" charset="0"/>
+              <a:buNone/>
+            </a:pPr>
+            <a:endParaRPr lang="en-US" dirty="0"/>
+          </a:p>
+          <a:p>
+            <a:pPr marL="0" indent="0">
+              <a:buFont typeface="Arial" panose="020B0604020202020204" pitchFamily="34" charset="0"/>
+              <a:buNone/>
+            </a:pPr>
+            <a:endParaRPr lang="en-US" dirty="0"/>
+          </a:p>
+          <a:p>
+            <a:pPr marL="0" indent="0">
+              <a:buFont typeface="Arial" panose="020B0604020202020204" pitchFamily="34" charset="0"/>
+              <a:buNone/>
+            </a:pPr>
+            <a:endParaRPr lang="en-US" dirty="0"/>
+          </a:p>
+          <a:p>
+            <a:pPr marL="0" indent="0">
+              <a:buFont typeface="Arial" panose="020B0604020202020204" pitchFamily="34" charset="0"/>
+              <a:buNone/>
+            </a:pPr>
+            <a:endParaRPr lang="en-US" dirty="0"/>
+          </a:p>
+          <a:p>
+            <a:pPr marL="0" indent="0">
+              <a:buFont typeface="Arial" panose="020B0604020202020204" pitchFamily="34" charset="0"/>
+              <a:buNone/>
+            </a:pPr>
+            <a:endParaRPr lang="en-US" dirty="0"/>
+          </a:p>
+          <a:p>
+            <a:pPr marL="0" indent="0">
+              <a:buFont typeface="Arial" panose="020B0604020202020204" pitchFamily="34" charset="0"/>
+              <a:buNone/>
+            </a:pPr>
+            <a:endParaRPr lang="en-CA" dirty="0"/>
+          </a:p>
+        </p:txBody>
+      </p:sp>
+      <p:sp>
+        <p:nvSpPr>
+          <p:cNvPr id="10" name="TextBox 9">
+            <a:extLst>
+              <a:ext uri="{FF2B5EF4-FFF2-40B4-BE49-F238E27FC236}">
+                <a16:creationId xmlns:a16="http://schemas.microsoft.com/office/drawing/2014/main" id="{9F54CBE6-2368-27E2-3B35-AF3A3B4C71B4}"/>
+              </a:ext>
+            </a:extLst>
+          </p:cNvPr>
+          <p:cNvSpPr txBox="1"/>
+          <p:nvPr/>
+        </p:nvSpPr>
+        <p:spPr>
+          <a:xfrm>
+            <a:off x="6532830" y="4707268"/>
+            <a:ext cx="1032165" cy="246221"/>
+          </a:xfrm>
+          <a:prstGeom prst="rect">
+            <a:avLst/>
+          </a:prstGeom>
+          <a:noFill/>
+          <a:ln>
+            <a:solidFill>
+              <a:schemeClr val="tx1"/>
+            </a:solidFill>
+          </a:ln>
+        </p:spPr>
+        <p:txBody>
+          <a:bodyPr wrap="square" rtlCol="0">
+            <a:spAutoFit/>
+          </a:bodyPr>
+          <a:lstStyle/>
+          <a:p>
+            <a:r>
+              <a:rPr lang="en-US" sz="1000" b="1" dirty="0">
+                <a:latin typeface="Tahoma" panose="020B0604030504040204" pitchFamily="34" charset="0"/>
+                <a:ea typeface="Tahoma" panose="020B0604030504040204" pitchFamily="34" charset="0"/>
+                <a:cs typeface="Tahoma" panose="020B0604030504040204" pitchFamily="34" charset="0"/>
+              </a:rPr>
+              <a:t>High</a:t>
+            </a:r>
+            <a:r>
+              <a:rPr lang="en-US" sz="1000" dirty="0">
+                <a:latin typeface="Tahoma" panose="020B0604030504040204" pitchFamily="34" charset="0"/>
+                <a:ea typeface="Tahoma" panose="020B0604030504040204" pitchFamily="34" charset="0"/>
+                <a:cs typeface="Tahoma" panose="020B0604030504040204" pitchFamily="34" charset="0"/>
+              </a:rPr>
+              <a:t> RI Value</a:t>
+            </a:r>
+            <a:endParaRPr lang="en-CA" sz="1000" dirty="0">
+              <a:latin typeface="Tahoma" panose="020B0604030504040204" pitchFamily="34" charset="0"/>
+              <a:ea typeface="Tahoma" panose="020B0604030504040204" pitchFamily="34" charset="0"/>
+              <a:cs typeface="Tahoma" panose="020B0604030504040204" pitchFamily="34" charset="0"/>
+            </a:endParaRPr>
+          </a:p>
+        </p:txBody>
+      </p:sp>
+      <p:sp>
+        <p:nvSpPr>
+          <p:cNvPr id="11" name="TextBox 10">
+            <a:extLst>
+              <a:ext uri="{FF2B5EF4-FFF2-40B4-BE49-F238E27FC236}">
+                <a16:creationId xmlns:a16="http://schemas.microsoft.com/office/drawing/2014/main" id="{84B47D9C-FE6A-4006-7116-FA3E65AA68CC}"/>
+              </a:ext>
+            </a:extLst>
+          </p:cNvPr>
+          <p:cNvSpPr txBox="1"/>
+          <p:nvPr/>
+        </p:nvSpPr>
+        <p:spPr>
+          <a:xfrm>
+            <a:off x="6795681" y="916015"/>
+            <a:ext cx="964003" cy="246221"/>
+          </a:xfrm>
+          <a:prstGeom prst="rect">
+            <a:avLst/>
+          </a:prstGeom>
+          <a:noFill/>
+          <a:ln>
+            <a:solidFill>
+              <a:schemeClr val="tx1"/>
+            </a:solidFill>
+          </a:ln>
+        </p:spPr>
+        <p:txBody>
+          <a:bodyPr wrap="square" rtlCol="0">
+            <a:spAutoFit/>
+          </a:bodyPr>
+          <a:lstStyle/>
+          <a:p>
+            <a:r>
+              <a:rPr lang="en-US" sz="1000" b="1" dirty="0">
+                <a:latin typeface="Tahoma" panose="020B0604030504040204" pitchFamily="34" charset="0"/>
+                <a:ea typeface="Tahoma" panose="020B0604030504040204" pitchFamily="34" charset="0"/>
+                <a:cs typeface="Tahoma" panose="020B0604030504040204" pitchFamily="34" charset="0"/>
+              </a:rPr>
+              <a:t>Low</a:t>
+            </a:r>
+            <a:r>
+              <a:rPr lang="en-US" sz="1000" dirty="0">
+                <a:latin typeface="Tahoma" panose="020B0604030504040204" pitchFamily="34" charset="0"/>
+                <a:ea typeface="Tahoma" panose="020B0604030504040204" pitchFamily="34" charset="0"/>
+                <a:cs typeface="Tahoma" panose="020B0604030504040204" pitchFamily="34" charset="0"/>
+              </a:rPr>
+              <a:t> RI Value</a:t>
+            </a:r>
+            <a:endParaRPr lang="en-CA" sz="1000" dirty="0">
+              <a:latin typeface="Tahoma" panose="020B0604030504040204" pitchFamily="34" charset="0"/>
+              <a:ea typeface="Tahoma" panose="020B0604030504040204" pitchFamily="34" charset="0"/>
+              <a:cs typeface="Tahoma" panose="020B0604030504040204" pitchFamily="34" charset="0"/>
+            </a:endParaRPr>
+          </a:p>
+        </p:txBody>
+      </p:sp>
+      <p:cxnSp>
+        <p:nvCxnSpPr>
+          <p:cNvPr id="13" name="Straight Arrow Connector 12">
+            <a:extLst>
+              <a:ext uri="{FF2B5EF4-FFF2-40B4-BE49-F238E27FC236}">
+                <a16:creationId xmlns:a16="http://schemas.microsoft.com/office/drawing/2014/main" id="{953B2240-44CC-384A-5E8B-0A7604709AF6}"/>
+              </a:ext>
+            </a:extLst>
+          </p:cNvPr>
+          <p:cNvCxnSpPr>
+            <a:cxnSpLocks/>
+          </p:cNvCxnSpPr>
+          <p:nvPr/>
+        </p:nvCxnSpPr>
+        <p:spPr>
+          <a:xfrm flipH="1" flipV="1">
+            <a:off x="6532830" y="4294909"/>
+            <a:ext cx="380588" cy="406697"/>
+          </a:xfrm>
+          <a:prstGeom prst="straightConnector1">
+            <a:avLst/>
+          </a:prstGeom>
+          <a:ln>
+            <a:tailEnd type="triangle"/>
+          </a:ln>
+        </p:spPr>
+        <p:style>
+          <a:lnRef idx="1">
+            <a:schemeClr val="dk1"/>
+          </a:lnRef>
+          <a:fillRef idx="0">
+            <a:schemeClr val="dk1"/>
+          </a:fillRef>
+          <a:effectRef idx="0">
+            <a:schemeClr val="dk1"/>
+          </a:effectRef>
+          <a:fontRef idx="minor">
+            <a:schemeClr val="tx1"/>
+          </a:fontRef>
+        </p:style>
+      </p:cxnSp>
+      <p:cxnSp>
+        <p:nvCxnSpPr>
+          <p:cNvPr id="18" name="Straight Arrow Connector 17">
+            <a:extLst>
+              <a:ext uri="{FF2B5EF4-FFF2-40B4-BE49-F238E27FC236}">
+                <a16:creationId xmlns:a16="http://schemas.microsoft.com/office/drawing/2014/main" id="{1BA1A699-EE5C-7772-4C2F-1C559F35DFC7}"/>
+              </a:ext>
+            </a:extLst>
+          </p:cNvPr>
+          <p:cNvCxnSpPr>
+            <a:cxnSpLocks/>
+          </p:cNvCxnSpPr>
+          <p:nvPr/>
+        </p:nvCxnSpPr>
+        <p:spPr>
+          <a:xfrm flipH="1">
+            <a:off x="6248400" y="1165716"/>
+            <a:ext cx="665018" cy="469077"/>
+          </a:xfrm>
+          <a:prstGeom prst="straightConnector1">
+            <a:avLst/>
+          </a:prstGeom>
+          <a:ln>
+            <a:tailEnd type="triangle"/>
+          </a:ln>
+        </p:spPr>
+        <p:style>
+          <a:lnRef idx="1">
+            <a:schemeClr val="dk1"/>
+          </a:lnRef>
+          <a:fillRef idx="0">
+            <a:schemeClr val="dk1"/>
+          </a:fillRef>
+          <a:effectRef idx="0">
+            <a:schemeClr val="dk1"/>
+          </a:effectRef>
+          <a:fontRef idx="minor">
+            <a:schemeClr val="tx1"/>
+          </a:fontRef>
+        </p:style>
+      </p:cxnSp>
+    </p:spTree>
+    <p:extLst>
+      <p:ext uri="{BB962C8B-B14F-4D97-AF65-F5344CB8AC3E}">
+        <p14:creationId xmlns:p14="http://schemas.microsoft.com/office/powerpoint/2010/main" val="484331973"/>
       </p:ext>
     </p:extLst>
   </p:cSld>
@@ -11050,7 +12115,7 @@
           <a:p>
             <a:r>
               <a:rPr lang="en-US" dirty="0"/>
-              <a:t>RI BUILDER</a:t>
+              <a:t>RI BUILDER UI</a:t>
             </a:r>
             <a:endParaRPr lang="en-CA" dirty="0"/>
           </a:p>
@@ -11190,13 +12255,14 @@
           </p:cNvPr>
           <p:cNvCxnSpPr>
             <a:cxnSpLocks/>
+            <a:stCxn id="34" idx="3"/>
           </p:cNvCxnSpPr>
           <p:nvPr/>
         </p:nvCxnSpPr>
         <p:spPr>
           <a:xfrm>
-            <a:off x="7116417" y="1818402"/>
-            <a:ext cx="616226" cy="6627"/>
+            <a:off x="7388087" y="1745517"/>
+            <a:ext cx="399634" cy="0"/>
           </a:xfrm>
           <a:prstGeom prst="straightConnector1">
             <a:avLst/>
@@ -11231,13 +12297,14 @@
           </p:cNvPr>
           <p:cNvCxnSpPr>
             <a:cxnSpLocks/>
+            <a:stCxn id="41" idx="2"/>
           </p:cNvCxnSpPr>
           <p:nvPr/>
         </p:nvCxnSpPr>
         <p:spPr>
           <a:xfrm>
-            <a:off x="6614491" y="3933682"/>
-            <a:ext cx="0" cy="475578"/>
+            <a:off x="6289817" y="3893973"/>
+            <a:ext cx="6626" cy="515287"/>
           </a:xfrm>
           <a:prstGeom prst="straightConnector1">
             <a:avLst/>
@@ -11278,8 +12345,8 @@
         </p:nvCxnSpPr>
         <p:spPr>
           <a:xfrm flipH="1">
-            <a:off x="2759764" y="3675361"/>
-            <a:ext cx="1675576" cy="756123"/>
+            <a:off x="3054626" y="3675361"/>
+            <a:ext cx="1380714" cy="766850"/>
           </a:xfrm>
           <a:prstGeom prst="straightConnector1">
             <a:avLst/>
@@ -11448,8 +12515,8 @@
         </p:nvSpPr>
         <p:spPr>
           <a:xfrm>
-            <a:off x="6334127" y="1701918"/>
-            <a:ext cx="782290" cy="246221"/>
+            <a:off x="6493153" y="1545462"/>
+            <a:ext cx="894934" cy="400110"/>
           </a:xfrm>
           <a:prstGeom prst="rect">
             <a:avLst/>
@@ -11469,7 +12536,7 @@
           <a:p>
             <a:r>
               <a:rPr lang="en-US" sz="1000" dirty="0"/>
-              <a:t>View layers</a:t>
+              <a:t>View layers one at a time</a:t>
             </a:r>
             <a:endParaRPr lang="en-CA" sz="1000" dirty="0"/>
           </a:p>
@@ -11612,7 +12679,7 @@
         </p:nvSpPr>
         <p:spPr>
           <a:xfrm>
-            <a:off x="6212369" y="3647752"/>
+            <a:off x="5887695" y="3647752"/>
             <a:ext cx="804244" cy="246221"/>
           </a:xfrm>
           <a:prstGeom prst="rect">
@@ -11721,10 +12788,834 @@
           </a:p>
         </p:txBody>
       </p:sp>
+      <p:cxnSp>
+        <p:nvCxnSpPr>
+          <p:cNvPr id="2" name="Straight Arrow Connector 1">
+            <a:extLst>
+              <a:ext uri="{FF2B5EF4-FFF2-40B4-BE49-F238E27FC236}">
+                <a16:creationId xmlns:a16="http://schemas.microsoft.com/office/drawing/2014/main" id="{992F9629-9CDD-4C3F-8379-ED086709FFE1}"/>
+              </a:ext>
+            </a:extLst>
+          </p:cNvPr>
+          <p:cNvCxnSpPr>
+            <a:cxnSpLocks/>
+          </p:cNvCxnSpPr>
+          <p:nvPr/>
+        </p:nvCxnSpPr>
+        <p:spPr>
+          <a:xfrm flipV="1">
+            <a:off x="7887115" y="3346246"/>
+            <a:ext cx="0" cy="301506"/>
+          </a:xfrm>
+          <a:prstGeom prst="straightConnector1">
+            <a:avLst/>
+          </a:prstGeom>
+          <a:ln>
+            <a:tailEnd type="triangle"/>
+          </a:ln>
+        </p:spPr>
+        <p:style>
+          <a:lnRef idx="1">
+            <a:schemeClr val="dk1"/>
+          </a:lnRef>
+          <a:fillRef idx="0">
+            <a:schemeClr val="dk1"/>
+          </a:fillRef>
+          <a:effectRef idx="0">
+            <a:schemeClr val="dk1"/>
+          </a:effectRef>
+          <a:fontRef idx="minor">
+            <a:schemeClr val="tx1"/>
+          </a:fontRef>
+        </p:style>
+      </p:cxnSp>
+      <p:sp>
+        <p:nvSpPr>
+          <p:cNvPr id="15" name="TextBox 14">
+            <a:extLst>
+              <a:ext uri="{FF2B5EF4-FFF2-40B4-BE49-F238E27FC236}">
+                <a16:creationId xmlns:a16="http://schemas.microsoft.com/office/drawing/2014/main" id="{A77912EE-E3EB-4FD9-AFE4-9FBBB16A4ACF}"/>
+              </a:ext>
+            </a:extLst>
+          </p:cNvPr>
+          <p:cNvSpPr txBox="1"/>
+          <p:nvPr/>
+        </p:nvSpPr>
+        <p:spPr>
+          <a:xfrm>
+            <a:off x="7177710" y="3653312"/>
+            <a:ext cx="1418809" cy="400110"/>
+          </a:xfrm>
+          <a:prstGeom prst="rect">
+            <a:avLst/>
+          </a:prstGeom>
+          <a:noFill/>
+          <a:ln>
+            <a:solidFill>
+              <a:schemeClr val="tx1"/>
+            </a:solidFill>
+          </a:ln>
+        </p:spPr>
+        <p:txBody>
+          <a:bodyPr wrap="square" rtlCol="0">
+            <a:spAutoFit/>
+          </a:bodyPr>
+          <a:lstStyle/>
+          <a:p>
+            <a:r>
+              <a:rPr lang="en-US" sz="1000" dirty="0"/>
+              <a:t>Click on mapped points to view RI cell value </a:t>
+            </a:r>
+            <a:endParaRPr lang="en-CA" sz="1000" dirty="0"/>
+          </a:p>
+        </p:txBody>
+      </p:sp>
+      <p:sp>
+        <p:nvSpPr>
+          <p:cNvPr id="20" name="TextBox 19">
+            <a:extLst>
+              <a:ext uri="{FF2B5EF4-FFF2-40B4-BE49-F238E27FC236}">
+                <a16:creationId xmlns:a16="http://schemas.microsoft.com/office/drawing/2014/main" id="{1F905E07-814C-6A9C-FAC9-655A4A9F5EDC}"/>
+              </a:ext>
+            </a:extLst>
+          </p:cNvPr>
+          <p:cNvSpPr txBox="1"/>
+          <p:nvPr/>
+        </p:nvSpPr>
+        <p:spPr>
+          <a:xfrm>
+            <a:off x="6787181" y="2490202"/>
+            <a:ext cx="1000540" cy="246221"/>
+          </a:xfrm>
+          <a:prstGeom prst="rect">
+            <a:avLst/>
+          </a:prstGeom>
+          <a:noFill/>
+          <a:ln>
+            <a:solidFill>
+              <a:schemeClr val="tx1"/>
+            </a:solidFill>
+          </a:ln>
+        </p:spPr>
+        <p:txBody>
+          <a:bodyPr wrap="square" rtlCol="0">
+            <a:spAutoFit/>
+          </a:bodyPr>
+          <a:lstStyle/>
+          <a:p>
+            <a:r>
+              <a:rPr lang="en-US" sz="1000" dirty="0"/>
+              <a:t>Toggle overlays</a:t>
+            </a:r>
+            <a:endParaRPr lang="en-CA" sz="1000" dirty="0"/>
+          </a:p>
+        </p:txBody>
+      </p:sp>
+      <p:cxnSp>
+        <p:nvCxnSpPr>
+          <p:cNvPr id="21" name="Straight Arrow Connector 20">
+            <a:extLst>
+              <a:ext uri="{FF2B5EF4-FFF2-40B4-BE49-F238E27FC236}">
+                <a16:creationId xmlns:a16="http://schemas.microsoft.com/office/drawing/2014/main" id="{CEF8C428-8A3E-48FB-E219-7579D958B263}"/>
+              </a:ext>
+            </a:extLst>
+          </p:cNvPr>
+          <p:cNvCxnSpPr>
+            <a:cxnSpLocks/>
+          </p:cNvCxnSpPr>
+          <p:nvPr/>
+        </p:nvCxnSpPr>
+        <p:spPr>
+          <a:xfrm>
+            <a:off x="7388087" y="2741983"/>
+            <a:ext cx="399634" cy="404001"/>
+          </a:xfrm>
+          <a:prstGeom prst="straightConnector1">
+            <a:avLst/>
+          </a:prstGeom>
+          <a:ln>
+            <a:tailEnd type="triangle"/>
+          </a:ln>
+        </p:spPr>
+        <p:style>
+          <a:lnRef idx="1">
+            <a:schemeClr val="dk1"/>
+          </a:lnRef>
+          <a:fillRef idx="0">
+            <a:schemeClr val="dk1"/>
+          </a:fillRef>
+          <a:effectRef idx="0">
+            <a:schemeClr val="dk1"/>
+          </a:effectRef>
+          <a:fontRef idx="minor">
+            <a:schemeClr val="tx1"/>
+          </a:fontRef>
+        </p:style>
+      </p:cxnSp>
     </p:spTree>
     <p:extLst>
       <p:ext uri="{BB962C8B-B14F-4D97-AF65-F5344CB8AC3E}">
         <p14:creationId xmlns:p14="http://schemas.microsoft.com/office/powerpoint/2010/main" val="1177813972"/>
+      </p:ext>
+    </p:extLst>
+  </p:cSld>
+  <p:clrMapOvr>
+    <a:masterClrMapping/>
+  </p:clrMapOvr>
+</p:sld>
+</file>
+
+<file path=ppt/slides/slide9.xml><?xml version="1.0" encoding="utf-8"?>
+<p:sld xmlns:a="http://schemas.openxmlformats.org/drawingml/2006/main" xmlns:r="http://schemas.openxmlformats.org/officeDocument/2006/relationships" xmlns:p="http://schemas.openxmlformats.org/presentationml/2006/main">
+  <p:cSld>
+    <p:spTree>
+      <p:nvGrpSpPr>
+        <p:cNvPr id="1" name=""/>
+        <p:cNvGrpSpPr/>
+        <p:nvPr/>
+      </p:nvGrpSpPr>
+      <p:grpSpPr>
+        <a:xfrm>
+          <a:off x="0" y="0"/>
+          <a:ext cx="0" cy="0"/>
+          <a:chOff x="0" y="0"/>
+          <a:chExt cx="0" cy="0"/>
+        </a:xfrm>
+      </p:grpSpPr>
+      <p:sp>
+        <p:nvSpPr>
+          <p:cNvPr id="6" name="Title 5">
+            <a:extLst>
+              <a:ext uri="{FF2B5EF4-FFF2-40B4-BE49-F238E27FC236}">
+                <a16:creationId xmlns:a16="http://schemas.microsoft.com/office/drawing/2014/main" id="{EA1DA570-A070-3FC0-D489-3B7DA96EA1F3}"/>
+              </a:ext>
+            </a:extLst>
+          </p:cNvPr>
+          <p:cNvSpPr>
+            <a:spLocks noGrp="1"/>
+          </p:cNvSpPr>
+          <p:nvPr>
+            <p:ph type="title"/>
+          </p:nvPr>
+        </p:nvSpPr>
+        <p:spPr/>
+        <p:txBody>
+          <a:bodyPr/>
+          <a:lstStyle/>
+          <a:p>
+            <a:r>
+              <a:rPr lang="en-US" dirty="0"/>
+              <a:t>RI BUILDER</a:t>
+            </a:r>
+            <a:endParaRPr lang="en-CA" dirty="0"/>
+          </a:p>
+        </p:txBody>
+      </p:sp>
+      <p:sp>
+        <p:nvSpPr>
+          <p:cNvPr id="8" name="Content Placeholder 7">
+            <a:extLst>
+              <a:ext uri="{FF2B5EF4-FFF2-40B4-BE49-F238E27FC236}">
+                <a16:creationId xmlns:a16="http://schemas.microsoft.com/office/drawing/2014/main" id="{A5C65A31-31C6-888F-AF71-FAD7B2A5AEB9}"/>
+              </a:ext>
+            </a:extLst>
+          </p:cNvPr>
+          <p:cNvSpPr>
+            <a:spLocks noGrp="1"/>
+          </p:cNvSpPr>
+          <p:nvPr>
+            <p:ph idx="1"/>
+          </p:nvPr>
+        </p:nvSpPr>
+        <p:spPr>
+          <a:xfrm>
+            <a:off x="628650" y="759884"/>
+            <a:ext cx="8402707" cy="824016"/>
+          </a:xfrm>
+        </p:spPr>
+        <p:txBody>
+          <a:bodyPr>
+            <a:normAutofit/>
+          </a:bodyPr>
+          <a:lstStyle/>
+          <a:p>
+            <a:pPr marL="0" indent="0">
+              <a:buNone/>
+            </a:pPr>
+            <a:endParaRPr lang="en-US" dirty="0"/>
+          </a:p>
+          <a:p>
+            <a:endParaRPr lang="en-US" dirty="0"/>
+          </a:p>
+          <a:p>
+            <a:pPr marL="0" indent="0">
+              <a:buNone/>
+            </a:pPr>
+            <a:endParaRPr lang="en-CA" dirty="0"/>
+          </a:p>
+        </p:txBody>
+      </p:sp>
+      <p:sp>
+        <p:nvSpPr>
+          <p:cNvPr id="4" name="Content Placeholder 7">
+            <a:extLst>
+              <a:ext uri="{FF2B5EF4-FFF2-40B4-BE49-F238E27FC236}">
+                <a16:creationId xmlns:a16="http://schemas.microsoft.com/office/drawing/2014/main" id="{66C7D8DE-13B1-FB63-DBC4-BD613D347951}"/>
+              </a:ext>
+            </a:extLst>
+          </p:cNvPr>
+          <p:cNvSpPr txBox="1">
+            <a:spLocks/>
+          </p:cNvSpPr>
+          <p:nvPr/>
+        </p:nvSpPr>
+        <p:spPr>
+          <a:xfrm>
+            <a:off x="628650" y="3374234"/>
+            <a:ext cx="7886700" cy="824016"/>
+          </a:xfrm>
+          <a:prstGeom prst="rect">
+            <a:avLst/>
+          </a:prstGeom>
+        </p:spPr>
+        <p:txBody>
+          <a:bodyPr vert="horz" lIns="68580" tIns="34290" rIns="68580" bIns="34290" rtlCol="0">
+            <a:normAutofit/>
+          </a:bodyPr>
+          <a:lstStyle>
+            <a:lvl1pPr marL="171450" indent="-171450" algn="l" defTabSz="685800" rtl="0" eaLnBrk="1" latinLnBrk="0" hangingPunct="1">
+              <a:lnSpc>
+                <a:spcPct val="90000"/>
+              </a:lnSpc>
+              <a:spcBef>
+                <a:spcPts val="750"/>
+              </a:spcBef>
+              <a:buFont typeface="Arial" panose="020B0604020202020204" pitchFamily="34" charset="0"/>
+              <a:buChar char="•"/>
+              <a:defRPr sz="2100" kern="1200">
+                <a:solidFill>
+                  <a:schemeClr val="bg2">
+                    <a:lumMod val="25000"/>
+                  </a:schemeClr>
+                </a:solidFill>
+                <a:latin typeface="Verdana"/>
+                <a:ea typeface="+mn-ea"/>
+                <a:cs typeface="Verdana"/>
+              </a:defRPr>
+            </a:lvl1pPr>
+            <a:lvl2pPr marL="514350" indent="-171450" algn="l" defTabSz="685800" rtl="0" eaLnBrk="1" latinLnBrk="0" hangingPunct="1">
+              <a:lnSpc>
+                <a:spcPct val="90000"/>
+              </a:lnSpc>
+              <a:spcBef>
+                <a:spcPts val="375"/>
+              </a:spcBef>
+              <a:buFont typeface="Arial" panose="020B0604020202020204" pitchFamily="34" charset="0"/>
+              <a:buChar char="•"/>
+              <a:defRPr sz="1800" kern="1200">
+                <a:solidFill>
+                  <a:schemeClr val="bg2">
+                    <a:lumMod val="25000"/>
+                  </a:schemeClr>
+                </a:solidFill>
+                <a:latin typeface="Verdana"/>
+                <a:ea typeface="+mn-ea"/>
+                <a:cs typeface="Verdana"/>
+              </a:defRPr>
+            </a:lvl2pPr>
+            <a:lvl3pPr marL="857250" indent="-171450" algn="l" defTabSz="685800" rtl="0" eaLnBrk="1" latinLnBrk="0" hangingPunct="1">
+              <a:lnSpc>
+                <a:spcPct val="90000"/>
+              </a:lnSpc>
+              <a:spcBef>
+                <a:spcPts val="375"/>
+              </a:spcBef>
+              <a:buFont typeface="Arial" panose="020B0604020202020204" pitchFamily="34" charset="0"/>
+              <a:buChar char="•"/>
+              <a:defRPr sz="1500" kern="1200">
+                <a:solidFill>
+                  <a:schemeClr val="bg2">
+                    <a:lumMod val="25000"/>
+                  </a:schemeClr>
+                </a:solidFill>
+                <a:latin typeface="Verdana"/>
+                <a:ea typeface="+mn-ea"/>
+                <a:cs typeface="Verdana"/>
+              </a:defRPr>
+            </a:lvl3pPr>
+            <a:lvl4pPr marL="1200150" indent="-171450" algn="l" defTabSz="685800" rtl="0" eaLnBrk="1" latinLnBrk="0" hangingPunct="1">
+              <a:lnSpc>
+                <a:spcPct val="90000"/>
+              </a:lnSpc>
+              <a:spcBef>
+                <a:spcPts val="375"/>
+              </a:spcBef>
+              <a:buFont typeface="Arial" panose="020B0604020202020204" pitchFamily="34" charset="0"/>
+              <a:buChar char="•"/>
+              <a:defRPr sz="1400" kern="1200">
+                <a:solidFill>
+                  <a:schemeClr val="bg2">
+                    <a:lumMod val="25000"/>
+                  </a:schemeClr>
+                </a:solidFill>
+                <a:latin typeface="Verdana"/>
+                <a:ea typeface="+mn-ea"/>
+                <a:cs typeface="Verdana"/>
+              </a:defRPr>
+            </a:lvl4pPr>
+            <a:lvl5pPr marL="1543050" indent="-171450" algn="l" defTabSz="685800" rtl="0" eaLnBrk="1" latinLnBrk="0" hangingPunct="1">
+              <a:lnSpc>
+                <a:spcPct val="90000"/>
+              </a:lnSpc>
+              <a:spcBef>
+                <a:spcPts val="375"/>
+              </a:spcBef>
+              <a:buFont typeface="Arial" panose="020B0604020202020204" pitchFamily="34" charset="0"/>
+              <a:buChar char="•"/>
+              <a:defRPr sz="1400" kern="1200">
+                <a:solidFill>
+                  <a:schemeClr val="bg2">
+                    <a:lumMod val="25000"/>
+                  </a:schemeClr>
+                </a:solidFill>
+                <a:latin typeface="Verdana"/>
+                <a:ea typeface="+mn-ea"/>
+                <a:cs typeface="Verdana"/>
+              </a:defRPr>
+            </a:lvl5pPr>
+            <a:lvl6pPr marL="1885950" indent="-171450" algn="l" defTabSz="685800" rtl="0" eaLnBrk="1" latinLnBrk="0" hangingPunct="1">
+              <a:lnSpc>
+                <a:spcPct val="90000"/>
+              </a:lnSpc>
+              <a:spcBef>
+                <a:spcPts val="375"/>
+              </a:spcBef>
+              <a:buFont typeface="Arial" panose="020B0604020202020204" pitchFamily="34" charset="0"/>
+              <a:buChar char="•"/>
+              <a:defRPr sz="1400" kern="1200">
+                <a:solidFill>
+                  <a:schemeClr val="tx1"/>
+                </a:solidFill>
+                <a:latin typeface="+mn-lt"/>
+                <a:ea typeface="+mn-ea"/>
+                <a:cs typeface="+mn-cs"/>
+              </a:defRPr>
+            </a:lvl6pPr>
+            <a:lvl7pPr marL="2228850" indent="-171450" algn="l" defTabSz="685800" rtl="0" eaLnBrk="1" latinLnBrk="0" hangingPunct="1">
+              <a:lnSpc>
+                <a:spcPct val="90000"/>
+              </a:lnSpc>
+              <a:spcBef>
+                <a:spcPts val="375"/>
+              </a:spcBef>
+              <a:buFont typeface="Arial" panose="020B0604020202020204" pitchFamily="34" charset="0"/>
+              <a:buChar char="•"/>
+              <a:defRPr sz="1400" kern="1200">
+                <a:solidFill>
+                  <a:schemeClr val="tx1"/>
+                </a:solidFill>
+                <a:latin typeface="+mn-lt"/>
+                <a:ea typeface="+mn-ea"/>
+                <a:cs typeface="+mn-cs"/>
+              </a:defRPr>
+            </a:lvl7pPr>
+            <a:lvl8pPr marL="2571750" indent="-171450" algn="l" defTabSz="685800" rtl="0" eaLnBrk="1" latinLnBrk="0" hangingPunct="1">
+              <a:lnSpc>
+                <a:spcPct val="90000"/>
+              </a:lnSpc>
+              <a:spcBef>
+                <a:spcPts val="375"/>
+              </a:spcBef>
+              <a:buFont typeface="Arial" panose="020B0604020202020204" pitchFamily="34" charset="0"/>
+              <a:buChar char="•"/>
+              <a:defRPr sz="1400" kern="1200">
+                <a:solidFill>
+                  <a:schemeClr val="tx1"/>
+                </a:solidFill>
+                <a:latin typeface="+mn-lt"/>
+                <a:ea typeface="+mn-ea"/>
+                <a:cs typeface="+mn-cs"/>
+              </a:defRPr>
+            </a:lvl8pPr>
+            <a:lvl9pPr marL="2914650" indent="-171450" algn="l" defTabSz="685800" rtl="0" eaLnBrk="1" latinLnBrk="0" hangingPunct="1">
+              <a:lnSpc>
+                <a:spcPct val="90000"/>
+              </a:lnSpc>
+              <a:spcBef>
+                <a:spcPts val="375"/>
+              </a:spcBef>
+              <a:buFont typeface="Arial" panose="020B0604020202020204" pitchFamily="34" charset="0"/>
+              <a:buChar char="•"/>
+              <a:defRPr sz="1400" kern="1200">
+                <a:solidFill>
+                  <a:schemeClr val="tx1"/>
+                </a:solidFill>
+                <a:latin typeface="+mn-lt"/>
+                <a:ea typeface="+mn-ea"/>
+                <a:cs typeface="+mn-cs"/>
+              </a:defRPr>
+            </a:lvl9pPr>
+          </a:lstStyle>
+          <a:p>
+            <a:pPr marL="0" indent="0">
+              <a:lnSpc>
+                <a:spcPct val="150000"/>
+              </a:lnSpc>
+              <a:buFont typeface="Arial" panose="020B0604020202020204" pitchFamily="34" charset="0"/>
+              <a:buNone/>
+            </a:pPr>
+            <a:endParaRPr lang="en-US" dirty="0"/>
+          </a:p>
+          <a:p>
+            <a:pPr marL="0" indent="0">
+              <a:buFont typeface="Arial" panose="020B0604020202020204" pitchFamily="34" charset="0"/>
+              <a:buNone/>
+            </a:pPr>
+            <a:endParaRPr lang="en-US" dirty="0"/>
+          </a:p>
+          <a:p>
+            <a:pPr marL="0" indent="0">
+              <a:buFont typeface="Arial" panose="020B0604020202020204" pitchFamily="34" charset="0"/>
+              <a:buNone/>
+            </a:pPr>
+            <a:endParaRPr lang="en-US" dirty="0"/>
+          </a:p>
+          <a:p>
+            <a:pPr marL="0" indent="0">
+              <a:buFont typeface="Arial" panose="020B0604020202020204" pitchFamily="34" charset="0"/>
+              <a:buNone/>
+            </a:pPr>
+            <a:endParaRPr lang="en-CA" dirty="0"/>
+          </a:p>
+        </p:txBody>
+      </p:sp>
+      <p:sp>
+        <p:nvSpPr>
+          <p:cNvPr id="2" name="Content Placeholder 7">
+            <a:extLst>
+              <a:ext uri="{FF2B5EF4-FFF2-40B4-BE49-F238E27FC236}">
+                <a16:creationId xmlns:a16="http://schemas.microsoft.com/office/drawing/2014/main" id="{5DAE791B-F751-2BDC-D8A5-62ED5AE64703}"/>
+              </a:ext>
+            </a:extLst>
+          </p:cNvPr>
+          <p:cNvSpPr txBox="1">
+            <a:spLocks/>
+          </p:cNvSpPr>
+          <p:nvPr/>
+        </p:nvSpPr>
+        <p:spPr>
+          <a:xfrm>
+            <a:off x="628650" y="1118462"/>
+            <a:ext cx="7620828" cy="3250976"/>
+          </a:xfrm>
+          <a:prstGeom prst="rect">
+            <a:avLst/>
+          </a:prstGeom>
+        </p:spPr>
+        <p:txBody>
+          <a:bodyPr vert="horz" lIns="68580" tIns="34290" rIns="68580" bIns="34290" rtlCol="0">
+            <a:normAutofit fontScale="92500" lnSpcReduction="10000"/>
+          </a:bodyPr>
+          <a:lstStyle>
+            <a:lvl1pPr marL="171450" indent="-171450" algn="l" defTabSz="685800" rtl="0" eaLnBrk="1" latinLnBrk="0" hangingPunct="1">
+              <a:lnSpc>
+                <a:spcPct val="90000"/>
+              </a:lnSpc>
+              <a:spcBef>
+                <a:spcPts val="750"/>
+              </a:spcBef>
+              <a:buFont typeface="Arial" panose="020B0604020202020204" pitchFamily="34" charset="0"/>
+              <a:buChar char="•"/>
+              <a:defRPr sz="2100" kern="1200">
+                <a:solidFill>
+                  <a:schemeClr val="bg2">
+                    <a:lumMod val="25000"/>
+                  </a:schemeClr>
+                </a:solidFill>
+                <a:latin typeface="Verdana"/>
+                <a:ea typeface="+mn-ea"/>
+                <a:cs typeface="Verdana"/>
+              </a:defRPr>
+            </a:lvl1pPr>
+            <a:lvl2pPr marL="514350" indent="-171450" algn="l" defTabSz="685800" rtl="0" eaLnBrk="1" latinLnBrk="0" hangingPunct="1">
+              <a:lnSpc>
+                <a:spcPct val="90000"/>
+              </a:lnSpc>
+              <a:spcBef>
+                <a:spcPts val="375"/>
+              </a:spcBef>
+              <a:buFont typeface="Arial" panose="020B0604020202020204" pitchFamily="34" charset="0"/>
+              <a:buChar char="•"/>
+              <a:defRPr sz="1800" kern="1200">
+                <a:solidFill>
+                  <a:schemeClr val="bg2">
+                    <a:lumMod val="25000"/>
+                  </a:schemeClr>
+                </a:solidFill>
+                <a:latin typeface="Verdana"/>
+                <a:ea typeface="+mn-ea"/>
+                <a:cs typeface="Verdana"/>
+              </a:defRPr>
+            </a:lvl2pPr>
+            <a:lvl3pPr marL="857250" indent="-171450" algn="l" defTabSz="685800" rtl="0" eaLnBrk="1" latinLnBrk="0" hangingPunct="1">
+              <a:lnSpc>
+                <a:spcPct val="90000"/>
+              </a:lnSpc>
+              <a:spcBef>
+                <a:spcPts val="375"/>
+              </a:spcBef>
+              <a:buFont typeface="Arial" panose="020B0604020202020204" pitchFamily="34" charset="0"/>
+              <a:buChar char="•"/>
+              <a:defRPr sz="1500" kern="1200">
+                <a:solidFill>
+                  <a:schemeClr val="bg2">
+                    <a:lumMod val="25000"/>
+                  </a:schemeClr>
+                </a:solidFill>
+                <a:latin typeface="Verdana"/>
+                <a:ea typeface="+mn-ea"/>
+                <a:cs typeface="Verdana"/>
+              </a:defRPr>
+            </a:lvl3pPr>
+            <a:lvl4pPr marL="1200150" indent="-171450" algn="l" defTabSz="685800" rtl="0" eaLnBrk="1" latinLnBrk="0" hangingPunct="1">
+              <a:lnSpc>
+                <a:spcPct val="90000"/>
+              </a:lnSpc>
+              <a:spcBef>
+                <a:spcPts val="375"/>
+              </a:spcBef>
+              <a:buFont typeface="Arial" panose="020B0604020202020204" pitchFamily="34" charset="0"/>
+              <a:buChar char="•"/>
+              <a:defRPr sz="1400" kern="1200">
+                <a:solidFill>
+                  <a:schemeClr val="bg2">
+                    <a:lumMod val="25000"/>
+                  </a:schemeClr>
+                </a:solidFill>
+                <a:latin typeface="Verdana"/>
+                <a:ea typeface="+mn-ea"/>
+                <a:cs typeface="Verdana"/>
+              </a:defRPr>
+            </a:lvl4pPr>
+            <a:lvl5pPr marL="1543050" indent="-171450" algn="l" defTabSz="685800" rtl="0" eaLnBrk="1" latinLnBrk="0" hangingPunct="1">
+              <a:lnSpc>
+                <a:spcPct val="90000"/>
+              </a:lnSpc>
+              <a:spcBef>
+                <a:spcPts val="375"/>
+              </a:spcBef>
+              <a:buFont typeface="Arial" panose="020B0604020202020204" pitchFamily="34" charset="0"/>
+              <a:buChar char="•"/>
+              <a:defRPr sz="1400" kern="1200">
+                <a:solidFill>
+                  <a:schemeClr val="bg2">
+                    <a:lumMod val="25000"/>
+                  </a:schemeClr>
+                </a:solidFill>
+                <a:latin typeface="Verdana"/>
+                <a:ea typeface="+mn-ea"/>
+                <a:cs typeface="Verdana"/>
+              </a:defRPr>
+            </a:lvl5pPr>
+            <a:lvl6pPr marL="1885950" indent="-171450" algn="l" defTabSz="685800" rtl="0" eaLnBrk="1" latinLnBrk="0" hangingPunct="1">
+              <a:lnSpc>
+                <a:spcPct val="90000"/>
+              </a:lnSpc>
+              <a:spcBef>
+                <a:spcPts val="375"/>
+              </a:spcBef>
+              <a:buFont typeface="Arial" panose="020B0604020202020204" pitchFamily="34" charset="0"/>
+              <a:buChar char="•"/>
+              <a:defRPr sz="1400" kern="1200">
+                <a:solidFill>
+                  <a:schemeClr val="tx1"/>
+                </a:solidFill>
+                <a:latin typeface="+mn-lt"/>
+                <a:ea typeface="+mn-ea"/>
+                <a:cs typeface="+mn-cs"/>
+              </a:defRPr>
+            </a:lvl6pPr>
+            <a:lvl7pPr marL="2228850" indent="-171450" algn="l" defTabSz="685800" rtl="0" eaLnBrk="1" latinLnBrk="0" hangingPunct="1">
+              <a:lnSpc>
+                <a:spcPct val="90000"/>
+              </a:lnSpc>
+              <a:spcBef>
+                <a:spcPts val="375"/>
+              </a:spcBef>
+              <a:buFont typeface="Arial" panose="020B0604020202020204" pitchFamily="34" charset="0"/>
+              <a:buChar char="•"/>
+              <a:defRPr sz="1400" kern="1200">
+                <a:solidFill>
+                  <a:schemeClr val="tx1"/>
+                </a:solidFill>
+                <a:latin typeface="+mn-lt"/>
+                <a:ea typeface="+mn-ea"/>
+                <a:cs typeface="+mn-cs"/>
+              </a:defRPr>
+            </a:lvl7pPr>
+            <a:lvl8pPr marL="2571750" indent="-171450" algn="l" defTabSz="685800" rtl="0" eaLnBrk="1" latinLnBrk="0" hangingPunct="1">
+              <a:lnSpc>
+                <a:spcPct val="90000"/>
+              </a:lnSpc>
+              <a:spcBef>
+                <a:spcPts val="375"/>
+              </a:spcBef>
+              <a:buFont typeface="Arial" panose="020B0604020202020204" pitchFamily="34" charset="0"/>
+              <a:buChar char="•"/>
+              <a:defRPr sz="1400" kern="1200">
+                <a:solidFill>
+                  <a:schemeClr val="tx1"/>
+                </a:solidFill>
+                <a:latin typeface="+mn-lt"/>
+                <a:ea typeface="+mn-ea"/>
+                <a:cs typeface="+mn-cs"/>
+              </a:defRPr>
+            </a:lvl8pPr>
+            <a:lvl9pPr marL="2914650" indent="-171450" algn="l" defTabSz="685800" rtl="0" eaLnBrk="1" latinLnBrk="0" hangingPunct="1">
+              <a:lnSpc>
+                <a:spcPct val="90000"/>
+              </a:lnSpc>
+              <a:spcBef>
+                <a:spcPts val="375"/>
+              </a:spcBef>
+              <a:buFont typeface="Arial" panose="020B0604020202020204" pitchFamily="34" charset="0"/>
+              <a:buChar char="•"/>
+              <a:defRPr sz="1400" kern="1200">
+                <a:solidFill>
+                  <a:schemeClr val="tx1"/>
+                </a:solidFill>
+                <a:latin typeface="+mn-lt"/>
+                <a:ea typeface="+mn-ea"/>
+                <a:cs typeface="+mn-cs"/>
+              </a:defRPr>
+            </a:lvl9pPr>
+          </a:lstStyle>
+          <a:p>
+            <a:pPr>
+              <a:lnSpc>
+                <a:spcPct val="130000"/>
+              </a:lnSpc>
+            </a:pPr>
+            <a:r>
+              <a:rPr lang="en-US" sz="2000" dirty="0"/>
+              <a:t>As you increase the weight, the feature</a:t>
+            </a:r>
+          </a:p>
+          <a:p>
+            <a:pPr>
+              <a:lnSpc>
+                <a:spcPct val="130000"/>
+              </a:lnSpc>
+            </a:pPr>
+            <a:r>
+              <a:rPr lang="en-US" sz="2000" dirty="0"/>
+              <a:t>Users can </a:t>
+            </a:r>
+            <a:r>
+              <a:rPr lang="en-US" sz="2000" b="1" dirty="0"/>
+              <a:t>change</a:t>
+            </a:r>
+            <a:r>
+              <a:rPr lang="en-US" sz="2000" dirty="0"/>
+              <a:t> weights and update the RI in real time. This provides a means to reason with the relative importance of layers that comprise the index</a:t>
+            </a:r>
+          </a:p>
+          <a:p>
+            <a:pPr marL="0" indent="0">
+              <a:buFont typeface="Arial" panose="020B0604020202020204" pitchFamily="34" charset="0"/>
+              <a:buNone/>
+            </a:pPr>
+            <a:endParaRPr lang="en-US" dirty="0"/>
+          </a:p>
+          <a:p>
+            <a:pPr marL="0" indent="0">
+              <a:buFont typeface="Arial" panose="020B0604020202020204" pitchFamily="34" charset="0"/>
+              <a:buNone/>
+            </a:pPr>
+            <a:r>
+              <a:rPr lang="en-US" sz="1500" b="1" dirty="0"/>
+              <a:t>Main App Features:</a:t>
+            </a:r>
+          </a:p>
+          <a:p>
+            <a:r>
+              <a:rPr lang="en-US" sz="1300" dirty="0"/>
+              <a:t>RI map display</a:t>
+            </a:r>
+          </a:p>
+          <a:p>
+            <a:r>
+              <a:rPr lang="en-US" sz="1300" dirty="0"/>
+              <a:t>RI equation display</a:t>
+            </a:r>
+          </a:p>
+          <a:p>
+            <a:r>
+              <a:rPr lang="en-US" sz="1300" dirty="0"/>
+              <a:t>RI point extractions and pop-up</a:t>
+            </a:r>
+          </a:p>
+          <a:p>
+            <a:r>
+              <a:rPr lang="en-US" sz="1300" dirty="0"/>
+              <a:t>RI download</a:t>
+            </a:r>
+          </a:p>
+          <a:p>
+            <a:pPr marL="0" indent="0">
+              <a:buFont typeface="Arial" panose="020B0604020202020204" pitchFamily="34" charset="0"/>
+              <a:buNone/>
+            </a:pPr>
+            <a:endParaRPr lang="en-US" dirty="0"/>
+          </a:p>
+          <a:p>
+            <a:pPr marL="0" indent="0">
+              <a:buFont typeface="Arial" panose="020B0604020202020204" pitchFamily="34" charset="0"/>
+              <a:buNone/>
+            </a:pPr>
+            <a:endParaRPr lang="en-US" dirty="0"/>
+          </a:p>
+          <a:p>
+            <a:pPr marL="0" indent="0">
+              <a:buFont typeface="Arial" panose="020B0604020202020204" pitchFamily="34" charset="0"/>
+              <a:buNone/>
+            </a:pPr>
+            <a:endParaRPr lang="en-US" dirty="0"/>
+          </a:p>
+          <a:p>
+            <a:pPr marL="0" indent="0">
+              <a:buFont typeface="Arial" panose="020B0604020202020204" pitchFamily="34" charset="0"/>
+              <a:buNone/>
+            </a:pPr>
+            <a:endParaRPr lang="en-US" dirty="0"/>
+          </a:p>
+          <a:p>
+            <a:pPr marL="0" indent="0">
+              <a:buFont typeface="Arial" panose="020B0604020202020204" pitchFamily="34" charset="0"/>
+              <a:buNone/>
+            </a:pPr>
+            <a:endParaRPr lang="en-US" dirty="0"/>
+          </a:p>
+          <a:p>
+            <a:pPr marL="0" indent="0">
+              <a:buFont typeface="Arial" panose="020B0604020202020204" pitchFamily="34" charset="0"/>
+              <a:buNone/>
+            </a:pPr>
+            <a:endParaRPr lang="en-US" dirty="0"/>
+          </a:p>
+          <a:p>
+            <a:pPr marL="0" indent="0">
+              <a:buFont typeface="Arial" panose="020B0604020202020204" pitchFamily="34" charset="0"/>
+              <a:buNone/>
+            </a:pPr>
+            <a:endParaRPr lang="en-CA" dirty="0"/>
+          </a:p>
+        </p:txBody>
+      </p:sp>
+    </p:spTree>
+    <p:extLst>
+      <p:ext uri="{BB962C8B-B14F-4D97-AF65-F5344CB8AC3E}">
+        <p14:creationId xmlns:p14="http://schemas.microsoft.com/office/powerpoint/2010/main" val="3143343921"/>
       </p:ext>
     </p:extLst>
   </p:cSld>
@@ -12325,70 +14216,75 @@
 </file>
 
 <file path=customXml/item1.xml><?xml version="1.0" encoding="utf-8"?>
-<?mso-contentType ?>
-<SharedContentType xmlns="Microsoft.SharePoint.Taxonomy.ContentTypeSync" SourceId="3dae2bc9-964c-4bb7-94bc-c5dd0815213b" ContentTypeId="0x01010070FD3A26C879A74592BE4DD1CF6C17C51002" PreviousValue="false" LastSyncTimeStamp="2022-04-19T15:49:25.177Z"/>
+<p:properties xmlns:p="http://schemas.microsoft.com/office/2006/metadata/properties" xmlns:xsi="http://www.w3.org/2001/XMLSchema-instance" xmlns:pc="http://schemas.microsoft.com/office/infopath/2007/PartnerControls">
+  <documentManagement>
+    <TaxCatchAll xmlns="b73fb41d-4db5-49df-b889-ce373c40e3ec">
+      <Value>2</Value>
+      <Value>224</Value>
+      <Value>1585</Value>
+      <Value>3</Value>
+      <Value>1022</Value>
+      <Value>1598</Value>
+    </TaxCatchAll>
+    <Year xmlns="b73fb41d-4db5-49df-b889-ce373c40e3ec">2021</Year>
+    <TaxKeywordTaxHTField xmlns="b73fb41d-4db5-49df-b889-ce373c40e3ec">
+      <Terms xmlns="http://schemas.microsoft.com/office/infopath/2007/PartnerControls">
+        <TermInfo xmlns="http://schemas.microsoft.com/office/infopath/2007/PartnerControls">
+          <TermName xmlns="http://schemas.microsoft.com/office/infopath/2007/PartnerControls">16:9</TermName>
+          <TermId xmlns="http://schemas.microsoft.com/office/infopath/2007/PartnerControls">df0a0d5b-ae80-4841-b2fe-8ddcb8e3222c</TermId>
+        </TermInfo>
+        <TermInfo xmlns="http://schemas.microsoft.com/office/infopath/2007/PartnerControls">
+          <TermName xmlns="http://schemas.microsoft.com/office/infopath/2007/PartnerControls">Presentation</TermName>
+          <TermId xmlns="http://schemas.microsoft.com/office/infopath/2007/PartnerControls">59fc26f9-1c9d-40bc-8a58-d66d91dcc0d5</TermId>
+        </TermInfo>
+      </Terms>
+    </TaxKeywordTaxHTField>
+    <_dlc_DocId xmlns="9daf4fce-efdb-4f08-985f-94c0458ac4da">COLL-1941601530-77</_dlc_DocId>
+    <_dlc_DocIdUrl xmlns="9daf4fce-efdb-4f08-985f-94c0458ac4da">
+      <Url>https://itncc.sharepoint.com/sites/MarketingCollaboration/_layouts/DocIdRedir.aspx?ID=COLL-1941601530-77</Url>
+      <Description>COLL-1941601530-77</Description>
+    </_dlc_DocIdUrl>
+    <hf62e2b7c9654133b3ca7da47c388bce xmlns="b73fb41d-4db5-49df-b889-ce373c40e3ec">
+      <Terms xmlns="http://schemas.microsoft.com/office/infopath/2007/PartnerControls">
+        <TermInfo xmlns="http://schemas.microsoft.com/office/infopath/2007/PartnerControls">
+          <TermName xmlns="http://schemas.microsoft.com/office/infopath/2007/PartnerControls">Marketing and Development</TermName>
+          <TermId xmlns="http://schemas.microsoft.com/office/infopath/2007/PartnerControls">cb043f34-81be-43cd-aebf-735cc7c51d79</TermId>
+        </TermInfo>
+      </Terms>
+    </hf62e2b7c9654133b3ca7da47c388bce>
+    <e5445ced404845ff8a2b3be9c8f7c65c xmlns="b73fb41d-4db5-49df-b889-ce373c40e3ec">
+      <Terms xmlns="http://schemas.microsoft.com/office/infopath/2007/PartnerControls">
+        <TermInfo xmlns="http://schemas.microsoft.com/office/infopath/2007/PartnerControls">
+          <TermName xmlns="http://schemas.microsoft.com/office/infopath/2007/PartnerControls">National</TermName>
+          <TermId xmlns="http://schemas.microsoft.com/office/infopath/2007/PartnerControls">60e160cc-5b62-440e-88bf-c8c5292327f4</TermId>
+        </TermInfo>
+      </Terms>
+    </e5445ced404845ff8a2b3be9c8f7c65c>
+    <Topic xmlns="b73fb41d-4db5-49df-b889-ce373c40e3ec">Presentation</Topic>
+    <j851f0c75970476ca044f56c831142c9 xmlns="b73fb41d-4db5-49df-b889-ce373c40e3ec">
+      <Terms xmlns="http://schemas.microsoft.com/office/infopath/2007/PartnerControls">
+        <TermInfo xmlns="http://schemas.microsoft.com/office/infopath/2007/PartnerControls">
+          <TermName xmlns="http://schemas.microsoft.com/office/infopath/2007/PartnerControls">Editable Creative</TermName>
+          <TermId xmlns="http://schemas.microsoft.com/office/infopath/2007/PartnerControls">29fc3b9e-2d01-4eeb-9c55-b9ac82cf2c15</TermId>
+        </TermInfo>
+      </Terms>
+    </j851f0c75970476ca044f56c831142c9>
+    <h5d00e838cac4a36b66416c1ac0f08f4 xmlns="b73fb41d-4db5-49df-b889-ce373c40e3ec">
+      <Terms xmlns="http://schemas.microsoft.com/office/infopath/2007/PartnerControls"/>
+    </h5d00e838cac4a36b66416c1ac0f08f4>
+    <pde0b5a6bb7242599ac30d59622b742d xmlns="b73fb41d-4db5-49df-b889-ce373c40e3ec">
+      <Terms xmlns="http://schemas.microsoft.com/office/infopath/2007/PartnerControls">
+        <TermInfo xmlns="http://schemas.microsoft.com/office/infopath/2007/PartnerControls">
+          <TermName xmlns="http://schemas.microsoft.com/office/infopath/2007/PartnerControls">Administration</TermName>
+          <TermId xmlns="http://schemas.microsoft.com/office/infopath/2007/PartnerControls">15579f7e-1289-4124-875f-fbfdd1ce1e19</TermId>
+        </TermInfo>
+      </Terms>
+    </pde0b5a6bb7242599ac30d59622b742d>
+  </documentManagement>
+</p:properties>
 </file>
 
 <file path=customXml/item2.xml><?xml version="1.0" encoding="utf-8"?>
-<?mso-contentType ?>
-<spe:Receivers xmlns:spe="http://schemas.microsoft.com/sharepoint/events">
-  <Receiver>
-    <Name>Document ID Generator</Name>
-    <Synchronization>Synchronous</Synchronization>
-    <Type>10001</Type>
-    <SequenceNumber>1000</SequenceNumber>
-    <Url/>
-    <Assembly>Microsoft.Office.DocumentManagement, Version=16.0.0.0, Culture=neutral, PublicKeyToken=71e9bce111e9429c</Assembly>
-    <Class>Microsoft.Office.DocumentManagement.Internal.DocIdHandler</Class>
-    <Data/>
-    <Filter/>
-  </Receiver>
-  <Receiver>
-    <Name>Document ID Generator</Name>
-    <Synchronization>Synchronous</Synchronization>
-    <Type>10002</Type>
-    <SequenceNumber>1001</SequenceNumber>
-    <Url/>
-    <Assembly>Microsoft.Office.DocumentManagement, Version=16.0.0.0, Culture=neutral, PublicKeyToken=71e9bce111e9429c</Assembly>
-    <Class>Microsoft.Office.DocumentManagement.Internal.DocIdHandler</Class>
-    <Data/>
-    <Filter/>
-  </Receiver>
-  <Receiver>
-    <Name>Document ID Generator</Name>
-    <Synchronization>Synchronous</Synchronization>
-    <Type>10004</Type>
-    <SequenceNumber>1002</SequenceNumber>
-    <Url/>
-    <Assembly>Microsoft.Office.DocumentManagement, Version=16.0.0.0, Culture=neutral, PublicKeyToken=71e9bce111e9429c</Assembly>
-    <Class>Microsoft.Office.DocumentManagement.Internal.DocIdHandler</Class>
-    <Data/>
-    <Filter/>
-  </Receiver>
-  <Receiver>
-    <Name>Document ID Generator</Name>
-    <Synchronization>Synchronous</Synchronization>
-    <Type>10006</Type>
-    <SequenceNumber>1003</SequenceNumber>
-    <Url/>
-    <Assembly>Microsoft.Office.DocumentManagement, Version=16.0.0.0, Culture=neutral, PublicKeyToken=71e9bce111e9429c</Assembly>
-    <Class>Microsoft.Office.DocumentManagement.Internal.DocIdHandler</Class>
-    <Data/>
-    <Filter/>
-  </Receiver>
-</spe:Receivers>
-</file>
-
-<file path=customXml/item3.xml><?xml version="1.0" encoding="utf-8"?>
-<?mso-contentType ?>
-<FormTemplates xmlns="http://schemas.microsoft.com/sharepoint/v3/contenttype/forms">
-  <Display>DocumentLibraryForm</Display>
-  <Edit>DocumentLibraryForm</Edit>
-  <New>DocumentLibraryForm</New>
-</FormTemplates>
-</file>
-
-<file path=customXml/item4.xml><?xml version="1.0" encoding="utf-8"?>
 <ct:contentTypeSchema xmlns:ct="http://schemas.microsoft.com/office/2006/metadata/contentType" xmlns:ma="http://schemas.microsoft.com/office/2006/metadata/properties/metaAttributes" ct:_="" ma:_="" ma:contentTypeName="Brand Development Document" ma:contentTypeID="0x01010070FD3A26C879A74592BE4DD1CF6C17C510020067E13304C532104281EC8A3037A9164A" ma:contentTypeVersion="11" ma:contentTypeDescription="" ma:contentTypeScope="" ma:versionID="a43c5f1fd3e888c7e6fddeb0e88e3abc">
   <xsd:schema xmlns:xsd="http://www.w3.org/2001/XMLSchema" xmlns:xs="http://www.w3.org/2001/XMLSchema" xmlns:p="http://schemas.microsoft.com/office/2006/metadata/properties" xmlns:ns2="b73fb41d-4db5-49df-b889-ce373c40e3ec" xmlns:ns3="9daf4fce-efdb-4f08-985f-94c0458ac4da" targetNamespace="http://schemas.microsoft.com/office/2006/metadata/properties" ma:root="true" ma:fieldsID="ac958db3d5748ff17de2fdf13965b786" ns2:_="" ns3:_="">
     <xsd:import namespace="b73fb41d-4db5-49df-b889-ce373c40e3ec"/>
@@ -12649,100 +14545,88 @@
 </ct:contentTypeSchema>
 </file>
 
+<file path=customXml/item3.xml><?xml version="1.0" encoding="utf-8"?>
+<?mso-contentType ?>
+<FormTemplates xmlns="http://schemas.microsoft.com/sharepoint/v3/contenttype/forms">
+  <Display>DocumentLibraryForm</Display>
+  <Edit>DocumentLibraryForm</Edit>
+  <New>DocumentLibraryForm</New>
+</FormTemplates>
+</file>
+
+<file path=customXml/item4.xml><?xml version="1.0" encoding="utf-8"?>
+<?mso-contentType ?>
+<spe:Receivers xmlns:spe="http://schemas.microsoft.com/sharepoint/events">
+  <Receiver>
+    <Name>Document ID Generator</Name>
+    <Synchronization>Synchronous</Synchronization>
+    <Type>10001</Type>
+    <SequenceNumber>1000</SequenceNumber>
+    <Url/>
+    <Assembly>Microsoft.Office.DocumentManagement, Version=16.0.0.0, Culture=neutral, PublicKeyToken=71e9bce111e9429c</Assembly>
+    <Class>Microsoft.Office.DocumentManagement.Internal.DocIdHandler</Class>
+    <Data/>
+    <Filter/>
+  </Receiver>
+  <Receiver>
+    <Name>Document ID Generator</Name>
+    <Synchronization>Synchronous</Synchronization>
+    <Type>10002</Type>
+    <SequenceNumber>1001</SequenceNumber>
+    <Url/>
+    <Assembly>Microsoft.Office.DocumentManagement, Version=16.0.0.0, Culture=neutral, PublicKeyToken=71e9bce111e9429c</Assembly>
+    <Class>Microsoft.Office.DocumentManagement.Internal.DocIdHandler</Class>
+    <Data/>
+    <Filter/>
+  </Receiver>
+  <Receiver>
+    <Name>Document ID Generator</Name>
+    <Synchronization>Synchronous</Synchronization>
+    <Type>10004</Type>
+    <SequenceNumber>1002</SequenceNumber>
+    <Url/>
+    <Assembly>Microsoft.Office.DocumentManagement, Version=16.0.0.0, Culture=neutral, PublicKeyToken=71e9bce111e9429c</Assembly>
+    <Class>Microsoft.Office.DocumentManagement.Internal.DocIdHandler</Class>
+    <Data/>
+    <Filter/>
+  </Receiver>
+  <Receiver>
+    <Name>Document ID Generator</Name>
+    <Synchronization>Synchronous</Synchronization>
+    <Type>10006</Type>
+    <SequenceNumber>1003</SequenceNumber>
+    <Url/>
+    <Assembly>Microsoft.Office.DocumentManagement, Version=16.0.0.0, Culture=neutral, PublicKeyToken=71e9bce111e9429c</Assembly>
+    <Class>Microsoft.Office.DocumentManagement.Internal.DocIdHandler</Class>
+    <Data/>
+    <Filter/>
+  </Receiver>
+</spe:Receivers>
+</file>
+
 <file path=customXml/item5.xml><?xml version="1.0" encoding="utf-8"?>
-<p:properties xmlns:p="http://schemas.microsoft.com/office/2006/metadata/properties" xmlns:xsi="http://www.w3.org/2001/XMLSchema-instance" xmlns:pc="http://schemas.microsoft.com/office/infopath/2007/PartnerControls">
-  <documentManagement>
-    <TaxCatchAll xmlns="b73fb41d-4db5-49df-b889-ce373c40e3ec">
-      <Value>2</Value>
-      <Value>224</Value>
-      <Value>1585</Value>
-      <Value>3</Value>
-      <Value>1022</Value>
-      <Value>1598</Value>
-    </TaxCatchAll>
-    <Year xmlns="b73fb41d-4db5-49df-b889-ce373c40e3ec">2021</Year>
-    <TaxKeywordTaxHTField xmlns="b73fb41d-4db5-49df-b889-ce373c40e3ec">
-      <Terms xmlns="http://schemas.microsoft.com/office/infopath/2007/PartnerControls">
-        <TermInfo xmlns="http://schemas.microsoft.com/office/infopath/2007/PartnerControls">
-          <TermName xmlns="http://schemas.microsoft.com/office/infopath/2007/PartnerControls">16:9</TermName>
-          <TermId xmlns="http://schemas.microsoft.com/office/infopath/2007/PartnerControls">df0a0d5b-ae80-4841-b2fe-8ddcb8e3222c</TermId>
-        </TermInfo>
-        <TermInfo xmlns="http://schemas.microsoft.com/office/infopath/2007/PartnerControls">
-          <TermName xmlns="http://schemas.microsoft.com/office/infopath/2007/PartnerControls">Presentation</TermName>
-          <TermId xmlns="http://schemas.microsoft.com/office/infopath/2007/PartnerControls">59fc26f9-1c9d-40bc-8a58-d66d91dcc0d5</TermId>
-        </TermInfo>
-      </Terms>
-    </TaxKeywordTaxHTField>
-    <_dlc_DocId xmlns="9daf4fce-efdb-4f08-985f-94c0458ac4da">COLL-1941601530-77</_dlc_DocId>
-    <_dlc_DocIdUrl xmlns="9daf4fce-efdb-4f08-985f-94c0458ac4da">
-      <Url>https://itncc.sharepoint.com/sites/MarketingCollaboration/_layouts/DocIdRedir.aspx?ID=COLL-1941601530-77</Url>
-      <Description>COLL-1941601530-77</Description>
-    </_dlc_DocIdUrl>
-    <hf62e2b7c9654133b3ca7da47c388bce xmlns="b73fb41d-4db5-49df-b889-ce373c40e3ec">
-      <Terms xmlns="http://schemas.microsoft.com/office/infopath/2007/PartnerControls">
-        <TermInfo xmlns="http://schemas.microsoft.com/office/infopath/2007/PartnerControls">
-          <TermName xmlns="http://schemas.microsoft.com/office/infopath/2007/PartnerControls">Marketing and Development</TermName>
-          <TermId xmlns="http://schemas.microsoft.com/office/infopath/2007/PartnerControls">cb043f34-81be-43cd-aebf-735cc7c51d79</TermId>
-        </TermInfo>
-      </Terms>
-    </hf62e2b7c9654133b3ca7da47c388bce>
-    <e5445ced404845ff8a2b3be9c8f7c65c xmlns="b73fb41d-4db5-49df-b889-ce373c40e3ec">
-      <Terms xmlns="http://schemas.microsoft.com/office/infopath/2007/PartnerControls">
-        <TermInfo xmlns="http://schemas.microsoft.com/office/infopath/2007/PartnerControls">
-          <TermName xmlns="http://schemas.microsoft.com/office/infopath/2007/PartnerControls">National</TermName>
-          <TermId xmlns="http://schemas.microsoft.com/office/infopath/2007/PartnerControls">60e160cc-5b62-440e-88bf-c8c5292327f4</TermId>
-        </TermInfo>
-      </Terms>
-    </e5445ced404845ff8a2b3be9c8f7c65c>
-    <Topic xmlns="b73fb41d-4db5-49df-b889-ce373c40e3ec">Presentation</Topic>
-    <j851f0c75970476ca044f56c831142c9 xmlns="b73fb41d-4db5-49df-b889-ce373c40e3ec">
-      <Terms xmlns="http://schemas.microsoft.com/office/infopath/2007/PartnerControls">
-        <TermInfo xmlns="http://schemas.microsoft.com/office/infopath/2007/PartnerControls">
-          <TermName xmlns="http://schemas.microsoft.com/office/infopath/2007/PartnerControls">Editable Creative</TermName>
-          <TermId xmlns="http://schemas.microsoft.com/office/infopath/2007/PartnerControls">29fc3b9e-2d01-4eeb-9c55-b9ac82cf2c15</TermId>
-        </TermInfo>
-      </Terms>
-    </j851f0c75970476ca044f56c831142c9>
-    <h5d00e838cac4a36b66416c1ac0f08f4 xmlns="b73fb41d-4db5-49df-b889-ce373c40e3ec">
-      <Terms xmlns="http://schemas.microsoft.com/office/infopath/2007/PartnerControls"/>
-    </h5d00e838cac4a36b66416c1ac0f08f4>
-    <pde0b5a6bb7242599ac30d59622b742d xmlns="b73fb41d-4db5-49df-b889-ce373c40e3ec">
-      <Terms xmlns="http://schemas.microsoft.com/office/infopath/2007/PartnerControls">
-        <TermInfo xmlns="http://schemas.microsoft.com/office/infopath/2007/PartnerControls">
-          <TermName xmlns="http://schemas.microsoft.com/office/infopath/2007/PartnerControls">Administration</TermName>
-          <TermId xmlns="http://schemas.microsoft.com/office/infopath/2007/PartnerControls">15579f7e-1289-4124-875f-fbfdd1ce1e19</TermId>
-        </TermInfo>
-      </Terms>
-    </pde0b5a6bb7242599ac30d59622b742d>
-  </documentManagement>
-</p:properties>
+<?mso-contentType ?>
+<SharedContentType xmlns="Microsoft.SharePoint.Taxonomy.ContentTypeSync" SourceId="3dae2bc9-964c-4bb7-94bc-c5dd0815213b" ContentTypeId="0x01010070FD3A26C879A74592BE4DD1CF6C17C51002" PreviousValue="false" LastSyncTimeStamp="2022-04-19T15:49:25.177Z"/>
 </file>
 
 <file path=customXml/itemProps1.xml><?xml version="1.0" encoding="utf-8"?>
-<ds:datastoreItem xmlns:ds="http://schemas.openxmlformats.org/officeDocument/2006/customXml" ds:itemID="{C04A9EA0-F30C-4FDA-9437-BDAB378662C2}">
+<ds:datastoreItem xmlns:ds="http://schemas.openxmlformats.org/officeDocument/2006/customXml" ds:itemID="{9C876B4E-9239-4840-BF5E-B55D728E076B}">
   <ds:schemaRefs>
-    <ds:schemaRef ds:uri="Microsoft.SharePoint.Taxonomy.ContentTypeSync"/>
+    <ds:schemaRef ds:uri="http://schemas.microsoft.com/office/2006/documentManagement/types"/>
+    <ds:schemaRef ds:uri="http://purl.org/dc/dcmitype/"/>
+    <ds:schemaRef ds:uri="9daf4fce-efdb-4f08-985f-94c0458ac4da"/>
+    <ds:schemaRef ds:uri="http://purl.org/dc/terms/"/>
+    <ds:schemaRef ds:uri="http://purl.org/dc/elements/1.1/"/>
+    <ds:schemaRef ds:uri="http://schemas.microsoft.com/office/infopath/2007/PartnerControls"/>
+    <ds:schemaRef ds:uri="http://schemas.microsoft.com/office/2006/metadata/properties"/>
+    <ds:schemaRef ds:uri="http://schemas.openxmlformats.org/package/2006/metadata/core-properties"/>
+    <ds:schemaRef ds:uri="b73fb41d-4db5-49df-b889-ce373c40e3ec"/>
+    <ds:schemaRef ds:uri="http://www.w3.org/XML/1998/namespace"/>
   </ds:schemaRefs>
 </ds:datastoreItem>
 </file>
 
 <file path=customXml/itemProps2.xml><?xml version="1.0" encoding="utf-8"?>
-<ds:datastoreItem xmlns:ds="http://schemas.openxmlformats.org/officeDocument/2006/customXml" ds:itemID="{75F25848-81A4-4056-9048-FD884C8DD719}">
-  <ds:schemaRefs>
-    <ds:schemaRef ds:uri="http://schemas.microsoft.com/sharepoint/events"/>
-  </ds:schemaRefs>
-</ds:datastoreItem>
-</file>
-
-<file path=customXml/itemProps3.xml><?xml version="1.0" encoding="utf-8"?>
-<ds:datastoreItem xmlns:ds="http://schemas.openxmlformats.org/officeDocument/2006/customXml" ds:itemID="{E3070A85-BE5F-4ECE-B1F6-8D04067ED971}">
-  <ds:schemaRefs>
-    <ds:schemaRef ds:uri="http://schemas.microsoft.com/sharepoint/v3/contenttype/forms"/>
-  </ds:schemaRefs>
-</ds:datastoreItem>
-</file>
-
-<file path=customXml/itemProps4.xml><?xml version="1.0" encoding="utf-8"?>
 <ds:datastoreItem xmlns:ds="http://schemas.openxmlformats.org/officeDocument/2006/customXml" ds:itemID="{C95DB8DD-2968-45AB-A0E1-F330D10D018A}">
   <ds:schemaRefs>
     <ds:schemaRef ds:uri="9daf4fce-efdb-4f08-985f-94c0458ac4da"/>
@@ -12761,19 +14645,26 @@
 </ds:datastoreItem>
 </file>
 
+<file path=customXml/itemProps3.xml><?xml version="1.0" encoding="utf-8"?>
+<ds:datastoreItem xmlns:ds="http://schemas.openxmlformats.org/officeDocument/2006/customXml" ds:itemID="{E3070A85-BE5F-4ECE-B1F6-8D04067ED971}">
+  <ds:schemaRefs>
+    <ds:schemaRef ds:uri="http://schemas.microsoft.com/sharepoint/v3/contenttype/forms"/>
+  </ds:schemaRefs>
+</ds:datastoreItem>
+</file>
+
+<file path=customXml/itemProps4.xml><?xml version="1.0" encoding="utf-8"?>
+<ds:datastoreItem xmlns:ds="http://schemas.openxmlformats.org/officeDocument/2006/customXml" ds:itemID="{75F25848-81A4-4056-9048-FD884C8DD719}">
+  <ds:schemaRefs>
+    <ds:schemaRef ds:uri="http://schemas.microsoft.com/sharepoint/events"/>
+  </ds:schemaRefs>
+</ds:datastoreItem>
+</file>
+
 <file path=customXml/itemProps5.xml><?xml version="1.0" encoding="utf-8"?>
-<ds:datastoreItem xmlns:ds="http://schemas.openxmlformats.org/officeDocument/2006/customXml" ds:itemID="{9C876B4E-9239-4840-BF5E-B55D728E076B}">
+<ds:datastoreItem xmlns:ds="http://schemas.openxmlformats.org/officeDocument/2006/customXml" ds:itemID="{C04A9EA0-F30C-4FDA-9437-BDAB378662C2}">
   <ds:schemaRefs>
-    <ds:schemaRef ds:uri="http://purl.org/dc/elements/1.1/"/>
-    <ds:schemaRef ds:uri="http://schemas.openxmlformats.org/package/2006/metadata/core-properties"/>
-    <ds:schemaRef ds:uri="http://www.w3.org/XML/1998/namespace"/>
-    <ds:schemaRef ds:uri="http://schemas.microsoft.com/office/2006/documentManagement/types"/>
-    <ds:schemaRef ds:uri="http://purl.org/dc/dcmitype/"/>
-    <ds:schemaRef ds:uri="http://schemas.microsoft.com/office/infopath/2007/PartnerControls"/>
-    <ds:schemaRef ds:uri="b73fb41d-4db5-49df-b889-ce373c40e3ec"/>
-    <ds:schemaRef ds:uri="9daf4fce-efdb-4f08-985f-94c0458ac4da"/>
-    <ds:schemaRef ds:uri="http://schemas.microsoft.com/office/2006/metadata/properties"/>
-    <ds:schemaRef ds:uri="http://purl.org/dc/terms/"/>
+    <ds:schemaRef ds:uri="Microsoft.SharePoint.Taxonomy.ContentTypeSync"/>
   </ds:schemaRefs>
 </ds:datastoreItem>
 </file>
--- a/www/RI_GUIDE.pptx
+++ b/www/RI_GUIDE.pptx
@@ -5,7 +5,7 @@
     <p:sldMasterId id="2147483660" r:id="rId6"/>
   </p:sldMasterIdLst>
   <p:notesMasterIdLst>
-    <p:notesMasterId r:id="rId17"/>
+    <p:notesMasterId r:id="rId16"/>
   </p:notesMasterIdLst>
   <p:sldIdLst>
     <p:sldId id="256" r:id="rId7"/>
@@ -16,8 +16,7 @@
     <p:sldId id="261" r:id="rId12"/>
     <p:sldId id="262" r:id="rId13"/>
     <p:sldId id="263" r:id="rId14"/>
-    <p:sldId id="265" r:id="rId15"/>
-    <p:sldId id="264" r:id="rId16"/>
+    <p:sldId id="264" r:id="rId15"/>
   </p:sldIdLst>
   <p:sldSz cx="9144000" cy="5143500" type="screen16x9"/>
   <p:notesSz cx="6858000" cy="9144000"/>
@@ -573,90 +572,6 @@
 </p:notes>
 </file>
 
-<file path=ppt/notesSlides/notesSlide10.xml><?xml version="1.0" encoding="utf-8"?>
-<p:notes xmlns:a="http://schemas.openxmlformats.org/drawingml/2006/main" xmlns:r="http://schemas.openxmlformats.org/officeDocument/2006/relationships" xmlns:p="http://schemas.openxmlformats.org/presentationml/2006/main">
-  <p:cSld>
-    <p:spTree>
-      <p:nvGrpSpPr>
-        <p:cNvPr id="1" name=""/>
-        <p:cNvGrpSpPr/>
-        <p:nvPr/>
-      </p:nvGrpSpPr>
-      <p:grpSpPr>
-        <a:xfrm>
-          <a:off x="0" y="0"/>
-          <a:ext cx="0" cy="0"/>
-          <a:chOff x="0" y="0"/>
-          <a:chExt cx="0" cy="0"/>
-        </a:xfrm>
-      </p:grpSpPr>
-      <p:sp>
-        <p:nvSpPr>
-          <p:cNvPr id="2" name="Slide Image Placeholder 1"/>
-          <p:cNvSpPr>
-            <a:spLocks noGrp="1" noRot="1" noChangeAspect="1"/>
-          </p:cNvSpPr>
-          <p:nvPr>
-            <p:ph type="sldImg"/>
-          </p:nvPr>
-        </p:nvSpPr>
-        <p:spPr/>
-      </p:sp>
-      <p:sp>
-        <p:nvSpPr>
-          <p:cNvPr id="3" name="Notes Placeholder 2"/>
-          <p:cNvSpPr>
-            <a:spLocks noGrp="1"/>
-          </p:cNvSpPr>
-          <p:nvPr>
-            <p:ph type="body" idx="1"/>
-          </p:nvPr>
-        </p:nvSpPr>
-        <p:spPr/>
-        <p:txBody>
-          <a:bodyPr/>
-          <a:lstStyle/>
-          <a:p>
-            <a:endParaRPr lang="en-CA"/>
-          </a:p>
-        </p:txBody>
-      </p:sp>
-      <p:sp>
-        <p:nvSpPr>
-          <p:cNvPr id="4" name="Slide Number Placeholder 3"/>
-          <p:cNvSpPr>
-            <a:spLocks noGrp="1"/>
-          </p:cNvSpPr>
-          <p:nvPr>
-            <p:ph type="sldNum" sz="quarter" idx="5"/>
-          </p:nvPr>
-        </p:nvSpPr>
-        <p:spPr/>
-        <p:txBody>
-          <a:bodyPr/>
-          <a:lstStyle/>
-          <a:p>
-            <a:fld id="{707FE74B-307F-4064-955D-4424C3D9D715}" type="slidenum">
-              <a:rPr lang="en-CA" smtClean="0"/>
-              <a:t>10</a:t>
-            </a:fld>
-            <a:endParaRPr lang="en-CA"/>
-          </a:p>
-        </p:txBody>
-      </p:sp>
-    </p:spTree>
-    <p:extLst>
-      <p:ext uri="{BB962C8B-B14F-4D97-AF65-F5344CB8AC3E}">
-        <p14:creationId xmlns:p14="http://schemas.microsoft.com/office/powerpoint/2010/main" val="4118420621"/>
-      </p:ext>
-    </p:extLst>
-  </p:cSld>
-  <p:clrMapOvr>
-    <a:masterClrMapping/>
-  </p:clrMapOvr>
-</p:notes>
-</file>
-
 <file path=ppt/notesSlides/notesSlide2.xml><?xml version="1.0" encoding="utf-8"?>
 <p:notes xmlns:a="http://schemas.openxmlformats.org/drawingml/2006/main" xmlns:r="http://schemas.openxmlformats.org/officeDocument/2006/relationships" xmlns:p="http://schemas.openxmlformats.org/presentationml/2006/main">
   <p:cSld>
@@ -1319,7 +1234,7 @@
     </p:spTree>
     <p:extLst>
       <p:ext uri="{BB962C8B-B14F-4D97-AF65-F5344CB8AC3E}">
-        <p14:creationId xmlns:p14="http://schemas.microsoft.com/office/powerpoint/2010/main" val="3452327436"/>
+        <p14:creationId xmlns:p14="http://schemas.microsoft.com/office/powerpoint/2010/main" val="4118420621"/>
       </p:ext>
     </p:extLst>
   </p:cSld>
@@ -4833,901 +4748,6 @@
     <p:extLst>
       <p:ext uri="{BB962C8B-B14F-4D97-AF65-F5344CB8AC3E}">
         <p14:creationId xmlns:p14="http://schemas.microsoft.com/office/powerpoint/2010/main" val="2926866095"/>
-      </p:ext>
-    </p:extLst>
-  </p:cSld>
-  <p:clrMapOvr>
-    <a:masterClrMapping/>
-  </p:clrMapOvr>
-</p:sld>
-</file>
-
-<file path=ppt/slides/slide10.xml><?xml version="1.0" encoding="utf-8"?>
-<p:sld xmlns:a="http://schemas.openxmlformats.org/drawingml/2006/main" xmlns:r="http://schemas.openxmlformats.org/officeDocument/2006/relationships" xmlns:p="http://schemas.openxmlformats.org/presentationml/2006/main">
-  <p:cSld>
-    <p:spTree>
-      <p:nvGrpSpPr>
-        <p:cNvPr id="1" name=""/>
-        <p:cNvGrpSpPr/>
-        <p:nvPr/>
-      </p:nvGrpSpPr>
-      <p:grpSpPr>
-        <a:xfrm>
-          <a:off x="0" y="0"/>
-          <a:ext cx="0" cy="0"/>
-          <a:chOff x="0" y="0"/>
-          <a:chExt cx="0" cy="0"/>
-        </a:xfrm>
-      </p:grpSpPr>
-      <p:pic>
-        <p:nvPicPr>
-          <p:cNvPr id="5" name="Picture 4">
-            <a:extLst>
-              <a:ext uri="{FF2B5EF4-FFF2-40B4-BE49-F238E27FC236}">
-                <a16:creationId xmlns:a16="http://schemas.microsoft.com/office/drawing/2014/main" id="{A5BD1FFB-C6C9-B9CC-9710-4314A5417040}"/>
-              </a:ext>
-            </a:extLst>
-          </p:cNvPr>
-          <p:cNvPicPr>
-            <a:picLocks noChangeAspect="1"/>
-          </p:cNvPicPr>
-          <p:nvPr/>
-        </p:nvPicPr>
-        <p:blipFill>
-          <a:blip r:embed="rId3">
-            <a:alphaModFix/>
-            <a:extLst>
-              <a:ext uri="{BEBA8EAE-BF5A-486C-A8C5-ECC9F3942E4B}">
-                <a14:imgProps xmlns:a14="http://schemas.microsoft.com/office/drawing/2010/main">
-                  <a14:imgLayer r:embed="rId4">
-                    <a14:imgEffect>
-                      <a14:backgroundRemoval t="10000" b="90000" l="10000" r="90000"/>
-                    </a14:imgEffect>
-                  </a14:imgLayer>
-                </a14:imgProps>
-              </a:ext>
-              <a:ext uri="{28A0092B-C50C-407E-A947-70E740481C1C}">
-                <a14:useLocalDpi xmlns:a14="http://schemas.microsoft.com/office/drawing/2010/main" val="0"/>
-              </a:ext>
-            </a:extLst>
-          </a:blip>
-          <a:srcRect/>
-          <a:stretch/>
-        </p:blipFill>
-        <p:spPr>
-          <a:xfrm>
-            <a:off x="4592782" y="393106"/>
-            <a:ext cx="3377537" cy="4370936"/>
-          </a:xfrm>
-          <a:prstGeom prst="rect">
-            <a:avLst/>
-          </a:prstGeom>
-        </p:spPr>
-      </p:pic>
-      <p:sp>
-        <p:nvSpPr>
-          <p:cNvPr id="6" name="Title 5">
-            <a:extLst>
-              <a:ext uri="{FF2B5EF4-FFF2-40B4-BE49-F238E27FC236}">
-                <a16:creationId xmlns:a16="http://schemas.microsoft.com/office/drawing/2014/main" id="{EA1DA570-A070-3FC0-D489-3B7DA96EA1F3}"/>
-              </a:ext>
-            </a:extLst>
-          </p:cNvPr>
-          <p:cNvSpPr>
-            <a:spLocks noGrp="1"/>
-          </p:cNvSpPr>
-          <p:nvPr>
-            <p:ph type="title"/>
-          </p:nvPr>
-        </p:nvSpPr>
-        <p:spPr/>
-        <p:txBody>
-          <a:bodyPr/>
-          <a:lstStyle/>
-          <a:p>
-            <a:r>
-              <a:rPr lang="en-US" dirty="0"/>
-              <a:t>NEXT STEPS</a:t>
-            </a:r>
-            <a:endParaRPr lang="en-CA" dirty="0"/>
-          </a:p>
-        </p:txBody>
-      </p:sp>
-      <p:sp>
-        <p:nvSpPr>
-          <p:cNvPr id="8" name="Content Placeholder 7">
-            <a:extLst>
-              <a:ext uri="{FF2B5EF4-FFF2-40B4-BE49-F238E27FC236}">
-                <a16:creationId xmlns:a16="http://schemas.microsoft.com/office/drawing/2014/main" id="{A5C65A31-31C6-888F-AF71-FAD7B2A5AEB9}"/>
-              </a:ext>
-            </a:extLst>
-          </p:cNvPr>
-          <p:cNvSpPr>
-            <a:spLocks noGrp="1"/>
-          </p:cNvSpPr>
-          <p:nvPr>
-            <p:ph idx="1"/>
-          </p:nvPr>
-        </p:nvSpPr>
-        <p:spPr>
-          <a:xfrm>
-            <a:off x="628650" y="759884"/>
-            <a:ext cx="8402707" cy="824016"/>
-          </a:xfrm>
-        </p:spPr>
-        <p:txBody>
-          <a:bodyPr>
-            <a:normAutofit/>
-          </a:bodyPr>
-          <a:lstStyle/>
-          <a:p>
-            <a:pPr marL="0" indent="0">
-              <a:buNone/>
-            </a:pPr>
-            <a:endParaRPr lang="en-US" dirty="0"/>
-          </a:p>
-          <a:p>
-            <a:endParaRPr lang="en-US" dirty="0"/>
-          </a:p>
-          <a:p>
-            <a:pPr marL="0" indent="0">
-              <a:buNone/>
-            </a:pPr>
-            <a:endParaRPr lang="en-CA" dirty="0"/>
-          </a:p>
-        </p:txBody>
-      </p:sp>
-      <p:sp>
-        <p:nvSpPr>
-          <p:cNvPr id="4" name="Content Placeholder 7">
-            <a:extLst>
-              <a:ext uri="{FF2B5EF4-FFF2-40B4-BE49-F238E27FC236}">
-                <a16:creationId xmlns:a16="http://schemas.microsoft.com/office/drawing/2014/main" id="{66C7D8DE-13B1-FB63-DBC4-BD613D347951}"/>
-              </a:ext>
-            </a:extLst>
-          </p:cNvPr>
-          <p:cNvSpPr txBox="1">
-            <a:spLocks/>
-          </p:cNvSpPr>
-          <p:nvPr/>
-        </p:nvSpPr>
-        <p:spPr>
-          <a:xfrm>
-            <a:off x="628650" y="3374234"/>
-            <a:ext cx="7886700" cy="824016"/>
-          </a:xfrm>
-          <a:prstGeom prst="rect">
-            <a:avLst/>
-          </a:prstGeom>
-        </p:spPr>
-        <p:txBody>
-          <a:bodyPr vert="horz" lIns="68580" tIns="34290" rIns="68580" bIns="34290" rtlCol="0">
-            <a:normAutofit/>
-          </a:bodyPr>
-          <a:lstStyle>
-            <a:lvl1pPr marL="171450" indent="-171450" algn="l" defTabSz="685800" rtl="0" eaLnBrk="1" latinLnBrk="0" hangingPunct="1">
-              <a:lnSpc>
-                <a:spcPct val="90000"/>
-              </a:lnSpc>
-              <a:spcBef>
-                <a:spcPts val="750"/>
-              </a:spcBef>
-              <a:buFont typeface="Arial" panose="020B0604020202020204" pitchFamily="34" charset="0"/>
-              <a:buChar char="•"/>
-              <a:defRPr sz="2100" kern="1200">
-                <a:solidFill>
-                  <a:schemeClr val="bg2">
-                    <a:lumMod val="25000"/>
-                  </a:schemeClr>
-                </a:solidFill>
-                <a:latin typeface="Verdana"/>
-                <a:ea typeface="+mn-ea"/>
-                <a:cs typeface="Verdana"/>
-              </a:defRPr>
-            </a:lvl1pPr>
-            <a:lvl2pPr marL="514350" indent="-171450" algn="l" defTabSz="685800" rtl="0" eaLnBrk="1" latinLnBrk="0" hangingPunct="1">
-              <a:lnSpc>
-                <a:spcPct val="90000"/>
-              </a:lnSpc>
-              <a:spcBef>
-                <a:spcPts val="375"/>
-              </a:spcBef>
-              <a:buFont typeface="Arial" panose="020B0604020202020204" pitchFamily="34" charset="0"/>
-              <a:buChar char="•"/>
-              <a:defRPr sz="1800" kern="1200">
-                <a:solidFill>
-                  <a:schemeClr val="bg2">
-                    <a:lumMod val="25000"/>
-                  </a:schemeClr>
-                </a:solidFill>
-                <a:latin typeface="Verdana"/>
-                <a:ea typeface="+mn-ea"/>
-                <a:cs typeface="Verdana"/>
-              </a:defRPr>
-            </a:lvl2pPr>
-            <a:lvl3pPr marL="857250" indent="-171450" algn="l" defTabSz="685800" rtl="0" eaLnBrk="1" latinLnBrk="0" hangingPunct="1">
-              <a:lnSpc>
-                <a:spcPct val="90000"/>
-              </a:lnSpc>
-              <a:spcBef>
-                <a:spcPts val="375"/>
-              </a:spcBef>
-              <a:buFont typeface="Arial" panose="020B0604020202020204" pitchFamily="34" charset="0"/>
-              <a:buChar char="•"/>
-              <a:defRPr sz="1500" kern="1200">
-                <a:solidFill>
-                  <a:schemeClr val="bg2">
-                    <a:lumMod val="25000"/>
-                  </a:schemeClr>
-                </a:solidFill>
-                <a:latin typeface="Verdana"/>
-                <a:ea typeface="+mn-ea"/>
-                <a:cs typeface="Verdana"/>
-              </a:defRPr>
-            </a:lvl3pPr>
-            <a:lvl4pPr marL="1200150" indent="-171450" algn="l" defTabSz="685800" rtl="0" eaLnBrk="1" latinLnBrk="0" hangingPunct="1">
-              <a:lnSpc>
-                <a:spcPct val="90000"/>
-              </a:lnSpc>
-              <a:spcBef>
-                <a:spcPts val="375"/>
-              </a:spcBef>
-              <a:buFont typeface="Arial" panose="020B0604020202020204" pitchFamily="34" charset="0"/>
-              <a:buChar char="•"/>
-              <a:defRPr sz="1400" kern="1200">
-                <a:solidFill>
-                  <a:schemeClr val="bg2">
-                    <a:lumMod val="25000"/>
-                  </a:schemeClr>
-                </a:solidFill>
-                <a:latin typeface="Verdana"/>
-                <a:ea typeface="+mn-ea"/>
-                <a:cs typeface="Verdana"/>
-              </a:defRPr>
-            </a:lvl4pPr>
-            <a:lvl5pPr marL="1543050" indent="-171450" algn="l" defTabSz="685800" rtl="0" eaLnBrk="1" latinLnBrk="0" hangingPunct="1">
-              <a:lnSpc>
-                <a:spcPct val="90000"/>
-              </a:lnSpc>
-              <a:spcBef>
-                <a:spcPts val="375"/>
-              </a:spcBef>
-              <a:buFont typeface="Arial" panose="020B0604020202020204" pitchFamily="34" charset="0"/>
-              <a:buChar char="•"/>
-              <a:defRPr sz="1400" kern="1200">
-                <a:solidFill>
-                  <a:schemeClr val="bg2">
-                    <a:lumMod val="25000"/>
-                  </a:schemeClr>
-                </a:solidFill>
-                <a:latin typeface="Verdana"/>
-                <a:ea typeface="+mn-ea"/>
-                <a:cs typeface="Verdana"/>
-              </a:defRPr>
-            </a:lvl5pPr>
-            <a:lvl6pPr marL="1885950" indent="-171450" algn="l" defTabSz="685800" rtl="0" eaLnBrk="1" latinLnBrk="0" hangingPunct="1">
-              <a:lnSpc>
-                <a:spcPct val="90000"/>
-              </a:lnSpc>
-              <a:spcBef>
-                <a:spcPts val="375"/>
-              </a:spcBef>
-              <a:buFont typeface="Arial" panose="020B0604020202020204" pitchFamily="34" charset="0"/>
-              <a:buChar char="•"/>
-              <a:defRPr sz="1400" kern="1200">
-                <a:solidFill>
-                  <a:schemeClr val="tx1"/>
-                </a:solidFill>
-                <a:latin typeface="+mn-lt"/>
-                <a:ea typeface="+mn-ea"/>
-                <a:cs typeface="+mn-cs"/>
-              </a:defRPr>
-            </a:lvl6pPr>
-            <a:lvl7pPr marL="2228850" indent="-171450" algn="l" defTabSz="685800" rtl="0" eaLnBrk="1" latinLnBrk="0" hangingPunct="1">
-              <a:lnSpc>
-                <a:spcPct val="90000"/>
-              </a:lnSpc>
-              <a:spcBef>
-                <a:spcPts val="375"/>
-              </a:spcBef>
-              <a:buFont typeface="Arial" panose="020B0604020202020204" pitchFamily="34" charset="0"/>
-              <a:buChar char="•"/>
-              <a:defRPr sz="1400" kern="1200">
-                <a:solidFill>
-                  <a:schemeClr val="tx1"/>
-                </a:solidFill>
-                <a:latin typeface="+mn-lt"/>
-                <a:ea typeface="+mn-ea"/>
-                <a:cs typeface="+mn-cs"/>
-              </a:defRPr>
-            </a:lvl7pPr>
-            <a:lvl8pPr marL="2571750" indent="-171450" algn="l" defTabSz="685800" rtl="0" eaLnBrk="1" latinLnBrk="0" hangingPunct="1">
-              <a:lnSpc>
-                <a:spcPct val="90000"/>
-              </a:lnSpc>
-              <a:spcBef>
-                <a:spcPts val="375"/>
-              </a:spcBef>
-              <a:buFont typeface="Arial" panose="020B0604020202020204" pitchFamily="34" charset="0"/>
-              <a:buChar char="•"/>
-              <a:defRPr sz="1400" kern="1200">
-                <a:solidFill>
-                  <a:schemeClr val="tx1"/>
-                </a:solidFill>
-                <a:latin typeface="+mn-lt"/>
-                <a:ea typeface="+mn-ea"/>
-                <a:cs typeface="+mn-cs"/>
-              </a:defRPr>
-            </a:lvl8pPr>
-            <a:lvl9pPr marL="2914650" indent="-171450" algn="l" defTabSz="685800" rtl="0" eaLnBrk="1" latinLnBrk="0" hangingPunct="1">
-              <a:lnSpc>
-                <a:spcPct val="90000"/>
-              </a:lnSpc>
-              <a:spcBef>
-                <a:spcPts val="375"/>
-              </a:spcBef>
-              <a:buFont typeface="Arial" panose="020B0604020202020204" pitchFamily="34" charset="0"/>
-              <a:buChar char="•"/>
-              <a:defRPr sz="1400" kern="1200">
-                <a:solidFill>
-                  <a:schemeClr val="tx1"/>
-                </a:solidFill>
-                <a:latin typeface="+mn-lt"/>
-                <a:ea typeface="+mn-ea"/>
-                <a:cs typeface="+mn-cs"/>
-              </a:defRPr>
-            </a:lvl9pPr>
-          </a:lstStyle>
-          <a:p>
-            <a:pPr marL="0" indent="0">
-              <a:lnSpc>
-                <a:spcPct val="150000"/>
-              </a:lnSpc>
-              <a:buFont typeface="Arial" panose="020B0604020202020204" pitchFamily="34" charset="0"/>
-              <a:buNone/>
-            </a:pPr>
-            <a:endParaRPr lang="en-US" dirty="0"/>
-          </a:p>
-          <a:p>
-            <a:pPr marL="0" indent="0">
-              <a:buFont typeface="Arial" panose="020B0604020202020204" pitchFamily="34" charset="0"/>
-              <a:buNone/>
-            </a:pPr>
-            <a:endParaRPr lang="en-US" dirty="0"/>
-          </a:p>
-          <a:p>
-            <a:pPr marL="0" indent="0">
-              <a:buFont typeface="Arial" panose="020B0604020202020204" pitchFamily="34" charset="0"/>
-              <a:buNone/>
-            </a:pPr>
-            <a:endParaRPr lang="en-US" dirty="0"/>
-          </a:p>
-          <a:p>
-            <a:pPr marL="0" indent="0">
-              <a:buFont typeface="Arial" panose="020B0604020202020204" pitchFamily="34" charset="0"/>
-              <a:buNone/>
-            </a:pPr>
-            <a:endParaRPr lang="en-CA" dirty="0"/>
-          </a:p>
-        </p:txBody>
-      </p:sp>
-      <p:sp>
-        <p:nvSpPr>
-          <p:cNvPr id="2" name="Content Placeholder 7">
-            <a:extLst>
-              <a:ext uri="{FF2B5EF4-FFF2-40B4-BE49-F238E27FC236}">
-                <a16:creationId xmlns:a16="http://schemas.microsoft.com/office/drawing/2014/main" id="{5DAE791B-F751-2BDC-D8A5-62ED5AE64703}"/>
-              </a:ext>
-            </a:extLst>
-          </p:cNvPr>
-          <p:cNvSpPr txBox="1">
-            <a:spLocks/>
-          </p:cNvSpPr>
-          <p:nvPr/>
-        </p:nvSpPr>
-        <p:spPr>
-          <a:xfrm>
-            <a:off x="628649" y="1118462"/>
-            <a:ext cx="3988711" cy="3885114"/>
-          </a:xfrm>
-          <a:prstGeom prst="rect">
-            <a:avLst/>
-          </a:prstGeom>
-        </p:spPr>
-        <p:txBody>
-          <a:bodyPr vert="horz" lIns="68580" tIns="34290" rIns="68580" bIns="34290" rtlCol="0">
-            <a:normAutofit fontScale="92500"/>
-          </a:bodyPr>
-          <a:lstStyle>
-            <a:lvl1pPr marL="171450" indent="-171450" algn="l" defTabSz="685800" rtl="0" eaLnBrk="1" latinLnBrk="0" hangingPunct="1">
-              <a:lnSpc>
-                <a:spcPct val="90000"/>
-              </a:lnSpc>
-              <a:spcBef>
-                <a:spcPts val="750"/>
-              </a:spcBef>
-              <a:buFont typeface="Arial" panose="020B0604020202020204" pitchFamily="34" charset="0"/>
-              <a:buChar char="•"/>
-              <a:defRPr sz="2100" kern="1200">
-                <a:solidFill>
-                  <a:schemeClr val="bg2">
-                    <a:lumMod val="25000"/>
-                  </a:schemeClr>
-                </a:solidFill>
-                <a:latin typeface="Verdana"/>
-                <a:ea typeface="+mn-ea"/>
-                <a:cs typeface="Verdana"/>
-              </a:defRPr>
-            </a:lvl1pPr>
-            <a:lvl2pPr marL="514350" indent="-171450" algn="l" defTabSz="685800" rtl="0" eaLnBrk="1" latinLnBrk="0" hangingPunct="1">
-              <a:lnSpc>
-                <a:spcPct val="90000"/>
-              </a:lnSpc>
-              <a:spcBef>
-                <a:spcPts val="375"/>
-              </a:spcBef>
-              <a:buFont typeface="Arial" panose="020B0604020202020204" pitchFamily="34" charset="0"/>
-              <a:buChar char="•"/>
-              <a:defRPr sz="1800" kern="1200">
-                <a:solidFill>
-                  <a:schemeClr val="bg2">
-                    <a:lumMod val="25000"/>
-                  </a:schemeClr>
-                </a:solidFill>
-                <a:latin typeface="Verdana"/>
-                <a:ea typeface="+mn-ea"/>
-                <a:cs typeface="Verdana"/>
-              </a:defRPr>
-            </a:lvl2pPr>
-            <a:lvl3pPr marL="857250" indent="-171450" algn="l" defTabSz="685800" rtl="0" eaLnBrk="1" latinLnBrk="0" hangingPunct="1">
-              <a:lnSpc>
-                <a:spcPct val="90000"/>
-              </a:lnSpc>
-              <a:spcBef>
-                <a:spcPts val="375"/>
-              </a:spcBef>
-              <a:buFont typeface="Arial" panose="020B0604020202020204" pitchFamily="34" charset="0"/>
-              <a:buChar char="•"/>
-              <a:defRPr sz="1500" kern="1200">
-                <a:solidFill>
-                  <a:schemeClr val="bg2">
-                    <a:lumMod val="25000"/>
-                  </a:schemeClr>
-                </a:solidFill>
-                <a:latin typeface="Verdana"/>
-                <a:ea typeface="+mn-ea"/>
-                <a:cs typeface="Verdana"/>
-              </a:defRPr>
-            </a:lvl3pPr>
-            <a:lvl4pPr marL="1200150" indent="-171450" algn="l" defTabSz="685800" rtl="0" eaLnBrk="1" latinLnBrk="0" hangingPunct="1">
-              <a:lnSpc>
-                <a:spcPct val="90000"/>
-              </a:lnSpc>
-              <a:spcBef>
-                <a:spcPts val="375"/>
-              </a:spcBef>
-              <a:buFont typeface="Arial" panose="020B0604020202020204" pitchFamily="34" charset="0"/>
-              <a:buChar char="•"/>
-              <a:defRPr sz="1400" kern="1200">
-                <a:solidFill>
-                  <a:schemeClr val="bg2">
-                    <a:lumMod val="25000"/>
-                  </a:schemeClr>
-                </a:solidFill>
-                <a:latin typeface="Verdana"/>
-                <a:ea typeface="+mn-ea"/>
-                <a:cs typeface="Verdana"/>
-              </a:defRPr>
-            </a:lvl4pPr>
-            <a:lvl5pPr marL="1543050" indent="-171450" algn="l" defTabSz="685800" rtl="0" eaLnBrk="1" latinLnBrk="0" hangingPunct="1">
-              <a:lnSpc>
-                <a:spcPct val="90000"/>
-              </a:lnSpc>
-              <a:spcBef>
-                <a:spcPts val="375"/>
-              </a:spcBef>
-              <a:buFont typeface="Arial" panose="020B0604020202020204" pitchFamily="34" charset="0"/>
-              <a:buChar char="•"/>
-              <a:defRPr sz="1400" kern="1200">
-                <a:solidFill>
-                  <a:schemeClr val="bg2">
-                    <a:lumMod val="25000"/>
-                  </a:schemeClr>
-                </a:solidFill>
-                <a:latin typeface="Verdana"/>
-                <a:ea typeface="+mn-ea"/>
-                <a:cs typeface="Verdana"/>
-              </a:defRPr>
-            </a:lvl5pPr>
-            <a:lvl6pPr marL="1885950" indent="-171450" algn="l" defTabSz="685800" rtl="0" eaLnBrk="1" latinLnBrk="0" hangingPunct="1">
-              <a:lnSpc>
-                <a:spcPct val="90000"/>
-              </a:lnSpc>
-              <a:spcBef>
-                <a:spcPts val="375"/>
-              </a:spcBef>
-              <a:buFont typeface="Arial" panose="020B0604020202020204" pitchFamily="34" charset="0"/>
-              <a:buChar char="•"/>
-              <a:defRPr sz="1400" kern="1200">
-                <a:solidFill>
-                  <a:schemeClr val="tx1"/>
-                </a:solidFill>
-                <a:latin typeface="+mn-lt"/>
-                <a:ea typeface="+mn-ea"/>
-                <a:cs typeface="+mn-cs"/>
-              </a:defRPr>
-            </a:lvl6pPr>
-            <a:lvl7pPr marL="2228850" indent="-171450" algn="l" defTabSz="685800" rtl="0" eaLnBrk="1" latinLnBrk="0" hangingPunct="1">
-              <a:lnSpc>
-                <a:spcPct val="90000"/>
-              </a:lnSpc>
-              <a:spcBef>
-                <a:spcPts val="375"/>
-              </a:spcBef>
-              <a:buFont typeface="Arial" panose="020B0604020202020204" pitchFamily="34" charset="0"/>
-              <a:buChar char="•"/>
-              <a:defRPr sz="1400" kern="1200">
-                <a:solidFill>
-                  <a:schemeClr val="tx1"/>
-                </a:solidFill>
-                <a:latin typeface="+mn-lt"/>
-                <a:ea typeface="+mn-ea"/>
-                <a:cs typeface="+mn-cs"/>
-              </a:defRPr>
-            </a:lvl7pPr>
-            <a:lvl8pPr marL="2571750" indent="-171450" algn="l" defTabSz="685800" rtl="0" eaLnBrk="1" latinLnBrk="0" hangingPunct="1">
-              <a:lnSpc>
-                <a:spcPct val="90000"/>
-              </a:lnSpc>
-              <a:spcBef>
-                <a:spcPts val="375"/>
-              </a:spcBef>
-              <a:buFont typeface="Arial" panose="020B0604020202020204" pitchFamily="34" charset="0"/>
-              <a:buChar char="•"/>
-              <a:defRPr sz="1400" kern="1200">
-                <a:solidFill>
-                  <a:schemeClr val="tx1"/>
-                </a:solidFill>
-                <a:latin typeface="+mn-lt"/>
-                <a:ea typeface="+mn-ea"/>
-                <a:cs typeface="+mn-cs"/>
-              </a:defRPr>
-            </a:lvl8pPr>
-            <a:lvl9pPr marL="2914650" indent="-171450" algn="l" defTabSz="685800" rtl="0" eaLnBrk="1" latinLnBrk="0" hangingPunct="1">
-              <a:lnSpc>
-                <a:spcPct val="90000"/>
-              </a:lnSpc>
-              <a:spcBef>
-                <a:spcPts val="375"/>
-              </a:spcBef>
-              <a:buFont typeface="Arial" panose="020B0604020202020204" pitchFamily="34" charset="0"/>
-              <a:buChar char="•"/>
-              <a:defRPr sz="1400" kern="1200">
-                <a:solidFill>
-                  <a:schemeClr val="tx1"/>
-                </a:solidFill>
-                <a:latin typeface="+mn-lt"/>
-                <a:ea typeface="+mn-ea"/>
-                <a:cs typeface="+mn-cs"/>
-              </a:defRPr>
-            </a:lvl9pPr>
-          </a:lstStyle>
-          <a:p>
-            <a:pPr>
-              <a:lnSpc>
-                <a:spcPct val="130000"/>
-              </a:lnSpc>
-            </a:pPr>
-            <a:r>
-              <a:rPr lang="en-US" sz="2000" dirty="0"/>
-              <a:t>Finding agreement on RI </a:t>
-            </a:r>
-            <a:r>
-              <a:rPr lang="en-US" sz="2000" b="1" dirty="0"/>
-              <a:t>definition</a:t>
-            </a:r>
-          </a:p>
-          <a:p>
-            <a:pPr>
-              <a:lnSpc>
-                <a:spcPct val="130000"/>
-              </a:lnSpc>
-            </a:pPr>
-            <a:r>
-              <a:rPr lang="en-US" sz="2000" dirty="0"/>
-              <a:t>Finding agreement on the RI</a:t>
-            </a:r>
-            <a:r>
-              <a:rPr lang="en-US" sz="2000" b="1" dirty="0"/>
-              <a:t> inputs</a:t>
-            </a:r>
-          </a:p>
-          <a:p>
-            <a:pPr>
-              <a:lnSpc>
-                <a:spcPct val="130000"/>
-              </a:lnSpc>
-            </a:pPr>
-            <a:r>
-              <a:rPr lang="en-US" sz="2000" dirty="0"/>
-              <a:t>Finding agreement on RI </a:t>
-            </a:r>
-            <a:r>
-              <a:rPr lang="en-US" sz="2000" b="1" dirty="0"/>
-              <a:t>weights</a:t>
-            </a:r>
-            <a:endParaRPr lang="en-US" sz="2000" dirty="0"/>
-          </a:p>
-          <a:p>
-            <a:pPr>
-              <a:lnSpc>
-                <a:spcPct val="130000"/>
-              </a:lnSpc>
-            </a:pPr>
-            <a:r>
-              <a:rPr lang="en-US" sz="2000" dirty="0"/>
-              <a:t>Communicating what RI is good at explaining and where it falls short (</a:t>
-            </a:r>
-            <a:r>
-              <a:rPr lang="en-US" sz="2000" b="1" dirty="0"/>
-              <a:t>limitations</a:t>
-            </a:r>
-            <a:r>
-              <a:rPr lang="en-US" sz="2000" dirty="0"/>
-              <a:t>)</a:t>
-            </a:r>
-          </a:p>
-          <a:p>
-            <a:pPr marL="0" indent="0">
-              <a:buFont typeface="Arial" panose="020B0604020202020204" pitchFamily="34" charset="0"/>
-              <a:buNone/>
-            </a:pPr>
-            <a:endParaRPr lang="en-US" dirty="0"/>
-          </a:p>
-          <a:p>
-            <a:pPr marL="0" indent="0">
-              <a:buFont typeface="Arial" panose="020B0604020202020204" pitchFamily="34" charset="0"/>
-              <a:buNone/>
-            </a:pPr>
-            <a:endParaRPr lang="en-US" dirty="0"/>
-          </a:p>
-          <a:p>
-            <a:pPr marL="0" indent="0">
-              <a:buFont typeface="Arial" panose="020B0604020202020204" pitchFamily="34" charset="0"/>
-              <a:buNone/>
-            </a:pPr>
-            <a:endParaRPr lang="en-US" dirty="0"/>
-          </a:p>
-          <a:p>
-            <a:pPr marL="0" indent="0">
-              <a:buFont typeface="Arial" panose="020B0604020202020204" pitchFamily="34" charset="0"/>
-              <a:buNone/>
-            </a:pPr>
-            <a:endParaRPr lang="en-US" dirty="0"/>
-          </a:p>
-          <a:p>
-            <a:pPr marL="0" indent="0">
-              <a:buFont typeface="Arial" panose="020B0604020202020204" pitchFamily="34" charset="0"/>
-              <a:buNone/>
-            </a:pPr>
-            <a:endParaRPr lang="en-US" dirty="0"/>
-          </a:p>
-          <a:p>
-            <a:pPr marL="0" indent="0">
-              <a:buFont typeface="Arial" panose="020B0604020202020204" pitchFamily="34" charset="0"/>
-              <a:buNone/>
-            </a:pPr>
-            <a:endParaRPr lang="en-US" dirty="0"/>
-          </a:p>
-          <a:p>
-            <a:pPr marL="0" indent="0">
-              <a:buFont typeface="Arial" panose="020B0604020202020204" pitchFamily="34" charset="0"/>
-              <a:buNone/>
-            </a:pPr>
-            <a:endParaRPr lang="en-CA" dirty="0"/>
-          </a:p>
-        </p:txBody>
-      </p:sp>
-      <p:sp>
-        <p:nvSpPr>
-          <p:cNvPr id="10" name="TextBox 9">
-            <a:extLst>
-              <a:ext uri="{FF2B5EF4-FFF2-40B4-BE49-F238E27FC236}">
-                <a16:creationId xmlns:a16="http://schemas.microsoft.com/office/drawing/2014/main" id="{9F54CBE6-2368-27E2-3B35-AF3A3B4C71B4}"/>
-              </a:ext>
-            </a:extLst>
-          </p:cNvPr>
-          <p:cNvSpPr txBox="1"/>
-          <p:nvPr/>
-        </p:nvSpPr>
-        <p:spPr>
-          <a:xfrm>
-            <a:off x="6532830" y="4707268"/>
-            <a:ext cx="1032165" cy="246221"/>
-          </a:xfrm>
-          <a:prstGeom prst="rect">
-            <a:avLst/>
-          </a:prstGeom>
-          <a:noFill/>
-          <a:ln>
-            <a:solidFill>
-              <a:schemeClr val="tx1"/>
-            </a:solidFill>
-          </a:ln>
-        </p:spPr>
-        <p:txBody>
-          <a:bodyPr wrap="square" rtlCol="0">
-            <a:spAutoFit/>
-          </a:bodyPr>
-          <a:lstStyle/>
-          <a:p>
-            <a:r>
-              <a:rPr lang="en-US" sz="1000" b="1" dirty="0">
-                <a:latin typeface="Tahoma" panose="020B0604030504040204" pitchFamily="34" charset="0"/>
-                <a:ea typeface="Tahoma" panose="020B0604030504040204" pitchFamily="34" charset="0"/>
-                <a:cs typeface="Tahoma" panose="020B0604030504040204" pitchFamily="34" charset="0"/>
-              </a:rPr>
-              <a:t>High</a:t>
-            </a:r>
-            <a:r>
-              <a:rPr lang="en-US" sz="1000" dirty="0">
-                <a:latin typeface="Tahoma" panose="020B0604030504040204" pitchFamily="34" charset="0"/>
-                <a:ea typeface="Tahoma" panose="020B0604030504040204" pitchFamily="34" charset="0"/>
-                <a:cs typeface="Tahoma" panose="020B0604030504040204" pitchFamily="34" charset="0"/>
-              </a:rPr>
-              <a:t> RI Value</a:t>
-            </a:r>
-            <a:endParaRPr lang="en-CA" sz="1000" dirty="0">
-              <a:latin typeface="Tahoma" panose="020B0604030504040204" pitchFamily="34" charset="0"/>
-              <a:ea typeface="Tahoma" panose="020B0604030504040204" pitchFamily="34" charset="0"/>
-              <a:cs typeface="Tahoma" panose="020B0604030504040204" pitchFamily="34" charset="0"/>
-            </a:endParaRPr>
-          </a:p>
-        </p:txBody>
-      </p:sp>
-      <p:sp>
-        <p:nvSpPr>
-          <p:cNvPr id="11" name="TextBox 10">
-            <a:extLst>
-              <a:ext uri="{FF2B5EF4-FFF2-40B4-BE49-F238E27FC236}">
-                <a16:creationId xmlns:a16="http://schemas.microsoft.com/office/drawing/2014/main" id="{84B47D9C-FE6A-4006-7116-FA3E65AA68CC}"/>
-              </a:ext>
-            </a:extLst>
-          </p:cNvPr>
-          <p:cNvSpPr txBox="1"/>
-          <p:nvPr/>
-        </p:nvSpPr>
-        <p:spPr>
-          <a:xfrm>
-            <a:off x="6795681" y="916015"/>
-            <a:ext cx="964003" cy="246221"/>
-          </a:xfrm>
-          <a:prstGeom prst="rect">
-            <a:avLst/>
-          </a:prstGeom>
-          <a:noFill/>
-          <a:ln>
-            <a:solidFill>
-              <a:schemeClr val="tx1"/>
-            </a:solidFill>
-          </a:ln>
-        </p:spPr>
-        <p:txBody>
-          <a:bodyPr wrap="square" rtlCol="0">
-            <a:spAutoFit/>
-          </a:bodyPr>
-          <a:lstStyle/>
-          <a:p>
-            <a:r>
-              <a:rPr lang="en-US" sz="1000" b="1" dirty="0">
-                <a:latin typeface="Tahoma" panose="020B0604030504040204" pitchFamily="34" charset="0"/>
-                <a:ea typeface="Tahoma" panose="020B0604030504040204" pitchFamily="34" charset="0"/>
-                <a:cs typeface="Tahoma" panose="020B0604030504040204" pitchFamily="34" charset="0"/>
-              </a:rPr>
-              <a:t>Low</a:t>
-            </a:r>
-            <a:r>
-              <a:rPr lang="en-US" sz="1000" dirty="0">
-                <a:latin typeface="Tahoma" panose="020B0604030504040204" pitchFamily="34" charset="0"/>
-                <a:ea typeface="Tahoma" panose="020B0604030504040204" pitchFamily="34" charset="0"/>
-                <a:cs typeface="Tahoma" panose="020B0604030504040204" pitchFamily="34" charset="0"/>
-              </a:rPr>
-              <a:t> RI Value</a:t>
-            </a:r>
-            <a:endParaRPr lang="en-CA" sz="1000" dirty="0">
-              <a:latin typeface="Tahoma" panose="020B0604030504040204" pitchFamily="34" charset="0"/>
-              <a:ea typeface="Tahoma" panose="020B0604030504040204" pitchFamily="34" charset="0"/>
-              <a:cs typeface="Tahoma" panose="020B0604030504040204" pitchFamily="34" charset="0"/>
-            </a:endParaRPr>
-          </a:p>
-        </p:txBody>
-      </p:sp>
-      <p:cxnSp>
-        <p:nvCxnSpPr>
-          <p:cNvPr id="13" name="Straight Arrow Connector 12">
-            <a:extLst>
-              <a:ext uri="{FF2B5EF4-FFF2-40B4-BE49-F238E27FC236}">
-                <a16:creationId xmlns:a16="http://schemas.microsoft.com/office/drawing/2014/main" id="{953B2240-44CC-384A-5E8B-0A7604709AF6}"/>
-              </a:ext>
-            </a:extLst>
-          </p:cNvPr>
-          <p:cNvCxnSpPr>
-            <a:cxnSpLocks/>
-          </p:cNvCxnSpPr>
-          <p:nvPr/>
-        </p:nvCxnSpPr>
-        <p:spPr>
-          <a:xfrm flipH="1" flipV="1">
-            <a:off x="6532830" y="4294909"/>
-            <a:ext cx="380588" cy="406697"/>
-          </a:xfrm>
-          <a:prstGeom prst="straightConnector1">
-            <a:avLst/>
-          </a:prstGeom>
-          <a:ln>
-            <a:tailEnd type="triangle"/>
-          </a:ln>
-        </p:spPr>
-        <p:style>
-          <a:lnRef idx="1">
-            <a:schemeClr val="dk1"/>
-          </a:lnRef>
-          <a:fillRef idx="0">
-            <a:schemeClr val="dk1"/>
-          </a:fillRef>
-          <a:effectRef idx="0">
-            <a:schemeClr val="dk1"/>
-          </a:effectRef>
-          <a:fontRef idx="minor">
-            <a:schemeClr val="tx1"/>
-          </a:fontRef>
-        </p:style>
-      </p:cxnSp>
-      <p:cxnSp>
-        <p:nvCxnSpPr>
-          <p:cNvPr id="18" name="Straight Arrow Connector 17">
-            <a:extLst>
-              <a:ext uri="{FF2B5EF4-FFF2-40B4-BE49-F238E27FC236}">
-                <a16:creationId xmlns:a16="http://schemas.microsoft.com/office/drawing/2014/main" id="{1BA1A699-EE5C-7772-4C2F-1C559F35DFC7}"/>
-              </a:ext>
-            </a:extLst>
-          </p:cNvPr>
-          <p:cNvCxnSpPr>
-            <a:cxnSpLocks/>
-          </p:cNvCxnSpPr>
-          <p:nvPr/>
-        </p:nvCxnSpPr>
-        <p:spPr>
-          <a:xfrm flipH="1">
-            <a:off x="6248400" y="1165716"/>
-            <a:ext cx="665018" cy="469077"/>
-          </a:xfrm>
-          <a:prstGeom prst="straightConnector1">
-            <a:avLst/>
-          </a:prstGeom>
-          <a:ln>
-            <a:tailEnd type="triangle"/>
-          </a:ln>
-        </p:spPr>
-        <p:style>
-          <a:lnRef idx="1">
-            <a:schemeClr val="dk1"/>
-          </a:lnRef>
-          <a:fillRef idx="0">
-            <a:schemeClr val="dk1"/>
-          </a:fillRef>
-          <a:effectRef idx="0">
-            <a:schemeClr val="dk1"/>
-          </a:effectRef>
-          <a:fontRef idx="minor">
-            <a:schemeClr val="tx1"/>
-          </a:fontRef>
-        </p:style>
-      </p:cxnSp>
-    </p:spTree>
-    <p:extLst>
-      <p:ext uri="{BB962C8B-B14F-4D97-AF65-F5344CB8AC3E}">
-        <p14:creationId xmlns:p14="http://schemas.microsoft.com/office/powerpoint/2010/main" val="484331973"/>
       </p:ext>
     </p:extLst>
   </p:cSld>
@@ -12982,6 +12002,51 @@
           <a:chExt cx="0" cy="0"/>
         </a:xfrm>
       </p:grpSpPr>
+      <p:pic>
+        <p:nvPicPr>
+          <p:cNvPr id="5" name="Picture 4">
+            <a:extLst>
+              <a:ext uri="{FF2B5EF4-FFF2-40B4-BE49-F238E27FC236}">
+                <a16:creationId xmlns:a16="http://schemas.microsoft.com/office/drawing/2014/main" id="{A5BD1FFB-C6C9-B9CC-9710-4314A5417040}"/>
+              </a:ext>
+            </a:extLst>
+          </p:cNvPr>
+          <p:cNvPicPr>
+            <a:picLocks noChangeAspect="1"/>
+          </p:cNvPicPr>
+          <p:nvPr/>
+        </p:nvPicPr>
+        <p:blipFill>
+          <a:blip r:embed="rId3">
+            <a:alphaModFix/>
+            <a:extLst>
+              <a:ext uri="{BEBA8EAE-BF5A-486C-A8C5-ECC9F3942E4B}">
+                <a14:imgProps xmlns:a14="http://schemas.microsoft.com/office/drawing/2010/main">
+                  <a14:imgLayer r:embed="rId4">
+                    <a14:imgEffect>
+                      <a14:backgroundRemoval t="10000" b="90000" l="10000" r="90000"/>
+                    </a14:imgEffect>
+                  </a14:imgLayer>
+                </a14:imgProps>
+              </a:ext>
+              <a:ext uri="{28A0092B-C50C-407E-A947-70E740481C1C}">
+                <a14:useLocalDpi xmlns:a14="http://schemas.microsoft.com/office/drawing/2010/main" val="0"/>
+              </a:ext>
+            </a:extLst>
+          </a:blip>
+          <a:srcRect/>
+          <a:stretch/>
+        </p:blipFill>
+        <p:spPr>
+          <a:xfrm>
+            <a:off x="4592782" y="393106"/>
+            <a:ext cx="3377537" cy="4370936"/>
+          </a:xfrm>
+          <a:prstGeom prst="rect">
+            <a:avLst/>
+          </a:prstGeom>
+        </p:spPr>
+      </p:pic>
       <p:sp>
         <p:nvSpPr>
           <p:cNvPr id="6" name="Title 5">
@@ -13005,7 +12070,7 @@
           <a:p>
             <a:r>
               <a:rPr lang="en-US" dirty="0"/>
-              <a:t>RI BUILDER</a:t>
+              <a:t>NEXT STEPS</a:t>
             </a:r>
             <a:endParaRPr lang="en-CA" dirty="0"/>
           </a:p>
@@ -13305,8 +12370,8 @@
         </p:nvSpPr>
         <p:spPr>
           <a:xfrm>
-            <a:off x="628650" y="1118462"/>
-            <a:ext cx="7620828" cy="3250976"/>
+            <a:off x="628649" y="1118462"/>
+            <a:ext cx="3988711" cy="3885114"/>
           </a:xfrm>
           <a:prstGeom prst="rect">
             <a:avLst/>
@@ -13314,7 +12379,7 @@
         </p:spPr>
         <p:txBody>
           <a:bodyPr vert="horz" lIns="68580" tIns="34290" rIns="68580" bIns="34290" rtlCol="0">
-            <a:normAutofit fontScale="92500" lnSpcReduction="10000"/>
+            <a:normAutofit fontScale="92500"/>
           </a:bodyPr>
           <a:lstStyle>
             <a:lvl1pPr marL="171450" indent="-171450" algn="l" defTabSz="685800" rtl="0" eaLnBrk="1" latinLnBrk="0" hangingPunct="1">
@@ -13498,7 +12563,11 @@
             </a:pPr>
             <a:r>
               <a:rPr lang="en-US" sz="2000" dirty="0"/>
-              <a:t>As you increase the weight, the feature</a:t>
+              <a:t>Finding agreement on RI </a:t>
+            </a:r>
+            <a:r>
+              <a:rPr lang="en-US" sz="2000" b="1" dirty="0"/>
+              <a:t>definition</a:t>
             </a:r>
           </a:p>
           <a:p>
@@ -13509,15 +12578,46 @@
             </a:pPr>
             <a:r>
               <a:rPr lang="en-US" sz="2000" dirty="0"/>
-              <a:t>Users can </a:t>
+              <a:t>Finding agreement on the RI</a:t>
             </a:r>
             <a:r>
               <a:rPr lang="en-US" sz="2000" b="1" dirty="0"/>
-              <a:t>change</a:t>
-            </a:r>
+              <a:t> inputs</a:t>
+            </a:r>
+          </a:p>
+          <a:p>
+            <a:pPr>
+              <a:lnSpc>
+                <a:spcPct val="130000"/>
+              </a:lnSpc>
+            </a:pPr>
             <a:r>
               <a:rPr lang="en-US" sz="2000" dirty="0"/>
-              <a:t> weights and update the RI in real time. This provides a means to reason with the relative importance of layers that comprise the index</a:t>
+              <a:t>Finding agreement on RI </a:t>
+            </a:r>
+            <a:r>
+              <a:rPr lang="en-US" sz="2000" b="1" dirty="0"/>
+              <a:t>weights</a:t>
+            </a:r>
+            <a:endParaRPr lang="en-US" sz="2000" dirty="0"/>
+          </a:p>
+          <a:p>
+            <a:pPr>
+              <a:lnSpc>
+                <a:spcPct val="130000"/>
+              </a:lnSpc>
+            </a:pPr>
+            <a:r>
+              <a:rPr lang="en-US" sz="2000" dirty="0"/>
+              <a:t>Communicating what RI is good at explaining and where it falls short (</a:t>
+            </a:r>
+            <a:r>
+              <a:rPr lang="en-US" sz="2000" b="1" dirty="0"/>
+              <a:t>limitations</a:t>
+            </a:r>
+            <a:r>
+              <a:rPr lang="en-US" sz="2000" dirty="0"/>
+              <a:t>)</a:t>
             </a:r>
           </a:p>
           <a:p>
@@ -13532,34 +12632,7 @@
               <a:buFont typeface="Arial" panose="020B0604020202020204" pitchFamily="34" charset="0"/>
               <a:buNone/>
             </a:pPr>
-            <a:r>
-              <a:rPr lang="en-US" sz="1500" b="1" dirty="0"/>
-              <a:t>Main App Features:</a:t>
-            </a:r>
-          </a:p>
-          <a:p>
-            <a:r>
-              <a:rPr lang="en-US" sz="1300" dirty="0"/>
-              <a:t>RI map display</a:t>
-            </a:r>
-          </a:p>
-          <a:p>
-            <a:r>
-              <a:rPr lang="en-US" sz="1300" dirty="0"/>
-              <a:t>RI equation display</a:t>
-            </a:r>
-          </a:p>
-          <a:p>
-            <a:r>
-              <a:rPr lang="en-US" sz="1300" dirty="0"/>
-              <a:t>RI point extractions and pop-up</a:t>
-            </a:r>
-          </a:p>
-          <a:p>
-            <a:r>
-              <a:rPr lang="en-US" sz="1300" dirty="0"/>
-              <a:t>RI download</a:t>
-            </a:r>
+            <a:endParaRPr lang="en-US" dirty="0"/>
           </a:p>
           <a:p>
             <a:pPr marL="0" indent="0">
@@ -13594,28 +12667,210 @@
               <a:buFont typeface="Arial" panose="020B0604020202020204" pitchFamily="34" charset="0"/>
               <a:buNone/>
             </a:pPr>
-            <a:endParaRPr lang="en-US" dirty="0"/>
-          </a:p>
-          <a:p>
-            <a:pPr marL="0" indent="0">
-              <a:buFont typeface="Arial" panose="020B0604020202020204" pitchFamily="34" charset="0"/>
-              <a:buNone/>
-            </a:pPr>
-            <a:endParaRPr lang="en-US" dirty="0"/>
-          </a:p>
-          <a:p>
-            <a:pPr marL="0" indent="0">
-              <a:buFont typeface="Arial" panose="020B0604020202020204" pitchFamily="34" charset="0"/>
-              <a:buNone/>
-            </a:pPr>
             <a:endParaRPr lang="en-CA" dirty="0"/>
           </a:p>
         </p:txBody>
       </p:sp>
+      <p:sp>
+        <p:nvSpPr>
+          <p:cNvPr id="10" name="TextBox 9">
+            <a:extLst>
+              <a:ext uri="{FF2B5EF4-FFF2-40B4-BE49-F238E27FC236}">
+                <a16:creationId xmlns:a16="http://schemas.microsoft.com/office/drawing/2014/main" id="{9F54CBE6-2368-27E2-3B35-AF3A3B4C71B4}"/>
+              </a:ext>
+            </a:extLst>
+          </p:cNvPr>
+          <p:cNvSpPr txBox="1"/>
+          <p:nvPr/>
+        </p:nvSpPr>
+        <p:spPr>
+          <a:xfrm>
+            <a:off x="6532830" y="4707268"/>
+            <a:ext cx="1032165" cy="246221"/>
+          </a:xfrm>
+          <a:prstGeom prst="rect">
+            <a:avLst/>
+          </a:prstGeom>
+          <a:noFill/>
+          <a:ln>
+            <a:solidFill>
+              <a:schemeClr val="tx1"/>
+            </a:solidFill>
+          </a:ln>
+        </p:spPr>
+        <p:txBody>
+          <a:bodyPr wrap="square" rtlCol="0">
+            <a:spAutoFit/>
+          </a:bodyPr>
+          <a:lstStyle/>
+          <a:p>
+            <a:r>
+              <a:rPr lang="en-US" sz="1000" b="1" dirty="0">
+                <a:latin typeface="Tahoma" panose="020B0604030504040204" pitchFamily="34" charset="0"/>
+                <a:ea typeface="Tahoma" panose="020B0604030504040204" pitchFamily="34" charset="0"/>
+                <a:cs typeface="Tahoma" panose="020B0604030504040204" pitchFamily="34" charset="0"/>
+              </a:rPr>
+              <a:t>High</a:t>
+            </a:r>
+            <a:r>
+              <a:rPr lang="en-US" sz="1000" dirty="0">
+                <a:latin typeface="Tahoma" panose="020B0604030504040204" pitchFamily="34" charset="0"/>
+                <a:ea typeface="Tahoma" panose="020B0604030504040204" pitchFamily="34" charset="0"/>
+                <a:cs typeface="Tahoma" panose="020B0604030504040204" pitchFamily="34" charset="0"/>
+              </a:rPr>
+              <a:t> RI Value</a:t>
+            </a:r>
+            <a:endParaRPr lang="en-CA" sz="1000" dirty="0">
+              <a:latin typeface="Tahoma" panose="020B0604030504040204" pitchFamily="34" charset="0"/>
+              <a:ea typeface="Tahoma" panose="020B0604030504040204" pitchFamily="34" charset="0"/>
+              <a:cs typeface="Tahoma" panose="020B0604030504040204" pitchFamily="34" charset="0"/>
+            </a:endParaRPr>
+          </a:p>
+        </p:txBody>
+      </p:sp>
+      <p:sp>
+        <p:nvSpPr>
+          <p:cNvPr id="11" name="TextBox 10">
+            <a:extLst>
+              <a:ext uri="{FF2B5EF4-FFF2-40B4-BE49-F238E27FC236}">
+                <a16:creationId xmlns:a16="http://schemas.microsoft.com/office/drawing/2014/main" id="{84B47D9C-FE6A-4006-7116-FA3E65AA68CC}"/>
+              </a:ext>
+            </a:extLst>
+          </p:cNvPr>
+          <p:cNvSpPr txBox="1"/>
+          <p:nvPr/>
+        </p:nvSpPr>
+        <p:spPr>
+          <a:xfrm>
+            <a:off x="6795681" y="916015"/>
+            <a:ext cx="964003" cy="246221"/>
+          </a:xfrm>
+          <a:prstGeom prst="rect">
+            <a:avLst/>
+          </a:prstGeom>
+          <a:noFill/>
+          <a:ln>
+            <a:solidFill>
+              <a:schemeClr val="tx1"/>
+            </a:solidFill>
+          </a:ln>
+        </p:spPr>
+        <p:txBody>
+          <a:bodyPr wrap="square" rtlCol="0">
+            <a:spAutoFit/>
+          </a:bodyPr>
+          <a:lstStyle/>
+          <a:p>
+            <a:r>
+              <a:rPr lang="en-US" sz="1000" b="1" dirty="0">
+                <a:latin typeface="Tahoma" panose="020B0604030504040204" pitchFamily="34" charset="0"/>
+                <a:ea typeface="Tahoma" panose="020B0604030504040204" pitchFamily="34" charset="0"/>
+                <a:cs typeface="Tahoma" panose="020B0604030504040204" pitchFamily="34" charset="0"/>
+              </a:rPr>
+              <a:t>Low</a:t>
+            </a:r>
+            <a:r>
+              <a:rPr lang="en-US" sz="1000" dirty="0">
+                <a:latin typeface="Tahoma" panose="020B0604030504040204" pitchFamily="34" charset="0"/>
+                <a:ea typeface="Tahoma" panose="020B0604030504040204" pitchFamily="34" charset="0"/>
+                <a:cs typeface="Tahoma" panose="020B0604030504040204" pitchFamily="34" charset="0"/>
+              </a:rPr>
+              <a:t> RI Value</a:t>
+            </a:r>
+            <a:endParaRPr lang="en-CA" sz="1000" dirty="0">
+              <a:latin typeface="Tahoma" panose="020B0604030504040204" pitchFamily="34" charset="0"/>
+              <a:ea typeface="Tahoma" panose="020B0604030504040204" pitchFamily="34" charset="0"/>
+              <a:cs typeface="Tahoma" panose="020B0604030504040204" pitchFamily="34" charset="0"/>
+            </a:endParaRPr>
+          </a:p>
+        </p:txBody>
+      </p:sp>
+      <p:cxnSp>
+        <p:nvCxnSpPr>
+          <p:cNvPr id="13" name="Straight Arrow Connector 12">
+            <a:extLst>
+              <a:ext uri="{FF2B5EF4-FFF2-40B4-BE49-F238E27FC236}">
+                <a16:creationId xmlns:a16="http://schemas.microsoft.com/office/drawing/2014/main" id="{953B2240-44CC-384A-5E8B-0A7604709AF6}"/>
+              </a:ext>
+            </a:extLst>
+          </p:cNvPr>
+          <p:cNvCxnSpPr>
+            <a:cxnSpLocks/>
+          </p:cNvCxnSpPr>
+          <p:nvPr/>
+        </p:nvCxnSpPr>
+        <p:spPr>
+          <a:xfrm flipH="1" flipV="1">
+            <a:off x="6532830" y="4294909"/>
+            <a:ext cx="380588" cy="406697"/>
+          </a:xfrm>
+          <a:prstGeom prst="straightConnector1">
+            <a:avLst/>
+          </a:prstGeom>
+          <a:ln>
+            <a:tailEnd type="triangle"/>
+          </a:ln>
+        </p:spPr>
+        <p:style>
+          <a:lnRef idx="1">
+            <a:schemeClr val="dk1"/>
+          </a:lnRef>
+          <a:fillRef idx="0">
+            <a:schemeClr val="dk1"/>
+          </a:fillRef>
+          <a:effectRef idx="0">
+            <a:schemeClr val="dk1"/>
+          </a:effectRef>
+          <a:fontRef idx="minor">
+            <a:schemeClr val="tx1"/>
+          </a:fontRef>
+        </p:style>
+      </p:cxnSp>
+      <p:cxnSp>
+        <p:nvCxnSpPr>
+          <p:cNvPr id="18" name="Straight Arrow Connector 17">
+            <a:extLst>
+              <a:ext uri="{FF2B5EF4-FFF2-40B4-BE49-F238E27FC236}">
+                <a16:creationId xmlns:a16="http://schemas.microsoft.com/office/drawing/2014/main" id="{1BA1A699-EE5C-7772-4C2F-1C559F35DFC7}"/>
+              </a:ext>
+            </a:extLst>
+          </p:cNvPr>
+          <p:cNvCxnSpPr>
+            <a:cxnSpLocks/>
+          </p:cNvCxnSpPr>
+          <p:nvPr/>
+        </p:nvCxnSpPr>
+        <p:spPr>
+          <a:xfrm flipH="1">
+            <a:off x="6248400" y="1165716"/>
+            <a:ext cx="665018" cy="469077"/>
+          </a:xfrm>
+          <a:prstGeom prst="straightConnector1">
+            <a:avLst/>
+          </a:prstGeom>
+          <a:ln>
+            <a:tailEnd type="triangle"/>
+          </a:ln>
+        </p:spPr>
+        <p:style>
+          <a:lnRef idx="1">
+            <a:schemeClr val="dk1"/>
+          </a:lnRef>
+          <a:fillRef idx="0">
+            <a:schemeClr val="dk1"/>
+          </a:fillRef>
+          <a:effectRef idx="0">
+            <a:schemeClr val="dk1"/>
+          </a:effectRef>
+          <a:fontRef idx="minor">
+            <a:schemeClr val="tx1"/>
+          </a:fontRef>
+        </p:style>
+      </p:cxnSp>
     </p:spTree>
     <p:extLst>
       <p:ext uri="{BB962C8B-B14F-4D97-AF65-F5344CB8AC3E}">
-        <p14:creationId xmlns:p14="http://schemas.microsoft.com/office/powerpoint/2010/main" val="3143343921"/>
+        <p14:creationId xmlns:p14="http://schemas.microsoft.com/office/powerpoint/2010/main" val="484331973"/>
       </p:ext>
     </p:extLst>
   </p:cSld>
@@ -14612,16 +13867,16 @@
 <file path=customXml/itemProps1.xml><?xml version="1.0" encoding="utf-8"?>
 <ds:datastoreItem xmlns:ds="http://schemas.openxmlformats.org/officeDocument/2006/customXml" ds:itemID="{9C876B4E-9239-4840-BF5E-B55D728E076B}">
   <ds:schemaRefs>
+    <ds:schemaRef ds:uri="http://schemas.microsoft.com/office/infopath/2007/PartnerControls"/>
+    <ds:schemaRef ds:uri="http://purl.org/dc/terms/"/>
+    <ds:schemaRef ds:uri="http://purl.org/dc/elements/1.1/"/>
+    <ds:schemaRef ds:uri="9daf4fce-efdb-4f08-985f-94c0458ac4da"/>
+    <ds:schemaRef ds:uri="http://www.w3.org/XML/1998/namespace"/>
     <ds:schemaRef ds:uri="http://schemas.microsoft.com/office/2006/documentManagement/types"/>
     <ds:schemaRef ds:uri="http://purl.org/dc/dcmitype/"/>
-    <ds:schemaRef ds:uri="9daf4fce-efdb-4f08-985f-94c0458ac4da"/>
-    <ds:schemaRef ds:uri="http://purl.org/dc/terms/"/>
-    <ds:schemaRef ds:uri="http://purl.org/dc/elements/1.1/"/>
-    <ds:schemaRef ds:uri="http://schemas.microsoft.com/office/infopath/2007/PartnerControls"/>
-    <ds:schemaRef ds:uri="http://schemas.microsoft.com/office/2006/metadata/properties"/>
     <ds:schemaRef ds:uri="http://schemas.openxmlformats.org/package/2006/metadata/core-properties"/>
     <ds:schemaRef ds:uri="b73fb41d-4db5-49df-b889-ce373c40e3ec"/>
-    <ds:schemaRef ds:uri="http://www.w3.org/XML/1998/namespace"/>
+    <ds:schemaRef ds:uri="http://schemas.microsoft.com/office/2006/metadata/properties"/>
   </ds:schemaRefs>
 </ds:datastoreItem>
 </file>

--- a/www/RI_GUIDE.pptx
+++ b/www/RI_GUIDE.pptx
@@ -11972,6 +11972,89 @@
           </a:fontRef>
         </p:style>
       </p:cxnSp>
+      <p:sp>
+        <p:nvSpPr>
+          <p:cNvPr id="5" name="TextBox 4">
+            <a:extLst>
+              <a:ext uri="{FF2B5EF4-FFF2-40B4-BE49-F238E27FC236}">
+                <a16:creationId xmlns:a16="http://schemas.microsoft.com/office/drawing/2014/main" id="{8D8E333D-A3B5-9B86-FC87-A8A7C699CF3C}"/>
+              </a:ext>
+            </a:extLst>
+          </p:cNvPr>
+          <p:cNvSpPr txBox="1"/>
+          <p:nvPr/>
+        </p:nvSpPr>
+        <p:spPr>
+          <a:xfrm>
+            <a:off x="3654287" y="1638806"/>
+            <a:ext cx="781053" cy="246221"/>
+          </a:xfrm>
+          <a:prstGeom prst="rect">
+            <a:avLst/>
+          </a:prstGeom>
+          <a:noFill/>
+          <a:ln>
+            <a:solidFill>
+              <a:schemeClr val="tx1"/>
+            </a:solidFill>
+          </a:ln>
+        </p:spPr>
+        <p:txBody>
+          <a:bodyPr wrap="square" rtlCol="0">
+            <a:spAutoFit/>
+          </a:bodyPr>
+          <a:lstStyle/>
+          <a:p>
+            <a:r>
+              <a:rPr lang="en-US" sz="1000" dirty="0"/>
+              <a:t>Source link</a:t>
+            </a:r>
+            <a:endParaRPr lang="en-CA" sz="1000" dirty="0"/>
+          </a:p>
+        </p:txBody>
+      </p:sp>
+      <p:cxnSp>
+        <p:nvCxnSpPr>
+          <p:cNvPr id="6" name="Straight Arrow Connector 5">
+            <a:extLst>
+              <a:ext uri="{FF2B5EF4-FFF2-40B4-BE49-F238E27FC236}">
+                <a16:creationId xmlns:a16="http://schemas.microsoft.com/office/drawing/2014/main" id="{723BBE76-0E9D-A5DF-7828-4DAE20E78935}"/>
+              </a:ext>
+            </a:extLst>
+          </p:cNvPr>
+          <p:cNvCxnSpPr>
+            <a:cxnSpLocks/>
+            <a:stCxn id="5" idx="1"/>
+          </p:cNvCxnSpPr>
+          <p:nvPr/>
+        </p:nvCxnSpPr>
+        <p:spPr>
+          <a:xfrm flipH="1" flipV="1">
+            <a:off x="2441153" y="1359084"/>
+            <a:ext cx="1213134" cy="402833"/>
+          </a:xfrm>
+          <a:prstGeom prst="straightConnector1">
+            <a:avLst/>
+          </a:prstGeom>
+          <a:ln>
+            <a:tailEnd type="triangle"/>
+          </a:ln>
+        </p:spPr>
+        <p:style>
+          <a:lnRef idx="1">
+            <a:schemeClr val="dk1"/>
+          </a:lnRef>
+          <a:fillRef idx="0">
+            <a:schemeClr val="dk1"/>
+          </a:fillRef>
+          <a:effectRef idx="0">
+            <a:schemeClr val="dk1"/>
+          </a:effectRef>
+          <a:fontRef idx="minor">
+            <a:schemeClr val="tx1"/>
+          </a:fontRef>
+        </p:style>
+      </p:cxnSp>
     </p:spTree>
     <p:extLst>
       <p:ext uri="{BB962C8B-B14F-4D97-AF65-F5344CB8AC3E}">
